--- a/Expo-gvSIG.pptx
+++ b/Expo-gvSIG.pptx
@@ -2,11 +2,19 @@
 <file path=ppt/presentation.xml><?xml version="1.0" encoding="utf-8"?>
 <p:presentation xmlns:a="http://schemas.openxmlformats.org/drawingml/2006/main" xmlns:r="http://schemas.openxmlformats.org/officeDocument/2006/relationships" xmlns:p="http://schemas.openxmlformats.org/presentationml/2006/main" saveSubsetFonts="1">
   <p:sldMasterIdLst>
-    <p:sldMasterId id="2147483648" r:id="rId1"/>
+    <p:sldMasterId id="2147483696" r:id="rId1"/>
   </p:sldMasterIdLst>
   <p:sldIdLst>
     <p:sldId id="256" r:id="rId2"/>
     <p:sldId id="257" r:id="rId3"/>
+    <p:sldId id="258" r:id="rId4"/>
+    <p:sldId id="259" r:id="rId5"/>
+    <p:sldId id="260" r:id="rId6"/>
+    <p:sldId id="265" r:id="rId7"/>
+    <p:sldId id="266" r:id="rId8"/>
+    <p:sldId id="262" r:id="rId9"/>
+    <p:sldId id="263" r:id="rId10"/>
+    <p:sldId id="264" r:id="rId11"/>
   </p:sldIdLst>
   <p:sldSz cx="12192000" cy="6858000"/>
   <p:notesSz cx="6858000" cy="9144000"/>
@@ -105,6 +113,11 @@
       </a:defRPr>
     </a:lvl9pPr>
   </p:defaultTextStyle>
+  <p:extLst>
+    <p:ext uri="{EFAFB233-063F-42B5-8137-9DF3F51BA10A}">
+      <p15:sldGuideLst xmlns:p15="http://schemas.microsoft.com/office/powerpoint/2012/main"/>
+    </p:ext>
+  </p:extLst>
 </p:presentation>
 </file>
 
@@ -127,7 +140,7 @@
       </p:grpSpPr>
       <p:sp>
         <p:nvSpPr>
-          <p:cNvPr id="2" name="Título 1"/>
+          <p:cNvPr id="2" name="Title 1"/>
           <p:cNvSpPr>
             <a:spLocks noGrp="1"/>
           </p:cNvSpPr>
@@ -137,15 +150,15 @@
         </p:nvSpPr>
         <p:spPr>
           <a:xfrm>
-            <a:off x="1524000" y="1122363"/>
-            <a:ext cx="9144000" cy="2387600"/>
+            <a:off x="1154955" y="1447800"/>
+            <a:ext cx="8825658" cy="3329581"/>
           </a:xfrm>
         </p:spPr>
         <p:txBody>
           <a:bodyPr anchor="b"/>
           <a:lstStyle>
-            <a:lvl1pPr algn="ctr">
-              <a:defRPr sz="6000"/>
+            <a:lvl1pPr>
+              <a:defRPr sz="7200"/>
             </a:lvl1pPr>
           </a:lstStyle>
           <a:p>
@@ -153,13 +166,13 @@
               <a:rPr lang="es-ES" smtClean="0"/>
               <a:t>Haga clic para modificar el estilo de título del patrón</a:t>
             </a:r>
-            <a:endParaRPr lang="es-EC"/>
-          </a:p>
-        </p:txBody>
-      </p:sp>
-      <p:sp>
-        <p:nvSpPr>
-          <p:cNvPr id="3" name="Subtítulo 2"/>
+            <a:endParaRPr lang="en-US" dirty="0"/>
+          </a:p>
+        </p:txBody>
+      </p:sp>
+      <p:sp>
+        <p:nvSpPr>
+          <p:cNvPr id="3" name="Subtitle 2"/>
           <p:cNvSpPr>
             <a:spLocks noGrp="1"/>
           </p:cNvSpPr>
@@ -169,48 +182,103 @@
         </p:nvSpPr>
         <p:spPr>
           <a:xfrm>
-            <a:off x="1524000" y="3602038"/>
-            <a:ext cx="9144000" cy="1655762"/>
-          </a:xfrm>
-        </p:spPr>
-        <p:txBody>
-          <a:bodyPr/>
+            <a:off x="1154955" y="4777380"/>
+            <a:ext cx="8825658" cy="861420"/>
+          </a:xfrm>
+        </p:spPr>
+        <p:txBody>
+          <a:bodyPr anchor="t"/>
           <a:lstStyle>
-            <a:lvl1pPr marL="0" indent="0" algn="ctr">
-              <a:buNone/>
-              <a:defRPr sz="2400"/>
+            <a:lvl1pPr marL="0" indent="0" algn="l">
+              <a:buNone/>
+              <a:defRPr cap="all">
+                <a:solidFill>
+                  <a:schemeClr val="bg2">
+                    <a:lumMod val="40000"/>
+                    <a:lumOff val="60000"/>
+                  </a:schemeClr>
+                </a:solidFill>
+              </a:defRPr>
             </a:lvl1pPr>
             <a:lvl2pPr marL="457200" indent="0" algn="ctr">
               <a:buNone/>
-              <a:defRPr sz="2000"/>
+              <a:defRPr>
+                <a:solidFill>
+                  <a:schemeClr val="tx1">
+                    <a:tint val="75000"/>
+                  </a:schemeClr>
+                </a:solidFill>
+              </a:defRPr>
             </a:lvl2pPr>
             <a:lvl3pPr marL="914400" indent="0" algn="ctr">
               <a:buNone/>
-              <a:defRPr sz="1800"/>
+              <a:defRPr>
+                <a:solidFill>
+                  <a:schemeClr val="tx1">
+                    <a:tint val="75000"/>
+                  </a:schemeClr>
+                </a:solidFill>
+              </a:defRPr>
             </a:lvl3pPr>
             <a:lvl4pPr marL="1371600" indent="0" algn="ctr">
               <a:buNone/>
-              <a:defRPr sz="1600"/>
+              <a:defRPr>
+                <a:solidFill>
+                  <a:schemeClr val="tx1">
+                    <a:tint val="75000"/>
+                  </a:schemeClr>
+                </a:solidFill>
+              </a:defRPr>
             </a:lvl4pPr>
             <a:lvl5pPr marL="1828800" indent="0" algn="ctr">
               <a:buNone/>
-              <a:defRPr sz="1600"/>
+              <a:defRPr>
+                <a:solidFill>
+                  <a:schemeClr val="tx1">
+                    <a:tint val="75000"/>
+                  </a:schemeClr>
+                </a:solidFill>
+              </a:defRPr>
             </a:lvl5pPr>
             <a:lvl6pPr marL="2286000" indent="0" algn="ctr">
               <a:buNone/>
-              <a:defRPr sz="1600"/>
+              <a:defRPr>
+                <a:solidFill>
+                  <a:schemeClr val="tx1">
+                    <a:tint val="75000"/>
+                  </a:schemeClr>
+                </a:solidFill>
+              </a:defRPr>
             </a:lvl6pPr>
             <a:lvl7pPr marL="2743200" indent="0" algn="ctr">
               <a:buNone/>
-              <a:defRPr sz="1600"/>
+              <a:defRPr>
+                <a:solidFill>
+                  <a:schemeClr val="tx1">
+                    <a:tint val="75000"/>
+                  </a:schemeClr>
+                </a:solidFill>
+              </a:defRPr>
             </a:lvl7pPr>
             <a:lvl8pPr marL="3200400" indent="0" algn="ctr">
               <a:buNone/>
-              <a:defRPr sz="1600"/>
+              <a:defRPr>
+                <a:solidFill>
+                  <a:schemeClr val="tx1">
+                    <a:tint val="75000"/>
+                  </a:schemeClr>
+                </a:solidFill>
+              </a:defRPr>
             </a:lvl8pPr>
             <a:lvl9pPr marL="3657600" indent="0" algn="ctr">
               <a:buNone/>
-              <a:defRPr sz="1600"/>
+              <a:defRPr>
+                <a:solidFill>
+                  <a:schemeClr val="tx1">
+                    <a:tint val="75000"/>
+                  </a:schemeClr>
+                </a:solidFill>
+              </a:defRPr>
             </a:lvl9pPr>
           </a:lstStyle>
           <a:p>
@@ -218,13 +286,13 @@
               <a:rPr lang="es-ES" smtClean="0"/>
               <a:t>Haga clic para modificar el estilo de subtítulo del patrón</a:t>
             </a:r>
-            <a:endParaRPr lang="es-EC"/>
-          </a:p>
-        </p:txBody>
-      </p:sp>
-      <p:sp>
-        <p:nvSpPr>
-          <p:cNvPr id="4" name="Marcador de fecha 3"/>
+            <a:endParaRPr lang="en-US" dirty="0"/>
+          </a:p>
+        </p:txBody>
+      </p:sp>
+      <p:sp>
+        <p:nvSpPr>
+          <p:cNvPr id="4" name="Date Placeholder 3"/>
           <p:cNvSpPr>
             <a:spLocks noGrp="1"/>
           </p:cNvSpPr>
@@ -247,7 +315,7 @@
       </p:sp>
       <p:sp>
         <p:nvSpPr>
-          <p:cNvPr id="5" name="Marcador de pie de página 4"/>
+          <p:cNvPr id="5" name="Footer Placeholder 4"/>
           <p:cNvSpPr>
             <a:spLocks noGrp="1"/>
           </p:cNvSpPr>
@@ -266,7 +334,7 @@
       </p:sp>
       <p:sp>
         <p:nvSpPr>
-          <p:cNvPr id="6" name="Marcador de número de diapositiva 5"/>
+          <p:cNvPr id="6" name="Slide Number Placeholder 5"/>
           <p:cNvSpPr>
             <a:spLocks noGrp="1"/>
           </p:cNvSpPr>
@@ -290,7 +358,7 @@
     </p:spTree>
     <p:extLst>
       <p:ext uri="{BB962C8B-B14F-4D97-AF65-F5344CB8AC3E}">
-        <p14:creationId xmlns:p14="http://schemas.microsoft.com/office/powerpoint/2010/main" val="35553466"/>
+        <p14:creationId xmlns:p14="http://schemas.microsoft.com/office/powerpoint/2010/main" val="954016929"/>
       </p:ext>
     </p:extLst>
   </p:cSld>
@@ -301,6 +369,2572 @@
 </file>
 
 <file path=ppt/slideLayouts/slideLayout10.xml><?xml version="1.0" encoding="utf-8"?>
+<p:sldLayout xmlns:a="http://schemas.openxmlformats.org/drawingml/2006/main" xmlns:r="http://schemas.openxmlformats.org/officeDocument/2006/relationships" xmlns:p="http://schemas.openxmlformats.org/presentationml/2006/main" preserve="1">
+  <p:cSld name="Imagen panorámica con descripción">
+    <p:spTree>
+      <p:nvGrpSpPr>
+        <p:cNvPr id="1" name=""/>
+        <p:cNvGrpSpPr/>
+        <p:nvPr/>
+      </p:nvGrpSpPr>
+      <p:grpSpPr>
+        <a:xfrm>
+          <a:off x="0" y="0"/>
+          <a:ext cx="0" cy="0"/>
+          <a:chOff x="0" y="0"/>
+          <a:chExt cx="0" cy="0"/>
+        </a:xfrm>
+      </p:grpSpPr>
+      <p:sp>
+        <p:nvSpPr>
+          <p:cNvPr id="2" name="Title 1"/>
+          <p:cNvSpPr>
+            <a:spLocks noGrp="1"/>
+          </p:cNvSpPr>
+          <p:nvPr>
+            <p:ph type="title"/>
+          </p:nvPr>
+        </p:nvSpPr>
+        <p:spPr>
+          <a:xfrm>
+            <a:off x="1154956" y="4800587"/>
+            <a:ext cx="8825657" cy="566738"/>
+          </a:xfrm>
+        </p:spPr>
+        <p:txBody>
+          <a:bodyPr anchor="b">
+            <a:normAutofit/>
+          </a:bodyPr>
+          <a:lstStyle>
+            <a:lvl1pPr algn="l">
+              <a:defRPr sz="2400" b="0"/>
+            </a:lvl1pPr>
+          </a:lstStyle>
+          <a:p>
+            <a:r>
+              <a:rPr lang="es-ES" smtClean="0"/>
+              <a:t>Haga clic para modificar el estilo de título del patrón</a:t>
+            </a:r>
+            <a:endParaRPr lang="en-US" dirty="0"/>
+          </a:p>
+        </p:txBody>
+      </p:sp>
+      <p:sp>
+        <p:nvSpPr>
+          <p:cNvPr id="3" name="Picture Placeholder 2"/>
+          <p:cNvSpPr>
+            <a:spLocks noGrp="1" noChangeAspect="1"/>
+          </p:cNvSpPr>
+          <p:nvPr>
+            <p:ph type="pic" idx="1"/>
+          </p:nvPr>
+        </p:nvSpPr>
+        <p:spPr>
+          <a:xfrm>
+            <a:off x="1154955" y="685800"/>
+            <a:ext cx="8825658" cy="3640666"/>
+          </a:xfrm>
+          <a:prstGeom prst="roundRect">
+            <a:avLst>
+              <a:gd name="adj" fmla="val 1858"/>
+            </a:avLst>
+          </a:prstGeom>
+          <a:effectLst>
+            <a:outerShdw blurRad="50800" dist="50800" dir="5400000" algn="tl" rotWithShape="0">
+              <a:srgbClr val="000000">
+                <a:alpha val="43000"/>
+              </a:srgbClr>
+            </a:outerShdw>
+          </a:effectLst>
+        </p:spPr>
+        <p:txBody>
+          <a:bodyPr anchor="t">
+            <a:normAutofit/>
+          </a:bodyPr>
+          <a:lstStyle>
+            <a:lvl1pPr marL="0" indent="0" algn="ctr">
+              <a:buNone/>
+              <a:defRPr sz="1600"/>
+            </a:lvl1pPr>
+            <a:lvl2pPr marL="457200" indent="0">
+              <a:buNone/>
+              <a:defRPr sz="1600"/>
+            </a:lvl2pPr>
+            <a:lvl3pPr marL="914400" indent="0">
+              <a:buNone/>
+              <a:defRPr sz="1600"/>
+            </a:lvl3pPr>
+            <a:lvl4pPr marL="1371600" indent="0">
+              <a:buNone/>
+              <a:defRPr sz="1600"/>
+            </a:lvl4pPr>
+            <a:lvl5pPr marL="1828800" indent="0">
+              <a:buNone/>
+              <a:defRPr sz="1600"/>
+            </a:lvl5pPr>
+            <a:lvl6pPr marL="2286000" indent="0">
+              <a:buNone/>
+              <a:defRPr sz="1600"/>
+            </a:lvl6pPr>
+            <a:lvl7pPr marL="2743200" indent="0">
+              <a:buNone/>
+              <a:defRPr sz="1600"/>
+            </a:lvl7pPr>
+            <a:lvl8pPr marL="3200400" indent="0">
+              <a:buNone/>
+              <a:defRPr sz="1600"/>
+            </a:lvl8pPr>
+            <a:lvl9pPr marL="3657600" indent="0">
+              <a:buNone/>
+              <a:defRPr sz="1600"/>
+            </a:lvl9pPr>
+          </a:lstStyle>
+          <a:p>
+            <a:r>
+              <a:rPr lang="es-ES" smtClean="0"/>
+              <a:t>Haga clic en el icono para agregar una imagen</a:t>
+            </a:r>
+            <a:endParaRPr lang="en-US" dirty="0"/>
+          </a:p>
+        </p:txBody>
+      </p:sp>
+      <p:sp>
+        <p:nvSpPr>
+          <p:cNvPr id="4" name="Text Placeholder 3"/>
+          <p:cNvSpPr>
+            <a:spLocks noGrp="1"/>
+          </p:cNvSpPr>
+          <p:nvPr>
+            <p:ph type="body" sz="half" idx="2"/>
+          </p:nvPr>
+        </p:nvSpPr>
+        <p:spPr>
+          <a:xfrm>
+            <a:off x="1154956" y="5367325"/>
+            <a:ext cx="8825656" cy="493712"/>
+          </a:xfrm>
+        </p:spPr>
+        <p:txBody>
+          <a:bodyPr>
+            <a:normAutofit/>
+          </a:bodyPr>
+          <a:lstStyle>
+            <a:lvl1pPr marL="0" indent="0">
+              <a:buNone/>
+              <a:defRPr sz="1200"/>
+            </a:lvl1pPr>
+            <a:lvl2pPr marL="457200" indent="0">
+              <a:buNone/>
+              <a:defRPr sz="1200"/>
+            </a:lvl2pPr>
+            <a:lvl3pPr marL="914400" indent="0">
+              <a:buNone/>
+              <a:defRPr sz="1000"/>
+            </a:lvl3pPr>
+            <a:lvl4pPr marL="1371600" indent="0">
+              <a:buNone/>
+              <a:defRPr sz="900"/>
+            </a:lvl4pPr>
+            <a:lvl5pPr marL="1828800" indent="0">
+              <a:buNone/>
+              <a:defRPr sz="900"/>
+            </a:lvl5pPr>
+            <a:lvl6pPr marL="2286000" indent="0">
+              <a:buNone/>
+              <a:defRPr sz="900"/>
+            </a:lvl6pPr>
+            <a:lvl7pPr marL="2743200" indent="0">
+              <a:buNone/>
+              <a:defRPr sz="900"/>
+            </a:lvl7pPr>
+            <a:lvl8pPr marL="3200400" indent="0">
+              <a:buNone/>
+              <a:defRPr sz="900"/>
+            </a:lvl8pPr>
+            <a:lvl9pPr marL="3657600" indent="0">
+              <a:buNone/>
+              <a:defRPr sz="900"/>
+            </a:lvl9pPr>
+          </a:lstStyle>
+          <a:p>
+            <a:pPr lvl="0"/>
+            <a:r>
+              <a:rPr lang="es-ES" smtClean="0"/>
+              <a:t>Haga clic para modificar el estilo de texto del patrón</a:t>
+            </a:r>
+          </a:p>
+        </p:txBody>
+      </p:sp>
+      <p:sp>
+        <p:nvSpPr>
+          <p:cNvPr id="5" name="Date Placeholder 4"/>
+          <p:cNvSpPr>
+            <a:spLocks noGrp="1"/>
+          </p:cNvSpPr>
+          <p:nvPr>
+            <p:ph type="dt" sz="half" idx="10"/>
+          </p:nvPr>
+        </p:nvSpPr>
+        <p:spPr/>
+        <p:txBody>
+          <a:bodyPr/>
+          <a:lstStyle/>
+          <a:p>
+            <a:fld id="{75FE89A0-BF76-4052-9819-E3FC0D227D7C}" type="datetimeFigureOut">
+              <a:rPr lang="es-EC" smtClean="0"/>
+              <a:t>18/01/2015</a:t>
+            </a:fld>
+            <a:endParaRPr lang="es-EC"/>
+          </a:p>
+        </p:txBody>
+      </p:sp>
+      <p:sp>
+        <p:nvSpPr>
+          <p:cNvPr id="6" name="Footer Placeholder 5"/>
+          <p:cNvSpPr>
+            <a:spLocks noGrp="1"/>
+          </p:cNvSpPr>
+          <p:nvPr>
+            <p:ph type="ftr" sz="quarter" idx="11"/>
+          </p:nvPr>
+        </p:nvSpPr>
+        <p:spPr/>
+        <p:txBody>
+          <a:bodyPr/>
+          <a:lstStyle/>
+          <a:p>
+            <a:endParaRPr lang="es-EC"/>
+          </a:p>
+        </p:txBody>
+      </p:sp>
+      <p:sp>
+        <p:nvSpPr>
+          <p:cNvPr id="7" name="Slide Number Placeholder 6"/>
+          <p:cNvSpPr>
+            <a:spLocks noGrp="1"/>
+          </p:cNvSpPr>
+          <p:nvPr>
+            <p:ph type="sldNum" sz="quarter" idx="12"/>
+          </p:nvPr>
+        </p:nvSpPr>
+        <p:spPr/>
+        <p:txBody>
+          <a:bodyPr/>
+          <a:lstStyle/>
+          <a:p>
+            <a:fld id="{FA9EBD8A-E488-48E5-B420-541AABF659F8}" type="slidenum">
+              <a:rPr lang="es-EC" smtClean="0"/>
+              <a:t>‹Nº›</a:t>
+            </a:fld>
+            <a:endParaRPr lang="es-EC"/>
+          </a:p>
+        </p:txBody>
+      </p:sp>
+    </p:spTree>
+    <p:extLst>
+      <p:ext uri="{BB962C8B-B14F-4D97-AF65-F5344CB8AC3E}">
+        <p14:creationId xmlns:p14="http://schemas.microsoft.com/office/powerpoint/2010/main" val="1111758191"/>
+      </p:ext>
+    </p:extLst>
+  </p:cSld>
+  <p:clrMapOvr>
+    <a:masterClrMapping/>
+  </p:clrMapOvr>
+</p:sldLayout>
+</file>
+
+<file path=ppt/slideLayouts/slideLayout11.xml><?xml version="1.0" encoding="utf-8"?>
+<p:sldLayout xmlns:a="http://schemas.openxmlformats.org/drawingml/2006/main" xmlns:r="http://schemas.openxmlformats.org/officeDocument/2006/relationships" xmlns:p="http://schemas.openxmlformats.org/presentationml/2006/main" preserve="1">
+  <p:cSld name="Título y descripción">
+    <p:spTree>
+      <p:nvGrpSpPr>
+        <p:cNvPr id="1" name=""/>
+        <p:cNvGrpSpPr/>
+        <p:nvPr/>
+      </p:nvGrpSpPr>
+      <p:grpSpPr>
+        <a:xfrm>
+          <a:off x="0" y="0"/>
+          <a:ext cx="0" cy="0"/>
+          <a:chOff x="0" y="0"/>
+          <a:chExt cx="0" cy="0"/>
+        </a:xfrm>
+      </p:grpSpPr>
+      <p:sp>
+        <p:nvSpPr>
+          <p:cNvPr id="2" name="Title 1"/>
+          <p:cNvSpPr>
+            <a:spLocks noGrp="1"/>
+          </p:cNvSpPr>
+          <p:nvPr>
+            <p:ph type="title"/>
+          </p:nvPr>
+        </p:nvSpPr>
+        <p:spPr>
+          <a:xfrm>
+            <a:off x="1154954" y="1447800"/>
+            <a:ext cx="8825659" cy="1981200"/>
+          </a:xfrm>
+        </p:spPr>
+        <p:txBody>
+          <a:bodyPr/>
+          <a:lstStyle>
+            <a:lvl1pPr>
+              <a:defRPr sz="4800"/>
+            </a:lvl1pPr>
+          </a:lstStyle>
+          <a:p>
+            <a:r>
+              <a:rPr lang="es-ES" smtClean="0"/>
+              <a:t>Haga clic para modificar el estilo de título del patrón</a:t>
+            </a:r>
+            <a:endParaRPr lang="en-US" dirty="0"/>
+          </a:p>
+        </p:txBody>
+      </p:sp>
+      <p:sp>
+        <p:nvSpPr>
+          <p:cNvPr id="8" name="Text Placeholder 3"/>
+          <p:cNvSpPr>
+            <a:spLocks noGrp="1"/>
+          </p:cNvSpPr>
+          <p:nvPr>
+            <p:ph type="body" sz="half" idx="2"/>
+          </p:nvPr>
+        </p:nvSpPr>
+        <p:spPr>
+          <a:xfrm>
+            <a:off x="1154954" y="3657600"/>
+            <a:ext cx="8825659" cy="2362200"/>
+          </a:xfrm>
+        </p:spPr>
+        <p:txBody>
+          <a:bodyPr anchor="ctr">
+            <a:normAutofit/>
+          </a:bodyPr>
+          <a:lstStyle>
+            <a:lvl1pPr marL="0" indent="0">
+              <a:buNone/>
+              <a:defRPr sz="1800"/>
+            </a:lvl1pPr>
+            <a:lvl2pPr marL="457200" indent="0">
+              <a:buNone/>
+              <a:defRPr sz="1200"/>
+            </a:lvl2pPr>
+            <a:lvl3pPr marL="914400" indent="0">
+              <a:buNone/>
+              <a:defRPr sz="1000"/>
+            </a:lvl3pPr>
+            <a:lvl4pPr marL="1371600" indent="0">
+              <a:buNone/>
+              <a:defRPr sz="900"/>
+            </a:lvl4pPr>
+            <a:lvl5pPr marL="1828800" indent="0">
+              <a:buNone/>
+              <a:defRPr sz="900"/>
+            </a:lvl5pPr>
+            <a:lvl6pPr marL="2286000" indent="0">
+              <a:buNone/>
+              <a:defRPr sz="900"/>
+            </a:lvl6pPr>
+            <a:lvl7pPr marL="2743200" indent="0">
+              <a:buNone/>
+              <a:defRPr sz="900"/>
+            </a:lvl7pPr>
+            <a:lvl8pPr marL="3200400" indent="0">
+              <a:buNone/>
+              <a:defRPr sz="900"/>
+            </a:lvl8pPr>
+            <a:lvl9pPr marL="3657600" indent="0">
+              <a:buNone/>
+              <a:defRPr sz="900"/>
+            </a:lvl9pPr>
+          </a:lstStyle>
+          <a:p>
+            <a:pPr lvl="0"/>
+            <a:r>
+              <a:rPr lang="es-ES" smtClean="0"/>
+              <a:t>Haga clic para modificar el estilo de texto del patrón</a:t>
+            </a:r>
+          </a:p>
+        </p:txBody>
+      </p:sp>
+      <p:sp>
+        <p:nvSpPr>
+          <p:cNvPr id="4" name="Date Placeholder 3"/>
+          <p:cNvSpPr>
+            <a:spLocks noGrp="1"/>
+          </p:cNvSpPr>
+          <p:nvPr>
+            <p:ph type="dt" sz="half" idx="10"/>
+          </p:nvPr>
+        </p:nvSpPr>
+        <p:spPr/>
+        <p:txBody>
+          <a:bodyPr/>
+          <a:lstStyle/>
+          <a:p>
+            <a:fld id="{75FE89A0-BF76-4052-9819-E3FC0D227D7C}" type="datetimeFigureOut">
+              <a:rPr lang="es-EC" smtClean="0"/>
+              <a:t>18/01/2015</a:t>
+            </a:fld>
+            <a:endParaRPr lang="es-EC"/>
+          </a:p>
+        </p:txBody>
+      </p:sp>
+      <p:sp>
+        <p:nvSpPr>
+          <p:cNvPr id="5" name="Footer Placeholder 4"/>
+          <p:cNvSpPr>
+            <a:spLocks noGrp="1"/>
+          </p:cNvSpPr>
+          <p:nvPr>
+            <p:ph type="ftr" sz="quarter" idx="11"/>
+          </p:nvPr>
+        </p:nvSpPr>
+        <p:spPr/>
+        <p:txBody>
+          <a:bodyPr/>
+          <a:lstStyle/>
+          <a:p>
+            <a:endParaRPr lang="es-EC"/>
+          </a:p>
+        </p:txBody>
+      </p:sp>
+      <p:sp>
+        <p:nvSpPr>
+          <p:cNvPr id="6" name="Slide Number Placeholder 5"/>
+          <p:cNvSpPr>
+            <a:spLocks noGrp="1"/>
+          </p:cNvSpPr>
+          <p:nvPr>
+            <p:ph type="sldNum" sz="quarter" idx="12"/>
+          </p:nvPr>
+        </p:nvSpPr>
+        <p:spPr/>
+        <p:txBody>
+          <a:bodyPr/>
+          <a:lstStyle/>
+          <a:p>
+            <a:fld id="{FA9EBD8A-E488-48E5-B420-541AABF659F8}" type="slidenum">
+              <a:rPr lang="es-EC" smtClean="0"/>
+              <a:t>‹Nº›</a:t>
+            </a:fld>
+            <a:endParaRPr lang="es-EC"/>
+          </a:p>
+        </p:txBody>
+      </p:sp>
+    </p:spTree>
+    <p:extLst>
+      <p:ext uri="{BB962C8B-B14F-4D97-AF65-F5344CB8AC3E}">
+        <p14:creationId xmlns:p14="http://schemas.microsoft.com/office/powerpoint/2010/main" val="1315451790"/>
+      </p:ext>
+    </p:extLst>
+  </p:cSld>
+  <p:clrMapOvr>
+    <a:masterClrMapping/>
+  </p:clrMapOvr>
+</p:sldLayout>
+</file>
+
+<file path=ppt/slideLayouts/slideLayout12.xml><?xml version="1.0" encoding="utf-8"?>
+<p:sldLayout xmlns:a="http://schemas.openxmlformats.org/drawingml/2006/main" xmlns:r="http://schemas.openxmlformats.org/officeDocument/2006/relationships" xmlns:p="http://schemas.openxmlformats.org/presentationml/2006/main" preserve="1">
+  <p:cSld name="Cita con descripción">
+    <p:spTree>
+      <p:nvGrpSpPr>
+        <p:cNvPr id="1" name=""/>
+        <p:cNvGrpSpPr/>
+        <p:nvPr/>
+      </p:nvGrpSpPr>
+      <p:grpSpPr>
+        <a:xfrm>
+          <a:off x="0" y="0"/>
+          <a:ext cx="0" cy="0"/>
+          <a:chOff x="0" y="0"/>
+          <a:chExt cx="0" cy="0"/>
+        </a:xfrm>
+      </p:grpSpPr>
+      <p:sp>
+        <p:nvSpPr>
+          <p:cNvPr id="2" name="Title 1"/>
+          <p:cNvSpPr>
+            <a:spLocks noGrp="1"/>
+          </p:cNvSpPr>
+          <p:nvPr>
+            <p:ph type="title"/>
+          </p:nvPr>
+        </p:nvSpPr>
+        <p:spPr>
+          <a:xfrm>
+            <a:off x="1574801" y="1447800"/>
+            <a:ext cx="7999315" cy="2323374"/>
+          </a:xfrm>
+        </p:spPr>
+        <p:txBody>
+          <a:bodyPr/>
+          <a:lstStyle>
+            <a:lvl1pPr>
+              <a:defRPr sz="4800"/>
+            </a:lvl1pPr>
+          </a:lstStyle>
+          <a:p>
+            <a:r>
+              <a:rPr lang="es-ES" smtClean="0"/>
+              <a:t>Haga clic para modificar el estilo de título del patrón</a:t>
+            </a:r>
+            <a:endParaRPr lang="en-US" dirty="0"/>
+          </a:p>
+        </p:txBody>
+      </p:sp>
+      <p:sp>
+        <p:nvSpPr>
+          <p:cNvPr id="11" name="Text Placeholder 3"/>
+          <p:cNvSpPr>
+            <a:spLocks noGrp="1"/>
+          </p:cNvSpPr>
+          <p:nvPr>
+            <p:ph type="body" sz="half" idx="14"/>
+          </p:nvPr>
+        </p:nvSpPr>
+        <p:spPr>
+          <a:xfrm>
+            <a:off x="1930400" y="3771174"/>
+            <a:ext cx="7279649" cy="342174"/>
+          </a:xfrm>
+        </p:spPr>
+        <p:txBody>
+          <a:bodyPr vert="horz" lIns="91440" tIns="45720" rIns="91440" bIns="45720" rtlCol="0" anchor="t">
+            <a:normAutofit/>
+          </a:bodyPr>
+          <a:lstStyle>
+            <a:lvl1pPr marL="0" indent="0">
+              <a:buNone/>
+              <a:defRPr lang="en-US" sz="1400" b="0" i="0" kern="1200" cap="small" dirty="0">
+                <a:solidFill>
+                  <a:schemeClr val="bg2">
+                    <a:lumMod val="40000"/>
+                    <a:lumOff val="60000"/>
+                  </a:schemeClr>
+                </a:solidFill>
+                <a:latin typeface="+mj-lt"/>
+                <a:ea typeface="+mj-ea"/>
+                <a:cs typeface="+mj-cs"/>
+              </a:defRPr>
+            </a:lvl1pPr>
+            <a:lvl2pPr marL="457200" indent="0">
+              <a:buNone/>
+              <a:defRPr sz="1200"/>
+            </a:lvl2pPr>
+            <a:lvl3pPr marL="914400" indent="0">
+              <a:buNone/>
+              <a:defRPr sz="1000"/>
+            </a:lvl3pPr>
+            <a:lvl4pPr marL="1371600" indent="0">
+              <a:buNone/>
+              <a:defRPr sz="900"/>
+            </a:lvl4pPr>
+            <a:lvl5pPr marL="1828800" indent="0">
+              <a:buNone/>
+              <a:defRPr sz="900"/>
+            </a:lvl5pPr>
+            <a:lvl6pPr marL="2286000" indent="0">
+              <a:buNone/>
+              <a:defRPr sz="900"/>
+            </a:lvl6pPr>
+            <a:lvl7pPr marL="2743200" indent="0">
+              <a:buNone/>
+              <a:defRPr sz="900"/>
+            </a:lvl7pPr>
+            <a:lvl8pPr marL="3200400" indent="0">
+              <a:buNone/>
+              <a:defRPr sz="900"/>
+            </a:lvl8pPr>
+            <a:lvl9pPr marL="3657600" indent="0">
+              <a:buNone/>
+              <a:defRPr sz="900"/>
+            </a:lvl9pPr>
+          </a:lstStyle>
+          <a:p>
+            <a:pPr marL="0" lvl="0" indent="0">
+              <a:buNone/>
+            </a:pPr>
+            <a:r>
+              <a:rPr lang="es-ES" smtClean="0"/>
+              <a:t>Haga clic para modificar el estilo de texto del patrón</a:t>
+            </a:r>
+          </a:p>
+        </p:txBody>
+      </p:sp>
+      <p:sp>
+        <p:nvSpPr>
+          <p:cNvPr id="10" name="Text Placeholder 3"/>
+          <p:cNvSpPr>
+            <a:spLocks noGrp="1"/>
+          </p:cNvSpPr>
+          <p:nvPr>
+            <p:ph type="body" sz="half" idx="2"/>
+          </p:nvPr>
+        </p:nvSpPr>
+        <p:spPr>
+          <a:xfrm>
+            <a:off x="1154954" y="4350657"/>
+            <a:ext cx="8825659" cy="1676400"/>
+          </a:xfrm>
+        </p:spPr>
+        <p:txBody>
+          <a:bodyPr anchor="ctr">
+            <a:normAutofit/>
+          </a:bodyPr>
+          <a:lstStyle>
+            <a:lvl1pPr marL="0" indent="0">
+              <a:buNone/>
+              <a:defRPr sz="1800"/>
+            </a:lvl1pPr>
+            <a:lvl2pPr marL="457200" indent="0">
+              <a:buNone/>
+              <a:defRPr sz="1200"/>
+            </a:lvl2pPr>
+            <a:lvl3pPr marL="914400" indent="0">
+              <a:buNone/>
+              <a:defRPr sz="1000"/>
+            </a:lvl3pPr>
+            <a:lvl4pPr marL="1371600" indent="0">
+              <a:buNone/>
+              <a:defRPr sz="900"/>
+            </a:lvl4pPr>
+            <a:lvl5pPr marL="1828800" indent="0">
+              <a:buNone/>
+              <a:defRPr sz="900"/>
+            </a:lvl5pPr>
+            <a:lvl6pPr marL="2286000" indent="0">
+              <a:buNone/>
+              <a:defRPr sz="900"/>
+            </a:lvl6pPr>
+            <a:lvl7pPr marL="2743200" indent="0">
+              <a:buNone/>
+              <a:defRPr sz="900"/>
+            </a:lvl7pPr>
+            <a:lvl8pPr marL="3200400" indent="0">
+              <a:buNone/>
+              <a:defRPr sz="900"/>
+            </a:lvl8pPr>
+            <a:lvl9pPr marL="3657600" indent="0">
+              <a:buNone/>
+              <a:defRPr sz="900"/>
+            </a:lvl9pPr>
+          </a:lstStyle>
+          <a:p>
+            <a:pPr lvl="0"/>
+            <a:r>
+              <a:rPr lang="es-ES" smtClean="0"/>
+              <a:t>Haga clic para modificar el estilo de texto del patrón</a:t>
+            </a:r>
+          </a:p>
+        </p:txBody>
+      </p:sp>
+      <p:sp>
+        <p:nvSpPr>
+          <p:cNvPr id="4" name="Date Placeholder 3"/>
+          <p:cNvSpPr>
+            <a:spLocks noGrp="1"/>
+          </p:cNvSpPr>
+          <p:nvPr>
+            <p:ph type="dt" sz="half" idx="10"/>
+          </p:nvPr>
+        </p:nvSpPr>
+        <p:spPr/>
+        <p:txBody>
+          <a:bodyPr/>
+          <a:lstStyle/>
+          <a:p>
+            <a:fld id="{75FE89A0-BF76-4052-9819-E3FC0D227D7C}" type="datetimeFigureOut">
+              <a:rPr lang="es-EC" smtClean="0"/>
+              <a:t>18/01/2015</a:t>
+            </a:fld>
+            <a:endParaRPr lang="es-EC"/>
+          </a:p>
+        </p:txBody>
+      </p:sp>
+      <p:sp>
+        <p:nvSpPr>
+          <p:cNvPr id="5" name="Footer Placeholder 4"/>
+          <p:cNvSpPr>
+            <a:spLocks noGrp="1"/>
+          </p:cNvSpPr>
+          <p:nvPr>
+            <p:ph type="ftr" sz="quarter" idx="11"/>
+          </p:nvPr>
+        </p:nvSpPr>
+        <p:spPr/>
+        <p:txBody>
+          <a:bodyPr/>
+          <a:lstStyle/>
+          <a:p>
+            <a:endParaRPr lang="es-EC"/>
+          </a:p>
+        </p:txBody>
+      </p:sp>
+      <p:sp>
+        <p:nvSpPr>
+          <p:cNvPr id="6" name="Slide Number Placeholder 5"/>
+          <p:cNvSpPr>
+            <a:spLocks noGrp="1"/>
+          </p:cNvSpPr>
+          <p:nvPr>
+            <p:ph type="sldNum" sz="quarter" idx="12"/>
+          </p:nvPr>
+        </p:nvSpPr>
+        <p:spPr/>
+        <p:txBody>
+          <a:bodyPr/>
+          <a:lstStyle/>
+          <a:p>
+            <a:fld id="{FA9EBD8A-E488-48E5-B420-541AABF659F8}" type="slidenum">
+              <a:rPr lang="es-EC" smtClean="0"/>
+              <a:t>‹Nº›</a:t>
+            </a:fld>
+            <a:endParaRPr lang="es-EC"/>
+          </a:p>
+        </p:txBody>
+      </p:sp>
+      <p:sp>
+        <p:nvSpPr>
+          <p:cNvPr id="12" name="TextBox 11"/>
+          <p:cNvSpPr txBox="1"/>
+          <p:nvPr/>
+        </p:nvSpPr>
+        <p:spPr>
+          <a:xfrm>
+            <a:off x="898295" y="971253"/>
+            <a:ext cx="801912" cy="1969770"/>
+          </a:xfrm>
+          <a:prstGeom prst="rect">
+            <a:avLst/>
+          </a:prstGeom>
+          <a:noFill/>
+        </p:spPr>
+        <p:txBody>
+          <a:bodyPr wrap="square" rtlCol="0">
+            <a:spAutoFit/>
+          </a:bodyPr>
+          <a:lstStyle>
+            <a:defPPr>
+              <a:defRPr lang="en-US"/>
+            </a:defPPr>
+            <a:lvl1pPr algn="r">
+              <a:defRPr sz="12200" b="0" i="0">
+                <a:solidFill>
+                  <a:schemeClr val="bg2">
+                    <a:lumMod val="40000"/>
+                    <a:lumOff val="60000"/>
+                  </a:schemeClr>
+                </a:solidFill>
+                <a:latin typeface="Arial"/>
+                <a:ea typeface="+mj-ea"/>
+                <a:cs typeface="+mj-cs"/>
+              </a:defRPr>
+            </a:lvl1pPr>
+          </a:lstStyle>
+          <a:p>
+            <a:pPr lvl="0"/>
+            <a:r>
+              <a:rPr lang="en-US" dirty="0"/>
+              <a:t>“</a:t>
+            </a:r>
+          </a:p>
+        </p:txBody>
+      </p:sp>
+      <p:sp>
+        <p:nvSpPr>
+          <p:cNvPr id="15" name="TextBox 14"/>
+          <p:cNvSpPr txBox="1"/>
+          <p:nvPr/>
+        </p:nvSpPr>
+        <p:spPr>
+          <a:xfrm>
+            <a:off x="9330490" y="2613787"/>
+            <a:ext cx="801912" cy="1969770"/>
+          </a:xfrm>
+          <a:prstGeom prst="rect">
+            <a:avLst/>
+          </a:prstGeom>
+          <a:noFill/>
+        </p:spPr>
+        <p:txBody>
+          <a:bodyPr wrap="square" rtlCol="0">
+            <a:spAutoFit/>
+          </a:bodyPr>
+          <a:lstStyle>
+            <a:defPPr>
+              <a:defRPr lang="en-US"/>
+            </a:defPPr>
+            <a:lvl1pPr algn="r">
+              <a:defRPr sz="12200" b="0" i="0">
+                <a:solidFill>
+                  <a:schemeClr val="bg2">
+                    <a:lumMod val="40000"/>
+                    <a:lumOff val="60000"/>
+                  </a:schemeClr>
+                </a:solidFill>
+                <a:latin typeface="Arial"/>
+                <a:ea typeface="+mj-ea"/>
+                <a:cs typeface="+mj-cs"/>
+              </a:defRPr>
+            </a:lvl1pPr>
+          </a:lstStyle>
+          <a:p>
+            <a:pPr lvl="0"/>
+            <a:r>
+              <a:rPr lang="en-US" dirty="0"/>
+              <a:t>”</a:t>
+            </a:r>
+          </a:p>
+        </p:txBody>
+      </p:sp>
+    </p:spTree>
+    <p:extLst>
+      <p:ext uri="{BB962C8B-B14F-4D97-AF65-F5344CB8AC3E}">
+        <p14:creationId xmlns:p14="http://schemas.microsoft.com/office/powerpoint/2010/main" val="2270437578"/>
+      </p:ext>
+    </p:extLst>
+  </p:cSld>
+  <p:clrMapOvr>
+    <a:masterClrMapping/>
+  </p:clrMapOvr>
+</p:sldLayout>
+</file>
+
+<file path=ppt/slideLayouts/slideLayout13.xml><?xml version="1.0" encoding="utf-8"?>
+<p:sldLayout xmlns:a="http://schemas.openxmlformats.org/drawingml/2006/main" xmlns:r="http://schemas.openxmlformats.org/officeDocument/2006/relationships" xmlns:p="http://schemas.openxmlformats.org/presentationml/2006/main" preserve="1">
+  <p:cSld name="Tarjeta de nombre">
+    <p:spTree>
+      <p:nvGrpSpPr>
+        <p:cNvPr id="1" name=""/>
+        <p:cNvGrpSpPr/>
+        <p:nvPr/>
+      </p:nvGrpSpPr>
+      <p:grpSpPr>
+        <a:xfrm>
+          <a:off x="0" y="0"/>
+          <a:ext cx="0" cy="0"/>
+          <a:chOff x="0" y="0"/>
+          <a:chExt cx="0" cy="0"/>
+        </a:xfrm>
+      </p:grpSpPr>
+      <p:sp>
+        <p:nvSpPr>
+          <p:cNvPr id="2" name="Title 1"/>
+          <p:cNvSpPr>
+            <a:spLocks noGrp="1"/>
+          </p:cNvSpPr>
+          <p:nvPr>
+            <p:ph type="title"/>
+          </p:nvPr>
+        </p:nvSpPr>
+        <p:spPr>
+          <a:xfrm>
+            <a:off x="1154954" y="3124201"/>
+            <a:ext cx="8825660" cy="1653180"/>
+          </a:xfrm>
+        </p:spPr>
+        <p:txBody>
+          <a:bodyPr anchor="b"/>
+          <a:lstStyle>
+            <a:lvl1pPr algn="l">
+              <a:defRPr sz="4000" b="0" cap="none"/>
+            </a:lvl1pPr>
+          </a:lstStyle>
+          <a:p>
+            <a:r>
+              <a:rPr lang="es-ES" smtClean="0"/>
+              <a:t>Haga clic para modificar el estilo de título del patrón</a:t>
+            </a:r>
+            <a:endParaRPr lang="en-US" dirty="0"/>
+          </a:p>
+        </p:txBody>
+      </p:sp>
+      <p:sp>
+        <p:nvSpPr>
+          <p:cNvPr id="3" name="Text Placeholder 2"/>
+          <p:cNvSpPr>
+            <a:spLocks noGrp="1"/>
+          </p:cNvSpPr>
+          <p:nvPr>
+            <p:ph type="body" idx="1"/>
+          </p:nvPr>
+        </p:nvSpPr>
+        <p:spPr>
+          <a:xfrm>
+            <a:off x="1154954" y="4777381"/>
+            <a:ext cx="8825659" cy="860400"/>
+          </a:xfrm>
+        </p:spPr>
+        <p:txBody>
+          <a:bodyPr anchor="t"/>
+          <a:lstStyle>
+            <a:lvl1pPr marL="0" indent="0" algn="l">
+              <a:buNone/>
+              <a:defRPr sz="2000" cap="none">
+                <a:solidFill>
+                  <a:schemeClr val="bg2">
+                    <a:lumMod val="40000"/>
+                    <a:lumOff val="60000"/>
+                  </a:schemeClr>
+                </a:solidFill>
+              </a:defRPr>
+            </a:lvl1pPr>
+            <a:lvl2pPr marL="457200" indent="0">
+              <a:buNone/>
+              <a:defRPr sz="1800">
+                <a:solidFill>
+                  <a:schemeClr val="tx1">
+                    <a:tint val="75000"/>
+                  </a:schemeClr>
+                </a:solidFill>
+              </a:defRPr>
+            </a:lvl2pPr>
+            <a:lvl3pPr marL="914400" indent="0">
+              <a:buNone/>
+              <a:defRPr sz="1600">
+                <a:solidFill>
+                  <a:schemeClr val="tx1">
+                    <a:tint val="75000"/>
+                  </a:schemeClr>
+                </a:solidFill>
+              </a:defRPr>
+            </a:lvl3pPr>
+            <a:lvl4pPr marL="1371600" indent="0">
+              <a:buNone/>
+              <a:defRPr sz="1400">
+                <a:solidFill>
+                  <a:schemeClr val="tx1">
+                    <a:tint val="75000"/>
+                  </a:schemeClr>
+                </a:solidFill>
+              </a:defRPr>
+            </a:lvl4pPr>
+            <a:lvl5pPr marL="1828800" indent="0">
+              <a:buNone/>
+              <a:defRPr sz="1400">
+                <a:solidFill>
+                  <a:schemeClr val="tx1">
+                    <a:tint val="75000"/>
+                  </a:schemeClr>
+                </a:solidFill>
+              </a:defRPr>
+            </a:lvl5pPr>
+            <a:lvl6pPr marL="2286000" indent="0">
+              <a:buNone/>
+              <a:defRPr sz="1400">
+                <a:solidFill>
+                  <a:schemeClr val="tx1">
+                    <a:tint val="75000"/>
+                  </a:schemeClr>
+                </a:solidFill>
+              </a:defRPr>
+            </a:lvl6pPr>
+            <a:lvl7pPr marL="2743200" indent="0">
+              <a:buNone/>
+              <a:defRPr sz="1400">
+                <a:solidFill>
+                  <a:schemeClr val="tx1">
+                    <a:tint val="75000"/>
+                  </a:schemeClr>
+                </a:solidFill>
+              </a:defRPr>
+            </a:lvl7pPr>
+            <a:lvl8pPr marL="3200400" indent="0">
+              <a:buNone/>
+              <a:defRPr sz="1400">
+                <a:solidFill>
+                  <a:schemeClr val="tx1">
+                    <a:tint val="75000"/>
+                  </a:schemeClr>
+                </a:solidFill>
+              </a:defRPr>
+            </a:lvl8pPr>
+            <a:lvl9pPr marL="3657600" indent="0">
+              <a:buNone/>
+              <a:defRPr sz="1400">
+                <a:solidFill>
+                  <a:schemeClr val="tx1">
+                    <a:tint val="75000"/>
+                  </a:schemeClr>
+                </a:solidFill>
+              </a:defRPr>
+            </a:lvl9pPr>
+          </a:lstStyle>
+          <a:p>
+            <a:pPr lvl="0"/>
+            <a:r>
+              <a:rPr lang="es-ES" smtClean="0"/>
+              <a:t>Haga clic para modificar el estilo de texto del patrón</a:t>
+            </a:r>
+          </a:p>
+        </p:txBody>
+      </p:sp>
+      <p:sp>
+        <p:nvSpPr>
+          <p:cNvPr id="4" name="Date Placeholder 3"/>
+          <p:cNvSpPr>
+            <a:spLocks noGrp="1"/>
+          </p:cNvSpPr>
+          <p:nvPr>
+            <p:ph type="dt" sz="half" idx="10"/>
+          </p:nvPr>
+        </p:nvSpPr>
+        <p:spPr/>
+        <p:txBody>
+          <a:bodyPr/>
+          <a:lstStyle/>
+          <a:p>
+            <a:fld id="{75FE89A0-BF76-4052-9819-E3FC0D227D7C}" type="datetimeFigureOut">
+              <a:rPr lang="es-EC" smtClean="0"/>
+              <a:t>18/01/2015</a:t>
+            </a:fld>
+            <a:endParaRPr lang="es-EC"/>
+          </a:p>
+        </p:txBody>
+      </p:sp>
+      <p:sp>
+        <p:nvSpPr>
+          <p:cNvPr id="5" name="Footer Placeholder 4"/>
+          <p:cNvSpPr>
+            <a:spLocks noGrp="1"/>
+          </p:cNvSpPr>
+          <p:nvPr>
+            <p:ph type="ftr" sz="quarter" idx="11"/>
+          </p:nvPr>
+        </p:nvSpPr>
+        <p:spPr/>
+        <p:txBody>
+          <a:bodyPr/>
+          <a:lstStyle/>
+          <a:p>
+            <a:endParaRPr lang="es-EC"/>
+          </a:p>
+        </p:txBody>
+      </p:sp>
+      <p:sp>
+        <p:nvSpPr>
+          <p:cNvPr id="6" name="Slide Number Placeholder 5"/>
+          <p:cNvSpPr>
+            <a:spLocks noGrp="1"/>
+          </p:cNvSpPr>
+          <p:nvPr>
+            <p:ph type="sldNum" sz="quarter" idx="12"/>
+          </p:nvPr>
+        </p:nvSpPr>
+        <p:spPr/>
+        <p:txBody>
+          <a:bodyPr/>
+          <a:lstStyle/>
+          <a:p>
+            <a:fld id="{FA9EBD8A-E488-48E5-B420-541AABF659F8}" type="slidenum">
+              <a:rPr lang="es-EC" smtClean="0"/>
+              <a:t>‹Nº›</a:t>
+            </a:fld>
+            <a:endParaRPr lang="es-EC"/>
+          </a:p>
+        </p:txBody>
+      </p:sp>
+    </p:spTree>
+    <p:extLst>
+      <p:ext uri="{BB962C8B-B14F-4D97-AF65-F5344CB8AC3E}">
+        <p14:creationId xmlns:p14="http://schemas.microsoft.com/office/powerpoint/2010/main" val="534541882"/>
+      </p:ext>
+    </p:extLst>
+  </p:cSld>
+  <p:clrMapOvr>
+    <a:masterClrMapping/>
+  </p:clrMapOvr>
+</p:sldLayout>
+</file>
+
+<file path=ppt/slideLayouts/slideLayout14.xml><?xml version="1.0" encoding="utf-8"?>
+<p:sldLayout xmlns:a="http://schemas.openxmlformats.org/drawingml/2006/main" xmlns:r="http://schemas.openxmlformats.org/officeDocument/2006/relationships" xmlns:p="http://schemas.openxmlformats.org/presentationml/2006/main" preserve="1">
+  <p:cSld name="Columna 3">
+    <p:spTree>
+      <p:nvGrpSpPr>
+        <p:cNvPr id="1" name=""/>
+        <p:cNvGrpSpPr/>
+        <p:nvPr/>
+      </p:nvGrpSpPr>
+      <p:grpSpPr>
+        <a:xfrm>
+          <a:off x="0" y="0"/>
+          <a:ext cx="0" cy="0"/>
+          <a:chOff x="0" y="0"/>
+          <a:chExt cx="0" cy="0"/>
+        </a:xfrm>
+      </p:grpSpPr>
+      <p:sp>
+        <p:nvSpPr>
+          <p:cNvPr id="2" name="Title 1"/>
+          <p:cNvSpPr>
+            <a:spLocks noGrp="1"/>
+          </p:cNvSpPr>
+          <p:nvPr>
+            <p:ph type="title"/>
+          </p:nvPr>
+        </p:nvSpPr>
+        <p:spPr/>
+        <p:txBody>
+          <a:bodyPr/>
+          <a:lstStyle>
+            <a:lvl1pPr>
+              <a:defRPr sz="4200"/>
+            </a:lvl1pPr>
+          </a:lstStyle>
+          <a:p>
+            <a:r>
+              <a:rPr lang="es-ES" smtClean="0"/>
+              <a:t>Haga clic para modificar el estilo de título del patrón</a:t>
+            </a:r>
+            <a:endParaRPr lang="en-US" dirty="0"/>
+          </a:p>
+        </p:txBody>
+      </p:sp>
+      <p:sp>
+        <p:nvSpPr>
+          <p:cNvPr id="3" name="Text Placeholder 2"/>
+          <p:cNvSpPr>
+            <a:spLocks noGrp="1"/>
+          </p:cNvSpPr>
+          <p:nvPr>
+            <p:ph type="body" idx="1"/>
+          </p:nvPr>
+        </p:nvSpPr>
+        <p:spPr>
+          <a:xfrm>
+            <a:off x="632947" y="1981200"/>
+            <a:ext cx="2946866" cy="576262"/>
+          </a:xfrm>
+        </p:spPr>
+        <p:txBody>
+          <a:bodyPr anchor="b">
+            <a:noAutofit/>
+          </a:bodyPr>
+          <a:lstStyle>
+            <a:lvl1pPr marL="0" indent="0">
+              <a:buNone/>
+              <a:defRPr sz="2400" b="0">
+                <a:solidFill>
+                  <a:schemeClr val="bg2">
+                    <a:lumMod val="40000"/>
+                    <a:lumOff val="60000"/>
+                  </a:schemeClr>
+                </a:solidFill>
+              </a:defRPr>
+            </a:lvl1pPr>
+            <a:lvl2pPr marL="457200" indent="0">
+              <a:buNone/>
+              <a:defRPr sz="2000" b="1"/>
+            </a:lvl2pPr>
+            <a:lvl3pPr marL="914400" indent="0">
+              <a:buNone/>
+              <a:defRPr sz="1800" b="1"/>
+            </a:lvl3pPr>
+            <a:lvl4pPr marL="1371600" indent="0">
+              <a:buNone/>
+              <a:defRPr sz="1600" b="1"/>
+            </a:lvl4pPr>
+            <a:lvl5pPr marL="1828800" indent="0">
+              <a:buNone/>
+              <a:defRPr sz="1600" b="1"/>
+            </a:lvl5pPr>
+            <a:lvl6pPr marL="2286000" indent="0">
+              <a:buNone/>
+              <a:defRPr sz="1600" b="1"/>
+            </a:lvl6pPr>
+            <a:lvl7pPr marL="2743200" indent="0">
+              <a:buNone/>
+              <a:defRPr sz="1600" b="1"/>
+            </a:lvl7pPr>
+            <a:lvl8pPr marL="3200400" indent="0">
+              <a:buNone/>
+              <a:defRPr sz="1600" b="1"/>
+            </a:lvl8pPr>
+            <a:lvl9pPr marL="3657600" indent="0">
+              <a:buNone/>
+              <a:defRPr sz="1600" b="1"/>
+            </a:lvl9pPr>
+          </a:lstStyle>
+          <a:p>
+            <a:pPr lvl="0"/>
+            <a:r>
+              <a:rPr lang="es-ES" smtClean="0"/>
+              <a:t>Haga clic para modificar el estilo de texto del patrón</a:t>
+            </a:r>
+          </a:p>
+        </p:txBody>
+      </p:sp>
+      <p:sp>
+        <p:nvSpPr>
+          <p:cNvPr id="16" name="Text Placeholder 3"/>
+          <p:cNvSpPr>
+            <a:spLocks noGrp="1"/>
+          </p:cNvSpPr>
+          <p:nvPr>
+            <p:ph type="body" sz="half" idx="15"/>
+          </p:nvPr>
+        </p:nvSpPr>
+        <p:spPr>
+          <a:xfrm>
+            <a:off x="652463" y="2667000"/>
+            <a:ext cx="2927350" cy="3589338"/>
+          </a:xfrm>
+        </p:spPr>
+        <p:txBody>
+          <a:bodyPr anchor="t">
+            <a:normAutofit/>
+          </a:bodyPr>
+          <a:lstStyle>
+            <a:lvl1pPr marL="0" indent="0">
+              <a:buNone/>
+              <a:defRPr sz="1400"/>
+            </a:lvl1pPr>
+            <a:lvl2pPr marL="457200" indent="0">
+              <a:buNone/>
+              <a:defRPr sz="1200"/>
+            </a:lvl2pPr>
+            <a:lvl3pPr marL="914400" indent="0">
+              <a:buNone/>
+              <a:defRPr sz="1000"/>
+            </a:lvl3pPr>
+            <a:lvl4pPr marL="1371600" indent="0">
+              <a:buNone/>
+              <a:defRPr sz="900"/>
+            </a:lvl4pPr>
+            <a:lvl5pPr marL="1828800" indent="0">
+              <a:buNone/>
+              <a:defRPr sz="900"/>
+            </a:lvl5pPr>
+            <a:lvl6pPr marL="2286000" indent="0">
+              <a:buNone/>
+              <a:defRPr sz="900"/>
+            </a:lvl6pPr>
+            <a:lvl7pPr marL="2743200" indent="0">
+              <a:buNone/>
+              <a:defRPr sz="900"/>
+            </a:lvl7pPr>
+            <a:lvl8pPr marL="3200400" indent="0">
+              <a:buNone/>
+              <a:defRPr sz="900"/>
+            </a:lvl8pPr>
+            <a:lvl9pPr marL="3657600" indent="0">
+              <a:buNone/>
+              <a:defRPr sz="900"/>
+            </a:lvl9pPr>
+          </a:lstStyle>
+          <a:p>
+            <a:pPr lvl="0"/>
+            <a:r>
+              <a:rPr lang="es-ES" smtClean="0"/>
+              <a:t>Haga clic para modificar el estilo de texto del patrón</a:t>
+            </a:r>
+          </a:p>
+        </p:txBody>
+      </p:sp>
+      <p:sp>
+        <p:nvSpPr>
+          <p:cNvPr id="5" name="Text Placeholder 4"/>
+          <p:cNvSpPr>
+            <a:spLocks noGrp="1"/>
+          </p:cNvSpPr>
+          <p:nvPr>
+            <p:ph type="body" sz="quarter" idx="3"/>
+          </p:nvPr>
+        </p:nvSpPr>
+        <p:spPr>
+          <a:xfrm>
+            <a:off x="3883659" y="1981200"/>
+            <a:ext cx="2936241" cy="576262"/>
+          </a:xfrm>
+        </p:spPr>
+        <p:txBody>
+          <a:bodyPr anchor="b">
+            <a:noAutofit/>
+          </a:bodyPr>
+          <a:lstStyle>
+            <a:lvl1pPr marL="0" indent="0">
+              <a:buNone/>
+              <a:defRPr sz="2400" b="0">
+                <a:solidFill>
+                  <a:schemeClr val="bg2">
+                    <a:lumMod val="40000"/>
+                    <a:lumOff val="60000"/>
+                  </a:schemeClr>
+                </a:solidFill>
+              </a:defRPr>
+            </a:lvl1pPr>
+            <a:lvl2pPr marL="457200" indent="0">
+              <a:buNone/>
+              <a:defRPr sz="2000" b="1"/>
+            </a:lvl2pPr>
+            <a:lvl3pPr marL="914400" indent="0">
+              <a:buNone/>
+              <a:defRPr sz="1800" b="1"/>
+            </a:lvl3pPr>
+            <a:lvl4pPr marL="1371600" indent="0">
+              <a:buNone/>
+              <a:defRPr sz="1600" b="1"/>
+            </a:lvl4pPr>
+            <a:lvl5pPr marL="1828800" indent="0">
+              <a:buNone/>
+              <a:defRPr sz="1600" b="1"/>
+            </a:lvl5pPr>
+            <a:lvl6pPr marL="2286000" indent="0">
+              <a:buNone/>
+              <a:defRPr sz="1600" b="1"/>
+            </a:lvl6pPr>
+            <a:lvl7pPr marL="2743200" indent="0">
+              <a:buNone/>
+              <a:defRPr sz="1600" b="1"/>
+            </a:lvl7pPr>
+            <a:lvl8pPr marL="3200400" indent="0">
+              <a:buNone/>
+              <a:defRPr sz="1600" b="1"/>
+            </a:lvl8pPr>
+            <a:lvl9pPr marL="3657600" indent="0">
+              <a:buNone/>
+              <a:defRPr sz="1600" b="1"/>
+            </a:lvl9pPr>
+          </a:lstStyle>
+          <a:p>
+            <a:pPr lvl="0"/>
+            <a:r>
+              <a:rPr lang="es-ES" smtClean="0"/>
+              <a:t>Haga clic para modificar el estilo de texto del patrón</a:t>
+            </a:r>
+          </a:p>
+        </p:txBody>
+      </p:sp>
+      <p:sp>
+        <p:nvSpPr>
+          <p:cNvPr id="19" name="Text Placeholder 3"/>
+          <p:cNvSpPr>
+            <a:spLocks noGrp="1"/>
+          </p:cNvSpPr>
+          <p:nvPr>
+            <p:ph type="body" sz="half" idx="16"/>
+          </p:nvPr>
+        </p:nvSpPr>
+        <p:spPr>
+          <a:xfrm>
+            <a:off x="3873106" y="2667000"/>
+            <a:ext cx="2946794" cy="3589338"/>
+          </a:xfrm>
+        </p:spPr>
+        <p:txBody>
+          <a:bodyPr anchor="t">
+            <a:normAutofit/>
+          </a:bodyPr>
+          <a:lstStyle>
+            <a:lvl1pPr marL="0" indent="0">
+              <a:buNone/>
+              <a:defRPr sz="1400"/>
+            </a:lvl1pPr>
+            <a:lvl2pPr marL="457200" indent="0">
+              <a:buNone/>
+              <a:defRPr sz="1200"/>
+            </a:lvl2pPr>
+            <a:lvl3pPr marL="914400" indent="0">
+              <a:buNone/>
+              <a:defRPr sz="1000"/>
+            </a:lvl3pPr>
+            <a:lvl4pPr marL="1371600" indent="0">
+              <a:buNone/>
+              <a:defRPr sz="900"/>
+            </a:lvl4pPr>
+            <a:lvl5pPr marL="1828800" indent="0">
+              <a:buNone/>
+              <a:defRPr sz="900"/>
+            </a:lvl5pPr>
+            <a:lvl6pPr marL="2286000" indent="0">
+              <a:buNone/>
+              <a:defRPr sz="900"/>
+            </a:lvl6pPr>
+            <a:lvl7pPr marL="2743200" indent="0">
+              <a:buNone/>
+              <a:defRPr sz="900"/>
+            </a:lvl7pPr>
+            <a:lvl8pPr marL="3200400" indent="0">
+              <a:buNone/>
+              <a:defRPr sz="900"/>
+            </a:lvl8pPr>
+            <a:lvl9pPr marL="3657600" indent="0">
+              <a:buNone/>
+              <a:defRPr sz="900"/>
+            </a:lvl9pPr>
+          </a:lstStyle>
+          <a:p>
+            <a:pPr lvl="0"/>
+            <a:r>
+              <a:rPr lang="es-ES" smtClean="0"/>
+              <a:t>Haga clic para modificar el estilo de texto del patrón</a:t>
+            </a:r>
+          </a:p>
+        </p:txBody>
+      </p:sp>
+      <p:sp>
+        <p:nvSpPr>
+          <p:cNvPr id="14" name="Text Placeholder 4"/>
+          <p:cNvSpPr>
+            <a:spLocks noGrp="1"/>
+          </p:cNvSpPr>
+          <p:nvPr>
+            <p:ph type="body" sz="quarter" idx="13"/>
+          </p:nvPr>
+        </p:nvSpPr>
+        <p:spPr>
+          <a:xfrm>
+            <a:off x="7124700" y="1981200"/>
+            <a:ext cx="2932113" cy="576262"/>
+          </a:xfrm>
+        </p:spPr>
+        <p:txBody>
+          <a:bodyPr anchor="b">
+            <a:noAutofit/>
+          </a:bodyPr>
+          <a:lstStyle>
+            <a:lvl1pPr marL="0" indent="0">
+              <a:buNone/>
+              <a:defRPr sz="2400" b="0">
+                <a:solidFill>
+                  <a:schemeClr val="bg2">
+                    <a:lumMod val="40000"/>
+                    <a:lumOff val="60000"/>
+                  </a:schemeClr>
+                </a:solidFill>
+              </a:defRPr>
+            </a:lvl1pPr>
+            <a:lvl2pPr marL="457200" indent="0">
+              <a:buNone/>
+              <a:defRPr sz="2000" b="1"/>
+            </a:lvl2pPr>
+            <a:lvl3pPr marL="914400" indent="0">
+              <a:buNone/>
+              <a:defRPr sz="1800" b="1"/>
+            </a:lvl3pPr>
+            <a:lvl4pPr marL="1371600" indent="0">
+              <a:buNone/>
+              <a:defRPr sz="1600" b="1"/>
+            </a:lvl4pPr>
+            <a:lvl5pPr marL="1828800" indent="0">
+              <a:buNone/>
+              <a:defRPr sz="1600" b="1"/>
+            </a:lvl5pPr>
+            <a:lvl6pPr marL="2286000" indent="0">
+              <a:buNone/>
+              <a:defRPr sz="1600" b="1"/>
+            </a:lvl6pPr>
+            <a:lvl7pPr marL="2743200" indent="0">
+              <a:buNone/>
+              <a:defRPr sz="1600" b="1"/>
+            </a:lvl7pPr>
+            <a:lvl8pPr marL="3200400" indent="0">
+              <a:buNone/>
+              <a:defRPr sz="1600" b="1"/>
+            </a:lvl8pPr>
+            <a:lvl9pPr marL="3657600" indent="0">
+              <a:buNone/>
+              <a:defRPr sz="1600" b="1"/>
+            </a:lvl9pPr>
+          </a:lstStyle>
+          <a:p>
+            <a:pPr lvl="0"/>
+            <a:r>
+              <a:rPr lang="es-ES" smtClean="0"/>
+              <a:t>Haga clic para modificar el estilo de texto del patrón</a:t>
+            </a:r>
+          </a:p>
+        </p:txBody>
+      </p:sp>
+      <p:sp>
+        <p:nvSpPr>
+          <p:cNvPr id="20" name="Text Placeholder 3"/>
+          <p:cNvSpPr>
+            <a:spLocks noGrp="1"/>
+          </p:cNvSpPr>
+          <p:nvPr>
+            <p:ph type="body" sz="half" idx="17"/>
+          </p:nvPr>
+        </p:nvSpPr>
+        <p:spPr>
+          <a:xfrm>
+            <a:off x="7124700" y="2667000"/>
+            <a:ext cx="2932113" cy="3589338"/>
+          </a:xfrm>
+        </p:spPr>
+        <p:txBody>
+          <a:bodyPr anchor="t">
+            <a:normAutofit/>
+          </a:bodyPr>
+          <a:lstStyle>
+            <a:lvl1pPr marL="0" indent="0">
+              <a:buNone/>
+              <a:defRPr sz="1400"/>
+            </a:lvl1pPr>
+            <a:lvl2pPr marL="457200" indent="0">
+              <a:buNone/>
+              <a:defRPr sz="1200"/>
+            </a:lvl2pPr>
+            <a:lvl3pPr marL="914400" indent="0">
+              <a:buNone/>
+              <a:defRPr sz="1000"/>
+            </a:lvl3pPr>
+            <a:lvl4pPr marL="1371600" indent="0">
+              <a:buNone/>
+              <a:defRPr sz="900"/>
+            </a:lvl4pPr>
+            <a:lvl5pPr marL="1828800" indent="0">
+              <a:buNone/>
+              <a:defRPr sz="900"/>
+            </a:lvl5pPr>
+            <a:lvl6pPr marL="2286000" indent="0">
+              <a:buNone/>
+              <a:defRPr sz="900"/>
+            </a:lvl6pPr>
+            <a:lvl7pPr marL="2743200" indent="0">
+              <a:buNone/>
+              <a:defRPr sz="900"/>
+            </a:lvl7pPr>
+            <a:lvl8pPr marL="3200400" indent="0">
+              <a:buNone/>
+              <a:defRPr sz="900"/>
+            </a:lvl8pPr>
+            <a:lvl9pPr marL="3657600" indent="0">
+              <a:buNone/>
+              <a:defRPr sz="900"/>
+            </a:lvl9pPr>
+          </a:lstStyle>
+          <a:p>
+            <a:pPr lvl="0"/>
+            <a:r>
+              <a:rPr lang="es-ES" smtClean="0"/>
+              <a:t>Haga clic para modificar el estilo de texto del patrón</a:t>
+            </a:r>
+          </a:p>
+        </p:txBody>
+      </p:sp>
+      <p:cxnSp>
+        <p:nvCxnSpPr>
+          <p:cNvPr id="17" name="Straight Connector 16"/>
+          <p:cNvCxnSpPr/>
+          <p:nvPr/>
+        </p:nvCxnSpPr>
+        <p:spPr>
+          <a:xfrm>
+            <a:off x="3726142" y="2133600"/>
+            <a:ext cx="0" cy="3962400"/>
+          </a:xfrm>
+          <a:prstGeom prst="line">
+            <a:avLst/>
+          </a:prstGeom>
+          <a:ln w="12700" cmpd="sng">
+            <a:solidFill>
+              <a:schemeClr val="bg2">
+                <a:lumMod val="40000"/>
+                <a:lumOff val="60000"/>
+                <a:alpha val="40000"/>
+              </a:schemeClr>
+            </a:solidFill>
+          </a:ln>
+        </p:spPr>
+        <p:style>
+          <a:lnRef idx="2">
+            <a:schemeClr val="accent1"/>
+          </a:lnRef>
+          <a:fillRef idx="0">
+            <a:schemeClr val="accent1"/>
+          </a:fillRef>
+          <a:effectRef idx="1">
+            <a:schemeClr val="accent1"/>
+          </a:effectRef>
+          <a:fontRef idx="minor">
+            <a:schemeClr val="tx1"/>
+          </a:fontRef>
+        </p:style>
+      </p:cxnSp>
+      <p:cxnSp>
+        <p:nvCxnSpPr>
+          <p:cNvPr id="18" name="Straight Connector 17"/>
+          <p:cNvCxnSpPr/>
+          <p:nvPr/>
+        </p:nvCxnSpPr>
+        <p:spPr>
+          <a:xfrm>
+            <a:off x="6962227" y="2133600"/>
+            <a:ext cx="0" cy="3966882"/>
+          </a:xfrm>
+          <a:prstGeom prst="line">
+            <a:avLst/>
+          </a:prstGeom>
+          <a:ln w="12700" cmpd="sng">
+            <a:solidFill>
+              <a:schemeClr val="bg2">
+                <a:lumMod val="40000"/>
+                <a:lumOff val="60000"/>
+                <a:alpha val="40000"/>
+              </a:schemeClr>
+            </a:solidFill>
+          </a:ln>
+        </p:spPr>
+        <p:style>
+          <a:lnRef idx="2">
+            <a:schemeClr val="accent1"/>
+          </a:lnRef>
+          <a:fillRef idx="0">
+            <a:schemeClr val="accent1"/>
+          </a:fillRef>
+          <a:effectRef idx="1">
+            <a:schemeClr val="accent1"/>
+          </a:effectRef>
+          <a:fontRef idx="minor">
+            <a:schemeClr val="tx1"/>
+          </a:fontRef>
+        </p:style>
+      </p:cxnSp>
+      <p:sp>
+        <p:nvSpPr>
+          <p:cNvPr id="7" name="Date Placeholder 3"/>
+          <p:cNvSpPr>
+            <a:spLocks noGrp="1"/>
+          </p:cNvSpPr>
+          <p:nvPr>
+            <p:ph type="dt" sz="half" idx="10"/>
+          </p:nvPr>
+        </p:nvSpPr>
+        <p:spPr/>
+        <p:txBody>
+          <a:bodyPr/>
+          <a:lstStyle/>
+          <a:p>
+            <a:fld id="{75FE89A0-BF76-4052-9819-E3FC0D227D7C}" type="datetimeFigureOut">
+              <a:rPr lang="es-EC" smtClean="0"/>
+              <a:t>18/01/2015</a:t>
+            </a:fld>
+            <a:endParaRPr lang="es-EC"/>
+          </a:p>
+        </p:txBody>
+      </p:sp>
+      <p:sp>
+        <p:nvSpPr>
+          <p:cNvPr id="4" name="Footer Placeholder 4"/>
+          <p:cNvSpPr>
+            <a:spLocks noGrp="1"/>
+          </p:cNvSpPr>
+          <p:nvPr>
+            <p:ph type="ftr" sz="quarter" idx="11"/>
+          </p:nvPr>
+        </p:nvSpPr>
+        <p:spPr/>
+        <p:txBody>
+          <a:bodyPr/>
+          <a:lstStyle/>
+          <a:p>
+            <a:endParaRPr lang="es-EC"/>
+          </a:p>
+        </p:txBody>
+      </p:sp>
+      <p:sp>
+        <p:nvSpPr>
+          <p:cNvPr id="6" name="Slide Number Placeholder 5"/>
+          <p:cNvSpPr>
+            <a:spLocks noGrp="1"/>
+          </p:cNvSpPr>
+          <p:nvPr>
+            <p:ph type="sldNum" sz="quarter" idx="12"/>
+          </p:nvPr>
+        </p:nvSpPr>
+        <p:spPr/>
+        <p:txBody>
+          <a:bodyPr/>
+          <a:lstStyle/>
+          <a:p>
+            <a:fld id="{FA9EBD8A-E488-48E5-B420-541AABF659F8}" type="slidenum">
+              <a:rPr lang="es-EC" smtClean="0"/>
+              <a:t>‹Nº›</a:t>
+            </a:fld>
+            <a:endParaRPr lang="es-EC"/>
+          </a:p>
+        </p:txBody>
+      </p:sp>
+    </p:spTree>
+    <p:extLst>
+      <p:ext uri="{BB962C8B-B14F-4D97-AF65-F5344CB8AC3E}">
+        <p14:creationId xmlns:p14="http://schemas.microsoft.com/office/powerpoint/2010/main" val="3167787087"/>
+      </p:ext>
+    </p:extLst>
+  </p:cSld>
+  <p:clrMapOvr>
+    <a:masterClrMapping/>
+  </p:clrMapOvr>
+</p:sldLayout>
+</file>
+
+<file path=ppt/slideLayouts/slideLayout15.xml><?xml version="1.0" encoding="utf-8"?>
+<p:sldLayout xmlns:a="http://schemas.openxmlformats.org/drawingml/2006/main" xmlns:r="http://schemas.openxmlformats.org/officeDocument/2006/relationships" xmlns:p="http://schemas.openxmlformats.org/presentationml/2006/main" preserve="1">
+  <p:cSld name="Columna de imagen 3">
+    <p:spTree>
+      <p:nvGrpSpPr>
+        <p:cNvPr id="1" name=""/>
+        <p:cNvGrpSpPr/>
+        <p:nvPr/>
+      </p:nvGrpSpPr>
+      <p:grpSpPr>
+        <a:xfrm>
+          <a:off x="0" y="0"/>
+          <a:ext cx="0" cy="0"/>
+          <a:chOff x="0" y="0"/>
+          <a:chExt cx="0" cy="0"/>
+        </a:xfrm>
+      </p:grpSpPr>
+      <p:sp>
+        <p:nvSpPr>
+          <p:cNvPr id="2" name="Title 1"/>
+          <p:cNvSpPr>
+            <a:spLocks noGrp="1"/>
+          </p:cNvSpPr>
+          <p:nvPr>
+            <p:ph type="title"/>
+          </p:nvPr>
+        </p:nvSpPr>
+        <p:spPr/>
+        <p:txBody>
+          <a:bodyPr/>
+          <a:lstStyle>
+            <a:lvl1pPr>
+              <a:defRPr sz="4200"/>
+            </a:lvl1pPr>
+          </a:lstStyle>
+          <a:p>
+            <a:r>
+              <a:rPr lang="es-ES" smtClean="0"/>
+              <a:t>Haga clic para modificar el estilo de título del patrón</a:t>
+            </a:r>
+            <a:endParaRPr lang="en-US" dirty="0"/>
+          </a:p>
+        </p:txBody>
+      </p:sp>
+      <p:sp>
+        <p:nvSpPr>
+          <p:cNvPr id="3" name="Text Placeholder 2"/>
+          <p:cNvSpPr>
+            <a:spLocks noGrp="1"/>
+          </p:cNvSpPr>
+          <p:nvPr>
+            <p:ph type="body" idx="1"/>
+          </p:nvPr>
+        </p:nvSpPr>
+        <p:spPr>
+          <a:xfrm>
+            <a:off x="652463" y="4250949"/>
+            <a:ext cx="2940050" cy="576262"/>
+          </a:xfrm>
+        </p:spPr>
+        <p:txBody>
+          <a:bodyPr anchor="b">
+            <a:noAutofit/>
+          </a:bodyPr>
+          <a:lstStyle>
+            <a:lvl1pPr marL="0" indent="0">
+              <a:buNone/>
+              <a:defRPr sz="2400" b="0">
+                <a:solidFill>
+                  <a:schemeClr val="bg2">
+                    <a:lumMod val="40000"/>
+                    <a:lumOff val="60000"/>
+                  </a:schemeClr>
+                </a:solidFill>
+              </a:defRPr>
+            </a:lvl1pPr>
+            <a:lvl2pPr marL="457200" indent="0">
+              <a:buNone/>
+              <a:defRPr sz="2000" b="1"/>
+            </a:lvl2pPr>
+            <a:lvl3pPr marL="914400" indent="0">
+              <a:buNone/>
+              <a:defRPr sz="1800" b="1"/>
+            </a:lvl3pPr>
+            <a:lvl4pPr marL="1371600" indent="0">
+              <a:buNone/>
+              <a:defRPr sz="1600" b="1"/>
+            </a:lvl4pPr>
+            <a:lvl5pPr marL="1828800" indent="0">
+              <a:buNone/>
+              <a:defRPr sz="1600" b="1"/>
+            </a:lvl5pPr>
+            <a:lvl6pPr marL="2286000" indent="0">
+              <a:buNone/>
+              <a:defRPr sz="1600" b="1"/>
+            </a:lvl6pPr>
+            <a:lvl7pPr marL="2743200" indent="0">
+              <a:buNone/>
+              <a:defRPr sz="1600" b="1"/>
+            </a:lvl7pPr>
+            <a:lvl8pPr marL="3200400" indent="0">
+              <a:buNone/>
+              <a:defRPr sz="1600" b="1"/>
+            </a:lvl8pPr>
+            <a:lvl9pPr marL="3657600" indent="0">
+              <a:buNone/>
+              <a:defRPr sz="1600" b="1"/>
+            </a:lvl9pPr>
+          </a:lstStyle>
+          <a:p>
+            <a:pPr lvl="0"/>
+            <a:r>
+              <a:rPr lang="es-ES" smtClean="0"/>
+              <a:t>Haga clic para modificar el estilo de texto del patrón</a:t>
+            </a:r>
+          </a:p>
+        </p:txBody>
+      </p:sp>
+      <p:sp>
+        <p:nvSpPr>
+          <p:cNvPr id="29" name="Picture Placeholder 2"/>
+          <p:cNvSpPr>
+            <a:spLocks noGrp="1" noChangeAspect="1"/>
+          </p:cNvSpPr>
+          <p:nvPr>
+            <p:ph type="pic" idx="15"/>
+          </p:nvPr>
+        </p:nvSpPr>
+        <p:spPr>
+          <a:xfrm>
+            <a:off x="652463" y="2209800"/>
+            <a:ext cx="2940050" cy="1524000"/>
+          </a:xfrm>
+          <a:prstGeom prst="roundRect">
+            <a:avLst>
+              <a:gd name="adj" fmla="val 1858"/>
+            </a:avLst>
+          </a:prstGeom>
+          <a:effectLst>
+            <a:outerShdw blurRad="50800" dist="50800" dir="5400000" algn="tl" rotWithShape="0">
+              <a:srgbClr val="000000">
+                <a:alpha val="43000"/>
+              </a:srgbClr>
+            </a:outerShdw>
+          </a:effectLst>
+        </p:spPr>
+        <p:txBody>
+          <a:bodyPr anchor="t">
+            <a:normAutofit/>
+          </a:bodyPr>
+          <a:lstStyle>
+            <a:lvl1pPr marL="0" indent="0" algn="ctr">
+              <a:buNone/>
+              <a:defRPr sz="1600"/>
+            </a:lvl1pPr>
+            <a:lvl2pPr marL="457200" indent="0">
+              <a:buNone/>
+              <a:defRPr sz="1600"/>
+            </a:lvl2pPr>
+            <a:lvl3pPr marL="914400" indent="0">
+              <a:buNone/>
+              <a:defRPr sz="1600"/>
+            </a:lvl3pPr>
+            <a:lvl4pPr marL="1371600" indent="0">
+              <a:buNone/>
+              <a:defRPr sz="1600"/>
+            </a:lvl4pPr>
+            <a:lvl5pPr marL="1828800" indent="0">
+              <a:buNone/>
+              <a:defRPr sz="1600"/>
+            </a:lvl5pPr>
+            <a:lvl6pPr marL="2286000" indent="0">
+              <a:buNone/>
+              <a:defRPr sz="1600"/>
+            </a:lvl6pPr>
+            <a:lvl7pPr marL="2743200" indent="0">
+              <a:buNone/>
+              <a:defRPr sz="1600"/>
+            </a:lvl7pPr>
+            <a:lvl8pPr marL="3200400" indent="0">
+              <a:buNone/>
+              <a:defRPr sz="1600"/>
+            </a:lvl8pPr>
+            <a:lvl9pPr marL="3657600" indent="0">
+              <a:buNone/>
+              <a:defRPr sz="1600"/>
+            </a:lvl9pPr>
+          </a:lstStyle>
+          <a:p>
+            <a:r>
+              <a:rPr lang="es-ES" smtClean="0"/>
+              <a:t>Haga clic en el icono para agregar una imagen</a:t>
+            </a:r>
+            <a:endParaRPr lang="en-US" dirty="0"/>
+          </a:p>
+        </p:txBody>
+      </p:sp>
+      <p:sp>
+        <p:nvSpPr>
+          <p:cNvPr id="22" name="Text Placeholder 3"/>
+          <p:cNvSpPr>
+            <a:spLocks noGrp="1"/>
+          </p:cNvSpPr>
+          <p:nvPr>
+            <p:ph type="body" sz="half" idx="18"/>
+          </p:nvPr>
+        </p:nvSpPr>
+        <p:spPr>
+          <a:xfrm>
+            <a:off x="652463" y="4827211"/>
+            <a:ext cx="2940050" cy="659189"/>
+          </a:xfrm>
+        </p:spPr>
+        <p:txBody>
+          <a:bodyPr anchor="t">
+            <a:normAutofit/>
+          </a:bodyPr>
+          <a:lstStyle>
+            <a:lvl1pPr marL="0" indent="0">
+              <a:buNone/>
+              <a:defRPr sz="1400"/>
+            </a:lvl1pPr>
+            <a:lvl2pPr marL="457200" indent="0">
+              <a:buNone/>
+              <a:defRPr sz="1200"/>
+            </a:lvl2pPr>
+            <a:lvl3pPr marL="914400" indent="0">
+              <a:buNone/>
+              <a:defRPr sz="1000"/>
+            </a:lvl3pPr>
+            <a:lvl4pPr marL="1371600" indent="0">
+              <a:buNone/>
+              <a:defRPr sz="900"/>
+            </a:lvl4pPr>
+            <a:lvl5pPr marL="1828800" indent="0">
+              <a:buNone/>
+              <a:defRPr sz="900"/>
+            </a:lvl5pPr>
+            <a:lvl6pPr marL="2286000" indent="0">
+              <a:buNone/>
+              <a:defRPr sz="900"/>
+            </a:lvl6pPr>
+            <a:lvl7pPr marL="2743200" indent="0">
+              <a:buNone/>
+              <a:defRPr sz="900"/>
+            </a:lvl7pPr>
+            <a:lvl8pPr marL="3200400" indent="0">
+              <a:buNone/>
+              <a:defRPr sz="900"/>
+            </a:lvl8pPr>
+            <a:lvl9pPr marL="3657600" indent="0">
+              <a:buNone/>
+              <a:defRPr sz="900"/>
+            </a:lvl9pPr>
+          </a:lstStyle>
+          <a:p>
+            <a:pPr lvl="0"/>
+            <a:r>
+              <a:rPr lang="es-ES" smtClean="0"/>
+              <a:t>Haga clic para modificar el estilo de texto del patrón</a:t>
+            </a:r>
+          </a:p>
+        </p:txBody>
+      </p:sp>
+      <p:sp>
+        <p:nvSpPr>
+          <p:cNvPr id="5" name="Text Placeholder 4"/>
+          <p:cNvSpPr>
+            <a:spLocks noGrp="1"/>
+          </p:cNvSpPr>
+          <p:nvPr>
+            <p:ph type="body" sz="quarter" idx="3"/>
+          </p:nvPr>
+        </p:nvSpPr>
+        <p:spPr>
+          <a:xfrm>
+            <a:off x="3889375" y="4250949"/>
+            <a:ext cx="2930525" cy="576262"/>
+          </a:xfrm>
+        </p:spPr>
+        <p:txBody>
+          <a:bodyPr anchor="b">
+            <a:noAutofit/>
+          </a:bodyPr>
+          <a:lstStyle>
+            <a:lvl1pPr marL="0" indent="0">
+              <a:buNone/>
+              <a:defRPr sz="2400" b="0">
+                <a:solidFill>
+                  <a:schemeClr val="bg2">
+                    <a:lumMod val="40000"/>
+                    <a:lumOff val="60000"/>
+                  </a:schemeClr>
+                </a:solidFill>
+              </a:defRPr>
+            </a:lvl1pPr>
+            <a:lvl2pPr marL="457200" indent="0">
+              <a:buNone/>
+              <a:defRPr sz="2000" b="1"/>
+            </a:lvl2pPr>
+            <a:lvl3pPr marL="914400" indent="0">
+              <a:buNone/>
+              <a:defRPr sz="1800" b="1"/>
+            </a:lvl3pPr>
+            <a:lvl4pPr marL="1371600" indent="0">
+              <a:buNone/>
+              <a:defRPr sz="1600" b="1"/>
+            </a:lvl4pPr>
+            <a:lvl5pPr marL="1828800" indent="0">
+              <a:buNone/>
+              <a:defRPr sz="1600" b="1"/>
+            </a:lvl5pPr>
+            <a:lvl6pPr marL="2286000" indent="0">
+              <a:buNone/>
+              <a:defRPr sz="1600" b="1"/>
+            </a:lvl6pPr>
+            <a:lvl7pPr marL="2743200" indent="0">
+              <a:buNone/>
+              <a:defRPr sz="1600" b="1"/>
+            </a:lvl7pPr>
+            <a:lvl8pPr marL="3200400" indent="0">
+              <a:buNone/>
+              <a:defRPr sz="1600" b="1"/>
+            </a:lvl8pPr>
+            <a:lvl9pPr marL="3657600" indent="0">
+              <a:buNone/>
+              <a:defRPr sz="1600" b="1"/>
+            </a:lvl9pPr>
+          </a:lstStyle>
+          <a:p>
+            <a:pPr lvl="0"/>
+            <a:r>
+              <a:rPr lang="es-ES" smtClean="0"/>
+              <a:t>Haga clic para modificar el estilo de texto del patrón</a:t>
+            </a:r>
+          </a:p>
+        </p:txBody>
+      </p:sp>
+      <p:sp>
+        <p:nvSpPr>
+          <p:cNvPr id="30" name="Picture Placeholder 2"/>
+          <p:cNvSpPr>
+            <a:spLocks noGrp="1" noChangeAspect="1"/>
+          </p:cNvSpPr>
+          <p:nvPr>
+            <p:ph type="pic" idx="21"/>
+          </p:nvPr>
+        </p:nvSpPr>
+        <p:spPr>
+          <a:xfrm>
+            <a:off x="3889374" y="2209800"/>
+            <a:ext cx="2930525" cy="1524000"/>
+          </a:xfrm>
+          <a:prstGeom prst="roundRect">
+            <a:avLst>
+              <a:gd name="adj" fmla="val 1858"/>
+            </a:avLst>
+          </a:prstGeom>
+          <a:effectLst>
+            <a:outerShdw blurRad="50800" dist="50800" dir="5400000" algn="tl" rotWithShape="0">
+              <a:srgbClr val="000000">
+                <a:alpha val="43000"/>
+              </a:srgbClr>
+            </a:outerShdw>
+          </a:effectLst>
+        </p:spPr>
+        <p:txBody>
+          <a:bodyPr anchor="t">
+            <a:normAutofit/>
+          </a:bodyPr>
+          <a:lstStyle>
+            <a:lvl1pPr marL="0" indent="0" algn="ctr">
+              <a:buNone/>
+              <a:defRPr sz="1600"/>
+            </a:lvl1pPr>
+            <a:lvl2pPr marL="457200" indent="0">
+              <a:buNone/>
+              <a:defRPr sz="1600"/>
+            </a:lvl2pPr>
+            <a:lvl3pPr marL="914400" indent="0">
+              <a:buNone/>
+              <a:defRPr sz="1600"/>
+            </a:lvl3pPr>
+            <a:lvl4pPr marL="1371600" indent="0">
+              <a:buNone/>
+              <a:defRPr sz="1600"/>
+            </a:lvl4pPr>
+            <a:lvl5pPr marL="1828800" indent="0">
+              <a:buNone/>
+              <a:defRPr sz="1600"/>
+            </a:lvl5pPr>
+            <a:lvl6pPr marL="2286000" indent="0">
+              <a:buNone/>
+              <a:defRPr sz="1600"/>
+            </a:lvl6pPr>
+            <a:lvl7pPr marL="2743200" indent="0">
+              <a:buNone/>
+              <a:defRPr sz="1600"/>
+            </a:lvl7pPr>
+            <a:lvl8pPr marL="3200400" indent="0">
+              <a:buNone/>
+              <a:defRPr sz="1600"/>
+            </a:lvl8pPr>
+            <a:lvl9pPr marL="3657600" indent="0">
+              <a:buNone/>
+              <a:defRPr sz="1600"/>
+            </a:lvl9pPr>
+          </a:lstStyle>
+          <a:p>
+            <a:r>
+              <a:rPr lang="es-ES" smtClean="0"/>
+              <a:t>Haga clic en el icono para agregar una imagen</a:t>
+            </a:r>
+            <a:endParaRPr lang="en-US" dirty="0"/>
+          </a:p>
+        </p:txBody>
+      </p:sp>
+      <p:sp>
+        <p:nvSpPr>
+          <p:cNvPr id="23" name="Text Placeholder 3"/>
+          <p:cNvSpPr>
+            <a:spLocks noGrp="1"/>
+          </p:cNvSpPr>
+          <p:nvPr>
+            <p:ph type="body" sz="half" idx="19"/>
+          </p:nvPr>
+        </p:nvSpPr>
+        <p:spPr>
+          <a:xfrm>
+            <a:off x="3888022" y="4827210"/>
+            <a:ext cx="2934406" cy="659189"/>
+          </a:xfrm>
+        </p:spPr>
+        <p:txBody>
+          <a:bodyPr anchor="t">
+            <a:normAutofit/>
+          </a:bodyPr>
+          <a:lstStyle>
+            <a:lvl1pPr marL="0" indent="0">
+              <a:buNone/>
+              <a:defRPr sz="1400"/>
+            </a:lvl1pPr>
+            <a:lvl2pPr marL="457200" indent="0">
+              <a:buNone/>
+              <a:defRPr sz="1200"/>
+            </a:lvl2pPr>
+            <a:lvl3pPr marL="914400" indent="0">
+              <a:buNone/>
+              <a:defRPr sz="1000"/>
+            </a:lvl3pPr>
+            <a:lvl4pPr marL="1371600" indent="0">
+              <a:buNone/>
+              <a:defRPr sz="900"/>
+            </a:lvl4pPr>
+            <a:lvl5pPr marL="1828800" indent="0">
+              <a:buNone/>
+              <a:defRPr sz="900"/>
+            </a:lvl5pPr>
+            <a:lvl6pPr marL="2286000" indent="0">
+              <a:buNone/>
+              <a:defRPr sz="900"/>
+            </a:lvl6pPr>
+            <a:lvl7pPr marL="2743200" indent="0">
+              <a:buNone/>
+              <a:defRPr sz="900"/>
+            </a:lvl7pPr>
+            <a:lvl8pPr marL="3200400" indent="0">
+              <a:buNone/>
+              <a:defRPr sz="900"/>
+            </a:lvl8pPr>
+            <a:lvl9pPr marL="3657600" indent="0">
+              <a:buNone/>
+              <a:defRPr sz="900"/>
+            </a:lvl9pPr>
+          </a:lstStyle>
+          <a:p>
+            <a:pPr lvl="0"/>
+            <a:r>
+              <a:rPr lang="es-ES" smtClean="0"/>
+              <a:t>Haga clic para modificar el estilo de texto del patrón</a:t>
+            </a:r>
+          </a:p>
+        </p:txBody>
+      </p:sp>
+      <p:sp>
+        <p:nvSpPr>
+          <p:cNvPr id="14" name="Text Placeholder 4"/>
+          <p:cNvSpPr>
+            <a:spLocks noGrp="1"/>
+          </p:cNvSpPr>
+          <p:nvPr>
+            <p:ph type="body" sz="quarter" idx="13"/>
+          </p:nvPr>
+        </p:nvSpPr>
+        <p:spPr>
+          <a:xfrm>
+            <a:off x="7124700" y="4250949"/>
+            <a:ext cx="2932113" cy="576262"/>
+          </a:xfrm>
+        </p:spPr>
+        <p:txBody>
+          <a:bodyPr anchor="b">
+            <a:noAutofit/>
+          </a:bodyPr>
+          <a:lstStyle>
+            <a:lvl1pPr marL="0" indent="0">
+              <a:buNone/>
+              <a:defRPr sz="2400" b="0">
+                <a:solidFill>
+                  <a:schemeClr val="bg2">
+                    <a:lumMod val="40000"/>
+                    <a:lumOff val="60000"/>
+                  </a:schemeClr>
+                </a:solidFill>
+              </a:defRPr>
+            </a:lvl1pPr>
+            <a:lvl2pPr marL="457200" indent="0">
+              <a:buNone/>
+              <a:defRPr sz="2000" b="1"/>
+            </a:lvl2pPr>
+            <a:lvl3pPr marL="914400" indent="0">
+              <a:buNone/>
+              <a:defRPr sz="1800" b="1"/>
+            </a:lvl3pPr>
+            <a:lvl4pPr marL="1371600" indent="0">
+              <a:buNone/>
+              <a:defRPr sz="1600" b="1"/>
+            </a:lvl4pPr>
+            <a:lvl5pPr marL="1828800" indent="0">
+              <a:buNone/>
+              <a:defRPr sz="1600" b="1"/>
+            </a:lvl5pPr>
+            <a:lvl6pPr marL="2286000" indent="0">
+              <a:buNone/>
+              <a:defRPr sz="1600" b="1"/>
+            </a:lvl6pPr>
+            <a:lvl7pPr marL="2743200" indent="0">
+              <a:buNone/>
+              <a:defRPr sz="1600" b="1"/>
+            </a:lvl7pPr>
+            <a:lvl8pPr marL="3200400" indent="0">
+              <a:buNone/>
+              <a:defRPr sz="1600" b="1"/>
+            </a:lvl8pPr>
+            <a:lvl9pPr marL="3657600" indent="0">
+              <a:buNone/>
+              <a:defRPr sz="1600" b="1"/>
+            </a:lvl9pPr>
+          </a:lstStyle>
+          <a:p>
+            <a:pPr lvl="0"/>
+            <a:r>
+              <a:rPr lang="es-ES" smtClean="0"/>
+              <a:t>Haga clic para modificar el estilo de texto del patrón</a:t>
+            </a:r>
+          </a:p>
+        </p:txBody>
+      </p:sp>
+      <p:sp>
+        <p:nvSpPr>
+          <p:cNvPr id="31" name="Picture Placeholder 2"/>
+          <p:cNvSpPr>
+            <a:spLocks noGrp="1" noChangeAspect="1"/>
+          </p:cNvSpPr>
+          <p:nvPr>
+            <p:ph type="pic" idx="22"/>
+          </p:nvPr>
+        </p:nvSpPr>
+        <p:spPr>
+          <a:xfrm>
+            <a:off x="7124699" y="2209800"/>
+            <a:ext cx="2932113" cy="1524000"/>
+          </a:xfrm>
+          <a:prstGeom prst="roundRect">
+            <a:avLst>
+              <a:gd name="adj" fmla="val 1858"/>
+            </a:avLst>
+          </a:prstGeom>
+          <a:effectLst>
+            <a:outerShdw blurRad="50800" dist="50800" dir="5400000" algn="tl" rotWithShape="0">
+              <a:srgbClr val="000000">
+                <a:alpha val="43000"/>
+              </a:srgbClr>
+            </a:outerShdw>
+          </a:effectLst>
+        </p:spPr>
+        <p:txBody>
+          <a:bodyPr anchor="t">
+            <a:normAutofit/>
+          </a:bodyPr>
+          <a:lstStyle>
+            <a:lvl1pPr marL="0" indent="0" algn="ctr">
+              <a:buNone/>
+              <a:defRPr sz="1600"/>
+            </a:lvl1pPr>
+            <a:lvl2pPr marL="457200" indent="0">
+              <a:buNone/>
+              <a:defRPr sz="1600"/>
+            </a:lvl2pPr>
+            <a:lvl3pPr marL="914400" indent="0">
+              <a:buNone/>
+              <a:defRPr sz="1600"/>
+            </a:lvl3pPr>
+            <a:lvl4pPr marL="1371600" indent="0">
+              <a:buNone/>
+              <a:defRPr sz="1600"/>
+            </a:lvl4pPr>
+            <a:lvl5pPr marL="1828800" indent="0">
+              <a:buNone/>
+              <a:defRPr sz="1600"/>
+            </a:lvl5pPr>
+            <a:lvl6pPr marL="2286000" indent="0">
+              <a:buNone/>
+              <a:defRPr sz="1600"/>
+            </a:lvl6pPr>
+            <a:lvl7pPr marL="2743200" indent="0">
+              <a:buNone/>
+              <a:defRPr sz="1600"/>
+            </a:lvl7pPr>
+            <a:lvl8pPr marL="3200400" indent="0">
+              <a:buNone/>
+              <a:defRPr sz="1600"/>
+            </a:lvl8pPr>
+            <a:lvl9pPr marL="3657600" indent="0">
+              <a:buNone/>
+              <a:defRPr sz="1600"/>
+            </a:lvl9pPr>
+          </a:lstStyle>
+          <a:p>
+            <a:r>
+              <a:rPr lang="es-ES" smtClean="0"/>
+              <a:t>Haga clic en el icono para agregar una imagen</a:t>
+            </a:r>
+            <a:endParaRPr lang="en-US" dirty="0"/>
+          </a:p>
+        </p:txBody>
+      </p:sp>
+      <p:sp>
+        <p:nvSpPr>
+          <p:cNvPr id="24" name="Text Placeholder 3"/>
+          <p:cNvSpPr>
+            <a:spLocks noGrp="1"/>
+          </p:cNvSpPr>
+          <p:nvPr>
+            <p:ph type="body" sz="half" idx="20"/>
+          </p:nvPr>
+        </p:nvSpPr>
+        <p:spPr>
+          <a:xfrm>
+            <a:off x="7124575" y="4827208"/>
+            <a:ext cx="2935997" cy="659189"/>
+          </a:xfrm>
+        </p:spPr>
+        <p:txBody>
+          <a:bodyPr anchor="t">
+            <a:normAutofit/>
+          </a:bodyPr>
+          <a:lstStyle>
+            <a:lvl1pPr marL="0" indent="0">
+              <a:buNone/>
+              <a:defRPr sz="1400"/>
+            </a:lvl1pPr>
+            <a:lvl2pPr marL="457200" indent="0">
+              <a:buNone/>
+              <a:defRPr sz="1200"/>
+            </a:lvl2pPr>
+            <a:lvl3pPr marL="914400" indent="0">
+              <a:buNone/>
+              <a:defRPr sz="1000"/>
+            </a:lvl3pPr>
+            <a:lvl4pPr marL="1371600" indent="0">
+              <a:buNone/>
+              <a:defRPr sz="900"/>
+            </a:lvl4pPr>
+            <a:lvl5pPr marL="1828800" indent="0">
+              <a:buNone/>
+              <a:defRPr sz="900"/>
+            </a:lvl5pPr>
+            <a:lvl6pPr marL="2286000" indent="0">
+              <a:buNone/>
+              <a:defRPr sz="900"/>
+            </a:lvl6pPr>
+            <a:lvl7pPr marL="2743200" indent="0">
+              <a:buNone/>
+              <a:defRPr sz="900"/>
+            </a:lvl7pPr>
+            <a:lvl8pPr marL="3200400" indent="0">
+              <a:buNone/>
+              <a:defRPr sz="900"/>
+            </a:lvl8pPr>
+            <a:lvl9pPr marL="3657600" indent="0">
+              <a:buNone/>
+              <a:defRPr sz="900"/>
+            </a:lvl9pPr>
+          </a:lstStyle>
+          <a:p>
+            <a:pPr lvl="0"/>
+            <a:r>
+              <a:rPr lang="es-ES" smtClean="0"/>
+              <a:t>Haga clic para modificar el estilo de texto del patrón</a:t>
+            </a:r>
+          </a:p>
+        </p:txBody>
+      </p:sp>
+      <p:cxnSp>
+        <p:nvCxnSpPr>
+          <p:cNvPr id="19" name="Straight Connector 18"/>
+          <p:cNvCxnSpPr/>
+          <p:nvPr/>
+        </p:nvCxnSpPr>
+        <p:spPr>
+          <a:xfrm>
+            <a:off x="3726142" y="2133600"/>
+            <a:ext cx="0" cy="3962400"/>
+          </a:xfrm>
+          <a:prstGeom prst="line">
+            <a:avLst/>
+          </a:prstGeom>
+          <a:ln w="12700" cmpd="sng">
+            <a:solidFill>
+              <a:schemeClr val="bg2">
+                <a:lumMod val="40000"/>
+                <a:lumOff val="60000"/>
+                <a:alpha val="40000"/>
+              </a:schemeClr>
+            </a:solidFill>
+          </a:ln>
+        </p:spPr>
+        <p:style>
+          <a:lnRef idx="2">
+            <a:schemeClr val="accent1"/>
+          </a:lnRef>
+          <a:fillRef idx="0">
+            <a:schemeClr val="accent1"/>
+          </a:fillRef>
+          <a:effectRef idx="1">
+            <a:schemeClr val="accent1"/>
+          </a:effectRef>
+          <a:fontRef idx="minor">
+            <a:schemeClr val="tx1"/>
+          </a:fontRef>
+        </p:style>
+      </p:cxnSp>
+      <p:cxnSp>
+        <p:nvCxnSpPr>
+          <p:cNvPr id="20" name="Straight Connector 19"/>
+          <p:cNvCxnSpPr/>
+          <p:nvPr/>
+        </p:nvCxnSpPr>
+        <p:spPr>
+          <a:xfrm>
+            <a:off x="6962227" y="2133600"/>
+            <a:ext cx="0" cy="3966882"/>
+          </a:xfrm>
+          <a:prstGeom prst="line">
+            <a:avLst/>
+          </a:prstGeom>
+          <a:ln w="12700" cmpd="sng">
+            <a:solidFill>
+              <a:schemeClr val="bg2">
+                <a:lumMod val="40000"/>
+                <a:lumOff val="60000"/>
+                <a:alpha val="40000"/>
+              </a:schemeClr>
+            </a:solidFill>
+          </a:ln>
+        </p:spPr>
+        <p:style>
+          <a:lnRef idx="2">
+            <a:schemeClr val="accent1"/>
+          </a:lnRef>
+          <a:fillRef idx="0">
+            <a:schemeClr val="accent1"/>
+          </a:fillRef>
+          <a:effectRef idx="1">
+            <a:schemeClr val="accent1"/>
+          </a:effectRef>
+          <a:fontRef idx="minor">
+            <a:schemeClr val="tx1"/>
+          </a:fontRef>
+        </p:style>
+      </p:cxnSp>
+      <p:sp>
+        <p:nvSpPr>
+          <p:cNvPr id="7" name="Date Placeholder 3"/>
+          <p:cNvSpPr>
+            <a:spLocks noGrp="1"/>
+          </p:cNvSpPr>
+          <p:nvPr>
+            <p:ph type="dt" sz="half" idx="10"/>
+          </p:nvPr>
+        </p:nvSpPr>
+        <p:spPr/>
+        <p:txBody>
+          <a:bodyPr/>
+          <a:lstStyle/>
+          <a:p>
+            <a:fld id="{75FE89A0-BF76-4052-9819-E3FC0D227D7C}" type="datetimeFigureOut">
+              <a:rPr lang="es-EC" smtClean="0"/>
+              <a:t>18/01/2015</a:t>
+            </a:fld>
+            <a:endParaRPr lang="es-EC"/>
+          </a:p>
+        </p:txBody>
+      </p:sp>
+      <p:sp>
+        <p:nvSpPr>
+          <p:cNvPr id="4" name="Footer Placeholder 4"/>
+          <p:cNvSpPr>
+            <a:spLocks noGrp="1"/>
+          </p:cNvSpPr>
+          <p:nvPr>
+            <p:ph type="ftr" sz="quarter" idx="11"/>
+          </p:nvPr>
+        </p:nvSpPr>
+        <p:spPr/>
+        <p:txBody>
+          <a:bodyPr/>
+          <a:lstStyle/>
+          <a:p>
+            <a:endParaRPr lang="es-EC"/>
+          </a:p>
+        </p:txBody>
+      </p:sp>
+      <p:sp>
+        <p:nvSpPr>
+          <p:cNvPr id="6" name="Slide Number Placeholder 5"/>
+          <p:cNvSpPr>
+            <a:spLocks noGrp="1"/>
+          </p:cNvSpPr>
+          <p:nvPr>
+            <p:ph type="sldNum" sz="quarter" idx="12"/>
+          </p:nvPr>
+        </p:nvSpPr>
+        <p:spPr/>
+        <p:txBody>
+          <a:bodyPr/>
+          <a:lstStyle/>
+          <a:p>
+            <a:fld id="{FA9EBD8A-E488-48E5-B420-541AABF659F8}" type="slidenum">
+              <a:rPr lang="es-EC" smtClean="0"/>
+              <a:t>‹Nº›</a:t>
+            </a:fld>
+            <a:endParaRPr lang="es-EC"/>
+          </a:p>
+        </p:txBody>
+      </p:sp>
+    </p:spTree>
+    <p:extLst>
+      <p:ext uri="{BB962C8B-B14F-4D97-AF65-F5344CB8AC3E}">
+        <p14:creationId xmlns:p14="http://schemas.microsoft.com/office/powerpoint/2010/main" val="806152597"/>
+      </p:ext>
+    </p:extLst>
+  </p:cSld>
+  <p:clrMapOvr>
+    <a:masterClrMapping/>
+  </p:clrMapOvr>
+</p:sldLayout>
+</file>
+
+<file path=ppt/slideLayouts/slideLayout16.xml><?xml version="1.0" encoding="utf-8"?>
 <p:sldLayout xmlns:a="http://schemas.openxmlformats.org/drawingml/2006/main" xmlns:r="http://schemas.openxmlformats.org/officeDocument/2006/relationships" xmlns:p="http://schemas.openxmlformats.org/presentationml/2006/main" type="vertTx" preserve="1">
   <p:cSld name="Título y texto vertical">
     <p:spTree>
@@ -319,7 +2953,7 @@
       </p:grpSpPr>
       <p:sp>
         <p:nvSpPr>
-          <p:cNvPr id="2" name="Título 1"/>
+          <p:cNvPr id="2" name="Title 1"/>
           <p:cNvSpPr>
             <a:spLocks noGrp="1"/>
           </p:cNvSpPr>
@@ -336,13 +2970,13 @@
               <a:rPr lang="es-ES" smtClean="0"/>
               <a:t>Haga clic para modificar el estilo de título del patrón</a:t>
             </a:r>
-            <a:endParaRPr lang="es-EC"/>
-          </a:p>
-        </p:txBody>
-      </p:sp>
-      <p:sp>
-        <p:nvSpPr>
-          <p:cNvPr id="3" name="Marcador de texto vertical 2"/>
+            <a:endParaRPr lang="en-US" dirty="0"/>
+          </a:p>
+        </p:txBody>
+      </p:sp>
+      <p:sp>
+        <p:nvSpPr>
+          <p:cNvPr id="3" name="Vertical Text Placeholder 2"/>
           <p:cNvSpPr>
             <a:spLocks noGrp="1"/>
           </p:cNvSpPr>
@@ -352,7 +2986,7 @@
         </p:nvSpPr>
         <p:spPr/>
         <p:txBody>
-          <a:bodyPr vert="eaVert"/>
+          <a:bodyPr vert="eaVert" anchor="t" anchorCtr="0"/>
           <a:lstStyle/>
           <a:p>
             <a:pPr lvl="0"/>
@@ -388,13 +3022,13 @@
               <a:rPr lang="es-ES" smtClean="0"/>
               <a:t>Quinto nivel</a:t>
             </a:r>
-            <a:endParaRPr lang="es-EC"/>
-          </a:p>
-        </p:txBody>
-      </p:sp>
-      <p:sp>
-        <p:nvSpPr>
-          <p:cNvPr id="4" name="Marcador de fecha 3"/>
+            <a:endParaRPr lang="en-US" dirty="0"/>
+          </a:p>
+        </p:txBody>
+      </p:sp>
+      <p:sp>
+        <p:nvSpPr>
+          <p:cNvPr id="4" name="Date Placeholder 3"/>
           <p:cNvSpPr>
             <a:spLocks noGrp="1"/>
           </p:cNvSpPr>
@@ -417,7 +3051,7 @@
       </p:sp>
       <p:sp>
         <p:nvSpPr>
-          <p:cNvPr id="5" name="Marcador de pie de página 4"/>
+          <p:cNvPr id="5" name="Footer Placeholder 4"/>
           <p:cNvSpPr>
             <a:spLocks noGrp="1"/>
           </p:cNvSpPr>
@@ -436,7 +3070,7 @@
       </p:sp>
       <p:sp>
         <p:nvSpPr>
-          <p:cNvPr id="6" name="Marcador de número de diapositiva 5"/>
+          <p:cNvPr id="6" name="Slide Number Placeholder 5"/>
           <p:cNvSpPr>
             <a:spLocks noGrp="1"/>
           </p:cNvSpPr>
@@ -460,7 +3094,7 @@
     </p:spTree>
     <p:extLst>
       <p:ext uri="{BB962C8B-B14F-4D97-AF65-F5344CB8AC3E}">
-        <p14:creationId xmlns:p14="http://schemas.microsoft.com/office/powerpoint/2010/main" val="3481187269"/>
+        <p14:creationId xmlns:p14="http://schemas.microsoft.com/office/powerpoint/2010/main" val="3765767346"/>
       </p:ext>
     </p:extLst>
   </p:cSld>
@@ -470,7 +3104,7 @@
 </p:sldLayout>
 </file>
 
-<file path=ppt/slideLayouts/slideLayout11.xml><?xml version="1.0" encoding="utf-8"?>
+<file path=ppt/slideLayouts/slideLayout17.xml><?xml version="1.0" encoding="utf-8"?>
 <p:sldLayout xmlns:a="http://schemas.openxmlformats.org/drawingml/2006/main" xmlns:r="http://schemas.openxmlformats.org/officeDocument/2006/relationships" xmlns:p="http://schemas.openxmlformats.org/presentationml/2006/main" type="vertTitleAndTx" preserve="1">
   <p:cSld name="Título vertical y texto">
     <p:spTree>
@@ -489,7 +3123,7 @@
       </p:grpSpPr>
       <p:sp>
         <p:nvSpPr>
-          <p:cNvPr id="2" name="Título vertical 1"/>
+          <p:cNvPr id="2" name="Vertical Title 1"/>
           <p:cNvSpPr>
             <a:spLocks noGrp="1"/>
           </p:cNvSpPr>
@@ -499,42 +3133,42 @@
         </p:nvSpPr>
         <p:spPr>
           <a:xfrm>
-            <a:off x="8724900" y="365125"/>
-            <a:ext cx="2628900" cy="5811838"/>
+            <a:off x="8304212" y="430213"/>
+            <a:ext cx="1752601" cy="5826125"/>
+          </a:xfrm>
+        </p:spPr>
+        <p:txBody>
+          <a:bodyPr vert="eaVert" anchor="b" anchorCtr="0"/>
+          <a:lstStyle/>
+          <a:p>
+            <a:r>
+              <a:rPr lang="es-ES" smtClean="0"/>
+              <a:t>Haga clic para modificar el estilo de título del patrón</a:t>
+            </a:r>
+            <a:endParaRPr lang="en-US" dirty="0"/>
+          </a:p>
+        </p:txBody>
+      </p:sp>
+      <p:sp>
+        <p:nvSpPr>
+          <p:cNvPr id="3" name="Vertical Text Placeholder 2"/>
+          <p:cNvSpPr>
+            <a:spLocks noGrp="1"/>
+          </p:cNvSpPr>
+          <p:nvPr>
+            <p:ph type="body" orient="vert" idx="1"/>
+          </p:nvPr>
+        </p:nvSpPr>
+        <p:spPr>
+          <a:xfrm>
+            <a:off x="652463" y="887414"/>
+            <a:ext cx="7423149" cy="5368924"/>
           </a:xfrm>
         </p:spPr>
         <p:txBody>
           <a:bodyPr vert="eaVert"/>
           <a:lstStyle/>
           <a:p>
-            <a:r>
-              <a:rPr lang="es-ES" smtClean="0"/>
-              <a:t>Haga clic para modificar el estilo de título del patrón</a:t>
-            </a:r>
-            <a:endParaRPr lang="es-EC"/>
-          </a:p>
-        </p:txBody>
-      </p:sp>
-      <p:sp>
-        <p:nvSpPr>
-          <p:cNvPr id="3" name="Marcador de texto vertical 2"/>
-          <p:cNvSpPr>
-            <a:spLocks noGrp="1"/>
-          </p:cNvSpPr>
-          <p:nvPr>
-            <p:ph type="body" orient="vert" idx="1"/>
-          </p:nvPr>
-        </p:nvSpPr>
-        <p:spPr>
-          <a:xfrm>
-            <a:off x="838200" y="365125"/>
-            <a:ext cx="7734300" cy="5811838"/>
-          </a:xfrm>
-        </p:spPr>
-        <p:txBody>
-          <a:bodyPr vert="eaVert"/>
-          <a:lstStyle/>
-          <a:p>
             <a:pPr lvl="0"/>
             <a:r>
               <a:rPr lang="es-ES" smtClean="0"/>
@@ -568,13 +3202,13 @@
               <a:rPr lang="es-ES" smtClean="0"/>
               <a:t>Quinto nivel</a:t>
             </a:r>
-            <a:endParaRPr lang="es-EC"/>
-          </a:p>
-        </p:txBody>
-      </p:sp>
-      <p:sp>
-        <p:nvSpPr>
-          <p:cNvPr id="4" name="Marcador de fecha 3"/>
+            <a:endParaRPr lang="en-US" dirty="0"/>
+          </a:p>
+        </p:txBody>
+      </p:sp>
+      <p:sp>
+        <p:nvSpPr>
+          <p:cNvPr id="4" name="Date Placeholder 3"/>
           <p:cNvSpPr>
             <a:spLocks noGrp="1"/>
           </p:cNvSpPr>
@@ -597,7 +3231,7 @@
       </p:sp>
       <p:sp>
         <p:nvSpPr>
-          <p:cNvPr id="5" name="Marcador de pie de página 4"/>
+          <p:cNvPr id="5" name="Footer Placeholder 4"/>
           <p:cNvSpPr>
             <a:spLocks noGrp="1"/>
           </p:cNvSpPr>
@@ -616,7 +3250,7 @@
       </p:sp>
       <p:sp>
         <p:nvSpPr>
-          <p:cNvPr id="6" name="Marcador de número de diapositiva 5"/>
+          <p:cNvPr id="6" name="Slide Number Placeholder 5"/>
           <p:cNvSpPr>
             <a:spLocks noGrp="1"/>
           </p:cNvSpPr>
@@ -640,7 +3274,7 @@
     </p:spTree>
     <p:extLst>
       <p:ext uri="{BB962C8B-B14F-4D97-AF65-F5344CB8AC3E}">
-        <p14:creationId xmlns:p14="http://schemas.microsoft.com/office/powerpoint/2010/main" val="2730179346"/>
+        <p14:creationId xmlns:p14="http://schemas.microsoft.com/office/powerpoint/2010/main" val="1620224822"/>
       </p:ext>
     </p:extLst>
   </p:cSld>
@@ -669,7 +3303,7 @@
       </p:grpSpPr>
       <p:sp>
         <p:nvSpPr>
-          <p:cNvPr id="2" name="Título 1"/>
+          <p:cNvPr id="2" name="Title 1"/>
           <p:cNvSpPr>
             <a:spLocks noGrp="1"/>
           </p:cNvSpPr>
@@ -686,13 +3320,13 @@
               <a:rPr lang="es-ES" smtClean="0"/>
               <a:t>Haga clic para modificar el estilo de título del patrón</a:t>
             </a:r>
-            <a:endParaRPr lang="es-EC"/>
-          </a:p>
-        </p:txBody>
-      </p:sp>
-      <p:sp>
-        <p:nvSpPr>
-          <p:cNvPr id="3" name="Marcador de contenido 2"/>
+            <a:endParaRPr lang="en-US" dirty="0"/>
+          </a:p>
+        </p:txBody>
+      </p:sp>
+      <p:sp>
+        <p:nvSpPr>
+          <p:cNvPr id="3" name="Content Placeholder 2"/>
           <p:cNvSpPr>
             <a:spLocks noGrp="1"/>
           </p:cNvSpPr>
@@ -738,13 +3372,13 @@
               <a:rPr lang="es-ES" smtClean="0"/>
               <a:t>Quinto nivel</a:t>
             </a:r>
-            <a:endParaRPr lang="es-EC"/>
-          </a:p>
-        </p:txBody>
-      </p:sp>
-      <p:sp>
-        <p:nvSpPr>
-          <p:cNvPr id="4" name="Marcador de fecha 3"/>
+            <a:endParaRPr lang="en-US" dirty="0"/>
+          </a:p>
+        </p:txBody>
+      </p:sp>
+      <p:sp>
+        <p:nvSpPr>
+          <p:cNvPr id="7" name="Date Placeholder 3"/>
           <p:cNvSpPr>
             <a:spLocks noGrp="1"/>
           </p:cNvSpPr>
@@ -767,7 +3401,7 @@
       </p:sp>
       <p:sp>
         <p:nvSpPr>
-          <p:cNvPr id="5" name="Marcador de pie de página 4"/>
+          <p:cNvPr id="5" name="Footer Placeholder 4"/>
           <p:cNvSpPr>
             <a:spLocks noGrp="1"/>
           </p:cNvSpPr>
@@ -786,7 +3420,7 @@
       </p:sp>
       <p:sp>
         <p:nvSpPr>
-          <p:cNvPr id="6" name="Marcador de número de diapositiva 5"/>
+          <p:cNvPr id="6" name="Slide Number Placeholder 5"/>
           <p:cNvSpPr>
             <a:spLocks noGrp="1"/>
           </p:cNvSpPr>
@@ -810,7 +3444,7 @@
     </p:spTree>
     <p:extLst>
       <p:ext uri="{BB962C8B-B14F-4D97-AF65-F5344CB8AC3E}">
-        <p14:creationId xmlns:p14="http://schemas.microsoft.com/office/powerpoint/2010/main" val="1368606994"/>
+        <p14:creationId xmlns:p14="http://schemas.microsoft.com/office/powerpoint/2010/main" val="2240713079"/>
       </p:ext>
     </p:extLst>
   </p:cSld>
@@ -839,7 +3473,7 @@
       </p:grpSpPr>
       <p:sp>
         <p:nvSpPr>
-          <p:cNvPr id="2" name="Título 1"/>
+          <p:cNvPr id="2" name="Title 1"/>
           <p:cNvSpPr>
             <a:spLocks noGrp="1"/>
           </p:cNvSpPr>
@@ -849,15 +3483,15 @@
         </p:nvSpPr>
         <p:spPr>
           <a:xfrm>
-            <a:off x="831850" y="1709738"/>
-            <a:ext cx="10515600" cy="2852737"/>
+            <a:off x="1154956" y="2861733"/>
+            <a:ext cx="8825657" cy="1915647"/>
           </a:xfrm>
         </p:spPr>
         <p:txBody>
           <a:bodyPr anchor="b"/>
           <a:lstStyle>
-            <a:lvl1pPr>
-              <a:defRPr sz="6000"/>
+            <a:lvl1pPr algn="l">
+              <a:defRPr sz="4000" b="0" cap="none"/>
             </a:lvl1pPr>
           </a:lstStyle>
           <a:p>
@@ -865,13 +3499,13 @@
               <a:rPr lang="es-ES" smtClean="0"/>
               <a:t>Haga clic para modificar el estilo de título del patrón</a:t>
             </a:r>
-            <a:endParaRPr lang="es-EC"/>
-          </a:p>
-        </p:txBody>
-      </p:sp>
-      <p:sp>
-        <p:nvSpPr>
-          <p:cNvPr id="3" name="Marcador de texto 2"/>
+            <a:endParaRPr lang="en-US" dirty="0"/>
+          </a:p>
+        </p:txBody>
+      </p:sp>
+      <p:sp>
+        <p:nvSpPr>
+          <p:cNvPr id="3" name="Text Placeholder 2"/>
           <p:cNvSpPr>
             <a:spLocks noGrp="1"/>
           </p:cNvSpPr>
@@ -881,26 +3515,27 @@
         </p:nvSpPr>
         <p:spPr>
           <a:xfrm>
-            <a:off x="831850" y="4589463"/>
-            <a:ext cx="10515600" cy="1500187"/>
-          </a:xfrm>
-        </p:spPr>
-        <p:txBody>
-          <a:bodyPr/>
+            <a:off x="1154955" y="4777381"/>
+            <a:ext cx="8825658" cy="860400"/>
+          </a:xfrm>
+        </p:spPr>
+        <p:txBody>
+          <a:bodyPr anchor="t"/>
           <a:lstStyle>
-            <a:lvl1pPr marL="0" indent="0">
-              <a:buNone/>
-              <a:defRPr sz="2400">
+            <a:lvl1pPr marL="0" indent="0" algn="l">
+              <a:buNone/>
+              <a:defRPr sz="2000" cap="all">
                 <a:solidFill>
-                  <a:schemeClr val="tx1">
-                    <a:tint val="75000"/>
+                  <a:schemeClr val="bg2">
+                    <a:lumMod val="40000"/>
+                    <a:lumOff val="60000"/>
                   </a:schemeClr>
                 </a:solidFill>
               </a:defRPr>
             </a:lvl1pPr>
             <a:lvl2pPr marL="457200" indent="0">
               <a:buNone/>
-              <a:defRPr sz="2000">
+              <a:defRPr sz="1800">
                 <a:solidFill>
                   <a:schemeClr val="tx1">
                     <a:tint val="75000"/>
@@ -910,7 +3545,7 @@
             </a:lvl2pPr>
             <a:lvl3pPr marL="914400" indent="0">
               <a:buNone/>
-              <a:defRPr sz="1800">
+              <a:defRPr sz="1600">
                 <a:solidFill>
                   <a:schemeClr val="tx1">
                     <a:tint val="75000"/>
@@ -920,7 +3555,7 @@
             </a:lvl3pPr>
             <a:lvl4pPr marL="1371600" indent="0">
               <a:buNone/>
-              <a:defRPr sz="1600">
+              <a:defRPr sz="1400">
                 <a:solidFill>
                   <a:schemeClr val="tx1">
                     <a:tint val="75000"/>
@@ -930,7 +3565,7 @@
             </a:lvl4pPr>
             <a:lvl5pPr marL="1828800" indent="0">
               <a:buNone/>
-              <a:defRPr sz="1600">
+              <a:defRPr sz="1400">
                 <a:solidFill>
                   <a:schemeClr val="tx1">
                     <a:tint val="75000"/>
@@ -940,7 +3575,7 @@
             </a:lvl5pPr>
             <a:lvl6pPr marL="2286000" indent="0">
               <a:buNone/>
-              <a:defRPr sz="1600">
+              <a:defRPr sz="1400">
                 <a:solidFill>
                   <a:schemeClr val="tx1">
                     <a:tint val="75000"/>
@@ -950,7 +3585,7 @@
             </a:lvl6pPr>
             <a:lvl7pPr marL="2743200" indent="0">
               <a:buNone/>
-              <a:defRPr sz="1600">
+              <a:defRPr sz="1400">
                 <a:solidFill>
                   <a:schemeClr val="tx1">
                     <a:tint val="75000"/>
@@ -960,7 +3595,7 @@
             </a:lvl7pPr>
             <a:lvl8pPr marL="3200400" indent="0">
               <a:buNone/>
-              <a:defRPr sz="1600">
+              <a:defRPr sz="1400">
                 <a:solidFill>
                   <a:schemeClr val="tx1">
                     <a:tint val="75000"/>
@@ -970,7 +3605,7 @@
             </a:lvl8pPr>
             <a:lvl9pPr marL="3657600" indent="0">
               <a:buNone/>
-              <a:defRPr sz="1600">
+              <a:defRPr sz="1400">
                 <a:solidFill>
                   <a:schemeClr val="tx1">
                     <a:tint val="75000"/>
@@ -990,7 +3625,7 @@
       </p:sp>
       <p:sp>
         <p:nvSpPr>
-          <p:cNvPr id="4" name="Marcador de fecha 3"/>
+          <p:cNvPr id="4" name="Date Placeholder 3"/>
           <p:cNvSpPr>
             <a:spLocks noGrp="1"/>
           </p:cNvSpPr>
@@ -1013,7 +3648,7 @@
       </p:sp>
       <p:sp>
         <p:nvSpPr>
-          <p:cNvPr id="5" name="Marcador de pie de página 4"/>
+          <p:cNvPr id="5" name="Footer Placeholder 4"/>
           <p:cNvSpPr>
             <a:spLocks noGrp="1"/>
           </p:cNvSpPr>
@@ -1032,7 +3667,7 @@
       </p:sp>
       <p:sp>
         <p:nvSpPr>
-          <p:cNvPr id="6" name="Marcador de número de diapositiva 5"/>
+          <p:cNvPr id="6" name="Slide Number Placeholder 5"/>
           <p:cNvSpPr>
             <a:spLocks noGrp="1"/>
           </p:cNvSpPr>
@@ -1056,7 +3691,7 @@
     </p:spTree>
     <p:extLst>
       <p:ext uri="{BB962C8B-B14F-4D97-AF65-F5344CB8AC3E}">
-        <p14:creationId xmlns:p14="http://schemas.microsoft.com/office/powerpoint/2010/main" val="324347797"/>
+        <p14:creationId xmlns:p14="http://schemas.microsoft.com/office/powerpoint/2010/main" val="2265856372"/>
       </p:ext>
     </p:extLst>
   </p:cSld>
@@ -1085,7 +3720,7 @@
       </p:grpSpPr>
       <p:sp>
         <p:nvSpPr>
-          <p:cNvPr id="2" name="Título 1"/>
+          <p:cNvPr id="2" name="Title 1"/>
           <p:cNvSpPr>
             <a:spLocks noGrp="1"/>
           </p:cNvSpPr>
@@ -1102,13 +3737,13 @@
               <a:rPr lang="es-ES" smtClean="0"/>
               <a:t>Haga clic para modificar el estilo de título del patrón</a:t>
             </a:r>
-            <a:endParaRPr lang="es-EC"/>
-          </a:p>
-        </p:txBody>
-      </p:sp>
-      <p:sp>
-        <p:nvSpPr>
-          <p:cNvPr id="3" name="Marcador de contenido 2"/>
+            <a:endParaRPr lang="en-US" dirty="0"/>
+          </a:p>
+        </p:txBody>
+      </p:sp>
+      <p:sp>
+        <p:nvSpPr>
+          <p:cNvPr id="3" name="Content Placeholder 2"/>
           <p:cNvSpPr>
             <a:spLocks noGrp="1"/>
           </p:cNvSpPr>
@@ -1118,13 +3753,43 @@
         </p:nvSpPr>
         <p:spPr>
           <a:xfrm>
-            <a:off x="838200" y="1825625"/>
-            <a:ext cx="5181600" cy="4351338"/>
-          </a:xfrm>
-        </p:spPr>
-        <p:txBody>
-          <a:bodyPr/>
-          <a:lstStyle/>
+            <a:off x="1103312" y="2060575"/>
+            <a:ext cx="4396339" cy="4195763"/>
+          </a:xfrm>
+        </p:spPr>
+        <p:txBody>
+          <a:bodyPr>
+            <a:normAutofit/>
+          </a:bodyPr>
+          <a:lstStyle>
+            <a:lvl1pPr>
+              <a:defRPr sz="1800"/>
+            </a:lvl1pPr>
+            <a:lvl2pPr>
+              <a:defRPr sz="1600"/>
+            </a:lvl2pPr>
+            <a:lvl3pPr>
+              <a:defRPr sz="1400"/>
+            </a:lvl3pPr>
+            <a:lvl4pPr>
+              <a:defRPr sz="1200"/>
+            </a:lvl4pPr>
+            <a:lvl5pPr>
+              <a:defRPr sz="1200"/>
+            </a:lvl5pPr>
+            <a:lvl6pPr>
+              <a:defRPr sz="1200"/>
+            </a:lvl6pPr>
+            <a:lvl7pPr>
+              <a:defRPr sz="1200"/>
+            </a:lvl7pPr>
+            <a:lvl8pPr>
+              <a:defRPr sz="1200"/>
+            </a:lvl8pPr>
+            <a:lvl9pPr>
+              <a:defRPr sz="1200"/>
+            </a:lvl9pPr>
+          </a:lstStyle>
           <a:p>
             <a:pPr lvl="0"/>
             <a:r>
@@ -1159,13 +3824,13 @@
               <a:rPr lang="es-ES" smtClean="0"/>
               <a:t>Quinto nivel</a:t>
             </a:r>
-            <a:endParaRPr lang="es-EC"/>
-          </a:p>
-        </p:txBody>
-      </p:sp>
-      <p:sp>
-        <p:nvSpPr>
-          <p:cNvPr id="4" name="Marcador de contenido 3"/>
+            <a:endParaRPr lang="en-US" dirty="0"/>
+          </a:p>
+        </p:txBody>
+      </p:sp>
+      <p:sp>
+        <p:nvSpPr>
+          <p:cNvPr id="4" name="Content Placeholder 3"/>
           <p:cNvSpPr>
             <a:spLocks noGrp="1"/>
           </p:cNvSpPr>
@@ -1175,13 +3840,43 @@
         </p:nvSpPr>
         <p:spPr>
           <a:xfrm>
-            <a:off x="6172200" y="1825625"/>
-            <a:ext cx="5181600" cy="4351338"/>
-          </a:xfrm>
-        </p:spPr>
-        <p:txBody>
-          <a:bodyPr/>
-          <a:lstStyle/>
+            <a:off x="5654493" y="2056092"/>
+            <a:ext cx="4396341" cy="4200245"/>
+          </a:xfrm>
+        </p:spPr>
+        <p:txBody>
+          <a:bodyPr>
+            <a:normAutofit/>
+          </a:bodyPr>
+          <a:lstStyle>
+            <a:lvl1pPr>
+              <a:defRPr sz="1800"/>
+            </a:lvl1pPr>
+            <a:lvl2pPr>
+              <a:defRPr sz="1600"/>
+            </a:lvl2pPr>
+            <a:lvl3pPr>
+              <a:defRPr sz="1400"/>
+            </a:lvl3pPr>
+            <a:lvl4pPr>
+              <a:defRPr sz="1200"/>
+            </a:lvl4pPr>
+            <a:lvl5pPr>
+              <a:defRPr sz="1200"/>
+            </a:lvl5pPr>
+            <a:lvl6pPr>
+              <a:defRPr sz="1200"/>
+            </a:lvl6pPr>
+            <a:lvl7pPr>
+              <a:defRPr sz="1200"/>
+            </a:lvl7pPr>
+            <a:lvl8pPr>
+              <a:defRPr sz="1200"/>
+            </a:lvl8pPr>
+            <a:lvl9pPr>
+              <a:defRPr sz="1200"/>
+            </a:lvl9pPr>
+          </a:lstStyle>
           <a:p>
             <a:pPr lvl="0"/>
             <a:r>
@@ -1216,13 +3911,13 @@
               <a:rPr lang="es-ES" smtClean="0"/>
               <a:t>Quinto nivel</a:t>
             </a:r>
-            <a:endParaRPr lang="es-EC"/>
-          </a:p>
-        </p:txBody>
-      </p:sp>
-      <p:sp>
-        <p:nvSpPr>
-          <p:cNvPr id="5" name="Marcador de fecha 4"/>
+            <a:endParaRPr lang="en-US" dirty="0"/>
+          </a:p>
+        </p:txBody>
+      </p:sp>
+      <p:sp>
+        <p:nvSpPr>
+          <p:cNvPr id="5" name="Date Placeholder 4"/>
           <p:cNvSpPr>
             <a:spLocks noGrp="1"/>
           </p:cNvSpPr>
@@ -1245,7 +3940,7 @@
       </p:sp>
       <p:sp>
         <p:nvSpPr>
-          <p:cNvPr id="6" name="Marcador de pie de página 5"/>
+          <p:cNvPr id="6" name="Footer Placeholder 5"/>
           <p:cNvSpPr>
             <a:spLocks noGrp="1"/>
           </p:cNvSpPr>
@@ -1264,7 +3959,7 @@
       </p:sp>
       <p:sp>
         <p:nvSpPr>
-          <p:cNvPr id="7" name="Marcador de número de diapositiva 6"/>
+          <p:cNvPr id="7" name="Slide Number Placeholder 6"/>
           <p:cNvSpPr>
             <a:spLocks noGrp="1"/>
           </p:cNvSpPr>
@@ -1288,7 +3983,7 @@
     </p:spTree>
     <p:extLst>
       <p:ext uri="{BB962C8B-B14F-4D97-AF65-F5344CB8AC3E}">
-        <p14:creationId xmlns:p14="http://schemas.microsoft.com/office/powerpoint/2010/main" val="2113409969"/>
+        <p14:creationId xmlns:p14="http://schemas.microsoft.com/office/powerpoint/2010/main" val="1130965013"/>
       </p:ext>
     </p:extLst>
   </p:cSld>
@@ -1317,7 +4012,7 @@
       </p:grpSpPr>
       <p:sp>
         <p:nvSpPr>
-          <p:cNvPr id="2" name="Título 1"/>
+          <p:cNvPr id="2" name="Title 1"/>
           <p:cNvSpPr>
             <a:spLocks noGrp="1"/>
           </p:cNvSpPr>
@@ -1325,46 +4020,54 @@
             <p:ph type="title"/>
           </p:nvPr>
         </p:nvSpPr>
+        <p:spPr/>
+        <p:txBody>
+          <a:bodyPr/>
+          <a:lstStyle>
+            <a:lvl1pPr>
+              <a:defRPr/>
+            </a:lvl1pPr>
+          </a:lstStyle>
+          <a:p>
+            <a:r>
+              <a:rPr lang="es-ES" smtClean="0"/>
+              <a:t>Haga clic para modificar el estilo de título del patrón</a:t>
+            </a:r>
+            <a:endParaRPr lang="en-US" dirty="0"/>
+          </a:p>
+        </p:txBody>
+      </p:sp>
+      <p:sp>
+        <p:nvSpPr>
+          <p:cNvPr id="3" name="Text Placeholder 2"/>
+          <p:cNvSpPr>
+            <a:spLocks noGrp="1"/>
+          </p:cNvSpPr>
+          <p:nvPr>
+            <p:ph type="body" idx="1"/>
+          </p:nvPr>
+        </p:nvSpPr>
         <p:spPr>
           <a:xfrm>
-            <a:off x="839788" y="365125"/>
-            <a:ext cx="10515600" cy="1325563"/>
-          </a:xfrm>
-        </p:spPr>
-        <p:txBody>
-          <a:bodyPr/>
-          <a:lstStyle/>
-          <a:p>
-            <a:r>
-              <a:rPr lang="es-ES" smtClean="0"/>
-              <a:t>Haga clic para modificar el estilo de título del patrón</a:t>
-            </a:r>
-            <a:endParaRPr lang="es-EC"/>
-          </a:p>
-        </p:txBody>
-      </p:sp>
-      <p:sp>
-        <p:nvSpPr>
-          <p:cNvPr id="3" name="Marcador de texto 2"/>
-          <p:cNvSpPr>
-            <a:spLocks noGrp="1"/>
-          </p:cNvSpPr>
-          <p:nvPr>
-            <p:ph type="body" idx="1"/>
-          </p:nvPr>
-        </p:nvSpPr>
-        <p:spPr>
-          <a:xfrm>
-            <a:off x="839788" y="1681163"/>
-            <a:ext cx="5157787" cy="823912"/>
-          </a:xfrm>
-        </p:spPr>
-        <p:txBody>
-          <a:bodyPr anchor="b"/>
+            <a:off x="1103313" y="1905000"/>
+            <a:ext cx="4396338" cy="576262"/>
+          </a:xfrm>
+        </p:spPr>
+        <p:txBody>
+          <a:bodyPr anchor="b">
+            <a:noAutofit/>
+          </a:bodyPr>
           <a:lstStyle>
             <a:lvl1pPr marL="0" indent="0">
               <a:buNone/>
-              <a:defRPr sz="2400" b="1"/>
+              <a:defRPr sz="2400" b="0">
+                <a:solidFill>
+                  <a:schemeClr val="bg2">
+                    <a:lumMod val="40000"/>
+                    <a:lumOff val="60000"/>
+                  </a:schemeClr>
+                </a:solidFill>
+              </a:defRPr>
             </a:lvl1pPr>
             <a:lvl2pPr marL="457200" indent="0">
               <a:buNone/>
@@ -1410,7 +4113,7 @@
       </p:sp>
       <p:sp>
         <p:nvSpPr>
-          <p:cNvPr id="4" name="Marcador de contenido 3"/>
+          <p:cNvPr id="4" name="Content Placeholder 3"/>
           <p:cNvSpPr>
             <a:spLocks noGrp="1"/>
           </p:cNvSpPr>
@@ -1420,13 +4123,43 @@
         </p:nvSpPr>
         <p:spPr>
           <a:xfrm>
-            <a:off x="839788" y="2505075"/>
-            <a:ext cx="5157787" cy="3684588"/>
-          </a:xfrm>
-        </p:spPr>
-        <p:txBody>
-          <a:bodyPr/>
-          <a:lstStyle/>
+            <a:off x="1103312" y="2514600"/>
+            <a:ext cx="4396339" cy="3741738"/>
+          </a:xfrm>
+        </p:spPr>
+        <p:txBody>
+          <a:bodyPr>
+            <a:normAutofit/>
+          </a:bodyPr>
+          <a:lstStyle>
+            <a:lvl1pPr>
+              <a:defRPr sz="1800"/>
+            </a:lvl1pPr>
+            <a:lvl2pPr>
+              <a:defRPr sz="1600"/>
+            </a:lvl2pPr>
+            <a:lvl3pPr>
+              <a:defRPr sz="1400"/>
+            </a:lvl3pPr>
+            <a:lvl4pPr>
+              <a:defRPr sz="1200"/>
+            </a:lvl4pPr>
+            <a:lvl5pPr>
+              <a:defRPr sz="1200"/>
+            </a:lvl5pPr>
+            <a:lvl6pPr>
+              <a:defRPr sz="1200"/>
+            </a:lvl6pPr>
+            <a:lvl7pPr>
+              <a:defRPr sz="1200"/>
+            </a:lvl7pPr>
+            <a:lvl8pPr>
+              <a:defRPr sz="1200"/>
+            </a:lvl8pPr>
+            <a:lvl9pPr>
+              <a:defRPr sz="1200"/>
+            </a:lvl9pPr>
+          </a:lstStyle>
           <a:p>
             <a:pPr lvl="0"/>
             <a:r>
@@ -1461,13 +4194,13 @@
               <a:rPr lang="es-ES" smtClean="0"/>
               <a:t>Quinto nivel</a:t>
             </a:r>
-            <a:endParaRPr lang="es-EC"/>
-          </a:p>
-        </p:txBody>
-      </p:sp>
-      <p:sp>
-        <p:nvSpPr>
-          <p:cNvPr id="5" name="Marcador de texto 4"/>
+            <a:endParaRPr lang="en-US" dirty="0"/>
+          </a:p>
+        </p:txBody>
+      </p:sp>
+      <p:sp>
+        <p:nvSpPr>
+          <p:cNvPr id="5" name="Text Placeholder 4"/>
           <p:cNvSpPr>
             <a:spLocks noGrp="1"/>
           </p:cNvSpPr>
@@ -1477,16 +4210,25 @@
         </p:nvSpPr>
         <p:spPr>
           <a:xfrm>
-            <a:off x="6172200" y="1681163"/>
-            <a:ext cx="5183188" cy="823912"/>
-          </a:xfrm>
-        </p:spPr>
-        <p:txBody>
-          <a:bodyPr anchor="b"/>
+            <a:off x="5654495" y="1905000"/>
+            <a:ext cx="4396339" cy="576262"/>
+          </a:xfrm>
+        </p:spPr>
+        <p:txBody>
+          <a:bodyPr anchor="b">
+            <a:noAutofit/>
+          </a:bodyPr>
           <a:lstStyle>
             <a:lvl1pPr marL="0" indent="0">
               <a:buNone/>
-              <a:defRPr sz="2400" b="1"/>
+              <a:defRPr sz="2400" b="0">
+                <a:solidFill>
+                  <a:schemeClr val="bg2">
+                    <a:lumMod val="40000"/>
+                    <a:lumOff val="60000"/>
+                  </a:schemeClr>
+                </a:solidFill>
+              </a:defRPr>
             </a:lvl1pPr>
             <a:lvl2pPr marL="457200" indent="0">
               <a:buNone/>
@@ -1532,7 +4274,7 @@
       </p:sp>
       <p:sp>
         <p:nvSpPr>
-          <p:cNvPr id="6" name="Marcador de contenido 5"/>
+          <p:cNvPr id="6" name="Content Placeholder 5"/>
           <p:cNvSpPr>
             <a:spLocks noGrp="1"/>
           </p:cNvSpPr>
@@ -1542,13 +4284,43 @@
         </p:nvSpPr>
         <p:spPr>
           <a:xfrm>
-            <a:off x="6172200" y="2505075"/>
-            <a:ext cx="5183188" cy="3684588"/>
-          </a:xfrm>
-        </p:spPr>
-        <p:txBody>
-          <a:bodyPr/>
-          <a:lstStyle/>
+            <a:off x="5654495" y="2514600"/>
+            <a:ext cx="4396339" cy="3741738"/>
+          </a:xfrm>
+        </p:spPr>
+        <p:txBody>
+          <a:bodyPr>
+            <a:normAutofit/>
+          </a:bodyPr>
+          <a:lstStyle>
+            <a:lvl1pPr>
+              <a:defRPr sz="1800"/>
+            </a:lvl1pPr>
+            <a:lvl2pPr>
+              <a:defRPr sz="1600"/>
+            </a:lvl2pPr>
+            <a:lvl3pPr>
+              <a:defRPr sz="1400"/>
+            </a:lvl3pPr>
+            <a:lvl4pPr>
+              <a:defRPr sz="1200"/>
+            </a:lvl4pPr>
+            <a:lvl5pPr>
+              <a:defRPr sz="1200"/>
+            </a:lvl5pPr>
+            <a:lvl6pPr>
+              <a:defRPr sz="1200"/>
+            </a:lvl6pPr>
+            <a:lvl7pPr>
+              <a:defRPr sz="1200"/>
+            </a:lvl7pPr>
+            <a:lvl8pPr>
+              <a:defRPr sz="1200"/>
+            </a:lvl8pPr>
+            <a:lvl9pPr>
+              <a:defRPr sz="1200"/>
+            </a:lvl9pPr>
+          </a:lstStyle>
           <a:p>
             <a:pPr lvl="0"/>
             <a:r>
@@ -1583,13 +4355,13 @@
               <a:rPr lang="es-ES" smtClean="0"/>
               <a:t>Quinto nivel</a:t>
             </a:r>
-            <a:endParaRPr lang="es-EC"/>
-          </a:p>
-        </p:txBody>
-      </p:sp>
-      <p:sp>
-        <p:nvSpPr>
-          <p:cNvPr id="7" name="Marcador de fecha 6"/>
+            <a:endParaRPr lang="en-US" dirty="0"/>
+          </a:p>
+        </p:txBody>
+      </p:sp>
+      <p:sp>
+        <p:nvSpPr>
+          <p:cNvPr id="7" name="Date Placeholder 6"/>
           <p:cNvSpPr>
             <a:spLocks noGrp="1"/>
           </p:cNvSpPr>
@@ -1612,7 +4384,7 @@
       </p:sp>
       <p:sp>
         <p:nvSpPr>
-          <p:cNvPr id="8" name="Marcador de pie de página 7"/>
+          <p:cNvPr id="8" name="Footer Placeholder 7"/>
           <p:cNvSpPr>
             <a:spLocks noGrp="1"/>
           </p:cNvSpPr>
@@ -1631,7 +4403,7 @@
       </p:sp>
       <p:sp>
         <p:nvSpPr>
-          <p:cNvPr id="9" name="Marcador de número de diapositiva 8"/>
+          <p:cNvPr id="9" name="Slide Number Placeholder 8"/>
           <p:cNvSpPr>
             <a:spLocks noGrp="1"/>
           </p:cNvSpPr>
@@ -1655,7 +4427,7 @@
     </p:spTree>
     <p:extLst>
       <p:ext uri="{BB962C8B-B14F-4D97-AF65-F5344CB8AC3E}">
-        <p14:creationId xmlns:p14="http://schemas.microsoft.com/office/powerpoint/2010/main" val="929632660"/>
+        <p14:creationId xmlns:p14="http://schemas.microsoft.com/office/powerpoint/2010/main" val="3325490514"/>
       </p:ext>
     </p:extLst>
   </p:cSld>
@@ -1684,7 +4456,7 @@
       </p:grpSpPr>
       <p:sp>
         <p:nvSpPr>
-          <p:cNvPr id="2" name="Título 1"/>
+          <p:cNvPr id="2" name="Title 1"/>
           <p:cNvSpPr>
             <a:spLocks noGrp="1"/>
           </p:cNvSpPr>
@@ -1701,13 +4473,13 @@
               <a:rPr lang="es-ES" smtClean="0"/>
               <a:t>Haga clic para modificar el estilo de título del patrón</a:t>
             </a:r>
-            <a:endParaRPr lang="es-EC"/>
-          </a:p>
-        </p:txBody>
-      </p:sp>
-      <p:sp>
-        <p:nvSpPr>
-          <p:cNvPr id="3" name="Marcador de fecha 2"/>
+            <a:endParaRPr lang="en-US" dirty="0"/>
+          </a:p>
+        </p:txBody>
+      </p:sp>
+      <p:sp>
+        <p:nvSpPr>
+          <p:cNvPr id="7" name="Date Placeholder 2"/>
           <p:cNvSpPr>
             <a:spLocks noGrp="1"/>
           </p:cNvSpPr>
@@ -1730,7 +4502,7 @@
       </p:sp>
       <p:sp>
         <p:nvSpPr>
-          <p:cNvPr id="4" name="Marcador de pie de página 3"/>
+          <p:cNvPr id="5" name="Footer Placeholder 3"/>
           <p:cNvSpPr>
             <a:spLocks noGrp="1"/>
           </p:cNvSpPr>
@@ -1749,7 +4521,7 @@
       </p:sp>
       <p:sp>
         <p:nvSpPr>
-          <p:cNvPr id="5" name="Marcador de número de diapositiva 4"/>
+          <p:cNvPr id="6" name="Slide Number Placeholder 4"/>
           <p:cNvSpPr>
             <a:spLocks noGrp="1"/>
           </p:cNvSpPr>
@@ -1773,7 +4545,7 @@
     </p:spTree>
     <p:extLst>
       <p:ext uri="{BB962C8B-B14F-4D97-AF65-F5344CB8AC3E}">
-        <p14:creationId xmlns:p14="http://schemas.microsoft.com/office/powerpoint/2010/main" val="3708741880"/>
+        <p14:creationId xmlns:p14="http://schemas.microsoft.com/office/powerpoint/2010/main" val="506317137"/>
       </p:ext>
     </p:extLst>
   </p:cSld>
@@ -1802,7 +4574,7 @@
       </p:grpSpPr>
       <p:sp>
         <p:nvSpPr>
-          <p:cNvPr id="2" name="Marcador de fecha 1"/>
+          <p:cNvPr id="7" name="Date Placeholder 1"/>
           <p:cNvSpPr>
             <a:spLocks noGrp="1"/>
           </p:cNvSpPr>
@@ -1825,7 +4597,7 @@
       </p:sp>
       <p:sp>
         <p:nvSpPr>
-          <p:cNvPr id="3" name="Marcador de pie de página 2"/>
+          <p:cNvPr id="5" name="Footer Placeholder 2"/>
           <p:cNvSpPr>
             <a:spLocks noGrp="1"/>
           </p:cNvSpPr>
@@ -1844,7 +4616,7 @@
       </p:sp>
       <p:sp>
         <p:nvSpPr>
-          <p:cNvPr id="4" name="Marcador de número de diapositiva 3"/>
+          <p:cNvPr id="6" name="Slide Number Placeholder 3"/>
           <p:cNvSpPr>
             <a:spLocks noGrp="1"/>
           </p:cNvSpPr>
@@ -1868,7 +4640,7 @@
     </p:spTree>
     <p:extLst>
       <p:ext uri="{BB962C8B-B14F-4D97-AF65-F5344CB8AC3E}">
-        <p14:creationId xmlns:p14="http://schemas.microsoft.com/office/powerpoint/2010/main" val="536716720"/>
+        <p14:creationId xmlns:p14="http://schemas.microsoft.com/office/powerpoint/2010/main" val="549920521"/>
       </p:ext>
     </p:extLst>
   </p:cSld>
@@ -1897,7 +4669,7 @@
       </p:grpSpPr>
       <p:sp>
         <p:nvSpPr>
-          <p:cNvPr id="2" name="Título 1"/>
+          <p:cNvPr id="2" name="Title 1"/>
           <p:cNvSpPr>
             <a:spLocks noGrp="1"/>
           </p:cNvSpPr>
@@ -1907,15 +4679,15 @@
         </p:nvSpPr>
         <p:spPr>
           <a:xfrm>
-            <a:off x="839788" y="457200"/>
-            <a:ext cx="3932237" cy="1600200"/>
+            <a:off x="1154953" y="1447800"/>
+            <a:ext cx="3401064" cy="1447800"/>
           </a:xfrm>
         </p:spPr>
         <p:txBody>
           <a:bodyPr anchor="b"/>
           <a:lstStyle>
-            <a:lvl1pPr>
-              <a:defRPr sz="3200"/>
+            <a:lvl1pPr algn="l">
+              <a:defRPr sz="2400" b="0"/>
             </a:lvl1pPr>
           </a:lstStyle>
           <a:p>
@@ -1923,13 +4695,13 @@
               <a:rPr lang="es-ES" smtClean="0"/>
               <a:t>Haga clic para modificar el estilo de título del patrón</a:t>
             </a:r>
-            <a:endParaRPr lang="es-EC"/>
-          </a:p>
-        </p:txBody>
-      </p:sp>
-      <p:sp>
-        <p:nvSpPr>
-          <p:cNvPr id="3" name="Marcador de contenido 2"/>
+            <a:endParaRPr lang="en-US" dirty="0"/>
+          </a:p>
+        </p:txBody>
+      </p:sp>
+      <p:sp>
+        <p:nvSpPr>
+          <p:cNvPr id="3" name="Content Placeholder 2"/>
           <p:cNvSpPr>
             <a:spLocks noGrp="1"/>
           </p:cNvSpPr>
@@ -1939,39 +4711,41 @@
         </p:nvSpPr>
         <p:spPr>
           <a:xfrm>
-            <a:off x="5183188" y="987425"/>
-            <a:ext cx="6172200" cy="4873625"/>
-          </a:xfrm>
-        </p:spPr>
-        <p:txBody>
-          <a:bodyPr/>
+            <a:off x="4784616" y="1447800"/>
+            <a:ext cx="5195997" cy="4572000"/>
+          </a:xfrm>
+        </p:spPr>
+        <p:txBody>
+          <a:bodyPr anchor="ctr">
+            <a:normAutofit/>
+          </a:bodyPr>
           <a:lstStyle>
             <a:lvl1pPr>
-              <a:defRPr sz="3200"/>
+              <a:defRPr sz="2000"/>
             </a:lvl1pPr>
             <a:lvl2pPr>
-              <a:defRPr sz="2800"/>
+              <a:defRPr sz="1800"/>
             </a:lvl2pPr>
             <a:lvl3pPr>
-              <a:defRPr sz="2400"/>
+              <a:defRPr sz="1600"/>
             </a:lvl3pPr>
             <a:lvl4pPr>
-              <a:defRPr sz="2000"/>
+              <a:defRPr sz="1400"/>
             </a:lvl4pPr>
             <a:lvl5pPr>
-              <a:defRPr sz="2000"/>
+              <a:defRPr sz="1400"/>
             </a:lvl5pPr>
             <a:lvl6pPr>
-              <a:defRPr sz="2000"/>
+              <a:defRPr sz="1400"/>
             </a:lvl6pPr>
             <a:lvl7pPr>
-              <a:defRPr sz="2000"/>
+              <a:defRPr sz="1400"/>
             </a:lvl7pPr>
             <a:lvl8pPr>
-              <a:defRPr sz="2000"/>
+              <a:defRPr sz="1400"/>
             </a:lvl8pPr>
             <a:lvl9pPr>
-              <a:defRPr sz="2000"/>
+              <a:defRPr sz="1400"/>
             </a:lvl9pPr>
           </a:lstStyle>
           <a:p>
@@ -2008,13 +4782,13 @@
               <a:rPr lang="es-ES" smtClean="0"/>
               <a:t>Quinto nivel</a:t>
             </a:r>
-            <a:endParaRPr lang="es-EC"/>
-          </a:p>
-        </p:txBody>
-      </p:sp>
-      <p:sp>
-        <p:nvSpPr>
-          <p:cNvPr id="4" name="Marcador de texto 3"/>
+            <a:endParaRPr lang="en-US" dirty="0"/>
+          </a:p>
+        </p:txBody>
+      </p:sp>
+      <p:sp>
+        <p:nvSpPr>
+          <p:cNvPr id="4" name="Text Placeholder 3"/>
           <p:cNvSpPr>
             <a:spLocks noGrp="1"/>
           </p:cNvSpPr>
@@ -2024,8 +4798,8 @@
         </p:nvSpPr>
         <p:spPr>
           <a:xfrm>
-            <a:off x="839788" y="2057400"/>
-            <a:ext cx="3932237" cy="3811588"/>
+            <a:off x="1154953" y="3129280"/>
+            <a:ext cx="3401063" cy="2895599"/>
           </a:xfrm>
         </p:spPr>
         <p:txBody>
@@ -2033,39 +4807,39 @@
           <a:lstStyle>
             <a:lvl1pPr marL="0" indent="0">
               <a:buNone/>
-              <a:defRPr sz="1600"/>
+              <a:defRPr sz="1400"/>
             </a:lvl1pPr>
             <a:lvl2pPr marL="457200" indent="0">
               <a:buNone/>
-              <a:defRPr sz="1400"/>
+              <a:defRPr sz="1200"/>
             </a:lvl2pPr>
             <a:lvl3pPr marL="914400" indent="0">
               <a:buNone/>
-              <a:defRPr sz="1200"/>
+              <a:defRPr sz="1000"/>
             </a:lvl3pPr>
             <a:lvl4pPr marL="1371600" indent="0">
               <a:buNone/>
-              <a:defRPr sz="1000"/>
+              <a:defRPr sz="900"/>
             </a:lvl4pPr>
             <a:lvl5pPr marL="1828800" indent="0">
               <a:buNone/>
-              <a:defRPr sz="1000"/>
+              <a:defRPr sz="900"/>
             </a:lvl5pPr>
             <a:lvl6pPr marL="2286000" indent="0">
               <a:buNone/>
-              <a:defRPr sz="1000"/>
+              <a:defRPr sz="900"/>
             </a:lvl6pPr>
             <a:lvl7pPr marL="2743200" indent="0">
               <a:buNone/>
-              <a:defRPr sz="1000"/>
+              <a:defRPr sz="900"/>
             </a:lvl7pPr>
             <a:lvl8pPr marL="3200400" indent="0">
               <a:buNone/>
-              <a:defRPr sz="1000"/>
+              <a:defRPr sz="900"/>
             </a:lvl8pPr>
             <a:lvl9pPr marL="3657600" indent="0">
               <a:buNone/>
-              <a:defRPr sz="1000"/>
+              <a:defRPr sz="900"/>
             </a:lvl9pPr>
           </a:lstStyle>
           <a:p>
@@ -2079,7 +4853,7 @@
       </p:sp>
       <p:sp>
         <p:nvSpPr>
-          <p:cNvPr id="5" name="Marcador de fecha 4"/>
+          <p:cNvPr id="7" name="Date Placeholder 4"/>
           <p:cNvSpPr>
             <a:spLocks noGrp="1"/>
           </p:cNvSpPr>
@@ -2102,7 +4876,7 @@
       </p:sp>
       <p:sp>
         <p:nvSpPr>
-          <p:cNvPr id="6" name="Marcador de pie de página 5"/>
+          <p:cNvPr id="5" name="Footer Placeholder 5"/>
           <p:cNvSpPr>
             <a:spLocks noGrp="1"/>
           </p:cNvSpPr>
@@ -2121,7 +4895,7 @@
       </p:sp>
       <p:sp>
         <p:nvSpPr>
-          <p:cNvPr id="7" name="Marcador de número de diapositiva 6"/>
+          <p:cNvPr id="6" name="Slide Number Placeholder 6"/>
           <p:cNvSpPr>
             <a:spLocks noGrp="1"/>
           </p:cNvSpPr>
@@ -2145,7 +4919,7 @@
     </p:spTree>
     <p:extLst>
       <p:ext uri="{BB962C8B-B14F-4D97-AF65-F5344CB8AC3E}">
-        <p14:creationId xmlns:p14="http://schemas.microsoft.com/office/powerpoint/2010/main" val="4023479456"/>
+        <p14:creationId xmlns:p14="http://schemas.microsoft.com/office/powerpoint/2010/main" val="1807388960"/>
       </p:ext>
     </p:extLst>
   </p:cSld>
@@ -2174,7 +4948,7 @@
       </p:grpSpPr>
       <p:sp>
         <p:nvSpPr>
-          <p:cNvPr id="2" name="Título 1"/>
+          <p:cNvPr id="2" name="Title 1"/>
           <p:cNvSpPr>
             <a:spLocks noGrp="1"/>
           </p:cNvSpPr>
@@ -2184,15 +4958,17 @@
         </p:nvSpPr>
         <p:spPr>
           <a:xfrm>
-            <a:off x="839788" y="457200"/>
-            <a:ext cx="3932237" cy="1600200"/>
-          </a:xfrm>
-        </p:spPr>
-        <p:txBody>
-          <a:bodyPr anchor="b"/>
+            <a:off x="1153907" y="1854192"/>
+            <a:ext cx="5092906" cy="1574808"/>
+          </a:xfrm>
+        </p:spPr>
+        <p:txBody>
+          <a:bodyPr anchor="b">
+            <a:normAutofit/>
+          </a:bodyPr>
           <a:lstStyle>
-            <a:lvl1pPr>
-              <a:defRPr sz="3200"/>
+            <a:lvl1pPr algn="l">
+              <a:defRPr sz="3600" b="0"/>
             </a:lvl1pPr>
           </a:lstStyle>
           <a:p>
@@ -2200,15 +4976,15 @@
               <a:rPr lang="es-ES" smtClean="0"/>
               <a:t>Haga clic para modificar el estilo de título del patrón</a:t>
             </a:r>
-            <a:endParaRPr lang="es-EC"/>
-          </a:p>
-        </p:txBody>
-      </p:sp>
-      <p:sp>
-        <p:nvSpPr>
-          <p:cNvPr id="3" name="Marcador de posición de imagen 2"/>
-          <p:cNvSpPr>
-            <a:spLocks noGrp="1"/>
+            <a:endParaRPr lang="en-US" dirty="0"/>
+          </a:p>
+        </p:txBody>
+      </p:sp>
+      <p:sp>
+        <p:nvSpPr>
+          <p:cNvPr id="3" name="Picture Placeholder 2"/>
+          <p:cNvSpPr>
+            <a:spLocks noGrp="1" noChangeAspect="1"/>
           </p:cNvSpPr>
           <p:nvPr>
             <p:ph type="pic" idx="1"/>
@@ -2216,112 +4992,132 @@
         </p:nvSpPr>
         <p:spPr>
           <a:xfrm>
-            <a:off x="5183188" y="987425"/>
-            <a:ext cx="6172200" cy="4873625"/>
-          </a:xfrm>
-        </p:spPr>
-        <p:txBody>
-          <a:bodyPr/>
+            <a:off x="6949546" y="1143000"/>
+            <a:ext cx="3200400" cy="4572000"/>
+          </a:xfrm>
+          <a:prstGeom prst="roundRect">
+            <a:avLst>
+              <a:gd name="adj" fmla="val 1858"/>
+            </a:avLst>
+          </a:prstGeom>
+          <a:effectLst>
+            <a:outerShdw blurRad="50800" dist="50800" dir="5400000" algn="tl" rotWithShape="0">
+              <a:srgbClr val="000000">
+                <a:alpha val="43000"/>
+              </a:srgbClr>
+            </a:outerShdw>
+          </a:effectLst>
+        </p:spPr>
+        <p:txBody>
+          <a:bodyPr anchor="t">
+            <a:normAutofit/>
+          </a:bodyPr>
           <a:lstStyle>
-            <a:lvl1pPr marL="0" indent="0">
-              <a:buNone/>
-              <a:defRPr sz="3200"/>
-            </a:lvl1pPr>
-            <a:lvl2pPr marL="457200" indent="0">
-              <a:buNone/>
-              <a:defRPr sz="2800"/>
-            </a:lvl2pPr>
-            <a:lvl3pPr marL="914400" indent="0">
-              <a:buNone/>
-              <a:defRPr sz="2400"/>
-            </a:lvl3pPr>
-            <a:lvl4pPr marL="1371600" indent="0">
-              <a:buNone/>
-              <a:defRPr sz="2000"/>
-            </a:lvl4pPr>
-            <a:lvl5pPr marL="1828800" indent="0">
-              <a:buNone/>
-              <a:defRPr sz="2000"/>
-            </a:lvl5pPr>
-            <a:lvl6pPr marL="2286000" indent="0">
-              <a:buNone/>
-              <a:defRPr sz="2000"/>
-            </a:lvl6pPr>
-            <a:lvl7pPr marL="2743200" indent="0">
-              <a:buNone/>
-              <a:defRPr sz="2000"/>
-            </a:lvl7pPr>
-            <a:lvl8pPr marL="3200400" indent="0">
-              <a:buNone/>
-              <a:defRPr sz="2000"/>
-            </a:lvl8pPr>
-            <a:lvl9pPr marL="3657600" indent="0">
-              <a:buNone/>
-              <a:defRPr sz="2000"/>
-            </a:lvl9pPr>
-          </a:lstStyle>
-          <a:p>
-            <a:endParaRPr lang="es-EC"/>
-          </a:p>
-        </p:txBody>
-      </p:sp>
-      <p:sp>
-        <p:nvSpPr>
-          <p:cNvPr id="4" name="Marcador de texto 3"/>
-          <p:cNvSpPr>
-            <a:spLocks noGrp="1"/>
-          </p:cNvSpPr>
-          <p:nvPr>
-            <p:ph type="body" sz="half" idx="2"/>
-          </p:nvPr>
-        </p:nvSpPr>
-        <p:spPr>
-          <a:xfrm>
-            <a:off x="839788" y="2057400"/>
-            <a:ext cx="3932237" cy="3811588"/>
-          </a:xfrm>
-        </p:spPr>
-        <p:txBody>
-          <a:bodyPr/>
-          <a:lstStyle>
-            <a:lvl1pPr marL="0" indent="0">
+            <a:lvl1pPr marL="0" indent="0" algn="ctr">
               <a:buNone/>
               <a:defRPr sz="1600"/>
             </a:lvl1pPr>
             <a:lvl2pPr marL="457200" indent="0">
               <a:buNone/>
-              <a:defRPr sz="1400"/>
+              <a:defRPr sz="1600"/>
             </a:lvl2pPr>
             <a:lvl3pPr marL="914400" indent="0">
               <a:buNone/>
-              <a:defRPr sz="1200"/>
+              <a:defRPr sz="1600"/>
             </a:lvl3pPr>
             <a:lvl4pPr marL="1371600" indent="0">
               <a:buNone/>
-              <a:defRPr sz="1000"/>
+              <a:defRPr sz="1600"/>
             </a:lvl4pPr>
             <a:lvl5pPr marL="1828800" indent="0">
               <a:buNone/>
-              <a:defRPr sz="1000"/>
+              <a:defRPr sz="1600"/>
             </a:lvl5pPr>
             <a:lvl6pPr marL="2286000" indent="0">
               <a:buNone/>
-              <a:defRPr sz="1000"/>
+              <a:defRPr sz="1600"/>
             </a:lvl6pPr>
             <a:lvl7pPr marL="2743200" indent="0">
               <a:buNone/>
-              <a:defRPr sz="1000"/>
+              <a:defRPr sz="1600"/>
             </a:lvl7pPr>
             <a:lvl8pPr marL="3200400" indent="0">
               <a:buNone/>
-              <a:defRPr sz="1000"/>
+              <a:defRPr sz="1600"/>
             </a:lvl8pPr>
             <a:lvl9pPr marL="3657600" indent="0">
               <a:buNone/>
-              <a:defRPr sz="1000"/>
+              <a:defRPr sz="1600"/>
             </a:lvl9pPr>
           </a:lstStyle>
           <a:p>
+            <a:r>
+              <a:rPr lang="es-ES" smtClean="0"/>
+              <a:t>Haga clic en el icono para agregar una imagen</a:t>
+            </a:r>
+            <a:endParaRPr lang="en-US" dirty="0"/>
+          </a:p>
+        </p:txBody>
+      </p:sp>
+      <p:sp>
+        <p:nvSpPr>
+          <p:cNvPr id="4" name="Text Placeholder 3"/>
+          <p:cNvSpPr>
+            <a:spLocks noGrp="1"/>
+          </p:cNvSpPr>
+          <p:nvPr>
+            <p:ph type="body" sz="half" idx="2"/>
+          </p:nvPr>
+        </p:nvSpPr>
+        <p:spPr>
+          <a:xfrm>
+            <a:off x="1154954" y="3657600"/>
+            <a:ext cx="5084979" cy="1371600"/>
+          </a:xfrm>
+        </p:spPr>
+        <p:txBody>
+          <a:bodyPr>
+            <a:normAutofit/>
+          </a:bodyPr>
+          <a:lstStyle>
+            <a:lvl1pPr marL="0" indent="0">
+              <a:buNone/>
+              <a:defRPr sz="1400"/>
+            </a:lvl1pPr>
+            <a:lvl2pPr marL="457200" indent="0">
+              <a:buNone/>
+              <a:defRPr sz="1200"/>
+            </a:lvl2pPr>
+            <a:lvl3pPr marL="914400" indent="0">
+              <a:buNone/>
+              <a:defRPr sz="1000"/>
+            </a:lvl3pPr>
+            <a:lvl4pPr marL="1371600" indent="0">
+              <a:buNone/>
+              <a:defRPr sz="900"/>
+            </a:lvl4pPr>
+            <a:lvl5pPr marL="1828800" indent="0">
+              <a:buNone/>
+              <a:defRPr sz="900"/>
+            </a:lvl5pPr>
+            <a:lvl6pPr marL="2286000" indent="0">
+              <a:buNone/>
+              <a:defRPr sz="900"/>
+            </a:lvl6pPr>
+            <a:lvl7pPr marL="2743200" indent="0">
+              <a:buNone/>
+              <a:defRPr sz="900"/>
+            </a:lvl7pPr>
+            <a:lvl8pPr marL="3200400" indent="0">
+              <a:buNone/>
+              <a:defRPr sz="900"/>
+            </a:lvl8pPr>
+            <a:lvl9pPr marL="3657600" indent="0">
+              <a:buNone/>
+              <a:defRPr sz="900"/>
+            </a:lvl9pPr>
+          </a:lstStyle>
+          <a:p>
             <a:pPr lvl="0"/>
             <a:r>
               <a:rPr lang="es-ES" smtClean="0"/>
@@ -2332,7 +5128,7 @@
       </p:sp>
       <p:sp>
         <p:nvSpPr>
-          <p:cNvPr id="5" name="Marcador de fecha 4"/>
+          <p:cNvPr id="5" name="Date Placeholder 4"/>
           <p:cNvSpPr>
             <a:spLocks noGrp="1"/>
           </p:cNvSpPr>
@@ -2355,7 +5151,7 @@
       </p:sp>
       <p:sp>
         <p:nvSpPr>
-          <p:cNvPr id="6" name="Marcador de pie de página 5"/>
+          <p:cNvPr id="6" name="Footer Placeholder 5"/>
           <p:cNvSpPr>
             <a:spLocks noGrp="1"/>
           </p:cNvSpPr>
@@ -2374,7 +5170,7 @@
       </p:sp>
       <p:sp>
         <p:nvSpPr>
-          <p:cNvPr id="7" name="Marcador de número de diapositiva 6"/>
+          <p:cNvPr id="7" name="Slide Number Placeholder 6"/>
           <p:cNvSpPr>
             <a:spLocks noGrp="1"/>
           </p:cNvSpPr>
@@ -2398,7 +5194,7 @@
     </p:spTree>
     <p:extLst>
       <p:ext uri="{BB962C8B-B14F-4D97-AF65-F5344CB8AC3E}">
-        <p14:creationId xmlns:p14="http://schemas.microsoft.com/office/powerpoint/2010/main" val="342228956"/>
+        <p14:creationId xmlns:p14="http://schemas.microsoft.com/office/powerpoint/2010/main" val="4118435396"/>
       </p:ext>
     </p:extLst>
   </p:cSld>
@@ -2412,8 +5208,8 @@
 <p:sldMaster xmlns:a="http://schemas.openxmlformats.org/drawingml/2006/main" xmlns:r="http://schemas.openxmlformats.org/officeDocument/2006/relationships" xmlns:p="http://schemas.openxmlformats.org/presentationml/2006/main">
   <p:cSld>
     <p:bg>
-      <p:bgRef idx="1001">
-        <a:schemeClr val="bg1"/>
+      <p:bgRef idx="1003">
+        <a:schemeClr val="bg2"/>
       </p:bgRef>
     </p:bg>
     <p:spTree>
@@ -2430,58 +5226,273 @@
           <a:chExt cx="0" cy="0"/>
         </a:xfrm>
       </p:grpSpPr>
-      <p:sp>
-        <p:nvSpPr>
-          <p:cNvPr id="2" name="Marcador de título 1"/>
-          <p:cNvSpPr>
-            <a:spLocks noGrp="1"/>
-          </p:cNvSpPr>
-          <p:nvPr>
-            <p:ph type="title"/>
-          </p:nvPr>
-        </p:nvSpPr>
+      <p:pic>
+        <p:nvPicPr>
+          <p:cNvPr id="8" name="Picture 7"/>
+          <p:cNvPicPr>
+            <a:picLocks noChangeAspect="1"/>
+          </p:cNvPicPr>
+          <p:nvPr/>
+        </p:nvPicPr>
+        <p:blipFill rotWithShape="1">
+          <a:blip r:embed="rId19">
+            <a:extLst>
+              <a:ext uri="{28A0092B-C50C-407E-A947-70E740481C1C}">
+                <a14:useLocalDpi xmlns:a14="http://schemas.microsoft.com/office/drawing/2010/main" val="0"/>
+              </a:ext>
+            </a:extLst>
+          </a:blip>
+          <a:srcRect l="3613"/>
+          <a:stretch/>
+        </p:blipFill>
         <p:spPr>
           <a:xfrm>
-            <a:off x="838200" y="365125"/>
-            <a:ext cx="10515600" cy="1325563"/>
+            <a:off x="0" y="2669685"/>
+            <a:ext cx="4037012" cy="4188315"/>
           </a:xfrm>
           <a:prstGeom prst="rect">
             <a:avLst/>
           </a:prstGeom>
         </p:spPr>
-        <p:txBody>
-          <a:bodyPr vert="horz" lIns="91440" tIns="45720" rIns="91440" bIns="45720" rtlCol="0" anchor="ctr">
-            <a:normAutofit/>
-          </a:bodyPr>
-          <a:lstStyle/>
-          <a:p>
-            <a:r>
-              <a:rPr lang="es-ES" smtClean="0"/>
-              <a:t>Haga clic para modificar el estilo de título del patrón</a:t>
-            </a:r>
-            <a:endParaRPr lang="es-EC"/>
-          </a:p>
-        </p:txBody>
-      </p:sp>
-      <p:sp>
-        <p:nvSpPr>
-          <p:cNvPr id="3" name="Marcador de texto 2"/>
-          <p:cNvSpPr>
-            <a:spLocks noGrp="1"/>
-          </p:cNvSpPr>
-          <p:nvPr>
-            <p:ph type="body" idx="1"/>
-          </p:nvPr>
-        </p:nvSpPr>
+      </p:pic>
+      <p:pic>
+        <p:nvPicPr>
+          <p:cNvPr id="7" name="Picture 6"/>
+          <p:cNvPicPr>
+            <a:picLocks noChangeAspect="1"/>
+          </p:cNvPicPr>
+          <p:nvPr/>
+        </p:nvPicPr>
+        <p:blipFill rotWithShape="1">
+          <a:blip r:embed="rId20">
+            <a:extLst>
+              <a:ext uri="{28A0092B-C50C-407E-A947-70E740481C1C}">
+                <a14:useLocalDpi xmlns:a14="http://schemas.microsoft.com/office/drawing/2010/main" val="0"/>
+              </a:ext>
+            </a:extLst>
+          </a:blip>
+          <a:srcRect l="35640"/>
+          <a:stretch/>
+        </p:blipFill>
         <p:spPr>
           <a:xfrm>
-            <a:off x="838200" y="1825625"/>
-            <a:ext cx="10515600" cy="4351338"/>
+            <a:off x="0" y="2892347"/>
+            <a:ext cx="1522412" cy="2365453"/>
           </a:xfrm>
           <a:prstGeom prst="rect">
             <a:avLst/>
           </a:prstGeom>
         </p:spPr>
+      </p:pic>
+      <p:sp>
+        <p:nvSpPr>
+          <p:cNvPr id="16" name="Oval 15"/>
+          <p:cNvSpPr/>
+          <p:nvPr/>
+        </p:nvSpPr>
+        <p:spPr>
+          <a:xfrm>
+            <a:off x="8609012" y="1676400"/>
+            <a:ext cx="2819400" cy="2819400"/>
+          </a:xfrm>
+          <a:prstGeom prst="ellipse">
+            <a:avLst/>
+          </a:prstGeom>
+          <a:gradFill flip="none" rotWithShape="1">
+            <a:gsLst>
+              <a:gs pos="0">
+                <a:schemeClr val="bg2">
+                  <a:lumMod val="60000"/>
+                  <a:lumOff val="40000"/>
+                  <a:alpha val="7000"/>
+                </a:schemeClr>
+              </a:gs>
+              <a:gs pos="69000">
+                <a:schemeClr val="bg2">
+                  <a:lumMod val="60000"/>
+                  <a:lumOff val="40000"/>
+                  <a:alpha val="0"/>
+                </a:schemeClr>
+              </a:gs>
+              <a:gs pos="36000">
+                <a:schemeClr val="bg2">
+                  <a:lumMod val="60000"/>
+                  <a:lumOff val="40000"/>
+                  <a:alpha val="6000"/>
+                </a:schemeClr>
+              </a:gs>
+            </a:gsLst>
+            <a:path path="circle">
+              <a:fillToRect l="50000" t="50000" r="50000" b="50000"/>
+            </a:path>
+            <a:tileRect/>
+          </a:gradFill>
+          <a:ln>
+            <a:noFill/>
+          </a:ln>
+          <a:effectLst/>
+        </p:spPr>
+        <p:style>
+          <a:lnRef idx="1">
+            <a:schemeClr val="accent1"/>
+          </a:lnRef>
+          <a:fillRef idx="3">
+            <a:schemeClr val="accent1"/>
+          </a:fillRef>
+          <a:effectRef idx="2">
+            <a:schemeClr val="accent1"/>
+          </a:effectRef>
+          <a:fontRef idx="minor">
+            <a:schemeClr val="lt1"/>
+          </a:fontRef>
+        </p:style>
+      </p:sp>
+      <p:pic>
+        <p:nvPicPr>
+          <p:cNvPr id="9" name="Picture 8"/>
+          <p:cNvPicPr>
+            <a:picLocks noChangeAspect="1"/>
+          </p:cNvPicPr>
+          <p:nvPr/>
+        </p:nvPicPr>
+        <p:blipFill rotWithShape="1">
+          <a:blip r:embed="rId21">
+            <a:extLst>
+              <a:ext uri="{28A0092B-C50C-407E-A947-70E740481C1C}">
+                <a14:useLocalDpi xmlns:a14="http://schemas.microsoft.com/office/drawing/2010/main" val="0"/>
+              </a:ext>
+            </a:extLst>
+          </a:blip>
+          <a:srcRect t="28813"/>
+          <a:stretch/>
+        </p:blipFill>
+        <p:spPr>
+          <a:xfrm>
+            <a:off x="7999412" y="0"/>
+            <a:ext cx="1603387" cy="1141407"/>
+          </a:xfrm>
+          <a:prstGeom prst="rect">
+            <a:avLst/>
+          </a:prstGeom>
+        </p:spPr>
+      </p:pic>
+      <p:pic>
+        <p:nvPicPr>
+          <p:cNvPr id="10" name="Picture 9"/>
+          <p:cNvPicPr>
+            <a:picLocks noChangeAspect="1"/>
+          </p:cNvPicPr>
+          <p:nvPr/>
+        </p:nvPicPr>
+        <p:blipFill rotWithShape="1">
+          <a:blip r:embed="rId22">
+            <a:extLst>
+              <a:ext uri="{28A0092B-C50C-407E-A947-70E740481C1C}">
+                <a14:useLocalDpi xmlns:a14="http://schemas.microsoft.com/office/drawing/2010/main" val="0"/>
+              </a:ext>
+            </a:extLst>
+          </a:blip>
+          <a:srcRect b="23320"/>
+          <a:stretch/>
+        </p:blipFill>
+        <p:spPr>
+          <a:xfrm>
+            <a:off x="8605878" y="6096000"/>
+            <a:ext cx="993734" cy="762000"/>
+          </a:xfrm>
+          <a:prstGeom prst="rect">
+            <a:avLst/>
+          </a:prstGeom>
+        </p:spPr>
+      </p:pic>
+      <p:sp>
+        <p:nvSpPr>
+          <p:cNvPr id="14" name="Rectangle 13"/>
+          <p:cNvSpPr/>
+          <p:nvPr/>
+        </p:nvSpPr>
+        <p:spPr>
+          <a:xfrm>
+            <a:off x="10437812" y="0"/>
+            <a:ext cx="685800" cy="1143000"/>
+          </a:xfrm>
+          <a:prstGeom prst="rect">
+            <a:avLst/>
+          </a:prstGeom>
+          <a:solidFill>
+            <a:schemeClr val="accent1"/>
+          </a:solidFill>
+          <a:ln>
+            <a:noFill/>
+          </a:ln>
+        </p:spPr>
+        <p:style>
+          <a:lnRef idx="1">
+            <a:schemeClr val="accent1"/>
+          </a:lnRef>
+          <a:fillRef idx="3">
+            <a:schemeClr val="accent1"/>
+          </a:fillRef>
+          <a:effectRef idx="2">
+            <a:schemeClr val="accent1"/>
+          </a:effectRef>
+          <a:fontRef idx="minor">
+            <a:schemeClr val="lt1"/>
+          </a:fontRef>
+        </p:style>
+      </p:sp>
+      <p:sp>
+        <p:nvSpPr>
+          <p:cNvPr id="2" name="Title Placeholder 1"/>
+          <p:cNvSpPr>
+            <a:spLocks noGrp="1"/>
+          </p:cNvSpPr>
+          <p:nvPr>
+            <p:ph type="title"/>
+          </p:nvPr>
+        </p:nvSpPr>
+        <p:spPr>
+          <a:xfrm>
+            <a:off x="646111" y="452718"/>
+            <a:ext cx="9404723" cy="1400530"/>
+          </a:xfrm>
+          <a:prstGeom prst="rect">
+            <a:avLst/>
+          </a:prstGeom>
+        </p:spPr>
+        <p:txBody>
+          <a:bodyPr vert="horz" lIns="91440" tIns="45720" rIns="91440" bIns="45720" rtlCol="0" anchor="t">
+            <a:noAutofit/>
+          </a:bodyPr>
+          <a:lstStyle/>
+          <a:p>
+            <a:r>
+              <a:rPr lang="es-ES" smtClean="0"/>
+              <a:t>Haga clic para modificar el estilo de título del patrón</a:t>
+            </a:r>
+            <a:endParaRPr lang="en-US" dirty="0"/>
+          </a:p>
+        </p:txBody>
+      </p:sp>
+      <p:sp>
+        <p:nvSpPr>
+          <p:cNvPr id="3" name="Text Placeholder 2"/>
+          <p:cNvSpPr>
+            <a:spLocks noGrp="1"/>
+          </p:cNvSpPr>
+          <p:nvPr>
+            <p:ph type="body" idx="1"/>
+          </p:nvPr>
+        </p:nvSpPr>
+        <p:spPr>
+          <a:xfrm>
+            <a:off x="1103312" y="2052918"/>
+            <a:ext cx="8946541" cy="4195481"/>
+          </a:xfrm>
+          <a:prstGeom prst="rect">
+            <a:avLst/>
+          </a:prstGeom>
+        </p:spPr>
         <p:txBody>
           <a:bodyPr vert="horz" lIns="91440" tIns="45720" rIns="91440" bIns="45720" rtlCol="0">
             <a:normAutofit/>
@@ -2521,13 +5532,13 @@
               <a:rPr lang="es-ES" smtClean="0"/>
               <a:t>Quinto nivel</a:t>
             </a:r>
-            <a:endParaRPr lang="es-EC"/>
-          </a:p>
-        </p:txBody>
-      </p:sp>
-      <p:sp>
-        <p:nvSpPr>
-          <p:cNvPr id="4" name="Marcador de fecha 3"/>
+            <a:endParaRPr lang="en-US" dirty="0"/>
+          </a:p>
+        </p:txBody>
+      </p:sp>
+      <p:sp>
+        <p:nvSpPr>
+          <p:cNvPr id="4" name="Date Placeholder 3"/>
           <p:cNvSpPr>
             <a:spLocks noGrp="1"/>
           </p:cNvSpPr>
@@ -2536,19 +5547,99 @@
           </p:nvPr>
         </p:nvSpPr>
         <p:spPr>
-          <a:xfrm>
-            <a:off x="838200" y="6356350"/>
-            <a:ext cx="2743200" cy="365125"/>
+          <a:xfrm rot="5400000">
+            <a:off x="10155639" y="1790701"/>
+            <a:ext cx="990599" cy="304799"/>
           </a:xfrm>
           <a:prstGeom prst="rect">
             <a:avLst/>
           </a:prstGeom>
         </p:spPr>
         <p:txBody>
-          <a:bodyPr vert="horz" lIns="91440" tIns="45720" rIns="91440" bIns="45720" rtlCol="0" anchor="ctr"/>
+          <a:bodyPr vert="horz" lIns="91440" tIns="45720" rIns="91440" bIns="45720" rtlCol="0" anchor="t"/>
           <a:lstStyle>
             <a:lvl1pPr algn="l">
-              <a:defRPr sz="1200">
+              <a:defRPr sz="1100" b="0" i="0">
+                <a:solidFill>
+                  <a:schemeClr val="tx1">
+                    <a:tint val="75000"/>
+                    <a:alpha val="60000"/>
+                  </a:schemeClr>
+                </a:solidFill>
+              </a:defRPr>
+            </a:lvl1pPr>
+          </a:lstStyle>
+          <a:p>
+            <a:fld id="{75FE89A0-BF76-4052-9819-E3FC0D227D7C}" type="datetimeFigureOut">
+              <a:rPr lang="es-EC" smtClean="0"/>
+              <a:t>18/01/2015</a:t>
+            </a:fld>
+            <a:endParaRPr lang="es-EC"/>
+          </a:p>
+        </p:txBody>
+      </p:sp>
+      <p:sp>
+        <p:nvSpPr>
+          <p:cNvPr id="5" name="Footer Placeholder 4"/>
+          <p:cNvSpPr>
+            <a:spLocks noGrp="1"/>
+          </p:cNvSpPr>
+          <p:nvPr>
+            <p:ph type="ftr" sz="quarter" idx="3"/>
+          </p:nvPr>
+        </p:nvSpPr>
+        <p:spPr>
+          <a:xfrm rot="5400000">
+            <a:off x="8951573" y="3225297"/>
+            <a:ext cx="3859795" cy="304801"/>
+          </a:xfrm>
+          <a:prstGeom prst="rect">
+            <a:avLst/>
+          </a:prstGeom>
+        </p:spPr>
+        <p:txBody>
+          <a:bodyPr vert="horz" lIns="91440" tIns="45720" rIns="91440" bIns="45720" rtlCol="0" anchor="b"/>
+          <a:lstStyle>
+            <a:lvl1pPr algn="l">
+              <a:defRPr sz="1100" b="0" i="0">
+                <a:solidFill>
+                  <a:schemeClr val="tx1">
+                    <a:tint val="75000"/>
+                    <a:alpha val="60000"/>
+                  </a:schemeClr>
+                </a:solidFill>
+              </a:defRPr>
+            </a:lvl1pPr>
+          </a:lstStyle>
+          <a:p>
+            <a:endParaRPr lang="es-EC"/>
+          </a:p>
+        </p:txBody>
+      </p:sp>
+      <p:sp>
+        <p:nvSpPr>
+          <p:cNvPr id="6" name="Slide Number Placeholder 5"/>
+          <p:cNvSpPr>
+            <a:spLocks noGrp="1"/>
+          </p:cNvSpPr>
+          <p:nvPr>
+            <p:ph type="sldNum" sz="quarter" idx="4"/>
+          </p:nvPr>
+        </p:nvSpPr>
+        <p:spPr bwMode="gray">
+          <a:xfrm>
+            <a:off x="10352540" y="295729"/>
+            <a:ext cx="838199" cy="767687"/>
+          </a:xfrm>
+          <a:prstGeom prst="rect">
+            <a:avLst/>
+          </a:prstGeom>
+        </p:spPr>
+        <p:txBody>
+          <a:bodyPr vert="horz" lIns="91440" tIns="45720" rIns="91440" bIns="45720" rtlCol="0" anchor="b"/>
+          <a:lstStyle>
+            <a:lvl1pPr algn="ctr">
+              <a:defRPr sz="2800" b="0" i="0">
                 <a:solidFill>
                   <a:schemeClr val="tx1">
                     <a:tint val="75000"/>
@@ -2558,84 +5649,6 @@
             </a:lvl1pPr>
           </a:lstStyle>
           <a:p>
-            <a:fld id="{75FE89A0-BF76-4052-9819-E3FC0D227D7C}" type="datetimeFigureOut">
-              <a:rPr lang="es-EC" smtClean="0"/>
-              <a:t>18/01/2015</a:t>
-            </a:fld>
-            <a:endParaRPr lang="es-EC"/>
-          </a:p>
-        </p:txBody>
-      </p:sp>
-      <p:sp>
-        <p:nvSpPr>
-          <p:cNvPr id="5" name="Marcador de pie de página 4"/>
-          <p:cNvSpPr>
-            <a:spLocks noGrp="1"/>
-          </p:cNvSpPr>
-          <p:nvPr>
-            <p:ph type="ftr" sz="quarter" idx="3"/>
-          </p:nvPr>
-        </p:nvSpPr>
-        <p:spPr>
-          <a:xfrm>
-            <a:off x="4038600" y="6356350"/>
-            <a:ext cx="4114800" cy="365125"/>
-          </a:xfrm>
-          <a:prstGeom prst="rect">
-            <a:avLst/>
-          </a:prstGeom>
-        </p:spPr>
-        <p:txBody>
-          <a:bodyPr vert="horz" lIns="91440" tIns="45720" rIns="91440" bIns="45720" rtlCol="0" anchor="ctr"/>
-          <a:lstStyle>
-            <a:lvl1pPr algn="ctr">
-              <a:defRPr sz="1200">
-                <a:solidFill>
-                  <a:schemeClr val="tx1">
-                    <a:tint val="75000"/>
-                  </a:schemeClr>
-                </a:solidFill>
-              </a:defRPr>
-            </a:lvl1pPr>
-          </a:lstStyle>
-          <a:p>
-            <a:endParaRPr lang="es-EC"/>
-          </a:p>
-        </p:txBody>
-      </p:sp>
-      <p:sp>
-        <p:nvSpPr>
-          <p:cNvPr id="6" name="Marcador de número de diapositiva 5"/>
-          <p:cNvSpPr>
-            <a:spLocks noGrp="1"/>
-          </p:cNvSpPr>
-          <p:nvPr>
-            <p:ph type="sldNum" sz="quarter" idx="4"/>
-          </p:nvPr>
-        </p:nvSpPr>
-        <p:spPr>
-          <a:xfrm>
-            <a:off x="8610600" y="6356350"/>
-            <a:ext cx="2743200" cy="365125"/>
-          </a:xfrm>
-          <a:prstGeom prst="rect">
-            <a:avLst/>
-          </a:prstGeom>
-        </p:spPr>
-        <p:txBody>
-          <a:bodyPr vert="horz" lIns="91440" tIns="45720" rIns="91440" bIns="45720" rtlCol="0" anchor="ctr"/>
-          <a:lstStyle>
-            <a:lvl1pPr algn="r">
-              <a:defRPr sz="1200">
-                <a:solidFill>
-                  <a:schemeClr val="tx1">
-                    <a:tint val="75000"/>
-                  </a:schemeClr>
-                </a:solidFill>
-              </a:defRPr>
-            </a:lvl1pPr>
-          </a:lstStyle>
-          <a:p>
             <a:fld id="{FA9EBD8A-E488-48E5-B420-541AABF659F8}" type="slidenum">
               <a:rPr lang="es-EC" smtClean="0"/>
               <a:t>‹Nº›</a:t>
@@ -2647,35 +5660,121 @@
     </p:spTree>
     <p:extLst>
       <p:ext uri="{BB962C8B-B14F-4D97-AF65-F5344CB8AC3E}">
-        <p14:creationId xmlns:p14="http://schemas.microsoft.com/office/powerpoint/2010/main" val="1767524216"/>
+        <p14:creationId xmlns:p14="http://schemas.microsoft.com/office/powerpoint/2010/main" val="1274743016"/>
       </p:ext>
     </p:extLst>
   </p:cSld>
-  <p:clrMap bg1="lt1" tx1="dk1" bg2="lt2" tx2="dk2" accent1="accent1" accent2="accent2" accent3="accent3" accent4="accent4" accent5="accent5" accent6="accent6" hlink="hlink" folHlink="folHlink"/>
+  <p:clrMap bg1="dk1" tx1="lt1" bg2="dk2" tx2="lt2" accent1="accent1" accent2="accent2" accent3="accent3" accent4="accent4" accent5="accent5" accent6="accent6" hlink="hlink" folHlink="folHlink"/>
   <p:sldLayoutIdLst>
-    <p:sldLayoutId id="2147483649" r:id="rId1"/>
-    <p:sldLayoutId id="2147483650" r:id="rId2"/>
-    <p:sldLayoutId id="2147483651" r:id="rId3"/>
-    <p:sldLayoutId id="2147483652" r:id="rId4"/>
-    <p:sldLayoutId id="2147483653" r:id="rId5"/>
-    <p:sldLayoutId id="2147483654" r:id="rId6"/>
-    <p:sldLayoutId id="2147483655" r:id="rId7"/>
-    <p:sldLayoutId id="2147483656" r:id="rId8"/>
-    <p:sldLayoutId id="2147483657" r:id="rId9"/>
-    <p:sldLayoutId id="2147483658" r:id="rId10"/>
-    <p:sldLayoutId id="2147483659" r:id="rId11"/>
+    <p:sldLayoutId id="2147483697" r:id="rId1"/>
+    <p:sldLayoutId id="2147483698" r:id="rId2"/>
+    <p:sldLayoutId id="2147483699" r:id="rId3"/>
+    <p:sldLayoutId id="2147483700" r:id="rId4"/>
+    <p:sldLayoutId id="2147483701" r:id="rId5"/>
+    <p:sldLayoutId id="2147483702" r:id="rId6"/>
+    <p:sldLayoutId id="2147483703" r:id="rId7"/>
+    <p:sldLayoutId id="2147483704" r:id="rId8"/>
+    <p:sldLayoutId id="2147483705" r:id="rId9"/>
+    <p:sldLayoutId id="2147483706" r:id="rId10"/>
+    <p:sldLayoutId id="2147483707" r:id="rId11"/>
+    <p:sldLayoutId id="2147483708" r:id="rId12"/>
+    <p:sldLayoutId id="2147483709" r:id="rId13"/>
+    <p:sldLayoutId id="2147483710" r:id="rId14"/>
+    <p:sldLayoutId id="2147483711" r:id="rId15"/>
+    <p:sldLayoutId id="2147483712" r:id="rId16"/>
+    <p:sldLayoutId id="2147483713" r:id="rId17"/>
   </p:sldLayoutIdLst>
   <p:txStyles>
     <p:titleStyle>
-      <a:lvl1pPr algn="l" defTabSz="914400" rtl="0" eaLnBrk="1" latinLnBrk="0" hangingPunct="1">
-        <a:lnSpc>
-          <a:spcPct val="90000"/>
-        </a:lnSpc>
+      <a:lvl1pPr algn="l" defTabSz="457200" rtl="0" eaLnBrk="1" latinLnBrk="0" hangingPunct="1">
         <a:spcBef>
           <a:spcPct val="0"/>
         </a:spcBef>
         <a:buNone/>
-        <a:defRPr sz="4400" kern="1200">
+        <a:defRPr sz="4200" b="0" i="0" kern="1200">
+          <a:solidFill>
+            <a:schemeClr val="tx2"/>
+          </a:solidFill>
+          <a:latin typeface="+mj-lt"/>
+          <a:ea typeface="+mj-ea"/>
+          <a:cs typeface="+mj-cs"/>
+        </a:defRPr>
+      </a:lvl1pPr>
+      <a:lvl2pPr eaLnBrk="1" hangingPunct="1">
+        <a:defRPr>
+          <a:solidFill>
+            <a:schemeClr val="tx2"/>
+          </a:solidFill>
+        </a:defRPr>
+      </a:lvl2pPr>
+      <a:lvl3pPr eaLnBrk="1" hangingPunct="1">
+        <a:defRPr>
+          <a:solidFill>
+            <a:schemeClr val="tx2"/>
+          </a:solidFill>
+        </a:defRPr>
+      </a:lvl3pPr>
+      <a:lvl4pPr eaLnBrk="1" hangingPunct="1">
+        <a:defRPr>
+          <a:solidFill>
+            <a:schemeClr val="tx2"/>
+          </a:solidFill>
+        </a:defRPr>
+      </a:lvl4pPr>
+      <a:lvl5pPr eaLnBrk="1" hangingPunct="1">
+        <a:defRPr>
+          <a:solidFill>
+            <a:schemeClr val="tx2"/>
+          </a:solidFill>
+        </a:defRPr>
+      </a:lvl5pPr>
+      <a:lvl6pPr eaLnBrk="1" hangingPunct="1">
+        <a:defRPr>
+          <a:solidFill>
+            <a:schemeClr val="tx2"/>
+          </a:solidFill>
+        </a:defRPr>
+      </a:lvl6pPr>
+      <a:lvl7pPr eaLnBrk="1" hangingPunct="1">
+        <a:defRPr>
+          <a:solidFill>
+            <a:schemeClr val="tx2"/>
+          </a:solidFill>
+        </a:defRPr>
+      </a:lvl7pPr>
+      <a:lvl8pPr eaLnBrk="1" hangingPunct="1">
+        <a:defRPr>
+          <a:solidFill>
+            <a:schemeClr val="tx2"/>
+          </a:solidFill>
+        </a:defRPr>
+      </a:lvl8pPr>
+      <a:lvl9pPr eaLnBrk="1" hangingPunct="1">
+        <a:defRPr>
+          <a:solidFill>
+            <a:schemeClr val="tx2"/>
+          </a:solidFill>
+        </a:defRPr>
+      </a:lvl9pPr>
+    </p:titleStyle>
+    <p:bodyStyle>
+      <a:lvl1pPr marL="342900" indent="-342900" algn="l" defTabSz="457200" rtl="0" eaLnBrk="1" latinLnBrk="0" hangingPunct="1">
+        <a:spcBef>
+          <a:spcPts val="1000"/>
+        </a:spcBef>
+        <a:spcAft>
+          <a:spcPts val="0"/>
+        </a:spcAft>
+        <a:buClr>
+          <a:schemeClr val="bg2">
+            <a:lumMod val="40000"/>
+            <a:lumOff val="60000"/>
+          </a:schemeClr>
+        </a:buClr>
+        <a:buSzPct val="80000"/>
+        <a:buFont typeface="Wingdings 3" charset="2"/>
+        <a:buChar char=""/>
+        <a:defRPr sz="2000" b="0" i="0" kern="1200">
           <a:solidFill>
             <a:schemeClr val="tx1"/>
           </a:solidFill>
@@ -2684,18 +5783,213 @@
           <a:cs typeface="+mj-cs"/>
         </a:defRPr>
       </a:lvl1pPr>
-    </p:titleStyle>
-    <p:bodyStyle>
-      <a:lvl1pPr marL="228600" indent="-228600" algn="l" defTabSz="914400" rtl="0" eaLnBrk="1" latinLnBrk="0" hangingPunct="1">
-        <a:lnSpc>
-          <a:spcPct val="90000"/>
-        </a:lnSpc>
+      <a:lvl2pPr marL="742950" indent="-285750" algn="l" defTabSz="457200" rtl="0" eaLnBrk="1" latinLnBrk="0" hangingPunct="1">
         <a:spcBef>
           <a:spcPts val="1000"/>
         </a:spcBef>
-        <a:buFont typeface="Arial" panose="020B0604020202020204" pitchFamily="34" charset="0"/>
-        <a:buChar char="•"/>
-        <a:defRPr sz="2800" kern="1200">
+        <a:spcAft>
+          <a:spcPts val="0"/>
+        </a:spcAft>
+        <a:buClr>
+          <a:schemeClr val="bg2">
+            <a:lumMod val="40000"/>
+            <a:lumOff val="60000"/>
+          </a:schemeClr>
+        </a:buClr>
+        <a:buSzPct val="80000"/>
+        <a:buFont typeface="Wingdings 3" charset="2"/>
+        <a:buChar char=""/>
+        <a:defRPr sz="1800" b="0" i="0" kern="1200">
+          <a:solidFill>
+            <a:schemeClr val="tx1"/>
+          </a:solidFill>
+          <a:latin typeface="+mj-lt"/>
+          <a:ea typeface="+mj-ea"/>
+          <a:cs typeface="+mj-cs"/>
+        </a:defRPr>
+      </a:lvl2pPr>
+      <a:lvl3pPr marL="1143000" indent="-228600" algn="l" defTabSz="457200" rtl="0" eaLnBrk="1" latinLnBrk="0" hangingPunct="1">
+        <a:spcBef>
+          <a:spcPts val="1000"/>
+        </a:spcBef>
+        <a:spcAft>
+          <a:spcPts val="0"/>
+        </a:spcAft>
+        <a:buClr>
+          <a:schemeClr val="bg2">
+            <a:lumMod val="40000"/>
+            <a:lumOff val="60000"/>
+          </a:schemeClr>
+        </a:buClr>
+        <a:buSzPct val="80000"/>
+        <a:buFont typeface="Wingdings 3" charset="2"/>
+        <a:buChar char=""/>
+        <a:defRPr sz="1600" b="0" i="0" kern="1200">
+          <a:solidFill>
+            <a:schemeClr val="tx1"/>
+          </a:solidFill>
+          <a:latin typeface="+mj-lt"/>
+          <a:ea typeface="+mj-ea"/>
+          <a:cs typeface="+mj-cs"/>
+        </a:defRPr>
+      </a:lvl3pPr>
+      <a:lvl4pPr marL="1600200" indent="-228600" algn="l" defTabSz="457200" rtl="0" eaLnBrk="1" latinLnBrk="0" hangingPunct="1">
+        <a:spcBef>
+          <a:spcPts val="1000"/>
+        </a:spcBef>
+        <a:spcAft>
+          <a:spcPts val="0"/>
+        </a:spcAft>
+        <a:buClr>
+          <a:schemeClr val="bg2">
+            <a:lumMod val="40000"/>
+            <a:lumOff val="60000"/>
+          </a:schemeClr>
+        </a:buClr>
+        <a:buSzPct val="80000"/>
+        <a:buFont typeface="Wingdings 3" charset="2"/>
+        <a:buChar char=""/>
+        <a:defRPr sz="1400" b="0" i="0" kern="1200">
+          <a:solidFill>
+            <a:schemeClr val="tx1"/>
+          </a:solidFill>
+          <a:latin typeface="+mj-lt"/>
+          <a:ea typeface="+mj-ea"/>
+          <a:cs typeface="+mj-cs"/>
+        </a:defRPr>
+      </a:lvl4pPr>
+      <a:lvl5pPr marL="2057400" indent="-228600" algn="l" defTabSz="457200" rtl="0" eaLnBrk="1" latinLnBrk="0" hangingPunct="1">
+        <a:spcBef>
+          <a:spcPts val="1000"/>
+        </a:spcBef>
+        <a:spcAft>
+          <a:spcPts val="0"/>
+        </a:spcAft>
+        <a:buClr>
+          <a:schemeClr val="bg2">
+            <a:lumMod val="40000"/>
+            <a:lumOff val="60000"/>
+          </a:schemeClr>
+        </a:buClr>
+        <a:buSzPct val="80000"/>
+        <a:buFont typeface="Wingdings 3" charset="2"/>
+        <a:buChar char=""/>
+        <a:defRPr sz="1400" b="0" i="0" kern="1200">
+          <a:solidFill>
+            <a:schemeClr val="tx1"/>
+          </a:solidFill>
+          <a:latin typeface="+mj-lt"/>
+          <a:ea typeface="+mj-ea"/>
+          <a:cs typeface="+mj-cs"/>
+        </a:defRPr>
+      </a:lvl5pPr>
+      <a:lvl6pPr marL="2506000" indent="-228600" algn="l" defTabSz="457200" rtl="0" eaLnBrk="1" latinLnBrk="0" hangingPunct="1">
+        <a:spcBef>
+          <a:spcPts val="1000"/>
+        </a:spcBef>
+        <a:spcAft>
+          <a:spcPts val="0"/>
+        </a:spcAft>
+        <a:buClr>
+          <a:schemeClr val="bg2">
+            <a:lumMod val="40000"/>
+            <a:lumOff val="60000"/>
+          </a:schemeClr>
+        </a:buClr>
+        <a:buSzPct val="80000"/>
+        <a:buFont typeface="Wingdings 3" charset="2"/>
+        <a:buChar char=""/>
+        <a:defRPr sz="1400" b="0" i="0" kern="1200">
+          <a:solidFill>
+            <a:schemeClr val="tx1"/>
+          </a:solidFill>
+          <a:latin typeface="+mj-lt"/>
+          <a:ea typeface="+mj-ea"/>
+          <a:cs typeface="+mj-cs"/>
+        </a:defRPr>
+      </a:lvl6pPr>
+      <a:lvl7pPr marL="2971800" indent="-228600" algn="l" defTabSz="457200" rtl="0" eaLnBrk="1" latinLnBrk="0" hangingPunct="1">
+        <a:spcBef>
+          <a:spcPts val="1000"/>
+        </a:spcBef>
+        <a:spcAft>
+          <a:spcPts val="0"/>
+        </a:spcAft>
+        <a:buClr>
+          <a:schemeClr val="bg2">
+            <a:lumMod val="40000"/>
+            <a:lumOff val="60000"/>
+          </a:schemeClr>
+        </a:buClr>
+        <a:buSzPct val="80000"/>
+        <a:buFont typeface="Wingdings 3" charset="2"/>
+        <a:buChar char=""/>
+        <a:defRPr sz="1400" b="0" i="0" kern="1200">
+          <a:solidFill>
+            <a:schemeClr val="tx1"/>
+          </a:solidFill>
+          <a:latin typeface="+mj-lt"/>
+          <a:ea typeface="+mj-ea"/>
+          <a:cs typeface="+mj-cs"/>
+        </a:defRPr>
+      </a:lvl7pPr>
+      <a:lvl8pPr marL="3429000" indent="-228600" algn="l" defTabSz="457200" rtl="0" eaLnBrk="1" latinLnBrk="0" hangingPunct="1">
+        <a:spcBef>
+          <a:spcPts val="1000"/>
+        </a:spcBef>
+        <a:spcAft>
+          <a:spcPts val="0"/>
+        </a:spcAft>
+        <a:buClr>
+          <a:schemeClr val="bg2">
+            <a:lumMod val="40000"/>
+            <a:lumOff val="60000"/>
+          </a:schemeClr>
+        </a:buClr>
+        <a:buSzPct val="80000"/>
+        <a:buFont typeface="Wingdings 3" charset="2"/>
+        <a:buChar char=""/>
+        <a:defRPr sz="1400" b="0" i="0" kern="1200">
+          <a:solidFill>
+            <a:schemeClr val="tx1"/>
+          </a:solidFill>
+          <a:latin typeface="+mj-lt"/>
+          <a:ea typeface="+mj-ea"/>
+          <a:cs typeface="+mj-cs"/>
+        </a:defRPr>
+      </a:lvl8pPr>
+      <a:lvl9pPr marL="3886200" indent="-228600" algn="l" defTabSz="457200" rtl="0" eaLnBrk="1" latinLnBrk="0" hangingPunct="1">
+        <a:spcBef>
+          <a:spcPts val="1000"/>
+        </a:spcBef>
+        <a:spcAft>
+          <a:spcPts val="0"/>
+        </a:spcAft>
+        <a:buClr>
+          <a:schemeClr val="bg2">
+            <a:lumMod val="40000"/>
+            <a:lumOff val="60000"/>
+          </a:schemeClr>
+        </a:buClr>
+        <a:buSzPct val="80000"/>
+        <a:buFont typeface="Wingdings 3" charset="2"/>
+        <a:buChar char=""/>
+        <a:defRPr sz="1400" b="0" i="0" kern="1200">
+          <a:solidFill>
+            <a:schemeClr val="tx1"/>
+          </a:solidFill>
+          <a:latin typeface="+mj-lt"/>
+          <a:ea typeface="+mj-ea"/>
+          <a:cs typeface="+mj-cs"/>
+        </a:defRPr>
+      </a:lvl9pPr>
+    </p:bodyStyle>
+    <p:otherStyle>
+      <a:defPPr>
+        <a:defRPr lang="en-US"/>
+      </a:defPPr>
+      <a:lvl1pPr marL="0" algn="l" defTabSz="457200" rtl="0" eaLnBrk="1" latinLnBrk="0" hangingPunct="1">
+        <a:defRPr sz="1800" kern="1200">
           <a:solidFill>
             <a:schemeClr val="tx1"/>
           </a:solidFill>
@@ -2704,16 +5998,8 @@
           <a:cs typeface="+mn-cs"/>
         </a:defRPr>
       </a:lvl1pPr>
-      <a:lvl2pPr marL="685800" indent="-228600" algn="l" defTabSz="914400" rtl="0" eaLnBrk="1" latinLnBrk="0" hangingPunct="1">
-        <a:lnSpc>
-          <a:spcPct val="90000"/>
-        </a:lnSpc>
-        <a:spcBef>
-          <a:spcPts val="500"/>
-        </a:spcBef>
-        <a:buFont typeface="Arial" panose="020B0604020202020204" pitchFamily="34" charset="0"/>
-        <a:buChar char="•"/>
-        <a:defRPr sz="2400" kern="1200">
+      <a:lvl2pPr marL="457200" algn="l" defTabSz="457200" rtl="0" eaLnBrk="1" latinLnBrk="0" hangingPunct="1">
+        <a:defRPr sz="1800" kern="1200">
           <a:solidFill>
             <a:schemeClr val="tx1"/>
           </a:solidFill>
@@ -2722,16 +6008,8 @@
           <a:cs typeface="+mn-cs"/>
         </a:defRPr>
       </a:lvl2pPr>
-      <a:lvl3pPr marL="1143000" indent="-228600" algn="l" defTabSz="914400" rtl="0" eaLnBrk="1" latinLnBrk="0" hangingPunct="1">
-        <a:lnSpc>
-          <a:spcPct val="90000"/>
-        </a:lnSpc>
-        <a:spcBef>
-          <a:spcPts val="500"/>
-        </a:spcBef>
-        <a:buFont typeface="Arial" panose="020B0604020202020204" pitchFamily="34" charset="0"/>
-        <a:buChar char="•"/>
-        <a:defRPr sz="2000" kern="1200">
+      <a:lvl3pPr marL="914400" algn="l" defTabSz="457200" rtl="0" eaLnBrk="1" latinLnBrk="0" hangingPunct="1">
+        <a:defRPr sz="1800" kern="1200">
           <a:solidFill>
             <a:schemeClr val="tx1"/>
           </a:solidFill>
@@ -2740,15 +6018,7 @@
           <a:cs typeface="+mn-cs"/>
         </a:defRPr>
       </a:lvl3pPr>
-      <a:lvl4pPr marL="1600200" indent="-228600" algn="l" defTabSz="914400" rtl="0" eaLnBrk="1" latinLnBrk="0" hangingPunct="1">
-        <a:lnSpc>
-          <a:spcPct val="90000"/>
-        </a:lnSpc>
-        <a:spcBef>
-          <a:spcPts val="500"/>
-        </a:spcBef>
-        <a:buFont typeface="Arial" panose="020B0604020202020204" pitchFamily="34" charset="0"/>
-        <a:buChar char="•"/>
+      <a:lvl4pPr marL="1371600" algn="l" defTabSz="457200" rtl="0" eaLnBrk="1" latinLnBrk="0" hangingPunct="1">
         <a:defRPr sz="1800" kern="1200">
           <a:solidFill>
             <a:schemeClr val="tx1"/>
@@ -2758,15 +6028,7 @@
           <a:cs typeface="+mn-cs"/>
         </a:defRPr>
       </a:lvl4pPr>
-      <a:lvl5pPr marL="2057400" indent="-228600" algn="l" defTabSz="914400" rtl="0" eaLnBrk="1" latinLnBrk="0" hangingPunct="1">
-        <a:lnSpc>
-          <a:spcPct val="90000"/>
-        </a:lnSpc>
-        <a:spcBef>
-          <a:spcPts val="500"/>
-        </a:spcBef>
-        <a:buFont typeface="Arial" panose="020B0604020202020204" pitchFamily="34" charset="0"/>
-        <a:buChar char="•"/>
+      <a:lvl5pPr marL="1828800" algn="l" defTabSz="457200" rtl="0" eaLnBrk="1" latinLnBrk="0" hangingPunct="1">
         <a:defRPr sz="1800" kern="1200">
           <a:solidFill>
             <a:schemeClr val="tx1"/>
@@ -2776,15 +6038,7 @@
           <a:cs typeface="+mn-cs"/>
         </a:defRPr>
       </a:lvl5pPr>
-      <a:lvl6pPr marL="2514600" indent="-228600" algn="l" defTabSz="914400" rtl="0" eaLnBrk="1" latinLnBrk="0" hangingPunct="1">
-        <a:lnSpc>
-          <a:spcPct val="90000"/>
-        </a:lnSpc>
-        <a:spcBef>
-          <a:spcPts val="500"/>
-        </a:spcBef>
-        <a:buFont typeface="Arial" panose="020B0604020202020204" pitchFamily="34" charset="0"/>
-        <a:buChar char="•"/>
+      <a:lvl6pPr marL="2286000" algn="l" defTabSz="457200" rtl="0" eaLnBrk="1" latinLnBrk="0" hangingPunct="1">
         <a:defRPr sz="1800" kern="1200">
           <a:solidFill>
             <a:schemeClr val="tx1"/>
@@ -2794,15 +6048,7 @@
           <a:cs typeface="+mn-cs"/>
         </a:defRPr>
       </a:lvl6pPr>
-      <a:lvl7pPr marL="2971800" indent="-228600" algn="l" defTabSz="914400" rtl="0" eaLnBrk="1" latinLnBrk="0" hangingPunct="1">
-        <a:lnSpc>
-          <a:spcPct val="90000"/>
-        </a:lnSpc>
-        <a:spcBef>
-          <a:spcPts val="500"/>
-        </a:spcBef>
-        <a:buFont typeface="Arial" panose="020B0604020202020204" pitchFamily="34" charset="0"/>
-        <a:buChar char="•"/>
+      <a:lvl7pPr marL="2743200" algn="l" defTabSz="457200" rtl="0" eaLnBrk="1" latinLnBrk="0" hangingPunct="1">
         <a:defRPr sz="1800" kern="1200">
           <a:solidFill>
             <a:schemeClr val="tx1"/>
@@ -2812,15 +6058,7 @@
           <a:cs typeface="+mn-cs"/>
         </a:defRPr>
       </a:lvl7pPr>
-      <a:lvl8pPr marL="3429000" indent="-228600" algn="l" defTabSz="914400" rtl="0" eaLnBrk="1" latinLnBrk="0" hangingPunct="1">
-        <a:lnSpc>
-          <a:spcPct val="90000"/>
-        </a:lnSpc>
-        <a:spcBef>
-          <a:spcPts val="500"/>
-        </a:spcBef>
-        <a:buFont typeface="Arial" panose="020B0604020202020204" pitchFamily="34" charset="0"/>
-        <a:buChar char="•"/>
+      <a:lvl8pPr marL="3200400" algn="l" defTabSz="457200" rtl="0" eaLnBrk="1" latinLnBrk="0" hangingPunct="1">
         <a:defRPr sz="1800" kern="1200">
           <a:solidFill>
             <a:schemeClr val="tx1"/>
@@ -2830,110 +6068,7 @@
           <a:cs typeface="+mn-cs"/>
         </a:defRPr>
       </a:lvl8pPr>
-      <a:lvl9pPr marL="3886200" indent="-228600" algn="l" defTabSz="914400" rtl="0" eaLnBrk="1" latinLnBrk="0" hangingPunct="1">
-        <a:lnSpc>
-          <a:spcPct val="90000"/>
-        </a:lnSpc>
-        <a:spcBef>
-          <a:spcPts val="500"/>
-        </a:spcBef>
-        <a:buFont typeface="Arial" panose="020B0604020202020204" pitchFamily="34" charset="0"/>
-        <a:buChar char="•"/>
-        <a:defRPr sz="1800" kern="1200">
-          <a:solidFill>
-            <a:schemeClr val="tx1"/>
-          </a:solidFill>
-          <a:latin typeface="+mn-lt"/>
-          <a:ea typeface="+mn-ea"/>
-          <a:cs typeface="+mn-cs"/>
-        </a:defRPr>
-      </a:lvl9pPr>
-    </p:bodyStyle>
-    <p:otherStyle>
-      <a:defPPr>
-        <a:defRPr lang="es-EC"/>
-      </a:defPPr>
-      <a:lvl1pPr marL="0" algn="l" defTabSz="914400" rtl="0" eaLnBrk="1" latinLnBrk="0" hangingPunct="1">
-        <a:defRPr sz="1800" kern="1200">
-          <a:solidFill>
-            <a:schemeClr val="tx1"/>
-          </a:solidFill>
-          <a:latin typeface="+mn-lt"/>
-          <a:ea typeface="+mn-ea"/>
-          <a:cs typeface="+mn-cs"/>
-        </a:defRPr>
-      </a:lvl1pPr>
-      <a:lvl2pPr marL="457200" algn="l" defTabSz="914400" rtl="0" eaLnBrk="1" latinLnBrk="0" hangingPunct="1">
-        <a:defRPr sz="1800" kern="1200">
-          <a:solidFill>
-            <a:schemeClr val="tx1"/>
-          </a:solidFill>
-          <a:latin typeface="+mn-lt"/>
-          <a:ea typeface="+mn-ea"/>
-          <a:cs typeface="+mn-cs"/>
-        </a:defRPr>
-      </a:lvl2pPr>
-      <a:lvl3pPr marL="914400" algn="l" defTabSz="914400" rtl="0" eaLnBrk="1" latinLnBrk="0" hangingPunct="1">
-        <a:defRPr sz="1800" kern="1200">
-          <a:solidFill>
-            <a:schemeClr val="tx1"/>
-          </a:solidFill>
-          <a:latin typeface="+mn-lt"/>
-          <a:ea typeface="+mn-ea"/>
-          <a:cs typeface="+mn-cs"/>
-        </a:defRPr>
-      </a:lvl3pPr>
-      <a:lvl4pPr marL="1371600" algn="l" defTabSz="914400" rtl="0" eaLnBrk="1" latinLnBrk="0" hangingPunct="1">
-        <a:defRPr sz="1800" kern="1200">
-          <a:solidFill>
-            <a:schemeClr val="tx1"/>
-          </a:solidFill>
-          <a:latin typeface="+mn-lt"/>
-          <a:ea typeface="+mn-ea"/>
-          <a:cs typeface="+mn-cs"/>
-        </a:defRPr>
-      </a:lvl4pPr>
-      <a:lvl5pPr marL="1828800" algn="l" defTabSz="914400" rtl="0" eaLnBrk="1" latinLnBrk="0" hangingPunct="1">
-        <a:defRPr sz="1800" kern="1200">
-          <a:solidFill>
-            <a:schemeClr val="tx1"/>
-          </a:solidFill>
-          <a:latin typeface="+mn-lt"/>
-          <a:ea typeface="+mn-ea"/>
-          <a:cs typeface="+mn-cs"/>
-        </a:defRPr>
-      </a:lvl5pPr>
-      <a:lvl6pPr marL="2286000" algn="l" defTabSz="914400" rtl="0" eaLnBrk="1" latinLnBrk="0" hangingPunct="1">
-        <a:defRPr sz="1800" kern="1200">
-          <a:solidFill>
-            <a:schemeClr val="tx1"/>
-          </a:solidFill>
-          <a:latin typeface="+mn-lt"/>
-          <a:ea typeface="+mn-ea"/>
-          <a:cs typeface="+mn-cs"/>
-        </a:defRPr>
-      </a:lvl6pPr>
-      <a:lvl7pPr marL="2743200" algn="l" defTabSz="914400" rtl="0" eaLnBrk="1" latinLnBrk="0" hangingPunct="1">
-        <a:defRPr sz="1800" kern="1200">
-          <a:solidFill>
-            <a:schemeClr val="tx1"/>
-          </a:solidFill>
-          <a:latin typeface="+mn-lt"/>
-          <a:ea typeface="+mn-ea"/>
-          <a:cs typeface="+mn-cs"/>
-        </a:defRPr>
-      </a:lvl7pPr>
-      <a:lvl8pPr marL="3200400" algn="l" defTabSz="914400" rtl="0" eaLnBrk="1" latinLnBrk="0" hangingPunct="1">
-        <a:defRPr sz="1800" kern="1200">
-          <a:solidFill>
-            <a:schemeClr val="tx1"/>
-          </a:solidFill>
-          <a:latin typeface="+mn-lt"/>
-          <a:ea typeface="+mn-ea"/>
-          <a:cs typeface="+mn-cs"/>
-        </a:defRPr>
-      </a:lvl8pPr>
-      <a:lvl9pPr marL="3657600" algn="l" defTabSz="914400" rtl="0" eaLnBrk="1" latinLnBrk="0" hangingPunct="1">
+      <a:lvl9pPr marL="3657600" algn="l" defTabSz="457200" rtl="0" eaLnBrk="1" latinLnBrk="0" hangingPunct="1">
         <a:defRPr sz="1800" kern="1200">
           <a:solidFill>
             <a:schemeClr val="tx1"/>
@@ -3016,6 +6151,165 @@
 </p:sld>
 </file>
 
+<file path=ppt/slides/slide10.xml><?xml version="1.0" encoding="utf-8"?>
+<p:sld xmlns:a="http://schemas.openxmlformats.org/drawingml/2006/main" xmlns:r="http://schemas.openxmlformats.org/officeDocument/2006/relationships" xmlns:p="http://schemas.openxmlformats.org/presentationml/2006/main">
+  <p:cSld>
+    <p:spTree>
+      <p:nvGrpSpPr>
+        <p:cNvPr id="1" name=""/>
+        <p:cNvGrpSpPr/>
+        <p:nvPr/>
+      </p:nvGrpSpPr>
+      <p:grpSpPr>
+        <a:xfrm>
+          <a:off x="0" y="0"/>
+          <a:ext cx="0" cy="0"/>
+          <a:chOff x="0" y="0"/>
+          <a:chExt cx="0" cy="0"/>
+        </a:xfrm>
+      </p:grpSpPr>
+      <p:sp>
+        <p:nvSpPr>
+          <p:cNvPr id="3" name="Rectángulo 2"/>
+          <p:cNvSpPr/>
+          <p:nvPr/>
+        </p:nvSpPr>
+        <p:spPr>
+          <a:xfrm>
+            <a:off x="1746913" y="1640471"/>
+            <a:ext cx="7629099" cy="4524315"/>
+          </a:xfrm>
+          <a:prstGeom prst="rect">
+            <a:avLst/>
+          </a:prstGeom>
+        </p:spPr>
+        <p:txBody>
+          <a:bodyPr wrap="square">
+            <a:spAutoFit/>
+          </a:bodyPr>
+          <a:lstStyle/>
+          <a:p>
+            <a:r>
+              <a:rPr lang="es-EC" dirty="0" err="1"/>
+              <a:t>gvSIG</a:t>
+            </a:r>
+            <a:r>
+              <a:rPr lang="es-EC" dirty="0"/>
+              <a:t> Mobile se caracteriza por:</a:t>
+            </a:r>
+          </a:p>
+          <a:p>
+            <a:endParaRPr lang="es-EC" dirty="0"/>
+          </a:p>
+          <a:p>
+            <a:r>
+              <a:rPr lang="es-EC" dirty="0"/>
+              <a:t>Integrar tanto datos locales como remotos a través de estándares OGC.</a:t>
+            </a:r>
+          </a:p>
+          <a:p>
+            <a:r>
+              <a:rPr lang="es-EC" dirty="0"/>
+              <a:t>Está diseñado para ser fácilmente extensible, permitiendo una mejora continua de la aplicación, así como su uso para desarrollar soluciones a medida.</a:t>
+            </a:r>
+          </a:p>
+          <a:p>
+            <a:r>
+              <a:rPr lang="es-EC" dirty="0"/>
+              <a:t>Es software libre, con licencia GNU/GPL, lo que permite su libre uso, distribución, estudio y mejora.</a:t>
+            </a:r>
+          </a:p>
+          <a:p>
+            <a:r>
+              <a:rPr lang="es-EC" dirty="0"/>
+              <a:t>Está disponible en diversos idiomas: español, inglés, francés, alemán e italiano.</a:t>
+            </a:r>
+          </a:p>
+          <a:p>
+            <a:r>
+              <a:rPr lang="es-EC" dirty="0"/>
+              <a:t>Está desarrollado con Java y está disponible para plataformas que soporten Java Micro </a:t>
+            </a:r>
+            <a:r>
+              <a:rPr lang="es-EC" dirty="0" err="1"/>
+              <a:t>Edition</a:t>
+            </a:r>
+            <a:r>
+              <a:rPr lang="es-EC" dirty="0"/>
+              <a:t> CDC 1.1. Actualmente funciona en las siguientes plataformas:</a:t>
+            </a:r>
+          </a:p>
+          <a:p>
+            <a:r>
+              <a:rPr lang="es-EC" dirty="0"/>
+              <a:t>Windows Mobile 5.0</a:t>
+            </a:r>
+          </a:p>
+          <a:p>
+            <a:r>
+              <a:rPr lang="es-EC" dirty="0"/>
+              <a:t>Windows Mobile 6.0</a:t>
+            </a:r>
+          </a:p>
+        </p:txBody>
+      </p:sp>
+      <p:sp>
+        <p:nvSpPr>
+          <p:cNvPr id="4" name="Rectángulo redondeado 3"/>
+          <p:cNvSpPr/>
+          <p:nvPr/>
+        </p:nvSpPr>
+        <p:spPr>
+          <a:xfrm>
+            <a:off x="-204717" y="477672"/>
+            <a:ext cx="5418161" cy="805218"/>
+          </a:xfrm>
+          <a:prstGeom prst="roundRect">
+            <a:avLst/>
+          </a:prstGeom>
+        </p:spPr>
+        <p:style>
+          <a:lnRef idx="2">
+            <a:schemeClr val="accent1">
+              <a:shade val="50000"/>
+            </a:schemeClr>
+          </a:lnRef>
+          <a:fillRef idx="1">
+            <a:schemeClr val="accent1"/>
+          </a:fillRef>
+          <a:effectRef idx="0">
+            <a:schemeClr val="accent1"/>
+          </a:effectRef>
+          <a:fontRef idx="minor">
+            <a:schemeClr val="lt1"/>
+          </a:fontRef>
+        </p:style>
+        <p:txBody>
+          <a:bodyPr rtlCol="0" anchor="ctr"/>
+          <a:lstStyle/>
+          <a:p>
+            <a:pPr algn="ctr"/>
+            <a:r>
+              <a:rPr lang="es-EC" sz="2800" dirty="0" smtClean="0"/>
+              <a:t>CARACTERISTICAS</a:t>
+            </a:r>
+            <a:endParaRPr lang="es-EC" sz="2800" dirty="0"/>
+          </a:p>
+        </p:txBody>
+      </p:sp>
+    </p:spTree>
+    <p:extLst>
+      <p:ext uri="{BB962C8B-B14F-4D97-AF65-F5344CB8AC3E}">
+        <p14:creationId xmlns:p14="http://schemas.microsoft.com/office/powerpoint/2010/main" val="3703203058"/>
+      </p:ext>
+    </p:extLst>
+  </p:cSld>
+  <p:clrMapOvr>
+    <a:masterClrMapping/>
+  </p:clrMapOvr>
+</p:sld>
+</file>
+
 <file path=ppt/slides/slide2.xml><?xml version="1.0" encoding="utf-8"?>
 <p:sld xmlns:a="http://schemas.openxmlformats.org/drawingml/2006/main" xmlns:r="http://schemas.openxmlformats.org/officeDocument/2006/relationships" xmlns:p="http://schemas.openxmlformats.org/presentationml/2006/main">
   <p:cSld>
@@ -3035,54 +6329,1376 @@
       </p:grpSpPr>
       <p:sp>
         <p:nvSpPr>
-          <p:cNvPr id="2" name="Título 1"/>
-          <p:cNvSpPr>
-            <a:spLocks noGrp="1"/>
-          </p:cNvSpPr>
-          <p:nvPr>
-            <p:ph type="title"/>
-          </p:nvPr>
-        </p:nvSpPr>
-        <p:spPr/>
-        <p:txBody>
-          <a:bodyPr/>
-          <a:lstStyle/>
-          <a:p>
-            <a:r>
-              <a:rPr lang="es-EC" dirty="0" smtClean="0"/>
-              <a:t>Ponte once con </a:t>
-            </a:r>
-            <a:r>
-              <a:rPr lang="es-EC" smtClean="0"/>
-              <a:t>la consulta</a:t>
-            </a:r>
-            <a:endParaRPr lang="es-EC"/>
-          </a:p>
-        </p:txBody>
-      </p:sp>
-      <p:sp>
-        <p:nvSpPr>
-          <p:cNvPr id="3" name="Marcador de contenido 2"/>
-          <p:cNvSpPr>
-            <a:spLocks noGrp="1"/>
-          </p:cNvSpPr>
-          <p:nvPr>
-            <p:ph idx="1"/>
-          </p:nvPr>
-        </p:nvSpPr>
-        <p:spPr/>
-        <p:txBody>
-          <a:bodyPr/>
-          <a:lstStyle/>
-          <a:p>
-            <a:endParaRPr lang="es-EC"/>
+          <p:cNvPr id="3" name="Rectángulo 2"/>
+          <p:cNvSpPr/>
+          <p:nvPr/>
+        </p:nvSpPr>
+        <p:spPr>
+          <a:xfrm>
+            <a:off x="750628" y="1911403"/>
+            <a:ext cx="10645254" cy="3139321"/>
+          </a:xfrm>
+          <a:prstGeom prst="rect">
+            <a:avLst/>
+          </a:prstGeom>
+        </p:spPr>
+        <p:txBody>
+          <a:bodyPr wrap="square">
+            <a:spAutoFit/>
+          </a:bodyPr>
+          <a:lstStyle/>
+          <a:p>
+            <a:r>
+              <a:rPr lang="es-EC" dirty="0" err="1"/>
+              <a:t>gvSIG</a:t>
+            </a:r>
+            <a:r>
+              <a:rPr lang="es-EC" dirty="0"/>
+              <a:t> Desktop es un potente Sistema de Información Geográfica (SIG) libre diseñado para dar solución a todas las necesidades relacionadas con el manejo de información geográfica. Se caracteriza por ser una solución completa, fácil de usar y que se adapta a las necesidades de cualquier usuario de SIG. Es capaz de acceder a los formatos más comunes, tanto vectoriales como </a:t>
+            </a:r>
+            <a:r>
+              <a:rPr lang="es-EC" dirty="0" err="1"/>
+              <a:t>raster</a:t>
+            </a:r>
+            <a:r>
+              <a:rPr lang="es-EC" dirty="0"/>
+              <a:t>, tanto locales como remotos, integra estándares OGC, y cuenta con un amplio número de herramientas para trabajar con información de naturaleza geográfica (consulta, creación de mapas, </a:t>
+            </a:r>
+            <a:r>
+              <a:rPr lang="es-EC" dirty="0" err="1"/>
+              <a:t>geoprocesamiento</a:t>
+            </a:r>
+            <a:r>
+              <a:rPr lang="es-EC" dirty="0"/>
+              <a:t>, redes, etc.) que lo convierten en una herramienta ideal para usuarios que trabajen con la componente territorial.</a:t>
+            </a:r>
+          </a:p>
+          <a:p>
+            <a:endParaRPr lang="es-EC" dirty="0"/>
+          </a:p>
+          <a:p>
+            <a:r>
+              <a:rPr lang="es-EC" dirty="0" err="1"/>
+              <a:t>gvSIG</a:t>
+            </a:r>
+            <a:r>
+              <a:rPr lang="es-EC" dirty="0"/>
+              <a:t> es utilizado por una comunidad internacional creciente, en los más diversos sectores y aplicaciones.</a:t>
+            </a:r>
+          </a:p>
+        </p:txBody>
+      </p:sp>
+      <p:sp>
+        <p:nvSpPr>
+          <p:cNvPr id="4" name="Rectángulo redondeado 3"/>
+          <p:cNvSpPr/>
+          <p:nvPr/>
+        </p:nvSpPr>
+        <p:spPr>
+          <a:xfrm>
+            <a:off x="-204717" y="477672"/>
+            <a:ext cx="5418161" cy="805218"/>
+          </a:xfrm>
+          <a:prstGeom prst="roundRect">
+            <a:avLst/>
+          </a:prstGeom>
+        </p:spPr>
+        <p:style>
+          <a:lnRef idx="2">
+            <a:schemeClr val="accent1">
+              <a:shade val="50000"/>
+            </a:schemeClr>
+          </a:lnRef>
+          <a:fillRef idx="1">
+            <a:schemeClr val="accent1"/>
+          </a:fillRef>
+          <a:effectRef idx="0">
+            <a:schemeClr val="accent1"/>
+          </a:effectRef>
+          <a:fontRef idx="minor">
+            <a:schemeClr val="lt1"/>
+          </a:fontRef>
+        </p:style>
+        <p:txBody>
+          <a:bodyPr rtlCol="0" anchor="ctr"/>
+          <a:lstStyle/>
+          <a:p>
+            <a:pPr algn="ctr"/>
+            <a:r>
+              <a:rPr lang="es-EC" sz="2800" dirty="0" smtClean="0"/>
+              <a:t>¿QUÉ ES GVSIG?</a:t>
+            </a:r>
+            <a:endParaRPr lang="es-EC" sz="2800" dirty="0"/>
           </a:p>
         </p:txBody>
       </p:sp>
     </p:spTree>
     <p:extLst>
       <p:ext uri="{BB962C8B-B14F-4D97-AF65-F5344CB8AC3E}">
-        <p14:creationId xmlns:p14="http://schemas.microsoft.com/office/powerpoint/2010/main" val="765178561"/>
+        <p14:creationId xmlns:p14="http://schemas.microsoft.com/office/powerpoint/2010/main" val="2666889777"/>
+      </p:ext>
+    </p:extLst>
+  </p:cSld>
+  <p:clrMapOvr>
+    <a:masterClrMapping/>
+  </p:clrMapOvr>
+</p:sld>
+</file>
+
+<file path=ppt/slides/slide3.xml><?xml version="1.0" encoding="utf-8"?>
+<p:sld xmlns:a="http://schemas.openxmlformats.org/drawingml/2006/main" xmlns:r="http://schemas.openxmlformats.org/officeDocument/2006/relationships" xmlns:p="http://schemas.openxmlformats.org/presentationml/2006/main">
+  <p:cSld>
+    <p:spTree>
+      <p:nvGrpSpPr>
+        <p:cNvPr id="1" name=""/>
+        <p:cNvGrpSpPr/>
+        <p:nvPr/>
+      </p:nvGrpSpPr>
+      <p:grpSpPr>
+        <a:xfrm>
+          <a:off x="0" y="0"/>
+          <a:ext cx="0" cy="0"/>
+          <a:chOff x="0" y="0"/>
+          <a:chExt cx="0" cy="0"/>
+        </a:xfrm>
+      </p:grpSpPr>
+      <p:sp>
+        <p:nvSpPr>
+          <p:cNvPr id="3" name="Rectángulo 2"/>
+          <p:cNvSpPr/>
+          <p:nvPr/>
+        </p:nvSpPr>
+        <p:spPr>
+          <a:xfrm>
+            <a:off x="1460310" y="782178"/>
+            <a:ext cx="9294125" cy="5632311"/>
+          </a:xfrm>
+          <a:prstGeom prst="rect">
+            <a:avLst/>
+          </a:prstGeom>
+        </p:spPr>
+        <p:txBody>
+          <a:bodyPr wrap="square">
+            <a:spAutoFit/>
+          </a:bodyPr>
+          <a:lstStyle/>
+          <a:p>
+            <a:r>
+              <a:rPr lang="es-EC" dirty="0"/>
+              <a:t>Portable: funciona en distintas plataformas hardware / software, Linux, Windows y Mac OS. El lenguaje de programación es Java.</a:t>
+            </a:r>
+          </a:p>
+          <a:p>
+            <a:endParaRPr lang="es-EC" dirty="0"/>
+          </a:p>
+          <a:p>
+            <a:r>
+              <a:rPr lang="es-EC" dirty="0"/>
+              <a:t>Modular: es ampliable con nuevas funcionalidades mediante el desarrollo de extensiones, permitiendo una mejora continua de la aplicación, así como el desarrollo de soluciones a medida.</a:t>
+            </a:r>
+          </a:p>
+          <a:p>
+            <a:endParaRPr lang="es-EC" dirty="0"/>
+          </a:p>
+          <a:p>
+            <a:r>
+              <a:rPr lang="es-EC" dirty="0"/>
+              <a:t>De código abierto: licencia GNU/GPL, lo que permite su libre uso, distribución, estudio y mejora.</a:t>
+            </a:r>
+          </a:p>
+          <a:p>
+            <a:endParaRPr lang="es-EC" dirty="0"/>
+          </a:p>
+          <a:p>
+            <a:r>
+              <a:rPr lang="es-EC" dirty="0"/>
+              <a:t>Interoperable con las soluciones ya implantadas: es capaz de acceder a los datos de otros programas privativos, como </a:t>
+            </a:r>
+            <a:r>
+              <a:rPr lang="es-EC" dirty="0" err="1"/>
+              <a:t>ArcView</a:t>
+            </a:r>
+            <a:r>
+              <a:rPr lang="es-EC" dirty="0"/>
+              <a:t>, AutoCAD o </a:t>
+            </a:r>
+            <a:r>
+              <a:rPr lang="es-EC" dirty="0" err="1"/>
+              <a:t>Microstation</a:t>
+            </a:r>
+            <a:r>
+              <a:rPr lang="es-EC" dirty="0"/>
+              <a:t> sin necesidad de cambiarlos de formato.</a:t>
+            </a:r>
+          </a:p>
+          <a:p>
+            <a:endParaRPr lang="es-EC" dirty="0"/>
+          </a:p>
+          <a:p>
+            <a:r>
+              <a:rPr lang="es-EC" dirty="0" err="1"/>
+              <a:t>Internacionalizable</a:t>
+            </a:r>
+            <a:r>
+              <a:rPr lang="es-EC" dirty="0"/>
+              <a:t> :está disponible en más de una veintena de idiomas (castellano, inglés, alemán, italiano,...) y permite la incorporación de nuevos idiomas con facilidad.</a:t>
+            </a:r>
+          </a:p>
+          <a:p>
+            <a:endParaRPr lang="es-EC" dirty="0"/>
+          </a:p>
+          <a:p>
+            <a:r>
+              <a:rPr lang="es-EC" dirty="0"/>
+              <a:t>Sujeto a estándares: sigue las directrices marcadas por el Open </a:t>
+            </a:r>
+            <a:r>
+              <a:rPr lang="es-EC" dirty="0" err="1"/>
+              <a:t>Geospatial</a:t>
+            </a:r>
+            <a:r>
+              <a:rPr lang="es-EC" dirty="0"/>
+              <a:t> </a:t>
+            </a:r>
+            <a:r>
+              <a:rPr lang="es-EC" dirty="0" err="1"/>
+              <a:t>Consortium</a:t>
+            </a:r>
+            <a:r>
+              <a:rPr lang="es-EC" dirty="0"/>
+              <a:t> (OGC).</a:t>
+            </a:r>
+          </a:p>
+        </p:txBody>
+      </p:sp>
+      <p:sp>
+        <p:nvSpPr>
+          <p:cNvPr id="4" name="Rectángulo redondeado 3"/>
+          <p:cNvSpPr/>
+          <p:nvPr/>
+        </p:nvSpPr>
+        <p:spPr>
+          <a:xfrm>
+            <a:off x="-313899" y="272956"/>
+            <a:ext cx="5418161" cy="805218"/>
+          </a:xfrm>
+          <a:prstGeom prst="roundRect">
+            <a:avLst/>
+          </a:prstGeom>
+        </p:spPr>
+        <p:style>
+          <a:lnRef idx="2">
+            <a:schemeClr val="accent1">
+              <a:shade val="50000"/>
+            </a:schemeClr>
+          </a:lnRef>
+          <a:fillRef idx="1">
+            <a:schemeClr val="accent1"/>
+          </a:fillRef>
+          <a:effectRef idx="0">
+            <a:schemeClr val="accent1"/>
+          </a:effectRef>
+          <a:fontRef idx="minor">
+            <a:schemeClr val="lt1"/>
+          </a:fontRef>
+        </p:style>
+        <p:txBody>
+          <a:bodyPr rtlCol="0" anchor="ctr"/>
+          <a:lstStyle/>
+          <a:p>
+            <a:pPr algn="ctr"/>
+            <a:r>
+              <a:rPr lang="es-EC" sz="2800" dirty="0" smtClean="0"/>
+              <a:t>CARACTERISTICAS</a:t>
+            </a:r>
+            <a:endParaRPr lang="es-EC" sz="2800" dirty="0"/>
+          </a:p>
+        </p:txBody>
+      </p:sp>
+    </p:spTree>
+    <p:extLst>
+      <p:ext uri="{BB962C8B-B14F-4D97-AF65-F5344CB8AC3E}">
+        <p14:creationId xmlns:p14="http://schemas.microsoft.com/office/powerpoint/2010/main" val="358036862"/>
+      </p:ext>
+    </p:extLst>
+  </p:cSld>
+  <p:clrMapOvr>
+    <a:masterClrMapping/>
+  </p:clrMapOvr>
+</p:sld>
+</file>
+
+<file path=ppt/slides/slide4.xml><?xml version="1.0" encoding="utf-8"?>
+<p:sld xmlns:a="http://schemas.openxmlformats.org/drawingml/2006/main" xmlns:r="http://schemas.openxmlformats.org/officeDocument/2006/relationships" xmlns:p="http://schemas.openxmlformats.org/presentationml/2006/main">
+  <p:cSld>
+    <p:spTree>
+      <p:nvGrpSpPr>
+        <p:cNvPr id="1" name=""/>
+        <p:cNvGrpSpPr/>
+        <p:nvPr/>
+      </p:nvGrpSpPr>
+      <p:grpSpPr>
+        <a:xfrm>
+          <a:off x="0" y="0"/>
+          <a:ext cx="0" cy="0"/>
+          <a:chOff x="0" y="0"/>
+          <a:chExt cx="0" cy="0"/>
+        </a:xfrm>
+      </p:grpSpPr>
+      <p:sp>
+        <p:nvSpPr>
+          <p:cNvPr id="3" name="Rectángulo 2"/>
+          <p:cNvSpPr/>
+          <p:nvPr/>
+        </p:nvSpPr>
+        <p:spPr>
+          <a:xfrm>
+            <a:off x="3048000" y="2828836"/>
+            <a:ext cx="6096000" cy="369332"/>
+          </a:xfrm>
+          <a:prstGeom prst="rect">
+            <a:avLst/>
+          </a:prstGeom>
+        </p:spPr>
+        <p:txBody>
+          <a:bodyPr>
+            <a:spAutoFit/>
+          </a:bodyPr>
+          <a:lstStyle/>
+          <a:p>
+            <a:endParaRPr lang="es-EC" dirty="0"/>
+          </a:p>
+        </p:txBody>
+      </p:sp>
+      <p:sp>
+        <p:nvSpPr>
+          <p:cNvPr id="5" name="Rectángulo 4"/>
+          <p:cNvSpPr/>
+          <p:nvPr/>
+        </p:nvSpPr>
+        <p:spPr>
+          <a:xfrm>
+            <a:off x="891654" y="1275013"/>
+            <a:ext cx="9144000" cy="646331"/>
+          </a:xfrm>
+          <a:prstGeom prst="rect">
+            <a:avLst/>
+          </a:prstGeom>
+        </p:spPr>
+        <p:txBody>
+          <a:bodyPr wrap="square">
+            <a:spAutoFit/>
+          </a:bodyPr>
+          <a:lstStyle/>
+          <a:p>
+            <a:r>
+              <a:rPr lang="es-EC" dirty="0"/>
+              <a:t>En </a:t>
+            </a:r>
+            <a:r>
+              <a:rPr lang="es-EC" dirty="0" err="1"/>
+              <a:t>gvSIG</a:t>
+            </a:r>
+            <a:r>
+              <a:rPr lang="es-EC" dirty="0"/>
+              <a:t> Desktop podemos encontrar un amplio abanico de funcionalidades, integrando las más diversas áreas de aplicación de los SIG:</a:t>
+            </a:r>
+          </a:p>
+        </p:txBody>
+      </p:sp>
+      <p:sp>
+        <p:nvSpPr>
+          <p:cNvPr id="7" name="Rectángulo 6"/>
+          <p:cNvSpPr/>
+          <p:nvPr/>
+        </p:nvSpPr>
+        <p:spPr>
+          <a:xfrm>
+            <a:off x="5312954" y="2840168"/>
+            <a:ext cx="6096000" cy="2031325"/>
+          </a:xfrm>
+          <a:prstGeom prst="rect">
+            <a:avLst/>
+          </a:prstGeom>
+        </p:spPr>
+        <p:txBody>
+          <a:bodyPr>
+            <a:spAutoFit/>
+          </a:bodyPr>
+          <a:lstStyle/>
+          <a:p>
+            <a:r>
+              <a:rPr lang="es-EC" dirty="0"/>
+              <a:t>Vectorial: Acceso a formatos vectoriales, acceso a bases de datos, navegación, consulta, selección, análisis y </a:t>
+            </a:r>
+            <a:r>
+              <a:rPr lang="es-EC" dirty="0" err="1"/>
+              <a:t>geoprocesamiento</a:t>
+            </a:r>
+            <a:r>
+              <a:rPr lang="es-EC" dirty="0"/>
+              <a:t>, edición gráfica y alfanumérica, simbología, etiquetado, diseñador de planos, conversión de datos a otros formatos y sistemas de proyección, relaciones entre tablas, estadísticas, normalización,...</a:t>
+            </a:r>
+          </a:p>
+        </p:txBody>
+      </p:sp>
+      <p:pic>
+        <p:nvPicPr>
+          <p:cNvPr id="1026" name="Picture 2" descr="gvSIG Desktop_vectorial_01_mini"/>
+          <p:cNvPicPr>
+            <a:picLocks noChangeAspect="1" noChangeArrowheads="1"/>
+          </p:cNvPicPr>
+          <p:nvPr/>
+        </p:nvPicPr>
+        <p:blipFill>
+          <a:blip r:embed="rId2">
+            <a:extLst>
+              <a:ext uri="{28A0092B-C50C-407E-A947-70E740481C1C}">
+                <a14:useLocalDpi xmlns:a14="http://schemas.microsoft.com/office/drawing/2010/main" val="0"/>
+              </a:ext>
+            </a:extLst>
+          </a:blip>
+          <a:srcRect/>
+          <a:stretch>
+            <a:fillRect/>
+          </a:stretch>
+        </p:blipFill>
+        <p:spPr bwMode="auto">
+          <a:xfrm>
+            <a:off x="783046" y="2522520"/>
+            <a:ext cx="4353062" cy="2643916"/>
+          </a:xfrm>
+          <a:prstGeom prst="rect">
+            <a:avLst/>
+          </a:prstGeom>
+          <a:noFill/>
+          <a:extLst>
+            <a:ext uri="{909E8E84-426E-40DD-AFC4-6F175D3DCCD1}">
+              <a14:hiddenFill xmlns:a14="http://schemas.microsoft.com/office/drawing/2010/main">
+                <a:solidFill>
+                  <a:srgbClr val="FFFFFF"/>
+                </a:solidFill>
+              </a14:hiddenFill>
+            </a:ext>
+          </a:extLst>
+        </p:spPr>
+      </p:pic>
+      <p:sp>
+        <p:nvSpPr>
+          <p:cNvPr id="9" name="Rectángulo redondeado 8"/>
+          <p:cNvSpPr/>
+          <p:nvPr/>
+        </p:nvSpPr>
+        <p:spPr>
+          <a:xfrm>
+            <a:off x="-204717" y="477672"/>
+            <a:ext cx="5418161" cy="805218"/>
+          </a:xfrm>
+          <a:prstGeom prst="roundRect">
+            <a:avLst/>
+          </a:prstGeom>
+        </p:spPr>
+        <p:style>
+          <a:lnRef idx="2">
+            <a:schemeClr val="accent1">
+              <a:shade val="50000"/>
+            </a:schemeClr>
+          </a:lnRef>
+          <a:fillRef idx="1">
+            <a:schemeClr val="accent1"/>
+          </a:fillRef>
+          <a:effectRef idx="0">
+            <a:schemeClr val="accent1"/>
+          </a:effectRef>
+          <a:fontRef idx="minor">
+            <a:schemeClr val="lt1"/>
+          </a:fontRef>
+        </p:style>
+        <p:txBody>
+          <a:bodyPr rtlCol="0" anchor="ctr"/>
+          <a:lstStyle/>
+          <a:p>
+            <a:pPr algn="ctr"/>
+            <a:r>
+              <a:rPr lang="es-EC" sz="2800" dirty="0" smtClean="0"/>
+              <a:t>FUNCIONALIDADES</a:t>
+            </a:r>
+            <a:endParaRPr lang="es-EC" sz="2800" dirty="0"/>
+          </a:p>
+        </p:txBody>
+      </p:sp>
+    </p:spTree>
+    <p:extLst>
+      <p:ext uri="{BB962C8B-B14F-4D97-AF65-F5344CB8AC3E}">
+        <p14:creationId xmlns:p14="http://schemas.microsoft.com/office/powerpoint/2010/main" val="2618602413"/>
+      </p:ext>
+    </p:extLst>
+  </p:cSld>
+  <p:clrMapOvr>
+    <a:masterClrMapping/>
+  </p:clrMapOvr>
+</p:sld>
+</file>
+
+<file path=ppt/slides/slide5.xml><?xml version="1.0" encoding="utf-8"?>
+<p:sld xmlns:a="http://schemas.openxmlformats.org/drawingml/2006/main" xmlns:r="http://schemas.openxmlformats.org/officeDocument/2006/relationships" xmlns:p="http://schemas.openxmlformats.org/presentationml/2006/main">
+  <p:cSld>
+    <p:spTree>
+      <p:nvGrpSpPr>
+        <p:cNvPr id="1" name=""/>
+        <p:cNvGrpSpPr/>
+        <p:nvPr/>
+      </p:nvGrpSpPr>
+      <p:grpSpPr>
+        <a:xfrm>
+          <a:off x="0" y="0"/>
+          <a:ext cx="0" cy="0"/>
+          <a:chOff x="0" y="0"/>
+          <a:chExt cx="0" cy="0"/>
+        </a:xfrm>
+      </p:grpSpPr>
+      <p:sp>
+        <p:nvSpPr>
+          <p:cNvPr id="3" name="Rectángulo 2"/>
+          <p:cNvSpPr/>
+          <p:nvPr/>
+        </p:nvSpPr>
+        <p:spPr>
+          <a:xfrm>
+            <a:off x="5627427" y="2023113"/>
+            <a:ext cx="6096000" cy="3139321"/>
+          </a:xfrm>
+          <a:prstGeom prst="rect">
+            <a:avLst/>
+          </a:prstGeom>
+        </p:spPr>
+        <p:txBody>
+          <a:bodyPr>
+            <a:spAutoFit/>
+          </a:bodyPr>
+          <a:lstStyle/>
+          <a:p>
+            <a:r>
+              <a:rPr lang="es-EC" dirty="0" err="1"/>
+              <a:t>Ráster</a:t>
+            </a:r>
+            <a:r>
+              <a:rPr lang="es-EC" dirty="0"/>
+              <a:t> y teledetección: acceso a formatos </a:t>
+            </a:r>
+            <a:r>
+              <a:rPr lang="es-EC" dirty="0" err="1"/>
+              <a:t>raster</a:t>
+            </a:r>
+            <a:r>
+              <a:rPr lang="es-EC" dirty="0"/>
+              <a:t>, tabla de color y gradientes, recorte de datos y bandas, exportación de capas, procesamiento por píxel, tratamiento de interpretación de color, generación de pirámides, realces radiométricos, histogramas, geolocalización, </a:t>
+            </a:r>
+            <a:r>
+              <a:rPr lang="es-EC" dirty="0" err="1"/>
+              <a:t>reproyección</a:t>
+            </a:r>
+            <a:r>
+              <a:rPr lang="es-EC" dirty="0"/>
+              <a:t> de </a:t>
+            </a:r>
+            <a:r>
+              <a:rPr lang="es-EC" dirty="0" err="1"/>
+              <a:t>raster</a:t>
+            </a:r>
+            <a:r>
+              <a:rPr lang="es-EC" dirty="0"/>
+              <a:t>, georreferenciación, </a:t>
+            </a:r>
+            <a:r>
+              <a:rPr lang="es-EC" dirty="0" err="1"/>
+              <a:t>vectorización</a:t>
+            </a:r>
+            <a:r>
+              <a:rPr lang="es-EC" dirty="0"/>
+              <a:t> automática, álgebra de bandas, definición de áreas de interés, clasificación supervisada y no supervisada, árboles de decisión, fusión de imágenes, mosaicos, diagramas de dispersión,...</a:t>
+            </a:r>
+          </a:p>
+        </p:txBody>
+      </p:sp>
+      <p:pic>
+        <p:nvPicPr>
+          <p:cNvPr id="2050" name="Picture 2" descr="gvSIG Desktop_raster 01_mini"/>
+          <p:cNvPicPr>
+            <a:picLocks noChangeAspect="1" noChangeArrowheads="1"/>
+          </p:cNvPicPr>
+          <p:nvPr/>
+        </p:nvPicPr>
+        <p:blipFill>
+          <a:blip r:embed="rId2">
+            <a:extLst>
+              <a:ext uri="{28A0092B-C50C-407E-A947-70E740481C1C}">
+                <a14:useLocalDpi xmlns:a14="http://schemas.microsoft.com/office/drawing/2010/main" val="0"/>
+              </a:ext>
+            </a:extLst>
+          </a:blip>
+          <a:srcRect/>
+          <a:stretch>
+            <a:fillRect/>
+          </a:stretch>
+        </p:blipFill>
+        <p:spPr bwMode="auto">
+          <a:xfrm>
+            <a:off x="865259" y="2291034"/>
+            <a:ext cx="4034288" cy="2603478"/>
+          </a:xfrm>
+          <a:prstGeom prst="rect">
+            <a:avLst/>
+          </a:prstGeom>
+          <a:noFill/>
+          <a:extLst>
+            <a:ext uri="{909E8E84-426E-40DD-AFC4-6F175D3DCCD1}">
+              <a14:hiddenFill xmlns:a14="http://schemas.microsoft.com/office/drawing/2010/main">
+                <a:solidFill>
+                  <a:srgbClr val="FFFFFF"/>
+                </a:solidFill>
+              </a14:hiddenFill>
+            </a:ext>
+          </a:extLst>
+        </p:spPr>
+      </p:pic>
+    </p:spTree>
+    <p:extLst>
+      <p:ext uri="{BB962C8B-B14F-4D97-AF65-F5344CB8AC3E}">
+        <p14:creationId xmlns:p14="http://schemas.microsoft.com/office/powerpoint/2010/main" val="1856970225"/>
+      </p:ext>
+    </p:extLst>
+  </p:cSld>
+  <p:clrMapOvr>
+    <a:masterClrMapping/>
+  </p:clrMapOvr>
+  <p:timing>
+    <p:tnLst>
+      <p:par>
+        <p:cTn id="1" dur="indefinite" restart="never" nodeType="tmRoot"/>
+      </p:par>
+    </p:tnLst>
+  </p:timing>
+</p:sld>
+</file>
+
+<file path=ppt/slides/slide6.xml><?xml version="1.0" encoding="utf-8"?>
+<p:sld xmlns:a="http://schemas.openxmlformats.org/drawingml/2006/main" xmlns:r="http://schemas.openxmlformats.org/officeDocument/2006/relationships" xmlns:p="http://schemas.openxmlformats.org/presentationml/2006/main">
+  <p:cSld>
+    <p:spTree>
+      <p:nvGrpSpPr>
+        <p:cNvPr id="1" name=""/>
+        <p:cNvGrpSpPr/>
+        <p:nvPr/>
+      </p:nvGrpSpPr>
+      <p:grpSpPr>
+        <a:xfrm>
+          <a:off x="0" y="0"/>
+          <a:ext cx="0" cy="0"/>
+          <a:chOff x="0" y="0"/>
+          <a:chExt cx="0" cy="0"/>
+        </a:xfrm>
+      </p:grpSpPr>
+      <p:sp>
+        <p:nvSpPr>
+          <p:cNvPr id="3" name="Rectángulo 2"/>
+          <p:cNvSpPr/>
+          <p:nvPr/>
+        </p:nvSpPr>
+        <p:spPr>
+          <a:xfrm>
+            <a:off x="4699376" y="1292198"/>
+            <a:ext cx="6478139" cy="2031325"/>
+          </a:xfrm>
+          <a:prstGeom prst="rect">
+            <a:avLst/>
+          </a:prstGeom>
+        </p:spPr>
+        <p:txBody>
+          <a:bodyPr wrap="square">
+            <a:spAutoFit/>
+          </a:bodyPr>
+          <a:lstStyle/>
+          <a:p>
+            <a:r>
+              <a:rPr lang="es-EC" dirty="0"/>
+              <a:t>Infraestructuras de Datos Espaciales y estándares: acceso a servicios remotos mediante estándares OGC (WMS, WFS, WFS-T, WCS), acceso mediante servicios no estándar (</a:t>
+            </a:r>
+            <a:r>
+              <a:rPr lang="es-EC" dirty="0" err="1"/>
+              <a:t>ArcIMS</a:t>
+            </a:r>
+            <a:r>
+              <a:rPr lang="es-EC" dirty="0"/>
+              <a:t>, </a:t>
+            </a:r>
+            <a:r>
+              <a:rPr lang="es-EC" dirty="0" err="1"/>
+              <a:t>Ecwp</a:t>
+            </a:r>
+            <a:r>
+              <a:rPr lang="es-EC" dirty="0"/>
+              <a:t>), servicio de búsqueda por catálogo, servicio de localización por nomenclátor, acceso a formatos de fichero estándar, extensión de publicación de servicios OGC</a:t>
+            </a:r>
+          </a:p>
+        </p:txBody>
+      </p:sp>
+      <p:pic>
+        <p:nvPicPr>
+          <p:cNvPr id="3074" name="Picture 2" descr="gvSIG Desktop_IDE 01_mini"/>
+          <p:cNvPicPr>
+            <a:picLocks noChangeAspect="1" noChangeArrowheads="1"/>
+          </p:cNvPicPr>
+          <p:nvPr/>
+        </p:nvPicPr>
+        <p:blipFill>
+          <a:blip r:embed="rId2">
+            <a:extLst>
+              <a:ext uri="{28A0092B-C50C-407E-A947-70E740481C1C}">
+                <a14:useLocalDpi xmlns:a14="http://schemas.microsoft.com/office/drawing/2010/main" val="0"/>
+              </a:ext>
+            </a:extLst>
+          </a:blip>
+          <a:srcRect/>
+          <a:stretch>
+            <a:fillRect/>
+          </a:stretch>
+        </p:blipFill>
+        <p:spPr bwMode="auto">
+          <a:xfrm>
+            <a:off x="1141700" y="1388195"/>
+            <a:ext cx="3163646" cy="1839329"/>
+          </a:xfrm>
+          <a:prstGeom prst="rect">
+            <a:avLst/>
+          </a:prstGeom>
+          <a:noFill/>
+          <a:extLst>
+            <a:ext uri="{909E8E84-426E-40DD-AFC4-6F175D3DCCD1}">
+              <a14:hiddenFill xmlns:a14="http://schemas.microsoft.com/office/drawing/2010/main">
+                <a:solidFill>
+                  <a:srgbClr val="FFFFFF"/>
+                </a:solidFill>
+              </a14:hiddenFill>
+            </a:ext>
+          </a:extLst>
+        </p:spPr>
+      </p:pic>
+      <p:sp>
+        <p:nvSpPr>
+          <p:cNvPr id="5" name="Rectángulo 4"/>
+          <p:cNvSpPr/>
+          <p:nvPr/>
+        </p:nvSpPr>
+        <p:spPr>
+          <a:xfrm>
+            <a:off x="1141700" y="4166316"/>
+            <a:ext cx="6096000" cy="1200329"/>
+          </a:xfrm>
+          <a:prstGeom prst="rect">
+            <a:avLst/>
+          </a:prstGeom>
+        </p:spPr>
+        <p:txBody>
+          <a:bodyPr>
+            <a:spAutoFit/>
+          </a:bodyPr>
+          <a:lstStyle/>
+          <a:p>
+            <a:r>
+              <a:rPr lang="es-EC" dirty="0"/>
+              <a:t>Redes: topología de red, gestión de paradas, camino mínimo, área de servicio, evento más cercano, matriz orígenes-destino, árbol de recubrimiento mínimo, conectividad,...</a:t>
+            </a:r>
+          </a:p>
+        </p:txBody>
+      </p:sp>
+      <p:pic>
+        <p:nvPicPr>
+          <p:cNvPr id="3076" name="Picture 4" descr="gvSIG Desktop_redes 01_mini"/>
+          <p:cNvPicPr>
+            <a:picLocks noChangeAspect="1" noChangeArrowheads="1"/>
+          </p:cNvPicPr>
+          <p:nvPr/>
+        </p:nvPicPr>
+        <p:blipFill>
+          <a:blip r:embed="rId3">
+            <a:extLst>
+              <a:ext uri="{28A0092B-C50C-407E-A947-70E740481C1C}">
+                <a14:useLocalDpi xmlns:a14="http://schemas.microsoft.com/office/drawing/2010/main" val="0"/>
+              </a:ext>
+            </a:extLst>
+          </a:blip>
+          <a:srcRect/>
+          <a:stretch>
+            <a:fillRect/>
+          </a:stretch>
+        </p:blipFill>
+        <p:spPr bwMode="auto">
+          <a:xfrm>
+            <a:off x="6827593" y="3746825"/>
+            <a:ext cx="3869030" cy="2258189"/>
+          </a:xfrm>
+          <a:prstGeom prst="rect">
+            <a:avLst/>
+          </a:prstGeom>
+          <a:noFill/>
+          <a:extLst>
+            <a:ext uri="{909E8E84-426E-40DD-AFC4-6F175D3DCCD1}">
+              <a14:hiddenFill xmlns:a14="http://schemas.microsoft.com/office/drawing/2010/main">
+                <a:solidFill>
+                  <a:srgbClr val="FFFFFF"/>
+                </a:solidFill>
+              </a14:hiddenFill>
+            </a:ext>
+          </a:extLst>
+        </p:spPr>
+      </p:pic>
+    </p:spTree>
+    <p:extLst>
+      <p:ext uri="{BB962C8B-B14F-4D97-AF65-F5344CB8AC3E}">
+        <p14:creationId xmlns:p14="http://schemas.microsoft.com/office/powerpoint/2010/main" val="1914931595"/>
+      </p:ext>
+    </p:extLst>
+  </p:cSld>
+  <p:clrMapOvr>
+    <a:masterClrMapping/>
+  </p:clrMapOvr>
+</p:sld>
+</file>
+
+<file path=ppt/slides/slide7.xml><?xml version="1.0" encoding="utf-8"?>
+<p:sld xmlns:a="http://schemas.openxmlformats.org/drawingml/2006/main" xmlns:r="http://schemas.openxmlformats.org/officeDocument/2006/relationships" xmlns:p="http://schemas.openxmlformats.org/presentationml/2006/main">
+  <p:cSld>
+    <p:spTree>
+      <p:nvGrpSpPr>
+        <p:cNvPr id="1" name=""/>
+        <p:cNvGrpSpPr/>
+        <p:nvPr/>
+      </p:nvGrpSpPr>
+      <p:grpSpPr>
+        <a:xfrm>
+          <a:off x="0" y="0"/>
+          <a:ext cx="0" cy="0"/>
+          <a:chOff x="0" y="0"/>
+          <a:chExt cx="0" cy="0"/>
+        </a:xfrm>
+      </p:grpSpPr>
+      <p:sp>
+        <p:nvSpPr>
+          <p:cNvPr id="3" name="Rectángulo 2"/>
+          <p:cNvSpPr/>
+          <p:nvPr/>
+        </p:nvSpPr>
+        <p:spPr>
+          <a:xfrm>
+            <a:off x="1055427" y="1666249"/>
+            <a:ext cx="6096000" cy="3416320"/>
+          </a:xfrm>
+          <a:prstGeom prst="rect">
+            <a:avLst/>
+          </a:prstGeom>
+        </p:spPr>
+        <p:txBody>
+          <a:bodyPr>
+            <a:spAutoFit/>
+          </a:bodyPr>
+          <a:lstStyle/>
+          <a:p>
+            <a:r>
+              <a:rPr lang="es-EC" dirty="0" smtClean="0"/>
+              <a:t>3D: Vista 3D plana, vista 3D esférica , soporte de todos los formatos y </a:t>
+            </a:r>
+            <a:r>
+              <a:rPr lang="es-EC" dirty="0"/>
+              <a:t>servicios remotos de </a:t>
+            </a:r>
+            <a:r>
+              <a:rPr lang="es-EC" dirty="0" err="1"/>
+              <a:t>gvSIG</a:t>
+            </a:r>
+            <a:r>
+              <a:rPr lang="es-EC" dirty="0"/>
+              <a:t>, capas de elevación, capas vectoriales con alturas, capas 3D, posibilidad de </a:t>
+            </a:r>
+            <a:r>
+              <a:rPr lang="es-EC" dirty="0" err="1"/>
+              <a:t>rasterizar</a:t>
+            </a:r>
+            <a:r>
+              <a:rPr lang="es-EC" dirty="0"/>
+              <a:t> o visualizar como primitivas gráficas las capas vectoriales, simbología 3D , extrusión de capas vectoriales, georreferenciación y edición de objetos 3D, encuadres 3D , sistema de Animación 3D, selección, información, visualización estéreo (</a:t>
+            </a:r>
+            <a:r>
+              <a:rPr lang="es-EC" dirty="0" err="1"/>
+              <a:t>anaglifo</a:t>
+            </a:r>
+            <a:r>
+              <a:rPr lang="es-EC" dirty="0"/>
+              <a:t>, horizontal </a:t>
+            </a:r>
+            <a:r>
+              <a:rPr lang="es-EC" dirty="0" err="1"/>
+              <a:t>split</a:t>
+            </a:r>
+            <a:r>
+              <a:rPr lang="es-EC" dirty="0"/>
+              <a:t>, </a:t>
+            </a:r>
+            <a:r>
+              <a:rPr lang="es-EC" dirty="0" err="1"/>
+              <a:t>etc</a:t>
+            </a:r>
+            <a:r>
+              <a:rPr lang="es-EC" dirty="0"/>
+              <a:t>), visualización a pantalla completa, búsqueda geográfica por nombre (</a:t>
+            </a:r>
+            <a:r>
+              <a:rPr lang="es-EC" dirty="0" err="1"/>
+              <a:t>gazeeteer</a:t>
+            </a:r>
+            <a:r>
+              <a:rPr lang="es-EC" dirty="0"/>
+              <a:t>),...</a:t>
+            </a:r>
+          </a:p>
+        </p:txBody>
+      </p:sp>
+      <p:pic>
+        <p:nvPicPr>
+          <p:cNvPr id="4098" name="Picture 2" descr="gvSIG Desktop_3D 01_mini"/>
+          <p:cNvPicPr>
+            <a:picLocks noChangeAspect="1" noChangeArrowheads="1"/>
+          </p:cNvPicPr>
+          <p:nvPr/>
+        </p:nvPicPr>
+        <p:blipFill>
+          <a:blip r:embed="rId2">
+            <a:extLst>
+              <a:ext uri="{28A0092B-C50C-407E-A947-70E740481C1C}">
+                <a14:useLocalDpi xmlns:a14="http://schemas.microsoft.com/office/drawing/2010/main" val="0"/>
+              </a:ext>
+            </a:extLst>
+          </a:blip>
+          <a:srcRect/>
+          <a:stretch>
+            <a:fillRect/>
+          </a:stretch>
+        </p:blipFill>
+        <p:spPr bwMode="auto">
+          <a:xfrm>
+            <a:off x="7375139" y="2096637"/>
+            <a:ext cx="3829673" cy="2555543"/>
+          </a:xfrm>
+          <a:prstGeom prst="rect">
+            <a:avLst/>
+          </a:prstGeom>
+          <a:noFill/>
+          <a:extLst>
+            <a:ext uri="{909E8E84-426E-40DD-AFC4-6F175D3DCCD1}">
+              <a14:hiddenFill xmlns:a14="http://schemas.microsoft.com/office/drawing/2010/main">
+                <a:solidFill>
+                  <a:srgbClr val="FFFFFF"/>
+                </a:solidFill>
+              </a14:hiddenFill>
+            </a:ext>
+          </a:extLst>
+        </p:spPr>
+      </p:pic>
+    </p:spTree>
+    <p:extLst>
+      <p:ext uri="{BB962C8B-B14F-4D97-AF65-F5344CB8AC3E}">
+        <p14:creationId xmlns:p14="http://schemas.microsoft.com/office/powerpoint/2010/main" val="3728847864"/>
+      </p:ext>
+    </p:extLst>
+  </p:cSld>
+  <p:clrMapOvr>
+    <a:masterClrMapping/>
+  </p:clrMapOvr>
+</p:sld>
+</file>
+
+<file path=ppt/slides/slide8.xml><?xml version="1.0" encoding="utf-8"?>
+<p:sld xmlns:a="http://schemas.openxmlformats.org/drawingml/2006/main" xmlns:r="http://schemas.openxmlformats.org/officeDocument/2006/relationships" xmlns:p="http://schemas.openxmlformats.org/presentationml/2006/main">
+  <p:cSld>
+    <p:spTree>
+      <p:nvGrpSpPr>
+        <p:cNvPr id="1" name=""/>
+        <p:cNvGrpSpPr/>
+        <p:nvPr/>
+      </p:nvGrpSpPr>
+      <p:grpSpPr>
+        <a:xfrm>
+          <a:off x="0" y="0"/>
+          <a:ext cx="0" cy="0"/>
+          <a:chOff x="0" y="0"/>
+          <a:chExt cx="0" cy="0"/>
+        </a:xfrm>
+      </p:grpSpPr>
+      <p:sp>
+        <p:nvSpPr>
+          <p:cNvPr id="2" name="Rectángulo redondeado 1"/>
+          <p:cNvSpPr/>
+          <p:nvPr/>
+        </p:nvSpPr>
+        <p:spPr>
+          <a:xfrm>
+            <a:off x="-204717" y="477672"/>
+            <a:ext cx="5418161" cy="805218"/>
+          </a:xfrm>
+          <a:prstGeom prst="roundRect">
+            <a:avLst/>
+          </a:prstGeom>
+        </p:spPr>
+        <p:style>
+          <a:lnRef idx="2">
+            <a:schemeClr val="accent1">
+              <a:shade val="50000"/>
+            </a:schemeClr>
+          </a:lnRef>
+          <a:fillRef idx="1">
+            <a:schemeClr val="accent1"/>
+          </a:fillRef>
+          <a:effectRef idx="0">
+            <a:schemeClr val="accent1"/>
+          </a:effectRef>
+          <a:fontRef idx="minor">
+            <a:schemeClr val="lt1"/>
+          </a:fontRef>
+        </p:style>
+        <p:txBody>
+          <a:bodyPr rtlCol="0" anchor="ctr"/>
+          <a:lstStyle/>
+          <a:p>
+            <a:pPr algn="ctr"/>
+            <a:r>
+              <a:rPr lang="es-EC" sz="2800" dirty="0" smtClean="0"/>
+              <a:t>¿QUÉ ES GVSIG MOBILE?</a:t>
+            </a:r>
+            <a:endParaRPr lang="es-EC" sz="2800" dirty="0"/>
+          </a:p>
+        </p:txBody>
+      </p:sp>
+      <p:sp>
+        <p:nvSpPr>
+          <p:cNvPr id="4" name="Rectángulo 3"/>
+          <p:cNvSpPr/>
+          <p:nvPr/>
+        </p:nvSpPr>
+        <p:spPr>
+          <a:xfrm>
+            <a:off x="1269243" y="1538870"/>
+            <a:ext cx="9744500" cy="3970318"/>
+          </a:xfrm>
+          <a:prstGeom prst="rect">
+            <a:avLst/>
+          </a:prstGeom>
+        </p:spPr>
+        <p:txBody>
+          <a:bodyPr wrap="square">
+            <a:spAutoFit/>
+          </a:bodyPr>
+          <a:lstStyle/>
+          <a:p>
+            <a:pPr algn="just"/>
+            <a:r>
+              <a:rPr lang="es-EC" dirty="0" err="1"/>
+              <a:t>gvSIG</a:t>
+            </a:r>
+            <a:r>
+              <a:rPr lang="es-EC" dirty="0"/>
+              <a:t> Mobile es un Sistema de Información Geográfica (SIG) orientado a dispositivos móviles, ideal para proyectos de captura y actualización de datos en campo. Se caracteriza por disponer de una interfaz amigable, siendo capaz de acceder a los formatos más comunes y cuenta con un amplio número de herramientas SIG y GPS ideales para trabajar con información de naturaleza geográfica.</a:t>
+            </a:r>
+          </a:p>
+          <a:p>
+            <a:pPr algn="just"/>
+            <a:endParaRPr lang="es-EC" dirty="0"/>
+          </a:p>
+          <a:p>
+            <a:pPr algn="just"/>
+            <a:r>
+              <a:rPr lang="es-EC" dirty="0" err="1"/>
+              <a:t>gvSIG</a:t>
+            </a:r>
+            <a:r>
+              <a:rPr lang="es-EC" dirty="0"/>
+              <a:t> Mobile tiene como objetivo ampliar las plataformas de ejecución de </a:t>
+            </a:r>
+            <a:r>
+              <a:rPr lang="es-EC" dirty="0" err="1"/>
+              <a:t>gvSIG</a:t>
+            </a:r>
+            <a:r>
+              <a:rPr lang="es-EC" dirty="0"/>
+              <a:t> Desktop a una gama de dispositivos móviles, para dar respuesta a las necesidades de un creciente número de usuarios de soluciones móviles que desean hacer uso de un SIG en diferentes tipos de dispositivos.</a:t>
+            </a:r>
+          </a:p>
+          <a:p>
+            <a:pPr algn="just"/>
+            <a:endParaRPr lang="es-EC" dirty="0"/>
+          </a:p>
+          <a:p>
+            <a:pPr algn="just"/>
+            <a:r>
+              <a:rPr lang="es-EC" dirty="0" err="1"/>
+              <a:t>gvSIG</a:t>
+            </a:r>
+            <a:r>
+              <a:rPr lang="es-EC" dirty="0"/>
+              <a:t> Mobile es tanto un Sistema de Información Geográfica como un cliente de Infraestructuras de Datos Espaciales para dispositivos móviles. Es, además, el primer cliente de estas características licenciado como software libre.</a:t>
+            </a:r>
+          </a:p>
+        </p:txBody>
+      </p:sp>
+    </p:spTree>
+    <p:extLst>
+      <p:ext uri="{BB962C8B-B14F-4D97-AF65-F5344CB8AC3E}">
+        <p14:creationId xmlns:p14="http://schemas.microsoft.com/office/powerpoint/2010/main" val="3415885017"/>
+      </p:ext>
+    </p:extLst>
+  </p:cSld>
+  <p:clrMapOvr>
+    <a:masterClrMapping/>
+  </p:clrMapOvr>
+  <p:timing>
+    <p:tnLst>
+      <p:par>
+        <p:cTn id="1" dur="indefinite" restart="never" nodeType="tmRoot"/>
+      </p:par>
+    </p:tnLst>
+  </p:timing>
+</p:sld>
+</file>
+
+<file path=ppt/slides/slide9.xml><?xml version="1.0" encoding="utf-8"?>
+<p:sld xmlns:a="http://schemas.openxmlformats.org/drawingml/2006/main" xmlns:r="http://schemas.openxmlformats.org/officeDocument/2006/relationships" xmlns:p="http://schemas.openxmlformats.org/presentationml/2006/main">
+  <p:cSld>
+    <p:spTree>
+      <p:nvGrpSpPr>
+        <p:cNvPr id="1" name=""/>
+        <p:cNvGrpSpPr/>
+        <p:nvPr/>
+      </p:nvGrpSpPr>
+      <p:grpSpPr>
+        <a:xfrm>
+          <a:off x="0" y="0"/>
+          <a:ext cx="0" cy="0"/>
+          <a:chOff x="0" y="0"/>
+          <a:chExt cx="0" cy="0"/>
+        </a:xfrm>
+      </p:grpSpPr>
+      <p:sp>
+        <p:nvSpPr>
+          <p:cNvPr id="4" name="Rectángulo 3"/>
+          <p:cNvSpPr/>
+          <p:nvPr/>
+        </p:nvSpPr>
+        <p:spPr>
+          <a:xfrm>
+            <a:off x="968991" y="1117308"/>
+            <a:ext cx="10085696" cy="5078313"/>
+          </a:xfrm>
+          <a:prstGeom prst="rect">
+            <a:avLst/>
+          </a:prstGeom>
+        </p:spPr>
+        <p:txBody>
+          <a:bodyPr wrap="square">
+            <a:spAutoFit/>
+          </a:bodyPr>
+          <a:lstStyle/>
+          <a:p>
+            <a:r>
+              <a:rPr lang="es-EC" dirty="0"/>
+              <a:t>En </a:t>
+            </a:r>
+            <a:r>
+              <a:rPr lang="es-EC" dirty="0" err="1"/>
+              <a:t>gvSIG</a:t>
+            </a:r>
+            <a:r>
+              <a:rPr lang="es-EC" dirty="0"/>
+              <a:t> Mobile encontramos las herramientas propias de un completo cliente SIG para dispositivos móviles, entre otras:</a:t>
+            </a:r>
+          </a:p>
+          <a:p>
+            <a:endParaRPr lang="es-EC" dirty="0"/>
+          </a:p>
+          <a:p>
+            <a:r>
+              <a:rPr lang="es-EC" dirty="0"/>
+              <a:t>Acceso a formatos vectoriales: SHP, GML, KML, GPX.</a:t>
+            </a:r>
+          </a:p>
+          <a:p>
+            <a:r>
+              <a:rPr lang="es-EC" dirty="0"/>
+              <a:t>Acceso a formatos </a:t>
+            </a:r>
+            <a:r>
+              <a:rPr lang="es-EC" dirty="0" err="1"/>
+              <a:t>ráster</a:t>
+            </a:r>
+            <a:r>
+              <a:rPr lang="es-EC" dirty="0"/>
+              <a:t>: ECW, JPEG, PNG, GIF.</a:t>
+            </a:r>
+          </a:p>
+          <a:p>
+            <a:r>
+              <a:rPr lang="es-EC" dirty="0"/>
+              <a:t>Acceso a servicios remotos: OGC (WMS)</a:t>
+            </a:r>
+          </a:p>
+          <a:p>
+            <a:r>
+              <a:rPr lang="es-EC" dirty="0"/>
+              <a:t>Navegación: zooms, desplazamiento, centrado automático .</a:t>
+            </a:r>
+          </a:p>
+          <a:p>
+            <a:r>
+              <a:rPr lang="es-EC" dirty="0"/>
+              <a:t>Consulta: información, ver coordenadas, medir distancias, medir áreas.</a:t>
+            </a:r>
+          </a:p>
+          <a:p>
+            <a:r>
+              <a:rPr lang="es-EC" dirty="0"/>
+              <a:t>Selección: por punto, por rectángulo, por atributos, borrar selección.</a:t>
+            </a:r>
+          </a:p>
+          <a:p>
+            <a:r>
+              <a:rPr lang="es-EC" dirty="0"/>
+              <a:t>Búsqueda: por atributo.</a:t>
+            </a:r>
+          </a:p>
+          <a:p>
+            <a:r>
+              <a:rPr lang="es-EC" dirty="0"/>
+              <a:t>GPS: Conexión a GPS interno/externo, </a:t>
+            </a:r>
+            <a:r>
+              <a:rPr lang="es-EC" dirty="0" err="1"/>
+              <a:t>reproyección</a:t>
+            </a:r>
+            <a:r>
+              <a:rPr lang="es-EC" dirty="0"/>
+              <a:t> a UTM, </a:t>
+            </a:r>
+            <a:r>
+              <a:rPr lang="es-EC" dirty="0" err="1"/>
+              <a:t>waypoints</a:t>
+            </a:r>
+            <a:r>
+              <a:rPr lang="es-EC" dirty="0"/>
+              <a:t>, </a:t>
+            </a:r>
+            <a:r>
+              <a:rPr lang="es-EC" dirty="0" err="1"/>
+              <a:t>tracklog</a:t>
+            </a:r>
+            <a:r>
+              <a:rPr lang="es-EC" dirty="0"/>
+              <a:t> en formatos GPX y CSV, centrado en vista, parámetros de señal, cálculo de la distancia entre ubicación y punto de destino.</a:t>
+            </a:r>
+          </a:p>
+          <a:p>
+            <a:r>
+              <a:rPr lang="es-EC" dirty="0"/>
+              <a:t>Edición gráfica: Creación de puntos, líneas y polígonos.</a:t>
+            </a:r>
+          </a:p>
+          <a:p>
+            <a:r>
+              <a:rPr lang="es-EC" dirty="0"/>
+              <a:t>Edición alfanumérica: Formularios personalizados.</a:t>
+            </a:r>
+          </a:p>
+          <a:p>
+            <a:r>
+              <a:rPr lang="es-EC" dirty="0"/>
+              <a:t>Representación vectorial: editor de símbolos, exportación a GML, KML y SHP.</a:t>
+            </a:r>
+          </a:p>
+          <a:p>
+            <a:r>
+              <a:rPr lang="es-EC" dirty="0"/>
+              <a:t>Tablas: importar y exportar campos desde </a:t>
+            </a:r>
+            <a:r>
+              <a:rPr lang="es-EC" dirty="0" err="1"/>
+              <a:t>gvSIG</a:t>
+            </a:r>
+            <a:r>
+              <a:rPr lang="es-EC" dirty="0"/>
+              <a:t> Desktop.</a:t>
+            </a:r>
+          </a:p>
+          <a:p>
+            <a:r>
+              <a:rPr lang="es-EC" dirty="0"/>
+              <a:t>Otros: portabilidad e integración de datos con </a:t>
+            </a:r>
+            <a:r>
+              <a:rPr lang="es-EC" dirty="0" err="1"/>
+              <a:t>gvSIG</a:t>
+            </a:r>
+            <a:r>
+              <a:rPr lang="es-EC" dirty="0"/>
+              <a:t> Desktop.</a:t>
+            </a:r>
+          </a:p>
+        </p:txBody>
+      </p:sp>
+      <p:sp>
+        <p:nvSpPr>
+          <p:cNvPr id="6" name="Rectángulo redondeado 5"/>
+          <p:cNvSpPr/>
+          <p:nvPr/>
+        </p:nvSpPr>
+        <p:spPr>
+          <a:xfrm>
+            <a:off x="-204717" y="477672"/>
+            <a:ext cx="5418161" cy="805218"/>
+          </a:xfrm>
+          <a:prstGeom prst="roundRect">
+            <a:avLst/>
+          </a:prstGeom>
+        </p:spPr>
+        <p:style>
+          <a:lnRef idx="2">
+            <a:schemeClr val="accent1">
+              <a:shade val="50000"/>
+            </a:schemeClr>
+          </a:lnRef>
+          <a:fillRef idx="1">
+            <a:schemeClr val="accent1"/>
+          </a:fillRef>
+          <a:effectRef idx="0">
+            <a:schemeClr val="accent1"/>
+          </a:effectRef>
+          <a:fontRef idx="minor">
+            <a:schemeClr val="lt1"/>
+          </a:fontRef>
+        </p:style>
+        <p:txBody>
+          <a:bodyPr rtlCol="0" anchor="ctr"/>
+          <a:lstStyle/>
+          <a:p>
+            <a:pPr algn="ctr"/>
+            <a:r>
+              <a:rPr lang="es-EC" sz="2800" dirty="0" smtClean="0"/>
+              <a:t>FUNCIONALIDADES</a:t>
+            </a:r>
+            <a:endParaRPr lang="es-EC" sz="2800" dirty="0"/>
+          </a:p>
+        </p:txBody>
+      </p:sp>
+    </p:spTree>
+    <p:extLst>
+      <p:ext uri="{BB962C8B-B14F-4D97-AF65-F5344CB8AC3E}">
+        <p14:creationId xmlns:p14="http://schemas.microsoft.com/office/powerpoint/2010/main" val="996028922"/>
       </p:ext>
     </p:extLst>
   </p:cSld>
@@ -3093,9 +7709,9 @@
 </file>
 
 <file path=ppt/theme/theme1.xml><?xml version="1.0" encoding="utf-8"?>
-<a:theme xmlns:a="http://schemas.openxmlformats.org/drawingml/2006/main" name="Tema de Office">
+<a:theme xmlns:a="http://schemas.openxmlformats.org/drawingml/2006/main" name="Ion">
   <a:themeElements>
-    <a:clrScheme name="Office">
+    <a:clrScheme name="Ion">
       <a:dk1>
         <a:sysClr val="windowText" lastClr="000000"/>
       </a:dk1>
@@ -3103,42 +7719,42 @@
         <a:sysClr val="window" lastClr="FFFFFF"/>
       </a:lt1>
       <a:dk2>
-        <a:srgbClr val="44546A"/>
+        <a:srgbClr val="1E5155"/>
       </a:dk2>
       <a:lt2>
-        <a:srgbClr val="E7E6E6"/>
+        <a:srgbClr val="EBEBEB"/>
       </a:lt2>
       <a:accent1>
-        <a:srgbClr val="5B9BD5"/>
+        <a:srgbClr val="B01513"/>
       </a:accent1>
       <a:accent2>
-        <a:srgbClr val="ED7D31"/>
+        <a:srgbClr val="EA6312"/>
       </a:accent2>
       <a:accent3>
-        <a:srgbClr val="A5A5A5"/>
+        <a:srgbClr val="E6B729"/>
       </a:accent3>
       <a:accent4>
-        <a:srgbClr val="FFC000"/>
+        <a:srgbClr val="6AAC90"/>
       </a:accent4>
       <a:accent5>
-        <a:srgbClr val="4472C4"/>
+        <a:srgbClr val="54849A"/>
       </a:accent5>
       <a:accent6>
-        <a:srgbClr val="70AD47"/>
+        <a:srgbClr val="9E5E9B"/>
       </a:accent6>
       <a:hlink>
-        <a:srgbClr val="0563C1"/>
+        <a:srgbClr val="58C1BA"/>
       </a:hlink>
       <a:folHlink>
-        <a:srgbClr val="954F72"/>
+        <a:srgbClr val="9DFFCB"/>
       </a:folHlink>
     </a:clrScheme>
-    <a:fontScheme name="Office">
+    <a:fontScheme name="Ion">
       <a:majorFont>
-        <a:latin typeface="Calibri Light" panose="020F0302020204030204"/>
+        <a:latin typeface="Century Gothic" panose="020B0502020202020204"/>
         <a:ea typeface=""/>
         <a:cs typeface=""/>
-        <a:font script="Jpan" typeface="ＭＳ Ｐゴシック"/>
+        <a:font script="Jpan" typeface="メイリオ"/>
         <a:font script="Hang" typeface="맑은 고딕"/>
         <a:font script="Hans" typeface="宋体"/>
         <a:font script="Hant" typeface="新細明體"/>
@@ -3170,10 +7786,10 @@
         <a:font script="Geor" typeface="Sylfaen"/>
       </a:majorFont>
       <a:minorFont>
-        <a:latin typeface="Calibri" panose="020F0502020204030204"/>
+        <a:latin typeface="Century Gothic" panose="020B0502020202020204"/>
         <a:ea typeface=""/>
         <a:cs typeface=""/>
-        <a:font script="Jpan" typeface="ＭＳ Ｐゴシック"/>
+        <a:font script="Jpan" typeface="メイリオ"/>
         <a:font script="Hang" typeface="맑은 고딕"/>
         <a:font script="Hans" typeface="宋体"/>
         <a:font script="Hant" typeface="新細明體"/>
@@ -3205,7 +7821,7 @@
         <a:font script="Geor" typeface="Sylfaen"/>
       </a:minorFont>
     </a:fontScheme>
-    <a:fmtScheme name="Office">
+    <a:fmtScheme name="Ion">
       <a:fillStyleLst>
         <a:solidFill>
           <a:schemeClr val="phClr"/>
@@ -3214,23 +7830,15 @@
           <a:gsLst>
             <a:gs pos="0">
               <a:schemeClr val="phClr">
-                <a:lumMod val="110000"/>
-                <a:satMod val="105000"/>
-                <a:tint val="67000"/>
-              </a:schemeClr>
-            </a:gs>
-            <a:gs pos="50000">
-              <a:schemeClr val="phClr">
-                <a:lumMod val="105000"/>
-                <a:satMod val="103000"/>
-                <a:tint val="73000"/>
+                <a:tint val="64000"/>
+                <a:lumMod val="118000"/>
               </a:schemeClr>
             </a:gs>
             <a:gs pos="100000">
               <a:schemeClr val="phClr">
-                <a:lumMod val="105000"/>
-                <a:satMod val="109000"/>
-                <a:tint val="81000"/>
+                <a:tint val="92000"/>
+                <a:alpha val="100000"/>
+                <a:lumMod val="110000"/>
               </a:schemeClr>
             </a:gs>
           </a:gsLst>
@@ -3240,23 +7848,14 @@
           <a:gsLst>
             <a:gs pos="0">
               <a:schemeClr val="phClr">
-                <a:satMod val="103000"/>
-                <a:lumMod val="102000"/>
-                <a:tint val="94000"/>
-              </a:schemeClr>
-            </a:gs>
-            <a:gs pos="50000">
-              <a:schemeClr val="phClr">
-                <a:satMod val="110000"/>
-                <a:lumMod val="100000"/>
-                <a:shade val="100000"/>
+                <a:tint val="98000"/>
+                <a:lumMod val="114000"/>
               </a:schemeClr>
             </a:gs>
             <a:gs pos="100000">
               <a:schemeClr val="phClr">
-                <a:lumMod val="99000"/>
-                <a:satMod val="120000"/>
-                <a:shade val="78000"/>
+                <a:shade val="90000"/>
+                <a:lumMod val="84000"/>
               </a:schemeClr>
             </a:gs>
           </a:gsLst>
@@ -3264,26 +7863,23 @@
         </a:gradFill>
       </a:fillStyleLst>
       <a:lnStyleLst>
-        <a:ln w="6350" cap="flat" cmpd="sng" algn="ctr">
+        <a:ln w="9525" cap="rnd" cmpd="sng" algn="ctr">
           <a:solidFill>
             <a:schemeClr val="phClr"/>
           </a:solidFill>
           <a:prstDash val="solid"/>
-          <a:miter lim="800000"/>
         </a:ln>
-        <a:ln w="12700" cap="flat" cmpd="sng" algn="ctr">
+        <a:ln w="19050" cap="rnd" cmpd="sng" algn="ctr">
           <a:solidFill>
             <a:schemeClr val="phClr"/>
           </a:solidFill>
           <a:prstDash val="solid"/>
-          <a:miter lim="800000"/>
         </a:ln>
-        <a:ln w="19050" cap="flat" cmpd="sng" algn="ctr">
+        <a:ln w="28575" cap="rnd" cmpd="sng" algn="ctr">
           <a:solidFill>
             <a:schemeClr val="phClr"/>
           </a:solidFill>
           <a:prstDash val="solid"/>
-          <a:miter lim="800000"/>
         </a:ln>
       </a:lnStyleLst>
       <a:effectStyleLst>
@@ -3291,55 +7887,80 @@
           <a:effectLst/>
         </a:effectStyle>
         <a:effectStyle>
-          <a:effectLst/>
+          <a:effectLst>
+            <a:outerShdw blurRad="38100" dist="25400" dir="5400000" rotWithShape="0">
+              <a:srgbClr val="000000">
+                <a:alpha val="45000"/>
+              </a:srgbClr>
+            </a:outerShdw>
+          </a:effectLst>
         </a:effectStyle>
         <a:effectStyle>
           <a:effectLst>
-            <a:outerShdw blurRad="57150" dist="19050" dir="5400000" algn="ctr" rotWithShape="0">
+            <a:outerShdw blurRad="63500" dist="38100" dir="5400000" rotWithShape="0">
               <a:srgbClr val="000000">
-                <a:alpha val="63000"/>
+                <a:alpha val="60000"/>
               </a:srgbClr>
             </a:outerShdw>
           </a:effectLst>
+          <a:scene3d>
+            <a:camera prst="orthographicFront">
+              <a:rot lat="0" lon="0" rev="0"/>
+            </a:camera>
+            <a:lightRig rig="threePt" dir="tl"/>
+          </a:scene3d>
+          <a:sp3d prstMaterial="plastic">
+            <a:bevelT w="0" h="0"/>
+          </a:sp3d>
         </a:effectStyle>
       </a:effectStyleLst>
       <a:bgFillStyleLst>
         <a:solidFill>
           <a:schemeClr val="phClr"/>
         </a:solidFill>
-        <a:solidFill>
-          <a:schemeClr val="phClr">
-            <a:tint val="95000"/>
-            <a:satMod val="170000"/>
-          </a:schemeClr>
-        </a:solidFill>
         <a:gradFill rotWithShape="1">
           <a:gsLst>
             <a:gs pos="0">
               <a:schemeClr val="phClr">
-                <a:tint val="93000"/>
-                <a:satMod val="150000"/>
-                <a:shade val="98000"/>
-                <a:lumMod val="102000"/>
-              </a:schemeClr>
-            </a:gs>
-            <a:gs pos="50000">
-              <a:schemeClr val="phClr">
-                <a:tint val="98000"/>
+                <a:tint val="97000"/>
+                <a:hueMod val="88000"/>
                 <a:satMod val="130000"/>
-                <a:shade val="90000"/>
-                <a:lumMod val="103000"/>
+                <a:lumMod val="124000"/>
               </a:schemeClr>
             </a:gs>
             <a:gs pos="100000">
               <a:schemeClr val="phClr">
-                <a:shade val="63000"/>
-                <a:satMod val="120000"/>
+                <a:tint val="96000"/>
+                <a:shade val="88000"/>
+                <a:hueMod val="108000"/>
+                <a:satMod val="164000"/>
+                <a:lumMod val="76000"/>
               </a:schemeClr>
             </a:gs>
           </a:gsLst>
-          <a:lin ang="5400000" scaled="0"/>
+          <a:path path="circle">
+            <a:fillToRect l="45000" t="65000" r="125000" b="100000"/>
+          </a:path>
         </a:gradFill>
+        <a:blipFill rotWithShape="1">
+          <a:blip xmlns:r="http://schemas.openxmlformats.org/officeDocument/2006/relationships" r:embed="rId1">
+            <a:duotone>
+              <a:schemeClr val="phClr">
+                <a:shade val="69000"/>
+                <a:hueMod val="108000"/>
+                <a:satMod val="164000"/>
+                <a:lumMod val="74000"/>
+              </a:schemeClr>
+              <a:schemeClr val="phClr">
+                <a:tint val="96000"/>
+                <a:hueMod val="88000"/>
+                <a:satMod val="140000"/>
+                <a:lumMod val="132000"/>
+              </a:schemeClr>
+            </a:duotone>
+          </a:blip>
+          <a:stretch/>
+        </a:blipFill>
       </a:bgFillStyleLst>
     </a:fmtScheme>
   </a:themeElements>
@@ -3347,7 +7968,7 @@
   <a:extraClrSchemeLst/>
   <a:extLst>
     <a:ext uri="{05A4C25C-085E-4340-85A3-A5531E510DB2}">
-      <thm15:themeFamily xmlns:thm15="http://schemas.microsoft.com/office/thememl/2012/main" name="Office Theme" id="{62F939B6-93AF-4DB8-9C6B-D6C7DFDC589F}" vid="{4A3C46E8-61CC-4603-A589-7422A47A8E4A}"/>
+      <thm15:themeFamily xmlns:thm15="http://schemas.microsoft.com/office/thememl/2012/main" name="Ion" id="{B8441ADB-2E43-4AF7-B97A-BD870242C6A8}" vid="{292E63A9-BB86-4E3D-B92A-7223C6510D2E}"/>
     </a:ext>
   </a:extLst>
 </a:theme>

--- a/Expo-gvSIG.pptx
+++ b/Expo-gvSIG.pptx
@@ -27,6 +27,8 @@
     <p:sldId id="263" r:id="rId21"/>
     <p:sldId id="264" r:id="rId22"/>
     <p:sldId id="268" r:id="rId23"/>
+    <p:sldId id="279" r:id="rId24"/>
+    <p:sldId id="280" r:id="rId25"/>
   </p:sldIdLst>
   <p:sldSz cx="12192000" cy="6858000"/>
   <p:notesSz cx="6858000" cy="9144000"/>
@@ -377,13 +379,13 @@
   <p:clrMapOvr>
     <a:masterClrMapping/>
   </p:clrMapOvr>
-  <mc:AlternateContent xmlns:mc="http://schemas.openxmlformats.org/markup-compatibility/2006">
-    <mc:Choice xmlns:p14="http://schemas.microsoft.com/office/powerpoint/2010/main" Requires="p14">
+  <mc:AlternateContent xmlns:mc="http://schemas.openxmlformats.org/markup-compatibility/2006" xmlns:p14="http://schemas.microsoft.com/office/powerpoint/2010/main">
+    <mc:Choice Requires="p14">
       <p:transition spd="med" p14:dur="700">
         <p:fade/>
       </p:transition>
     </mc:Choice>
-    <mc:Fallback>
+    <mc:Fallback xmlns="">
       <p:transition spd="med">
         <p:fade/>
       </p:transition>
@@ -664,13 +666,13 @@
   <p:clrMapOvr>
     <a:masterClrMapping/>
   </p:clrMapOvr>
-  <mc:AlternateContent xmlns:mc="http://schemas.openxmlformats.org/markup-compatibility/2006">
-    <mc:Choice xmlns:p14="http://schemas.microsoft.com/office/powerpoint/2010/main" Requires="p14">
+  <mc:AlternateContent xmlns:mc="http://schemas.openxmlformats.org/markup-compatibility/2006" xmlns:p14="http://schemas.microsoft.com/office/powerpoint/2010/main">
+    <mc:Choice Requires="p14">
       <p:transition spd="med" p14:dur="700">
         <p:fade/>
       </p:transition>
     </mc:Choice>
-    <mc:Fallback>
+    <mc:Fallback xmlns="">
       <p:transition spd="med">
         <p:fade/>
       </p:transition>
@@ -870,13 +872,13 @@
   <p:clrMapOvr>
     <a:masterClrMapping/>
   </p:clrMapOvr>
-  <mc:AlternateContent xmlns:mc="http://schemas.openxmlformats.org/markup-compatibility/2006">
-    <mc:Choice xmlns:p14="http://schemas.microsoft.com/office/powerpoint/2010/main" Requires="p14">
+  <mc:AlternateContent xmlns:mc="http://schemas.openxmlformats.org/markup-compatibility/2006" xmlns:p14="http://schemas.microsoft.com/office/powerpoint/2010/main">
+    <mc:Choice Requires="p14">
       <p:transition spd="med" p14:dur="700">
         <p:fade/>
       </p:transition>
     </mc:Choice>
-    <mc:Fallback>
+    <mc:Fallback xmlns="">
       <p:transition spd="med">
         <p:fade/>
       </p:transition>
@@ -1249,13 +1251,13 @@
   <p:clrMapOvr>
     <a:masterClrMapping/>
   </p:clrMapOvr>
-  <mc:AlternateContent xmlns:mc="http://schemas.openxmlformats.org/markup-compatibility/2006">
-    <mc:Choice xmlns:p14="http://schemas.microsoft.com/office/powerpoint/2010/main" Requires="p14">
+  <mc:AlternateContent xmlns:mc="http://schemas.openxmlformats.org/markup-compatibility/2006" xmlns:p14="http://schemas.microsoft.com/office/powerpoint/2010/main">
+    <mc:Choice Requires="p14">
       <p:transition spd="med" p14:dur="700">
         <p:fade/>
       </p:transition>
     </mc:Choice>
-    <mc:Fallback>
+    <mc:Fallback xmlns="">
       <p:transition spd="med">
         <p:fade/>
       </p:transition>
@@ -1508,13 +1510,13 @@
   <p:clrMapOvr>
     <a:masterClrMapping/>
   </p:clrMapOvr>
-  <mc:AlternateContent xmlns:mc="http://schemas.openxmlformats.org/markup-compatibility/2006">
-    <mc:Choice xmlns:p14="http://schemas.microsoft.com/office/powerpoint/2010/main" Requires="p14">
+  <mc:AlternateContent xmlns:mc="http://schemas.openxmlformats.org/markup-compatibility/2006" xmlns:p14="http://schemas.microsoft.com/office/powerpoint/2010/main">
+    <mc:Choice Requires="p14">
       <p:transition spd="med" p14:dur="700">
         <p:fade/>
       </p:transition>
     </mc:Choice>
-    <mc:Fallback>
+    <mc:Fallback xmlns="">
       <p:transition spd="med">
         <p:fade/>
       </p:transition>
@@ -2143,13 +2145,13 @@
   <p:clrMapOvr>
     <a:masterClrMapping/>
   </p:clrMapOvr>
-  <mc:AlternateContent xmlns:mc="http://schemas.openxmlformats.org/markup-compatibility/2006">
-    <mc:Choice xmlns:p14="http://schemas.microsoft.com/office/powerpoint/2010/main" Requires="p14">
+  <mc:AlternateContent xmlns:mc="http://schemas.openxmlformats.org/markup-compatibility/2006" xmlns:p14="http://schemas.microsoft.com/office/powerpoint/2010/main">
+    <mc:Choice Requires="p14">
       <p:transition spd="med" p14:dur="700">
         <p:fade/>
       </p:transition>
     </mc:Choice>
-    <mc:Fallback>
+    <mc:Fallback xmlns="">
       <p:transition spd="med">
         <p:fade/>
       </p:transition>
@@ -3015,13 +3017,13 @@
   <p:clrMapOvr>
     <a:masterClrMapping/>
   </p:clrMapOvr>
-  <mc:AlternateContent xmlns:mc="http://schemas.openxmlformats.org/markup-compatibility/2006">
-    <mc:Choice xmlns:p14="http://schemas.microsoft.com/office/powerpoint/2010/main" Requires="p14">
+  <mc:AlternateContent xmlns:mc="http://schemas.openxmlformats.org/markup-compatibility/2006" xmlns:p14="http://schemas.microsoft.com/office/powerpoint/2010/main">
+    <mc:Choice Requires="p14">
       <p:transition spd="med" p14:dur="700">
         <p:fade/>
       </p:transition>
     </mc:Choice>
-    <mc:Fallback>
+    <mc:Fallback xmlns="">
       <p:transition spd="med">
         <p:fade/>
       </p:transition>
@@ -3197,13 +3199,13 @@
   <p:clrMapOvr>
     <a:masterClrMapping/>
   </p:clrMapOvr>
-  <mc:AlternateContent xmlns:mc="http://schemas.openxmlformats.org/markup-compatibility/2006">
-    <mc:Choice xmlns:p14="http://schemas.microsoft.com/office/powerpoint/2010/main" Requires="p14">
+  <mc:AlternateContent xmlns:mc="http://schemas.openxmlformats.org/markup-compatibility/2006" xmlns:p14="http://schemas.microsoft.com/office/powerpoint/2010/main">
+    <mc:Choice Requires="p14">
       <p:transition spd="med" p14:dur="700">
         <p:fade/>
       </p:transition>
     </mc:Choice>
-    <mc:Fallback>
+    <mc:Fallback xmlns="">
       <p:transition spd="med">
         <p:fade/>
       </p:transition>
@@ -3389,13 +3391,13 @@
   <p:clrMapOvr>
     <a:masterClrMapping/>
   </p:clrMapOvr>
-  <mc:AlternateContent xmlns:mc="http://schemas.openxmlformats.org/markup-compatibility/2006">
-    <mc:Choice xmlns:p14="http://schemas.microsoft.com/office/powerpoint/2010/main" Requires="p14">
+  <mc:AlternateContent xmlns:mc="http://schemas.openxmlformats.org/markup-compatibility/2006" xmlns:p14="http://schemas.microsoft.com/office/powerpoint/2010/main">
+    <mc:Choice Requires="p14">
       <p:transition spd="med" p14:dur="700">
         <p:fade/>
       </p:transition>
     </mc:Choice>
-    <mc:Fallback>
+    <mc:Fallback xmlns="">
       <p:transition spd="med">
         <p:fade/>
       </p:transition>
@@ -3571,13 +3573,13 @@
   <p:clrMapOvr>
     <a:masterClrMapping/>
   </p:clrMapOvr>
-  <mc:AlternateContent xmlns:mc="http://schemas.openxmlformats.org/markup-compatibility/2006">
-    <mc:Choice xmlns:p14="http://schemas.microsoft.com/office/powerpoint/2010/main" Requires="p14">
+  <mc:AlternateContent xmlns:mc="http://schemas.openxmlformats.org/markup-compatibility/2006" xmlns:p14="http://schemas.microsoft.com/office/powerpoint/2010/main">
+    <mc:Choice Requires="p14">
       <p:transition spd="med" p14:dur="700">
         <p:fade/>
       </p:transition>
     </mc:Choice>
-    <mc:Fallback>
+    <mc:Fallback xmlns="">
       <p:transition spd="med">
         <p:fade/>
       </p:transition>
@@ -3830,13 +3832,13 @@
   <p:clrMapOvr>
     <a:masterClrMapping/>
   </p:clrMapOvr>
-  <mc:AlternateContent xmlns:mc="http://schemas.openxmlformats.org/markup-compatibility/2006">
-    <mc:Choice xmlns:p14="http://schemas.microsoft.com/office/powerpoint/2010/main" Requires="p14">
+  <mc:AlternateContent xmlns:mc="http://schemas.openxmlformats.org/markup-compatibility/2006" xmlns:p14="http://schemas.microsoft.com/office/powerpoint/2010/main">
+    <mc:Choice Requires="p14">
       <p:transition spd="med" p14:dur="700">
         <p:fade/>
       </p:transition>
     </mc:Choice>
-    <mc:Fallback>
+    <mc:Fallback xmlns="">
       <p:transition spd="med">
         <p:fade/>
       </p:transition>
@@ -4134,13 +4136,13 @@
   <p:clrMapOvr>
     <a:masterClrMapping/>
   </p:clrMapOvr>
-  <mc:AlternateContent xmlns:mc="http://schemas.openxmlformats.org/markup-compatibility/2006">
-    <mc:Choice xmlns:p14="http://schemas.microsoft.com/office/powerpoint/2010/main" Requires="p14">
+  <mc:AlternateContent xmlns:mc="http://schemas.openxmlformats.org/markup-compatibility/2006" xmlns:p14="http://schemas.microsoft.com/office/powerpoint/2010/main">
+    <mc:Choice Requires="p14">
       <p:transition spd="med" p14:dur="700">
         <p:fade/>
       </p:transition>
     </mc:Choice>
-    <mc:Fallback>
+    <mc:Fallback xmlns="">
       <p:transition spd="med">
         <p:fade/>
       </p:transition>
@@ -4590,13 +4592,13 @@
   <p:clrMapOvr>
     <a:masterClrMapping/>
   </p:clrMapOvr>
-  <mc:AlternateContent xmlns:mc="http://schemas.openxmlformats.org/markup-compatibility/2006">
-    <mc:Choice xmlns:p14="http://schemas.microsoft.com/office/powerpoint/2010/main" Requires="p14">
+  <mc:AlternateContent xmlns:mc="http://schemas.openxmlformats.org/markup-compatibility/2006" xmlns:p14="http://schemas.microsoft.com/office/powerpoint/2010/main">
+    <mc:Choice Requires="p14">
       <p:transition spd="med" p14:dur="700">
         <p:fade/>
       </p:transition>
     </mc:Choice>
-    <mc:Fallback>
+    <mc:Fallback xmlns="">
       <p:transition spd="med">
         <p:fade/>
       </p:transition>
@@ -4720,13 +4722,13 @@
   <p:clrMapOvr>
     <a:masterClrMapping/>
   </p:clrMapOvr>
-  <mc:AlternateContent xmlns:mc="http://schemas.openxmlformats.org/markup-compatibility/2006">
-    <mc:Choice xmlns:p14="http://schemas.microsoft.com/office/powerpoint/2010/main" Requires="p14">
+  <mc:AlternateContent xmlns:mc="http://schemas.openxmlformats.org/markup-compatibility/2006" xmlns:p14="http://schemas.microsoft.com/office/powerpoint/2010/main">
+    <mc:Choice Requires="p14">
       <p:transition spd="med" p14:dur="700">
         <p:fade/>
       </p:transition>
     </mc:Choice>
-    <mc:Fallback>
+    <mc:Fallback xmlns="">
       <p:transition spd="med">
         <p:fade/>
       </p:transition>
@@ -4827,13 +4829,13 @@
   <p:clrMapOvr>
     <a:masterClrMapping/>
   </p:clrMapOvr>
-  <mc:AlternateContent xmlns:mc="http://schemas.openxmlformats.org/markup-compatibility/2006">
-    <mc:Choice xmlns:p14="http://schemas.microsoft.com/office/powerpoint/2010/main" Requires="p14">
+  <mc:AlternateContent xmlns:mc="http://schemas.openxmlformats.org/markup-compatibility/2006" xmlns:p14="http://schemas.microsoft.com/office/powerpoint/2010/main">
+    <mc:Choice Requires="p14">
       <p:transition spd="med" p14:dur="700">
         <p:fade/>
       </p:transition>
     </mc:Choice>
-    <mc:Fallback>
+    <mc:Fallback xmlns="">
       <p:transition spd="med">
         <p:fade/>
       </p:transition>
@@ -5118,13 +5120,13 @@
   <p:clrMapOvr>
     <a:masterClrMapping/>
   </p:clrMapOvr>
-  <mc:AlternateContent xmlns:mc="http://schemas.openxmlformats.org/markup-compatibility/2006">
-    <mc:Choice xmlns:p14="http://schemas.microsoft.com/office/powerpoint/2010/main" Requires="p14">
+  <mc:AlternateContent xmlns:mc="http://schemas.openxmlformats.org/markup-compatibility/2006" xmlns:p14="http://schemas.microsoft.com/office/powerpoint/2010/main">
+    <mc:Choice Requires="p14">
       <p:transition spd="med" p14:dur="700">
         <p:fade/>
       </p:transition>
     </mc:Choice>
-    <mc:Fallback>
+    <mc:Fallback xmlns="">
       <p:transition spd="med">
         <p:fade/>
       </p:transition>
@@ -5405,13 +5407,13 @@
   <p:clrMapOvr>
     <a:masterClrMapping/>
   </p:clrMapOvr>
-  <mc:AlternateContent xmlns:mc="http://schemas.openxmlformats.org/markup-compatibility/2006">
-    <mc:Choice xmlns:p14="http://schemas.microsoft.com/office/powerpoint/2010/main" Requires="p14">
+  <mc:AlternateContent xmlns:mc="http://schemas.openxmlformats.org/markup-compatibility/2006" xmlns:p14="http://schemas.microsoft.com/office/powerpoint/2010/main">
+    <mc:Choice Requires="p14">
       <p:transition spd="med" p14:dur="700">
         <p:fade/>
       </p:transition>
     </mc:Choice>
-    <mc:Fallback>
+    <mc:Fallback xmlns="">
       <p:transition spd="med">
         <p:fade/>
       </p:transition>
@@ -5900,13 +5902,13 @@
     <p:sldLayoutId id="2147483712" r:id="rId16"/>
     <p:sldLayoutId id="2147483713" r:id="rId17"/>
   </p:sldLayoutIdLst>
-  <mc:AlternateContent xmlns:mc="http://schemas.openxmlformats.org/markup-compatibility/2006">
-    <mc:Choice xmlns:p14="http://schemas.microsoft.com/office/powerpoint/2010/main" Requires="p14">
+  <mc:AlternateContent xmlns:mc="http://schemas.openxmlformats.org/markup-compatibility/2006" xmlns:p14="http://schemas.microsoft.com/office/powerpoint/2010/main">
+    <mc:Choice Requires="p14">
       <p:transition spd="med" p14:dur="700">
         <p:fade/>
       </p:transition>
     </mc:Choice>
-    <mc:Fallback>
+    <mc:Fallback xmlns="">
       <p:transition spd="med">
         <p:fade/>
       </p:transition>
@@ -6520,13 +6522,13 @@
   <p:clrMapOvr>
     <a:masterClrMapping/>
   </p:clrMapOvr>
-  <mc:AlternateContent xmlns:mc="http://schemas.openxmlformats.org/markup-compatibility/2006">
-    <mc:Choice xmlns:p14="http://schemas.microsoft.com/office/powerpoint/2010/main" Requires="p14">
+  <mc:AlternateContent xmlns:mc="http://schemas.openxmlformats.org/markup-compatibility/2006" xmlns:p14="http://schemas.microsoft.com/office/powerpoint/2010/main">
+    <mc:Choice Requires="p14">
       <p:transition spd="med" p14:dur="700">
         <p:fade/>
       </p:transition>
     </mc:Choice>
-    <mc:Fallback>
+    <mc:Fallback xmlns="">
       <p:transition spd="med">
         <p:fade/>
       </p:transition>
@@ -6858,13 +6860,13 @@
   <p:clrMapOvr>
     <a:masterClrMapping/>
   </p:clrMapOvr>
-  <mc:AlternateContent xmlns:mc="http://schemas.openxmlformats.org/markup-compatibility/2006">
-    <mc:Choice xmlns:p14="http://schemas.microsoft.com/office/powerpoint/2010/main" Requires="p14">
+  <mc:AlternateContent xmlns:mc="http://schemas.openxmlformats.org/markup-compatibility/2006" xmlns:p14="http://schemas.microsoft.com/office/powerpoint/2010/main">
+    <mc:Choice Requires="p14">
       <p:transition spd="med" p14:dur="700">
         <p:fade/>
       </p:transition>
     </mc:Choice>
-    <mc:Fallback>
+    <mc:Fallback xmlns="">
       <p:transition spd="med">
         <p:fade/>
       </p:transition>
@@ -7034,13 +7036,13 @@
   <p:clrMapOvr>
     <a:masterClrMapping/>
   </p:clrMapOvr>
-  <mc:AlternateContent xmlns:mc="http://schemas.openxmlformats.org/markup-compatibility/2006">
-    <mc:Choice xmlns:p14="http://schemas.microsoft.com/office/powerpoint/2010/main" Requires="p14">
+  <mc:AlternateContent xmlns:mc="http://schemas.openxmlformats.org/markup-compatibility/2006" xmlns:p14="http://schemas.microsoft.com/office/powerpoint/2010/main">
+    <mc:Choice Requires="p14">
       <p:transition spd="med" p14:dur="700">
         <p:fade/>
       </p:transition>
     </mc:Choice>
-    <mc:Fallback>
+    <mc:Fallback xmlns="">
       <p:transition spd="med">
         <p:fade/>
       </p:transition>
@@ -7206,15 +7208,7 @@
             </a:r>
             <a:r>
               <a:rPr lang="es-EC" dirty="0" smtClean="0"/>
-              <a:t>imágenes </a:t>
-            </a:r>
-            <a:r>
-              <a:rPr lang="es-EC" dirty="0" smtClean="0"/>
-              <a:t>permite </a:t>
-            </a:r>
-            <a:r>
-              <a:rPr lang="es-EC" dirty="0" smtClean="0"/>
-              <a:t>añadir </a:t>
+              <a:t>imágenes permite añadir </a:t>
             </a:r>
             <a:r>
               <a:rPr lang="es-EC" dirty="0"/>
@@ -7222,15 +7216,7 @@
             </a:r>
             <a:r>
               <a:rPr lang="es-EC" dirty="0" smtClean="0"/>
-              <a:t>geometrías </a:t>
-            </a:r>
-            <a:r>
-              <a:rPr lang="es-EC" dirty="0" smtClean="0"/>
-              <a:t>permite </a:t>
-            </a:r>
-            <a:r>
-              <a:rPr lang="es-EC" dirty="0" smtClean="0"/>
-              <a:t>añadir </a:t>
+              <a:t>geometrías permite añadir </a:t>
             </a:r>
             <a:r>
               <a:rPr lang="es-EC" dirty="0"/>
@@ -7257,13 +7243,13 @@
   <p:clrMapOvr>
     <a:masterClrMapping/>
   </p:clrMapOvr>
-  <mc:AlternateContent xmlns:mc="http://schemas.openxmlformats.org/markup-compatibility/2006">
-    <mc:Choice xmlns:p14="http://schemas.microsoft.com/office/powerpoint/2010/main" Requires="p14">
+  <mc:AlternateContent xmlns:mc="http://schemas.openxmlformats.org/markup-compatibility/2006" xmlns:p14="http://schemas.microsoft.com/office/powerpoint/2010/main">
+    <mc:Choice Requires="p14">
       <p:transition spd="med" p14:dur="700">
         <p:fade/>
       </p:transition>
     </mc:Choice>
-    <mc:Fallback>
+    <mc:Fallback xmlns="">
       <p:transition spd="med">
         <p:fade/>
       </p:transition>
@@ -7441,13 +7427,13 @@
   <p:clrMapOvr>
     <a:masterClrMapping/>
   </p:clrMapOvr>
-  <mc:AlternateContent xmlns:mc="http://schemas.openxmlformats.org/markup-compatibility/2006">
-    <mc:Choice xmlns:p14="http://schemas.microsoft.com/office/powerpoint/2010/main" Requires="p14">
+  <mc:AlternateContent xmlns:mc="http://schemas.openxmlformats.org/markup-compatibility/2006" xmlns:p14="http://schemas.microsoft.com/office/powerpoint/2010/main">
+    <mc:Choice Requires="p14">
       <p:transition spd="med" p14:dur="700">
         <p:fade/>
       </p:transition>
     </mc:Choice>
-    <mc:Fallback>
+    <mc:Fallback xmlns="">
       <p:transition spd="med">
         <p:fade/>
       </p:transition>
@@ -7728,13 +7714,13 @@
   <p:clrMapOvr>
     <a:masterClrMapping/>
   </p:clrMapOvr>
-  <mc:AlternateContent xmlns:mc="http://schemas.openxmlformats.org/markup-compatibility/2006">
-    <mc:Choice xmlns:p14="http://schemas.microsoft.com/office/powerpoint/2010/main" Requires="p14">
+  <mc:AlternateContent xmlns:mc="http://schemas.openxmlformats.org/markup-compatibility/2006" xmlns:p14="http://schemas.microsoft.com/office/powerpoint/2010/main">
+    <mc:Choice Requires="p14">
       <p:transition spd="med" p14:dur="700">
         <p:fade/>
       </p:transition>
     </mc:Choice>
-    <mc:Fallback>
+    <mc:Fallback xmlns="">
       <p:transition spd="med">
         <p:fade/>
       </p:transition>
@@ -7862,15 +7848,7 @@
             </a:r>
             <a:r>
               <a:rPr lang="es-EC" sz="2000" dirty="0" smtClean="0"/>
-              <a:t>bastante </a:t>
-            </a:r>
-            <a:r>
-              <a:rPr lang="es-EC" sz="2000" dirty="0" smtClean="0"/>
-              <a:t>heterogénea, </a:t>
-            </a:r>
-            <a:r>
-              <a:rPr lang="es-EC" sz="2000" dirty="0" smtClean="0"/>
-              <a:t>abarcando </a:t>
+              <a:t>bastante heterogénea, abarcando </a:t>
             </a:r>
             <a:r>
               <a:rPr lang="es-EC" sz="2000" dirty="0"/>
@@ -7935,13 +7913,13 @@
   <p:clrMapOvr>
     <a:masterClrMapping/>
   </p:clrMapOvr>
-  <mc:AlternateContent xmlns:mc="http://schemas.openxmlformats.org/markup-compatibility/2006">
-    <mc:Choice xmlns:p14="http://schemas.microsoft.com/office/powerpoint/2010/main" Requires="p14">
+  <mc:AlternateContent xmlns:mc="http://schemas.openxmlformats.org/markup-compatibility/2006" xmlns:p14="http://schemas.microsoft.com/office/powerpoint/2010/main">
+    <mc:Choice Requires="p14">
       <p:transition spd="med" p14:dur="700">
         <p:fade/>
       </p:transition>
     </mc:Choice>
-    <mc:Fallback>
+    <mc:Fallback xmlns="">
       <p:transition spd="med">
         <p:fade/>
       </p:transition>
@@ -8186,13 +8164,13 @@
   <p:clrMapOvr>
     <a:masterClrMapping/>
   </p:clrMapOvr>
-  <mc:AlternateContent xmlns:mc="http://schemas.openxmlformats.org/markup-compatibility/2006">
-    <mc:Choice xmlns:p14="http://schemas.microsoft.com/office/powerpoint/2010/main" Requires="p14">
+  <mc:AlternateContent xmlns:mc="http://schemas.openxmlformats.org/markup-compatibility/2006" xmlns:p14="http://schemas.microsoft.com/office/powerpoint/2010/main">
+    <mc:Choice Requires="p14">
       <p:transition spd="med" p14:dur="700">
         <p:fade/>
       </p:transition>
     </mc:Choice>
-    <mc:Fallback>
+    <mc:Fallback xmlns="">
       <p:transition spd="med">
         <p:fade/>
       </p:transition>
@@ -8332,11 +8310,7 @@
             </a:r>
             <a:r>
               <a:rPr lang="es-EC" dirty="0" smtClean="0"/>
-              <a:t>imágenes </a:t>
-            </a:r>
-            <a:r>
-              <a:rPr lang="es-EC" dirty="0" smtClean="0"/>
-              <a:t>y datos </a:t>
+              <a:t>imágenes y datos </a:t>
             </a:r>
             <a:r>
               <a:rPr lang="es-EC" dirty="0"/>
@@ -8360,11 +8334,7 @@
             </a:r>
             <a:r>
               <a:rPr lang="es-EC" dirty="0" smtClean="0"/>
-              <a:t>mejor </a:t>
-            </a:r>
-            <a:r>
-              <a:rPr lang="es-EC" dirty="0" smtClean="0"/>
-              <a:t>comprensión.</a:t>
+              <a:t>mejor comprensión.</a:t>
             </a:r>
             <a:endParaRPr lang="es-EC" dirty="0"/>
           </a:p>
@@ -8403,13 +8373,13 @@
   <p:clrMapOvr>
     <a:masterClrMapping/>
   </p:clrMapOvr>
-  <mc:AlternateContent xmlns:mc="http://schemas.openxmlformats.org/markup-compatibility/2006">
-    <mc:Choice xmlns:p14="http://schemas.microsoft.com/office/powerpoint/2010/main" Requires="p14">
+  <mc:AlternateContent xmlns:mc="http://schemas.openxmlformats.org/markup-compatibility/2006" xmlns:p14="http://schemas.microsoft.com/office/powerpoint/2010/main">
+    <mc:Choice Requires="p14">
       <p:transition spd="med" p14:dur="700">
         <p:fade/>
       </p:transition>
     </mc:Choice>
-    <mc:Fallback>
+    <mc:Fallback xmlns="">
       <p:transition spd="med">
         <p:fade/>
       </p:transition>
@@ -8543,11 +8513,7 @@
             </a:r>
             <a:r>
               <a:rPr lang="es-EC" sz="2000" dirty="0" smtClean="0"/>
-              <a:t>publicar </a:t>
-            </a:r>
-            <a:r>
-              <a:rPr lang="es-EC" sz="2000" dirty="0" smtClean="0"/>
-              <a:t>información </a:t>
+              <a:t>publicar información </a:t>
             </a:r>
             <a:r>
               <a:rPr lang="es-EC" sz="2000" dirty="0"/>
@@ -8619,11 +8585,7 @@
             </a:r>
             <a:r>
               <a:rPr lang="es-EC" sz="2000" dirty="0" smtClean="0"/>
-              <a:t>versión </a:t>
-            </a:r>
-            <a:r>
-              <a:rPr lang="es-EC" sz="2000" dirty="0" smtClean="0"/>
-              <a:t>permite concretamente </a:t>
+              <a:t>versión permite concretamente </a:t>
             </a:r>
             <a:r>
               <a:rPr lang="es-EC" sz="2000" dirty="0"/>
@@ -8693,13 +8655,13 @@
   <p:clrMapOvr>
     <a:masterClrMapping/>
   </p:clrMapOvr>
-  <mc:AlternateContent xmlns:mc="http://schemas.openxmlformats.org/markup-compatibility/2006">
-    <mc:Choice xmlns:p14="http://schemas.microsoft.com/office/powerpoint/2010/main" Requires="p14">
+  <mc:AlternateContent xmlns:mc="http://schemas.openxmlformats.org/markup-compatibility/2006" xmlns:p14="http://schemas.microsoft.com/office/powerpoint/2010/main">
+    <mc:Choice Requires="p14">
       <p:transition spd="med" p14:dur="700">
         <p:fade/>
       </p:transition>
     </mc:Choice>
-    <mc:Fallback>
+    <mc:Fallback xmlns="">
       <p:transition spd="med">
         <p:fade/>
       </p:transition>
@@ -8864,13 +8826,13 @@
   <p:clrMapOvr>
     <a:masterClrMapping/>
   </p:clrMapOvr>
-  <mc:AlternateContent xmlns:mc="http://schemas.openxmlformats.org/markup-compatibility/2006">
-    <mc:Choice xmlns:p14="http://schemas.microsoft.com/office/powerpoint/2010/main" Requires="p14">
+  <mc:AlternateContent xmlns:mc="http://schemas.openxmlformats.org/markup-compatibility/2006" xmlns:p14="http://schemas.microsoft.com/office/powerpoint/2010/main">
+    <mc:Choice Requires="p14">
       <p:transition spd="med" p14:dur="700">
         <p:fade/>
       </p:transition>
     </mc:Choice>
-    <mc:Fallback>
+    <mc:Fallback xmlns="">
       <p:transition spd="med">
         <p:fade/>
       </p:transition>
@@ -9086,13 +9048,13 @@
   <p:clrMapOvr>
     <a:masterClrMapping/>
   </p:clrMapOvr>
-  <mc:AlternateContent xmlns:mc="http://schemas.openxmlformats.org/markup-compatibility/2006">
-    <mc:Choice xmlns:p14="http://schemas.microsoft.com/office/powerpoint/2010/main" Requires="p14">
+  <mc:AlternateContent xmlns:mc="http://schemas.openxmlformats.org/markup-compatibility/2006" xmlns:p14="http://schemas.microsoft.com/office/powerpoint/2010/main">
+    <mc:Choice Requires="p14">
       <p:transition spd="med" p14:dur="700">
         <p:fade/>
       </p:transition>
     </mc:Choice>
-    <mc:Fallback>
+    <mc:Fallback xmlns="">
       <p:transition spd="med">
         <p:fade/>
       </p:transition>
@@ -9396,13 +9358,13 @@
   <p:clrMapOvr>
     <a:masterClrMapping/>
   </p:clrMapOvr>
-  <mc:AlternateContent xmlns:mc="http://schemas.openxmlformats.org/markup-compatibility/2006">
-    <mc:Choice xmlns:p14="http://schemas.microsoft.com/office/powerpoint/2010/main" Requires="p14">
+  <mc:AlternateContent xmlns:mc="http://schemas.openxmlformats.org/markup-compatibility/2006" xmlns:p14="http://schemas.microsoft.com/office/powerpoint/2010/main">
+    <mc:Choice Requires="p14">
       <p:transition spd="med" p14:dur="700">
         <p:fade/>
       </p:transition>
     </mc:Choice>
-    <mc:Fallback>
+    <mc:Fallback xmlns="">
       <p:transition spd="med">
         <p:fade/>
       </p:transition>
@@ -9456,6 +9418,7 @@
           </a:bodyPr>
           <a:lstStyle/>
           <a:p>
+            <a:pPr algn="just"/>
             <a:r>
               <a:rPr lang="es-EC" dirty="0" err="1"/>
               <a:t>gvSIG</a:t>
@@ -9466,10 +9429,11 @@
             </a:r>
           </a:p>
           <a:p>
+            <a:pPr algn="just"/>
             <a:endParaRPr lang="es-EC" dirty="0"/>
           </a:p>
           <a:p>
-            <a:pPr marL="285750" indent="-285750">
+            <a:pPr marL="285750" indent="-285750" algn="just">
               <a:buFont typeface="Wingdings" panose="05000000000000000000" pitchFamily="2" charset="2"/>
               <a:buChar char="Ø"/>
             </a:pPr>
@@ -9479,7 +9443,7 @@
             </a:r>
           </a:p>
           <a:p>
-            <a:pPr marL="285750" indent="-285750">
+            <a:pPr marL="285750" indent="-285750" algn="just">
               <a:buFont typeface="Wingdings" panose="05000000000000000000" pitchFamily="2" charset="2"/>
               <a:buChar char="Ø"/>
             </a:pPr>
@@ -9489,7 +9453,7 @@
             </a:r>
           </a:p>
           <a:p>
-            <a:pPr marL="285750" indent="-285750">
+            <a:pPr marL="285750" indent="-285750" algn="just">
               <a:buFont typeface="Wingdings" panose="05000000000000000000" pitchFamily="2" charset="2"/>
               <a:buChar char="Ø"/>
             </a:pPr>
@@ -9499,7 +9463,7 @@
             </a:r>
           </a:p>
           <a:p>
-            <a:pPr marL="285750" indent="-285750">
+            <a:pPr marL="285750" indent="-285750" algn="just">
               <a:buFont typeface="Wingdings" panose="05000000000000000000" pitchFamily="2" charset="2"/>
               <a:buChar char="Ø"/>
             </a:pPr>
@@ -9509,7 +9473,7 @@
             </a:r>
           </a:p>
           <a:p>
-            <a:pPr marL="285750" indent="-285750">
+            <a:pPr marL="285750" indent="-285750" algn="just">
               <a:buFont typeface="Wingdings" panose="05000000000000000000" pitchFamily="2" charset="2"/>
               <a:buChar char="Ø"/>
             </a:pPr>
@@ -9527,6 +9491,7 @@
             </a:r>
           </a:p>
           <a:p>
+            <a:pPr algn="just"/>
             <a:r>
               <a:rPr lang="es-EC" dirty="0" smtClean="0"/>
               <a:t>	Windows </a:t>
@@ -9537,6 +9502,7 @@
             </a:r>
           </a:p>
           <a:p>
+            <a:pPr algn="just"/>
             <a:r>
               <a:rPr lang="es-EC" dirty="0" smtClean="0"/>
               <a:t>	Windows </a:t>
@@ -9602,13 +9568,13 @@
   <p:clrMapOvr>
     <a:masterClrMapping/>
   </p:clrMapOvr>
-  <mc:AlternateContent xmlns:mc="http://schemas.openxmlformats.org/markup-compatibility/2006">
-    <mc:Choice xmlns:p14="http://schemas.microsoft.com/office/powerpoint/2010/main" Requires="p14">
+  <mc:AlternateContent xmlns:mc="http://schemas.openxmlformats.org/markup-compatibility/2006" xmlns:p14="http://schemas.microsoft.com/office/powerpoint/2010/main">
+    <mc:Choice Requires="p14">
       <p:transition spd="med" p14:dur="700">
         <p:fade/>
       </p:transition>
     </mc:Choice>
-    <mc:Fallback>
+    <mc:Fallback xmlns="">
       <p:transition spd="med">
         <p:fade/>
       </p:transition>
@@ -9858,13 +9824,542 @@
   <p:clrMapOvr>
     <a:masterClrMapping/>
   </p:clrMapOvr>
-  <mc:AlternateContent xmlns:mc="http://schemas.openxmlformats.org/markup-compatibility/2006">
-    <mc:Choice xmlns:p14="http://schemas.microsoft.com/office/powerpoint/2010/main" Requires="p14">
+  <mc:AlternateContent xmlns:mc="http://schemas.openxmlformats.org/markup-compatibility/2006" xmlns:p14="http://schemas.microsoft.com/office/powerpoint/2010/main">
+    <mc:Choice Requires="p14">
       <p:transition spd="med" p14:dur="700">
         <p:fade/>
       </p:transition>
     </mc:Choice>
-    <mc:Fallback>
+    <mc:Fallback xmlns="">
+      <p:transition spd="med">
+        <p:fade/>
+      </p:transition>
+    </mc:Fallback>
+  </mc:AlternateContent>
+  <p:timing>
+    <p:tnLst>
+      <p:par>
+        <p:cTn id="1" dur="indefinite" restart="never" nodeType="tmRoot"/>
+      </p:par>
+    </p:tnLst>
+  </p:timing>
+</p:sld>
+</file>
+
+<file path=ppt/slides/slide23.xml><?xml version="1.0" encoding="utf-8"?>
+<p:sld xmlns:a="http://schemas.openxmlformats.org/drawingml/2006/main" xmlns:r="http://schemas.openxmlformats.org/officeDocument/2006/relationships" xmlns:p="http://schemas.openxmlformats.org/presentationml/2006/main">
+  <p:cSld>
+    <p:spTree>
+      <p:nvGrpSpPr>
+        <p:cNvPr id="1" name=""/>
+        <p:cNvGrpSpPr/>
+        <p:nvPr/>
+      </p:nvGrpSpPr>
+      <p:grpSpPr>
+        <a:xfrm>
+          <a:off x="0" y="0"/>
+          <a:ext cx="0" cy="0"/>
+          <a:chOff x="0" y="0"/>
+          <a:chExt cx="0" cy="0"/>
+        </a:xfrm>
+      </p:grpSpPr>
+      <p:sp>
+        <p:nvSpPr>
+          <p:cNvPr id="2" name="Rectángulo redondeado 1"/>
+          <p:cNvSpPr/>
+          <p:nvPr/>
+        </p:nvSpPr>
+        <p:spPr>
+          <a:xfrm>
+            <a:off x="-204717" y="477672"/>
+            <a:ext cx="5418161" cy="805218"/>
+          </a:xfrm>
+          <a:prstGeom prst="roundRect">
+            <a:avLst/>
+          </a:prstGeom>
+        </p:spPr>
+        <p:style>
+          <a:lnRef idx="2">
+            <a:schemeClr val="accent1">
+              <a:shade val="50000"/>
+            </a:schemeClr>
+          </a:lnRef>
+          <a:fillRef idx="1">
+            <a:schemeClr val="accent1"/>
+          </a:fillRef>
+          <a:effectRef idx="0">
+            <a:schemeClr val="accent1"/>
+          </a:effectRef>
+          <a:fontRef idx="minor">
+            <a:schemeClr val="lt1"/>
+          </a:fontRef>
+        </p:style>
+        <p:txBody>
+          <a:bodyPr rtlCol="0" anchor="ctr"/>
+          <a:lstStyle/>
+          <a:p>
+            <a:pPr algn="ctr"/>
+            <a:r>
+              <a:rPr lang="es-EC" sz="2800" dirty="0" smtClean="0"/>
+              <a:t>¿QUÉ ES GVSIG </a:t>
+            </a:r>
+            <a:r>
+              <a:rPr lang="es-EC" sz="2800" dirty="0" smtClean="0"/>
+              <a:t>MNI MAPS</a:t>
+            </a:r>
+            <a:r>
+              <a:rPr lang="es-EC" sz="2800" dirty="0" smtClean="0"/>
+              <a:t>?</a:t>
+            </a:r>
+            <a:endParaRPr lang="es-EC" sz="2800" dirty="0"/>
+          </a:p>
+        </p:txBody>
+      </p:sp>
+      <p:sp>
+        <p:nvSpPr>
+          <p:cNvPr id="4" name="Rectángulo 3"/>
+          <p:cNvSpPr/>
+          <p:nvPr/>
+        </p:nvSpPr>
+        <p:spPr>
+          <a:xfrm>
+            <a:off x="1269243" y="1538870"/>
+            <a:ext cx="9744500" cy="1815882"/>
+          </a:xfrm>
+          <a:prstGeom prst="rect">
+            <a:avLst/>
+          </a:prstGeom>
+        </p:spPr>
+        <p:txBody>
+          <a:bodyPr wrap="square">
+            <a:spAutoFit/>
+          </a:bodyPr>
+          <a:lstStyle/>
+          <a:p>
+            <a:pPr algn="just"/>
+            <a:r>
+              <a:rPr lang="es-EC" sz="2000" dirty="0"/>
+              <a:t>A</a:t>
+            </a:r>
+            <a:r>
+              <a:rPr lang="es-EC" sz="2000" dirty="0" smtClean="0"/>
+              <a:t>plicación </a:t>
+            </a:r>
+            <a:r>
+              <a:rPr lang="es-EC" sz="2000" dirty="0"/>
+              <a:t>para teléfonos móviles </a:t>
+            </a:r>
+            <a:r>
+              <a:rPr lang="es-EC" sz="2000" dirty="0" err="1"/>
+              <a:t>Android</a:t>
+            </a:r>
+            <a:r>
+              <a:rPr lang="es-EC" sz="2000" dirty="0"/>
+              <a:t> que es desarrollada por la empresa </a:t>
+            </a:r>
+            <a:r>
+              <a:rPr lang="es-EC" sz="2000" dirty="0" err="1" smtClean="0"/>
+              <a:t>Prodevelop</a:t>
+            </a:r>
+            <a:r>
+              <a:rPr lang="es-EC" sz="2000" dirty="0" smtClean="0"/>
+              <a:t>.</a:t>
+            </a:r>
+          </a:p>
+          <a:p>
+            <a:pPr algn="just"/>
+            <a:r>
+              <a:rPr lang="es-EC" dirty="0" err="1"/>
+              <a:t>GvSIG</a:t>
+            </a:r>
+            <a:r>
+              <a:rPr lang="es-EC" dirty="0"/>
+              <a:t> Mini </a:t>
+            </a:r>
+            <a:r>
+              <a:rPr lang="es-EC" dirty="0" err="1"/>
+              <a:t>Maps</a:t>
+            </a:r>
+            <a:r>
+              <a:rPr lang="es-EC" dirty="0"/>
+              <a:t> es un visor libre de mapas de libre acceso basados en tiles (</a:t>
+            </a:r>
+            <a:r>
+              <a:rPr lang="es-EC" dirty="0" err="1"/>
+              <a:t>OpenStreetMap</a:t>
+            </a:r>
+            <a:r>
+              <a:rPr lang="es-EC" dirty="0"/>
+              <a:t>, </a:t>
+            </a:r>
+            <a:r>
+              <a:rPr lang="es-EC" dirty="0" err="1"/>
+              <a:t>YahooMaps</a:t>
+            </a:r>
+            <a:r>
+              <a:rPr lang="es-EC" dirty="0"/>
+              <a:t>, Microsoft Bing,…), con cliente WMS, WMTS, búsqueda de direcciones, </a:t>
+            </a:r>
+            <a:r>
+              <a:rPr lang="es-EC" dirty="0" err="1"/>
+              <a:t>POIs</a:t>
+            </a:r>
+            <a:r>
+              <a:rPr lang="es-EC" dirty="0"/>
+              <a:t>, rutas, entre otras funcionalidades.</a:t>
+            </a:r>
+          </a:p>
+          <a:p>
+            <a:pPr algn="just"/>
+            <a:endParaRPr lang="es-EC" dirty="0"/>
+          </a:p>
+        </p:txBody>
+      </p:sp>
+      <p:pic>
+        <p:nvPicPr>
+          <p:cNvPr id="3" name="Picture 2" descr="http://www.prodevelop.es/files/fm/public/logos/projects/logo_gvsig_mini.jpg"/>
+          <p:cNvPicPr>
+            <a:picLocks noChangeAspect="1" noChangeArrowheads="1"/>
+          </p:cNvPicPr>
+          <p:nvPr/>
+        </p:nvPicPr>
+        <p:blipFill>
+          <a:blip r:embed="rId2">
+            <a:extLst>
+              <a:ext uri="{28A0092B-C50C-407E-A947-70E740481C1C}">
+                <a14:useLocalDpi xmlns:a14="http://schemas.microsoft.com/office/drawing/2010/main" val="0"/>
+              </a:ext>
+            </a:extLst>
+          </a:blip>
+          <a:srcRect/>
+          <a:stretch>
+            <a:fillRect/>
+          </a:stretch>
+        </p:blipFill>
+        <p:spPr bwMode="auto">
+          <a:xfrm>
+            <a:off x="2267403" y="3927981"/>
+            <a:ext cx="3171825" cy="1704976"/>
+          </a:xfrm>
+          <a:prstGeom prst="rect">
+            <a:avLst/>
+          </a:prstGeom>
+          <a:noFill/>
+          <a:extLst>
+            <a:ext uri="{909E8E84-426E-40DD-AFC4-6F175D3DCCD1}">
+              <a14:hiddenFill xmlns:a14="http://schemas.microsoft.com/office/drawing/2010/main">
+                <a:solidFill>
+                  <a:srgbClr val="FFFFFF"/>
+                </a:solidFill>
+              </a14:hiddenFill>
+            </a:ext>
+          </a:extLst>
+        </p:spPr>
+      </p:pic>
+      <p:pic>
+        <p:nvPicPr>
+          <p:cNvPr id="1028" name="Picture 4" descr="http://www.gvsig.com/files/images/screenshots/gvsig_mini_01/image"/>
+          <p:cNvPicPr>
+            <a:picLocks noChangeAspect="1" noChangeArrowheads="1"/>
+          </p:cNvPicPr>
+          <p:nvPr/>
+        </p:nvPicPr>
+        <p:blipFill>
+          <a:blip r:embed="rId3">
+            <a:extLst>
+              <a:ext uri="{28A0092B-C50C-407E-A947-70E740481C1C}">
+                <a14:useLocalDpi xmlns:a14="http://schemas.microsoft.com/office/drawing/2010/main" val="0"/>
+              </a:ext>
+            </a:extLst>
+          </a:blip>
+          <a:srcRect/>
+          <a:stretch>
+            <a:fillRect/>
+          </a:stretch>
+        </p:blipFill>
+        <p:spPr bwMode="auto">
+          <a:xfrm>
+            <a:off x="6346370" y="3557944"/>
+            <a:ext cx="1181553" cy="2339475"/>
+          </a:xfrm>
+          <a:prstGeom prst="rect">
+            <a:avLst/>
+          </a:prstGeom>
+          <a:noFill/>
+          <a:extLst>
+            <a:ext uri="{909E8E84-426E-40DD-AFC4-6F175D3DCCD1}">
+              <a14:hiddenFill xmlns:a14="http://schemas.microsoft.com/office/drawing/2010/main">
+                <a:solidFill>
+                  <a:srgbClr val="FFFFFF"/>
+                </a:solidFill>
+              </a14:hiddenFill>
+            </a:ext>
+          </a:extLst>
+        </p:spPr>
+      </p:pic>
+    </p:spTree>
+    <p:extLst>
+      <p:ext uri="{BB962C8B-B14F-4D97-AF65-F5344CB8AC3E}">
+        <p14:creationId xmlns:p14="http://schemas.microsoft.com/office/powerpoint/2010/main" val="2375921774"/>
+      </p:ext>
+    </p:extLst>
+  </p:cSld>
+  <p:clrMapOvr>
+    <a:masterClrMapping/>
+  </p:clrMapOvr>
+  <mc:AlternateContent xmlns:mc="http://schemas.openxmlformats.org/markup-compatibility/2006" xmlns:p14="http://schemas.microsoft.com/office/powerpoint/2010/main">
+    <mc:Choice Requires="p14">
+      <p:transition spd="med" p14:dur="700">
+        <p:fade/>
+      </p:transition>
+    </mc:Choice>
+    <mc:Fallback xmlns="">
+      <p:transition spd="med">
+        <p:fade/>
+      </p:transition>
+    </mc:Fallback>
+  </mc:AlternateContent>
+  <p:timing>
+    <p:tnLst>
+      <p:par>
+        <p:cTn id="1" dur="indefinite" restart="never" nodeType="tmRoot"/>
+      </p:par>
+    </p:tnLst>
+  </p:timing>
+</p:sld>
+</file>
+
+<file path=ppt/slides/slide24.xml><?xml version="1.0" encoding="utf-8"?>
+<p:sld xmlns:a="http://schemas.openxmlformats.org/drawingml/2006/main" xmlns:r="http://schemas.openxmlformats.org/officeDocument/2006/relationships" xmlns:p="http://schemas.openxmlformats.org/presentationml/2006/main">
+  <p:cSld>
+    <p:spTree>
+      <p:nvGrpSpPr>
+        <p:cNvPr id="1" name=""/>
+        <p:cNvGrpSpPr/>
+        <p:nvPr/>
+      </p:nvGrpSpPr>
+      <p:grpSpPr>
+        <a:xfrm>
+          <a:off x="0" y="0"/>
+          <a:ext cx="0" cy="0"/>
+          <a:chOff x="0" y="0"/>
+          <a:chExt cx="0" cy="0"/>
+        </a:xfrm>
+      </p:grpSpPr>
+      <p:sp>
+        <p:nvSpPr>
+          <p:cNvPr id="4" name="Rectángulo 3"/>
+          <p:cNvSpPr/>
+          <p:nvPr/>
+        </p:nvSpPr>
+        <p:spPr>
+          <a:xfrm>
+            <a:off x="968991" y="1390263"/>
+            <a:ext cx="10085696" cy="4524315"/>
+          </a:xfrm>
+          <a:prstGeom prst="rect">
+            <a:avLst/>
+          </a:prstGeom>
+        </p:spPr>
+        <p:txBody>
+          <a:bodyPr wrap="square">
+            <a:spAutoFit/>
+          </a:bodyPr>
+          <a:lstStyle/>
+          <a:p>
+            <a:r>
+              <a:rPr lang="es-EC" dirty="0"/>
+              <a:t>Las principales novedades que presenta la versión 0.2.0 son las siguientes:</a:t>
+            </a:r>
+          </a:p>
+          <a:p>
+            <a:endParaRPr lang="es-EC" dirty="0"/>
+          </a:p>
+          <a:p>
+            <a:pPr lvl="0"/>
+            <a:r>
+              <a:rPr lang="es-EC" dirty="0" smtClean="0"/>
+              <a:t>Integración </a:t>
+            </a:r>
+            <a:r>
+              <a:rPr lang="es-EC" dirty="0"/>
+              <a:t>con Street View</a:t>
+            </a:r>
+          </a:p>
+          <a:p>
+            <a:pPr lvl="0"/>
+            <a:r>
+              <a:rPr lang="es-EC" dirty="0"/>
+              <a:t>Soporte de brújula</a:t>
+            </a:r>
+          </a:p>
+          <a:p>
+            <a:pPr lvl="0"/>
+            <a:r>
+              <a:rPr lang="es-EC" dirty="0"/>
+              <a:t>Posicionamiento híbrido por GPS, celdas de telefonía y </a:t>
+            </a:r>
+            <a:r>
+              <a:rPr lang="es-EC" dirty="0" err="1"/>
+              <a:t>WiFi</a:t>
+            </a:r>
+            <a:endParaRPr lang="es-EC" dirty="0"/>
+          </a:p>
+          <a:p>
+            <a:pPr lvl="0"/>
+            <a:r>
+              <a:rPr lang="es-EC" dirty="0"/>
+              <a:t>Precisión de la posición mostrada en el mapa</a:t>
+            </a:r>
+          </a:p>
+          <a:p>
+            <a:pPr lvl="0"/>
+            <a:r>
+              <a:rPr lang="es-EC" dirty="0"/>
+              <a:t>Modo navegación</a:t>
+            </a:r>
+          </a:p>
+          <a:p>
+            <a:pPr lvl="0"/>
+            <a:r>
+              <a:rPr lang="es-EC" dirty="0"/>
+              <a:t>Compartir tu posición: </a:t>
+            </a:r>
+            <a:r>
+              <a:rPr lang="es-EC" dirty="0" err="1"/>
+              <a:t>Twitter</a:t>
+            </a:r>
+            <a:r>
+              <a:rPr lang="es-EC" dirty="0"/>
+              <a:t>, SMS, Email, Facebook…</a:t>
+            </a:r>
+          </a:p>
+          <a:p>
+            <a:pPr lvl="0"/>
+            <a:r>
+              <a:rPr lang="es-EC" dirty="0"/>
+              <a:t>Compatibilidad con resoluciones de pantalla alta y baja</a:t>
+            </a:r>
+          </a:p>
+          <a:p>
+            <a:pPr lvl="0"/>
+            <a:r>
+              <a:rPr lang="es-EC" dirty="0"/>
+              <a:t>Mejoras en la velocidad de descarga de mapas</a:t>
+            </a:r>
+          </a:p>
+          <a:p>
+            <a:pPr lvl="0"/>
+            <a:r>
+              <a:rPr lang="es-EC" dirty="0"/>
+              <a:t>Nuevas capas disponibles por defecto</a:t>
+            </a:r>
+          </a:p>
+          <a:p>
+            <a:pPr lvl="0"/>
+            <a:r>
+              <a:rPr lang="es-EC" dirty="0"/>
+              <a:t>Búsqueda de nuevos ficheros de capas</a:t>
+            </a:r>
+          </a:p>
+          <a:p>
+            <a:pPr lvl="0"/>
+            <a:r>
+              <a:rPr lang="es-EC" dirty="0"/>
+              <a:t>Zoom rápido: Barra de zoom o doble toque</a:t>
+            </a:r>
+          </a:p>
+          <a:p>
+            <a:pPr lvl="0"/>
+            <a:r>
+              <a:rPr lang="es-EC" dirty="0"/>
+              <a:t>Habilitar/deshabilitar posicionamiento</a:t>
+            </a:r>
+          </a:p>
+          <a:p>
+            <a:pPr lvl="0"/>
+            <a:r>
+              <a:rPr lang="es-EC" dirty="0"/>
+              <a:t>Interfaz de usuario mejorado</a:t>
+            </a:r>
+          </a:p>
+          <a:p>
+            <a:pPr lvl="0"/>
+            <a:r>
+              <a:rPr lang="es-EC" dirty="0"/>
+              <a:t>Soporte de </a:t>
+            </a:r>
+            <a:r>
+              <a:rPr lang="es-EC" dirty="0" err="1"/>
+              <a:t>Android</a:t>
+            </a:r>
+            <a:r>
+              <a:rPr lang="es-EC" dirty="0"/>
+              <a:t> 2.1 (ahora de 1.5 a 2.1)</a:t>
+            </a:r>
+          </a:p>
+        </p:txBody>
+      </p:sp>
+      <p:sp>
+        <p:nvSpPr>
+          <p:cNvPr id="6" name="Rectángulo redondeado 5"/>
+          <p:cNvSpPr/>
+          <p:nvPr/>
+        </p:nvSpPr>
+        <p:spPr>
+          <a:xfrm>
+            <a:off x="12995" y="477672"/>
+            <a:ext cx="5418161" cy="805218"/>
+          </a:xfrm>
+          <a:prstGeom prst="roundRect">
+            <a:avLst/>
+          </a:prstGeom>
+        </p:spPr>
+        <p:style>
+          <a:lnRef idx="2">
+            <a:schemeClr val="accent1">
+              <a:shade val="50000"/>
+            </a:schemeClr>
+          </a:lnRef>
+          <a:fillRef idx="1">
+            <a:schemeClr val="accent1"/>
+          </a:fillRef>
+          <a:effectRef idx="0">
+            <a:schemeClr val="accent1"/>
+          </a:effectRef>
+          <a:fontRef idx="minor">
+            <a:schemeClr val="lt1"/>
+          </a:fontRef>
+        </p:style>
+        <p:txBody>
+          <a:bodyPr rtlCol="0" anchor="ctr"/>
+          <a:lstStyle/>
+          <a:p>
+            <a:r>
+              <a:rPr lang="es-EC" sz="2800" dirty="0"/>
+              <a:t>Soporte de capas WMS y WMS-C</a:t>
+            </a:r>
+            <a:endParaRPr lang="es-EC" sz="2800" dirty="0"/>
+          </a:p>
+        </p:txBody>
+      </p:sp>
+    </p:spTree>
+    <p:extLst>
+      <p:ext uri="{BB962C8B-B14F-4D97-AF65-F5344CB8AC3E}">
+        <p14:creationId xmlns:p14="http://schemas.microsoft.com/office/powerpoint/2010/main" val="2140121774"/>
+      </p:ext>
+    </p:extLst>
+  </p:cSld>
+  <p:clrMapOvr>
+    <a:masterClrMapping/>
+  </p:clrMapOvr>
+  <mc:AlternateContent xmlns:mc="http://schemas.openxmlformats.org/markup-compatibility/2006" xmlns:p14="http://schemas.microsoft.com/office/powerpoint/2010/main">
+    <mc:Choice Requires="p14">
+      <p:transition spd="med" p14:dur="700">
+        <p:fade/>
+      </p:transition>
+    </mc:Choice>
+    <mc:Fallback xmlns="">
       <p:transition spd="med">
         <p:fade/>
       </p:transition>
@@ -10004,13 +10499,13 @@
   <p:clrMapOvr>
     <a:masterClrMapping/>
   </p:clrMapOvr>
-  <mc:AlternateContent xmlns:mc="http://schemas.openxmlformats.org/markup-compatibility/2006">
-    <mc:Choice xmlns:p14="http://schemas.microsoft.com/office/powerpoint/2010/main" Requires="p14">
+  <mc:AlternateContent xmlns:mc="http://schemas.openxmlformats.org/markup-compatibility/2006" xmlns:p14="http://schemas.microsoft.com/office/powerpoint/2010/main">
+    <mc:Choice Requires="p14">
       <p:transition spd="med" p14:dur="700">
         <p:fade/>
       </p:transition>
     </mc:Choice>
-    <mc:Fallback>
+    <mc:Fallback xmlns="">
       <p:transition spd="med">
         <p:fade/>
       </p:transition>
@@ -10191,13 +10686,13 @@
   <p:clrMapOvr>
     <a:masterClrMapping/>
   </p:clrMapOvr>
-  <mc:AlternateContent xmlns:mc="http://schemas.openxmlformats.org/markup-compatibility/2006">
-    <mc:Choice xmlns:p14="http://schemas.microsoft.com/office/powerpoint/2010/main" Requires="p14">
+  <mc:AlternateContent xmlns:mc="http://schemas.openxmlformats.org/markup-compatibility/2006" xmlns:p14="http://schemas.microsoft.com/office/powerpoint/2010/main">
+    <mc:Choice Requires="p14">
       <p:transition spd="med" p14:dur="700">
         <p:fade/>
       </p:transition>
     </mc:Choice>
-    <mc:Fallback>
+    <mc:Fallback xmlns="">
       <p:transition spd="med">
         <p:fade/>
       </p:transition>
@@ -10465,13 +10960,13 @@
   <p:clrMapOvr>
     <a:masterClrMapping/>
   </p:clrMapOvr>
-  <mc:AlternateContent xmlns:mc="http://schemas.openxmlformats.org/markup-compatibility/2006">
-    <mc:Choice xmlns:p14="http://schemas.microsoft.com/office/powerpoint/2010/main" Requires="p14">
+  <mc:AlternateContent xmlns:mc="http://schemas.openxmlformats.org/markup-compatibility/2006" xmlns:p14="http://schemas.microsoft.com/office/powerpoint/2010/main">
+    <mc:Choice Requires="p14">
       <p:transition spd="med" p14:dur="700">
         <p:fade/>
       </p:transition>
     </mc:Choice>
-    <mc:Fallback>
+    <mc:Fallback xmlns="">
       <p:transition spd="med">
         <p:fade/>
       </p:transition>
@@ -10661,13 +11156,13 @@
   <p:clrMapOvr>
     <a:masterClrMapping/>
   </p:clrMapOvr>
-  <mc:AlternateContent xmlns:mc="http://schemas.openxmlformats.org/markup-compatibility/2006">
-    <mc:Choice xmlns:p14="http://schemas.microsoft.com/office/powerpoint/2010/main" Requires="p14">
+  <mc:AlternateContent xmlns:mc="http://schemas.openxmlformats.org/markup-compatibility/2006" xmlns:p14="http://schemas.microsoft.com/office/powerpoint/2010/main">
+    <mc:Choice Requires="p14">
       <p:transition spd="med" p14:dur="700">
         <p:fade/>
       </p:transition>
     </mc:Choice>
-    <mc:Fallback>
+    <mc:Fallback xmlns="">
       <p:transition spd="med">
         <p:fade/>
       </p:transition>
@@ -11446,13 +11941,13 @@
   <p:clrMapOvr>
     <a:masterClrMapping/>
   </p:clrMapOvr>
-  <mc:AlternateContent xmlns:mc="http://schemas.openxmlformats.org/markup-compatibility/2006">
-    <mc:Choice xmlns:p14="http://schemas.microsoft.com/office/powerpoint/2010/main" Requires="p14">
+  <mc:AlternateContent xmlns:mc="http://schemas.openxmlformats.org/markup-compatibility/2006" xmlns:p14="http://schemas.microsoft.com/office/powerpoint/2010/main">
+    <mc:Choice Requires="p14">
       <p:transition spd="med" p14:dur="700">
         <p:fade/>
       </p:transition>
     </mc:Choice>
-    <mc:Fallback>
+    <mc:Fallback xmlns="">
       <p:transition spd="med">
         <p:fade/>
       </p:transition>
@@ -11690,13 +12185,13 @@
   <p:clrMapOvr>
     <a:masterClrMapping/>
   </p:clrMapOvr>
-  <mc:AlternateContent xmlns:mc="http://schemas.openxmlformats.org/markup-compatibility/2006">
-    <mc:Choice xmlns:p14="http://schemas.microsoft.com/office/powerpoint/2010/main" Requires="p14">
+  <mc:AlternateContent xmlns:mc="http://schemas.openxmlformats.org/markup-compatibility/2006" xmlns:p14="http://schemas.microsoft.com/office/powerpoint/2010/main">
+    <mc:Choice Requires="p14">
       <p:transition spd="med" p14:dur="700">
         <p:fade/>
       </p:transition>
     </mc:Choice>
-    <mc:Fallback>
+    <mc:Fallback xmlns="">
       <p:transition spd="med">
         <p:fade/>
       </p:transition>
@@ -11841,13 +12336,13 @@
   <p:clrMapOvr>
     <a:masterClrMapping/>
   </p:clrMapOvr>
-  <mc:AlternateContent xmlns:mc="http://schemas.openxmlformats.org/markup-compatibility/2006">
-    <mc:Choice xmlns:p14="http://schemas.microsoft.com/office/powerpoint/2010/main" Requires="p14">
+  <mc:AlternateContent xmlns:mc="http://schemas.openxmlformats.org/markup-compatibility/2006" xmlns:p14="http://schemas.microsoft.com/office/powerpoint/2010/main">
+    <mc:Choice Requires="p14">
       <p:transition spd="med" p14:dur="700">
         <p:fade/>
       </p:transition>
     </mc:Choice>
-    <mc:Fallback>
+    <mc:Fallback xmlns="">
       <p:transition spd="med">
         <p:fade/>
       </p:transition>

--- a/Expo-gvSIG.pptx
+++ b/Expo-gvSIG.pptx
@@ -6,15 +6,17 @@
   </p:sldMasterIdLst>
   <p:sldIdLst>
     <p:sldId id="256" r:id="rId2"/>
-    <p:sldId id="257" r:id="rId3"/>
-    <p:sldId id="258" r:id="rId4"/>
-    <p:sldId id="259" r:id="rId5"/>
-    <p:sldId id="260" r:id="rId6"/>
-    <p:sldId id="265" r:id="rId7"/>
-    <p:sldId id="266" r:id="rId8"/>
-    <p:sldId id="262" r:id="rId9"/>
-    <p:sldId id="263" r:id="rId10"/>
-    <p:sldId id="264" r:id="rId11"/>
+    <p:sldId id="267" r:id="rId3"/>
+    <p:sldId id="257" r:id="rId4"/>
+    <p:sldId id="258" r:id="rId5"/>
+    <p:sldId id="259" r:id="rId6"/>
+    <p:sldId id="260" r:id="rId7"/>
+    <p:sldId id="265" r:id="rId8"/>
+    <p:sldId id="266" r:id="rId9"/>
+    <p:sldId id="262" r:id="rId10"/>
+    <p:sldId id="263" r:id="rId11"/>
+    <p:sldId id="264" r:id="rId12"/>
+    <p:sldId id="268" r:id="rId13"/>
   </p:sldIdLst>
   <p:sldSz cx="12192000" cy="6858000"/>
   <p:notesSz cx="6858000" cy="9144000"/>
@@ -307,7 +309,7 @@
           <a:p>
             <a:fld id="{75FE89A0-BF76-4052-9819-E3FC0D227D7C}" type="datetimeFigureOut">
               <a:rPr lang="es-EC" smtClean="0"/>
-              <a:t>18/01/2015</a:t>
+              <a:t>20/01/2015</a:t>
             </a:fld>
             <a:endParaRPr lang="es-EC"/>
           </a:p>
@@ -582,7 +584,7 @@
           <a:p>
             <a:fld id="{75FE89A0-BF76-4052-9819-E3FC0D227D7C}" type="datetimeFigureOut">
               <a:rPr lang="es-EC" smtClean="0"/>
-              <a:t>18/01/2015</a:t>
+              <a:t>20/01/2015</a:t>
             </a:fld>
             <a:endParaRPr lang="es-EC"/>
           </a:p>
@@ -776,7 +778,7 @@
           <a:p>
             <a:fld id="{75FE89A0-BF76-4052-9819-E3FC0D227D7C}" type="datetimeFigureOut">
               <a:rPr lang="es-EC" smtClean="0"/>
-              <a:t>18/01/2015</a:t>
+              <a:t>20/01/2015</a:t>
             </a:fld>
             <a:endParaRPr lang="es-EC"/>
           </a:p>
@@ -1049,7 +1051,7 @@
           <a:p>
             <a:fld id="{75FE89A0-BF76-4052-9819-E3FC0D227D7C}" type="datetimeFigureOut">
               <a:rPr lang="es-EC" smtClean="0"/>
-              <a:t>18/01/2015</a:t>
+              <a:t>20/01/2015</a:t>
             </a:fld>
             <a:endParaRPr lang="es-EC"/>
           </a:p>
@@ -1390,7 +1392,7 @@
           <a:p>
             <a:fld id="{75FE89A0-BF76-4052-9819-E3FC0D227D7C}" type="datetimeFigureOut">
               <a:rPr lang="es-EC" smtClean="0"/>
-              <a:t>18/01/2015</a:t>
+              <a:t>20/01/2015</a:t>
             </a:fld>
             <a:endParaRPr lang="es-EC"/>
           </a:p>
@@ -2013,7 +2015,7 @@
           <a:p>
             <a:fld id="{75FE89A0-BF76-4052-9819-E3FC0D227D7C}" type="datetimeFigureOut">
               <a:rPr lang="es-EC" smtClean="0"/>
-              <a:t>18/01/2015</a:t>
+              <a:t>20/01/2015</a:t>
             </a:fld>
             <a:endParaRPr lang="es-EC"/>
           </a:p>
@@ -2873,7 +2875,7 @@
           <a:p>
             <a:fld id="{75FE89A0-BF76-4052-9819-E3FC0D227D7C}" type="datetimeFigureOut">
               <a:rPr lang="es-EC" smtClean="0"/>
-              <a:t>18/01/2015</a:t>
+              <a:t>20/01/2015</a:t>
             </a:fld>
             <a:endParaRPr lang="es-EC"/>
           </a:p>
@@ -3043,7 +3045,7 @@
           <a:p>
             <a:fld id="{75FE89A0-BF76-4052-9819-E3FC0D227D7C}" type="datetimeFigureOut">
               <a:rPr lang="es-EC" smtClean="0"/>
-              <a:t>18/01/2015</a:t>
+              <a:t>20/01/2015</a:t>
             </a:fld>
             <a:endParaRPr lang="es-EC"/>
           </a:p>
@@ -3223,7 +3225,7 @@
           <a:p>
             <a:fld id="{75FE89A0-BF76-4052-9819-E3FC0D227D7C}" type="datetimeFigureOut">
               <a:rPr lang="es-EC" smtClean="0"/>
-              <a:t>18/01/2015</a:t>
+              <a:t>20/01/2015</a:t>
             </a:fld>
             <a:endParaRPr lang="es-EC"/>
           </a:p>
@@ -3393,7 +3395,7 @@
           <a:p>
             <a:fld id="{75FE89A0-BF76-4052-9819-E3FC0D227D7C}" type="datetimeFigureOut">
               <a:rPr lang="es-EC" smtClean="0"/>
-              <a:t>18/01/2015</a:t>
+              <a:t>20/01/2015</a:t>
             </a:fld>
             <a:endParaRPr lang="es-EC"/>
           </a:p>
@@ -3640,7 +3642,7 @@
           <a:p>
             <a:fld id="{75FE89A0-BF76-4052-9819-E3FC0D227D7C}" type="datetimeFigureOut">
               <a:rPr lang="es-EC" smtClean="0"/>
-              <a:t>18/01/2015</a:t>
+              <a:t>20/01/2015</a:t>
             </a:fld>
             <a:endParaRPr lang="es-EC"/>
           </a:p>
@@ -3932,7 +3934,7 @@
           <a:p>
             <a:fld id="{75FE89A0-BF76-4052-9819-E3FC0D227D7C}" type="datetimeFigureOut">
               <a:rPr lang="es-EC" smtClean="0"/>
-              <a:t>18/01/2015</a:t>
+              <a:t>20/01/2015</a:t>
             </a:fld>
             <a:endParaRPr lang="es-EC"/>
           </a:p>
@@ -4376,7 +4378,7 @@
           <a:p>
             <a:fld id="{75FE89A0-BF76-4052-9819-E3FC0D227D7C}" type="datetimeFigureOut">
               <a:rPr lang="es-EC" smtClean="0"/>
-              <a:t>18/01/2015</a:t>
+              <a:t>20/01/2015</a:t>
             </a:fld>
             <a:endParaRPr lang="es-EC"/>
           </a:p>
@@ -4494,7 +4496,7 @@
           <a:p>
             <a:fld id="{75FE89A0-BF76-4052-9819-E3FC0D227D7C}" type="datetimeFigureOut">
               <a:rPr lang="es-EC" smtClean="0"/>
-              <a:t>18/01/2015</a:t>
+              <a:t>20/01/2015</a:t>
             </a:fld>
             <a:endParaRPr lang="es-EC"/>
           </a:p>
@@ -4589,7 +4591,7 @@
           <a:p>
             <a:fld id="{75FE89A0-BF76-4052-9819-E3FC0D227D7C}" type="datetimeFigureOut">
               <a:rPr lang="es-EC" smtClean="0"/>
-              <a:t>18/01/2015</a:t>
+              <a:t>20/01/2015</a:t>
             </a:fld>
             <a:endParaRPr lang="es-EC"/>
           </a:p>
@@ -4868,7 +4870,7 @@
           <a:p>
             <a:fld id="{75FE89A0-BF76-4052-9819-E3FC0D227D7C}" type="datetimeFigureOut">
               <a:rPr lang="es-EC" smtClean="0"/>
-              <a:t>18/01/2015</a:t>
+              <a:t>20/01/2015</a:t>
             </a:fld>
             <a:endParaRPr lang="es-EC"/>
           </a:p>
@@ -5143,7 +5145,7 @@
           <a:p>
             <a:fld id="{75FE89A0-BF76-4052-9819-E3FC0D227D7C}" type="datetimeFigureOut">
               <a:rPr lang="es-EC" smtClean="0"/>
-              <a:t>18/01/2015</a:t>
+              <a:t>20/01/2015</a:t>
             </a:fld>
             <a:endParaRPr lang="es-EC"/>
           </a:p>
@@ -5572,7 +5574,7 @@
           <a:p>
             <a:fld id="{75FE89A0-BF76-4052-9819-E3FC0D227D7C}" type="datetimeFigureOut">
               <a:rPr lang="es-EC" smtClean="0"/>
-              <a:t>18/01/2015</a:t>
+              <a:t>20/01/2015</a:t>
             </a:fld>
             <a:endParaRPr lang="es-EC"/>
           </a:p>
@@ -6102,42 +6104,186 @@
       </p:grpSpPr>
       <p:sp>
         <p:nvSpPr>
-          <p:cNvPr id="2" name="Título 1"/>
-          <p:cNvSpPr>
-            <a:spLocks noGrp="1"/>
-          </p:cNvSpPr>
-          <p:nvPr>
-            <p:ph type="ctrTitle"/>
-          </p:nvPr>
-        </p:nvSpPr>
-        <p:spPr/>
-        <p:txBody>
-          <a:bodyPr/>
+          <p:cNvPr id="4" name="CuadroTexto 3"/>
+          <p:cNvSpPr txBox="1"/>
+          <p:nvPr/>
+        </p:nvSpPr>
+        <p:spPr>
+          <a:xfrm>
+            <a:off x="2361063" y="545910"/>
+            <a:ext cx="7482310" cy="6186309"/>
+          </a:xfrm>
+          <a:prstGeom prst="rect">
+            <a:avLst/>
+          </a:prstGeom>
+          <a:noFill/>
+        </p:spPr>
+        <p:txBody>
+          <a:bodyPr wrap="square" rtlCol="0">
+            <a:spAutoFit/>
+          </a:bodyPr>
           <a:lstStyle/>
           <a:p>
-            <a:endParaRPr lang="es-EC"/>
-          </a:p>
-        </p:txBody>
-      </p:sp>
-      <p:sp>
-        <p:nvSpPr>
-          <p:cNvPr id="3" name="Subtítulo 2"/>
-          <p:cNvSpPr>
-            <a:spLocks noGrp="1"/>
-          </p:cNvSpPr>
-          <p:nvPr>
-            <p:ph type="subTitle" idx="1"/>
-          </p:nvPr>
-        </p:nvSpPr>
-        <p:spPr/>
-        <p:txBody>
-          <a:bodyPr/>
-          <a:lstStyle/>
-          <a:p>
-            <a:endParaRPr lang="es-EC"/>
-          </a:p>
-        </p:txBody>
-      </p:sp>
+            <a:pPr algn="ctr"/>
+            <a:r>
+              <a:rPr lang="es-EC" sz="2400" dirty="0" smtClean="0"/>
+              <a:t>UNIVERSIDAD NACIONAL DE CHIMBORAZO</a:t>
+            </a:r>
+          </a:p>
+          <a:p>
+            <a:pPr algn="ctr"/>
+            <a:r>
+              <a:rPr lang="es-EC" sz="2400" dirty="0" smtClean="0"/>
+              <a:t>FACULTAD DE INGENIERÍA</a:t>
+            </a:r>
+          </a:p>
+          <a:p>
+            <a:pPr algn="ctr"/>
+            <a:r>
+              <a:rPr lang="es-EC" sz="2400" dirty="0" smtClean="0"/>
+              <a:t>ESC. SISTEMAS Y COMPUTACIÓN</a:t>
+            </a:r>
+          </a:p>
+          <a:p>
+            <a:pPr algn="ctr"/>
+            <a:endParaRPr lang="es-EC" sz="2400" dirty="0" smtClean="0"/>
+          </a:p>
+          <a:p>
+            <a:pPr algn="ctr"/>
+            <a:endParaRPr lang="es-EC" sz="2400" dirty="0" smtClean="0"/>
+          </a:p>
+          <a:p>
+            <a:pPr algn="ctr"/>
+            <a:r>
+              <a:rPr lang="es-EC" sz="2400" dirty="0" smtClean="0"/>
+              <a:t>TEMA:</a:t>
+            </a:r>
+          </a:p>
+          <a:p>
+            <a:pPr algn="ctr"/>
+            <a:r>
+              <a:rPr lang="es-EC" sz="2400" dirty="0" smtClean="0"/>
+              <a:t>GVSIG</a:t>
+            </a:r>
+          </a:p>
+          <a:p>
+            <a:pPr algn="ctr"/>
+            <a:endParaRPr lang="es-EC" sz="2400" dirty="0" smtClean="0"/>
+          </a:p>
+          <a:p>
+            <a:pPr algn="ctr"/>
+            <a:r>
+              <a:rPr lang="es-EC" sz="2400" dirty="0" smtClean="0"/>
+              <a:t>INTEGRANTES:</a:t>
+            </a:r>
+          </a:p>
+          <a:p>
+            <a:pPr algn="ctr"/>
+            <a:r>
+              <a:rPr lang="es-EC" sz="2400" dirty="0" smtClean="0"/>
+              <a:t>CRISTHIAN MORENO</a:t>
+            </a:r>
+          </a:p>
+          <a:p>
+            <a:pPr algn="ctr"/>
+            <a:r>
+              <a:rPr lang="es-EC" sz="2400" dirty="0" smtClean="0"/>
+              <a:t>RONNY FRAY</a:t>
+            </a:r>
+          </a:p>
+          <a:p>
+            <a:pPr algn="ctr"/>
+            <a:r>
+              <a:rPr lang="es-EC" sz="2400" dirty="0" smtClean="0"/>
+              <a:t>GUSTAVO SOTO</a:t>
+            </a:r>
+          </a:p>
+          <a:p>
+            <a:pPr algn="ctr"/>
+            <a:endParaRPr lang="es-EC" sz="2400" dirty="0" smtClean="0"/>
+          </a:p>
+          <a:p>
+            <a:pPr algn="ctr"/>
+            <a:r>
+              <a:rPr lang="es-EC" sz="2400" dirty="0" smtClean="0"/>
+              <a:t>TUTOR:</a:t>
+            </a:r>
+          </a:p>
+          <a:p>
+            <a:pPr algn="ctr"/>
+            <a:r>
+              <a:rPr lang="es-EC" sz="2400" dirty="0" smtClean="0"/>
+              <a:t>GONZALO ALLAUCA</a:t>
+            </a:r>
+          </a:p>
+          <a:p>
+            <a:endParaRPr lang="es-EC" dirty="0" smtClean="0"/>
+          </a:p>
+          <a:p>
+            <a:endParaRPr lang="es-EC" dirty="0"/>
+          </a:p>
+        </p:txBody>
+      </p:sp>
+      <p:pic>
+        <p:nvPicPr>
+          <p:cNvPr id="6" name="Imagen 5"/>
+          <p:cNvPicPr>
+            <a:picLocks noChangeAspect="1"/>
+          </p:cNvPicPr>
+          <p:nvPr/>
+        </p:nvPicPr>
+        <p:blipFill>
+          <a:blip r:embed="rId2">
+            <a:extLst>
+              <a:ext uri="{28A0092B-C50C-407E-A947-70E740481C1C}">
+                <a14:useLocalDpi xmlns:a14="http://schemas.microsoft.com/office/drawing/2010/main" val="0"/>
+              </a:ext>
+            </a:extLst>
+          </a:blip>
+          <a:stretch>
+            <a:fillRect/>
+          </a:stretch>
+        </p:blipFill>
+        <p:spPr>
+          <a:xfrm>
+            <a:off x="9539786" y="4321909"/>
+            <a:ext cx="1782250" cy="1829650"/>
+          </a:xfrm>
+          <a:prstGeom prst="rect">
+            <a:avLst/>
+          </a:prstGeom>
+        </p:spPr>
+      </p:pic>
+      <p:pic>
+        <p:nvPicPr>
+          <p:cNvPr id="7" name="Imagen 6"/>
+          <p:cNvPicPr>
+            <a:picLocks noChangeAspect="1"/>
+          </p:cNvPicPr>
+          <p:nvPr/>
+        </p:nvPicPr>
+        <p:blipFill>
+          <a:blip r:embed="rId3" cstate="print">
+            <a:extLst>
+              <a:ext uri="{28A0092B-C50C-407E-A947-70E740481C1C}">
+                <a14:useLocalDpi xmlns:a14="http://schemas.microsoft.com/office/drawing/2010/main" val="0"/>
+              </a:ext>
+            </a:extLst>
+          </a:blip>
+          <a:stretch>
+            <a:fillRect/>
+          </a:stretch>
+        </p:blipFill>
+        <p:spPr>
+          <a:xfrm>
+            <a:off x="882400" y="339193"/>
+            <a:ext cx="1478663" cy="1478663"/>
+          </a:xfrm>
+          <a:prstGeom prst="rect">
+            <a:avLst/>
+          </a:prstGeom>
+        </p:spPr>
+      </p:pic>
     </p:spTree>
     <p:extLst>
       <p:ext uri="{BB962C8B-B14F-4D97-AF65-F5344CB8AC3E}">
@@ -6148,6 +6294,138 @@
   <p:clrMapOvr>
     <a:masterClrMapping/>
   </p:clrMapOvr>
+  <p:timing>
+    <p:tnLst>
+      <p:par>
+        <p:cTn id="1" dur="indefinite" restart="never" nodeType="tmRoot">
+          <p:childTnLst>
+            <p:seq concurrent="1" nextAc="seek">
+              <p:cTn id="2" dur="indefinite" nodeType="mainSeq">
+                <p:childTnLst>
+                  <p:par>
+                    <p:cTn id="3" fill="hold">
+                      <p:stCondLst>
+                        <p:cond delay="indefinite"/>
+                        <p:cond evt="onBegin" delay="0">
+                          <p:tn val="2"/>
+                        </p:cond>
+                      </p:stCondLst>
+                      <p:childTnLst>
+                        <p:par>
+                          <p:cTn id="4" fill="hold">
+                            <p:stCondLst>
+                              <p:cond delay="0"/>
+                            </p:stCondLst>
+                            <p:childTnLst>
+                              <p:par>
+                                <p:cTn id="5" presetID="45" presetClass="entr" presetSubtype="0" fill="hold" nodeType="afterEffect">
+                                  <p:stCondLst>
+                                    <p:cond delay="0"/>
+                                  </p:stCondLst>
+                                  <p:childTnLst>
+                                    <p:set>
+                                      <p:cBhvr>
+                                        <p:cTn id="6" dur="1" fill="hold">
+                                          <p:stCondLst>
+                                            <p:cond delay="0"/>
+                                          </p:stCondLst>
+                                        </p:cTn>
+                                        <p:tgtEl>
+                                          <p:spTgt spid="6"/>
+                                        </p:tgtEl>
+                                        <p:attrNameLst>
+                                          <p:attrName>style.visibility</p:attrName>
+                                        </p:attrNameLst>
+                                      </p:cBhvr>
+                                      <p:to>
+                                        <p:strVal val="visible"/>
+                                      </p:to>
+                                    </p:set>
+                                    <p:animEffect transition="in" filter="fade">
+                                      <p:cBhvr>
+                                        <p:cTn id="7" dur="2000"/>
+                                        <p:tgtEl>
+                                          <p:spTgt spid="6"/>
+                                        </p:tgtEl>
+                                      </p:cBhvr>
+                                    </p:animEffect>
+                                    <p:anim calcmode="lin" valueType="num">
+                                      <p:cBhvr>
+                                        <p:cTn id="8" dur="2000" fill="hold"/>
+                                        <p:tgtEl>
+                                          <p:spTgt spid="6"/>
+                                        </p:tgtEl>
+                                        <p:attrNameLst>
+                                          <p:attrName>ppt_w</p:attrName>
+                                        </p:attrNameLst>
+                                      </p:cBhvr>
+                                      <p:tavLst>
+                                        <p:tav tm="0" fmla="#ppt_w*sin(2.5*pi*$)">
+                                          <p:val>
+                                            <p:fltVal val="0"/>
+                                          </p:val>
+                                        </p:tav>
+                                        <p:tav tm="100000">
+                                          <p:val>
+                                            <p:fltVal val="1"/>
+                                          </p:val>
+                                        </p:tav>
+                                      </p:tavLst>
+                                    </p:anim>
+                                    <p:anim calcmode="lin" valueType="num">
+                                      <p:cBhvr>
+                                        <p:cTn id="9" dur="2000" fill="hold"/>
+                                        <p:tgtEl>
+                                          <p:spTgt spid="6"/>
+                                        </p:tgtEl>
+                                        <p:attrNameLst>
+                                          <p:attrName>ppt_h</p:attrName>
+                                        </p:attrNameLst>
+                                      </p:cBhvr>
+                                      <p:tavLst>
+                                        <p:tav tm="0">
+                                          <p:val>
+                                            <p:strVal val="#ppt_h"/>
+                                          </p:val>
+                                        </p:tav>
+                                        <p:tav tm="100000">
+                                          <p:val>
+                                            <p:strVal val="#ppt_h"/>
+                                          </p:val>
+                                        </p:tav>
+                                      </p:tavLst>
+                                    </p:anim>
+                                  </p:childTnLst>
+                                </p:cTn>
+                              </p:par>
+                            </p:childTnLst>
+                          </p:cTn>
+                        </p:par>
+                      </p:childTnLst>
+                    </p:cTn>
+                  </p:par>
+                </p:childTnLst>
+              </p:cTn>
+              <p:prevCondLst>
+                <p:cond evt="onPrev" delay="0">
+                  <p:tgtEl>
+                    <p:sldTgt/>
+                  </p:tgtEl>
+                </p:cond>
+              </p:prevCondLst>
+              <p:nextCondLst>
+                <p:cond evt="onNext" delay="0">
+                  <p:tgtEl>
+                    <p:sldTgt/>
+                  </p:tgtEl>
+                </p:cond>
+              </p:nextCondLst>
+            </p:seq>
+          </p:childTnLst>
+        </p:cTn>
+      </p:par>
+    </p:tnLst>
+  </p:timing>
 </p:sld>
 </file>
 
@@ -6170,14 +6448,14 @@
       </p:grpSpPr>
       <p:sp>
         <p:nvSpPr>
-          <p:cNvPr id="3" name="Rectángulo 2"/>
+          <p:cNvPr id="4" name="Rectángulo 3"/>
           <p:cNvSpPr/>
           <p:nvPr/>
         </p:nvSpPr>
         <p:spPr>
           <a:xfrm>
-            <a:off x="1746913" y="1640471"/>
-            <a:ext cx="7629099" cy="4524315"/>
+            <a:off x="968991" y="1390263"/>
+            <a:ext cx="10085696" cy="5078313"/>
           </a:xfrm>
           <a:prstGeom prst="rect">
             <a:avLst/>
@@ -6190,72 +6468,204 @@
           <a:lstStyle/>
           <a:p>
             <a:r>
+              <a:rPr lang="es-EC" dirty="0"/>
+              <a:t>En </a:t>
+            </a:r>
+            <a:r>
               <a:rPr lang="es-EC" dirty="0" err="1"/>
               <a:t>gvSIG</a:t>
             </a:r>
             <a:r>
               <a:rPr lang="es-EC" dirty="0"/>
-              <a:t> Mobile se caracteriza por:</a:t>
+              <a:t> Mobile encontramos las herramientas propias de un completo cliente SIG para dispositivos móviles, entre otras:</a:t>
             </a:r>
           </a:p>
           <a:p>
             <a:endParaRPr lang="es-EC" dirty="0"/>
           </a:p>
           <a:p>
+            <a:pPr marL="285750" indent="-285750">
+              <a:buFont typeface="Wingdings" panose="05000000000000000000" pitchFamily="2" charset="2"/>
+              <a:buChar char="Ø"/>
+            </a:pPr>
             <a:r>
               <a:rPr lang="es-EC" dirty="0"/>
-              <a:t>Integrar tanto datos locales como remotos a través de estándares OGC.</a:t>
-            </a:r>
-          </a:p>
-          <a:p>
+              <a:t>Acceso a formatos vectoriales: SHP, GML, KML, GPX.</a:t>
+            </a:r>
+          </a:p>
+          <a:p>
+            <a:pPr marL="285750" indent="-285750">
+              <a:buFont typeface="Wingdings" panose="05000000000000000000" pitchFamily="2" charset="2"/>
+              <a:buChar char="Ø"/>
+            </a:pPr>
             <a:r>
               <a:rPr lang="es-EC" dirty="0"/>
-              <a:t>Está diseñado para ser fácilmente extensible, permitiendo una mejora continua de la aplicación, así como su uso para desarrollar soluciones a medida.</a:t>
-            </a:r>
-          </a:p>
-          <a:p>
+              <a:t>Acceso a formatos </a:t>
+            </a:r>
+            <a:r>
+              <a:rPr lang="es-EC" dirty="0" err="1"/>
+              <a:t>ráster</a:t>
+            </a:r>
             <a:r>
               <a:rPr lang="es-EC" dirty="0"/>
-              <a:t>Es software libre, con licencia GNU/GPL, lo que permite su libre uso, distribución, estudio y mejora.</a:t>
-            </a:r>
-          </a:p>
-          <a:p>
+              <a:t>: ECW, JPEG, PNG, GIF.</a:t>
+            </a:r>
+          </a:p>
+          <a:p>
+            <a:pPr marL="285750" indent="-285750">
+              <a:buFont typeface="Wingdings" panose="05000000000000000000" pitchFamily="2" charset="2"/>
+              <a:buChar char="Ø"/>
+            </a:pPr>
             <a:r>
               <a:rPr lang="es-EC" dirty="0"/>
-              <a:t>Está disponible en diversos idiomas: español, inglés, francés, alemán e italiano.</a:t>
-            </a:r>
-          </a:p>
-          <a:p>
+              <a:t>Acceso a servicios remotos: OGC (WMS)</a:t>
+            </a:r>
+          </a:p>
+          <a:p>
+            <a:pPr marL="285750" indent="-285750">
+              <a:buFont typeface="Wingdings" panose="05000000000000000000" pitchFamily="2" charset="2"/>
+              <a:buChar char="Ø"/>
+            </a:pPr>
             <a:r>
               <a:rPr lang="es-EC" dirty="0"/>
-              <a:t>Está desarrollado con Java y está disponible para plataformas que soporten Java Micro </a:t>
+              <a:t>Navegación: zooms, desplazamiento, centrado automático .</a:t>
+            </a:r>
+          </a:p>
+          <a:p>
+            <a:pPr marL="285750" indent="-285750">
+              <a:buFont typeface="Wingdings" panose="05000000000000000000" pitchFamily="2" charset="2"/>
+              <a:buChar char="Ø"/>
+            </a:pPr>
+            <a:r>
+              <a:rPr lang="es-EC" dirty="0"/>
+              <a:t>Consulta: información, ver coordenadas, medir distancias, medir áreas.</a:t>
+            </a:r>
+          </a:p>
+          <a:p>
+            <a:pPr marL="285750" indent="-285750">
+              <a:buFont typeface="Wingdings" panose="05000000000000000000" pitchFamily="2" charset="2"/>
+              <a:buChar char="Ø"/>
+            </a:pPr>
+            <a:r>
+              <a:rPr lang="es-EC" dirty="0"/>
+              <a:t>Selección: por punto, por rectángulo, por atributos, borrar selección.</a:t>
+            </a:r>
+          </a:p>
+          <a:p>
+            <a:pPr marL="285750" indent="-285750">
+              <a:buFont typeface="Wingdings" panose="05000000000000000000" pitchFamily="2" charset="2"/>
+              <a:buChar char="Ø"/>
+            </a:pPr>
+            <a:r>
+              <a:rPr lang="es-EC" dirty="0"/>
+              <a:t>Búsqueda: por atributo.</a:t>
+            </a:r>
+          </a:p>
+          <a:p>
+            <a:pPr marL="285750" indent="-285750">
+              <a:buFont typeface="Wingdings" panose="05000000000000000000" pitchFamily="2" charset="2"/>
+              <a:buChar char="Ø"/>
+            </a:pPr>
+            <a:r>
+              <a:rPr lang="es-EC" dirty="0"/>
+              <a:t>GPS: Conexión a GPS interno/externo, </a:t>
             </a:r>
             <a:r>
               <a:rPr lang="es-EC" dirty="0" err="1"/>
-              <a:t>Edition</a:t>
+              <a:t>reproyección</a:t>
             </a:r>
             <a:r>
               <a:rPr lang="es-EC" dirty="0"/>
-              <a:t> CDC 1.1. Actualmente funciona en las siguientes plataformas:</a:t>
-            </a:r>
-          </a:p>
-          <a:p>
+              <a:t> a UTM, </a:t>
+            </a:r>
+            <a:r>
+              <a:rPr lang="es-EC" dirty="0" err="1"/>
+              <a:t>waypoints</a:t>
+            </a:r>
             <a:r>
               <a:rPr lang="es-EC" dirty="0"/>
-              <a:t>Windows Mobile 5.0</a:t>
-            </a:r>
-          </a:p>
-          <a:p>
+              <a:t>, </a:t>
+            </a:r>
+            <a:r>
+              <a:rPr lang="es-EC" dirty="0" err="1"/>
+              <a:t>tracklog</a:t>
+            </a:r>
             <a:r>
               <a:rPr lang="es-EC" dirty="0"/>
-              <a:t>Windows Mobile 6.0</a:t>
-            </a:r>
-          </a:p>
-        </p:txBody>
-      </p:sp>
-      <p:sp>
-        <p:nvSpPr>
-          <p:cNvPr id="4" name="Rectángulo redondeado 3"/>
+              <a:t> en formatos GPX y CSV, centrado en vista, parámetros de señal, cálculo de la distancia entre ubicación y punto de destino.</a:t>
+            </a:r>
+          </a:p>
+          <a:p>
+            <a:pPr marL="285750" indent="-285750">
+              <a:buFont typeface="Wingdings" panose="05000000000000000000" pitchFamily="2" charset="2"/>
+              <a:buChar char="Ø"/>
+            </a:pPr>
+            <a:r>
+              <a:rPr lang="es-EC" dirty="0"/>
+              <a:t>Edición gráfica: Creación de puntos, líneas y polígonos.</a:t>
+            </a:r>
+          </a:p>
+          <a:p>
+            <a:pPr marL="285750" indent="-285750">
+              <a:buFont typeface="Wingdings" panose="05000000000000000000" pitchFamily="2" charset="2"/>
+              <a:buChar char="Ø"/>
+            </a:pPr>
+            <a:r>
+              <a:rPr lang="es-EC" dirty="0"/>
+              <a:t>Edición alfanumérica: Formularios personalizados.</a:t>
+            </a:r>
+          </a:p>
+          <a:p>
+            <a:pPr marL="285750" indent="-285750">
+              <a:buFont typeface="Wingdings" panose="05000000000000000000" pitchFamily="2" charset="2"/>
+              <a:buChar char="Ø"/>
+            </a:pPr>
+            <a:r>
+              <a:rPr lang="es-EC" dirty="0"/>
+              <a:t>Representación vectorial: editor de símbolos, exportación a GML, KML y SHP.</a:t>
+            </a:r>
+          </a:p>
+          <a:p>
+            <a:pPr marL="285750" indent="-285750">
+              <a:buFont typeface="Wingdings" panose="05000000000000000000" pitchFamily="2" charset="2"/>
+              <a:buChar char="Ø"/>
+            </a:pPr>
+            <a:r>
+              <a:rPr lang="es-EC" dirty="0"/>
+              <a:t>Tablas: importar y exportar campos desde </a:t>
+            </a:r>
+            <a:r>
+              <a:rPr lang="es-EC" dirty="0" err="1"/>
+              <a:t>gvSIG</a:t>
+            </a:r>
+            <a:r>
+              <a:rPr lang="es-EC" dirty="0"/>
+              <a:t> Desktop.</a:t>
+            </a:r>
+          </a:p>
+          <a:p>
+            <a:pPr marL="285750" indent="-285750">
+              <a:buFont typeface="Wingdings" panose="05000000000000000000" pitchFamily="2" charset="2"/>
+              <a:buChar char="Ø"/>
+            </a:pPr>
+            <a:r>
+              <a:rPr lang="es-EC" dirty="0"/>
+              <a:t>Otros: portabilidad e integración de datos con </a:t>
+            </a:r>
+            <a:r>
+              <a:rPr lang="es-EC" dirty="0" err="1"/>
+              <a:t>gvSIG</a:t>
+            </a:r>
+            <a:r>
+              <a:rPr lang="es-EC" dirty="0"/>
+              <a:t> Desktop.</a:t>
+            </a:r>
+          </a:p>
+        </p:txBody>
+      </p:sp>
+      <p:sp>
+        <p:nvSpPr>
+          <p:cNvPr id="6" name="Rectángulo redondeado 5"/>
           <p:cNvSpPr/>
           <p:nvPr/>
         </p:nvSpPr>
@@ -6291,6 +6701,200 @@
             <a:pPr algn="ctr"/>
             <a:r>
               <a:rPr lang="es-EC" sz="2800" dirty="0" smtClean="0"/>
+              <a:t>FUNCIONALIDADES</a:t>
+            </a:r>
+            <a:endParaRPr lang="es-EC" sz="2800" dirty="0"/>
+          </a:p>
+        </p:txBody>
+      </p:sp>
+    </p:spTree>
+    <p:extLst>
+      <p:ext uri="{BB962C8B-B14F-4D97-AF65-F5344CB8AC3E}">
+        <p14:creationId xmlns:p14="http://schemas.microsoft.com/office/powerpoint/2010/main" val="996028922"/>
+      </p:ext>
+    </p:extLst>
+  </p:cSld>
+  <p:clrMapOvr>
+    <a:masterClrMapping/>
+  </p:clrMapOvr>
+  <p:timing>
+    <p:tnLst>
+      <p:par>
+        <p:cTn id="1" dur="indefinite" restart="never" nodeType="tmRoot"/>
+      </p:par>
+    </p:tnLst>
+  </p:timing>
+</p:sld>
+</file>
+
+<file path=ppt/slides/slide11.xml><?xml version="1.0" encoding="utf-8"?>
+<p:sld xmlns:a="http://schemas.openxmlformats.org/drawingml/2006/main" xmlns:r="http://schemas.openxmlformats.org/officeDocument/2006/relationships" xmlns:p="http://schemas.openxmlformats.org/presentationml/2006/main">
+  <p:cSld>
+    <p:spTree>
+      <p:nvGrpSpPr>
+        <p:cNvPr id="1" name=""/>
+        <p:cNvGrpSpPr/>
+        <p:nvPr/>
+      </p:nvGrpSpPr>
+      <p:grpSpPr>
+        <a:xfrm>
+          <a:off x="0" y="0"/>
+          <a:ext cx="0" cy="0"/>
+          <a:chOff x="0" y="0"/>
+          <a:chExt cx="0" cy="0"/>
+        </a:xfrm>
+      </p:grpSpPr>
+      <p:sp>
+        <p:nvSpPr>
+          <p:cNvPr id="3" name="Rectángulo 2"/>
+          <p:cNvSpPr/>
+          <p:nvPr/>
+        </p:nvSpPr>
+        <p:spPr>
+          <a:xfrm>
+            <a:off x="2504363" y="1654119"/>
+            <a:ext cx="7629099" cy="4524315"/>
+          </a:xfrm>
+          <a:prstGeom prst="rect">
+            <a:avLst/>
+          </a:prstGeom>
+        </p:spPr>
+        <p:txBody>
+          <a:bodyPr wrap="square">
+            <a:spAutoFit/>
+          </a:bodyPr>
+          <a:lstStyle/>
+          <a:p>
+            <a:r>
+              <a:rPr lang="es-EC" dirty="0" err="1"/>
+              <a:t>gvSIG</a:t>
+            </a:r>
+            <a:r>
+              <a:rPr lang="es-EC" dirty="0"/>
+              <a:t> Mobile se caracteriza por:</a:t>
+            </a:r>
+          </a:p>
+          <a:p>
+            <a:endParaRPr lang="es-EC" dirty="0"/>
+          </a:p>
+          <a:p>
+            <a:pPr marL="285750" indent="-285750">
+              <a:buFont typeface="Wingdings" panose="05000000000000000000" pitchFamily="2" charset="2"/>
+              <a:buChar char="Ø"/>
+            </a:pPr>
+            <a:r>
+              <a:rPr lang="es-EC" dirty="0"/>
+              <a:t>Integrar tanto datos locales como remotos a través de estándares OGC.</a:t>
+            </a:r>
+          </a:p>
+          <a:p>
+            <a:pPr marL="285750" indent="-285750">
+              <a:buFont typeface="Wingdings" panose="05000000000000000000" pitchFamily="2" charset="2"/>
+              <a:buChar char="Ø"/>
+            </a:pPr>
+            <a:r>
+              <a:rPr lang="es-EC" dirty="0"/>
+              <a:t>Está diseñado para ser fácilmente extensible, permitiendo una mejora continua de la aplicación, así como su uso para desarrollar soluciones a medida.</a:t>
+            </a:r>
+          </a:p>
+          <a:p>
+            <a:pPr marL="285750" indent="-285750">
+              <a:buFont typeface="Wingdings" panose="05000000000000000000" pitchFamily="2" charset="2"/>
+              <a:buChar char="Ø"/>
+            </a:pPr>
+            <a:r>
+              <a:rPr lang="es-EC" dirty="0"/>
+              <a:t>Es software libre, con licencia GNU/GPL, lo que permite su libre uso, distribución, estudio y mejora.</a:t>
+            </a:r>
+          </a:p>
+          <a:p>
+            <a:pPr marL="285750" indent="-285750">
+              <a:buFont typeface="Wingdings" panose="05000000000000000000" pitchFamily="2" charset="2"/>
+              <a:buChar char="Ø"/>
+            </a:pPr>
+            <a:r>
+              <a:rPr lang="es-EC" dirty="0"/>
+              <a:t>Está disponible en diversos idiomas: español, inglés, francés, alemán e italiano.</a:t>
+            </a:r>
+          </a:p>
+          <a:p>
+            <a:pPr marL="285750" indent="-285750">
+              <a:buFont typeface="Wingdings" panose="05000000000000000000" pitchFamily="2" charset="2"/>
+              <a:buChar char="Ø"/>
+            </a:pPr>
+            <a:r>
+              <a:rPr lang="es-EC" dirty="0"/>
+              <a:t>Está desarrollado con Java y está disponible para plataformas que soporten Java Micro </a:t>
+            </a:r>
+            <a:r>
+              <a:rPr lang="es-EC" dirty="0" err="1"/>
+              <a:t>Edition</a:t>
+            </a:r>
+            <a:r>
+              <a:rPr lang="es-EC" dirty="0"/>
+              <a:t> CDC 1.1. Actualmente funciona en las siguientes plataformas:</a:t>
+            </a:r>
+          </a:p>
+          <a:p>
+            <a:r>
+              <a:rPr lang="es-EC" dirty="0" smtClean="0"/>
+              <a:t>	Windows </a:t>
+            </a:r>
+            <a:r>
+              <a:rPr lang="es-EC" dirty="0"/>
+              <a:t>Mobile 5.0</a:t>
+            </a:r>
+          </a:p>
+          <a:p>
+            <a:r>
+              <a:rPr lang="es-EC" dirty="0" smtClean="0"/>
+              <a:t>	Windows </a:t>
+            </a:r>
+            <a:r>
+              <a:rPr lang="es-EC" dirty="0"/>
+              <a:t>Mobile 6.0</a:t>
+            </a:r>
+          </a:p>
+        </p:txBody>
+      </p:sp>
+      <p:sp>
+        <p:nvSpPr>
+          <p:cNvPr id="4" name="Rectángulo redondeado 3"/>
+          <p:cNvSpPr/>
+          <p:nvPr/>
+        </p:nvSpPr>
+        <p:spPr>
+          <a:xfrm>
+            <a:off x="-204717" y="477672"/>
+            <a:ext cx="5418161" cy="805218"/>
+          </a:xfrm>
+          <a:prstGeom prst="roundRect">
+            <a:avLst/>
+          </a:prstGeom>
+        </p:spPr>
+        <p:style>
+          <a:lnRef idx="2">
+            <a:schemeClr val="accent1">
+              <a:shade val="50000"/>
+            </a:schemeClr>
+          </a:lnRef>
+          <a:fillRef idx="1">
+            <a:schemeClr val="accent1"/>
+          </a:fillRef>
+          <a:effectRef idx="0">
+            <a:schemeClr val="accent1"/>
+          </a:effectRef>
+          <a:fontRef idx="minor">
+            <a:schemeClr val="lt1"/>
+          </a:fontRef>
+        </p:style>
+        <p:txBody>
+          <a:bodyPr rtlCol="0" anchor="ctr"/>
+          <a:lstStyle/>
+          <a:p>
+            <a:pPr algn="ctr"/>
+            <a:r>
+              <a:rPr lang="es-EC" sz="2800" dirty="0" smtClean="0"/>
               <a:t>CARACTERISTICAS</a:t>
             </a:r>
             <a:endParaRPr lang="es-EC" sz="2800" dirty="0"/>
@@ -6307,6 +6911,94 @@
   <p:clrMapOvr>
     <a:masterClrMapping/>
   </p:clrMapOvr>
+  <p:timing>
+    <p:tnLst>
+      <p:par>
+        <p:cTn id="1" dur="indefinite" restart="never" nodeType="tmRoot"/>
+      </p:par>
+    </p:tnLst>
+  </p:timing>
+</p:sld>
+</file>
+
+<file path=ppt/slides/slide12.xml><?xml version="1.0" encoding="utf-8"?>
+<p:sld xmlns:a="http://schemas.openxmlformats.org/drawingml/2006/main" xmlns:r="http://schemas.openxmlformats.org/officeDocument/2006/relationships" xmlns:p="http://schemas.openxmlformats.org/presentationml/2006/main">
+  <p:cSld>
+    <p:spTree>
+      <p:nvGrpSpPr>
+        <p:cNvPr id="1" name=""/>
+        <p:cNvGrpSpPr/>
+        <p:nvPr/>
+      </p:nvGrpSpPr>
+      <p:grpSpPr>
+        <a:xfrm>
+          <a:off x="0" y="0"/>
+          <a:ext cx="0" cy="0"/>
+          <a:chOff x="0" y="0"/>
+          <a:chExt cx="0" cy="0"/>
+        </a:xfrm>
+      </p:grpSpPr>
+      <p:sp>
+        <p:nvSpPr>
+          <p:cNvPr id="2" name="Rectángulo redondeado 1"/>
+          <p:cNvSpPr/>
+          <p:nvPr/>
+        </p:nvSpPr>
+        <p:spPr>
+          <a:xfrm>
+            <a:off x="-204717" y="477672"/>
+            <a:ext cx="6182436" cy="805218"/>
+          </a:xfrm>
+          <a:prstGeom prst="roundRect">
+            <a:avLst/>
+          </a:prstGeom>
+        </p:spPr>
+        <p:style>
+          <a:lnRef idx="2">
+            <a:schemeClr val="accent1">
+              <a:shade val="50000"/>
+            </a:schemeClr>
+          </a:lnRef>
+          <a:fillRef idx="1">
+            <a:schemeClr val="accent1"/>
+          </a:fillRef>
+          <a:effectRef idx="0">
+            <a:schemeClr val="accent1"/>
+          </a:effectRef>
+          <a:fontRef idx="minor">
+            <a:schemeClr val="lt1"/>
+          </a:fontRef>
+        </p:style>
+        <p:txBody>
+          <a:bodyPr rtlCol="0" anchor="ctr"/>
+          <a:lstStyle/>
+          <a:p>
+            <a:pPr algn="ctr"/>
+            <a:r>
+              <a:rPr lang="es-EC" sz="2800" dirty="0" smtClean="0"/>
+              <a:t>VENTAJAS Y DESVENTAJAS</a:t>
+            </a:r>
+            <a:endParaRPr lang="es-EC" sz="2800" dirty="0"/>
+          </a:p>
+        </p:txBody>
+      </p:sp>
+    </p:spTree>
+    <p:extLst>
+      <p:ext uri="{BB962C8B-B14F-4D97-AF65-F5344CB8AC3E}">
+        <p14:creationId xmlns:p14="http://schemas.microsoft.com/office/powerpoint/2010/main" val="3593423114"/>
+      </p:ext>
+    </p:extLst>
+  </p:cSld>
+  <p:clrMapOvr>
+    <a:masterClrMapping/>
+  </p:clrMapOvr>
+  <p:timing>
+    <p:tnLst>
+      <p:par>
+        <p:cTn id="1" dur="indefinite" restart="never" nodeType="tmRoot"/>
+      </p:par>
+    </p:tnLst>
+  </p:timing>
 </p:sld>
 </file>
 
@@ -6329,119 +7021,119 @@
       </p:grpSpPr>
       <p:sp>
         <p:nvSpPr>
-          <p:cNvPr id="3" name="Rectángulo 2"/>
-          <p:cNvSpPr/>
+          <p:cNvPr id="7" name="CuadroTexto 6"/>
+          <p:cNvSpPr txBox="1"/>
           <p:nvPr/>
         </p:nvSpPr>
         <p:spPr>
           <a:xfrm>
-            <a:off x="750628" y="1911403"/>
-            <a:ext cx="10645254" cy="3139321"/>
+            <a:off x="1555845" y="818866"/>
+            <a:ext cx="2589170" cy="584775"/>
           </a:xfrm>
           <a:prstGeom prst="rect">
             <a:avLst/>
           </a:prstGeom>
-        </p:spPr>
-        <p:txBody>
-          <a:bodyPr wrap="square">
+          <a:noFill/>
+        </p:spPr>
+        <p:txBody>
+          <a:bodyPr wrap="none" rtlCol="0">
             <a:spAutoFit/>
           </a:bodyPr>
           <a:lstStyle/>
           <a:p>
             <a:r>
-              <a:rPr lang="es-EC" dirty="0" err="1"/>
-              <a:t>gvSIG</a:t>
-            </a:r>
-            <a:r>
-              <a:rPr lang="es-EC" dirty="0"/>
-              <a:t> Desktop es un potente Sistema de Información Geográfica (SIG) libre diseñado para dar solución a todas las necesidades relacionadas con el manejo de información geográfica. Se caracteriza por ser una solución completa, fácil de usar y que se adapta a las necesidades de cualquier usuario de SIG. Es capaz de acceder a los formatos más comunes, tanto vectoriales como </a:t>
-            </a:r>
-            <a:r>
-              <a:rPr lang="es-EC" dirty="0" err="1"/>
-              <a:t>raster</a:t>
-            </a:r>
-            <a:r>
-              <a:rPr lang="es-EC" dirty="0"/>
-              <a:t>, tanto locales como remotos, integra estándares OGC, y cuenta con un amplio número de herramientas para trabajar con información de naturaleza geográfica (consulta, creación de mapas, </a:t>
-            </a:r>
-            <a:r>
-              <a:rPr lang="es-EC" dirty="0" err="1"/>
-              <a:t>geoprocesamiento</a:t>
-            </a:r>
-            <a:r>
-              <a:rPr lang="es-EC" dirty="0"/>
-              <a:t>, redes, etc.) que lo convierten en una herramienta ideal para usuarios que trabajen con la componente territorial.</a:t>
-            </a:r>
-          </a:p>
-          <a:p>
-            <a:endParaRPr lang="es-EC" dirty="0"/>
-          </a:p>
-          <a:p>
-            <a:r>
-              <a:rPr lang="es-EC" dirty="0" err="1"/>
-              <a:t>gvSIG</a:t>
-            </a:r>
-            <a:r>
-              <a:rPr lang="es-EC" dirty="0"/>
-              <a:t> es utilizado por una comunidad internacional creciente, en los más diversos sectores y aplicaciones.</a:t>
-            </a:r>
-          </a:p>
-        </p:txBody>
-      </p:sp>
-      <p:sp>
-        <p:nvSpPr>
-          <p:cNvPr id="4" name="Rectángulo redondeado 3"/>
-          <p:cNvSpPr/>
+              <a:rPr lang="es-EC" sz="3200" b="1" dirty="0" smtClean="0"/>
+              <a:t>CONTENIDO</a:t>
+            </a:r>
+            <a:endParaRPr lang="es-EC" sz="3200" b="1" dirty="0"/>
+          </a:p>
+        </p:txBody>
+      </p:sp>
+      <p:sp>
+        <p:nvSpPr>
+          <p:cNvPr id="8" name="CuadroTexto 7"/>
+          <p:cNvSpPr txBox="1"/>
           <p:nvPr/>
         </p:nvSpPr>
         <p:spPr>
           <a:xfrm>
-            <a:off x="-204717" y="477672"/>
-            <a:ext cx="5418161" cy="805218"/>
-          </a:xfrm>
-          <a:prstGeom prst="roundRect">
+            <a:off x="5431809" y="1746913"/>
+            <a:ext cx="6196084" cy="3323987"/>
+          </a:xfrm>
+          <a:prstGeom prst="rect">
             <a:avLst/>
           </a:prstGeom>
-        </p:spPr>
-        <p:style>
-          <a:lnRef idx="2">
-            <a:schemeClr val="accent1">
-              <a:shade val="50000"/>
-            </a:schemeClr>
-          </a:lnRef>
-          <a:fillRef idx="1">
-            <a:schemeClr val="accent1"/>
-          </a:fillRef>
-          <a:effectRef idx="0">
-            <a:schemeClr val="accent1"/>
-          </a:effectRef>
-          <a:fontRef idx="minor">
-            <a:schemeClr val="lt1"/>
-          </a:fontRef>
-        </p:style>
-        <p:txBody>
-          <a:bodyPr rtlCol="0" anchor="ctr"/>
+          <a:noFill/>
+        </p:spPr>
+        <p:txBody>
+          <a:bodyPr wrap="square" rtlCol="0">
+            <a:spAutoFit/>
+          </a:bodyPr>
           <a:lstStyle/>
           <a:p>
-            <a:pPr algn="ctr"/>
-            <a:r>
-              <a:rPr lang="es-EC" sz="2800" dirty="0" smtClean="0"/>
-              <a:t>¿QUÉ ES GVSIG?</a:t>
-            </a:r>
-            <a:endParaRPr lang="es-EC" sz="2800" dirty="0"/>
+            <a:r>
+              <a:rPr lang="es-EC" sz="2400" b="1" dirty="0" smtClean="0"/>
+              <a:t>GVSIG</a:t>
+            </a:r>
+          </a:p>
+          <a:p>
+            <a:r>
+              <a:rPr lang="es-EC" sz="2400" b="1" dirty="0" smtClean="0"/>
+              <a:t>CARACTERÍSTICAS</a:t>
+            </a:r>
+          </a:p>
+          <a:p>
+            <a:r>
+              <a:rPr lang="es-EC" sz="2400" b="1" dirty="0" smtClean="0"/>
+              <a:t>FUNCIONALIDADES</a:t>
+            </a:r>
+          </a:p>
+          <a:p>
+            <a:endParaRPr lang="es-EC" sz="2400" b="1" dirty="0" smtClean="0"/>
+          </a:p>
+          <a:p>
+            <a:endParaRPr lang="es-EC" sz="2400" b="1" dirty="0" smtClean="0"/>
+          </a:p>
+          <a:p>
+            <a:r>
+              <a:rPr lang="es-EC" sz="2400" b="1" dirty="0" smtClean="0"/>
+              <a:t>GVSIG MOBILE</a:t>
+            </a:r>
+          </a:p>
+          <a:p>
+            <a:r>
+              <a:rPr lang="es-EC" sz="2400" b="1" dirty="0" smtClean="0"/>
+              <a:t>CARACTERÍSTICAS</a:t>
+            </a:r>
+          </a:p>
+          <a:p>
+            <a:r>
+              <a:rPr lang="es-EC" sz="2400" b="1" dirty="0" smtClean="0"/>
+              <a:t>FUNCIONALIDADES</a:t>
+            </a:r>
+          </a:p>
+          <a:p>
+            <a:endParaRPr lang="es-EC" dirty="0"/>
           </a:p>
         </p:txBody>
       </p:sp>
     </p:spTree>
     <p:extLst>
       <p:ext uri="{BB962C8B-B14F-4D97-AF65-F5344CB8AC3E}">
-        <p14:creationId xmlns:p14="http://schemas.microsoft.com/office/powerpoint/2010/main" val="2666889777"/>
+        <p14:creationId xmlns:p14="http://schemas.microsoft.com/office/powerpoint/2010/main" val="829349785"/>
       </p:ext>
     </p:extLst>
   </p:cSld>
   <p:clrMapOvr>
     <a:masterClrMapping/>
   </p:clrMapOvr>
+  <p:timing>
+    <p:tnLst>
+      <p:par>
+        <p:cTn id="1" dur="indefinite" restart="never" nodeType="tmRoot"/>
+      </p:par>
+    </p:tnLst>
+  </p:timing>
 </p:sld>
 </file>
 
@@ -6470,8 +7162,8 @@
         </p:nvSpPr>
         <p:spPr>
           <a:xfrm>
-            <a:off x="1460310" y="782178"/>
-            <a:ext cx="9294125" cy="5632311"/>
+            <a:off x="750628" y="1911403"/>
+            <a:ext cx="10645254" cy="3139321"/>
           </a:xfrm>
           <a:prstGeom prst="rect">
             <a:avLst/>
@@ -6484,8 +7176,28 @@
           <a:lstStyle/>
           <a:p>
             <a:r>
+              <a:rPr lang="es-EC" dirty="0" err="1"/>
+              <a:t>gvSIG</a:t>
+            </a:r>
+            <a:r>
               <a:rPr lang="es-EC" dirty="0"/>
-              <a:t>Portable: funciona en distintas plataformas hardware / software, Linux, Windows y Mac OS. El lenguaje de programación es Java.</a:t>
+              <a:t> Desktop es un potente Sistema de Información Geográfica (SIG) libre diseñado para dar solución a todas las necesidades relacionadas con el manejo de información geográfica. Se caracteriza por ser una solución completa, fácil de usar y que se adapta a las necesidades de cualquier usuario de SIG. Es capaz de acceder a los formatos más comunes, tanto vectoriales como </a:t>
+            </a:r>
+            <a:r>
+              <a:rPr lang="es-EC" dirty="0" err="1"/>
+              <a:t>raster</a:t>
+            </a:r>
+            <a:r>
+              <a:rPr lang="es-EC" dirty="0"/>
+              <a:t>, tanto locales como remotos, integra estándares OGC, y cuenta con un amplio número de herramientas para trabajar con información de naturaleza geográfica (consulta, creación de mapas, </a:t>
+            </a:r>
+            <a:r>
+              <a:rPr lang="es-EC" dirty="0" err="1"/>
+              <a:t>geoprocesamiento</a:t>
+            </a:r>
+            <a:r>
+              <a:rPr lang="es-EC" dirty="0"/>
+              <a:t>, redes, etc.) que lo convierten en una herramienta ideal para usuarios que trabajen con la componente territorial.</a:t>
             </a:r>
           </a:p>
           <a:p>
@@ -6493,80 +7205,12 @@
           </a:p>
           <a:p>
             <a:r>
+              <a:rPr lang="es-EC" dirty="0" err="1"/>
+              <a:t>gvSIG</a:t>
+            </a:r>
+            <a:r>
               <a:rPr lang="es-EC" dirty="0"/>
-              <a:t>Modular: es ampliable con nuevas funcionalidades mediante el desarrollo de extensiones, permitiendo una mejora continua de la aplicación, así como el desarrollo de soluciones a medida.</a:t>
-            </a:r>
-          </a:p>
-          <a:p>
-            <a:endParaRPr lang="es-EC" dirty="0"/>
-          </a:p>
-          <a:p>
-            <a:r>
-              <a:rPr lang="es-EC" dirty="0"/>
-              <a:t>De código abierto: licencia GNU/GPL, lo que permite su libre uso, distribución, estudio y mejora.</a:t>
-            </a:r>
-          </a:p>
-          <a:p>
-            <a:endParaRPr lang="es-EC" dirty="0"/>
-          </a:p>
-          <a:p>
-            <a:r>
-              <a:rPr lang="es-EC" dirty="0"/>
-              <a:t>Interoperable con las soluciones ya implantadas: es capaz de acceder a los datos de otros programas privativos, como </a:t>
-            </a:r>
-            <a:r>
-              <a:rPr lang="es-EC" dirty="0" err="1"/>
-              <a:t>ArcView</a:t>
-            </a:r>
-            <a:r>
-              <a:rPr lang="es-EC" dirty="0"/>
-              <a:t>, AutoCAD o </a:t>
-            </a:r>
-            <a:r>
-              <a:rPr lang="es-EC" dirty="0" err="1"/>
-              <a:t>Microstation</a:t>
-            </a:r>
-            <a:r>
-              <a:rPr lang="es-EC" dirty="0"/>
-              <a:t> sin necesidad de cambiarlos de formato.</a:t>
-            </a:r>
-          </a:p>
-          <a:p>
-            <a:endParaRPr lang="es-EC" dirty="0"/>
-          </a:p>
-          <a:p>
-            <a:r>
-              <a:rPr lang="es-EC" dirty="0" err="1"/>
-              <a:t>Internacionalizable</a:t>
-            </a:r>
-            <a:r>
-              <a:rPr lang="es-EC" dirty="0"/>
-              <a:t> :está disponible en más de una veintena de idiomas (castellano, inglés, alemán, italiano,...) y permite la incorporación de nuevos idiomas con facilidad.</a:t>
-            </a:r>
-          </a:p>
-          <a:p>
-            <a:endParaRPr lang="es-EC" dirty="0"/>
-          </a:p>
-          <a:p>
-            <a:r>
-              <a:rPr lang="es-EC" dirty="0"/>
-              <a:t>Sujeto a estándares: sigue las directrices marcadas por el Open </a:t>
-            </a:r>
-            <a:r>
-              <a:rPr lang="es-EC" dirty="0" err="1"/>
-              <a:t>Geospatial</a:t>
-            </a:r>
-            <a:r>
-              <a:rPr lang="es-EC" dirty="0"/>
-              <a:t> </a:t>
-            </a:r>
-            <a:r>
-              <a:rPr lang="es-EC" dirty="0" err="1"/>
-              <a:t>Consortium</a:t>
-            </a:r>
-            <a:r>
-              <a:rPr lang="es-EC" dirty="0"/>
-              <a:t> (OGC).</a:t>
+              <a:t> es utilizado por una comunidad internacional creciente, en los más diversos sectores y aplicaciones.</a:t>
             </a:r>
           </a:p>
         </p:txBody>
@@ -6579,7 +7223,7 @@
         </p:nvSpPr>
         <p:spPr>
           <a:xfrm>
-            <a:off x="-313899" y="272956"/>
+            <a:off x="-204717" y="477672"/>
             <a:ext cx="5418161" cy="805218"/>
           </a:xfrm>
           <a:prstGeom prst="roundRect">
@@ -6609,7 +7253,7 @@
             <a:pPr algn="ctr"/>
             <a:r>
               <a:rPr lang="es-EC" sz="2800" dirty="0" smtClean="0"/>
-              <a:t>CARACTERISTICAS</a:t>
+              <a:t>¿QUÉ ES GVSIG?</a:t>
             </a:r>
             <a:endParaRPr lang="es-EC" sz="2800" dirty="0"/>
           </a:p>
@@ -6618,13 +7262,20 @@
     </p:spTree>
     <p:extLst>
       <p:ext uri="{BB962C8B-B14F-4D97-AF65-F5344CB8AC3E}">
-        <p14:creationId xmlns:p14="http://schemas.microsoft.com/office/powerpoint/2010/main" val="358036862"/>
+        <p14:creationId xmlns:p14="http://schemas.microsoft.com/office/powerpoint/2010/main" val="2666889777"/>
       </p:ext>
     </p:extLst>
   </p:cSld>
   <p:clrMapOvr>
     <a:masterClrMapping/>
   </p:clrMapOvr>
+  <p:timing>
+    <p:tnLst>
+      <p:par>
+        <p:cTn id="1" dur="indefinite" restart="never" nodeType="tmRoot"/>
+      </p:par>
+    </p:tnLst>
+  </p:timing>
 </p:sld>
 </file>
 
@@ -6653,6 +7304,240 @@
         </p:nvSpPr>
         <p:spPr>
           <a:xfrm>
+            <a:off x="900751" y="1191610"/>
+            <a:ext cx="10208525" cy="5355312"/>
+          </a:xfrm>
+          <a:prstGeom prst="rect">
+            <a:avLst/>
+          </a:prstGeom>
+        </p:spPr>
+        <p:txBody>
+          <a:bodyPr wrap="square">
+            <a:spAutoFit/>
+          </a:bodyPr>
+          <a:lstStyle/>
+          <a:p>
+            <a:pPr marL="285750" indent="-285750" algn="just">
+              <a:buFont typeface="Wingdings" panose="05000000000000000000" pitchFamily="2" charset="2"/>
+              <a:buChar char="Ø"/>
+            </a:pPr>
+            <a:r>
+              <a:rPr lang="es-EC" dirty="0"/>
+              <a:t>Portable: funciona en distintas plataformas hardware / software, Linux, Windows y Mac OS. El lenguaje de programación es Java.</a:t>
+            </a:r>
+          </a:p>
+          <a:p>
+            <a:pPr marL="285750" indent="-285750" algn="just">
+              <a:buFont typeface="Wingdings" panose="05000000000000000000" pitchFamily="2" charset="2"/>
+              <a:buChar char="Ø"/>
+            </a:pPr>
+            <a:endParaRPr lang="es-EC" dirty="0"/>
+          </a:p>
+          <a:p>
+            <a:pPr marL="285750" indent="-285750" algn="just">
+              <a:buFont typeface="Wingdings" panose="05000000000000000000" pitchFamily="2" charset="2"/>
+              <a:buChar char="Ø"/>
+            </a:pPr>
+            <a:r>
+              <a:rPr lang="es-EC" dirty="0"/>
+              <a:t>Modular: es ampliable con nuevas funcionalidades mediante el desarrollo de extensiones, permitiendo una mejora continua de la aplicación, así como el desarrollo de soluciones a medida.</a:t>
+            </a:r>
+          </a:p>
+          <a:p>
+            <a:pPr marL="285750" indent="-285750" algn="just">
+              <a:buFont typeface="Wingdings" panose="05000000000000000000" pitchFamily="2" charset="2"/>
+              <a:buChar char="Ø"/>
+            </a:pPr>
+            <a:endParaRPr lang="es-EC" dirty="0"/>
+          </a:p>
+          <a:p>
+            <a:pPr marL="285750" indent="-285750" algn="just">
+              <a:buFont typeface="Wingdings" panose="05000000000000000000" pitchFamily="2" charset="2"/>
+              <a:buChar char="Ø"/>
+            </a:pPr>
+            <a:r>
+              <a:rPr lang="es-EC" dirty="0"/>
+              <a:t>De código abierto: licencia GNU/GPL, lo que permite su libre uso, distribución, estudio y mejora.</a:t>
+            </a:r>
+          </a:p>
+          <a:p>
+            <a:pPr marL="285750" indent="-285750" algn="just">
+              <a:buFont typeface="Wingdings" panose="05000000000000000000" pitchFamily="2" charset="2"/>
+              <a:buChar char="Ø"/>
+            </a:pPr>
+            <a:endParaRPr lang="es-EC" dirty="0"/>
+          </a:p>
+          <a:p>
+            <a:pPr marL="285750" indent="-285750" algn="just">
+              <a:buFont typeface="Wingdings" panose="05000000000000000000" pitchFamily="2" charset="2"/>
+              <a:buChar char="Ø"/>
+            </a:pPr>
+            <a:r>
+              <a:rPr lang="es-EC" dirty="0"/>
+              <a:t>Interoperable con las soluciones ya implantadas: es capaz de acceder a los datos de otros programas privativos, como </a:t>
+            </a:r>
+            <a:r>
+              <a:rPr lang="es-EC" dirty="0" err="1"/>
+              <a:t>ArcView</a:t>
+            </a:r>
+            <a:r>
+              <a:rPr lang="es-EC" dirty="0"/>
+              <a:t>, AutoCAD o </a:t>
+            </a:r>
+            <a:r>
+              <a:rPr lang="es-EC" dirty="0" err="1"/>
+              <a:t>Microstation</a:t>
+            </a:r>
+            <a:r>
+              <a:rPr lang="es-EC" dirty="0"/>
+              <a:t> sin necesidad de cambiarlos de formato.</a:t>
+            </a:r>
+          </a:p>
+          <a:p>
+            <a:pPr marL="285750" indent="-285750" algn="just">
+              <a:buFont typeface="Wingdings" panose="05000000000000000000" pitchFamily="2" charset="2"/>
+              <a:buChar char="Ø"/>
+            </a:pPr>
+            <a:endParaRPr lang="es-EC" dirty="0"/>
+          </a:p>
+          <a:p>
+            <a:pPr marL="285750" indent="-285750" algn="just">
+              <a:buFont typeface="Wingdings" panose="05000000000000000000" pitchFamily="2" charset="2"/>
+              <a:buChar char="Ø"/>
+            </a:pPr>
+            <a:r>
+              <a:rPr lang="es-EC" dirty="0" err="1"/>
+              <a:t>Internacionalizable</a:t>
+            </a:r>
+            <a:r>
+              <a:rPr lang="es-EC" dirty="0"/>
+              <a:t> :está disponible en más de una veintena de idiomas (castellano, inglés, alemán, italiano,...) y permite la incorporación de nuevos idiomas con facilidad.</a:t>
+            </a:r>
+          </a:p>
+          <a:p>
+            <a:pPr marL="285750" indent="-285750" algn="just">
+              <a:buFont typeface="Wingdings" panose="05000000000000000000" pitchFamily="2" charset="2"/>
+              <a:buChar char="Ø"/>
+            </a:pPr>
+            <a:endParaRPr lang="es-EC" dirty="0"/>
+          </a:p>
+          <a:p>
+            <a:pPr marL="285750" indent="-285750" algn="just">
+              <a:buFont typeface="Wingdings" panose="05000000000000000000" pitchFamily="2" charset="2"/>
+              <a:buChar char="Ø"/>
+            </a:pPr>
+            <a:r>
+              <a:rPr lang="es-EC" dirty="0"/>
+              <a:t>Sujeto a estándares: sigue las directrices marcadas por el Open </a:t>
+            </a:r>
+            <a:r>
+              <a:rPr lang="es-EC" dirty="0" err="1"/>
+              <a:t>Geospatial</a:t>
+            </a:r>
+            <a:r>
+              <a:rPr lang="es-EC" dirty="0"/>
+              <a:t> </a:t>
+            </a:r>
+            <a:r>
+              <a:rPr lang="es-EC" dirty="0" err="1"/>
+              <a:t>Consortium</a:t>
+            </a:r>
+            <a:r>
+              <a:rPr lang="es-EC" dirty="0"/>
+              <a:t> (OGC).</a:t>
+            </a:r>
+          </a:p>
+        </p:txBody>
+      </p:sp>
+      <p:sp>
+        <p:nvSpPr>
+          <p:cNvPr id="4" name="Rectángulo redondeado 3"/>
+          <p:cNvSpPr/>
+          <p:nvPr/>
+        </p:nvSpPr>
+        <p:spPr>
+          <a:xfrm>
+            <a:off x="-409434" y="232012"/>
+            <a:ext cx="5418161" cy="805218"/>
+          </a:xfrm>
+          <a:prstGeom prst="roundRect">
+            <a:avLst/>
+          </a:prstGeom>
+        </p:spPr>
+        <p:style>
+          <a:lnRef idx="2">
+            <a:schemeClr val="accent1">
+              <a:shade val="50000"/>
+            </a:schemeClr>
+          </a:lnRef>
+          <a:fillRef idx="1">
+            <a:schemeClr val="accent1"/>
+          </a:fillRef>
+          <a:effectRef idx="0">
+            <a:schemeClr val="accent1"/>
+          </a:effectRef>
+          <a:fontRef idx="minor">
+            <a:schemeClr val="lt1"/>
+          </a:fontRef>
+        </p:style>
+        <p:txBody>
+          <a:bodyPr rtlCol="0" anchor="ctr"/>
+          <a:lstStyle/>
+          <a:p>
+            <a:pPr algn="ctr"/>
+            <a:r>
+              <a:rPr lang="es-EC" sz="2800" dirty="0" smtClean="0"/>
+              <a:t>CARACTERISTICAS</a:t>
+            </a:r>
+            <a:endParaRPr lang="es-EC" sz="2800" dirty="0"/>
+          </a:p>
+        </p:txBody>
+      </p:sp>
+    </p:spTree>
+    <p:extLst>
+      <p:ext uri="{BB962C8B-B14F-4D97-AF65-F5344CB8AC3E}">
+        <p14:creationId xmlns:p14="http://schemas.microsoft.com/office/powerpoint/2010/main" val="358036862"/>
+      </p:ext>
+    </p:extLst>
+  </p:cSld>
+  <p:clrMapOvr>
+    <a:masterClrMapping/>
+  </p:clrMapOvr>
+  <p:timing>
+    <p:tnLst>
+      <p:par>
+        <p:cTn id="1" dur="indefinite" restart="never" nodeType="tmRoot"/>
+      </p:par>
+    </p:tnLst>
+  </p:timing>
+</p:sld>
+</file>
+
+<file path=ppt/slides/slide5.xml><?xml version="1.0" encoding="utf-8"?>
+<p:sld xmlns:a="http://schemas.openxmlformats.org/drawingml/2006/main" xmlns:r="http://schemas.openxmlformats.org/officeDocument/2006/relationships" xmlns:p="http://schemas.openxmlformats.org/presentationml/2006/main">
+  <p:cSld>
+    <p:spTree>
+      <p:nvGrpSpPr>
+        <p:cNvPr id="1" name=""/>
+        <p:cNvGrpSpPr/>
+        <p:nvPr/>
+      </p:nvGrpSpPr>
+      <p:grpSpPr>
+        <a:xfrm>
+          <a:off x="0" y="0"/>
+          <a:ext cx="0" cy="0"/>
+          <a:chOff x="0" y="0"/>
+          <a:chExt cx="0" cy="0"/>
+        </a:xfrm>
+      </p:grpSpPr>
+      <p:sp>
+        <p:nvSpPr>
+          <p:cNvPr id="3" name="Rectángulo 2"/>
+          <p:cNvSpPr/>
+          <p:nvPr/>
+        </p:nvSpPr>
+        <p:spPr>
+          <a:xfrm>
             <a:off x="3048000" y="2828836"/>
             <a:ext cx="6096000" cy="369332"/>
           </a:xfrm>
@@ -6678,7 +7563,7 @@
         </p:nvSpPr>
         <p:spPr>
           <a:xfrm>
-            <a:off x="891654" y="1275013"/>
+            <a:off x="783046" y="1426382"/>
             <a:ext cx="9144000" cy="646331"/>
           </a:xfrm>
           <a:prstGeom prst="rect">
@@ -6715,7 +7600,7 @@
         <p:spPr>
           <a:xfrm>
             <a:off x="5312954" y="2840168"/>
-            <a:ext cx="6096000" cy="2031325"/>
+            <a:ext cx="6096000" cy="2123658"/>
           </a:xfrm>
           <a:prstGeom prst="rect">
             <a:avLst/>
@@ -6727,9 +7612,14 @@
           </a:bodyPr>
           <a:lstStyle/>
           <a:p>
+            <a:pPr algn="just"/>
+            <a:r>
+              <a:rPr lang="es-EC" sz="2400" b="1" dirty="0"/>
+              <a:t>Vectorial: </a:t>
+            </a:r>
             <a:r>
               <a:rPr lang="es-EC" dirty="0"/>
-              <a:t>Vectorial: Acceso a formatos vectoriales, acceso a bases de datos, navegación, consulta, selección, análisis y </a:t>
+              <a:t>Acceso a formatos vectoriales, acceso a bases de datos, navegación, consulta, selección, análisis y </a:t>
             </a:r>
             <a:r>
               <a:rPr lang="es-EC" dirty="0" err="1"/>
@@ -6737,7 +7627,15 @@
             </a:r>
             <a:r>
               <a:rPr lang="es-EC" dirty="0"/>
-              <a:t>, edición gráfica y alfanumérica, simbología, etiquetado, diseñador de planos, conversión de datos a otros formatos y sistemas de proyección, relaciones entre tablas, estadísticas, normalización,...</a:t>
+              <a:t>, edición gráfica y alfanumérica, simbología, etiquetado, diseñador de planos, conversión de datos a otros formatos y sistemas de proyección, relaciones entre tablas, estadísticas, </a:t>
+            </a:r>
+            <a:r>
+              <a:rPr lang="es-EC" dirty="0" smtClean="0"/>
+              <a:t>normalización</a:t>
+            </a:r>
+            <a:r>
+              <a:rPr lang="es-EC" dirty="0"/>
+              <a:t>.</a:t>
             </a:r>
           </a:p>
         </p:txBody>
@@ -6831,141 +7729,6 @@
     <p:extLst>
       <p:ext uri="{BB962C8B-B14F-4D97-AF65-F5344CB8AC3E}">
         <p14:creationId xmlns:p14="http://schemas.microsoft.com/office/powerpoint/2010/main" val="2618602413"/>
-      </p:ext>
-    </p:extLst>
-  </p:cSld>
-  <p:clrMapOvr>
-    <a:masterClrMapping/>
-  </p:clrMapOvr>
-</p:sld>
-</file>
-
-<file path=ppt/slides/slide5.xml><?xml version="1.0" encoding="utf-8"?>
-<p:sld xmlns:a="http://schemas.openxmlformats.org/drawingml/2006/main" xmlns:r="http://schemas.openxmlformats.org/officeDocument/2006/relationships" xmlns:p="http://schemas.openxmlformats.org/presentationml/2006/main">
-  <p:cSld>
-    <p:spTree>
-      <p:nvGrpSpPr>
-        <p:cNvPr id="1" name=""/>
-        <p:cNvGrpSpPr/>
-        <p:nvPr/>
-      </p:nvGrpSpPr>
-      <p:grpSpPr>
-        <a:xfrm>
-          <a:off x="0" y="0"/>
-          <a:ext cx="0" cy="0"/>
-          <a:chOff x="0" y="0"/>
-          <a:chExt cx="0" cy="0"/>
-        </a:xfrm>
-      </p:grpSpPr>
-      <p:sp>
-        <p:nvSpPr>
-          <p:cNvPr id="3" name="Rectángulo 2"/>
-          <p:cNvSpPr/>
-          <p:nvPr/>
-        </p:nvSpPr>
-        <p:spPr>
-          <a:xfrm>
-            <a:off x="5627427" y="2023113"/>
-            <a:ext cx="6096000" cy="3139321"/>
-          </a:xfrm>
-          <a:prstGeom prst="rect">
-            <a:avLst/>
-          </a:prstGeom>
-        </p:spPr>
-        <p:txBody>
-          <a:bodyPr>
-            <a:spAutoFit/>
-          </a:bodyPr>
-          <a:lstStyle/>
-          <a:p>
-            <a:r>
-              <a:rPr lang="es-EC" dirty="0" err="1"/>
-              <a:t>Ráster</a:t>
-            </a:r>
-            <a:r>
-              <a:rPr lang="es-EC" dirty="0"/>
-              <a:t> y teledetección: acceso a formatos </a:t>
-            </a:r>
-            <a:r>
-              <a:rPr lang="es-EC" dirty="0" err="1"/>
-              <a:t>raster</a:t>
-            </a:r>
-            <a:r>
-              <a:rPr lang="es-EC" dirty="0"/>
-              <a:t>, tabla de color y gradientes, recorte de datos y bandas, exportación de capas, procesamiento por píxel, tratamiento de interpretación de color, generación de pirámides, realces radiométricos, histogramas, geolocalización, </a:t>
-            </a:r>
-            <a:r>
-              <a:rPr lang="es-EC" dirty="0" err="1"/>
-              <a:t>reproyección</a:t>
-            </a:r>
-            <a:r>
-              <a:rPr lang="es-EC" dirty="0"/>
-              <a:t> de </a:t>
-            </a:r>
-            <a:r>
-              <a:rPr lang="es-EC" dirty="0" err="1"/>
-              <a:t>raster</a:t>
-            </a:r>
-            <a:r>
-              <a:rPr lang="es-EC" dirty="0"/>
-              <a:t>, georreferenciación, </a:t>
-            </a:r>
-            <a:r>
-              <a:rPr lang="es-EC" dirty="0" err="1"/>
-              <a:t>vectorización</a:t>
-            </a:r>
-            <a:r>
-              <a:rPr lang="es-EC" dirty="0"/>
-              <a:t> automática, álgebra de bandas, definición de áreas de interés, clasificación supervisada y no supervisada, árboles de decisión, fusión de imágenes, mosaicos, diagramas de dispersión,...</a:t>
-            </a:r>
-          </a:p>
-        </p:txBody>
-      </p:sp>
-      <p:pic>
-        <p:nvPicPr>
-          <p:cNvPr id="2050" name="Picture 2" descr="gvSIG Desktop_raster 01_mini"/>
-          <p:cNvPicPr>
-            <a:picLocks noChangeAspect="1" noChangeArrowheads="1"/>
-          </p:cNvPicPr>
-          <p:nvPr/>
-        </p:nvPicPr>
-        <p:blipFill>
-          <a:blip r:embed="rId2">
-            <a:extLst>
-              <a:ext uri="{28A0092B-C50C-407E-A947-70E740481C1C}">
-                <a14:useLocalDpi xmlns:a14="http://schemas.microsoft.com/office/drawing/2010/main" val="0"/>
-              </a:ext>
-            </a:extLst>
-          </a:blip>
-          <a:srcRect/>
-          <a:stretch>
-            <a:fillRect/>
-          </a:stretch>
-        </p:blipFill>
-        <p:spPr bwMode="auto">
-          <a:xfrm>
-            <a:off x="865259" y="2291034"/>
-            <a:ext cx="4034288" cy="2603478"/>
-          </a:xfrm>
-          <a:prstGeom prst="rect">
-            <a:avLst/>
-          </a:prstGeom>
-          <a:noFill/>
-          <a:extLst>
-            <a:ext uri="{909E8E84-426E-40DD-AFC4-6F175D3DCCD1}">
-              <a14:hiddenFill xmlns:a14="http://schemas.microsoft.com/office/drawing/2010/main">
-                <a:solidFill>
-                  <a:srgbClr val="FFFFFF"/>
-                </a:solidFill>
-              </a14:hiddenFill>
-            </a:ext>
-          </a:extLst>
-        </p:spPr>
-      </p:pic>
-    </p:spTree>
-    <p:extLst>
-      <p:ext uri="{BB962C8B-B14F-4D97-AF65-F5344CB8AC3E}">
-        <p14:creationId xmlns:p14="http://schemas.microsoft.com/office/powerpoint/2010/main" val="1856970225"/>
       </p:ext>
     </p:extLst>
   </p:cSld>
@@ -7007,8 +7770,8 @@
         </p:nvSpPr>
         <p:spPr>
           <a:xfrm>
-            <a:off x="4699376" y="1292198"/>
-            <a:ext cx="6478139" cy="2031325"/>
+            <a:off x="5186149" y="2023113"/>
+            <a:ext cx="6537278" cy="2893100"/>
           </a:xfrm>
           <a:prstGeom prst="rect">
             <a:avLst/>
@@ -7020,9 +7783,169 @@
           </a:bodyPr>
           <a:lstStyle/>
           <a:p>
+            <a:pPr algn="just"/>
+            <a:r>
+              <a:rPr lang="es-EC" sz="2000" b="1" dirty="0" err="1"/>
+              <a:t>Ráster</a:t>
+            </a:r>
+            <a:r>
+              <a:rPr lang="es-EC" sz="2000" b="1" dirty="0"/>
+              <a:t> y teledetección: </a:t>
+            </a:r>
             <a:r>
               <a:rPr lang="es-EC" dirty="0"/>
-              <a:t>Infraestructuras de Datos Espaciales y estándares: acceso a servicios remotos mediante estándares OGC (WMS, WFS, WFS-T, WCS), acceso mediante servicios no estándar (</a:t>
+              <a:t>acceso a formatos </a:t>
+            </a:r>
+            <a:r>
+              <a:rPr lang="es-EC" dirty="0" err="1"/>
+              <a:t>raster</a:t>
+            </a:r>
+            <a:r>
+              <a:rPr lang="es-EC" dirty="0"/>
+              <a:t>, tabla de color y gradientes, recorte de datos y bandas, exportación de capas, procesamiento por píxel, tratamiento de interpretación de color, generación de pirámides, realces radiométricos, histogramas, geolocalización, </a:t>
+            </a:r>
+            <a:r>
+              <a:rPr lang="es-EC" dirty="0" err="1"/>
+              <a:t>reproyección</a:t>
+            </a:r>
+            <a:r>
+              <a:rPr lang="es-EC" dirty="0"/>
+              <a:t> de </a:t>
+            </a:r>
+            <a:r>
+              <a:rPr lang="es-EC" dirty="0" err="1"/>
+              <a:t>raster</a:t>
+            </a:r>
+            <a:r>
+              <a:rPr lang="es-EC" dirty="0"/>
+              <a:t>, georreferenciación, </a:t>
+            </a:r>
+            <a:r>
+              <a:rPr lang="es-EC" dirty="0" err="1"/>
+              <a:t>vectorización</a:t>
+            </a:r>
+            <a:r>
+              <a:rPr lang="es-EC" dirty="0"/>
+              <a:t> automática, álgebra de bandas, definición de áreas de interés, clasificación supervisada y no supervisada, árboles de decisión, fusión de imágenes, mosaicos, diagramas de </a:t>
+            </a:r>
+            <a:r>
+              <a:rPr lang="es-EC" dirty="0" smtClean="0"/>
+              <a:t>dispersión</a:t>
+            </a:r>
+            <a:r>
+              <a:rPr lang="es-EC" dirty="0"/>
+              <a:t>.</a:t>
+            </a:r>
+          </a:p>
+        </p:txBody>
+      </p:sp>
+      <p:pic>
+        <p:nvPicPr>
+          <p:cNvPr id="2050" name="Picture 2" descr="gvSIG Desktop_raster 01_mini"/>
+          <p:cNvPicPr>
+            <a:picLocks noChangeAspect="1" noChangeArrowheads="1"/>
+          </p:cNvPicPr>
+          <p:nvPr/>
+        </p:nvPicPr>
+        <p:blipFill>
+          <a:blip r:embed="rId2">
+            <a:extLst>
+              <a:ext uri="{28A0092B-C50C-407E-A947-70E740481C1C}">
+                <a14:useLocalDpi xmlns:a14="http://schemas.microsoft.com/office/drawing/2010/main" val="0"/>
+              </a:ext>
+            </a:extLst>
+          </a:blip>
+          <a:srcRect/>
+          <a:stretch>
+            <a:fillRect/>
+          </a:stretch>
+        </p:blipFill>
+        <p:spPr bwMode="auto">
+          <a:xfrm>
+            <a:off x="851612" y="2167924"/>
+            <a:ext cx="4034288" cy="2603478"/>
+          </a:xfrm>
+          <a:prstGeom prst="rect">
+            <a:avLst/>
+          </a:prstGeom>
+          <a:noFill/>
+          <a:extLst>
+            <a:ext uri="{909E8E84-426E-40DD-AFC4-6F175D3DCCD1}">
+              <a14:hiddenFill xmlns:a14="http://schemas.microsoft.com/office/drawing/2010/main">
+                <a:solidFill>
+                  <a:srgbClr val="FFFFFF"/>
+                </a:solidFill>
+              </a14:hiddenFill>
+            </a:ext>
+          </a:extLst>
+        </p:spPr>
+      </p:pic>
+    </p:spTree>
+    <p:extLst>
+      <p:ext uri="{BB962C8B-B14F-4D97-AF65-F5344CB8AC3E}">
+        <p14:creationId xmlns:p14="http://schemas.microsoft.com/office/powerpoint/2010/main" val="1856970225"/>
+      </p:ext>
+    </p:extLst>
+  </p:cSld>
+  <p:clrMapOvr>
+    <a:masterClrMapping/>
+  </p:clrMapOvr>
+  <p:timing>
+    <p:tnLst>
+      <p:par>
+        <p:cTn id="1" dur="indefinite" restart="never" nodeType="tmRoot"/>
+      </p:par>
+    </p:tnLst>
+  </p:timing>
+</p:sld>
+</file>
+
+<file path=ppt/slides/slide7.xml><?xml version="1.0" encoding="utf-8"?>
+<p:sld xmlns:a="http://schemas.openxmlformats.org/drawingml/2006/main" xmlns:r="http://schemas.openxmlformats.org/officeDocument/2006/relationships" xmlns:p="http://schemas.openxmlformats.org/presentationml/2006/main">
+  <p:cSld>
+    <p:spTree>
+      <p:nvGrpSpPr>
+        <p:cNvPr id="1" name=""/>
+        <p:cNvGrpSpPr/>
+        <p:nvPr/>
+      </p:nvGrpSpPr>
+      <p:grpSpPr>
+        <a:xfrm>
+          <a:off x="0" y="0"/>
+          <a:ext cx="0" cy="0"/>
+          <a:chOff x="0" y="0"/>
+          <a:chExt cx="0" cy="0"/>
+        </a:xfrm>
+      </p:grpSpPr>
+      <p:sp>
+        <p:nvSpPr>
+          <p:cNvPr id="3" name="Rectángulo 2"/>
+          <p:cNvSpPr/>
+          <p:nvPr/>
+        </p:nvSpPr>
+        <p:spPr>
+          <a:xfrm>
+            <a:off x="4699376" y="1292198"/>
+            <a:ext cx="6478139" cy="2062103"/>
+          </a:xfrm>
+          <a:prstGeom prst="rect">
+            <a:avLst/>
+          </a:prstGeom>
+        </p:spPr>
+        <p:txBody>
+          <a:bodyPr wrap="square">
+            <a:spAutoFit/>
+          </a:bodyPr>
+          <a:lstStyle/>
+          <a:p>
+            <a:pPr algn="just"/>
+            <a:r>
+              <a:rPr lang="es-EC" sz="2000" b="1" dirty="0"/>
+              <a:t>Infraestructuras de Datos Espaciales y estándares: </a:t>
+            </a:r>
+            <a:r>
+              <a:rPr lang="es-EC" dirty="0"/>
+              <a:t>acceso a servicios remotos mediante estándares OGC (WMS, WFS, WFS-T, WCS), acceso mediante servicios no estándar (</a:t>
             </a:r>
             <a:r>
               <a:rPr lang="es-EC" dirty="0" err="1"/>
@@ -7092,22 +8015,35 @@
         </p:nvSpPr>
         <p:spPr>
           <a:xfrm>
-            <a:off x="1141700" y="4166316"/>
-            <a:ext cx="6096000" cy="1200329"/>
+            <a:off x="1005222" y="4260366"/>
+            <a:ext cx="5477464" cy="1231106"/>
           </a:xfrm>
           <a:prstGeom prst="rect">
             <a:avLst/>
           </a:prstGeom>
         </p:spPr>
         <p:txBody>
-          <a:bodyPr>
+          <a:bodyPr wrap="square">
             <a:spAutoFit/>
           </a:bodyPr>
           <a:lstStyle/>
           <a:p>
+            <a:pPr algn="just"/>
+            <a:r>
+              <a:rPr lang="es-EC" sz="2000" b="1" dirty="0"/>
+              <a:t>Redes: </a:t>
+            </a:r>
             <a:r>
               <a:rPr lang="es-EC" dirty="0"/>
-              <a:t>Redes: topología de red, gestión de paradas, camino mínimo, área de servicio, evento más cercano, matriz orígenes-destino, árbol de recubrimiento mínimo, conectividad,...</a:t>
+              <a:t>topología de red, gestión de paradas, camino mínimo, área de servicio, evento más cercano, matriz orígenes-destino, árbol de recubrimiento mínimo, </a:t>
+            </a:r>
+            <a:r>
+              <a:rPr lang="es-EC" dirty="0" smtClean="0"/>
+              <a:t>conectividad</a:t>
+            </a:r>
+            <a:r>
+              <a:rPr lang="es-EC" dirty="0"/>
+              <a:t>.</a:t>
             </a:r>
           </a:p>
         </p:txBody>
@@ -7163,10 +8099,17 @@
   <p:clrMapOvr>
     <a:masterClrMapping/>
   </p:clrMapOvr>
+  <p:timing>
+    <p:tnLst>
+      <p:par>
+        <p:cTn id="1" dur="indefinite" restart="never" nodeType="tmRoot"/>
+      </p:par>
+    </p:tnLst>
+  </p:timing>
 </p:sld>
 </file>
 
-<file path=ppt/slides/slide7.xml><?xml version="1.0" encoding="utf-8"?>
+<file path=ppt/slides/slide8.xml><?xml version="1.0" encoding="utf-8"?>
 <p:sld xmlns:a="http://schemas.openxmlformats.org/drawingml/2006/main" xmlns:r="http://schemas.openxmlformats.org/officeDocument/2006/relationships" xmlns:p="http://schemas.openxmlformats.org/presentationml/2006/main">
   <p:cSld>
     <p:spTree>
@@ -7192,7 +8135,7 @@
         <p:spPr>
           <a:xfrm>
             <a:off x="1055427" y="1666249"/>
-            <a:ext cx="6096000" cy="3416320"/>
+            <a:ext cx="6096000" cy="3570208"/>
           </a:xfrm>
           <a:prstGeom prst="rect">
             <a:avLst/>
@@ -7204,9 +8147,14 @@
           </a:bodyPr>
           <a:lstStyle/>
           <a:p>
+            <a:pPr algn="just"/>
+            <a:r>
+              <a:rPr lang="es-EC" sz="2800" b="1" dirty="0" smtClean="0"/>
+              <a:t>3D: </a:t>
+            </a:r>
             <a:r>
               <a:rPr lang="es-EC" dirty="0" smtClean="0"/>
-              <a:t>3D: Vista 3D plana, vista 3D esférica , soporte de todos los formatos y </a:t>
+              <a:t>Vista 3D plana, vista 3D esférica , soporte de todos los formatos y </a:t>
             </a:r>
             <a:r>
               <a:rPr lang="es-EC" dirty="0"/>
@@ -7257,9 +8205,10 @@
               <a:t>gazeeteer</a:t>
             </a:r>
             <a:r>
-              <a:rPr lang="es-EC" dirty="0"/>
-              <a:t>),...</a:t>
-            </a:r>
+              <a:rPr lang="es-EC" dirty="0" smtClean="0"/>
+              <a:t>)</a:t>
+            </a:r>
+            <a:endParaRPr lang="es-EC" dirty="0"/>
           </a:p>
         </p:txBody>
       </p:sp>
@@ -7308,151 +8257,6 @@
     <p:extLst>
       <p:ext uri="{BB962C8B-B14F-4D97-AF65-F5344CB8AC3E}">
         <p14:creationId xmlns:p14="http://schemas.microsoft.com/office/powerpoint/2010/main" val="3728847864"/>
-      </p:ext>
-    </p:extLst>
-  </p:cSld>
-  <p:clrMapOvr>
-    <a:masterClrMapping/>
-  </p:clrMapOvr>
-</p:sld>
-</file>
-
-<file path=ppt/slides/slide8.xml><?xml version="1.0" encoding="utf-8"?>
-<p:sld xmlns:a="http://schemas.openxmlformats.org/drawingml/2006/main" xmlns:r="http://schemas.openxmlformats.org/officeDocument/2006/relationships" xmlns:p="http://schemas.openxmlformats.org/presentationml/2006/main">
-  <p:cSld>
-    <p:spTree>
-      <p:nvGrpSpPr>
-        <p:cNvPr id="1" name=""/>
-        <p:cNvGrpSpPr/>
-        <p:nvPr/>
-      </p:nvGrpSpPr>
-      <p:grpSpPr>
-        <a:xfrm>
-          <a:off x="0" y="0"/>
-          <a:ext cx="0" cy="0"/>
-          <a:chOff x="0" y="0"/>
-          <a:chExt cx="0" cy="0"/>
-        </a:xfrm>
-      </p:grpSpPr>
-      <p:sp>
-        <p:nvSpPr>
-          <p:cNvPr id="2" name="Rectángulo redondeado 1"/>
-          <p:cNvSpPr/>
-          <p:nvPr/>
-        </p:nvSpPr>
-        <p:spPr>
-          <a:xfrm>
-            <a:off x="-204717" y="477672"/>
-            <a:ext cx="5418161" cy="805218"/>
-          </a:xfrm>
-          <a:prstGeom prst="roundRect">
-            <a:avLst/>
-          </a:prstGeom>
-        </p:spPr>
-        <p:style>
-          <a:lnRef idx="2">
-            <a:schemeClr val="accent1">
-              <a:shade val="50000"/>
-            </a:schemeClr>
-          </a:lnRef>
-          <a:fillRef idx="1">
-            <a:schemeClr val="accent1"/>
-          </a:fillRef>
-          <a:effectRef idx="0">
-            <a:schemeClr val="accent1"/>
-          </a:effectRef>
-          <a:fontRef idx="minor">
-            <a:schemeClr val="lt1"/>
-          </a:fontRef>
-        </p:style>
-        <p:txBody>
-          <a:bodyPr rtlCol="0" anchor="ctr"/>
-          <a:lstStyle/>
-          <a:p>
-            <a:pPr algn="ctr"/>
-            <a:r>
-              <a:rPr lang="es-EC" sz="2800" dirty="0" smtClean="0"/>
-              <a:t>¿QUÉ ES GVSIG MOBILE?</a:t>
-            </a:r>
-            <a:endParaRPr lang="es-EC" sz="2800" dirty="0"/>
-          </a:p>
-        </p:txBody>
-      </p:sp>
-      <p:sp>
-        <p:nvSpPr>
-          <p:cNvPr id="4" name="Rectángulo 3"/>
-          <p:cNvSpPr/>
-          <p:nvPr/>
-        </p:nvSpPr>
-        <p:spPr>
-          <a:xfrm>
-            <a:off x="1269243" y="1538870"/>
-            <a:ext cx="9744500" cy="3970318"/>
-          </a:xfrm>
-          <a:prstGeom prst="rect">
-            <a:avLst/>
-          </a:prstGeom>
-        </p:spPr>
-        <p:txBody>
-          <a:bodyPr wrap="square">
-            <a:spAutoFit/>
-          </a:bodyPr>
-          <a:lstStyle/>
-          <a:p>
-            <a:pPr algn="just"/>
-            <a:r>
-              <a:rPr lang="es-EC" dirty="0" err="1"/>
-              <a:t>gvSIG</a:t>
-            </a:r>
-            <a:r>
-              <a:rPr lang="es-EC" dirty="0"/>
-              <a:t> Mobile es un Sistema de Información Geográfica (SIG) orientado a dispositivos móviles, ideal para proyectos de captura y actualización de datos en campo. Se caracteriza por disponer de una interfaz amigable, siendo capaz de acceder a los formatos más comunes y cuenta con un amplio número de herramientas SIG y GPS ideales para trabajar con información de naturaleza geográfica.</a:t>
-            </a:r>
-          </a:p>
-          <a:p>
-            <a:pPr algn="just"/>
-            <a:endParaRPr lang="es-EC" dirty="0"/>
-          </a:p>
-          <a:p>
-            <a:pPr algn="just"/>
-            <a:r>
-              <a:rPr lang="es-EC" dirty="0" err="1"/>
-              <a:t>gvSIG</a:t>
-            </a:r>
-            <a:r>
-              <a:rPr lang="es-EC" dirty="0"/>
-              <a:t> Mobile tiene como objetivo ampliar las plataformas de ejecución de </a:t>
-            </a:r>
-            <a:r>
-              <a:rPr lang="es-EC" dirty="0" err="1"/>
-              <a:t>gvSIG</a:t>
-            </a:r>
-            <a:r>
-              <a:rPr lang="es-EC" dirty="0"/>
-              <a:t> Desktop a una gama de dispositivos móviles, para dar respuesta a las necesidades de un creciente número de usuarios de soluciones móviles que desean hacer uso de un SIG en diferentes tipos de dispositivos.</a:t>
-            </a:r>
-          </a:p>
-          <a:p>
-            <a:pPr algn="just"/>
-            <a:endParaRPr lang="es-EC" dirty="0"/>
-          </a:p>
-          <a:p>
-            <a:pPr algn="just"/>
-            <a:r>
-              <a:rPr lang="es-EC" dirty="0" err="1"/>
-              <a:t>gvSIG</a:t>
-            </a:r>
-            <a:r>
-              <a:rPr lang="es-EC" dirty="0"/>
-              <a:t> Mobile es tanto un Sistema de Información Geográfica como un cliente de Infraestructuras de Datos Espaciales para dispositivos móviles. Es, además, el primer cliente de estas características licenciado como software libre.</a:t>
-            </a:r>
-          </a:p>
-        </p:txBody>
-      </p:sp>
-    </p:spTree>
-    <p:extLst>
-      <p:ext uri="{BB962C8B-B14F-4D97-AF65-F5344CB8AC3E}">
-        <p14:creationId xmlns:p14="http://schemas.microsoft.com/office/powerpoint/2010/main" val="3415885017"/>
       </p:ext>
     </p:extLst>
   </p:cSld>
@@ -7488,172 +8292,7 @@
       </p:grpSpPr>
       <p:sp>
         <p:nvSpPr>
-          <p:cNvPr id="4" name="Rectángulo 3"/>
-          <p:cNvSpPr/>
-          <p:nvPr/>
-        </p:nvSpPr>
-        <p:spPr>
-          <a:xfrm>
-            <a:off x="968991" y="1117308"/>
-            <a:ext cx="10085696" cy="5078313"/>
-          </a:xfrm>
-          <a:prstGeom prst="rect">
-            <a:avLst/>
-          </a:prstGeom>
-        </p:spPr>
-        <p:txBody>
-          <a:bodyPr wrap="square">
-            <a:spAutoFit/>
-          </a:bodyPr>
-          <a:lstStyle/>
-          <a:p>
-            <a:r>
-              <a:rPr lang="es-EC" dirty="0"/>
-              <a:t>En </a:t>
-            </a:r>
-            <a:r>
-              <a:rPr lang="es-EC" dirty="0" err="1"/>
-              <a:t>gvSIG</a:t>
-            </a:r>
-            <a:r>
-              <a:rPr lang="es-EC" dirty="0"/>
-              <a:t> Mobile encontramos las herramientas propias de un completo cliente SIG para dispositivos móviles, entre otras:</a:t>
-            </a:r>
-          </a:p>
-          <a:p>
-            <a:endParaRPr lang="es-EC" dirty="0"/>
-          </a:p>
-          <a:p>
-            <a:r>
-              <a:rPr lang="es-EC" dirty="0"/>
-              <a:t>Acceso a formatos vectoriales: SHP, GML, KML, GPX.</a:t>
-            </a:r>
-          </a:p>
-          <a:p>
-            <a:r>
-              <a:rPr lang="es-EC" dirty="0"/>
-              <a:t>Acceso a formatos </a:t>
-            </a:r>
-            <a:r>
-              <a:rPr lang="es-EC" dirty="0" err="1"/>
-              <a:t>ráster</a:t>
-            </a:r>
-            <a:r>
-              <a:rPr lang="es-EC" dirty="0"/>
-              <a:t>: ECW, JPEG, PNG, GIF.</a:t>
-            </a:r>
-          </a:p>
-          <a:p>
-            <a:r>
-              <a:rPr lang="es-EC" dirty="0"/>
-              <a:t>Acceso a servicios remotos: OGC (WMS)</a:t>
-            </a:r>
-          </a:p>
-          <a:p>
-            <a:r>
-              <a:rPr lang="es-EC" dirty="0"/>
-              <a:t>Navegación: zooms, desplazamiento, centrado automático .</a:t>
-            </a:r>
-          </a:p>
-          <a:p>
-            <a:r>
-              <a:rPr lang="es-EC" dirty="0"/>
-              <a:t>Consulta: información, ver coordenadas, medir distancias, medir áreas.</a:t>
-            </a:r>
-          </a:p>
-          <a:p>
-            <a:r>
-              <a:rPr lang="es-EC" dirty="0"/>
-              <a:t>Selección: por punto, por rectángulo, por atributos, borrar selección.</a:t>
-            </a:r>
-          </a:p>
-          <a:p>
-            <a:r>
-              <a:rPr lang="es-EC" dirty="0"/>
-              <a:t>Búsqueda: por atributo.</a:t>
-            </a:r>
-          </a:p>
-          <a:p>
-            <a:r>
-              <a:rPr lang="es-EC" dirty="0"/>
-              <a:t>GPS: Conexión a GPS interno/externo, </a:t>
-            </a:r>
-            <a:r>
-              <a:rPr lang="es-EC" dirty="0" err="1"/>
-              <a:t>reproyección</a:t>
-            </a:r>
-            <a:r>
-              <a:rPr lang="es-EC" dirty="0"/>
-              <a:t> a UTM, </a:t>
-            </a:r>
-            <a:r>
-              <a:rPr lang="es-EC" dirty="0" err="1"/>
-              <a:t>waypoints</a:t>
-            </a:r>
-            <a:r>
-              <a:rPr lang="es-EC" dirty="0"/>
-              <a:t>, </a:t>
-            </a:r>
-            <a:r>
-              <a:rPr lang="es-EC" dirty="0" err="1"/>
-              <a:t>tracklog</a:t>
-            </a:r>
-            <a:r>
-              <a:rPr lang="es-EC" dirty="0"/>
-              <a:t> en formatos GPX y CSV, centrado en vista, parámetros de señal, cálculo de la distancia entre ubicación y punto de destino.</a:t>
-            </a:r>
-          </a:p>
-          <a:p>
-            <a:r>
-              <a:rPr lang="es-EC" dirty="0"/>
-              <a:t>Edición gráfica: Creación de puntos, líneas y polígonos.</a:t>
-            </a:r>
-          </a:p>
-          <a:p>
-            <a:r>
-              <a:rPr lang="es-EC" dirty="0"/>
-              <a:t>Edición alfanumérica: Formularios personalizados.</a:t>
-            </a:r>
-          </a:p>
-          <a:p>
-            <a:r>
-              <a:rPr lang="es-EC" dirty="0"/>
-              <a:t>Representación vectorial: editor de símbolos, exportación a GML, KML y SHP.</a:t>
-            </a:r>
-          </a:p>
-          <a:p>
-            <a:r>
-              <a:rPr lang="es-EC" dirty="0"/>
-              <a:t>Tablas: importar y exportar campos desde </a:t>
-            </a:r>
-            <a:r>
-              <a:rPr lang="es-EC" dirty="0" err="1"/>
-              <a:t>gvSIG</a:t>
-            </a:r>
-            <a:r>
-              <a:rPr lang="es-EC" dirty="0"/>
-              <a:t> Desktop.</a:t>
-            </a:r>
-          </a:p>
-          <a:p>
-            <a:r>
-              <a:rPr lang="es-EC" dirty="0"/>
-              <a:t>Otros: portabilidad e integración de datos con </a:t>
-            </a:r>
-            <a:r>
-              <a:rPr lang="es-EC" dirty="0" err="1"/>
-              <a:t>gvSIG</a:t>
-            </a:r>
-            <a:r>
-              <a:rPr lang="es-EC" dirty="0"/>
-              <a:t> Desktop.</a:t>
-            </a:r>
-          </a:p>
-        </p:txBody>
-      </p:sp>
-      <p:sp>
-        <p:nvSpPr>
-          <p:cNvPr id="6" name="Rectángulo redondeado 5"/>
+          <p:cNvPr id="2" name="Rectángulo redondeado 1"/>
           <p:cNvSpPr/>
           <p:nvPr/>
         </p:nvSpPr>
@@ -7689,22 +8328,100 @@
             <a:pPr algn="ctr"/>
             <a:r>
               <a:rPr lang="es-EC" sz="2800" dirty="0" smtClean="0"/>
-              <a:t>FUNCIONALIDADES</a:t>
+              <a:t>¿QUÉ ES GVSIG MOBILE?</a:t>
             </a:r>
             <a:endParaRPr lang="es-EC" sz="2800" dirty="0"/>
+          </a:p>
+        </p:txBody>
+      </p:sp>
+      <p:sp>
+        <p:nvSpPr>
+          <p:cNvPr id="4" name="Rectángulo 3"/>
+          <p:cNvSpPr/>
+          <p:nvPr/>
+        </p:nvSpPr>
+        <p:spPr>
+          <a:xfrm>
+            <a:off x="1269243" y="1538870"/>
+            <a:ext cx="9744500" cy="3970318"/>
+          </a:xfrm>
+          <a:prstGeom prst="rect">
+            <a:avLst/>
+          </a:prstGeom>
+        </p:spPr>
+        <p:txBody>
+          <a:bodyPr wrap="square">
+            <a:spAutoFit/>
+          </a:bodyPr>
+          <a:lstStyle/>
+          <a:p>
+            <a:pPr algn="just"/>
+            <a:r>
+              <a:rPr lang="es-EC" dirty="0" err="1"/>
+              <a:t>gvSIG</a:t>
+            </a:r>
+            <a:r>
+              <a:rPr lang="es-EC" dirty="0"/>
+              <a:t> Mobile es un Sistema de Información Geográfica (SIG) orientado a dispositivos móviles, ideal para proyectos de captura y actualización de datos en campo. Se caracteriza por disponer de una interfaz amigable, siendo capaz de acceder a los formatos más comunes y cuenta con un amplio número de herramientas SIG y GPS ideales para trabajar con información de naturaleza geográfica.</a:t>
+            </a:r>
+          </a:p>
+          <a:p>
+            <a:pPr algn="just"/>
+            <a:endParaRPr lang="es-EC" dirty="0"/>
+          </a:p>
+          <a:p>
+            <a:pPr algn="just"/>
+            <a:r>
+              <a:rPr lang="es-EC" dirty="0" err="1"/>
+              <a:t>gvSIG</a:t>
+            </a:r>
+            <a:r>
+              <a:rPr lang="es-EC" dirty="0"/>
+              <a:t> Mobile tiene como objetivo ampliar las plataformas de ejecución de </a:t>
+            </a:r>
+            <a:r>
+              <a:rPr lang="es-EC" dirty="0" err="1"/>
+              <a:t>gvSIG</a:t>
+            </a:r>
+            <a:r>
+              <a:rPr lang="es-EC" dirty="0"/>
+              <a:t> Desktop a una gama de dispositivos móviles, para dar respuesta a las necesidades de un creciente número de usuarios de soluciones móviles que desean hacer uso de un SIG en diferentes tipos de dispositivos.</a:t>
+            </a:r>
+          </a:p>
+          <a:p>
+            <a:pPr algn="just"/>
+            <a:endParaRPr lang="es-EC" dirty="0"/>
+          </a:p>
+          <a:p>
+            <a:pPr algn="just"/>
+            <a:r>
+              <a:rPr lang="es-EC" dirty="0" err="1"/>
+              <a:t>gvSIG</a:t>
+            </a:r>
+            <a:r>
+              <a:rPr lang="es-EC" dirty="0"/>
+              <a:t> Mobile es tanto un Sistema de Información Geográfica como un cliente de Infraestructuras de Datos Espaciales para dispositivos móviles. Es, además, el primer cliente de estas características licenciado como software libre.</a:t>
+            </a:r>
           </a:p>
         </p:txBody>
       </p:sp>
     </p:spTree>
     <p:extLst>
       <p:ext uri="{BB962C8B-B14F-4D97-AF65-F5344CB8AC3E}">
-        <p14:creationId xmlns:p14="http://schemas.microsoft.com/office/powerpoint/2010/main" val="996028922"/>
+        <p14:creationId xmlns:p14="http://schemas.microsoft.com/office/powerpoint/2010/main" val="3415885017"/>
       </p:ext>
     </p:extLst>
   </p:cSld>
   <p:clrMapOvr>
     <a:masterClrMapping/>
   </p:clrMapOvr>
+  <p:timing>
+    <p:tnLst>
+      <p:par>
+        <p:cTn id="1" dur="indefinite" restart="never" nodeType="tmRoot"/>
+      </p:par>
+    </p:tnLst>
+  </p:timing>
 </p:sld>
 </file>
 

--- a/Expo-gvSIG.pptx
+++ b/Expo-gvSIG.pptx
@@ -7,16 +7,26 @@
   <p:sldIdLst>
     <p:sldId id="256" r:id="rId2"/>
     <p:sldId id="267" r:id="rId3"/>
-    <p:sldId id="257" r:id="rId4"/>
-    <p:sldId id="258" r:id="rId5"/>
-    <p:sldId id="259" r:id="rId6"/>
-    <p:sldId id="260" r:id="rId7"/>
-    <p:sldId id="265" r:id="rId8"/>
-    <p:sldId id="266" r:id="rId9"/>
-    <p:sldId id="262" r:id="rId10"/>
-    <p:sldId id="263" r:id="rId11"/>
-    <p:sldId id="264" r:id="rId12"/>
-    <p:sldId id="268" r:id="rId13"/>
+    <p:sldId id="269" r:id="rId4"/>
+    <p:sldId id="257" r:id="rId5"/>
+    <p:sldId id="258" r:id="rId6"/>
+    <p:sldId id="270" r:id="rId7"/>
+    <p:sldId id="271" r:id="rId8"/>
+    <p:sldId id="259" r:id="rId9"/>
+    <p:sldId id="260" r:id="rId10"/>
+    <p:sldId id="265" r:id="rId11"/>
+    <p:sldId id="266" r:id="rId12"/>
+    <p:sldId id="272" r:id="rId13"/>
+    <p:sldId id="273" r:id="rId14"/>
+    <p:sldId id="274" r:id="rId15"/>
+    <p:sldId id="275" r:id="rId16"/>
+    <p:sldId id="276" r:id="rId17"/>
+    <p:sldId id="277" r:id="rId18"/>
+    <p:sldId id="278" r:id="rId19"/>
+    <p:sldId id="262" r:id="rId20"/>
+    <p:sldId id="263" r:id="rId21"/>
+    <p:sldId id="264" r:id="rId22"/>
+    <p:sldId id="268" r:id="rId23"/>
   </p:sldIdLst>
   <p:sldSz cx="12192000" cy="6858000"/>
   <p:notesSz cx="6858000" cy="9144000"/>
@@ -6448,1477 +6458,6 @@
       </p:grpSpPr>
       <p:sp>
         <p:nvSpPr>
-          <p:cNvPr id="4" name="Rectángulo 3"/>
-          <p:cNvSpPr/>
-          <p:nvPr/>
-        </p:nvSpPr>
-        <p:spPr>
-          <a:xfrm>
-            <a:off x="968991" y="1390263"/>
-            <a:ext cx="10085696" cy="5078313"/>
-          </a:xfrm>
-          <a:prstGeom prst="rect">
-            <a:avLst/>
-          </a:prstGeom>
-        </p:spPr>
-        <p:txBody>
-          <a:bodyPr wrap="square">
-            <a:spAutoFit/>
-          </a:bodyPr>
-          <a:lstStyle/>
-          <a:p>
-            <a:r>
-              <a:rPr lang="es-EC" dirty="0"/>
-              <a:t>En </a:t>
-            </a:r>
-            <a:r>
-              <a:rPr lang="es-EC" dirty="0" err="1"/>
-              <a:t>gvSIG</a:t>
-            </a:r>
-            <a:r>
-              <a:rPr lang="es-EC" dirty="0"/>
-              <a:t> Mobile encontramos las herramientas propias de un completo cliente SIG para dispositivos móviles, entre otras:</a:t>
-            </a:r>
-          </a:p>
-          <a:p>
-            <a:endParaRPr lang="es-EC" dirty="0"/>
-          </a:p>
-          <a:p>
-            <a:pPr marL="285750" indent="-285750">
-              <a:buFont typeface="Wingdings" panose="05000000000000000000" pitchFamily="2" charset="2"/>
-              <a:buChar char="Ø"/>
-            </a:pPr>
-            <a:r>
-              <a:rPr lang="es-EC" dirty="0"/>
-              <a:t>Acceso a formatos vectoriales: SHP, GML, KML, GPX.</a:t>
-            </a:r>
-          </a:p>
-          <a:p>
-            <a:pPr marL="285750" indent="-285750">
-              <a:buFont typeface="Wingdings" panose="05000000000000000000" pitchFamily="2" charset="2"/>
-              <a:buChar char="Ø"/>
-            </a:pPr>
-            <a:r>
-              <a:rPr lang="es-EC" dirty="0"/>
-              <a:t>Acceso a formatos </a:t>
-            </a:r>
-            <a:r>
-              <a:rPr lang="es-EC" dirty="0" err="1"/>
-              <a:t>ráster</a:t>
-            </a:r>
-            <a:r>
-              <a:rPr lang="es-EC" dirty="0"/>
-              <a:t>: ECW, JPEG, PNG, GIF.</a:t>
-            </a:r>
-          </a:p>
-          <a:p>
-            <a:pPr marL="285750" indent="-285750">
-              <a:buFont typeface="Wingdings" panose="05000000000000000000" pitchFamily="2" charset="2"/>
-              <a:buChar char="Ø"/>
-            </a:pPr>
-            <a:r>
-              <a:rPr lang="es-EC" dirty="0"/>
-              <a:t>Acceso a servicios remotos: OGC (WMS)</a:t>
-            </a:r>
-          </a:p>
-          <a:p>
-            <a:pPr marL="285750" indent="-285750">
-              <a:buFont typeface="Wingdings" panose="05000000000000000000" pitchFamily="2" charset="2"/>
-              <a:buChar char="Ø"/>
-            </a:pPr>
-            <a:r>
-              <a:rPr lang="es-EC" dirty="0"/>
-              <a:t>Navegación: zooms, desplazamiento, centrado automático .</a:t>
-            </a:r>
-          </a:p>
-          <a:p>
-            <a:pPr marL="285750" indent="-285750">
-              <a:buFont typeface="Wingdings" panose="05000000000000000000" pitchFamily="2" charset="2"/>
-              <a:buChar char="Ø"/>
-            </a:pPr>
-            <a:r>
-              <a:rPr lang="es-EC" dirty="0"/>
-              <a:t>Consulta: información, ver coordenadas, medir distancias, medir áreas.</a:t>
-            </a:r>
-          </a:p>
-          <a:p>
-            <a:pPr marL="285750" indent="-285750">
-              <a:buFont typeface="Wingdings" panose="05000000000000000000" pitchFamily="2" charset="2"/>
-              <a:buChar char="Ø"/>
-            </a:pPr>
-            <a:r>
-              <a:rPr lang="es-EC" dirty="0"/>
-              <a:t>Selección: por punto, por rectángulo, por atributos, borrar selección.</a:t>
-            </a:r>
-          </a:p>
-          <a:p>
-            <a:pPr marL="285750" indent="-285750">
-              <a:buFont typeface="Wingdings" panose="05000000000000000000" pitchFamily="2" charset="2"/>
-              <a:buChar char="Ø"/>
-            </a:pPr>
-            <a:r>
-              <a:rPr lang="es-EC" dirty="0"/>
-              <a:t>Búsqueda: por atributo.</a:t>
-            </a:r>
-          </a:p>
-          <a:p>
-            <a:pPr marL="285750" indent="-285750">
-              <a:buFont typeface="Wingdings" panose="05000000000000000000" pitchFamily="2" charset="2"/>
-              <a:buChar char="Ø"/>
-            </a:pPr>
-            <a:r>
-              <a:rPr lang="es-EC" dirty="0"/>
-              <a:t>GPS: Conexión a GPS interno/externo, </a:t>
-            </a:r>
-            <a:r>
-              <a:rPr lang="es-EC" dirty="0" err="1"/>
-              <a:t>reproyección</a:t>
-            </a:r>
-            <a:r>
-              <a:rPr lang="es-EC" dirty="0"/>
-              <a:t> a UTM, </a:t>
-            </a:r>
-            <a:r>
-              <a:rPr lang="es-EC" dirty="0" err="1"/>
-              <a:t>waypoints</a:t>
-            </a:r>
-            <a:r>
-              <a:rPr lang="es-EC" dirty="0"/>
-              <a:t>, </a:t>
-            </a:r>
-            <a:r>
-              <a:rPr lang="es-EC" dirty="0" err="1"/>
-              <a:t>tracklog</a:t>
-            </a:r>
-            <a:r>
-              <a:rPr lang="es-EC" dirty="0"/>
-              <a:t> en formatos GPX y CSV, centrado en vista, parámetros de señal, cálculo de la distancia entre ubicación y punto de destino.</a:t>
-            </a:r>
-          </a:p>
-          <a:p>
-            <a:pPr marL="285750" indent="-285750">
-              <a:buFont typeface="Wingdings" panose="05000000000000000000" pitchFamily="2" charset="2"/>
-              <a:buChar char="Ø"/>
-            </a:pPr>
-            <a:r>
-              <a:rPr lang="es-EC" dirty="0"/>
-              <a:t>Edición gráfica: Creación de puntos, líneas y polígonos.</a:t>
-            </a:r>
-          </a:p>
-          <a:p>
-            <a:pPr marL="285750" indent="-285750">
-              <a:buFont typeface="Wingdings" panose="05000000000000000000" pitchFamily="2" charset="2"/>
-              <a:buChar char="Ø"/>
-            </a:pPr>
-            <a:r>
-              <a:rPr lang="es-EC" dirty="0"/>
-              <a:t>Edición alfanumérica: Formularios personalizados.</a:t>
-            </a:r>
-          </a:p>
-          <a:p>
-            <a:pPr marL="285750" indent="-285750">
-              <a:buFont typeface="Wingdings" panose="05000000000000000000" pitchFamily="2" charset="2"/>
-              <a:buChar char="Ø"/>
-            </a:pPr>
-            <a:r>
-              <a:rPr lang="es-EC" dirty="0"/>
-              <a:t>Representación vectorial: editor de símbolos, exportación a GML, KML y SHP.</a:t>
-            </a:r>
-          </a:p>
-          <a:p>
-            <a:pPr marL="285750" indent="-285750">
-              <a:buFont typeface="Wingdings" panose="05000000000000000000" pitchFamily="2" charset="2"/>
-              <a:buChar char="Ø"/>
-            </a:pPr>
-            <a:r>
-              <a:rPr lang="es-EC" dirty="0"/>
-              <a:t>Tablas: importar y exportar campos desde </a:t>
-            </a:r>
-            <a:r>
-              <a:rPr lang="es-EC" dirty="0" err="1"/>
-              <a:t>gvSIG</a:t>
-            </a:r>
-            <a:r>
-              <a:rPr lang="es-EC" dirty="0"/>
-              <a:t> Desktop.</a:t>
-            </a:r>
-          </a:p>
-          <a:p>
-            <a:pPr marL="285750" indent="-285750">
-              <a:buFont typeface="Wingdings" panose="05000000000000000000" pitchFamily="2" charset="2"/>
-              <a:buChar char="Ø"/>
-            </a:pPr>
-            <a:r>
-              <a:rPr lang="es-EC" dirty="0"/>
-              <a:t>Otros: portabilidad e integración de datos con </a:t>
-            </a:r>
-            <a:r>
-              <a:rPr lang="es-EC" dirty="0" err="1"/>
-              <a:t>gvSIG</a:t>
-            </a:r>
-            <a:r>
-              <a:rPr lang="es-EC" dirty="0"/>
-              <a:t> Desktop.</a:t>
-            </a:r>
-          </a:p>
-        </p:txBody>
-      </p:sp>
-      <p:sp>
-        <p:nvSpPr>
-          <p:cNvPr id="6" name="Rectángulo redondeado 5"/>
-          <p:cNvSpPr/>
-          <p:nvPr/>
-        </p:nvSpPr>
-        <p:spPr>
-          <a:xfrm>
-            <a:off x="-204717" y="477672"/>
-            <a:ext cx="5418161" cy="805218"/>
-          </a:xfrm>
-          <a:prstGeom prst="roundRect">
-            <a:avLst/>
-          </a:prstGeom>
-        </p:spPr>
-        <p:style>
-          <a:lnRef idx="2">
-            <a:schemeClr val="accent1">
-              <a:shade val="50000"/>
-            </a:schemeClr>
-          </a:lnRef>
-          <a:fillRef idx="1">
-            <a:schemeClr val="accent1"/>
-          </a:fillRef>
-          <a:effectRef idx="0">
-            <a:schemeClr val="accent1"/>
-          </a:effectRef>
-          <a:fontRef idx="minor">
-            <a:schemeClr val="lt1"/>
-          </a:fontRef>
-        </p:style>
-        <p:txBody>
-          <a:bodyPr rtlCol="0" anchor="ctr"/>
-          <a:lstStyle/>
-          <a:p>
-            <a:pPr algn="ctr"/>
-            <a:r>
-              <a:rPr lang="es-EC" sz="2800" dirty="0" smtClean="0"/>
-              <a:t>FUNCIONALIDADES</a:t>
-            </a:r>
-            <a:endParaRPr lang="es-EC" sz="2800" dirty="0"/>
-          </a:p>
-        </p:txBody>
-      </p:sp>
-    </p:spTree>
-    <p:extLst>
-      <p:ext uri="{BB962C8B-B14F-4D97-AF65-F5344CB8AC3E}">
-        <p14:creationId xmlns:p14="http://schemas.microsoft.com/office/powerpoint/2010/main" val="996028922"/>
-      </p:ext>
-    </p:extLst>
-  </p:cSld>
-  <p:clrMapOvr>
-    <a:masterClrMapping/>
-  </p:clrMapOvr>
-  <p:timing>
-    <p:tnLst>
-      <p:par>
-        <p:cTn id="1" dur="indefinite" restart="never" nodeType="tmRoot"/>
-      </p:par>
-    </p:tnLst>
-  </p:timing>
-</p:sld>
-</file>
-
-<file path=ppt/slides/slide11.xml><?xml version="1.0" encoding="utf-8"?>
-<p:sld xmlns:a="http://schemas.openxmlformats.org/drawingml/2006/main" xmlns:r="http://schemas.openxmlformats.org/officeDocument/2006/relationships" xmlns:p="http://schemas.openxmlformats.org/presentationml/2006/main">
-  <p:cSld>
-    <p:spTree>
-      <p:nvGrpSpPr>
-        <p:cNvPr id="1" name=""/>
-        <p:cNvGrpSpPr/>
-        <p:nvPr/>
-      </p:nvGrpSpPr>
-      <p:grpSpPr>
-        <a:xfrm>
-          <a:off x="0" y="0"/>
-          <a:ext cx="0" cy="0"/>
-          <a:chOff x="0" y="0"/>
-          <a:chExt cx="0" cy="0"/>
-        </a:xfrm>
-      </p:grpSpPr>
-      <p:sp>
-        <p:nvSpPr>
-          <p:cNvPr id="3" name="Rectángulo 2"/>
-          <p:cNvSpPr/>
-          <p:nvPr/>
-        </p:nvSpPr>
-        <p:spPr>
-          <a:xfrm>
-            <a:off x="2504363" y="1654119"/>
-            <a:ext cx="7629099" cy="4524315"/>
-          </a:xfrm>
-          <a:prstGeom prst="rect">
-            <a:avLst/>
-          </a:prstGeom>
-        </p:spPr>
-        <p:txBody>
-          <a:bodyPr wrap="square">
-            <a:spAutoFit/>
-          </a:bodyPr>
-          <a:lstStyle/>
-          <a:p>
-            <a:r>
-              <a:rPr lang="es-EC" dirty="0" err="1"/>
-              <a:t>gvSIG</a:t>
-            </a:r>
-            <a:r>
-              <a:rPr lang="es-EC" dirty="0"/>
-              <a:t> Mobile se caracteriza por:</a:t>
-            </a:r>
-          </a:p>
-          <a:p>
-            <a:endParaRPr lang="es-EC" dirty="0"/>
-          </a:p>
-          <a:p>
-            <a:pPr marL="285750" indent="-285750">
-              <a:buFont typeface="Wingdings" panose="05000000000000000000" pitchFamily="2" charset="2"/>
-              <a:buChar char="Ø"/>
-            </a:pPr>
-            <a:r>
-              <a:rPr lang="es-EC" dirty="0"/>
-              <a:t>Integrar tanto datos locales como remotos a través de estándares OGC.</a:t>
-            </a:r>
-          </a:p>
-          <a:p>
-            <a:pPr marL="285750" indent="-285750">
-              <a:buFont typeface="Wingdings" panose="05000000000000000000" pitchFamily="2" charset="2"/>
-              <a:buChar char="Ø"/>
-            </a:pPr>
-            <a:r>
-              <a:rPr lang="es-EC" dirty="0"/>
-              <a:t>Está diseñado para ser fácilmente extensible, permitiendo una mejora continua de la aplicación, así como su uso para desarrollar soluciones a medida.</a:t>
-            </a:r>
-          </a:p>
-          <a:p>
-            <a:pPr marL="285750" indent="-285750">
-              <a:buFont typeface="Wingdings" panose="05000000000000000000" pitchFamily="2" charset="2"/>
-              <a:buChar char="Ø"/>
-            </a:pPr>
-            <a:r>
-              <a:rPr lang="es-EC" dirty="0"/>
-              <a:t>Es software libre, con licencia GNU/GPL, lo que permite su libre uso, distribución, estudio y mejora.</a:t>
-            </a:r>
-          </a:p>
-          <a:p>
-            <a:pPr marL="285750" indent="-285750">
-              <a:buFont typeface="Wingdings" panose="05000000000000000000" pitchFamily="2" charset="2"/>
-              <a:buChar char="Ø"/>
-            </a:pPr>
-            <a:r>
-              <a:rPr lang="es-EC" dirty="0"/>
-              <a:t>Está disponible en diversos idiomas: español, inglés, francés, alemán e italiano.</a:t>
-            </a:r>
-          </a:p>
-          <a:p>
-            <a:pPr marL="285750" indent="-285750">
-              <a:buFont typeface="Wingdings" panose="05000000000000000000" pitchFamily="2" charset="2"/>
-              <a:buChar char="Ø"/>
-            </a:pPr>
-            <a:r>
-              <a:rPr lang="es-EC" dirty="0"/>
-              <a:t>Está desarrollado con Java y está disponible para plataformas que soporten Java Micro </a:t>
-            </a:r>
-            <a:r>
-              <a:rPr lang="es-EC" dirty="0" err="1"/>
-              <a:t>Edition</a:t>
-            </a:r>
-            <a:r>
-              <a:rPr lang="es-EC" dirty="0"/>
-              <a:t> CDC 1.1. Actualmente funciona en las siguientes plataformas:</a:t>
-            </a:r>
-          </a:p>
-          <a:p>
-            <a:r>
-              <a:rPr lang="es-EC" dirty="0" smtClean="0"/>
-              <a:t>	Windows </a:t>
-            </a:r>
-            <a:r>
-              <a:rPr lang="es-EC" dirty="0"/>
-              <a:t>Mobile 5.0</a:t>
-            </a:r>
-          </a:p>
-          <a:p>
-            <a:r>
-              <a:rPr lang="es-EC" dirty="0" smtClean="0"/>
-              <a:t>	Windows </a:t>
-            </a:r>
-            <a:r>
-              <a:rPr lang="es-EC" dirty="0"/>
-              <a:t>Mobile 6.0</a:t>
-            </a:r>
-          </a:p>
-        </p:txBody>
-      </p:sp>
-      <p:sp>
-        <p:nvSpPr>
-          <p:cNvPr id="4" name="Rectángulo redondeado 3"/>
-          <p:cNvSpPr/>
-          <p:nvPr/>
-        </p:nvSpPr>
-        <p:spPr>
-          <a:xfrm>
-            <a:off x="-204717" y="477672"/>
-            <a:ext cx="5418161" cy="805218"/>
-          </a:xfrm>
-          <a:prstGeom prst="roundRect">
-            <a:avLst/>
-          </a:prstGeom>
-        </p:spPr>
-        <p:style>
-          <a:lnRef idx="2">
-            <a:schemeClr val="accent1">
-              <a:shade val="50000"/>
-            </a:schemeClr>
-          </a:lnRef>
-          <a:fillRef idx="1">
-            <a:schemeClr val="accent1"/>
-          </a:fillRef>
-          <a:effectRef idx="0">
-            <a:schemeClr val="accent1"/>
-          </a:effectRef>
-          <a:fontRef idx="minor">
-            <a:schemeClr val="lt1"/>
-          </a:fontRef>
-        </p:style>
-        <p:txBody>
-          <a:bodyPr rtlCol="0" anchor="ctr"/>
-          <a:lstStyle/>
-          <a:p>
-            <a:pPr algn="ctr"/>
-            <a:r>
-              <a:rPr lang="es-EC" sz="2800" dirty="0" smtClean="0"/>
-              <a:t>CARACTERISTICAS</a:t>
-            </a:r>
-            <a:endParaRPr lang="es-EC" sz="2800" dirty="0"/>
-          </a:p>
-        </p:txBody>
-      </p:sp>
-    </p:spTree>
-    <p:extLst>
-      <p:ext uri="{BB962C8B-B14F-4D97-AF65-F5344CB8AC3E}">
-        <p14:creationId xmlns:p14="http://schemas.microsoft.com/office/powerpoint/2010/main" val="3703203058"/>
-      </p:ext>
-    </p:extLst>
-  </p:cSld>
-  <p:clrMapOvr>
-    <a:masterClrMapping/>
-  </p:clrMapOvr>
-  <p:timing>
-    <p:tnLst>
-      <p:par>
-        <p:cTn id="1" dur="indefinite" restart="never" nodeType="tmRoot"/>
-      </p:par>
-    </p:tnLst>
-  </p:timing>
-</p:sld>
-</file>
-
-<file path=ppt/slides/slide12.xml><?xml version="1.0" encoding="utf-8"?>
-<p:sld xmlns:a="http://schemas.openxmlformats.org/drawingml/2006/main" xmlns:r="http://schemas.openxmlformats.org/officeDocument/2006/relationships" xmlns:p="http://schemas.openxmlformats.org/presentationml/2006/main">
-  <p:cSld>
-    <p:spTree>
-      <p:nvGrpSpPr>
-        <p:cNvPr id="1" name=""/>
-        <p:cNvGrpSpPr/>
-        <p:nvPr/>
-      </p:nvGrpSpPr>
-      <p:grpSpPr>
-        <a:xfrm>
-          <a:off x="0" y="0"/>
-          <a:ext cx="0" cy="0"/>
-          <a:chOff x="0" y="0"/>
-          <a:chExt cx="0" cy="0"/>
-        </a:xfrm>
-      </p:grpSpPr>
-      <p:sp>
-        <p:nvSpPr>
-          <p:cNvPr id="2" name="Rectángulo redondeado 1"/>
-          <p:cNvSpPr/>
-          <p:nvPr/>
-        </p:nvSpPr>
-        <p:spPr>
-          <a:xfrm>
-            <a:off x="-204717" y="477672"/>
-            <a:ext cx="6182436" cy="805218"/>
-          </a:xfrm>
-          <a:prstGeom prst="roundRect">
-            <a:avLst/>
-          </a:prstGeom>
-        </p:spPr>
-        <p:style>
-          <a:lnRef idx="2">
-            <a:schemeClr val="accent1">
-              <a:shade val="50000"/>
-            </a:schemeClr>
-          </a:lnRef>
-          <a:fillRef idx="1">
-            <a:schemeClr val="accent1"/>
-          </a:fillRef>
-          <a:effectRef idx="0">
-            <a:schemeClr val="accent1"/>
-          </a:effectRef>
-          <a:fontRef idx="minor">
-            <a:schemeClr val="lt1"/>
-          </a:fontRef>
-        </p:style>
-        <p:txBody>
-          <a:bodyPr rtlCol="0" anchor="ctr"/>
-          <a:lstStyle/>
-          <a:p>
-            <a:pPr algn="ctr"/>
-            <a:r>
-              <a:rPr lang="es-EC" sz="2800" dirty="0" smtClean="0"/>
-              <a:t>VENTAJAS Y DESVENTAJAS</a:t>
-            </a:r>
-            <a:endParaRPr lang="es-EC" sz="2800" dirty="0"/>
-          </a:p>
-        </p:txBody>
-      </p:sp>
-    </p:spTree>
-    <p:extLst>
-      <p:ext uri="{BB962C8B-B14F-4D97-AF65-F5344CB8AC3E}">
-        <p14:creationId xmlns:p14="http://schemas.microsoft.com/office/powerpoint/2010/main" val="3593423114"/>
-      </p:ext>
-    </p:extLst>
-  </p:cSld>
-  <p:clrMapOvr>
-    <a:masterClrMapping/>
-  </p:clrMapOvr>
-  <p:timing>
-    <p:tnLst>
-      <p:par>
-        <p:cTn id="1" dur="indefinite" restart="never" nodeType="tmRoot"/>
-      </p:par>
-    </p:tnLst>
-  </p:timing>
-</p:sld>
-</file>
-
-<file path=ppt/slides/slide2.xml><?xml version="1.0" encoding="utf-8"?>
-<p:sld xmlns:a="http://schemas.openxmlformats.org/drawingml/2006/main" xmlns:r="http://schemas.openxmlformats.org/officeDocument/2006/relationships" xmlns:p="http://schemas.openxmlformats.org/presentationml/2006/main">
-  <p:cSld>
-    <p:spTree>
-      <p:nvGrpSpPr>
-        <p:cNvPr id="1" name=""/>
-        <p:cNvGrpSpPr/>
-        <p:nvPr/>
-      </p:nvGrpSpPr>
-      <p:grpSpPr>
-        <a:xfrm>
-          <a:off x="0" y="0"/>
-          <a:ext cx="0" cy="0"/>
-          <a:chOff x="0" y="0"/>
-          <a:chExt cx="0" cy="0"/>
-        </a:xfrm>
-      </p:grpSpPr>
-      <p:sp>
-        <p:nvSpPr>
-          <p:cNvPr id="7" name="CuadroTexto 6"/>
-          <p:cNvSpPr txBox="1"/>
-          <p:nvPr/>
-        </p:nvSpPr>
-        <p:spPr>
-          <a:xfrm>
-            <a:off x="1555845" y="818866"/>
-            <a:ext cx="2589170" cy="584775"/>
-          </a:xfrm>
-          <a:prstGeom prst="rect">
-            <a:avLst/>
-          </a:prstGeom>
-          <a:noFill/>
-        </p:spPr>
-        <p:txBody>
-          <a:bodyPr wrap="none" rtlCol="0">
-            <a:spAutoFit/>
-          </a:bodyPr>
-          <a:lstStyle/>
-          <a:p>
-            <a:r>
-              <a:rPr lang="es-EC" sz="3200" b="1" dirty="0" smtClean="0"/>
-              <a:t>CONTENIDO</a:t>
-            </a:r>
-            <a:endParaRPr lang="es-EC" sz="3200" b="1" dirty="0"/>
-          </a:p>
-        </p:txBody>
-      </p:sp>
-      <p:sp>
-        <p:nvSpPr>
-          <p:cNvPr id="8" name="CuadroTexto 7"/>
-          <p:cNvSpPr txBox="1"/>
-          <p:nvPr/>
-        </p:nvSpPr>
-        <p:spPr>
-          <a:xfrm>
-            <a:off x="5431809" y="1746913"/>
-            <a:ext cx="6196084" cy="3323987"/>
-          </a:xfrm>
-          <a:prstGeom prst="rect">
-            <a:avLst/>
-          </a:prstGeom>
-          <a:noFill/>
-        </p:spPr>
-        <p:txBody>
-          <a:bodyPr wrap="square" rtlCol="0">
-            <a:spAutoFit/>
-          </a:bodyPr>
-          <a:lstStyle/>
-          <a:p>
-            <a:r>
-              <a:rPr lang="es-EC" sz="2400" b="1" dirty="0" smtClean="0"/>
-              <a:t>GVSIG</a:t>
-            </a:r>
-          </a:p>
-          <a:p>
-            <a:r>
-              <a:rPr lang="es-EC" sz="2400" b="1" dirty="0" smtClean="0"/>
-              <a:t>CARACTERÍSTICAS</a:t>
-            </a:r>
-          </a:p>
-          <a:p>
-            <a:r>
-              <a:rPr lang="es-EC" sz="2400" b="1" dirty="0" smtClean="0"/>
-              <a:t>FUNCIONALIDADES</a:t>
-            </a:r>
-          </a:p>
-          <a:p>
-            <a:endParaRPr lang="es-EC" sz="2400" b="1" dirty="0" smtClean="0"/>
-          </a:p>
-          <a:p>
-            <a:endParaRPr lang="es-EC" sz="2400" b="1" dirty="0" smtClean="0"/>
-          </a:p>
-          <a:p>
-            <a:r>
-              <a:rPr lang="es-EC" sz="2400" b="1" dirty="0" smtClean="0"/>
-              <a:t>GVSIG MOBILE</a:t>
-            </a:r>
-          </a:p>
-          <a:p>
-            <a:r>
-              <a:rPr lang="es-EC" sz="2400" b="1" dirty="0" smtClean="0"/>
-              <a:t>CARACTERÍSTICAS</a:t>
-            </a:r>
-          </a:p>
-          <a:p>
-            <a:r>
-              <a:rPr lang="es-EC" sz="2400" b="1" dirty="0" smtClean="0"/>
-              <a:t>FUNCIONALIDADES</a:t>
-            </a:r>
-          </a:p>
-          <a:p>
-            <a:endParaRPr lang="es-EC" dirty="0"/>
-          </a:p>
-        </p:txBody>
-      </p:sp>
-    </p:spTree>
-    <p:extLst>
-      <p:ext uri="{BB962C8B-B14F-4D97-AF65-F5344CB8AC3E}">
-        <p14:creationId xmlns:p14="http://schemas.microsoft.com/office/powerpoint/2010/main" val="829349785"/>
-      </p:ext>
-    </p:extLst>
-  </p:cSld>
-  <p:clrMapOvr>
-    <a:masterClrMapping/>
-  </p:clrMapOvr>
-  <p:timing>
-    <p:tnLst>
-      <p:par>
-        <p:cTn id="1" dur="indefinite" restart="never" nodeType="tmRoot"/>
-      </p:par>
-    </p:tnLst>
-  </p:timing>
-</p:sld>
-</file>
-
-<file path=ppt/slides/slide3.xml><?xml version="1.0" encoding="utf-8"?>
-<p:sld xmlns:a="http://schemas.openxmlformats.org/drawingml/2006/main" xmlns:r="http://schemas.openxmlformats.org/officeDocument/2006/relationships" xmlns:p="http://schemas.openxmlformats.org/presentationml/2006/main">
-  <p:cSld>
-    <p:spTree>
-      <p:nvGrpSpPr>
-        <p:cNvPr id="1" name=""/>
-        <p:cNvGrpSpPr/>
-        <p:nvPr/>
-      </p:nvGrpSpPr>
-      <p:grpSpPr>
-        <a:xfrm>
-          <a:off x="0" y="0"/>
-          <a:ext cx="0" cy="0"/>
-          <a:chOff x="0" y="0"/>
-          <a:chExt cx="0" cy="0"/>
-        </a:xfrm>
-      </p:grpSpPr>
-      <p:sp>
-        <p:nvSpPr>
-          <p:cNvPr id="3" name="Rectángulo 2"/>
-          <p:cNvSpPr/>
-          <p:nvPr/>
-        </p:nvSpPr>
-        <p:spPr>
-          <a:xfrm>
-            <a:off x="750628" y="1911403"/>
-            <a:ext cx="10645254" cy="3139321"/>
-          </a:xfrm>
-          <a:prstGeom prst="rect">
-            <a:avLst/>
-          </a:prstGeom>
-        </p:spPr>
-        <p:txBody>
-          <a:bodyPr wrap="square">
-            <a:spAutoFit/>
-          </a:bodyPr>
-          <a:lstStyle/>
-          <a:p>
-            <a:r>
-              <a:rPr lang="es-EC" dirty="0" err="1"/>
-              <a:t>gvSIG</a:t>
-            </a:r>
-            <a:r>
-              <a:rPr lang="es-EC" dirty="0"/>
-              <a:t> Desktop es un potente Sistema de Información Geográfica (SIG) libre diseñado para dar solución a todas las necesidades relacionadas con el manejo de información geográfica. Se caracteriza por ser una solución completa, fácil de usar y que se adapta a las necesidades de cualquier usuario de SIG. Es capaz de acceder a los formatos más comunes, tanto vectoriales como </a:t>
-            </a:r>
-            <a:r>
-              <a:rPr lang="es-EC" dirty="0" err="1"/>
-              <a:t>raster</a:t>
-            </a:r>
-            <a:r>
-              <a:rPr lang="es-EC" dirty="0"/>
-              <a:t>, tanto locales como remotos, integra estándares OGC, y cuenta con un amplio número de herramientas para trabajar con información de naturaleza geográfica (consulta, creación de mapas, </a:t>
-            </a:r>
-            <a:r>
-              <a:rPr lang="es-EC" dirty="0" err="1"/>
-              <a:t>geoprocesamiento</a:t>
-            </a:r>
-            <a:r>
-              <a:rPr lang="es-EC" dirty="0"/>
-              <a:t>, redes, etc.) que lo convierten en una herramienta ideal para usuarios que trabajen con la componente territorial.</a:t>
-            </a:r>
-          </a:p>
-          <a:p>
-            <a:endParaRPr lang="es-EC" dirty="0"/>
-          </a:p>
-          <a:p>
-            <a:r>
-              <a:rPr lang="es-EC" dirty="0" err="1"/>
-              <a:t>gvSIG</a:t>
-            </a:r>
-            <a:r>
-              <a:rPr lang="es-EC" dirty="0"/>
-              <a:t> es utilizado por una comunidad internacional creciente, en los más diversos sectores y aplicaciones.</a:t>
-            </a:r>
-          </a:p>
-        </p:txBody>
-      </p:sp>
-      <p:sp>
-        <p:nvSpPr>
-          <p:cNvPr id="4" name="Rectángulo redondeado 3"/>
-          <p:cNvSpPr/>
-          <p:nvPr/>
-        </p:nvSpPr>
-        <p:spPr>
-          <a:xfrm>
-            <a:off x="-204717" y="477672"/>
-            <a:ext cx="5418161" cy="805218"/>
-          </a:xfrm>
-          <a:prstGeom prst="roundRect">
-            <a:avLst/>
-          </a:prstGeom>
-        </p:spPr>
-        <p:style>
-          <a:lnRef idx="2">
-            <a:schemeClr val="accent1">
-              <a:shade val="50000"/>
-            </a:schemeClr>
-          </a:lnRef>
-          <a:fillRef idx="1">
-            <a:schemeClr val="accent1"/>
-          </a:fillRef>
-          <a:effectRef idx="0">
-            <a:schemeClr val="accent1"/>
-          </a:effectRef>
-          <a:fontRef idx="minor">
-            <a:schemeClr val="lt1"/>
-          </a:fontRef>
-        </p:style>
-        <p:txBody>
-          <a:bodyPr rtlCol="0" anchor="ctr"/>
-          <a:lstStyle/>
-          <a:p>
-            <a:pPr algn="ctr"/>
-            <a:r>
-              <a:rPr lang="es-EC" sz="2800" dirty="0" smtClean="0"/>
-              <a:t>¿QUÉ ES GVSIG?</a:t>
-            </a:r>
-            <a:endParaRPr lang="es-EC" sz="2800" dirty="0"/>
-          </a:p>
-        </p:txBody>
-      </p:sp>
-    </p:spTree>
-    <p:extLst>
-      <p:ext uri="{BB962C8B-B14F-4D97-AF65-F5344CB8AC3E}">
-        <p14:creationId xmlns:p14="http://schemas.microsoft.com/office/powerpoint/2010/main" val="2666889777"/>
-      </p:ext>
-    </p:extLst>
-  </p:cSld>
-  <p:clrMapOvr>
-    <a:masterClrMapping/>
-  </p:clrMapOvr>
-  <p:timing>
-    <p:tnLst>
-      <p:par>
-        <p:cTn id="1" dur="indefinite" restart="never" nodeType="tmRoot"/>
-      </p:par>
-    </p:tnLst>
-  </p:timing>
-</p:sld>
-</file>
-
-<file path=ppt/slides/slide4.xml><?xml version="1.0" encoding="utf-8"?>
-<p:sld xmlns:a="http://schemas.openxmlformats.org/drawingml/2006/main" xmlns:r="http://schemas.openxmlformats.org/officeDocument/2006/relationships" xmlns:p="http://schemas.openxmlformats.org/presentationml/2006/main">
-  <p:cSld>
-    <p:spTree>
-      <p:nvGrpSpPr>
-        <p:cNvPr id="1" name=""/>
-        <p:cNvGrpSpPr/>
-        <p:nvPr/>
-      </p:nvGrpSpPr>
-      <p:grpSpPr>
-        <a:xfrm>
-          <a:off x="0" y="0"/>
-          <a:ext cx="0" cy="0"/>
-          <a:chOff x="0" y="0"/>
-          <a:chExt cx="0" cy="0"/>
-        </a:xfrm>
-      </p:grpSpPr>
-      <p:sp>
-        <p:nvSpPr>
-          <p:cNvPr id="3" name="Rectángulo 2"/>
-          <p:cNvSpPr/>
-          <p:nvPr/>
-        </p:nvSpPr>
-        <p:spPr>
-          <a:xfrm>
-            <a:off x="900751" y="1191610"/>
-            <a:ext cx="10208525" cy="5355312"/>
-          </a:xfrm>
-          <a:prstGeom prst="rect">
-            <a:avLst/>
-          </a:prstGeom>
-        </p:spPr>
-        <p:txBody>
-          <a:bodyPr wrap="square">
-            <a:spAutoFit/>
-          </a:bodyPr>
-          <a:lstStyle/>
-          <a:p>
-            <a:pPr marL="285750" indent="-285750" algn="just">
-              <a:buFont typeface="Wingdings" panose="05000000000000000000" pitchFamily="2" charset="2"/>
-              <a:buChar char="Ø"/>
-            </a:pPr>
-            <a:r>
-              <a:rPr lang="es-EC" dirty="0"/>
-              <a:t>Portable: funciona en distintas plataformas hardware / software, Linux, Windows y Mac OS. El lenguaje de programación es Java.</a:t>
-            </a:r>
-          </a:p>
-          <a:p>
-            <a:pPr marL="285750" indent="-285750" algn="just">
-              <a:buFont typeface="Wingdings" panose="05000000000000000000" pitchFamily="2" charset="2"/>
-              <a:buChar char="Ø"/>
-            </a:pPr>
-            <a:endParaRPr lang="es-EC" dirty="0"/>
-          </a:p>
-          <a:p>
-            <a:pPr marL="285750" indent="-285750" algn="just">
-              <a:buFont typeface="Wingdings" panose="05000000000000000000" pitchFamily="2" charset="2"/>
-              <a:buChar char="Ø"/>
-            </a:pPr>
-            <a:r>
-              <a:rPr lang="es-EC" dirty="0"/>
-              <a:t>Modular: es ampliable con nuevas funcionalidades mediante el desarrollo de extensiones, permitiendo una mejora continua de la aplicación, así como el desarrollo de soluciones a medida.</a:t>
-            </a:r>
-          </a:p>
-          <a:p>
-            <a:pPr marL="285750" indent="-285750" algn="just">
-              <a:buFont typeface="Wingdings" panose="05000000000000000000" pitchFamily="2" charset="2"/>
-              <a:buChar char="Ø"/>
-            </a:pPr>
-            <a:endParaRPr lang="es-EC" dirty="0"/>
-          </a:p>
-          <a:p>
-            <a:pPr marL="285750" indent="-285750" algn="just">
-              <a:buFont typeface="Wingdings" panose="05000000000000000000" pitchFamily="2" charset="2"/>
-              <a:buChar char="Ø"/>
-            </a:pPr>
-            <a:r>
-              <a:rPr lang="es-EC" dirty="0"/>
-              <a:t>De código abierto: licencia GNU/GPL, lo que permite su libre uso, distribución, estudio y mejora.</a:t>
-            </a:r>
-          </a:p>
-          <a:p>
-            <a:pPr marL="285750" indent="-285750" algn="just">
-              <a:buFont typeface="Wingdings" panose="05000000000000000000" pitchFamily="2" charset="2"/>
-              <a:buChar char="Ø"/>
-            </a:pPr>
-            <a:endParaRPr lang="es-EC" dirty="0"/>
-          </a:p>
-          <a:p>
-            <a:pPr marL="285750" indent="-285750" algn="just">
-              <a:buFont typeface="Wingdings" panose="05000000000000000000" pitchFamily="2" charset="2"/>
-              <a:buChar char="Ø"/>
-            </a:pPr>
-            <a:r>
-              <a:rPr lang="es-EC" dirty="0"/>
-              <a:t>Interoperable con las soluciones ya implantadas: es capaz de acceder a los datos de otros programas privativos, como </a:t>
-            </a:r>
-            <a:r>
-              <a:rPr lang="es-EC" dirty="0" err="1"/>
-              <a:t>ArcView</a:t>
-            </a:r>
-            <a:r>
-              <a:rPr lang="es-EC" dirty="0"/>
-              <a:t>, AutoCAD o </a:t>
-            </a:r>
-            <a:r>
-              <a:rPr lang="es-EC" dirty="0" err="1"/>
-              <a:t>Microstation</a:t>
-            </a:r>
-            <a:r>
-              <a:rPr lang="es-EC" dirty="0"/>
-              <a:t> sin necesidad de cambiarlos de formato.</a:t>
-            </a:r>
-          </a:p>
-          <a:p>
-            <a:pPr marL="285750" indent="-285750" algn="just">
-              <a:buFont typeface="Wingdings" panose="05000000000000000000" pitchFamily="2" charset="2"/>
-              <a:buChar char="Ø"/>
-            </a:pPr>
-            <a:endParaRPr lang="es-EC" dirty="0"/>
-          </a:p>
-          <a:p>
-            <a:pPr marL="285750" indent="-285750" algn="just">
-              <a:buFont typeface="Wingdings" panose="05000000000000000000" pitchFamily="2" charset="2"/>
-              <a:buChar char="Ø"/>
-            </a:pPr>
-            <a:r>
-              <a:rPr lang="es-EC" dirty="0" err="1"/>
-              <a:t>Internacionalizable</a:t>
-            </a:r>
-            <a:r>
-              <a:rPr lang="es-EC" dirty="0"/>
-              <a:t> :está disponible en más de una veintena de idiomas (castellano, inglés, alemán, italiano,...) y permite la incorporación de nuevos idiomas con facilidad.</a:t>
-            </a:r>
-          </a:p>
-          <a:p>
-            <a:pPr marL="285750" indent="-285750" algn="just">
-              <a:buFont typeface="Wingdings" panose="05000000000000000000" pitchFamily="2" charset="2"/>
-              <a:buChar char="Ø"/>
-            </a:pPr>
-            <a:endParaRPr lang="es-EC" dirty="0"/>
-          </a:p>
-          <a:p>
-            <a:pPr marL="285750" indent="-285750" algn="just">
-              <a:buFont typeface="Wingdings" panose="05000000000000000000" pitchFamily="2" charset="2"/>
-              <a:buChar char="Ø"/>
-            </a:pPr>
-            <a:r>
-              <a:rPr lang="es-EC" dirty="0"/>
-              <a:t>Sujeto a estándares: sigue las directrices marcadas por el Open </a:t>
-            </a:r>
-            <a:r>
-              <a:rPr lang="es-EC" dirty="0" err="1"/>
-              <a:t>Geospatial</a:t>
-            </a:r>
-            <a:r>
-              <a:rPr lang="es-EC" dirty="0"/>
-              <a:t> </a:t>
-            </a:r>
-            <a:r>
-              <a:rPr lang="es-EC" dirty="0" err="1"/>
-              <a:t>Consortium</a:t>
-            </a:r>
-            <a:r>
-              <a:rPr lang="es-EC" dirty="0"/>
-              <a:t> (OGC).</a:t>
-            </a:r>
-          </a:p>
-        </p:txBody>
-      </p:sp>
-      <p:sp>
-        <p:nvSpPr>
-          <p:cNvPr id="4" name="Rectángulo redondeado 3"/>
-          <p:cNvSpPr/>
-          <p:nvPr/>
-        </p:nvSpPr>
-        <p:spPr>
-          <a:xfrm>
-            <a:off x="-409434" y="232012"/>
-            <a:ext cx="5418161" cy="805218"/>
-          </a:xfrm>
-          <a:prstGeom prst="roundRect">
-            <a:avLst/>
-          </a:prstGeom>
-        </p:spPr>
-        <p:style>
-          <a:lnRef idx="2">
-            <a:schemeClr val="accent1">
-              <a:shade val="50000"/>
-            </a:schemeClr>
-          </a:lnRef>
-          <a:fillRef idx="1">
-            <a:schemeClr val="accent1"/>
-          </a:fillRef>
-          <a:effectRef idx="0">
-            <a:schemeClr val="accent1"/>
-          </a:effectRef>
-          <a:fontRef idx="minor">
-            <a:schemeClr val="lt1"/>
-          </a:fontRef>
-        </p:style>
-        <p:txBody>
-          <a:bodyPr rtlCol="0" anchor="ctr"/>
-          <a:lstStyle/>
-          <a:p>
-            <a:pPr algn="ctr"/>
-            <a:r>
-              <a:rPr lang="es-EC" sz="2800" dirty="0" smtClean="0"/>
-              <a:t>CARACTERISTICAS</a:t>
-            </a:r>
-            <a:endParaRPr lang="es-EC" sz="2800" dirty="0"/>
-          </a:p>
-        </p:txBody>
-      </p:sp>
-    </p:spTree>
-    <p:extLst>
-      <p:ext uri="{BB962C8B-B14F-4D97-AF65-F5344CB8AC3E}">
-        <p14:creationId xmlns:p14="http://schemas.microsoft.com/office/powerpoint/2010/main" val="358036862"/>
-      </p:ext>
-    </p:extLst>
-  </p:cSld>
-  <p:clrMapOvr>
-    <a:masterClrMapping/>
-  </p:clrMapOvr>
-  <p:timing>
-    <p:tnLst>
-      <p:par>
-        <p:cTn id="1" dur="indefinite" restart="never" nodeType="tmRoot"/>
-      </p:par>
-    </p:tnLst>
-  </p:timing>
-</p:sld>
-</file>
-
-<file path=ppt/slides/slide5.xml><?xml version="1.0" encoding="utf-8"?>
-<p:sld xmlns:a="http://schemas.openxmlformats.org/drawingml/2006/main" xmlns:r="http://schemas.openxmlformats.org/officeDocument/2006/relationships" xmlns:p="http://schemas.openxmlformats.org/presentationml/2006/main">
-  <p:cSld>
-    <p:spTree>
-      <p:nvGrpSpPr>
-        <p:cNvPr id="1" name=""/>
-        <p:cNvGrpSpPr/>
-        <p:nvPr/>
-      </p:nvGrpSpPr>
-      <p:grpSpPr>
-        <a:xfrm>
-          <a:off x="0" y="0"/>
-          <a:ext cx="0" cy="0"/>
-          <a:chOff x="0" y="0"/>
-          <a:chExt cx="0" cy="0"/>
-        </a:xfrm>
-      </p:grpSpPr>
-      <p:sp>
-        <p:nvSpPr>
-          <p:cNvPr id="3" name="Rectángulo 2"/>
-          <p:cNvSpPr/>
-          <p:nvPr/>
-        </p:nvSpPr>
-        <p:spPr>
-          <a:xfrm>
-            <a:off x="3048000" y="2828836"/>
-            <a:ext cx="6096000" cy="369332"/>
-          </a:xfrm>
-          <a:prstGeom prst="rect">
-            <a:avLst/>
-          </a:prstGeom>
-        </p:spPr>
-        <p:txBody>
-          <a:bodyPr>
-            <a:spAutoFit/>
-          </a:bodyPr>
-          <a:lstStyle/>
-          <a:p>
-            <a:endParaRPr lang="es-EC" dirty="0"/>
-          </a:p>
-        </p:txBody>
-      </p:sp>
-      <p:sp>
-        <p:nvSpPr>
-          <p:cNvPr id="5" name="Rectángulo 4"/>
-          <p:cNvSpPr/>
-          <p:nvPr/>
-        </p:nvSpPr>
-        <p:spPr>
-          <a:xfrm>
-            <a:off x="783046" y="1426382"/>
-            <a:ext cx="9144000" cy="646331"/>
-          </a:xfrm>
-          <a:prstGeom prst="rect">
-            <a:avLst/>
-          </a:prstGeom>
-        </p:spPr>
-        <p:txBody>
-          <a:bodyPr wrap="square">
-            <a:spAutoFit/>
-          </a:bodyPr>
-          <a:lstStyle/>
-          <a:p>
-            <a:r>
-              <a:rPr lang="es-EC" dirty="0"/>
-              <a:t>En </a:t>
-            </a:r>
-            <a:r>
-              <a:rPr lang="es-EC" dirty="0" err="1"/>
-              <a:t>gvSIG</a:t>
-            </a:r>
-            <a:r>
-              <a:rPr lang="es-EC" dirty="0"/>
-              <a:t> Desktop podemos encontrar un amplio abanico de funcionalidades, integrando las más diversas áreas de aplicación de los SIG:</a:t>
-            </a:r>
-          </a:p>
-        </p:txBody>
-      </p:sp>
-      <p:sp>
-        <p:nvSpPr>
-          <p:cNvPr id="7" name="Rectángulo 6"/>
-          <p:cNvSpPr/>
-          <p:nvPr/>
-        </p:nvSpPr>
-        <p:spPr>
-          <a:xfrm>
-            <a:off x="5312954" y="2840168"/>
-            <a:ext cx="6096000" cy="2123658"/>
-          </a:xfrm>
-          <a:prstGeom prst="rect">
-            <a:avLst/>
-          </a:prstGeom>
-        </p:spPr>
-        <p:txBody>
-          <a:bodyPr>
-            <a:spAutoFit/>
-          </a:bodyPr>
-          <a:lstStyle/>
-          <a:p>
-            <a:pPr algn="just"/>
-            <a:r>
-              <a:rPr lang="es-EC" sz="2400" b="1" dirty="0"/>
-              <a:t>Vectorial: </a:t>
-            </a:r>
-            <a:r>
-              <a:rPr lang="es-EC" dirty="0"/>
-              <a:t>Acceso a formatos vectoriales, acceso a bases de datos, navegación, consulta, selección, análisis y </a:t>
-            </a:r>
-            <a:r>
-              <a:rPr lang="es-EC" dirty="0" err="1"/>
-              <a:t>geoprocesamiento</a:t>
-            </a:r>
-            <a:r>
-              <a:rPr lang="es-EC" dirty="0"/>
-              <a:t>, edición gráfica y alfanumérica, simbología, etiquetado, diseñador de planos, conversión de datos a otros formatos y sistemas de proyección, relaciones entre tablas, estadísticas, </a:t>
-            </a:r>
-            <a:r>
-              <a:rPr lang="es-EC" dirty="0" smtClean="0"/>
-              <a:t>normalización</a:t>
-            </a:r>
-            <a:r>
-              <a:rPr lang="es-EC" dirty="0"/>
-              <a:t>.</a:t>
-            </a:r>
-          </a:p>
-        </p:txBody>
-      </p:sp>
-      <p:pic>
-        <p:nvPicPr>
-          <p:cNvPr id="1026" name="Picture 2" descr="gvSIG Desktop_vectorial_01_mini"/>
-          <p:cNvPicPr>
-            <a:picLocks noChangeAspect="1" noChangeArrowheads="1"/>
-          </p:cNvPicPr>
-          <p:nvPr/>
-        </p:nvPicPr>
-        <p:blipFill>
-          <a:blip r:embed="rId2">
-            <a:extLst>
-              <a:ext uri="{28A0092B-C50C-407E-A947-70E740481C1C}">
-                <a14:useLocalDpi xmlns:a14="http://schemas.microsoft.com/office/drawing/2010/main" val="0"/>
-              </a:ext>
-            </a:extLst>
-          </a:blip>
-          <a:srcRect/>
-          <a:stretch>
-            <a:fillRect/>
-          </a:stretch>
-        </p:blipFill>
-        <p:spPr bwMode="auto">
-          <a:xfrm>
-            <a:off x="783046" y="2522520"/>
-            <a:ext cx="4353062" cy="2643916"/>
-          </a:xfrm>
-          <a:prstGeom prst="rect">
-            <a:avLst/>
-          </a:prstGeom>
-          <a:noFill/>
-          <a:extLst>
-            <a:ext uri="{909E8E84-426E-40DD-AFC4-6F175D3DCCD1}">
-              <a14:hiddenFill xmlns:a14="http://schemas.microsoft.com/office/drawing/2010/main">
-                <a:solidFill>
-                  <a:srgbClr val="FFFFFF"/>
-                </a:solidFill>
-              </a14:hiddenFill>
-            </a:ext>
-          </a:extLst>
-        </p:spPr>
-      </p:pic>
-      <p:sp>
-        <p:nvSpPr>
-          <p:cNvPr id="9" name="Rectángulo redondeado 8"/>
-          <p:cNvSpPr/>
-          <p:nvPr/>
-        </p:nvSpPr>
-        <p:spPr>
-          <a:xfrm>
-            <a:off x="-204717" y="477672"/>
-            <a:ext cx="5418161" cy="805218"/>
-          </a:xfrm>
-          <a:prstGeom prst="roundRect">
-            <a:avLst/>
-          </a:prstGeom>
-        </p:spPr>
-        <p:style>
-          <a:lnRef idx="2">
-            <a:schemeClr val="accent1">
-              <a:shade val="50000"/>
-            </a:schemeClr>
-          </a:lnRef>
-          <a:fillRef idx="1">
-            <a:schemeClr val="accent1"/>
-          </a:fillRef>
-          <a:effectRef idx="0">
-            <a:schemeClr val="accent1"/>
-          </a:effectRef>
-          <a:fontRef idx="minor">
-            <a:schemeClr val="lt1"/>
-          </a:fontRef>
-        </p:style>
-        <p:txBody>
-          <a:bodyPr rtlCol="0" anchor="ctr"/>
-          <a:lstStyle/>
-          <a:p>
-            <a:pPr algn="ctr"/>
-            <a:r>
-              <a:rPr lang="es-EC" sz="2800" dirty="0" smtClean="0"/>
-              <a:t>FUNCIONALIDADES</a:t>
-            </a:r>
-            <a:endParaRPr lang="es-EC" sz="2800" dirty="0"/>
-          </a:p>
-        </p:txBody>
-      </p:sp>
-    </p:spTree>
-    <p:extLst>
-      <p:ext uri="{BB962C8B-B14F-4D97-AF65-F5344CB8AC3E}">
-        <p14:creationId xmlns:p14="http://schemas.microsoft.com/office/powerpoint/2010/main" val="2618602413"/>
-      </p:ext>
-    </p:extLst>
-  </p:cSld>
-  <p:clrMapOvr>
-    <a:masterClrMapping/>
-  </p:clrMapOvr>
-  <p:timing>
-    <p:tnLst>
-      <p:par>
-        <p:cTn id="1" dur="indefinite" restart="never" nodeType="tmRoot"/>
-      </p:par>
-    </p:tnLst>
-  </p:timing>
-</p:sld>
-</file>
-
-<file path=ppt/slides/slide6.xml><?xml version="1.0" encoding="utf-8"?>
-<p:sld xmlns:a="http://schemas.openxmlformats.org/drawingml/2006/main" xmlns:r="http://schemas.openxmlformats.org/officeDocument/2006/relationships" xmlns:p="http://schemas.openxmlformats.org/presentationml/2006/main">
-  <p:cSld>
-    <p:spTree>
-      <p:nvGrpSpPr>
-        <p:cNvPr id="1" name=""/>
-        <p:cNvGrpSpPr/>
-        <p:nvPr/>
-      </p:nvGrpSpPr>
-      <p:grpSpPr>
-        <a:xfrm>
-          <a:off x="0" y="0"/>
-          <a:ext cx="0" cy="0"/>
-          <a:chOff x="0" y="0"/>
-          <a:chExt cx="0" cy="0"/>
-        </a:xfrm>
-      </p:grpSpPr>
-      <p:sp>
-        <p:nvSpPr>
-          <p:cNvPr id="3" name="Rectángulo 2"/>
-          <p:cNvSpPr/>
-          <p:nvPr/>
-        </p:nvSpPr>
-        <p:spPr>
-          <a:xfrm>
-            <a:off x="5186149" y="2023113"/>
-            <a:ext cx="6537278" cy="2893100"/>
-          </a:xfrm>
-          <a:prstGeom prst="rect">
-            <a:avLst/>
-          </a:prstGeom>
-        </p:spPr>
-        <p:txBody>
-          <a:bodyPr wrap="square">
-            <a:spAutoFit/>
-          </a:bodyPr>
-          <a:lstStyle/>
-          <a:p>
-            <a:pPr algn="just"/>
-            <a:r>
-              <a:rPr lang="es-EC" sz="2000" b="1" dirty="0" err="1"/>
-              <a:t>Ráster</a:t>
-            </a:r>
-            <a:r>
-              <a:rPr lang="es-EC" sz="2000" b="1" dirty="0"/>
-              <a:t> y teledetección: </a:t>
-            </a:r>
-            <a:r>
-              <a:rPr lang="es-EC" dirty="0"/>
-              <a:t>acceso a formatos </a:t>
-            </a:r>
-            <a:r>
-              <a:rPr lang="es-EC" dirty="0" err="1"/>
-              <a:t>raster</a:t>
-            </a:r>
-            <a:r>
-              <a:rPr lang="es-EC" dirty="0"/>
-              <a:t>, tabla de color y gradientes, recorte de datos y bandas, exportación de capas, procesamiento por píxel, tratamiento de interpretación de color, generación de pirámides, realces radiométricos, histogramas, geolocalización, </a:t>
-            </a:r>
-            <a:r>
-              <a:rPr lang="es-EC" dirty="0" err="1"/>
-              <a:t>reproyección</a:t>
-            </a:r>
-            <a:r>
-              <a:rPr lang="es-EC" dirty="0"/>
-              <a:t> de </a:t>
-            </a:r>
-            <a:r>
-              <a:rPr lang="es-EC" dirty="0" err="1"/>
-              <a:t>raster</a:t>
-            </a:r>
-            <a:r>
-              <a:rPr lang="es-EC" dirty="0"/>
-              <a:t>, georreferenciación, </a:t>
-            </a:r>
-            <a:r>
-              <a:rPr lang="es-EC" dirty="0" err="1"/>
-              <a:t>vectorización</a:t>
-            </a:r>
-            <a:r>
-              <a:rPr lang="es-EC" dirty="0"/>
-              <a:t> automática, álgebra de bandas, definición de áreas de interés, clasificación supervisada y no supervisada, árboles de decisión, fusión de imágenes, mosaicos, diagramas de </a:t>
-            </a:r>
-            <a:r>
-              <a:rPr lang="es-EC" dirty="0" smtClean="0"/>
-              <a:t>dispersión</a:t>
-            </a:r>
-            <a:r>
-              <a:rPr lang="es-EC" dirty="0"/>
-              <a:t>.</a:t>
-            </a:r>
-          </a:p>
-        </p:txBody>
-      </p:sp>
-      <p:pic>
-        <p:nvPicPr>
-          <p:cNvPr id="2050" name="Picture 2" descr="gvSIG Desktop_raster 01_mini"/>
-          <p:cNvPicPr>
-            <a:picLocks noChangeAspect="1" noChangeArrowheads="1"/>
-          </p:cNvPicPr>
-          <p:nvPr/>
-        </p:nvPicPr>
-        <p:blipFill>
-          <a:blip r:embed="rId2">
-            <a:extLst>
-              <a:ext uri="{28A0092B-C50C-407E-A947-70E740481C1C}">
-                <a14:useLocalDpi xmlns:a14="http://schemas.microsoft.com/office/drawing/2010/main" val="0"/>
-              </a:ext>
-            </a:extLst>
-          </a:blip>
-          <a:srcRect/>
-          <a:stretch>
-            <a:fillRect/>
-          </a:stretch>
-        </p:blipFill>
-        <p:spPr bwMode="auto">
-          <a:xfrm>
-            <a:off x="851612" y="2167924"/>
-            <a:ext cx="4034288" cy="2603478"/>
-          </a:xfrm>
-          <a:prstGeom prst="rect">
-            <a:avLst/>
-          </a:prstGeom>
-          <a:noFill/>
-          <a:extLst>
-            <a:ext uri="{909E8E84-426E-40DD-AFC4-6F175D3DCCD1}">
-              <a14:hiddenFill xmlns:a14="http://schemas.microsoft.com/office/drawing/2010/main">
-                <a:solidFill>
-                  <a:srgbClr val="FFFFFF"/>
-                </a:solidFill>
-              </a14:hiddenFill>
-            </a:ext>
-          </a:extLst>
-        </p:spPr>
-      </p:pic>
-    </p:spTree>
-    <p:extLst>
-      <p:ext uri="{BB962C8B-B14F-4D97-AF65-F5344CB8AC3E}">
-        <p14:creationId xmlns:p14="http://schemas.microsoft.com/office/powerpoint/2010/main" val="1856970225"/>
-      </p:ext>
-    </p:extLst>
-  </p:cSld>
-  <p:clrMapOvr>
-    <a:masterClrMapping/>
-  </p:clrMapOvr>
-  <p:timing>
-    <p:tnLst>
-      <p:par>
-        <p:cTn id="1" dur="indefinite" restart="never" nodeType="tmRoot"/>
-      </p:par>
-    </p:tnLst>
-  </p:timing>
-</p:sld>
-</file>
-
-<file path=ppt/slides/slide7.xml><?xml version="1.0" encoding="utf-8"?>
-<p:sld xmlns:a="http://schemas.openxmlformats.org/drawingml/2006/main" xmlns:r="http://schemas.openxmlformats.org/officeDocument/2006/relationships" xmlns:p="http://schemas.openxmlformats.org/presentationml/2006/main">
-  <p:cSld>
-    <p:spTree>
-      <p:nvGrpSpPr>
-        <p:cNvPr id="1" name=""/>
-        <p:cNvGrpSpPr/>
-        <p:nvPr/>
-      </p:nvGrpSpPr>
-      <p:grpSpPr>
-        <a:xfrm>
-          <a:off x="0" y="0"/>
-          <a:ext cx="0" cy="0"/>
-          <a:chOff x="0" y="0"/>
-          <a:chExt cx="0" cy="0"/>
-        </a:xfrm>
-      </p:grpSpPr>
-      <p:sp>
-        <p:nvSpPr>
           <p:cNvPr id="3" name="Rectángulo 2"/>
           <p:cNvSpPr/>
           <p:nvPr/>
@@ -8109,7 +6648,7 @@
 </p:sld>
 </file>
 
-<file path=ppt/slides/slide8.xml><?xml version="1.0" encoding="utf-8"?>
+<file path=ppt/slides/slide11.xml><?xml version="1.0" encoding="utf-8"?>
 <p:sld xmlns:a="http://schemas.openxmlformats.org/drawingml/2006/main" xmlns:r="http://schemas.openxmlformats.org/officeDocument/2006/relationships" xmlns:p="http://schemas.openxmlformats.org/presentationml/2006/main">
   <p:cSld>
     <p:spTree>
@@ -8273,7 +6812,7 @@
 </p:sld>
 </file>
 
-<file path=ppt/slides/slide9.xml><?xml version="1.0" encoding="utf-8"?>
+<file path=ppt/slides/slide12.xml><?xml version="1.0" encoding="utf-8"?>
 <p:sld xmlns:a="http://schemas.openxmlformats.org/drawingml/2006/main" xmlns:r="http://schemas.openxmlformats.org/officeDocument/2006/relationships" xmlns:p="http://schemas.openxmlformats.org/presentationml/2006/main">
   <p:cSld>
     <p:spTree>
@@ -8328,7 +6867,7 @@
             <a:pPr algn="ctr"/>
             <a:r>
               <a:rPr lang="es-EC" sz="2800" dirty="0" smtClean="0"/>
-              <a:t>¿QUÉ ES GVSIG MOBILE?</a:t>
+              <a:t>EXTENSIONES</a:t>
             </a:r>
             <a:endParaRPr lang="es-EC" sz="2800" dirty="0"/>
           </a:p>
@@ -8336,14 +6875,14 @@
       </p:sp>
       <p:sp>
         <p:nvSpPr>
-          <p:cNvPr id="4" name="Rectángulo 3"/>
+          <p:cNvPr id="3" name="Rectángulo 2"/>
           <p:cNvSpPr/>
           <p:nvPr/>
         </p:nvSpPr>
         <p:spPr>
           <a:xfrm>
-            <a:off x="1269243" y="1538870"/>
-            <a:ext cx="9744500" cy="3970318"/>
+            <a:off x="1392071" y="2159591"/>
+            <a:ext cx="9512489" cy="2585323"/>
           </a:xfrm>
           <a:prstGeom prst="rect">
             <a:avLst/>
@@ -8355,13 +6894,1674 @@
           </a:bodyPr>
           <a:lstStyle/>
           <a:p>
+            <a:r>
+              <a:rPr lang="es-EC" dirty="0"/>
+              <a:t>Cliente </a:t>
+            </a:r>
+            <a:r>
+              <a:rPr lang="es-EC" dirty="0" err="1" smtClean="0"/>
+              <a:t>ArcIms</a:t>
+            </a:r>
+            <a:endParaRPr lang="es-EC" dirty="0" smtClean="0"/>
+          </a:p>
+          <a:p>
+            <a:endParaRPr lang="es-EC" dirty="0"/>
+          </a:p>
+          <a:p>
             <a:pPr algn="just"/>
+            <a:r>
+              <a:rPr lang="es-EC" dirty="0"/>
+              <a:t>La </a:t>
+            </a:r>
+            <a:r>
+              <a:rPr lang="es-EC" dirty="0" err="1"/>
+              <a:t>extension</a:t>
+            </a:r>
+            <a:r>
+              <a:rPr lang="es-EC" dirty="0"/>
+              <a:t> del cliente </a:t>
+            </a:r>
+            <a:r>
+              <a:rPr lang="es-EC" dirty="0" err="1"/>
+              <a:t>ArcIMS</a:t>
+            </a:r>
+            <a:r>
+              <a:rPr lang="es-EC" dirty="0"/>
+              <a:t> de </a:t>
+            </a:r>
+            <a:r>
+              <a:rPr lang="es-EC" dirty="0" err="1"/>
+              <a:t>GvSig</a:t>
+            </a:r>
+            <a:r>
+              <a:rPr lang="es-EC" dirty="0"/>
+              <a:t> permite al usuario </a:t>
+            </a:r>
+            <a:r>
+              <a:rPr lang="es-EC" dirty="0" err="1"/>
+              <a:t>anadir</a:t>
+            </a:r>
+            <a:r>
+              <a:rPr lang="es-EC" dirty="0"/>
+              <a:t> de forma sencilla</a:t>
+            </a:r>
+          </a:p>
+          <a:p>
+            <a:pPr algn="just"/>
+            <a:r>
+              <a:rPr lang="es-EC" dirty="0"/>
+              <a:t>servicios tanto de </a:t>
+            </a:r>
+            <a:r>
+              <a:rPr lang="es-EC" dirty="0" err="1"/>
+              <a:t>imagenes</a:t>
+            </a:r>
+            <a:r>
+              <a:rPr lang="es-EC" dirty="0"/>
+              <a:t> (</a:t>
+            </a:r>
+            <a:r>
+              <a:rPr lang="es-EC" dirty="0" err="1"/>
+              <a:t>ImageServer</a:t>
+            </a:r>
+            <a:r>
+              <a:rPr lang="es-EC" dirty="0"/>
+              <a:t>) como de </a:t>
+            </a:r>
+            <a:r>
+              <a:rPr lang="es-EC" dirty="0" err="1"/>
+              <a:t>geometrias</a:t>
+            </a:r>
+            <a:r>
+              <a:rPr lang="es-EC" dirty="0"/>
+              <a:t> (</a:t>
+            </a:r>
+            <a:r>
+              <a:rPr lang="es-EC" dirty="0" err="1"/>
+              <a:t>FeatureServer</a:t>
+            </a:r>
+            <a:r>
+              <a:rPr lang="es-EC" dirty="0"/>
+              <a:t>) en </a:t>
+            </a:r>
+            <a:r>
+              <a:rPr lang="es-EC" dirty="0" smtClean="0"/>
+              <a:t>una interfaz </a:t>
+            </a:r>
+            <a:r>
+              <a:rPr lang="es-EC" dirty="0"/>
+              <a:t>similar al resto de servicios remotos de </a:t>
+            </a:r>
+            <a:r>
+              <a:rPr lang="es-EC" dirty="0" err="1"/>
+              <a:t>GvSig</a:t>
+            </a:r>
+            <a:r>
+              <a:rPr lang="es-EC" dirty="0"/>
+              <a:t>. El servicio de </a:t>
+            </a:r>
+            <a:r>
+              <a:rPr lang="es-EC" dirty="0" err="1"/>
+              <a:t>imagenes</a:t>
+            </a:r>
+            <a:r>
+              <a:rPr lang="es-EC" dirty="0"/>
+              <a:t> </a:t>
+            </a:r>
+            <a:r>
+              <a:rPr lang="es-EC" dirty="0" smtClean="0"/>
+              <a:t>permite </a:t>
+            </a:r>
+            <a:r>
+              <a:rPr lang="es-EC" dirty="0" err="1" smtClean="0"/>
+              <a:t>anadir</a:t>
+            </a:r>
+            <a:r>
+              <a:rPr lang="es-EC" dirty="0" smtClean="0"/>
+              <a:t> </a:t>
+            </a:r>
+            <a:r>
+              <a:rPr lang="es-EC" dirty="0"/>
+              <a:t>a la vista un conjunto personalizado de capas. El servicio de </a:t>
+            </a:r>
+            <a:r>
+              <a:rPr lang="es-EC" dirty="0" err="1"/>
+              <a:t>geometrias</a:t>
+            </a:r>
+            <a:r>
+              <a:rPr lang="es-EC" dirty="0"/>
+              <a:t> </a:t>
+            </a:r>
+            <a:r>
+              <a:rPr lang="es-EC" dirty="0" smtClean="0"/>
+              <a:t>permite </a:t>
+            </a:r>
+            <a:r>
+              <a:rPr lang="es-EC" dirty="0" err="1" smtClean="0"/>
+              <a:t>anadir</a:t>
+            </a:r>
+            <a:r>
+              <a:rPr lang="es-EC" dirty="0" smtClean="0"/>
+              <a:t> </a:t>
+            </a:r>
+            <a:r>
+              <a:rPr lang="es-EC" dirty="0"/>
+              <a:t>capas vectoriales remotas publicadas en un servicio de </a:t>
+            </a:r>
+            <a:r>
+              <a:rPr lang="es-EC" dirty="0" err="1"/>
+              <a:t>geometrias</a:t>
+            </a:r>
+            <a:r>
+              <a:rPr lang="es-EC" dirty="0"/>
+              <a:t>.</a:t>
+            </a:r>
+          </a:p>
+          <a:p>
+            <a:endParaRPr lang="es-EC" dirty="0"/>
+          </a:p>
+        </p:txBody>
+      </p:sp>
+    </p:spTree>
+    <p:extLst>
+      <p:ext uri="{BB962C8B-B14F-4D97-AF65-F5344CB8AC3E}">
+        <p14:creationId xmlns:p14="http://schemas.microsoft.com/office/powerpoint/2010/main" val="3861020910"/>
+      </p:ext>
+    </p:extLst>
+  </p:cSld>
+  <p:clrMapOvr>
+    <a:masterClrMapping/>
+  </p:clrMapOvr>
+</p:sld>
+</file>
+
+<file path=ppt/slides/slide13.xml><?xml version="1.0" encoding="utf-8"?>
+<p:sld xmlns:a="http://schemas.openxmlformats.org/drawingml/2006/main" xmlns:r="http://schemas.openxmlformats.org/officeDocument/2006/relationships" xmlns:p="http://schemas.openxmlformats.org/presentationml/2006/main">
+  <p:cSld>
+    <p:spTree>
+      <p:nvGrpSpPr>
+        <p:cNvPr id="1" name=""/>
+        <p:cNvGrpSpPr/>
+        <p:nvPr/>
+      </p:nvGrpSpPr>
+      <p:grpSpPr>
+        <a:xfrm>
+          <a:off x="0" y="0"/>
+          <a:ext cx="0" cy="0"/>
+          <a:chOff x="0" y="0"/>
+          <a:chExt cx="0" cy="0"/>
+        </a:xfrm>
+      </p:grpSpPr>
+      <p:sp>
+        <p:nvSpPr>
+          <p:cNvPr id="2" name="Rectángulo redondeado 1"/>
+          <p:cNvSpPr/>
+          <p:nvPr/>
+        </p:nvSpPr>
+        <p:spPr>
+          <a:xfrm>
+            <a:off x="-204717" y="477672"/>
+            <a:ext cx="5418161" cy="805218"/>
+          </a:xfrm>
+          <a:prstGeom prst="roundRect">
+            <a:avLst/>
+          </a:prstGeom>
+        </p:spPr>
+        <p:style>
+          <a:lnRef idx="2">
+            <a:schemeClr val="accent1">
+              <a:shade val="50000"/>
+            </a:schemeClr>
+          </a:lnRef>
+          <a:fillRef idx="1">
+            <a:schemeClr val="accent1"/>
+          </a:fillRef>
+          <a:effectRef idx="0">
+            <a:schemeClr val="accent1"/>
+          </a:effectRef>
+          <a:fontRef idx="minor">
+            <a:schemeClr val="lt1"/>
+          </a:fontRef>
+        </p:style>
+        <p:txBody>
+          <a:bodyPr rtlCol="0" anchor="ctr"/>
+          <a:lstStyle/>
+          <a:p>
+            <a:pPr algn="ctr"/>
+            <a:r>
+              <a:rPr lang="es-EC" sz="2800" dirty="0" smtClean="0"/>
+              <a:t>EXTENSIONES</a:t>
+            </a:r>
+            <a:endParaRPr lang="es-EC" sz="2800" dirty="0"/>
+          </a:p>
+        </p:txBody>
+      </p:sp>
+      <p:sp>
+        <p:nvSpPr>
+          <p:cNvPr id="3" name="Rectángulo 2"/>
+          <p:cNvSpPr/>
+          <p:nvPr/>
+        </p:nvSpPr>
+        <p:spPr>
+          <a:xfrm>
+            <a:off x="1392071" y="2159591"/>
+            <a:ext cx="9512489" cy="2031325"/>
+          </a:xfrm>
+          <a:prstGeom prst="rect">
+            <a:avLst/>
+          </a:prstGeom>
+        </p:spPr>
+        <p:txBody>
+          <a:bodyPr wrap="square">
+            <a:spAutoFit/>
+          </a:bodyPr>
+          <a:lstStyle/>
+          <a:p>
+            <a:r>
+              <a:rPr lang="es-EC" dirty="0"/>
+              <a:t>Piloto </a:t>
+            </a:r>
+            <a:r>
+              <a:rPr lang="es-EC" dirty="0" err="1" smtClean="0"/>
+              <a:t>ráster</a:t>
+            </a:r>
+            <a:endParaRPr lang="es-EC" dirty="0" smtClean="0"/>
+          </a:p>
+          <a:p>
+            <a:endParaRPr lang="es-EC" dirty="0"/>
+          </a:p>
+          <a:p>
+            <a:pPr algn="just"/>
+            <a:r>
+              <a:rPr lang="es-EC" dirty="0"/>
+              <a:t>Aplicación 'piloto' ganadora del concurso de </a:t>
+            </a:r>
+            <a:r>
+              <a:rPr lang="es-EC" dirty="0" err="1"/>
+              <a:t>ráster</a:t>
+            </a:r>
+            <a:r>
+              <a:rPr lang="es-EC" dirty="0"/>
+              <a:t> ofertado por la </a:t>
+            </a:r>
+            <a:r>
+              <a:rPr lang="es-EC" dirty="0" err="1"/>
+              <a:t>Conselleria</a:t>
+            </a:r>
+            <a:r>
+              <a:rPr lang="es-EC" dirty="0"/>
+              <a:t> de</a:t>
+            </a:r>
+          </a:p>
+          <a:p>
+            <a:pPr algn="just"/>
+            <a:r>
+              <a:rPr lang="es-EC" dirty="0"/>
+              <a:t>Infraestructuras y Transporte. Permite abrir nuevos formatos de imagen y la </a:t>
+            </a:r>
+            <a:r>
+              <a:rPr lang="es-EC" dirty="0" smtClean="0"/>
+              <a:t>aplicación de </a:t>
+            </a:r>
+            <a:r>
+              <a:rPr lang="es-EC" dirty="0"/>
+              <a:t>paletas de color a un MDT, histograma, recorte de capas </a:t>
+            </a:r>
+            <a:r>
+              <a:rPr lang="es-EC" dirty="0" err="1"/>
+              <a:t>ráster</a:t>
+            </a:r>
+            <a:r>
+              <a:rPr lang="es-EC" dirty="0"/>
+              <a:t> y algunos filtros </a:t>
+            </a:r>
+            <a:r>
+              <a:rPr lang="es-EC" dirty="0" smtClean="0"/>
+              <a:t>de visualización </a:t>
+            </a:r>
+            <a:r>
+              <a:rPr lang="es-EC" dirty="0"/>
+              <a:t>nuevos. Se instala como una extensión sobre la versión actual de </a:t>
+            </a:r>
+            <a:r>
+              <a:rPr lang="es-EC" dirty="0" err="1"/>
+              <a:t>GvSig</a:t>
+            </a:r>
+            <a:r>
+              <a:rPr lang="es-EC" dirty="0"/>
+              <a:t>.</a:t>
+            </a:r>
+          </a:p>
+        </p:txBody>
+      </p:sp>
+    </p:spTree>
+    <p:extLst>
+      <p:ext uri="{BB962C8B-B14F-4D97-AF65-F5344CB8AC3E}">
+        <p14:creationId xmlns:p14="http://schemas.microsoft.com/office/powerpoint/2010/main" val="708862725"/>
+      </p:ext>
+    </p:extLst>
+  </p:cSld>
+  <p:clrMapOvr>
+    <a:masterClrMapping/>
+  </p:clrMapOvr>
+</p:sld>
+</file>
+
+<file path=ppt/slides/slide14.xml><?xml version="1.0" encoding="utf-8"?>
+<p:sld xmlns:a="http://schemas.openxmlformats.org/drawingml/2006/main" xmlns:r="http://schemas.openxmlformats.org/officeDocument/2006/relationships" xmlns:p="http://schemas.openxmlformats.org/presentationml/2006/main">
+  <p:cSld>
+    <p:spTree>
+      <p:nvGrpSpPr>
+        <p:cNvPr id="1" name=""/>
+        <p:cNvGrpSpPr/>
+        <p:nvPr/>
+      </p:nvGrpSpPr>
+      <p:grpSpPr>
+        <a:xfrm>
+          <a:off x="0" y="0"/>
+          <a:ext cx="0" cy="0"/>
+          <a:chOff x="0" y="0"/>
+          <a:chExt cx="0" cy="0"/>
+        </a:xfrm>
+      </p:grpSpPr>
+      <p:sp>
+        <p:nvSpPr>
+          <p:cNvPr id="2" name="Rectángulo redondeado 1"/>
+          <p:cNvSpPr/>
+          <p:nvPr/>
+        </p:nvSpPr>
+        <p:spPr>
+          <a:xfrm>
+            <a:off x="-204717" y="477672"/>
+            <a:ext cx="5418161" cy="805218"/>
+          </a:xfrm>
+          <a:prstGeom prst="roundRect">
+            <a:avLst/>
+          </a:prstGeom>
+        </p:spPr>
+        <p:style>
+          <a:lnRef idx="2">
+            <a:schemeClr val="accent1">
+              <a:shade val="50000"/>
+            </a:schemeClr>
+          </a:lnRef>
+          <a:fillRef idx="1">
+            <a:schemeClr val="accent1"/>
+          </a:fillRef>
+          <a:effectRef idx="0">
+            <a:schemeClr val="accent1"/>
+          </a:effectRef>
+          <a:fontRef idx="minor">
+            <a:schemeClr val="lt1"/>
+          </a:fontRef>
+        </p:style>
+        <p:txBody>
+          <a:bodyPr rtlCol="0" anchor="ctr"/>
+          <a:lstStyle/>
+          <a:p>
+            <a:pPr algn="ctr"/>
+            <a:r>
+              <a:rPr lang="es-EC" sz="2800" dirty="0" smtClean="0"/>
+              <a:t>EXTENSIONES</a:t>
+            </a:r>
+            <a:endParaRPr lang="es-EC" sz="2800" dirty="0"/>
+          </a:p>
+        </p:txBody>
+      </p:sp>
+      <p:sp>
+        <p:nvSpPr>
+          <p:cNvPr id="3" name="Rectángulo 2"/>
+          <p:cNvSpPr/>
+          <p:nvPr/>
+        </p:nvSpPr>
+        <p:spPr>
+          <a:xfrm>
+            <a:off x="1446662" y="1709215"/>
+            <a:ext cx="9512489" cy="3970318"/>
+          </a:xfrm>
+          <a:prstGeom prst="rect">
+            <a:avLst/>
+          </a:prstGeom>
+        </p:spPr>
+        <p:txBody>
+          <a:bodyPr wrap="square">
+            <a:spAutoFit/>
+          </a:bodyPr>
+          <a:lstStyle/>
+          <a:p>
+            <a:r>
+              <a:rPr lang="es-EC" dirty="0" err="1" smtClean="0"/>
+              <a:t>GeoBD</a:t>
+            </a:r>
+            <a:endParaRPr lang="es-EC" dirty="0" smtClean="0"/>
+          </a:p>
+          <a:p>
+            <a:endParaRPr lang="es-EC" dirty="0"/>
+          </a:p>
+          <a:p>
+            <a:r>
+              <a:rPr lang="es-EC" dirty="0"/>
+              <a:t>La extensión </a:t>
+            </a:r>
+            <a:r>
+              <a:rPr lang="es-EC" dirty="0" err="1"/>
+              <a:t>geoBD</a:t>
+            </a:r>
+            <a:r>
+              <a:rPr lang="es-EC" dirty="0"/>
+              <a:t> permite el acceso a bases de datos geoespaciales, modificando </a:t>
+            </a:r>
+            <a:r>
+              <a:rPr lang="es-EC" dirty="0" smtClean="0"/>
+              <a:t>el antiguo </a:t>
+            </a:r>
+            <a:r>
+              <a:rPr lang="es-EC" dirty="0"/>
+              <a:t>interfaz de acceso a las mismas y añadiendo el conector de Oracle </a:t>
+            </a:r>
+            <a:r>
+              <a:rPr lang="es-EC" dirty="0" err="1"/>
+              <a:t>Locator</a:t>
+            </a:r>
+            <a:r>
+              <a:rPr lang="es-EC" dirty="0"/>
+              <a:t> </a:t>
+            </a:r>
+            <a:r>
+              <a:rPr lang="es-EC" dirty="0" smtClean="0"/>
+              <a:t>a los </a:t>
+            </a:r>
+            <a:r>
+              <a:rPr lang="es-EC" dirty="0"/>
+              <a:t>ya existentes de </a:t>
+            </a:r>
+            <a:r>
+              <a:rPr lang="es-EC" dirty="0" err="1"/>
+              <a:t>PostGis</a:t>
+            </a:r>
+            <a:r>
+              <a:rPr lang="es-EC" dirty="0"/>
+              <a:t> (lectura/escritura), y </a:t>
+            </a:r>
+            <a:r>
+              <a:rPr lang="es-EC" dirty="0" err="1"/>
+              <a:t>MySQL</a:t>
+            </a:r>
+            <a:r>
+              <a:rPr lang="es-EC" dirty="0"/>
+              <a:t> y HSQLDB (sólo lectura</a:t>
+            </a:r>
+            <a:r>
+              <a:rPr lang="es-EC" dirty="0" smtClean="0"/>
+              <a:t>).</a:t>
+            </a:r>
+          </a:p>
+          <a:p>
+            <a:endParaRPr lang="es-EC" dirty="0"/>
+          </a:p>
+          <a:p>
+            <a:r>
+              <a:rPr lang="es-EC" dirty="0"/>
+              <a:t>Esta </a:t>
+            </a:r>
+            <a:r>
+              <a:rPr lang="es-EC" dirty="0" err="1"/>
+              <a:t>extension</a:t>
+            </a:r>
+            <a:r>
+              <a:rPr lang="es-EC" dirty="0"/>
+              <a:t> permite al usuario acceder a bases de datos </a:t>
+            </a:r>
+            <a:r>
+              <a:rPr lang="es-EC" dirty="0" err="1"/>
+              <a:t>geograficas</a:t>
+            </a:r>
+            <a:r>
+              <a:rPr lang="es-EC" dirty="0"/>
+              <a:t> de forma</a:t>
+            </a:r>
+          </a:p>
+          <a:p>
+            <a:r>
+              <a:rPr lang="es-EC" dirty="0"/>
+              <a:t>sencilla y unificada para distintos proveedores. En la actualidad </a:t>
+            </a:r>
             <a:r>
               <a:rPr lang="es-EC" dirty="0" err="1"/>
               <a:t>gvSIG</a:t>
             </a:r>
             <a:r>
               <a:rPr lang="es-EC" dirty="0"/>
+              <a:t> soporta los</a:t>
+            </a:r>
+          </a:p>
+          <a:p>
+            <a:r>
+              <a:rPr lang="es-EC" dirty="0"/>
+              <a:t>siguientes sistemas gestores de bases de datos:</a:t>
+            </a:r>
+          </a:p>
+          <a:p>
+            <a:r>
+              <a:rPr lang="es-EC" dirty="0"/>
+              <a:t>• </a:t>
+            </a:r>
+            <a:r>
+              <a:rPr lang="es-EC" dirty="0" err="1"/>
+              <a:t>PostGIS</a:t>
+            </a:r>
+            <a:endParaRPr lang="es-EC" dirty="0"/>
+          </a:p>
+          <a:p>
+            <a:r>
+              <a:rPr lang="es-EC" dirty="0"/>
+              <a:t>• </a:t>
+            </a:r>
+            <a:r>
+              <a:rPr lang="es-EC" dirty="0" err="1"/>
+              <a:t>MySQL</a:t>
+            </a:r>
+            <a:endParaRPr lang="es-EC" dirty="0"/>
+          </a:p>
+          <a:p>
+            <a:r>
+              <a:rPr lang="es-EC" dirty="0"/>
+              <a:t>• HSQLDB</a:t>
+            </a:r>
+          </a:p>
+          <a:p>
+            <a:r>
+              <a:rPr lang="es-EC" dirty="0"/>
+              <a:t>• Oracle </a:t>
+            </a:r>
+            <a:r>
+              <a:rPr lang="es-EC" dirty="0" err="1"/>
+              <a:t>Spatial</a:t>
+            </a:r>
+            <a:r>
+              <a:rPr lang="es-EC" dirty="0"/>
+              <a:t> (SDO </a:t>
+            </a:r>
+            <a:r>
+              <a:rPr lang="es-EC" dirty="0" err="1"/>
+              <a:t>Geometry</a:t>
+            </a:r>
+            <a:r>
+              <a:rPr lang="es-EC" dirty="0"/>
+              <a:t>)</a:t>
+            </a:r>
+            <a:endParaRPr lang="es-EC" dirty="0"/>
+          </a:p>
+        </p:txBody>
+      </p:sp>
+    </p:spTree>
+    <p:extLst>
+      <p:ext uri="{BB962C8B-B14F-4D97-AF65-F5344CB8AC3E}">
+        <p14:creationId xmlns:p14="http://schemas.microsoft.com/office/powerpoint/2010/main" val="743897693"/>
+      </p:ext>
+    </p:extLst>
+  </p:cSld>
+  <p:clrMapOvr>
+    <a:masterClrMapping/>
+  </p:clrMapOvr>
+</p:sld>
+</file>
+
+<file path=ppt/slides/slide15.xml><?xml version="1.0" encoding="utf-8"?>
+<p:sld xmlns:a="http://schemas.openxmlformats.org/drawingml/2006/main" xmlns:r="http://schemas.openxmlformats.org/officeDocument/2006/relationships" xmlns:p="http://schemas.openxmlformats.org/presentationml/2006/main">
+  <p:cSld>
+    <p:spTree>
+      <p:nvGrpSpPr>
+        <p:cNvPr id="1" name=""/>
+        <p:cNvGrpSpPr/>
+        <p:nvPr/>
+      </p:nvGrpSpPr>
+      <p:grpSpPr>
+        <a:xfrm>
+          <a:off x="0" y="0"/>
+          <a:ext cx="0" cy="0"/>
+          <a:chOff x="0" y="0"/>
+          <a:chExt cx="0" cy="0"/>
+        </a:xfrm>
+      </p:grpSpPr>
+      <p:sp>
+        <p:nvSpPr>
+          <p:cNvPr id="2" name="Rectángulo redondeado 1"/>
+          <p:cNvSpPr/>
+          <p:nvPr/>
+        </p:nvSpPr>
+        <p:spPr>
+          <a:xfrm>
+            <a:off x="-204717" y="477672"/>
+            <a:ext cx="5418161" cy="805218"/>
+          </a:xfrm>
+          <a:prstGeom prst="roundRect">
+            <a:avLst/>
+          </a:prstGeom>
+        </p:spPr>
+        <p:style>
+          <a:lnRef idx="2">
+            <a:schemeClr val="accent1">
+              <a:shade val="50000"/>
+            </a:schemeClr>
+          </a:lnRef>
+          <a:fillRef idx="1">
+            <a:schemeClr val="accent1"/>
+          </a:fillRef>
+          <a:effectRef idx="0">
+            <a:schemeClr val="accent1"/>
+          </a:effectRef>
+          <a:fontRef idx="minor">
+            <a:schemeClr val="lt1"/>
+          </a:fontRef>
+        </p:style>
+        <p:txBody>
+          <a:bodyPr rtlCol="0" anchor="ctr"/>
+          <a:lstStyle/>
+          <a:p>
+            <a:pPr algn="ctr"/>
+            <a:r>
+              <a:rPr lang="es-EC" sz="2800" dirty="0" smtClean="0"/>
+              <a:t>EXTENSIONES</a:t>
+            </a:r>
+            <a:endParaRPr lang="es-EC" sz="2800" dirty="0"/>
+          </a:p>
+        </p:txBody>
+      </p:sp>
+      <p:sp>
+        <p:nvSpPr>
+          <p:cNvPr id="3" name="Rectángulo 2"/>
+          <p:cNvSpPr/>
+          <p:nvPr/>
+        </p:nvSpPr>
+        <p:spPr>
+          <a:xfrm>
+            <a:off x="1460310" y="2036761"/>
+            <a:ext cx="9512489" cy="3139321"/>
+          </a:xfrm>
+          <a:prstGeom prst="rect">
+            <a:avLst/>
+          </a:prstGeom>
+        </p:spPr>
+        <p:txBody>
+          <a:bodyPr wrap="square">
+            <a:spAutoFit/>
+          </a:bodyPr>
+          <a:lstStyle/>
+          <a:p>
+            <a:pPr algn="just"/>
+            <a:r>
+              <a:rPr lang="es-EC" b="1" dirty="0"/>
+              <a:t>Piloto de </a:t>
+            </a:r>
+            <a:r>
+              <a:rPr lang="es-EC" b="1" dirty="0" smtClean="0"/>
+              <a:t>Redes</a:t>
+            </a:r>
+          </a:p>
+          <a:p>
+            <a:pPr algn="just"/>
+            <a:endParaRPr lang="es-EC" b="1" dirty="0"/>
+          </a:p>
+          <a:p>
+            <a:pPr algn="just"/>
+            <a:r>
+              <a:rPr lang="es-EC" dirty="0"/>
+              <a:t>Implementa funcionalidades basadas en la arquitectura actual de </a:t>
+            </a:r>
+            <a:r>
+              <a:rPr lang="es-EC" dirty="0" err="1"/>
+              <a:t>GvSig</a:t>
+            </a:r>
+            <a:r>
+              <a:rPr lang="es-EC" dirty="0"/>
+              <a:t>, </a:t>
+            </a:r>
+            <a:r>
+              <a:rPr lang="es-EC" dirty="0" err="1"/>
+              <a:t>asi</a:t>
+            </a:r>
+            <a:r>
+              <a:rPr lang="es-EC" dirty="0"/>
+              <a:t> como</a:t>
+            </a:r>
+          </a:p>
+          <a:p>
+            <a:pPr algn="just"/>
+            <a:r>
+              <a:rPr lang="es-EC" dirty="0"/>
+              <a:t>ampliaciones de dicha arquitectura. La funcionalidad resulta </a:t>
+            </a:r>
+            <a:r>
+              <a:rPr lang="es-EC" dirty="0" smtClean="0"/>
+              <a:t>bastante </a:t>
+            </a:r>
+            <a:r>
+              <a:rPr lang="es-EC" dirty="0" err="1" smtClean="0"/>
+              <a:t>heterogenea</a:t>
+            </a:r>
+            <a:r>
+              <a:rPr lang="es-EC" dirty="0" smtClean="0"/>
+              <a:t>, abarcando </a:t>
+            </a:r>
+            <a:r>
+              <a:rPr lang="es-EC" dirty="0"/>
+              <a:t>aspectos muy distintos dentro de las herramientas de redes. A pesar de </a:t>
+            </a:r>
+            <a:r>
+              <a:rPr lang="es-EC" dirty="0" smtClean="0"/>
+              <a:t>ello se </a:t>
+            </a:r>
+            <a:r>
+              <a:rPr lang="es-EC" dirty="0"/>
+              <a:t>esta dotada de la mayor coherencia posible en la interface de usuario.</a:t>
+            </a:r>
+          </a:p>
+          <a:p>
+            <a:pPr algn="just"/>
+            <a:endParaRPr lang="es-EC" dirty="0" smtClean="0"/>
+          </a:p>
+          <a:p>
+            <a:pPr algn="just"/>
+            <a:r>
+              <a:rPr lang="es-EC" dirty="0" smtClean="0"/>
+              <a:t>Las </a:t>
+            </a:r>
+            <a:r>
+              <a:rPr lang="es-EC" dirty="0"/>
+              <a:t>herramientas presentadas son, aplicables a la variedad de fuentes de datos</a:t>
+            </a:r>
+          </a:p>
+          <a:p>
+            <a:pPr algn="just"/>
+            <a:r>
+              <a:rPr lang="es-EC" dirty="0"/>
+              <a:t>soportados por </a:t>
+            </a:r>
+            <a:r>
+              <a:rPr lang="es-EC" dirty="0" err="1"/>
+              <a:t>gvSIG</a:t>
+            </a:r>
+            <a:r>
+              <a:rPr lang="es-EC" dirty="0"/>
+              <a:t>, usando los servicios que ofrece </a:t>
+            </a:r>
+            <a:r>
+              <a:rPr lang="es-EC" dirty="0" err="1"/>
+              <a:t>GvSig</a:t>
+            </a:r>
+            <a:r>
+              <a:rPr lang="es-EC" dirty="0"/>
+              <a:t> o ampliando los ya</a:t>
+            </a:r>
+          </a:p>
+          <a:p>
+            <a:pPr algn="just"/>
+            <a:r>
+              <a:rPr lang="es-EC" dirty="0"/>
+              <a:t>existentes.</a:t>
+            </a:r>
+            <a:endParaRPr lang="es-EC" dirty="0"/>
+          </a:p>
+        </p:txBody>
+      </p:sp>
+    </p:spTree>
+    <p:extLst>
+      <p:ext uri="{BB962C8B-B14F-4D97-AF65-F5344CB8AC3E}">
+        <p14:creationId xmlns:p14="http://schemas.microsoft.com/office/powerpoint/2010/main" val="1044536203"/>
+      </p:ext>
+    </p:extLst>
+  </p:cSld>
+  <p:clrMapOvr>
+    <a:masterClrMapping/>
+  </p:clrMapOvr>
+</p:sld>
+</file>
+
+<file path=ppt/slides/slide16.xml><?xml version="1.0" encoding="utf-8"?>
+<p:sld xmlns:a="http://schemas.openxmlformats.org/drawingml/2006/main" xmlns:r="http://schemas.openxmlformats.org/officeDocument/2006/relationships" xmlns:p="http://schemas.openxmlformats.org/presentationml/2006/main">
+  <p:cSld>
+    <p:spTree>
+      <p:nvGrpSpPr>
+        <p:cNvPr id="1" name=""/>
+        <p:cNvGrpSpPr/>
+        <p:nvPr/>
+      </p:nvGrpSpPr>
+      <p:grpSpPr>
+        <a:xfrm>
+          <a:off x="0" y="0"/>
+          <a:ext cx="0" cy="0"/>
+          <a:chOff x="0" y="0"/>
+          <a:chExt cx="0" cy="0"/>
+        </a:xfrm>
+      </p:grpSpPr>
+      <p:sp>
+        <p:nvSpPr>
+          <p:cNvPr id="2" name="Rectángulo redondeado 1"/>
+          <p:cNvSpPr/>
+          <p:nvPr/>
+        </p:nvSpPr>
+        <p:spPr>
+          <a:xfrm>
+            <a:off x="-204717" y="477672"/>
+            <a:ext cx="5418161" cy="805218"/>
+          </a:xfrm>
+          <a:prstGeom prst="roundRect">
+            <a:avLst/>
+          </a:prstGeom>
+        </p:spPr>
+        <p:style>
+          <a:lnRef idx="2">
+            <a:schemeClr val="accent1">
+              <a:shade val="50000"/>
+            </a:schemeClr>
+          </a:lnRef>
+          <a:fillRef idx="1">
+            <a:schemeClr val="accent1"/>
+          </a:fillRef>
+          <a:effectRef idx="0">
+            <a:schemeClr val="accent1"/>
+          </a:effectRef>
+          <a:fontRef idx="minor">
+            <a:schemeClr val="lt1"/>
+          </a:fontRef>
+        </p:style>
+        <p:txBody>
+          <a:bodyPr rtlCol="0" anchor="ctr"/>
+          <a:lstStyle/>
+          <a:p>
+            <a:pPr algn="ctr"/>
+            <a:r>
+              <a:rPr lang="es-EC" sz="2800" dirty="0" smtClean="0"/>
+              <a:t>EXTENSIONES</a:t>
+            </a:r>
+            <a:endParaRPr lang="es-EC" sz="2800" dirty="0"/>
+          </a:p>
+        </p:txBody>
+      </p:sp>
+      <p:sp>
+        <p:nvSpPr>
+          <p:cNvPr id="3" name="Rectángulo 2"/>
+          <p:cNvSpPr/>
+          <p:nvPr/>
+        </p:nvSpPr>
+        <p:spPr>
+          <a:xfrm>
+            <a:off x="1460310" y="2036761"/>
+            <a:ext cx="9512489" cy="2308324"/>
+          </a:xfrm>
+          <a:prstGeom prst="rect">
+            <a:avLst/>
+          </a:prstGeom>
+        </p:spPr>
+        <p:txBody>
+          <a:bodyPr wrap="square">
+            <a:spAutoFit/>
+          </a:bodyPr>
+          <a:lstStyle/>
+          <a:p>
+            <a:pPr algn="just"/>
+            <a:r>
+              <a:rPr lang="es-EC" b="1" dirty="0" smtClean="0"/>
+              <a:t>Sextante</a:t>
+            </a:r>
+          </a:p>
+          <a:p>
+            <a:pPr algn="just"/>
+            <a:endParaRPr lang="es-EC" b="1" dirty="0"/>
+          </a:p>
+          <a:p>
+            <a:pPr algn="just"/>
+            <a:r>
+              <a:rPr lang="es-EC" dirty="0"/>
+              <a:t>E</a:t>
+            </a:r>
+            <a:r>
+              <a:rPr lang="es-EC" dirty="0" smtClean="0"/>
+              <a:t>s </a:t>
+            </a:r>
+            <a:r>
+              <a:rPr lang="es-EC" dirty="0"/>
+              <a:t>un software de procesamiento de </a:t>
+            </a:r>
+            <a:r>
+              <a:rPr lang="es-EC" dirty="0" smtClean="0"/>
+              <a:t>información geográfica, </a:t>
+            </a:r>
+            <a:r>
+              <a:rPr lang="es-EC" dirty="0"/>
+              <a:t>que se centra</a:t>
+            </a:r>
+          </a:p>
+          <a:p>
+            <a:pPr algn="just"/>
+            <a:r>
+              <a:rPr lang="es-EC" dirty="0"/>
+              <a:t>principalmente en el modelado y </a:t>
+            </a:r>
+            <a:r>
+              <a:rPr lang="es-EC" dirty="0" smtClean="0"/>
+              <a:t>análisis </a:t>
+            </a:r>
+            <a:r>
+              <a:rPr lang="es-EC" dirty="0"/>
+              <a:t>de la </a:t>
+            </a:r>
+            <a:r>
+              <a:rPr lang="es-EC" dirty="0" smtClean="0"/>
+              <a:t>información </a:t>
+            </a:r>
+            <a:r>
+              <a:rPr lang="es-EC" dirty="0"/>
+              <a:t>mediante </a:t>
+            </a:r>
+            <a:r>
+              <a:rPr lang="es-EC" dirty="0" smtClean="0"/>
+              <a:t>imágenes </a:t>
+            </a:r>
+            <a:r>
+              <a:rPr lang="es-EC" dirty="0" err="1" smtClean="0"/>
+              <a:t>raster</a:t>
+            </a:r>
+            <a:r>
+              <a:rPr lang="es-EC" dirty="0" smtClean="0"/>
+              <a:t>, aunque </a:t>
+            </a:r>
+            <a:r>
+              <a:rPr lang="es-EC" dirty="0"/>
+              <a:t>dispone </a:t>
+            </a:r>
+            <a:r>
+              <a:rPr lang="es-EC" dirty="0" smtClean="0"/>
+              <a:t>también </a:t>
+            </a:r>
+            <a:r>
+              <a:rPr lang="es-EC" dirty="0"/>
+              <a:t>de un buen numero de funciones para trabajar con </a:t>
+            </a:r>
+            <a:r>
+              <a:rPr lang="es-EC" dirty="0" smtClean="0"/>
+              <a:t>datos vectoriales</a:t>
+            </a:r>
+            <a:r>
+              <a:rPr lang="es-EC" dirty="0"/>
+              <a:t>. Actualmente son casi 200 extensiones para </a:t>
+            </a:r>
+            <a:r>
+              <a:rPr lang="es-EC" dirty="0" err="1"/>
+              <a:t>gvSIG</a:t>
+            </a:r>
+            <a:r>
+              <a:rPr lang="es-EC" dirty="0"/>
+              <a:t> que dotan a </a:t>
+            </a:r>
+            <a:r>
+              <a:rPr lang="es-EC" dirty="0" smtClean="0"/>
+              <a:t>este Sistema </a:t>
+            </a:r>
+            <a:r>
+              <a:rPr lang="es-EC" dirty="0"/>
+              <a:t>de </a:t>
+            </a:r>
+            <a:r>
+              <a:rPr lang="es-EC" dirty="0" smtClean="0"/>
+              <a:t>Información Geográfica </a:t>
+            </a:r>
+            <a:r>
+              <a:rPr lang="es-EC" dirty="0"/>
+              <a:t>(SIG) de nuevas capacidades de </a:t>
+            </a:r>
+            <a:r>
+              <a:rPr lang="es-EC" dirty="0" smtClean="0"/>
+              <a:t>análisis geográfico tanto </a:t>
+            </a:r>
+            <a:r>
+              <a:rPr lang="es-EC" dirty="0" err="1"/>
+              <a:t>raster</a:t>
+            </a:r>
+            <a:r>
+              <a:rPr lang="es-EC" dirty="0"/>
+              <a:t> como vectorial.</a:t>
+            </a:r>
+            <a:endParaRPr lang="es-EC" dirty="0"/>
+          </a:p>
+        </p:txBody>
+      </p:sp>
+      <p:pic>
+        <p:nvPicPr>
+          <p:cNvPr id="4" name="Imagen 3"/>
+          <p:cNvPicPr>
+            <a:picLocks noChangeAspect="1"/>
+          </p:cNvPicPr>
+          <p:nvPr/>
+        </p:nvPicPr>
+        <p:blipFill rotWithShape="1">
+          <a:blip r:embed="rId2"/>
+          <a:srcRect l="40490" t="25513" r="34756" b="47434"/>
+          <a:stretch/>
+        </p:blipFill>
+        <p:spPr>
+          <a:xfrm>
+            <a:off x="7260609" y="4345085"/>
+            <a:ext cx="3220872" cy="1978927"/>
+          </a:xfrm>
+          <a:prstGeom prst="rect">
+            <a:avLst/>
+          </a:prstGeom>
+        </p:spPr>
+      </p:pic>
+    </p:spTree>
+    <p:extLst>
+      <p:ext uri="{BB962C8B-B14F-4D97-AF65-F5344CB8AC3E}">
+        <p14:creationId xmlns:p14="http://schemas.microsoft.com/office/powerpoint/2010/main" val="1193353293"/>
+      </p:ext>
+    </p:extLst>
+  </p:cSld>
+  <p:clrMapOvr>
+    <a:masterClrMapping/>
+  </p:clrMapOvr>
+</p:sld>
+</file>
+
+<file path=ppt/slides/slide17.xml><?xml version="1.0" encoding="utf-8"?>
+<p:sld xmlns:a="http://schemas.openxmlformats.org/drawingml/2006/main" xmlns:r="http://schemas.openxmlformats.org/officeDocument/2006/relationships" xmlns:p="http://schemas.openxmlformats.org/presentationml/2006/main">
+  <p:cSld>
+    <p:spTree>
+      <p:nvGrpSpPr>
+        <p:cNvPr id="1" name=""/>
+        <p:cNvGrpSpPr/>
+        <p:nvPr/>
+      </p:nvGrpSpPr>
+      <p:grpSpPr>
+        <a:xfrm>
+          <a:off x="0" y="0"/>
+          <a:ext cx="0" cy="0"/>
+          <a:chOff x="0" y="0"/>
+          <a:chExt cx="0" cy="0"/>
+        </a:xfrm>
+      </p:grpSpPr>
+      <p:sp>
+        <p:nvSpPr>
+          <p:cNvPr id="2" name="Rectángulo redondeado 1"/>
+          <p:cNvSpPr/>
+          <p:nvPr/>
+        </p:nvSpPr>
+        <p:spPr>
+          <a:xfrm>
+            <a:off x="-204717" y="477672"/>
+            <a:ext cx="5418161" cy="805218"/>
+          </a:xfrm>
+          <a:prstGeom prst="roundRect">
+            <a:avLst/>
+          </a:prstGeom>
+        </p:spPr>
+        <p:style>
+          <a:lnRef idx="2">
+            <a:schemeClr val="accent1">
+              <a:shade val="50000"/>
+            </a:schemeClr>
+          </a:lnRef>
+          <a:fillRef idx="1">
+            <a:schemeClr val="accent1"/>
+          </a:fillRef>
+          <a:effectRef idx="0">
+            <a:schemeClr val="accent1"/>
+          </a:effectRef>
+          <a:fontRef idx="minor">
+            <a:schemeClr val="lt1"/>
+          </a:fontRef>
+        </p:style>
+        <p:txBody>
+          <a:bodyPr rtlCol="0" anchor="ctr"/>
+          <a:lstStyle/>
+          <a:p>
+            <a:pPr algn="ctr"/>
+            <a:r>
+              <a:rPr lang="es-EC" sz="2800" dirty="0" smtClean="0"/>
+              <a:t>EXTENSIONES</a:t>
+            </a:r>
+            <a:endParaRPr lang="es-EC" sz="2800" dirty="0"/>
+          </a:p>
+        </p:txBody>
+      </p:sp>
+      <p:sp>
+        <p:nvSpPr>
+          <p:cNvPr id="3" name="Rectángulo 2"/>
+          <p:cNvSpPr/>
+          <p:nvPr/>
+        </p:nvSpPr>
+        <p:spPr>
+          <a:xfrm>
+            <a:off x="1460310" y="2036761"/>
+            <a:ext cx="9512489" cy="2308324"/>
+          </a:xfrm>
+          <a:prstGeom prst="rect">
+            <a:avLst/>
+          </a:prstGeom>
+        </p:spPr>
+        <p:txBody>
+          <a:bodyPr wrap="square">
+            <a:spAutoFit/>
+          </a:bodyPr>
+          <a:lstStyle/>
+          <a:p>
+            <a:pPr algn="just"/>
+            <a:r>
+              <a:rPr lang="es-EC" b="1" dirty="0" smtClean="0"/>
+              <a:t>SIG 3D</a:t>
+            </a:r>
+          </a:p>
+          <a:p>
+            <a:pPr algn="just"/>
+            <a:endParaRPr lang="es-EC" b="1" dirty="0"/>
+          </a:p>
+          <a:p>
+            <a:pPr algn="just"/>
+            <a:r>
+              <a:rPr lang="es-EC" dirty="0"/>
+              <a:t>Para conseguir este objetivo se esta extendiendo </a:t>
+            </a:r>
+            <a:r>
+              <a:rPr lang="es-EC" dirty="0" err="1"/>
+              <a:t>GvSig</a:t>
+            </a:r>
+            <a:r>
+              <a:rPr lang="es-EC" dirty="0"/>
+              <a:t> para que sea capaz de </a:t>
+            </a:r>
+            <a:r>
+              <a:rPr lang="es-EC" dirty="0" smtClean="0"/>
+              <a:t>trabajar en </a:t>
+            </a:r>
+            <a:r>
+              <a:rPr lang="es-EC" dirty="0"/>
+              <a:t>tres dimensiones con datos masivos de tipo </a:t>
+            </a:r>
+            <a:r>
+              <a:rPr lang="es-EC" dirty="0" err="1"/>
+              <a:t>raster</a:t>
+            </a:r>
+            <a:r>
+              <a:rPr lang="es-EC" dirty="0"/>
+              <a:t> o vectorial, incluyendo </a:t>
+            </a:r>
+            <a:r>
+              <a:rPr lang="es-EC" dirty="0" smtClean="0"/>
+              <a:t>servicios remotos </a:t>
+            </a:r>
+            <a:r>
+              <a:rPr lang="es-EC" dirty="0"/>
+              <a:t>y formatos comunes para objetos 3D, y </a:t>
+            </a:r>
+            <a:r>
+              <a:rPr lang="es-EC" dirty="0" err="1"/>
+              <a:t>tambien</a:t>
+            </a:r>
+            <a:r>
+              <a:rPr lang="es-EC" dirty="0"/>
+              <a:t> trabajar con </a:t>
+            </a:r>
+            <a:r>
+              <a:rPr lang="es-EC" dirty="0" err="1"/>
+              <a:t>imagenes</a:t>
+            </a:r>
+            <a:r>
+              <a:rPr lang="es-EC" dirty="0"/>
+              <a:t> </a:t>
+            </a:r>
+            <a:r>
+              <a:rPr lang="es-EC" dirty="0" smtClean="0"/>
+              <a:t>y datos </a:t>
+            </a:r>
+            <a:r>
+              <a:rPr lang="es-EC" dirty="0"/>
+              <a:t>vectoriales organizados en series temporales, o con atributos que indican </a:t>
+            </a:r>
+            <a:r>
+              <a:rPr lang="es-EC" dirty="0" smtClean="0"/>
+              <a:t>su rango </a:t>
+            </a:r>
+            <a:r>
+              <a:rPr lang="es-EC" dirty="0"/>
+              <a:t>temporal, que requieren de una </a:t>
+            </a:r>
+            <a:r>
+              <a:rPr lang="es-EC" dirty="0" err="1"/>
+              <a:t>presentacion</a:t>
+            </a:r>
+            <a:r>
+              <a:rPr lang="es-EC" dirty="0"/>
+              <a:t> animada para su </a:t>
+            </a:r>
+            <a:r>
+              <a:rPr lang="es-EC" dirty="0" smtClean="0"/>
+              <a:t>mejor </a:t>
+            </a:r>
+            <a:r>
+              <a:rPr lang="es-EC" dirty="0" err="1" smtClean="0"/>
+              <a:t>comprension</a:t>
+            </a:r>
+            <a:r>
+              <a:rPr lang="es-EC" dirty="0"/>
+              <a:t>.</a:t>
+            </a:r>
+            <a:endParaRPr lang="es-EC" dirty="0"/>
+          </a:p>
+        </p:txBody>
+      </p:sp>
+      <p:pic>
+        <p:nvPicPr>
+          <p:cNvPr id="5" name="Imagen 4"/>
+          <p:cNvPicPr>
+            <a:picLocks noChangeAspect="1"/>
+          </p:cNvPicPr>
+          <p:nvPr/>
+        </p:nvPicPr>
+        <p:blipFill rotWithShape="1">
+          <a:blip r:embed="rId2"/>
+          <a:srcRect l="41015" t="27753" r="36013" b="43330"/>
+          <a:stretch/>
+        </p:blipFill>
+        <p:spPr>
+          <a:xfrm>
+            <a:off x="7083188" y="4203511"/>
+            <a:ext cx="2988860" cy="2115403"/>
+          </a:xfrm>
+          <a:prstGeom prst="rect">
+            <a:avLst/>
+          </a:prstGeom>
+        </p:spPr>
+      </p:pic>
+    </p:spTree>
+    <p:extLst>
+      <p:ext uri="{BB962C8B-B14F-4D97-AF65-F5344CB8AC3E}">
+        <p14:creationId xmlns:p14="http://schemas.microsoft.com/office/powerpoint/2010/main" val="2277472913"/>
+      </p:ext>
+    </p:extLst>
+  </p:cSld>
+  <p:clrMapOvr>
+    <a:masterClrMapping/>
+  </p:clrMapOvr>
+</p:sld>
+</file>
+
+<file path=ppt/slides/slide18.xml><?xml version="1.0" encoding="utf-8"?>
+<p:sld xmlns:a="http://schemas.openxmlformats.org/drawingml/2006/main" xmlns:r="http://schemas.openxmlformats.org/officeDocument/2006/relationships" xmlns:p="http://schemas.openxmlformats.org/presentationml/2006/main">
+  <p:cSld>
+    <p:spTree>
+      <p:nvGrpSpPr>
+        <p:cNvPr id="1" name=""/>
+        <p:cNvGrpSpPr/>
+        <p:nvPr/>
+      </p:nvGrpSpPr>
+      <p:grpSpPr>
+        <a:xfrm>
+          <a:off x="0" y="0"/>
+          <a:ext cx="0" cy="0"/>
+          <a:chOff x="0" y="0"/>
+          <a:chExt cx="0" cy="0"/>
+        </a:xfrm>
+      </p:grpSpPr>
+      <p:sp>
+        <p:nvSpPr>
+          <p:cNvPr id="2" name="Rectángulo redondeado 1"/>
+          <p:cNvSpPr/>
+          <p:nvPr/>
+        </p:nvSpPr>
+        <p:spPr>
+          <a:xfrm>
+            <a:off x="-204717" y="477672"/>
+            <a:ext cx="5418161" cy="805218"/>
+          </a:xfrm>
+          <a:prstGeom prst="roundRect">
+            <a:avLst/>
+          </a:prstGeom>
+        </p:spPr>
+        <p:style>
+          <a:lnRef idx="2">
+            <a:schemeClr val="accent1">
+              <a:shade val="50000"/>
+            </a:schemeClr>
+          </a:lnRef>
+          <a:fillRef idx="1">
+            <a:schemeClr val="accent1"/>
+          </a:fillRef>
+          <a:effectRef idx="0">
+            <a:schemeClr val="accent1"/>
+          </a:effectRef>
+          <a:fontRef idx="minor">
+            <a:schemeClr val="lt1"/>
+          </a:fontRef>
+        </p:style>
+        <p:txBody>
+          <a:bodyPr rtlCol="0" anchor="ctr"/>
+          <a:lstStyle/>
+          <a:p>
+            <a:pPr algn="ctr"/>
+            <a:r>
+              <a:rPr lang="es-EC" sz="2800" dirty="0" smtClean="0"/>
+              <a:t>EXTENSIONES</a:t>
+            </a:r>
+            <a:endParaRPr lang="es-EC" sz="2800" dirty="0"/>
+          </a:p>
+        </p:txBody>
+      </p:sp>
+      <p:sp>
+        <p:nvSpPr>
+          <p:cNvPr id="3" name="Rectángulo 2"/>
+          <p:cNvSpPr/>
+          <p:nvPr/>
+        </p:nvSpPr>
+        <p:spPr>
+          <a:xfrm>
+            <a:off x="1501253" y="1817850"/>
+            <a:ext cx="9512489" cy="3416320"/>
+          </a:xfrm>
+          <a:prstGeom prst="rect">
+            <a:avLst/>
+          </a:prstGeom>
+        </p:spPr>
+        <p:txBody>
+          <a:bodyPr wrap="square">
+            <a:spAutoFit/>
+          </a:bodyPr>
+          <a:lstStyle/>
+          <a:p>
+            <a:r>
+              <a:rPr lang="es-EC" b="1" dirty="0"/>
+              <a:t>Extensión de Publicación</a:t>
+            </a:r>
+          </a:p>
+          <a:p>
+            <a:r>
+              <a:rPr lang="es-EC" dirty="0"/>
+              <a:t>El objetivo de la </a:t>
+            </a:r>
+            <a:r>
+              <a:rPr lang="es-EC" dirty="0" err="1"/>
+              <a:t>extension</a:t>
+            </a:r>
+            <a:r>
+              <a:rPr lang="es-EC" dirty="0"/>
+              <a:t> de </a:t>
+            </a:r>
+            <a:r>
+              <a:rPr lang="es-EC" dirty="0" err="1"/>
+              <a:t>publicacion</a:t>
+            </a:r>
+            <a:r>
+              <a:rPr lang="es-EC" dirty="0"/>
+              <a:t> es darle al usuario la capacidad de </a:t>
+            </a:r>
+            <a:r>
+              <a:rPr lang="es-EC" dirty="0" smtClean="0"/>
+              <a:t>publicar </a:t>
+            </a:r>
+            <a:r>
+              <a:rPr lang="es-EC" dirty="0" err="1" smtClean="0"/>
+              <a:t>informacion</a:t>
+            </a:r>
+            <a:r>
+              <a:rPr lang="es-EC" dirty="0" smtClean="0"/>
+              <a:t> </a:t>
+            </a:r>
+            <a:r>
+              <a:rPr lang="es-EC" dirty="0"/>
+              <a:t>geoespacial y metadatos a </a:t>
+            </a:r>
+            <a:r>
+              <a:rPr lang="es-EC" dirty="0" err="1"/>
+              <a:t>traves</a:t>
+            </a:r>
+            <a:r>
+              <a:rPr lang="es-EC" dirty="0"/>
+              <a:t> de servicios web </a:t>
+            </a:r>
+            <a:r>
+              <a:rPr lang="es-EC" dirty="0" err="1"/>
+              <a:t>estandares</a:t>
+            </a:r>
+            <a:r>
+              <a:rPr lang="es-EC" dirty="0"/>
+              <a:t> OGC, </a:t>
+            </a:r>
+            <a:r>
+              <a:rPr lang="es-EC" dirty="0" smtClean="0"/>
+              <a:t>desde la </a:t>
+            </a:r>
+            <a:r>
+              <a:rPr lang="es-EC" dirty="0"/>
+              <a:t>propia interfaz de </a:t>
+            </a:r>
+            <a:r>
+              <a:rPr lang="es-EC" dirty="0" err="1"/>
+              <a:t>GvSig</a:t>
+            </a:r>
+            <a:r>
+              <a:rPr lang="es-EC" dirty="0"/>
+              <a:t> y sin necesidad de hacerlo directamente sobre el </a:t>
+            </a:r>
+            <a:r>
+              <a:rPr lang="es-EC" dirty="0" smtClean="0"/>
+              <a:t>software del </a:t>
+            </a:r>
+            <a:r>
+              <a:rPr lang="es-EC" dirty="0"/>
+              <a:t>servidor correspondiente. De esta forma, sin un conocimiento especifico de </a:t>
+            </a:r>
+            <a:r>
+              <a:rPr lang="es-EC" dirty="0" smtClean="0"/>
+              <a:t>estas aplicaciones</a:t>
+            </a:r>
+            <a:r>
+              <a:rPr lang="es-EC" dirty="0"/>
+              <a:t>, el usuario de </a:t>
+            </a:r>
+            <a:r>
+              <a:rPr lang="es-EC" dirty="0" err="1"/>
+              <a:t>GvSig</a:t>
+            </a:r>
+            <a:r>
+              <a:rPr lang="es-EC" dirty="0"/>
+              <a:t> </a:t>
+            </a:r>
+            <a:r>
+              <a:rPr lang="es-EC" dirty="0" err="1"/>
+              <a:t>sera</a:t>
+            </a:r>
+            <a:r>
+              <a:rPr lang="es-EC" dirty="0"/>
+              <a:t> capaz de publicar en internet, con </a:t>
+            </a:r>
+            <a:r>
+              <a:rPr lang="es-EC" dirty="0" smtClean="0"/>
+              <a:t>extrema sencillez</a:t>
+            </a:r>
+            <a:r>
+              <a:rPr lang="es-EC" dirty="0"/>
+              <a:t>, la </a:t>
+            </a:r>
+            <a:r>
+              <a:rPr lang="es-EC" dirty="0" err="1"/>
+              <a:t>cartografia</a:t>
+            </a:r>
+            <a:r>
+              <a:rPr lang="es-EC" dirty="0"/>
+              <a:t> y los metadatos que genera. Esta primera </a:t>
+            </a:r>
+            <a:r>
+              <a:rPr lang="es-EC" dirty="0" err="1"/>
+              <a:t>version</a:t>
+            </a:r>
+            <a:r>
+              <a:rPr lang="es-EC" dirty="0"/>
+              <a:t> </a:t>
+            </a:r>
+            <a:r>
+              <a:rPr lang="es-EC" dirty="0" smtClean="0"/>
+              <a:t>permite concretamente </a:t>
+            </a:r>
+            <a:r>
+              <a:rPr lang="es-EC" dirty="0"/>
+              <a:t>publicar </a:t>
+            </a:r>
+            <a:r>
+              <a:rPr lang="es-EC" dirty="0" err="1"/>
+              <a:t>informacion</a:t>
+            </a:r>
+            <a:r>
+              <a:rPr lang="es-EC" dirty="0"/>
+              <a:t> geoespacial en los siguientes servidores y a </a:t>
+            </a:r>
+            <a:r>
+              <a:rPr lang="es-EC" dirty="0" smtClean="0"/>
+              <a:t>través de </a:t>
+            </a:r>
+            <a:r>
+              <a:rPr lang="es-EC" dirty="0"/>
+              <a:t>los siguientes servicios</a:t>
+            </a:r>
+            <a:r>
+              <a:rPr lang="es-EC" dirty="0" smtClean="0"/>
+              <a:t>:</a:t>
+            </a:r>
+          </a:p>
+          <a:p>
+            <a:endParaRPr lang="es-EC" dirty="0"/>
+          </a:p>
+          <a:p>
+            <a:r>
+              <a:rPr lang="es-EC" dirty="0"/>
+              <a:t>· </a:t>
+            </a:r>
+            <a:r>
+              <a:rPr lang="es-EC" dirty="0" err="1"/>
+              <a:t>Mapserver</a:t>
+            </a:r>
+            <a:r>
+              <a:rPr lang="es-EC" dirty="0"/>
+              <a:t>: WMS, WCS y WFS.</a:t>
+            </a:r>
+          </a:p>
+          <a:p>
+            <a:r>
+              <a:rPr lang="es-EC" dirty="0"/>
+              <a:t>· </a:t>
+            </a:r>
+            <a:r>
+              <a:rPr lang="es-EC" dirty="0" err="1"/>
+              <a:t>Geoserver</a:t>
+            </a:r>
+            <a:r>
+              <a:rPr lang="es-EC" dirty="0"/>
+              <a:t>: WFS</a:t>
+            </a:r>
+            <a:endParaRPr lang="es-EC" dirty="0"/>
+          </a:p>
+        </p:txBody>
+      </p:sp>
+    </p:spTree>
+    <p:extLst>
+      <p:ext uri="{BB962C8B-B14F-4D97-AF65-F5344CB8AC3E}">
+        <p14:creationId xmlns:p14="http://schemas.microsoft.com/office/powerpoint/2010/main" val="2477305037"/>
+      </p:ext>
+    </p:extLst>
+  </p:cSld>
+  <p:clrMapOvr>
+    <a:masterClrMapping/>
+  </p:clrMapOvr>
+</p:sld>
+</file>
+
+<file path=ppt/slides/slide19.xml><?xml version="1.0" encoding="utf-8"?>
+<p:sld xmlns:a="http://schemas.openxmlformats.org/drawingml/2006/main" xmlns:r="http://schemas.openxmlformats.org/officeDocument/2006/relationships" xmlns:p="http://schemas.openxmlformats.org/presentationml/2006/main">
+  <p:cSld>
+    <p:spTree>
+      <p:nvGrpSpPr>
+        <p:cNvPr id="1" name=""/>
+        <p:cNvGrpSpPr/>
+        <p:nvPr/>
+      </p:nvGrpSpPr>
+      <p:grpSpPr>
+        <a:xfrm>
+          <a:off x="0" y="0"/>
+          <a:ext cx="0" cy="0"/>
+          <a:chOff x="0" y="0"/>
+          <a:chExt cx="0" cy="0"/>
+        </a:xfrm>
+      </p:grpSpPr>
+      <p:sp>
+        <p:nvSpPr>
+          <p:cNvPr id="2" name="Rectángulo redondeado 1"/>
+          <p:cNvSpPr/>
+          <p:nvPr/>
+        </p:nvSpPr>
+        <p:spPr>
+          <a:xfrm>
+            <a:off x="-204717" y="477672"/>
+            <a:ext cx="5418161" cy="805218"/>
+          </a:xfrm>
+          <a:prstGeom prst="roundRect">
+            <a:avLst/>
+          </a:prstGeom>
+        </p:spPr>
+        <p:style>
+          <a:lnRef idx="2">
+            <a:schemeClr val="accent1">
+              <a:shade val="50000"/>
+            </a:schemeClr>
+          </a:lnRef>
+          <a:fillRef idx="1">
+            <a:schemeClr val="accent1"/>
+          </a:fillRef>
+          <a:effectRef idx="0">
+            <a:schemeClr val="accent1"/>
+          </a:effectRef>
+          <a:fontRef idx="minor">
+            <a:schemeClr val="lt1"/>
+          </a:fontRef>
+        </p:style>
+        <p:txBody>
+          <a:bodyPr rtlCol="0" anchor="ctr"/>
+          <a:lstStyle/>
+          <a:p>
+            <a:pPr algn="ctr"/>
+            <a:r>
+              <a:rPr lang="es-EC" sz="2800" dirty="0" smtClean="0"/>
+              <a:t>¿QUÉ ES GVSIG MOBILE?</a:t>
+            </a:r>
+            <a:endParaRPr lang="es-EC" sz="2800" dirty="0"/>
+          </a:p>
+        </p:txBody>
+      </p:sp>
+      <p:sp>
+        <p:nvSpPr>
+          <p:cNvPr id="4" name="Rectángulo 3"/>
+          <p:cNvSpPr/>
+          <p:nvPr/>
+        </p:nvSpPr>
+        <p:spPr>
+          <a:xfrm>
+            <a:off x="1269243" y="1538870"/>
+            <a:ext cx="9744500" cy="1754326"/>
+          </a:xfrm>
+          <a:prstGeom prst="rect">
+            <a:avLst/>
+          </a:prstGeom>
+        </p:spPr>
+        <p:txBody>
+          <a:bodyPr wrap="square">
+            <a:spAutoFit/>
+          </a:bodyPr>
+          <a:lstStyle/>
+          <a:p>
+            <a:pPr algn="just"/>
+            <a:r>
+              <a:rPr lang="es-EC" dirty="0" err="1"/>
+              <a:t>gvSIG</a:t>
+            </a:r>
+            <a:r>
+              <a:rPr lang="es-EC" dirty="0"/>
               <a:t> Mobile es un Sistema de Información Geográfica (SIG) orientado a dispositivos móviles, ideal para proyectos de captura y actualización de datos en campo. Se caracteriza por disponer de una interfaz amigable, siendo capaz de acceder a los formatos más comunes y cuenta con un amplio número de herramientas SIG y GPS ideales para trabajar con información de naturaleza geográfica.</a:t>
             </a:r>
           </a:p>
@@ -8369,46 +8569,2833 @@
             <a:pPr algn="just"/>
             <a:endParaRPr lang="es-EC" dirty="0"/>
           </a:p>
-          <a:p>
-            <a:pPr algn="just"/>
-            <a:r>
-              <a:rPr lang="es-EC" dirty="0" err="1"/>
-              <a:t>gvSIG</a:t>
-            </a:r>
-            <a:r>
-              <a:rPr lang="es-EC" dirty="0"/>
-              <a:t> Mobile tiene como objetivo ampliar las plataformas de ejecución de </a:t>
-            </a:r>
-            <a:r>
-              <a:rPr lang="es-EC" dirty="0" err="1"/>
-              <a:t>gvSIG</a:t>
-            </a:r>
-            <a:r>
-              <a:rPr lang="es-EC" dirty="0"/>
-              <a:t> Desktop a una gama de dispositivos móviles, para dar respuesta a las necesidades de un creciente número de usuarios de soluciones móviles que desean hacer uso de un SIG en diferentes tipos de dispositivos.</a:t>
-            </a:r>
-          </a:p>
-          <a:p>
-            <a:pPr algn="just"/>
-            <a:endParaRPr lang="es-EC" dirty="0"/>
-          </a:p>
-          <a:p>
-            <a:pPr algn="just"/>
-            <a:r>
-              <a:rPr lang="es-EC" dirty="0" err="1"/>
-              <a:t>gvSIG</a:t>
-            </a:r>
-            <a:r>
-              <a:rPr lang="es-EC" dirty="0"/>
-              <a:t> Mobile es tanto un Sistema de Información Geográfica como un cliente de Infraestructuras de Datos Espaciales para dispositivos móviles. Es, además, el primer cliente de estas características licenciado como software libre.</a:t>
-            </a:r>
-          </a:p>
-        </p:txBody>
-      </p:sp>
+        </p:txBody>
+      </p:sp>
+      <p:pic>
+        <p:nvPicPr>
+          <p:cNvPr id="1026" name="Picture 2" descr="http://www.gvsig.com/files/images/screenshots/gvSIG_mobile_01.jpg"/>
+          <p:cNvPicPr>
+            <a:picLocks noChangeAspect="1" noChangeArrowheads="1"/>
+          </p:cNvPicPr>
+          <p:nvPr/>
+        </p:nvPicPr>
+        <p:blipFill>
+          <a:blip r:embed="rId2" cstate="print">
+            <a:extLst>
+              <a:ext uri="{28A0092B-C50C-407E-A947-70E740481C1C}">
+                <a14:useLocalDpi xmlns:a14="http://schemas.microsoft.com/office/drawing/2010/main" val="0"/>
+              </a:ext>
+            </a:extLst>
+          </a:blip>
+          <a:srcRect/>
+          <a:stretch>
+            <a:fillRect/>
+          </a:stretch>
+        </p:blipFill>
+        <p:spPr bwMode="auto">
+          <a:xfrm>
+            <a:off x="3903260" y="3293195"/>
+            <a:ext cx="4517410" cy="3359661"/>
+          </a:xfrm>
+          <a:prstGeom prst="rect">
+            <a:avLst/>
+          </a:prstGeom>
+          <a:noFill/>
+          <a:extLst>
+            <a:ext uri="{909E8E84-426E-40DD-AFC4-6F175D3DCCD1}">
+              <a14:hiddenFill xmlns:a14="http://schemas.microsoft.com/office/drawing/2010/main">
+                <a:solidFill>
+                  <a:srgbClr val="FFFFFF"/>
+                </a:solidFill>
+              </a14:hiddenFill>
+            </a:ext>
+          </a:extLst>
+        </p:spPr>
+      </p:pic>
     </p:spTree>
     <p:extLst>
       <p:ext uri="{BB962C8B-B14F-4D97-AF65-F5344CB8AC3E}">
         <p14:creationId xmlns:p14="http://schemas.microsoft.com/office/powerpoint/2010/main" val="3415885017"/>
+      </p:ext>
+    </p:extLst>
+  </p:cSld>
+  <p:clrMapOvr>
+    <a:masterClrMapping/>
+  </p:clrMapOvr>
+  <p:timing>
+    <p:tnLst>
+      <p:par>
+        <p:cTn id="1" dur="indefinite" restart="never" nodeType="tmRoot"/>
+      </p:par>
+    </p:tnLst>
+  </p:timing>
+</p:sld>
+</file>
+
+<file path=ppt/slides/slide2.xml><?xml version="1.0" encoding="utf-8"?>
+<p:sld xmlns:a="http://schemas.openxmlformats.org/drawingml/2006/main" xmlns:r="http://schemas.openxmlformats.org/officeDocument/2006/relationships" xmlns:p="http://schemas.openxmlformats.org/presentationml/2006/main">
+  <p:cSld>
+    <p:spTree>
+      <p:nvGrpSpPr>
+        <p:cNvPr id="1" name=""/>
+        <p:cNvGrpSpPr/>
+        <p:nvPr/>
+      </p:nvGrpSpPr>
+      <p:grpSpPr>
+        <a:xfrm>
+          <a:off x="0" y="0"/>
+          <a:ext cx="0" cy="0"/>
+          <a:chOff x="0" y="0"/>
+          <a:chExt cx="0" cy="0"/>
+        </a:xfrm>
+      </p:grpSpPr>
+      <p:sp>
+        <p:nvSpPr>
+          <p:cNvPr id="7" name="CuadroTexto 6"/>
+          <p:cNvSpPr txBox="1"/>
+          <p:nvPr/>
+        </p:nvSpPr>
+        <p:spPr>
+          <a:xfrm>
+            <a:off x="1555845" y="818866"/>
+            <a:ext cx="2589170" cy="584775"/>
+          </a:xfrm>
+          <a:prstGeom prst="rect">
+            <a:avLst/>
+          </a:prstGeom>
+          <a:noFill/>
+        </p:spPr>
+        <p:txBody>
+          <a:bodyPr wrap="none" rtlCol="0">
+            <a:spAutoFit/>
+          </a:bodyPr>
+          <a:lstStyle/>
+          <a:p>
+            <a:r>
+              <a:rPr lang="es-EC" sz="3200" b="1" dirty="0" smtClean="0"/>
+              <a:t>CONTENIDO</a:t>
+            </a:r>
+            <a:endParaRPr lang="es-EC" sz="3200" b="1" dirty="0"/>
+          </a:p>
+        </p:txBody>
+      </p:sp>
+      <p:sp>
+        <p:nvSpPr>
+          <p:cNvPr id="2" name="Rectángulo redondeado 1"/>
+          <p:cNvSpPr/>
+          <p:nvPr/>
+        </p:nvSpPr>
+        <p:spPr>
+          <a:xfrm>
+            <a:off x="3914956" y="1690245"/>
+            <a:ext cx="5829546" cy="3891690"/>
+          </a:xfrm>
+          <a:prstGeom prst="roundRect">
+            <a:avLst/>
+          </a:prstGeom>
+        </p:spPr>
+        <p:style>
+          <a:lnRef idx="2">
+            <a:schemeClr val="accent1">
+              <a:shade val="50000"/>
+            </a:schemeClr>
+          </a:lnRef>
+          <a:fillRef idx="1">
+            <a:schemeClr val="accent1"/>
+          </a:fillRef>
+          <a:effectRef idx="0">
+            <a:schemeClr val="accent1"/>
+          </a:effectRef>
+          <a:fontRef idx="minor">
+            <a:schemeClr val="lt1"/>
+          </a:fontRef>
+        </p:style>
+        <p:txBody>
+          <a:bodyPr rtlCol="0" anchor="ctr"/>
+          <a:lstStyle/>
+          <a:p>
+            <a:pPr marL="342900" indent="-342900">
+              <a:buFont typeface="Wingdings" panose="05000000000000000000" pitchFamily="2" charset="2"/>
+              <a:buChar char="ü"/>
+            </a:pPr>
+            <a:r>
+              <a:rPr lang="es-EC" sz="2000" b="1" dirty="0"/>
+              <a:t>¿POR QUÉ UTILIZAR GVSIG?</a:t>
+            </a:r>
+          </a:p>
+          <a:p>
+            <a:pPr marL="342900" indent="-342900">
+              <a:buFont typeface="Wingdings" panose="05000000000000000000" pitchFamily="2" charset="2"/>
+              <a:buChar char="ü"/>
+            </a:pPr>
+            <a:r>
+              <a:rPr lang="es-EC" sz="2000" b="1" dirty="0"/>
+              <a:t>GVSIG</a:t>
+            </a:r>
+          </a:p>
+          <a:p>
+            <a:pPr marL="342900" indent="-342900">
+              <a:buFont typeface="Wingdings" panose="05000000000000000000" pitchFamily="2" charset="2"/>
+              <a:buChar char="ü"/>
+            </a:pPr>
+            <a:r>
+              <a:rPr lang="es-EC" sz="2000" b="1" dirty="0"/>
+              <a:t>CARACTERÍSTICAS</a:t>
+            </a:r>
+          </a:p>
+          <a:p>
+            <a:pPr marL="342900" indent="-342900">
+              <a:buFont typeface="Wingdings" panose="05000000000000000000" pitchFamily="2" charset="2"/>
+              <a:buChar char="ü"/>
+            </a:pPr>
+            <a:r>
+              <a:rPr lang="es-EC" sz="2000" b="1" dirty="0"/>
+              <a:t>FORMATOS SOPORTADOS DE LECTURA</a:t>
+            </a:r>
+          </a:p>
+          <a:p>
+            <a:pPr marL="342900" indent="-342900">
+              <a:buFont typeface="Wingdings" panose="05000000000000000000" pitchFamily="2" charset="2"/>
+              <a:buChar char="ü"/>
+            </a:pPr>
+            <a:r>
+              <a:rPr lang="es-EC" sz="2000" b="1" dirty="0"/>
+              <a:t>FUNCIONALIDADES</a:t>
+            </a:r>
+          </a:p>
+          <a:p>
+            <a:pPr marL="342900" indent="-342900">
+              <a:buFont typeface="Wingdings" panose="05000000000000000000" pitchFamily="2" charset="2"/>
+              <a:buChar char="ü"/>
+            </a:pPr>
+            <a:r>
+              <a:rPr lang="es-EC" sz="2000" b="1" dirty="0"/>
+              <a:t>EXTENCIONES</a:t>
+            </a:r>
+          </a:p>
+          <a:p>
+            <a:pPr marL="342900" indent="-342900">
+              <a:buFont typeface="Wingdings" panose="05000000000000000000" pitchFamily="2" charset="2"/>
+              <a:buChar char="ü"/>
+            </a:pPr>
+            <a:r>
+              <a:rPr lang="es-EC" sz="2000" b="1" dirty="0"/>
+              <a:t>GVSIG MOBILE</a:t>
+            </a:r>
+          </a:p>
+          <a:p>
+            <a:pPr marL="342900" indent="-342900">
+              <a:buFont typeface="Wingdings" panose="05000000000000000000" pitchFamily="2" charset="2"/>
+              <a:buChar char="ü"/>
+            </a:pPr>
+            <a:r>
+              <a:rPr lang="es-EC" sz="2000" b="1" dirty="0"/>
+              <a:t>CARACTERÍSTICAS</a:t>
+            </a:r>
+          </a:p>
+          <a:p>
+            <a:pPr marL="342900" indent="-342900">
+              <a:buFont typeface="Wingdings" panose="05000000000000000000" pitchFamily="2" charset="2"/>
+              <a:buChar char="ü"/>
+            </a:pPr>
+            <a:r>
+              <a:rPr lang="es-EC" sz="2000" b="1" dirty="0"/>
+              <a:t>FUNCIONALIDADES</a:t>
+            </a:r>
+          </a:p>
+          <a:p>
+            <a:pPr marL="342900" indent="-342900">
+              <a:buFont typeface="Wingdings" panose="05000000000000000000" pitchFamily="2" charset="2"/>
+              <a:buChar char="ü"/>
+            </a:pPr>
+            <a:r>
+              <a:rPr lang="es-EC" sz="2000" b="1" dirty="0"/>
+              <a:t>VENTAJAS Y DESVENTAJAS DE GVSIG</a:t>
+            </a:r>
+          </a:p>
+          <a:p>
+            <a:endParaRPr lang="es-EC" dirty="0"/>
+          </a:p>
+          <a:p>
+            <a:pPr algn="ctr"/>
+            <a:endParaRPr lang="es-EC" dirty="0"/>
+          </a:p>
+        </p:txBody>
+      </p:sp>
+    </p:spTree>
+    <p:extLst>
+      <p:ext uri="{BB962C8B-B14F-4D97-AF65-F5344CB8AC3E}">
+        <p14:creationId xmlns:p14="http://schemas.microsoft.com/office/powerpoint/2010/main" val="829349785"/>
+      </p:ext>
+    </p:extLst>
+  </p:cSld>
+  <p:clrMapOvr>
+    <a:masterClrMapping/>
+  </p:clrMapOvr>
+  <p:timing>
+    <p:tnLst>
+      <p:par>
+        <p:cTn id="1" dur="indefinite" restart="never" nodeType="tmRoot"/>
+      </p:par>
+    </p:tnLst>
+  </p:timing>
+</p:sld>
+</file>
+
+<file path=ppt/slides/slide20.xml><?xml version="1.0" encoding="utf-8"?>
+<p:sld xmlns:a="http://schemas.openxmlformats.org/drawingml/2006/main" xmlns:r="http://schemas.openxmlformats.org/officeDocument/2006/relationships" xmlns:p="http://schemas.openxmlformats.org/presentationml/2006/main">
+  <p:cSld>
+    <p:spTree>
+      <p:nvGrpSpPr>
+        <p:cNvPr id="1" name=""/>
+        <p:cNvGrpSpPr/>
+        <p:nvPr/>
+      </p:nvGrpSpPr>
+      <p:grpSpPr>
+        <a:xfrm>
+          <a:off x="0" y="0"/>
+          <a:ext cx="0" cy="0"/>
+          <a:chOff x="0" y="0"/>
+          <a:chExt cx="0" cy="0"/>
+        </a:xfrm>
+      </p:grpSpPr>
+      <p:sp>
+        <p:nvSpPr>
+          <p:cNvPr id="4" name="Rectángulo 3"/>
+          <p:cNvSpPr/>
+          <p:nvPr/>
+        </p:nvSpPr>
+        <p:spPr>
+          <a:xfrm>
+            <a:off x="968991" y="1390263"/>
+            <a:ext cx="10085696" cy="5078313"/>
+          </a:xfrm>
+          <a:prstGeom prst="rect">
+            <a:avLst/>
+          </a:prstGeom>
+        </p:spPr>
+        <p:txBody>
+          <a:bodyPr wrap="square">
+            <a:spAutoFit/>
+          </a:bodyPr>
+          <a:lstStyle/>
+          <a:p>
+            <a:r>
+              <a:rPr lang="es-EC" dirty="0"/>
+              <a:t>En </a:t>
+            </a:r>
+            <a:r>
+              <a:rPr lang="es-EC" dirty="0" err="1"/>
+              <a:t>gvSIG</a:t>
+            </a:r>
+            <a:r>
+              <a:rPr lang="es-EC" dirty="0"/>
+              <a:t> Mobile encontramos las herramientas propias de un completo cliente SIG para dispositivos móviles, entre otras:</a:t>
+            </a:r>
+          </a:p>
+          <a:p>
+            <a:endParaRPr lang="es-EC" dirty="0"/>
+          </a:p>
+          <a:p>
+            <a:pPr marL="285750" indent="-285750">
+              <a:buFont typeface="Wingdings" panose="05000000000000000000" pitchFamily="2" charset="2"/>
+              <a:buChar char="Ø"/>
+            </a:pPr>
+            <a:r>
+              <a:rPr lang="es-EC" dirty="0"/>
+              <a:t>Acceso a formatos vectoriales: SHP, GML, KML, GPX.</a:t>
+            </a:r>
+          </a:p>
+          <a:p>
+            <a:pPr marL="285750" indent="-285750">
+              <a:buFont typeface="Wingdings" panose="05000000000000000000" pitchFamily="2" charset="2"/>
+              <a:buChar char="Ø"/>
+            </a:pPr>
+            <a:r>
+              <a:rPr lang="es-EC" dirty="0"/>
+              <a:t>Acceso a formatos </a:t>
+            </a:r>
+            <a:r>
+              <a:rPr lang="es-EC" dirty="0" err="1"/>
+              <a:t>ráster</a:t>
+            </a:r>
+            <a:r>
+              <a:rPr lang="es-EC" dirty="0"/>
+              <a:t>: ECW, JPEG, PNG, GIF.</a:t>
+            </a:r>
+          </a:p>
+          <a:p>
+            <a:pPr marL="285750" indent="-285750">
+              <a:buFont typeface="Wingdings" panose="05000000000000000000" pitchFamily="2" charset="2"/>
+              <a:buChar char="Ø"/>
+            </a:pPr>
+            <a:r>
+              <a:rPr lang="es-EC" dirty="0"/>
+              <a:t>Acceso a servicios remotos: OGC (WMS)</a:t>
+            </a:r>
+          </a:p>
+          <a:p>
+            <a:pPr marL="285750" indent="-285750">
+              <a:buFont typeface="Wingdings" panose="05000000000000000000" pitchFamily="2" charset="2"/>
+              <a:buChar char="Ø"/>
+            </a:pPr>
+            <a:r>
+              <a:rPr lang="es-EC" dirty="0"/>
+              <a:t>Navegación: zooms, desplazamiento, centrado automático .</a:t>
+            </a:r>
+          </a:p>
+          <a:p>
+            <a:pPr marL="285750" indent="-285750">
+              <a:buFont typeface="Wingdings" panose="05000000000000000000" pitchFamily="2" charset="2"/>
+              <a:buChar char="Ø"/>
+            </a:pPr>
+            <a:r>
+              <a:rPr lang="es-EC" dirty="0"/>
+              <a:t>Consulta: información, ver coordenadas, medir distancias, medir áreas.</a:t>
+            </a:r>
+          </a:p>
+          <a:p>
+            <a:pPr marL="285750" indent="-285750">
+              <a:buFont typeface="Wingdings" panose="05000000000000000000" pitchFamily="2" charset="2"/>
+              <a:buChar char="Ø"/>
+            </a:pPr>
+            <a:r>
+              <a:rPr lang="es-EC" dirty="0"/>
+              <a:t>Selección: por punto, por rectángulo, por atributos, borrar selección.</a:t>
+            </a:r>
+          </a:p>
+          <a:p>
+            <a:pPr marL="285750" indent="-285750">
+              <a:buFont typeface="Wingdings" panose="05000000000000000000" pitchFamily="2" charset="2"/>
+              <a:buChar char="Ø"/>
+            </a:pPr>
+            <a:r>
+              <a:rPr lang="es-EC" dirty="0"/>
+              <a:t>Búsqueda: por atributo.</a:t>
+            </a:r>
+          </a:p>
+          <a:p>
+            <a:pPr marL="285750" indent="-285750">
+              <a:buFont typeface="Wingdings" panose="05000000000000000000" pitchFamily="2" charset="2"/>
+              <a:buChar char="Ø"/>
+            </a:pPr>
+            <a:r>
+              <a:rPr lang="es-EC" dirty="0"/>
+              <a:t>GPS: Conexión a GPS interno/externo, </a:t>
+            </a:r>
+            <a:r>
+              <a:rPr lang="es-EC" dirty="0" err="1"/>
+              <a:t>reproyección</a:t>
+            </a:r>
+            <a:r>
+              <a:rPr lang="es-EC" dirty="0"/>
+              <a:t> a UTM, </a:t>
+            </a:r>
+            <a:r>
+              <a:rPr lang="es-EC" dirty="0" err="1"/>
+              <a:t>waypoints</a:t>
+            </a:r>
+            <a:r>
+              <a:rPr lang="es-EC" dirty="0"/>
+              <a:t>, </a:t>
+            </a:r>
+            <a:r>
+              <a:rPr lang="es-EC" dirty="0" err="1"/>
+              <a:t>tracklog</a:t>
+            </a:r>
+            <a:r>
+              <a:rPr lang="es-EC" dirty="0"/>
+              <a:t> en formatos GPX y CSV, centrado en vista, parámetros de señal, cálculo de la distancia entre ubicación y punto de destino.</a:t>
+            </a:r>
+          </a:p>
+          <a:p>
+            <a:pPr marL="285750" indent="-285750">
+              <a:buFont typeface="Wingdings" panose="05000000000000000000" pitchFamily="2" charset="2"/>
+              <a:buChar char="Ø"/>
+            </a:pPr>
+            <a:r>
+              <a:rPr lang="es-EC" dirty="0"/>
+              <a:t>Edición gráfica: Creación de puntos, líneas y polígonos.</a:t>
+            </a:r>
+          </a:p>
+          <a:p>
+            <a:pPr marL="285750" indent="-285750">
+              <a:buFont typeface="Wingdings" panose="05000000000000000000" pitchFamily="2" charset="2"/>
+              <a:buChar char="Ø"/>
+            </a:pPr>
+            <a:r>
+              <a:rPr lang="es-EC" dirty="0"/>
+              <a:t>Edición alfanumérica: Formularios personalizados.</a:t>
+            </a:r>
+          </a:p>
+          <a:p>
+            <a:pPr marL="285750" indent="-285750">
+              <a:buFont typeface="Wingdings" panose="05000000000000000000" pitchFamily="2" charset="2"/>
+              <a:buChar char="Ø"/>
+            </a:pPr>
+            <a:r>
+              <a:rPr lang="es-EC" dirty="0"/>
+              <a:t>Representación vectorial: editor de símbolos, exportación a GML, KML y SHP.</a:t>
+            </a:r>
+          </a:p>
+          <a:p>
+            <a:pPr marL="285750" indent="-285750">
+              <a:buFont typeface="Wingdings" panose="05000000000000000000" pitchFamily="2" charset="2"/>
+              <a:buChar char="Ø"/>
+            </a:pPr>
+            <a:r>
+              <a:rPr lang="es-EC" dirty="0"/>
+              <a:t>Tablas: importar y exportar campos desde </a:t>
+            </a:r>
+            <a:r>
+              <a:rPr lang="es-EC" dirty="0" err="1"/>
+              <a:t>gvSIG</a:t>
+            </a:r>
+            <a:r>
+              <a:rPr lang="es-EC" dirty="0"/>
+              <a:t> Desktop.</a:t>
+            </a:r>
+          </a:p>
+          <a:p>
+            <a:pPr marL="285750" indent="-285750">
+              <a:buFont typeface="Wingdings" panose="05000000000000000000" pitchFamily="2" charset="2"/>
+              <a:buChar char="Ø"/>
+            </a:pPr>
+            <a:r>
+              <a:rPr lang="es-EC" dirty="0"/>
+              <a:t>Otros: portabilidad e integración de datos con </a:t>
+            </a:r>
+            <a:r>
+              <a:rPr lang="es-EC" dirty="0" err="1"/>
+              <a:t>gvSIG</a:t>
+            </a:r>
+            <a:r>
+              <a:rPr lang="es-EC" dirty="0"/>
+              <a:t> Desktop.</a:t>
+            </a:r>
+          </a:p>
+        </p:txBody>
+      </p:sp>
+      <p:sp>
+        <p:nvSpPr>
+          <p:cNvPr id="6" name="Rectángulo redondeado 5"/>
+          <p:cNvSpPr/>
+          <p:nvPr/>
+        </p:nvSpPr>
+        <p:spPr>
+          <a:xfrm>
+            <a:off x="-204717" y="477672"/>
+            <a:ext cx="5418161" cy="805218"/>
+          </a:xfrm>
+          <a:prstGeom prst="roundRect">
+            <a:avLst/>
+          </a:prstGeom>
+        </p:spPr>
+        <p:style>
+          <a:lnRef idx="2">
+            <a:schemeClr val="accent1">
+              <a:shade val="50000"/>
+            </a:schemeClr>
+          </a:lnRef>
+          <a:fillRef idx="1">
+            <a:schemeClr val="accent1"/>
+          </a:fillRef>
+          <a:effectRef idx="0">
+            <a:schemeClr val="accent1"/>
+          </a:effectRef>
+          <a:fontRef idx="minor">
+            <a:schemeClr val="lt1"/>
+          </a:fontRef>
+        </p:style>
+        <p:txBody>
+          <a:bodyPr rtlCol="0" anchor="ctr"/>
+          <a:lstStyle/>
+          <a:p>
+            <a:pPr algn="ctr"/>
+            <a:r>
+              <a:rPr lang="es-EC" sz="2800" dirty="0" smtClean="0"/>
+              <a:t>FUNCIONALIDADES</a:t>
+            </a:r>
+            <a:endParaRPr lang="es-EC" sz="2800" dirty="0"/>
+          </a:p>
+        </p:txBody>
+      </p:sp>
+    </p:spTree>
+    <p:extLst>
+      <p:ext uri="{BB962C8B-B14F-4D97-AF65-F5344CB8AC3E}">
+        <p14:creationId xmlns:p14="http://schemas.microsoft.com/office/powerpoint/2010/main" val="996028922"/>
+      </p:ext>
+    </p:extLst>
+  </p:cSld>
+  <p:clrMapOvr>
+    <a:masterClrMapping/>
+  </p:clrMapOvr>
+  <p:timing>
+    <p:tnLst>
+      <p:par>
+        <p:cTn id="1" dur="indefinite" restart="never" nodeType="tmRoot"/>
+      </p:par>
+    </p:tnLst>
+  </p:timing>
+</p:sld>
+</file>
+
+<file path=ppt/slides/slide21.xml><?xml version="1.0" encoding="utf-8"?>
+<p:sld xmlns:a="http://schemas.openxmlformats.org/drawingml/2006/main" xmlns:r="http://schemas.openxmlformats.org/officeDocument/2006/relationships" xmlns:p="http://schemas.openxmlformats.org/presentationml/2006/main">
+  <p:cSld>
+    <p:spTree>
+      <p:nvGrpSpPr>
+        <p:cNvPr id="1" name=""/>
+        <p:cNvGrpSpPr/>
+        <p:nvPr/>
+      </p:nvGrpSpPr>
+      <p:grpSpPr>
+        <a:xfrm>
+          <a:off x="0" y="0"/>
+          <a:ext cx="0" cy="0"/>
+          <a:chOff x="0" y="0"/>
+          <a:chExt cx="0" cy="0"/>
+        </a:xfrm>
+      </p:grpSpPr>
+      <p:sp>
+        <p:nvSpPr>
+          <p:cNvPr id="3" name="Rectángulo 2"/>
+          <p:cNvSpPr/>
+          <p:nvPr/>
+        </p:nvSpPr>
+        <p:spPr>
+          <a:xfrm>
+            <a:off x="1119117" y="1654119"/>
+            <a:ext cx="10003808" cy="3416320"/>
+          </a:xfrm>
+          <a:prstGeom prst="rect">
+            <a:avLst/>
+          </a:prstGeom>
+        </p:spPr>
+        <p:txBody>
+          <a:bodyPr wrap="square">
+            <a:spAutoFit/>
+          </a:bodyPr>
+          <a:lstStyle/>
+          <a:p>
+            <a:r>
+              <a:rPr lang="es-EC" dirty="0" err="1"/>
+              <a:t>gvSIG</a:t>
+            </a:r>
+            <a:r>
+              <a:rPr lang="es-EC" dirty="0"/>
+              <a:t> Mobile se caracteriza por:</a:t>
+            </a:r>
+          </a:p>
+          <a:p>
+            <a:endParaRPr lang="es-EC" dirty="0"/>
+          </a:p>
+          <a:p>
+            <a:pPr marL="285750" indent="-285750">
+              <a:buFont typeface="Wingdings" panose="05000000000000000000" pitchFamily="2" charset="2"/>
+              <a:buChar char="Ø"/>
+            </a:pPr>
+            <a:r>
+              <a:rPr lang="es-EC" dirty="0"/>
+              <a:t>Integrar tanto datos locales como remotos a través de estándares OGC.</a:t>
+            </a:r>
+          </a:p>
+          <a:p>
+            <a:pPr marL="285750" indent="-285750">
+              <a:buFont typeface="Wingdings" panose="05000000000000000000" pitchFamily="2" charset="2"/>
+              <a:buChar char="Ø"/>
+            </a:pPr>
+            <a:r>
+              <a:rPr lang="es-EC" dirty="0"/>
+              <a:t>Está diseñado para ser fácilmente extensible, permitiendo una mejora continua de la aplicación, así como su uso para desarrollar soluciones a medida.</a:t>
+            </a:r>
+          </a:p>
+          <a:p>
+            <a:pPr marL="285750" indent="-285750">
+              <a:buFont typeface="Wingdings" panose="05000000000000000000" pitchFamily="2" charset="2"/>
+              <a:buChar char="Ø"/>
+            </a:pPr>
+            <a:r>
+              <a:rPr lang="es-EC" dirty="0"/>
+              <a:t>Es software libre, con licencia GNU/GPL, lo que permite su libre uso, distribución, estudio y mejora.</a:t>
+            </a:r>
+          </a:p>
+          <a:p>
+            <a:pPr marL="285750" indent="-285750">
+              <a:buFont typeface="Wingdings" panose="05000000000000000000" pitchFamily="2" charset="2"/>
+              <a:buChar char="Ø"/>
+            </a:pPr>
+            <a:r>
+              <a:rPr lang="es-EC" dirty="0"/>
+              <a:t>Está disponible en diversos idiomas: español, inglés, francés, alemán e italiano.</a:t>
+            </a:r>
+          </a:p>
+          <a:p>
+            <a:pPr marL="285750" indent="-285750">
+              <a:buFont typeface="Wingdings" panose="05000000000000000000" pitchFamily="2" charset="2"/>
+              <a:buChar char="Ø"/>
+            </a:pPr>
+            <a:r>
+              <a:rPr lang="es-EC" dirty="0"/>
+              <a:t>Está desarrollado con Java y está disponible para plataformas que soporten Java Micro </a:t>
+            </a:r>
+            <a:r>
+              <a:rPr lang="es-EC" dirty="0" err="1"/>
+              <a:t>Edition</a:t>
+            </a:r>
+            <a:r>
+              <a:rPr lang="es-EC" dirty="0"/>
+              <a:t> CDC 1.1. Actualmente funciona en las siguientes plataformas:</a:t>
+            </a:r>
+          </a:p>
+          <a:p>
+            <a:r>
+              <a:rPr lang="es-EC" dirty="0" smtClean="0"/>
+              <a:t>	Windows </a:t>
+            </a:r>
+            <a:r>
+              <a:rPr lang="es-EC" dirty="0"/>
+              <a:t>Mobile 5.0</a:t>
+            </a:r>
+          </a:p>
+          <a:p>
+            <a:r>
+              <a:rPr lang="es-EC" dirty="0" smtClean="0"/>
+              <a:t>	Windows </a:t>
+            </a:r>
+            <a:r>
+              <a:rPr lang="es-EC" dirty="0"/>
+              <a:t>Mobile 6.0</a:t>
+            </a:r>
+          </a:p>
+        </p:txBody>
+      </p:sp>
+      <p:sp>
+        <p:nvSpPr>
+          <p:cNvPr id="4" name="Rectángulo redondeado 3"/>
+          <p:cNvSpPr/>
+          <p:nvPr/>
+        </p:nvSpPr>
+        <p:spPr>
+          <a:xfrm>
+            <a:off x="-204717" y="477672"/>
+            <a:ext cx="5418161" cy="805218"/>
+          </a:xfrm>
+          <a:prstGeom prst="roundRect">
+            <a:avLst/>
+          </a:prstGeom>
+        </p:spPr>
+        <p:style>
+          <a:lnRef idx="2">
+            <a:schemeClr val="accent1">
+              <a:shade val="50000"/>
+            </a:schemeClr>
+          </a:lnRef>
+          <a:fillRef idx="1">
+            <a:schemeClr val="accent1"/>
+          </a:fillRef>
+          <a:effectRef idx="0">
+            <a:schemeClr val="accent1"/>
+          </a:effectRef>
+          <a:fontRef idx="minor">
+            <a:schemeClr val="lt1"/>
+          </a:fontRef>
+        </p:style>
+        <p:txBody>
+          <a:bodyPr rtlCol="0" anchor="ctr"/>
+          <a:lstStyle/>
+          <a:p>
+            <a:pPr algn="ctr"/>
+            <a:r>
+              <a:rPr lang="es-EC" sz="2800" dirty="0" smtClean="0"/>
+              <a:t>CARACTERISTICAS</a:t>
+            </a:r>
+            <a:endParaRPr lang="es-EC" sz="2800" dirty="0"/>
+          </a:p>
+        </p:txBody>
+      </p:sp>
+    </p:spTree>
+    <p:extLst>
+      <p:ext uri="{BB962C8B-B14F-4D97-AF65-F5344CB8AC3E}">
+        <p14:creationId xmlns:p14="http://schemas.microsoft.com/office/powerpoint/2010/main" val="3703203058"/>
+      </p:ext>
+    </p:extLst>
+  </p:cSld>
+  <p:clrMapOvr>
+    <a:masterClrMapping/>
+  </p:clrMapOvr>
+  <p:timing>
+    <p:tnLst>
+      <p:par>
+        <p:cTn id="1" dur="indefinite" restart="never" nodeType="tmRoot"/>
+      </p:par>
+    </p:tnLst>
+  </p:timing>
+</p:sld>
+</file>
+
+<file path=ppt/slides/slide22.xml><?xml version="1.0" encoding="utf-8"?>
+<p:sld xmlns:a="http://schemas.openxmlformats.org/drawingml/2006/main" xmlns:r="http://schemas.openxmlformats.org/officeDocument/2006/relationships" xmlns:p="http://schemas.openxmlformats.org/presentationml/2006/main">
+  <p:cSld>
+    <p:spTree>
+      <p:nvGrpSpPr>
+        <p:cNvPr id="1" name=""/>
+        <p:cNvGrpSpPr/>
+        <p:nvPr/>
+      </p:nvGrpSpPr>
+      <p:grpSpPr>
+        <a:xfrm>
+          <a:off x="0" y="0"/>
+          <a:ext cx="0" cy="0"/>
+          <a:chOff x="0" y="0"/>
+          <a:chExt cx="0" cy="0"/>
+        </a:xfrm>
+      </p:grpSpPr>
+      <p:sp>
+        <p:nvSpPr>
+          <p:cNvPr id="2" name="Rectángulo redondeado 1"/>
+          <p:cNvSpPr/>
+          <p:nvPr/>
+        </p:nvSpPr>
+        <p:spPr>
+          <a:xfrm>
+            <a:off x="-204717" y="477672"/>
+            <a:ext cx="6182436" cy="805218"/>
+          </a:xfrm>
+          <a:prstGeom prst="roundRect">
+            <a:avLst/>
+          </a:prstGeom>
+        </p:spPr>
+        <p:style>
+          <a:lnRef idx="2">
+            <a:schemeClr val="accent1">
+              <a:shade val="50000"/>
+            </a:schemeClr>
+          </a:lnRef>
+          <a:fillRef idx="1">
+            <a:schemeClr val="accent1"/>
+          </a:fillRef>
+          <a:effectRef idx="0">
+            <a:schemeClr val="accent1"/>
+          </a:effectRef>
+          <a:fontRef idx="minor">
+            <a:schemeClr val="lt1"/>
+          </a:fontRef>
+        </p:style>
+        <p:txBody>
+          <a:bodyPr rtlCol="0" anchor="ctr"/>
+          <a:lstStyle/>
+          <a:p>
+            <a:pPr algn="ctr"/>
+            <a:r>
+              <a:rPr lang="es-EC" sz="2800" dirty="0" smtClean="0"/>
+              <a:t>VENTAJAS Y DESVENTAJAS</a:t>
+            </a:r>
+            <a:endParaRPr lang="es-EC" sz="2800" dirty="0"/>
+          </a:p>
+        </p:txBody>
+      </p:sp>
+      <p:sp>
+        <p:nvSpPr>
+          <p:cNvPr id="4" name="Rectángulo 3"/>
+          <p:cNvSpPr/>
+          <p:nvPr/>
+        </p:nvSpPr>
+        <p:spPr>
+          <a:xfrm>
+            <a:off x="2174543" y="1676359"/>
+            <a:ext cx="7938448" cy="2031325"/>
+          </a:xfrm>
+          <a:prstGeom prst="rect">
+            <a:avLst/>
+          </a:prstGeom>
+        </p:spPr>
+        <p:txBody>
+          <a:bodyPr wrap="square">
+            <a:spAutoFit/>
+          </a:bodyPr>
+          <a:lstStyle/>
+          <a:p>
+            <a:r>
+              <a:rPr lang="es-EC" dirty="0" smtClean="0"/>
+              <a:t>Ventajas</a:t>
+            </a:r>
+          </a:p>
+          <a:p>
+            <a:endParaRPr lang="es-EC" dirty="0"/>
+          </a:p>
+          <a:p>
+            <a:pPr marL="285750" indent="-285750">
+              <a:buFont typeface="Wingdings" panose="05000000000000000000" pitchFamily="2" charset="2"/>
+              <a:buChar char="Ø"/>
+            </a:pPr>
+            <a:r>
+              <a:rPr lang="es-EC" dirty="0" smtClean="0"/>
+              <a:t>Software </a:t>
+            </a:r>
+            <a:r>
+              <a:rPr lang="es-EC" dirty="0"/>
+              <a:t>de distribución libre.</a:t>
+            </a:r>
+          </a:p>
+          <a:p>
+            <a:pPr marL="285750" indent="-285750">
+              <a:buFont typeface="Wingdings" panose="05000000000000000000" pitchFamily="2" charset="2"/>
+              <a:buChar char="Ø"/>
+            </a:pPr>
+            <a:r>
+              <a:rPr lang="es-EC" dirty="0" smtClean="0"/>
+              <a:t>Herramienta </a:t>
+            </a:r>
+            <a:r>
+              <a:rPr lang="es-EC" dirty="0"/>
+              <a:t>portable a los principales sistemas operativos.</a:t>
+            </a:r>
+          </a:p>
+          <a:p>
+            <a:pPr marL="285750" indent="-285750">
+              <a:buFont typeface="Wingdings" panose="05000000000000000000" pitchFamily="2" charset="2"/>
+              <a:buChar char="Ø"/>
+            </a:pPr>
+            <a:r>
+              <a:rPr lang="es-EC" dirty="0" smtClean="0"/>
+              <a:t>Interfaz </a:t>
+            </a:r>
+            <a:r>
+              <a:rPr lang="es-EC" dirty="0"/>
+              <a:t>intuitiva y de fácil manejo.</a:t>
+            </a:r>
+          </a:p>
+          <a:p>
+            <a:pPr marL="285750" indent="-285750">
+              <a:buFont typeface="Wingdings" panose="05000000000000000000" pitchFamily="2" charset="2"/>
+              <a:buChar char="Ø"/>
+            </a:pPr>
+            <a:r>
+              <a:rPr lang="es-EC" dirty="0" smtClean="0"/>
+              <a:t>Amplio </a:t>
+            </a:r>
+            <a:r>
+              <a:rPr lang="es-EC" dirty="0"/>
+              <a:t>número de formatos soportados para ingreso y salida de información.</a:t>
+            </a:r>
+          </a:p>
+        </p:txBody>
+      </p:sp>
+      <p:sp>
+        <p:nvSpPr>
+          <p:cNvPr id="5" name="Rectángulo 4"/>
+          <p:cNvSpPr/>
+          <p:nvPr/>
+        </p:nvSpPr>
+        <p:spPr>
+          <a:xfrm>
+            <a:off x="2324669" y="4101153"/>
+            <a:ext cx="6096000" cy="2031325"/>
+          </a:xfrm>
+          <a:prstGeom prst="rect">
+            <a:avLst/>
+          </a:prstGeom>
+        </p:spPr>
+        <p:txBody>
+          <a:bodyPr>
+            <a:spAutoFit/>
+          </a:bodyPr>
+          <a:lstStyle/>
+          <a:p>
+            <a:r>
+              <a:rPr lang="es-EC" dirty="0"/>
+              <a:t>Desventajas</a:t>
+            </a:r>
+          </a:p>
+          <a:p>
+            <a:endParaRPr lang="es-EC" dirty="0"/>
+          </a:p>
+          <a:p>
+            <a:pPr marL="285750" indent="-285750">
+              <a:buFont typeface="Wingdings" panose="05000000000000000000" pitchFamily="2" charset="2"/>
+              <a:buChar char="Ø"/>
+            </a:pPr>
+            <a:r>
+              <a:rPr lang="es-EC" dirty="0" smtClean="0"/>
+              <a:t>Documentación </a:t>
+            </a:r>
+            <a:r>
+              <a:rPr lang="es-EC" dirty="0"/>
+              <a:t>dispersa y poco profunda.</a:t>
+            </a:r>
+          </a:p>
+          <a:p>
+            <a:pPr marL="285750" indent="-285750">
+              <a:buFont typeface="Wingdings" panose="05000000000000000000" pitchFamily="2" charset="2"/>
+              <a:buChar char="Ø"/>
+            </a:pPr>
+            <a:r>
+              <a:rPr lang="es-EC" dirty="0" smtClean="0"/>
+              <a:t>Conexión </a:t>
+            </a:r>
+            <a:r>
+              <a:rPr lang="es-EC" dirty="0"/>
+              <a:t>a bases de datos limitada.</a:t>
+            </a:r>
+          </a:p>
+          <a:p>
+            <a:pPr marL="285750" indent="-285750">
+              <a:buFont typeface="Wingdings" panose="05000000000000000000" pitchFamily="2" charset="2"/>
+              <a:buChar char="Ø"/>
+            </a:pPr>
+            <a:r>
+              <a:rPr lang="es-EC" dirty="0" smtClean="0"/>
+              <a:t>Dependencia </a:t>
+            </a:r>
+            <a:r>
+              <a:rPr lang="es-EC" dirty="0"/>
+              <a:t>de las extensiones para ciertas funcionalidades.</a:t>
+            </a:r>
+          </a:p>
+          <a:p>
+            <a:endParaRPr lang="es-EC" dirty="0"/>
+          </a:p>
+        </p:txBody>
+      </p:sp>
+    </p:spTree>
+    <p:extLst>
+      <p:ext uri="{BB962C8B-B14F-4D97-AF65-F5344CB8AC3E}">
+        <p14:creationId xmlns:p14="http://schemas.microsoft.com/office/powerpoint/2010/main" val="3593423114"/>
+      </p:ext>
+    </p:extLst>
+  </p:cSld>
+  <p:clrMapOvr>
+    <a:masterClrMapping/>
+  </p:clrMapOvr>
+  <p:timing>
+    <p:tnLst>
+      <p:par>
+        <p:cTn id="1" dur="indefinite" restart="never" nodeType="tmRoot"/>
+      </p:par>
+    </p:tnLst>
+  </p:timing>
+</p:sld>
+</file>
+
+<file path=ppt/slides/slide3.xml><?xml version="1.0" encoding="utf-8"?>
+<p:sld xmlns:a="http://schemas.openxmlformats.org/drawingml/2006/main" xmlns:r="http://schemas.openxmlformats.org/officeDocument/2006/relationships" xmlns:p="http://schemas.openxmlformats.org/presentationml/2006/main">
+  <p:cSld>
+    <p:spTree>
+      <p:nvGrpSpPr>
+        <p:cNvPr id="1" name=""/>
+        <p:cNvGrpSpPr/>
+        <p:nvPr/>
+      </p:nvGrpSpPr>
+      <p:grpSpPr>
+        <a:xfrm>
+          <a:off x="0" y="0"/>
+          <a:ext cx="0" cy="0"/>
+          <a:chOff x="0" y="0"/>
+          <a:chExt cx="0" cy="0"/>
+        </a:xfrm>
+      </p:grpSpPr>
+      <p:sp>
+        <p:nvSpPr>
+          <p:cNvPr id="5" name="Rectángulo 4"/>
+          <p:cNvSpPr/>
+          <p:nvPr/>
+        </p:nvSpPr>
+        <p:spPr>
+          <a:xfrm>
+            <a:off x="1269240" y="2684271"/>
+            <a:ext cx="9908275" cy="1477328"/>
+          </a:xfrm>
+          <a:prstGeom prst="rect">
+            <a:avLst/>
+          </a:prstGeom>
+        </p:spPr>
+        <p:txBody>
+          <a:bodyPr wrap="square">
+            <a:spAutoFit/>
+          </a:bodyPr>
+          <a:lstStyle/>
+          <a:p>
+            <a:pPr algn="just"/>
+            <a:r>
+              <a:rPr lang="es-EC" dirty="0"/>
+              <a:t>El uso de los Sistemas de Información Geográfico o </a:t>
+            </a:r>
+            <a:r>
+              <a:rPr lang="es-EC" dirty="0" err="1"/>
+              <a:t>SiG</a:t>
+            </a:r>
+            <a:r>
+              <a:rPr lang="es-EC" dirty="0"/>
+              <a:t>/GIS se está extendiendo rápidamente y se está volviendo una herramienta imprescindible en muchos sectores de ingeniería, medio ambiente, geografía, geología y minería e incluso en ciencias emergentes como el </a:t>
+            </a:r>
+            <a:r>
+              <a:rPr lang="es-EC" dirty="0" err="1"/>
+              <a:t>geomarketing</a:t>
+            </a:r>
+            <a:r>
+              <a:rPr lang="es-EC" dirty="0"/>
+              <a:t>. Dentro de los SI, </a:t>
+            </a:r>
+            <a:r>
+              <a:rPr lang="es-EC" dirty="0" err="1"/>
+              <a:t>GvSIG</a:t>
+            </a:r>
+            <a:r>
+              <a:rPr lang="es-EC" dirty="0"/>
+              <a:t> es una de los programas libres de GIS más utilizado en todo el mundo. </a:t>
+            </a:r>
+          </a:p>
+        </p:txBody>
+      </p:sp>
+      <p:sp>
+        <p:nvSpPr>
+          <p:cNvPr id="7" name="Rectángulo redondeado 6"/>
+          <p:cNvSpPr/>
+          <p:nvPr/>
+        </p:nvSpPr>
+        <p:spPr>
+          <a:xfrm>
+            <a:off x="-191070" y="1293632"/>
+            <a:ext cx="5418161" cy="805218"/>
+          </a:xfrm>
+          <a:prstGeom prst="roundRect">
+            <a:avLst/>
+          </a:prstGeom>
+        </p:spPr>
+        <p:style>
+          <a:lnRef idx="2">
+            <a:schemeClr val="accent1">
+              <a:shade val="50000"/>
+            </a:schemeClr>
+          </a:lnRef>
+          <a:fillRef idx="1">
+            <a:schemeClr val="accent1"/>
+          </a:fillRef>
+          <a:effectRef idx="0">
+            <a:schemeClr val="accent1"/>
+          </a:effectRef>
+          <a:fontRef idx="minor">
+            <a:schemeClr val="lt1"/>
+          </a:fontRef>
+        </p:style>
+        <p:txBody>
+          <a:bodyPr rtlCol="0" anchor="ctr"/>
+          <a:lstStyle/>
+          <a:p>
+            <a:pPr algn="ctr"/>
+            <a:r>
+              <a:rPr lang="es-EC" sz="2800" dirty="0" smtClean="0"/>
+              <a:t>¿Por qué utilizar GVSIG?</a:t>
+            </a:r>
+            <a:endParaRPr lang="es-EC" sz="2800" dirty="0"/>
+          </a:p>
+        </p:txBody>
+      </p:sp>
+    </p:spTree>
+    <p:extLst>
+      <p:ext uri="{BB962C8B-B14F-4D97-AF65-F5344CB8AC3E}">
+        <p14:creationId xmlns:p14="http://schemas.microsoft.com/office/powerpoint/2010/main" val="3921291063"/>
+      </p:ext>
+    </p:extLst>
+  </p:cSld>
+  <p:clrMapOvr>
+    <a:masterClrMapping/>
+  </p:clrMapOvr>
+  <p:timing>
+    <p:tnLst>
+      <p:par>
+        <p:cTn id="1" dur="indefinite" restart="never" nodeType="tmRoot"/>
+      </p:par>
+    </p:tnLst>
+  </p:timing>
+</p:sld>
+</file>
+
+<file path=ppt/slides/slide4.xml><?xml version="1.0" encoding="utf-8"?>
+<p:sld xmlns:a="http://schemas.openxmlformats.org/drawingml/2006/main" xmlns:r="http://schemas.openxmlformats.org/officeDocument/2006/relationships" xmlns:p="http://schemas.openxmlformats.org/presentationml/2006/main">
+  <p:cSld>
+    <p:spTree>
+      <p:nvGrpSpPr>
+        <p:cNvPr id="1" name=""/>
+        <p:cNvGrpSpPr/>
+        <p:nvPr/>
+      </p:nvGrpSpPr>
+      <p:grpSpPr>
+        <a:xfrm>
+          <a:off x="0" y="0"/>
+          <a:ext cx="0" cy="0"/>
+          <a:chOff x="0" y="0"/>
+          <a:chExt cx="0" cy="0"/>
+        </a:xfrm>
+      </p:grpSpPr>
+      <p:sp>
+        <p:nvSpPr>
+          <p:cNvPr id="3" name="Rectángulo 2"/>
+          <p:cNvSpPr/>
+          <p:nvPr/>
+        </p:nvSpPr>
+        <p:spPr>
+          <a:xfrm>
+            <a:off x="750628" y="1911403"/>
+            <a:ext cx="10645254" cy="3139321"/>
+          </a:xfrm>
+          <a:prstGeom prst="rect">
+            <a:avLst/>
+          </a:prstGeom>
+        </p:spPr>
+        <p:txBody>
+          <a:bodyPr wrap="square">
+            <a:spAutoFit/>
+          </a:bodyPr>
+          <a:lstStyle/>
+          <a:p>
+            <a:r>
+              <a:rPr lang="es-EC" dirty="0" err="1"/>
+              <a:t>gvSIG</a:t>
+            </a:r>
+            <a:r>
+              <a:rPr lang="es-EC" dirty="0"/>
+              <a:t> Desktop es un potente Sistema de Información Geográfica (SIG) libre diseñado para dar solución a todas las necesidades relacionadas con el manejo de información geográfica. Se caracteriza por ser una solución completa, fácil de usar y que se adapta a las necesidades de cualquier usuario de SIG. Es capaz de acceder a los formatos más comunes, tanto vectoriales como </a:t>
+            </a:r>
+            <a:r>
+              <a:rPr lang="es-EC" dirty="0" err="1"/>
+              <a:t>raster</a:t>
+            </a:r>
+            <a:r>
+              <a:rPr lang="es-EC" dirty="0"/>
+              <a:t>, tanto locales como remotos, integra estándares OGC, y cuenta con un amplio número de herramientas para trabajar con información de naturaleza geográfica (consulta, creación de mapas, </a:t>
+            </a:r>
+            <a:r>
+              <a:rPr lang="es-EC" dirty="0" err="1"/>
+              <a:t>geoprocesamiento</a:t>
+            </a:r>
+            <a:r>
+              <a:rPr lang="es-EC" dirty="0"/>
+              <a:t>, redes, etc.) que lo convierten en una herramienta ideal para usuarios que trabajen con la componente territorial.</a:t>
+            </a:r>
+          </a:p>
+          <a:p>
+            <a:endParaRPr lang="es-EC" dirty="0"/>
+          </a:p>
+          <a:p>
+            <a:r>
+              <a:rPr lang="es-EC" dirty="0" err="1"/>
+              <a:t>gvSIG</a:t>
+            </a:r>
+            <a:r>
+              <a:rPr lang="es-EC" dirty="0"/>
+              <a:t> es utilizado por una comunidad internacional creciente, en los más diversos sectores y aplicaciones.</a:t>
+            </a:r>
+          </a:p>
+        </p:txBody>
+      </p:sp>
+      <p:sp>
+        <p:nvSpPr>
+          <p:cNvPr id="4" name="Rectángulo redondeado 3"/>
+          <p:cNvSpPr/>
+          <p:nvPr/>
+        </p:nvSpPr>
+        <p:spPr>
+          <a:xfrm>
+            <a:off x="-204717" y="477672"/>
+            <a:ext cx="5418161" cy="805218"/>
+          </a:xfrm>
+          <a:prstGeom prst="roundRect">
+            <a:avLst/>
+          </a:prstGeom>
+        </p:spPr>
+        <p:style>
+          <a:lnRef idx="2">
+            <a:schemeClr val="accent1">
+              <a:shade val="50000"/>
+            </a:schemeClr>
+          </a:lnRef>
+          <a:fillRef idx="1">
+            <a:schemeClr val="accent1"/>
+          </a:fillRef>
+          <a:effectRef idx="0">
+            <a:schemeClr val="accent1"/>
+          </a:effectRef>
+          <a:fontRef idx="minor">
+            <a:schemeClr val="lt1"/>
+          </a:fontRef>
+        </p:style>
+        <p:txBody>
+          <a:bodyPr rtlCol="0" anchor="ctr"/>
+          <a:lstStyle/>
+          <a:p>
+            <a:pPr algn="ctr"/>
+            <a:r>
+              <a:rPr lang="es-EC" sz="2800" dirty="0" smtClean="0"/>
+              <a:t>¿QUÉ ES GVSIG?</a:t>
+            </a:r>
+            <a:endParaRPr lang="es-EC" sz="2800" dirty="0"/>
+          </a:p>
+        </p:txBody>
+      </p:sp>
+      <p:pic>
+        <p:nvPicPr>
+          <p:cNvPr id="2050" name="Picture 2" descr="https://pbs.twimg.com/profile_images/1714918524/logo-gvsig_plano_867x879_0.png"/>
+          <p:cNvPicPr>
+            <a:picLocks noChangeAspect="1" noChangeArrowheads="1"/>
+          </p:cNvPicPr>
+          <p:nvPr/>
+        </p:nvPicPr>
+        <p:blipFill>
+          <a:blip r:embed="rId2" cstate="print">
+            <a:extLst>
+              <a:ext uri="{28A0092B-C50C-407E-A947-70E740481C1C}">
+                <a14:useLocalDpi xmlns:a14="http://schemas.microsoft.com/office/drawing/2010/main" val="0"/>
+              </a:ext>
+            </a:extLst>
+          </a:blip>
+          <a:srcRect/>
+          <a:stretch>
+            <a:fillRect/>
+          </a:stretch>
+        </p:blipFill>
+        <p:spPr bwMode="auto">
+          <a:xfrm>
+            <a:off x="9764089" y="167185"/>
+            <a:ext cx="1406225" cy="1426191"/>
+          </a:xfrm>
+          <a:prstGeom prst="rect">
+            <a:avLst/>
+          </a:prstGeom>
+          <a:noFill/>
+          <a:extLst>
+            <a:ext uri="{909E8E84-426E-40DD-AFC4-6F175D3DCCD1}">
+              <a14:hiddenFill xmlns:a14="http://schemas.microsoft.com/office/drawing/2010/main">
+                <a:solidFill>
+                  <a:srgbClr val="FFFFFF"/>
+                </a:solidFill>
+              </a14:hiddenFill>
+            </a:ext>
+          </a:extLst>
+        </p:spPr>
+      </p:pic>
+    </p:spTree>
+    <p:extLst>
+      <p:ext uri="{BB962C8B-B14F-4D97-AF65-F5344CB8AC3E}">
+        <p14:creationId xmlns:p14="http://schemas.microsoft.com/office/powerpoint/2010/main" val="2666889777"/>
+      </p:ext>
+    </p:extLst>
+  </p:cSld>
+  <p:clrMapOvr>
+    <a:masterClrMapping/>
+  </p:clrMapOvr>
+  <p:timing>
+    <p:tnLst>
+      <p:par>
+        <p:cTn id="1" dur="indefinite" restart="never" nodeType="tmRoot"/>
+      </p:par>
+    </p:tnLst>
+  </p:timing>
+</p:sld>
+</file>
+
+<file path=ppt/slides/slide5.xml><?xml version="1.0" encoding="utf-8"?>
+<p:sld xmlns:a="http://schemas.openxmlformats.org/drawingml/2006/main" xmlns:r="http://schemas.openxmlformats.org/officeDocument/2006/relationships" xmlns:p="http://schemas.openxmlformats.org/presentationml/2006/main">
+  <p:cSld>
+    <p:spTree>
+      <p:nvGrpSpPr>
+        <p:cNvPr id="1" name=""/>
+        <p:cNvGrpSpPr/>
+        <p:nvPr/>
+      </p:nvGrpSpPr>
+      <p:grpSpPr>
+        <a:xfrm>
+          <a:off x="0" y="0"/>
+          <a:ext cx="0" cy="0"/>
+          <a:chOff x="0" y="0"/>
+          <a:chExt cx="0" cy="0"/>
+        </a:xfrm>
+      </p:grpSpPr>
+      <p:sp>
+        <p:nvSpPr>
+          <p:cNvPr id="3" name="Rectángulo 2"/>
+          <p:cNvSpPr/>
+          <p:nvPr/>
+        </p:nvSpPr>
+        <p:spPr>
+          <a:xfrm>
+            <a:off x="900751" y="1191610"/>
+            <a:ext cx="10208525" cy="5355312"/>
+          </a:xfrm>
+          <a:prstGeom prst="rect">
+            <a:avLst/>
+          </a:prstGeom>
+        </p:spPr>
+        <p:txBody>
+          <a:bodyPr wrap="square">
+            <a:spAutoFit/>
+          </a:bodyPr>
+          <a:lstStyle/>
+          <a:p>
+            <a:pPr marL="285750" indent="-285750" algn="just">
+              <a:buFont typeface="Wingdings" panose="05000000000000000000" pitchFamily="2" charset="2"/>
+              <a:buChar char="Ø"/>
+            </a:pPr>
+            <a:r>
+              <a:rPr lang="es-EC" dirty="0"/>
+              <a:t>Portable: funciona en distintas plataformas hardware / software, Linux, Windows y Mac OS. El lenguaje de programación es Java.</a:t>
+            </a:r>
+          </a:p>
+          <a:p>
+            <a:pPr marL="285750" indent="-285750" algn="just">
+              <a:buFont typeface="Wingdings" panose="05000000000000000000" pitchFamily="2" charset="2"/>
+              <a:buChar char="Ø"/>
+            </a:pPr>
+            <a:endParaRPr lang="es-EC" dirty="0"/>
+          </a:p>
+          <a:p>
+            <a:pPr marL="285750" indent="-285750" algn="just">
+              <a:buFont typeface="Wingdings" panose="05000000000000000000" pitchFamily="2" charset="2"/>
+              <a:buChar char="Ø"/>
+            </a:pPr>
+            <a:r>
+              <a:rPr lang="es-EC" dirty="0"/>
+              <a:t>Modular: es ampliable con nuevas funcionalidades mediante el desarrollo de extensiones, permitiendo una mejora continua de la aplicación, así como el desarrollo de soluciones a medida.</a:t>
+            </a:r>
+          </a:p>
+          <a:p>
+            <a:pPr marL="285750" indent="-285750" algn="just">
+              <a:buFont typeface="Wingdings" panose="05000000000000000000" pitchFamily="2" charset="2"/>
+              <a:buChar char="Ø"/>
+            </a:pPr>
+            <a:endParaRPr lang="es-EC" dirty="0"/>
+          </a:p>
+          <a:p>
+            <a:pPr marL="285750" indent="-285750" algn="just">
+              <a:buFont typeface="Wingdings" panose="05000000000000000000" pitchFamily="2" charset="2"/>
+              <a:buChar char="Ø"/>
+            </a:pPr>
+            <a:r>
+              <a:rPr lang="es-EC" dirty="0"/>
+              <a:t>De código abierto: licencia GNU/GPL, lo que permite su libre uso, distribución, estudio y mejora.</a:t>
+            </a:r>
+          </a:p>
+          <a:p>
+            <a:pPr marL="285750" indent="-285750" algn="just">
+              <a:buFont typeface="Wingdings" panose="05000000000000000000" pitchFamily="2" charset="2"/>
+              <a:buChar char="Ø"/>
+            </a:pPr>
+            <a:endParaRPr lang="es-EC" dirty="0"/>
+          </a:p>
+          <a:p>
+            <a:pPr marL="285750" indent="-285750" algn="just">
+              <a:buFont typeface="Wingdings" panose="05000000000000000000" pitchFamily="2" charset="2"/>
+              <a:buChar char="Ø"/>
+            </a:pPr>
+            <a:r>
+              <a:rPr lang="es-EC" dirty="0"/>
+              <a:t>Interoperable con las soluciones ya implantadas: es capaz de acceder a los datos de otros programas privativos, como </a:t>
+            </a:r>
+            <a:r>
+              <a:rPr lang="es-EC" dirty="0" err="1"/>
+              <a:t>ArcView</a:t>
+            </a:r>
+            <a:r>
+              <a:rPr lang="es-EC" dirty="0"/>
+              <a:t>, AutoCAD o </a:t>
+            </a:r>
+            <a:r>
+              <a:rPr lang="es-EC" dirty="0" err="1"/>
+              <a:t>Microstation</a:t>
+            </a:r>
+            <a:r>
+              <a:rPr lang="es-EC" dirty="0"/>
+              <a:t> sin necesidad de cambiarlos de formato.</a:t>
+            </a:r>
+          </a:p>
+          <a:p>
+            <a:pPr marL="285750" indent="-285750" algn="just">
+              <a:buFont typeface="Wingdings" panose="05000000000000000000" pitchFamily="2" charset="2"/>
+              <a:buChar char="Ø"/>
+            </a:pPr>
+            <a:endParaRPr lang="es-EC" dirty="0"/>
+          </a:p>
+          <a:p>
+            <a:pPr marL="285750" indent="-285750" algn="just">
+              <a:buFont typeface="Wingdings" panose="05000000000000000000" pitchFamily="2" charset="2"/>
+              <a:buChar char="Ø"/>
+            </a:pPr>
+            <a:r>
+              <a:rPr lang="es-EC" dirty="0" err="1"/>
+              <a:t>Internacionalizable</a:t>
+            </a:r>
+            <a:r>
+              <a:rPr lang="es-EC" dirty="0"/>
+              <a:t> :está disponible en más de una veintena de idiomas (castellano, inglés, alemán, italiano,...) y permite la incorporación de nuevos idiomas con facilidad.</a:t>
+            </a:r>
+          </a:p>
+          <a:p>
+            <a:pPr marL="285750" indent="-285750" algn="just">
+              <a:buFont typeface="Wingdings" panose="05000000000000000000" pitchFamily="2" charset="2"/>
+              <a:buChar char="Ø"/>
+            </a:pPr>
+            <a:endParaRPr lang="es-EC" dirty="0"/>
+          </a:p>
+          <a:p>
+            <a:pPr marL="285750" indent="-285750" algn="just">
+              <a:buFont typeface="Wingdings" panose="05000000000000000000" pitchFamily="2" charset="2"/>
+              <a:buChar char="Ø"/>
+            </a:pPr>
+            <a:r>
+              <a:rPr lang="es-EC" dirty="0"/>
+              <a:t>Sujeto a estándares: sigue las directrices marcadas por el Open </a:t>
+            </a:r>
+            <a:r>
+              <a:rPr lang="es-EC" dirty="0" err="1"/>
+              <a:t>Geospatial</a:t>
+            </a:r>
+            <a:r>
+              <a:rPr lang="es-EC" dirty="0"/>
+              <a:t> </a:t>
+            </a:r>
+            <a:r>
+              <a:rPr lang="es-EC" dirty="0" err="1"/>
+              <a:t>Consortium</a:t>
+            </a:r>
+            <a:r>
+              <a:rPr lang="es-EC" dirty="0"/>
+              <a:t> (OGC).</a:t>
+            </a:r>
+          </a:p>
+        </p:txBody>
+      </p:sp>
+      <p:sp>
+        <p:nvSpPr>
+          <p:cNvPr id="4" name="Rectángulo redondeado 3"/>
+          <p:cNvSpPr/>
+          <p:nvPr/>
+        </p:nvSpPr>
+        <p:spPr>
+          <a:xfrm>
+            <a:off x="-409434" y="232012"/>
+            <a:ext cx="5418161" cy="805218"/>
+          </a:xfrm>
+          <a:prstGeom prst="roundRect">
+            <a:avLst/>
+          </a:prstGeom>
+        </p:spPr>
+        <p:style>
+          <a:lnRef idx="2">
+            <a:schemeClr val="accent1">
+              <a:shade val="50000"/>
+            </a:schemeClr>
+          </a:lnRef>
+          <a:fillRef idx="1">
+            <a:schemeClr val="accent1"/>
+          </a:fillRef>
+          <a:effectRef idx="0">
+            <a:schemeClr val="accent1"/>
+          </a:effectRef>
+          <a:fontRef idx="minor">
+            <a:schemeClr val="lt1"/>
+          </a:fontRef>
+        </p:style>
+        <p:txBody>
+          <a:bodyPr rtlCol="0" anchor="ctr"/>
+          <a:lstStyle/>
+          <a:p>
+            <a:pPr algn="ctr"/>
+            <a:r>
+              <a:rPr lang="es-EC" sz="2800" dirty="0" smtClean="0"/>
+              <a:t>CARACTERISTICAS</a:t>
+            </a:r>
+            <a:endParaRPr lang="es-EC" sz="2800" dirty="0"/>
+          </a:p>
+        </p:txBody>
+      </p:sp>
+    </p:spTree>
+    <p:extLst>
+      <p:ext uri="{BB962C8B-B14F-4D97-AF65-F5344CB8AC3E}">
+        <p14:creationId xmlns:p14="http://schemas.microsoft.com/office/powerpoint/2010/main" val="358036862"/>
+      </p:ext>
+    </p:extLst>
+  </p:cSld>
+  <p:clrMapOvr>
+    <a:masterClrMapping/>
+  </p:clrMapOvr>
+  <p:timing>
+    <p:tnLst>
+      <p:par>
+        <p:cTn id="1" dur="indefinite" restart="never" nodeType="tmRoot"/>
+      </p:par>
+    </p:tnLst>
+  </p:timing>
+</p:sld>
+</file>
+
+<file path=ppt/slides/slide6.xml><?xml version="1.0" encoding="utf-8"?>
+<p:sld xmlns:a="http://schemas.openxmlformats.org/drawingml/2006/main" xmlns:r="http://schemas.openxmlformats.org/officeDocument/2006/relationships" xmlns:p="http://schemas.openxmlformats.org/presentationml/2006/main">
+  <p:cSld>
+    <p:spTree>
+      <p:nvGrpSpPr>
+        <p:cNvPr id="1" name=""/>
+        <p:cNvGrpSpPr/>
+        <p:nvPr/>
+      </p:nvGrpSpPr>
+      <p:grpSpPr>
+        <a:xfrm>
+          <a:off x="0" y="0"/>
+          <a:ext cx="0" cy="0"/>
+          <a:chOff x="0" y="0"/>
+          <a:chExt cx="0" cy="0"/>
+        </a:xfrm>
+      </p:grpSpPr>
+      <p:sp>
+        <p:nvSpPr>
+          <p:cNvPr id="3" name="Rectángulo 2"/>
+          <p:cNvSpPr/>
+          <p:nvPr/>
+        </p:nvSpPr>
+        <p:spPr>
+          <a:xfrm>
+            <a:off x="627797" y="1166843"/>
+            <a:ext cx="10167582" cy="3416320"/>
+          </a:xfrm>
+          <a:prstGeom prst="rect">
+            <a:avLst/>
+          </a:prstGeom>
+        </p:spPr>
+        <p:txBody>
+          <a:bodyPr wrap="square">
+            <a:spAutoFit/>
+          </a:bodyPr>
+          <a:lstStyle/>
+          <a:p>
+            <a:r>
+              <a:rPr lang="es-EC" dirty="0" err="1"/>
+              <a:t>GvSIG</a:t>
+            </a:r>
+            <a:r>
+              <a:rPr lang="es-EC" dirty="0"/>
+              <a:t> es, en primer lugar, un proyecto de desarrollo en software libre, con la licencia</a:t>
+            </a:r>
+          </a:p>
+          <a:p>
+            <a:r>
+              <a:rPr lang="es-EC" dirty="0"/>
+              <a:t>más abierta de las posibles, la denominada GNU / GPL. El hecho de ser software libre</a:t>
+            </a:r>
+          </a:p>
+          <a:p>
+            <a:r>
+              <a:rPr lang="es-EC" dirty="0"/>
+              <a:t>asegura al usuario estas cuatro libertades</a:t>
+            </a:r>
+            <a:r>
+              <a:rPr lang="es-EC" dirty="0" smtClean="0"/>
+              <a:t>:</a:t>
+            </a:r>
+          </a:p>
+          <a:p>
+            <a:endParaRPr lang="es-EC" dirty="0"/>
+          </a:p>
+          <a:p>
+            <a:endParaRPr lang="es-EC" dirty="0"/>
+          </a:p>
+          <a:p>
+            <a:r>
+              <a:rPr lang="es-EC" dirty="0"/>
+              <a:t>· Ejecutar el programa con cualquier propósito (privado, educativo, público,</a:t>
+            </a:r>
+          </a:p>
+          <a:p>
+            <a:r>
+              <a:rPr lang="es-EC" dirty="0"/>
+              <a:t>comercial, etc.)</a:t>
+            </a:r>
+          </a:p>
+          <a:p>
+            <a:r>
+              <a:rPr lang="es-EC" dirty="0"/>
+              <a:t>· Estudiar y modificar el programa (para lo cual es necesario tener acceso al código</a:t>
+            </a:r>
+          </a:p>
+          <a:p>
+            <a:r>
+              <a:rPr lang="es-EC" dirty="0"/>
+              <a:t>fuente)</a:t>
+            </a:r>
+          </a:p>
+          <a:p>
+            <a:r>
+              <a:rPr lang="es-EC" dirty="0"/>
+              <a:t>· Copiar el programa de manera que se pueda ayudar al vecino o a cualquiera</a:t>
+            </a:r>
+          </a:p>
+          <a:p>
+            <a:r>
+              <a:rPr lang="es-EC" dirty="0"/>
+              <a:t>· Mejorar el programa, y hacer públicas las mejoras, de forma que se beneficie a</a:t>
+            </a:r>
+          </a:p>
+          <a:p>
+            <a:r>
+              <a:rPr lang="es-EC" dirty="0"/>
+              <a:t>toda la comunidad.</a:t>
+            </a:r>
+          </a:p>
+        </p:txBody>
+      </p:sp>
+    </p:spTree>
+    <p:extLst>
+      <p:ext uri="{BB962C8B-B14F-4D97-AF65-F5344CB8AC3E}">
+        <p14:creationId xmlns:p14="http://schemas.microsoft.com/office/powerpoint/2010/main" val="678952424"/>
+      </p:ext>
+    </p:extLst>
+  </p:cSld>
+  <p:clrMapOvr>
+    <a:masterClrMapping/>
+  </p:clrMapOvr>
+</p:sld>
+</file>
+
+<file path=ppt/slides/slide7.xml><?xml version="1.0" encoding="utf-8"?>
+<p:sld xmlns:a="http://schemas.openxmlformats.org/drawingml/2006/main" xmlns:r="http://schemas.openxmlformats.org/officeDocument/2006/relationships" xmlns:p="http://schemas.openxmlformats.org/presentationml/2006/main">
+  <p:cSld>
+    <p:spTree>
+      <p:nvGrpSpPr>
+        <p:cNvPr id="1" name=""/>
+        <p:cNvGrpSpPr/>
+        <p:nvPr/>
+      </p:nvGrpSpPr>
+      <p:grpSpPr>
+        <a:xfrm>
+          <a:off x="0" y="0"/>
+          <a:ext cx="0" cy="0"/>
+          <a:chOff x="0" y="0"/>
+          <a:chExt cx="0" cy="0"/>
+        </a:xfrm>
+      </p:grpSpPr>
+      <p:graphicFrame>
+        <p:nvGraphicFramePr>
+          <p:cNvPr id="3" name="Tabla 2"/>
+          <p:cNvGraphicFramePr>
+            <a:graphicFrameLocks noGrp="1"/>
+          </p:cNvGraphicFramePr>
+          <p:nvPr>
+            <p:extLst>
+              <p:ext uri="{D42A27DB-BD31-4B8C-83A1-F6EECF244321}">
+                <p14:modId xmlns:p14="http://schemas.microsoft.com/office/powerpoint/2010/main" val="1923341056"/>
+              </p:ext>
+            </p:extLst>
+          </p:nvPr>
+        </p:nvGraphicFramePr>
+        <p:xfrm>
+          <a:off x="731163" y="1091822"/>
+          <a:ext cx="3977315" cy="2470244"/>
+        </p:xfrm>
+        <a:graphic>
+          <a:graphicData uri="http://schemas.openxmlformats.org/drawingml/2006/table">
+            <a:tbl>
+              <a:tblPr firstRow="1" bandRow="1">
+                <a:tableStyleId>{93296810-A885-4BE3-A3E7-6D5BEEA58F35}</a:tableStyleId>
+              </a:tblPr>
+              <a:tblGrid>
+                <a:gridCol w="3977315"/>
+              </a:tblGrid>
+              <a:tr h="434525">
+                <a:tc>
+                  <a:txBody>
+                    <a:bodyPr/>
+                    <a:lstStyle/>
+                    <a:p>
+                      <a:r>
+                        <a:rPr lang="es-EC" sz="1800" u="none" strike="noStrike" kern="1200" baseline="0" dirty="0" smtClean="0"/>
+                        <a:t>Vectoriales</a:t>
+                      </a:r>
+                      <a:endParaRPr lang="es-EC" dirty="0"/>
+                    </a:p>
+                  </a:txBody>
+                  <a:tcPr/>
+                </a:tc>
+              </a:tr>
+              <a:tr h="2035719">
+                <a:tc>
+                  <a:txBody>
+                    <a:bodyPr/>
+                    <a:lstStyle/>
+                    <a:p>
+                      <a:r>
+                        <a:rPr lang="es-EC" sz="1800" u="none" strike="noStrike" kern="1200" baseline="0" dirty="0" smtClean="0"/>
+                        <a:t>.</a:t>
+                      </a:r>
+                      <a:r>
+                        <a:rPr lang="es-EC" sz="1800" u="none" strike="noStrike" kern="1200" baseline="0" dirty="0" err="1" smtClean="0"/>
+                        <a:t>shp</a:t>
+                      </a:r>
+                      <a:endParaRPr lang="es-EC" sz="1800" u="none" strike="noStrike" kern="1200" baseline="0" dirty="0" smtClean="0"/>
+                    </a:p>
+                    <a:p>
+                      <a:r>
+                        <a:rPr lang="es-EC" sz="1800" u="none" strike="noStrike" kern="1200" baseline="0" dirty="0" smtClean="0"/>
+                        <a:t>.</a:t>
+                      </a:r>
+                      <a:r>
+                        <a:rPr lang="es-EC" sz="1800" u="none" strike="noStrike" kern="1200" baseline="0" dirty="0" err="1" smtClean="0"/>
+                        <a:t>gml</a:t>
+                      </a:r>
+                      <a:endParaRPr lang="es-EC" sz="1800" u="none" strike="noStrike" kern="1200" baseline="0" dirty="0" smtClean="0"/>
+                    </a:p>
+                    <a:p>
+                      <a:r>
+                        <a:rPr lang="es-EC" sz="1800" u="none" strike="noStrike" kern="1200" baseline="0" dirty="0" smtClean="0"/>
+                        <a:t>.</a:t>
+                      </a:r>
+                      <a:r>
+                        <a:rPr lang="es-EC" sz="1800" u="none" strike="noStrike" kern="1200" baseline="0" dirty="0" err="1" smtClean="0"/>
+                        <a:t>kml</a:t>
+                      </a:r>
+                      <a:endParaRPr lang="es-EC" sz="1800" u="none" strike="noStrike" kern="1200" baseline="0" dirty="0" smtClean="0"/>
+                    </a:p>
+                    <a:p>
+                      <a:r>
+                        <a:rPr lang="es-EC" sz="1800" u="none" strike="noStrike" kern="1200" baseline="0" dirty="0" smtClean="0"/>
+                        <a:t>.</a:t>
+                      </a:r>
+                      <a:r>
+                        <a:rPr lang="es-EC" sz="1800" u="none" strike="noStrike" kern="1200" baseline="0" dirty="0" err="1" smtClean="0"/>
+                        <a:t>dgn</a:t>
+                      </a:r>
+                      <a:r>
+                        <a:rPr lang="es-EC" sz="1800" u="none" strike="noStrike" kern="1200" baseline="0" dirty="0" smtClean="0"/>
+                        <a:t> v7 (no v8)</a:t>
+                      </a:r>
+                    </a:p>
+                    <a:p>
+                      <a:r>
+                        <a:rPr lang="es-EC" sz="1800" u="none" strike="noStrike" kern="1200" baseline="0" dirty="0" smtClean="0"/>
+                        <a:t>.</a:t>
+                      </a:r>
+                      <a:r>
+                        <a:rPr lang="es-EC" sz="1800" u="none" strike="noStrike" kern="1200" baseline="0" dirty="0" err="1" smtClean="0"/>
+                        <a:t>dxf</a:t>
+                      </a:r>
+                      <a:r>
+                        <a:rPr lang="es-EC" sz="1800" u="none" strike="noStrike" kern="1200" baseline="0" dirty="0" smtClean="0"/>
+                        <a:t> (texto)</a:t>
+                      </a:r>
+                    </a:p>
+                    <a:p>
+                      <a:r>
+                        <a:rPr lang="pt-BR" sz="1800" u="none" strike="noStrike" kern="1200" baseline="0" dirty="0" smtClean="0"/>
+                        <a:t>.</a:t>
+                      </a:r>
+                      <a:r>
+                        <a:rPr lang="pt-BR" sz="1800" u="none" strike="noStrike" kern="1200" baseline="0" dirty="0" err="1" smtClean="0"/>
+                        <a:t>dwg</a:t>
+                      </a:r>
+                      <a:r>
+                        <a:rPr lang="pt-BR" sz="1800" u="none" strike="noStrike" kern="1200" baseline="0" dirty="0" smtClean="0"/>
+                        <a:t> (2000, R14, R13 y R12)</a:t>
+                      </a:r>
+                      <a:endParaRPr lang="es-EC" dirty="0"/>
+                    </a:p>
+                  </a:txBody>
+                  <a:tcPr/>
+                </a:tc>
+              </a:tr>
+            </a:tbl>
+          </a:graphicData>
+        </a:graphic>
+      </p:graphicFrame>
+      <p:graphicFrame>
+        <p:nvGraphicFramePr>
+          <p:cNvPr id="4" name="Tabla 3"/>
+          <p:cNvGraphicFramePr>
+            <a:graphicFrameLocks noGrp="1"/>
+          </p:cNvGraphicFramePr>
+          <p:nvPr>
+            <p:extLst>
+              <p:ext uri="{D42A27DB-BD31-4B8C-83A1-F6EECF244321}">
+                <p14:modId xmlns:p14="http://schemas.microsoft.com/office/powerpoint/2010/main" val="2758043571"/>
+              </p:ext>
+            </p:extLst>
+          </p:nvPr>
+        </p:nvGraphicFramePr>
+        <p:xfrm>
+          <a:off x="6290101" y="973665"/>
+          <a:ext cx="4041254" cy="2520161"/>
+        </p:xfrm>
+        <a:graphic>
+          <a:graphicData uri="http://schemas.openxmlformats.org/drawingml/2006/table">
+            <a:tbl>
+              <a:tblPr firstRow="1" bandRow="1">
+                <a:tableStyleId>{00A15C55-8517-42AA-B614-E9B94910E393}</a:tableStyleId>
+              </a:tblPr>
+              <a:tblGrid>
+                <a:gridCol w="4041254"/>
+              </a:tblGrid>
+              <a:tr h="387717">
+                <a:tc>
+                  <a:txBody>
+                    <a:bodyPr/>
+                    <a:lstStyle/>
+                    <a:p>
+                      <a:r>
+                        <a:rPr lang="es-EC" sz="1800" u="none" strike="noStrike" kern="1200" baseline="0" dirty="0" err="1" smtClean="0"/>
+                        <a:t>Raster</a:t>
+                      </a:r>
+                      <a:r>
+                        <a:rPr lang="es-EC" sz="1800" u="none" strike="noStrike" kern="1200" baseline="0" dirty="0" smtClean="0"/>
+                        <a:t> (</a:t>
+                      </a:r>
+                      <a:r>
+                        <a:rPr lang="es-EC" sz="1800" u="none" strike="noStrike" kern="1200" baseline="0" dirty="0" err="1" smtClean="0"/>
+                        <a:t>georeferenciados</a:t>
+                      </a:r>
+                      <a:r>
+                        <a:rPr lang="es-EC" sz="1800" u="none" strike="noStrike" kern="1200" baseline="0" dirty="0" smtClean="0"/>
+                        <a:t> o no)</a:t>
+                      </a:r>
+                      <a:endParaRPr lang="es-EC" dirty="0"/>
+                    </a:p>
+                  </a:txBody>
+                  <a:tcPr/>
+                </a:tc>
+              </a:tr>
+              <a:tr h="2132444">
+                <a:tc>
+                  <a:txBody>
+                    <a:bodyPr/>
+                    <a:lstStyle/>
+                    <a:p>
+                      <a:r>
+                        <a:rPr lang="es-EC" sz="1800" u="none" strike="noStrike" kern="1200" baseline="0" dirty="0" smtClean="0"/>
+                        <a:t>.</a:t>
+                      </a:r>
+                      <a:r>
+                        <a:rPr lang="es-EC" sz="1800" u="none" strike="noStrike" kern="1200" baseline="0" dirty="0" err="1" smtClean="0"/>
+                        <a:t>ecw</a:t>
+                      </a:r>
+                      <a:endParaRPr lang="es-EC" sz="1800" u="none" strike="noStrike" kern="1200" baseline="0" dirty="0" smtClean="0"/>
+                    </a:p>
+                    <a:p>
+                      <a:r>
+                        <a:rPr lang="es-EC" sz="1800" u="none" strike="noStrike" kern="1200" baseline="0" dirty="0" smtClean="0"/>
+                        <a:t>.</a:t>
+                      </a:r>
+                      <a:r>
+                        <a:rPr lang="es-EC" sz="1800" u="none" strike="noStrike" kern="1200" baseline="0" dirty="0" err="1" smtClean="0"/>
+                        <a:t>tiff</a:t>
+                      </a:r>
+                      <a:r>
+                        <a:rPr lang="es-EC" sz="1800" u="none" strike="noStrike" kern="1200" baseline="0" dirty="0" smtClean="0"/>
+                        <a:t> (</a:t>
+                      </a:r>
+                      <a:r>
+                        <a:rPr lang="es-EC" sz="1800" u="none" strike="noStrike" kern="1200" baseline="0" dirty="0" err="1" smtClean="0"/>
+                        <a:t>geotif</a:t>
+                      </a:r>
+                      <a:r>
+                        <a:rPr lang="es-EC" sz="1800" u="none" strike="noStrike" kern="1200" baseline="0" dirty="0" smtClean="0"/>
+                        <a:t>, </a:t>
+                      </a:r>
+                      <a:r>
+                        <a:rPr lang="es-EC" sz="1800" u="none" strike="noStrike" kern="1200" baseline="0" dirty="0" err="1" smtClean="0"/>
+                        <a:t>tfw</a:t>
+                      </a:r>
+                      <a:r>
+                        <a:rPr lang="es-EC" sz="1800" u="none" strike="noStrike" kern="1200" baseline="0" dirty="0" smtClean="0"/>
+                        <a:t>)</a:t>
+                      </a:r>
+                    </a:p>
+                    <a:p>
+                      <a:r>
+                        <a:rPr lang="es-EC" sz="1800" u="none" strike="noStrike" kern="1200" baseline="0" dirty="0" smtClean="0"/>
+                        <a:t>.</a:t>
+                      </a:r>
+                      <a:r>
+                        <a:rPr lang="es-EC" sz="1800" u="none" strike="noStrike" kern="1200" baseline="0" dirty="0" err="1" smtClean="0"/>
+                        <a:t>jpg</a:t>
+                      </a:r>
+                      <a:r>
+                        <a:rPr lang="es-EC" sz="1800" u="none" strike="noStrike" kern="1200" baseline="0" dirty="0" smtClean="0"/>
+                        <a:t>, .</a:t>
+                      </a:r>
+                      <a:r>
+                        <a:rPr lang="es-EC" sz="1800" u="none" strike="noStrike" kern="1200" baseline="0" dirty="0" err="1" smtClean="0"/>
+                        <a:t>png</a:t>
+                      </a:r>
+                      <a:r>
+                        <a:rPr lang="es-EC" sz="1800" u="none" strike="noStrike" kern="1200" baseline="0" dirty="0" smtClean="0"/>
+                        <a:t>, .</a:t>
+                      </a:r>
+                      <a:r>
+                        <a:rPr lang="es-EC" sz="1800" u="none" strike="noStrike" kern="1200" baseline="0" dirty="0" err="1" smtClean="0"/>
+                        <a:t>gif</a:t>
+                      </a:r>
+                      <a:endParaRPr lang="es-EC" sz="1800" u="none" strike="noStrike" kern="1200" baseline="0" dirty="0" smtClean="0"/>
+                    </a:p>
+                    <a:p>
+                      <a:r>
+                        <a:rPr lang="es-EC" sz="1800" u="none" strike="noStrike" kern="1200" baseline="0" dirty="0" smtClean="0"/>
+                        <a:t> </a:t>
+                      </a:r>
+                      <a:r>
+                        <a:rPr lang="es-EC" sz="1800" u="none" strike="noStrike" kern="1200" baseline="0" dirty="0" err="1" smtClean="0"/>
+                        <a:t>MrSID</a:t>
+                      </a:r>
+                      <a:endParaRPr lang="es-EC" sz="1800" u="none" strike="noStrike" kern="1200" baseline="0" dirty="0" smtClean="0"/>
+                    </a:p>
+                    <a:p>
+                      <a:r>
+                        <a:rPr lang="es-EC" sz="1800" u="none" strike="noStrike" kern="1200" baseline="0" dirty="0" smtClean="0"/>
+                        <a:t>.</a:t>
+                      </a:r>
+                      <a:r>
+                        <a:rPr lang="es-EC" sz="1800" u="none" strike="noStrike" kern="1200" baseline="0" dirty="0" err="1" smtClean="0"/>
+                        <a:t>img</a:t>
+                      </a:r>
+                      <a:endParaRPr lang="es-EC" sz="1800" u="none" strike="noStrike" kern="1200" baseline="0" dirty="0" smtClean="0"/>
+                    </a:p>
+                    <a:p>
+                      <a:r>
+                        <a:rPr lang="es-EC" sz="1800" u="none" strike="noStrike" kern="1200" baseline="0" dirty="0" smtClean="0"/>
+                        <a:t>.jpeg2000</a:t>
+                      </a:r>
+                    </a:p>
+                    <a:p>
+                      <a:r>
+                        <a:rPr lang="es-EC" sz="1800" u="none" strike="noStrike" kern="1200" baseline="0" dirty="0" smtClean="0"/>
+                        <a:t>.</a:t>
+                      </a:r>
+                      <a:r>
+                        <a:rPr lang="es-EC" sz="1800" u="none" strike="noStrike" kern="1200" baseline="0" dirty="0" err="1" smtClean="0"/>
+                        <a:t>bmp</a:t>
+                      </a:r>
+                      <a:endParaRPr lang="es-EC" dirty="0"/>
+                    </a:p>
+                  </a:txBody>
+                  <a:tcPr/>
+                </a:tc>
+              </a:tr>
+            </a:tbl>
+          </a:graphicData>
+        </a:graphic>
+      </p:graphicFrame>
+      <p:graphicFrame>
+        <p:nvGraphicFramePr>
+          <p:cNvPr id="5" name="Tabla 4"/>
+          <p:cNvGraphicFramePr>
+            <a:graphicFrameLocks noGrp="1"/>
+          </p:cNvGraphicFramePr>
+          <p:nvPr>
+            <p:extLst>
+              <p:ext uri="{D42A27DB-BD31-4B8C-83A1-F6EECF244321}">
+                <p14:modId xmlns:p14="http://schemas.microsoft.com/office/powerpoint/2010/main" val="3795792695"/>
+              </p:ext>
+            </p:extLst>
+          </p:nvPr>
+        </p:nvGraphicFramePr>
+        <p:xfrm>
+          <a:off x="3219355" y="3493827"/>
+          <a:ext cx="4273266" cy="2995733"/>
+        </p:xfrm>
+        <a:graphic>
+          <a:graphicData uri="http://schemas.openxmlformats.org/drawingml/2006/table">
+            <a:tbl>
+              <a:tblPr firstRow="1" bandRow="1">
+                <a:tableStyleId>{5C22544A-7EE6-4342-B048-85BDC9FD1C3A}</a:tableStyleId>
+              </a:tblPr>
+              <a:tblGrid>
+                <a:gridCol w="4273266"/>
+              </a:tblGrid>
+              <a:tr h="435413">
+                <a:tc>
+                  <a:txBody>
+                    <a:bodyPr/>
+                    <a:lstStyle/>
+                    <a:p>
+                      <a:r>
+                        <a:rPr lang="es-EC" sz="1800" b="0" i="0" u="none" strike="noStrike" kern="1200" baseline="0" dirty="0" smtClean="0">
+                          <a:solidFill>
+                            <a:schemeClr val="lt1"/>
+                          </a:solidFill>
+                          <a:latin typeface="+mn-lt"/>
+                          <a:ea typeface="+mn-ea"/>
+                          <a:cs typeface="+mn-cs"/>
+                        </a:rPr>
+                        <a:t>Formatos soportados de escritura</a:t>
+                      </a:r>
+                      <a:endParaRPr lang="es-EC" dirty="0"/>
+                    </a:p>
+                  </a:txBody>
+                  <a:tcPr/>
+                </a:tc>
+              </a:tr>
+              <a:tr h="370840">
+                <a:tc>
+                  <a:txBody>
+                    <a:bodyPr/>
+                    <a:lstStyle/>
+                    <a:p>
+                      <a:r>
+                        <a:rPr lang="es-EC" sz="1800" b="0" i="0" u="none" strike="noStrike" kern="1200" baseline="0" dirty="0" smtClean="0">
+                          <a:solidFill>
+                            <a:schemeClr val="dk1"/>
+                          </a:solidFill>
+                          <a:latin typeface="+mn-lt"/>
+                          <a:ea typeface="+mn-ea"/>
+                          <a:cs typeface="+mn-cs"/>
+                        </a:rPr>
+                        <a:t>.</a:t>
+                      </a:r>
+                      <a:r>
+                        <a:rPr lang="es-EC" sz="1800" b="0" i="0" u="none" strike="noStrike" kern="1200" baseline="0" dirty="0" err="1" smtClean="0">
+                          <a:solidFill>
+                            <a:schemeClr val="dk1"/>
+                          </a:solidFill>
+                          <a:latin typeface="+mn-lt"/>
+                          <a:ea typeface="+mn-ea"/>
+                          <a:cs typeface="+mn-cs"/>
+                        </a:rPr>
+                        <a:t>shp</a:t>
+                      </a:r>
+                      <a:endParaRPr lang="es-EC" sz="1800" b="0" i="0" u="none" strike="noStrike" kern="1200" baseline="0" dirty="0" smtClean="0">
+                        <a:solidFill>
+                          <a:schemeClr val="dk1"/>
+                        </a:solidFill>
+                        <a:latin typeface="+mn-lt"/>
+                        <a:ea typeface="+mn-ea"/>
+                        <a:cs typeface="+mn-cs"/>
+                      </a:endParaRPr>
+                    </a:p>
+                    <a:p>
+                      <a:r>
+                        <a:rPr lang="es-EC" sz="1800" b="0" i="0" u="none" strike="noStrike" kern="1200" baseline="0" dirty="0" smtClean="0">
+                          <a:solidFill>
+                            <a:schemeClr val="dk1"/>
+                          </a:solidFill>
+                          <a:latin typeface="+mn-lt"/>
+                          <a:ea typeface="+mn-ea"/>
+                          <a:cs typeface="+mn-cs"/>
+                        </a:rPr>
+                        <a:t>.</a:t>
+                      </a:r>
+                      <a:r>
+                        <a:rPr lang="es-EC" sz="1800" b="0" i="0" u="none" strike="noStrike" kern="1200" baseline="0" dirty="0" err="1" smtClean="0">
+                          <a:solidFill>
+                            <a:schemeClr val="dk1"/>
+                          </a:solidFill>
+                          <a:latin typeface="+mn-lt"/>
+                          <a:ea typeface="+mn-ea"/>
+                          <a:cs typeface="+mn-cs"/>
+                        </a:rPr>
+                        <a:t>gml</a:t>
+                      </a:r>
+                      <a:endParaRPr lang="es-EC" sz="1800" b="0" i="0" u="none" strike="noStrike" kern="1200" baseline="0" dirty="0" smtClean="0">
+                        <a:solidFill>
+                          <a:schemeClr val="dk1"/>
+                        </a:solidFill>
+                        <a:latin typeface="+mn-lt"/>
+                        <a:ea typeface="+mn-ea"/>
+                        <a:cs typeface="+mn-cs"/>
+                      </a:endParaRPr>
+                    </a:p>
+                    <a:p>
+                      <a:r>
+                        <a:rPr lang="es-EC" sz="1800" b="0" i="0" u="none" strike="noStrike" kern="1200" baseline="0" dirty="0" smtClean="0">
+                          <a:solidFill>
+                            <a:schemeClr val="dk1"/>
+                          </a:solidFill>
+                          <a:latin typeface="+mn-lt"/>
+                          <a:ea typeface="+mn-ea"/>
+                          <a:cs typeface="+mn-cs"/>
+                        </a:rPr>
+                        <a:t>.</a:t>
+                      </a:r>
+                      <a:r>
+                        <a:rPr lang="es-EC" sz="1800" b="0" i="0" u="none" strike="noStrike" kern="1200" baseline="0" dirty="0" err="1" smtClean="0">
+                          <a:solidFill>
+                            <a:schemeClr val="dk1"/>
+                          </a:solidFill>
+                          <a:latin typeface="+mn-lt"/>
+                          <a:ea typeface="+mn-ea"/>
+                          <a:cs typeface="+mn-cs"/>
+                        </a:rPr>
+                        <a:t>kml</a:t>
+                      </a:r>
+                      <a:endParaRPr lang="es-EC" sz="1800" b="0" i="0" u="none" strike="noStrike" kern="1200" baseline="0" dirty="0" smtClean="0">
+                        <a:solidFill>
+                          <a:schemeClr val="dk1"/>
+                        </a:solidFill>
+                        <a:latin typeface="+mn-lt"/>
+                        <a:ea typeface="+mn-ea"/>
+                        <a:cs typeface="+mn-cs"/>
+                      </a:endParaRPr>
+                    </a:p>
+                    <a:p>
+                      <a:r>
+                        <a:rPr lang="es-EC" sz="1800" b="0" i="0" u="none" strike="noStrike" kern="1200" baseline="0" dirty="0" smtClean="0">
+                          <a:solidFill>
+                            <a:schemeClr val="dk1"/>
+                          </a:solidFill>
+                          <a:latin typeface="+mn-lt"/>
+                          <a:ea typeface="+mn-ea"/>
+                          <a:cs typeface="+mn-cs"/>
+                        </a:rPr>
+                        <a:t>.</a:t>
+                      </a:r>
+                      <a:r>
+                        <a:rPr lang="es-EC" sz="1800" b="0" i="0" u="none" strike="noStrike" kern="1200" baseline="0" dirty="0" err="1" smtClean="0">
+                          <a:solidFill>
+                            <a:schemeClr val="dk1"/>
+                          </a:solidFill>
+                          <a:latin typeface="+mn-lt"/>
+                          <a:ea typeface="+mn-ea"/>
+                          <a:cs typeface="+mn-cs"/>
+                        </a:rPr>
+                        <a:t>GeoTIFF</a:t>
+                      </a:r>
+                      <a:endParaRPr lang="es-EC" sz="1800" b="0" i="0" u="none" strike="noStrike" kern="1200" baseline="0" dirty="0" smtClean="0">
+                        <a:solidFill>
+                          <a:schemeClr val="dk1"/>
+                        </a:solidFill>
+                        <a:latin typeface="+mn-lt"/>
+                        <a:ea typeface="+mn-ea"/>
+                        <a:cs typeface="+mn-cs"/>
+                      </a:endParaRPr>
+                    </a:p>
+                    <a:p>
+                      <a:r>
+                        <a:rPr lang="es-EC" sz="1800" b="0" i="0" u="none" strike="noStrike" kern="1200" baseline="0" dirty="0" smtClean="0">
+                          <a:solidFill>
+                            <a:schemeClr val="dk1"/>
+                          </a:solidFill>
+                          <a:latin typeface="+mn-lt"/>
+                          <a:ea typeface="+mn-ea"/>
+                          <a:cs typeface="+mn-cs"/>
+                        </a:rPr>
+                        <a:t> ECW (solo en Linux </a:t>
+                      </a:r>
+                      <a:r>
+                        <a:rPr lang="es-EC" sz="1800" b="0" i="0" u="none" strike="noStrike" kern="1200" baseline="0" dirty="0" err="1" smtClean="0">
+                          <a:solidFill>
+                            <a:schemeClr val="dk1"/>
+                          </a:solidFill>
+                          <a:latin typeface="+mn-lt"/>
+                          <a:ea typeface="+mn-ea"/>
+                          <a:cs typeface="+mn-cs"/>
+                        </a:rPr>
+                        <a:t>kernel</a:t>
+                      </a:r>
+                      <a:r>
+                        <a:rPr lang="es-EC" sz="1800" b="0" i="0" u="none" strike="noStrike" kern="1200" baseline="0" dirty="0" smtClean="0">
+                          <a:solidFill>
+                            <a:schemeClr val="dk1"/>
+                          </a:solidFill>
+                          <a:latin typeface="+mn-lt"/>
+                          <a:ea typeface="+mn-ea"/>
+                          <a:cs typeface="+mn-cs"/>
+                        </a:rPr>
+                        <a:t> 2.4)</a:t>
+                      </a:r>
+                    </a:p>
+                    <a:p>
+                      <a:r>
+                        <a:rPr lang="es-EC" sz="1800" b="0" i="0" u="none" strike="noStrike" kern="1200" baseline="0" dirty="0" smtClean="0">
+                          <a:solidFill>
+                            <a:schemeClr val="dk1"/>
+                          </a:solidFill>
+                          <a:latin typeface="+mn-lt"/>
+                          <a:ea typeface="+mn-ea"/>
+                          <a:cs typeface="+mn-cs"/>
+                        </a:rPr>
+                        <a:t> JPEG (</a:t>
+                      </a:r>
+                      <a:r>
+                        <a:rPr lang="es-EC" sz="1800" b="0" i="0" u="none" strike="noStrike" kern="1200" baseline="0" dirty="0" err="1" smtClean="0">
+                          <a:solidFill>
+                            <a:schemeClr val="dk1"/>
+                          </a:solidFill>
+                          <a:latin typeface="+mn-lt"/>
+                          <a:ea typeface="+mn-ea"/>
+                          <a:cs typeface="+mn-cs"/>
+                        </a:rPr>
+                        <a:t>georeferenciado</a:t>
+                      </a:r>
+                      <a:r>
+                        <a:rPr lang="es-EC" sz="1800" b="0" i="0" u="none" strike="noStrike" kern="1200" baseline="0" dirty="0" smtClean="0">
+                          <a:solidFill>
+                            <a:schemeClr val="dk1"/>
+                          </a:solidFill>
+                          <a:latin typeface="+mn-lt"/>
+                          <a:ea typeface="+mn-ea"/>
+                          <a:cs typeface="+mn-cs"/>
+                        </a:rPr>
+                        <a:t>)</a:t>
+                      </a:r>
+                    </a:p>
+                    <a:p>
+                      <a:r>
+                        <a:rPr lang="es-EC" sz="1800" b="0" i="0" u="none" strike="noStrike" kern="1200" baseline="0" dirty="0" smtClean="0">
+                          <a:solidFill>
+                            <a:schemeClr val="dk1"/>
+                          </a:solidFill>
+                          <a:latin typeface="+mn-lt"/>
+                          <a:ea typeface="+mn-ea"/>
+                          <a:cs typeface="+mn-cs"/>
+                        </a:rPr>
+                        <a:t> JPEG2000 (</a:t>
+                      </a:r>
+                      <a:r>
+                        <a:rPr lang="es-EC" sz="1800" b="0" i="0" u="none" strike="noStrike" kern="1200" baseline="0" dirty="0" err="1" smtClean="0">
+                          <a:solidFill>
+                            <a:schemeClr val="dk1"/>
+                          </a:solidFill>
+                          <a:latin typeface="+mn-lt"/>
+                          <a:ea typeface="+mn-ea"/>
+                          <a:cs typeface="+mn-cs"/>
+                        </a:rPr>
+                        <a:t>georeferenciado</a:t>
+                      </a:r>
+                      <a:r>
+                        <a:rPr lang="es-EC" sz="1800" b="0" i="0" u="none" strike="noStrike" kern="1200" baseline="0" dirty="0" smtClean="0">
+                          <a:solidFill>
+                            <a:schemeClr val="dk1"/>
+                          </a:solidFill>
+                          <a:latin typeface="+mn-lt"/>
+                          <a:ea typeface="+mn-ea"/>
+                          <a:cs typeface="+mn-cs"/>
+                        </a:rPr>
+                        <a:t>)</a:t>
+                      </a:r>
+                    </a:p>
+                    <a:p>
+                      <a:r>
+                        <a:rPr lang="es-EC" sz="1800" b="0" i="0" u="none" strike="noStrike" kern="1200" baseline="0" dirty="0" smtClean="0">
+                          <a:solidFill>
+                            <a:schemeClr val="dk1"/>
+                          </a:solidFill>
+                          <a:latin typeface="+mn-lt"/>
+                          <a:ea typeface="+mn-ea"/>
+                          <a:cs typeface="+mn-cs"/>
+                        </a:rPr>
+                        <a:t> </a:t>
+                      </a:r>
+                      <a:r>
+                        <a:rPr lang="es-EC" sz="1800" b="0" i="0" u="none" strike="noStrike" kern="1200" baseline="0" dirty="0" err="1" smtClean="0">
+                          <a:solidFill>
+                            <a:schemeClr val="dk1"/>
+                          </a:solidFill>
+                          <a:latin typeface="+mn-lt"/>
+                          <a:ea typeface="+mn-ea"/>
+                          <a:cs typeface="+mn-cs"/>
+                        </a:rPr>
+                        <a:t>dxf</a:t>
+                      </a:r>
+                      <a:r>
+                        <a:rPr lang="es-EC" sz="1800" b="0" i="0" u="none" strike="noStrike" kern="1200" baseline="0" dirty="0" smtClean="0">
+                          <a:solidFill>
+                            <a:schemeClr val="dk1"/>
+                          </a:solidFill>
+                          <a:latin typeface="+mn-lt"/>
+                          <a:ea typeface="+mn-ea"/>
+                          <a:cs typeface="+mn-cs"/>
+                        </a:rPr>
+                        <a:t> (</a:t>
+                      </a:r>
+                      <a:r>
+                        <a:rPr lang="es-EC" sz="1800" b="0" i="0" u="none" strike="noStrike" kern="1200" baseline="0" dirty="0" err="1" smtClean="0">
+                          <a:solidFill>
+                            <a:schemeClr val="dk1"/>
+                          </a:solidFill>
+                          <a:latin typeface="+mn-lt"/>
+                          <a:ea typeface="+mn-ea"/>
+                          <a:cs typeface="+mn-cs"/>
+                        </a:rPr>
+                        <a:t>version</a:t>
+                      </a:r>
+                      <a:r>
+                        <a:rPr lang="es-EC" sz="1800" b="0" i="0" u="none" strike="noStrike" kern="1200" baseline="0" dirty="0" smtClean="0">
+                          <a:solidFill>
+                            <a:schemeClr val="dk1"/>
+                          </a:solidFill>
+                          <a:latin typeface="+mn-lt"/>
+                          <a:ea typeface="+mn-ea"/>
+                          <a:cs typeface="+mn-cs"/>
+                        </a:rPr>
+                        <a:t> 7)</a:t>
+                      </a:r>
+                    </a:p>
+                    <a:p>
+                      <a:r>
+                        <a:rPr lang="es-EC" sz="1800" b="0" i="0" u="none" strike="noStrike" kern="1200" baseline="0" dirty="0" smtClean="0">
+                          <a:solidFill>
+                            <a:schemeClr val="dk1"/>
+                          </a:solidFill>
+                          <a:latin typeface="+mn-lt"/>
+                          <a:ea typeface="+mn-ea"/>
+                          <a:cs typeface="+mn-cs"/>
+                        </a:rPr>
+                        <a:t> </a:t>
+                      </a:r>
+                      <a:r>
+                        <a:rPr lang="es-EC" sz="1800" b="0" i="0" u="none" strike="noStrike" kern="1200" baseline="0" dirty="0" err="1" smtClean="0">
+                          <a:solidFill>
+                            <a:schemeClr val="dk1"/>
+                          </a:solidFill>
+                          <a:latin typeface="+mn-lt"/>
+                          <a:ea typeface="+mn-ea"/>
+                          <a:cs typeface="+mn-cs"/>
+                        </a:rPr>
+                        <a:t>Postgis</a:t>
+                      </a:r>
+                      <a:endParaRPr lang="es-EC" dirty="0"/>
+                    </a:p>
+                  </a:txBody>
+                  <a:tcPr/>
+                </a:tc>
+              </a:tr>
+            </a:tbl>
+          </a:graphicData>
+        </a:graphic>
+      </p:graphicFrame>
+      <p:sp>
+        <p:nvSpPr>
+          <p:cNvPr id="6" name="Rectángulo redondeado 5"/>
+          <p:cNvSpPr/>
+          <p:nvPr/>
+        </p:nvSpPr>
+        <p:spPr>
+          <a:xfrm>
+            <a:off x="-354842" y="245660"/>
+            <a:ext cx="4831308" cy="627797"/>
+          </a:xfrm>
+          <a:prstGeom prst="roundRect">
+            <a:avLst/>
+          </a:prstGeom>
+        </p:spPr>
+        <p:style>
+          <a:lnRef idx="2">
+            <a:schemeClr val="accent1">
+              <a:shade val="50000"/>
+            </a:schemeClr>
+          </a:lnRef>
+          <a:fillRef idx="1">
+            <a:schemeClr val="accent1"/>
+          </a:fillRef>
+          <a:effectRef idx="0">
+            <a:schemeClr val="accent1"/>
+          </a:effectRef>
+          <a:fontRef idx="minor">
+            <a:schemeClr val="lt1"/>
+          </a:fontRef>
+        </p:style>
+        <p:txBody>
+          <a:bodyPr rtlCol="0" anchor="ctr"/>
+          <a:lstStyle/>
+          <a:p>
+            <a:pPr algn="ctr"/>
+            <a:endParaRPr lang="es-EC" b="1" dirty="0" smtClean="0"/>
+          </a:p>
+          <a:p>
+            <a:pPr algn="ctr"/>
+            <a:r>
+              <a:rPr lang="es-EC" b="1" dirty="0"/>
+              <a:t> </a:t>
+            </a:r>
+            <a:r>
+              <a:rPr lang="es-EC" b="1" dirty="0" smtClean="0"/>
+              <a:t>    FORMATOS SOPORTADOS DE LECTURA</a:t>
+            </a:r>
+          </a:p>
+          <a:p>
+            <a:pPr algn="ctr"/>
+            <a:endParaRPr lang="es-EC" b="1" dirty="0"/>
+          </a:p>
+        </p:txBody>
+      </p:sp>
+    </p:spTree>
+    <p:extLst>
+      <p:ext uri="{BB962C8B-B14F-4D97-AF65-F5344CB8AC3E}">
+        <p14:creationId xmlns:p14="http://schemas.microsoft.com/office/powerpoint/2010/main" val="2150989890"/>
+      </p:ext>
+    </p:extLst>
+  </p:cSld>
+  <p:clrMapOvr>
+    <a:masterClrMapping/>
+  </p:clrMapOvr>
+</p:sld>
+</file>
+
+<file path=ppt/slides/slide8.xml><?xml version="1.0" encoding="utf-8"?>
+<p:sld xmlns:a="http://schemas.openxmlformats.org/drawingml/2006/main" xmlns:r="http://schemas.openxmlformats.org/officeDocument/2006/relationships" xmlns:p="http://schemas.openxmlformats.org/presentationml/2006/main">
+  <p:cSld>
+    <p:spTree>
+      <p:nvGrpSpPr>
+        <p:cNvPr id="1" name=""/>
+        <p:cNvGrpSpPr/>
+        <p:nvPr/>
+      </p:nvGrpSpPr>
+      <p:grpSpPr>
+        <a:xfrm>
+          <a:off x="0" y="0"/>
+          <a:ext cx="0" cy="0"/>
+          <a:chOff x="0" y="0"/>
+          <a:chExt cx="0" cy="0"/>
+        </a:xfrm>
+      </p:grpSpPr>
+      <p:sp>
+        <p:nvSpPr>
+          <p:cNvPr id="3" name="Rectángulo 2"/>
+          <p:cNvSpPr/>
+          <p:nvPr/>
+        </p:nvSpPr>
+        <p:spPr>
+          <a:xfrm>
+            <a:off x="3048000" y="2828836"/>
+            <a:ext cx="6096000" cy="369332"/>
+          </a:xfrm>
+          <a:prstGeom prst="rect">
+            <a:avLst/>
+          </a:prstGeom>
+        </p:spPr>
+        <p:txBody>
+          <a:bodyPr>
+            <a:spAutoFit/>
+          </a:bodyPr>
+          <a:lstStyle/>
+          <a:p>
+            <a:endParaRPr lang="es-EC" dirty="0"/>
+          </a:p>
+        </p:txBody>
+      </p:sp>
+      <p:sp>
+        <p:nvSpPr>
+          <p:cNvPr id="5" name="Rectángulo 4"/>
+          <p:cNvSpPr/>
+          <p:nvPr/>
+        </p:nvSpPr>
+        <p:spPr>
+          <a:xfrm>
+            <a:off x="783046" y="1426382"/>
+            <a:ext cx="9144000" cy="646331"/>
+          </a:xfrm>
+          <a:prstGeom prst="rect">
+            <a:avLst/>
+          </a:prstGeom>
+        </p:spPr>
+        <p:txBody>
+          <a:bodyPr wrap="square">
+            <a:spAutoFit/>
+          </a:bodyPr>
+          <a:lstStyle/>
+          <a:p>
+            <a:r>
+              <a:rPr lang="es-EC" dirty="0"/>
+              <a:t>En </a:t>
+            </a:r>
+            <a:r>
+              <a:rPr lang="es-EC" dirty="0" err="1"/>
+              <a:t>gvSIG</a:t>
+            </a:r>
+            <a:r>
+              <a:rPr lang="es-EC" dirty="0"/>
+              <a:t> Desktop podemos encontrar un amplio abanico de funcionalidades, integrando las más diversas áreas de aplicación de los SIG:</a:t>
+            </a:r>
+          </a:p>
+        </p:txBody>
+      </p:sp>
+      <p:sp>
+        <p:nvSpPr>
+          <p:cNvPr id="7" name="Rectángulo 6"/>
+          <p:cNvSpPr/>
+          <p:nvPr/>
+        </p:nvSpPr>
+        <p:spPr>
+          <a:xfrm>
+            <a:off x="5312954" y="2840168"/>
+            <a:ext cx="6096000" cy="2123658"/>
+          </a:xfrm>
+          <a:prstGeom prst="rect">
+            <a:avLst/>
+          </a:prstGeom>
+        </p:spPr>
+        <p:txBody>
+          <a:bodyPr>
+            <a:spAutoFit/>
+          </a:bodyPr>
+          <a:lstStyle/>
+          <a:p>
+            <a:pPr algn="just"/>
+            <a:r>
+              <a:rPr lang="es-EC" sz="2400" b="1" dirty="0"/>
+              <a:t>Vectorial: </a:t>
+            </a:r>
+            <a:r>
+              <a:rPr lang="es-EC" dirty="0"/>
+              <a:t>Acceso a formatos vectoriales, acceso a bases de datos, navegación, consulta, selección, análisis y </a:t>
+            </a:r>
+            <a:r>
+              <a:rPr lang="es-EC" dirty="0" err="1"/>
+              <a:t>geoprocesamiento</a:t>
+            </a:r>
+            <a:r>
+              <a:rPr lang="es-EC" dirty="0"/>
+              <a:t>, edición gráfica y alfanumérica, simbología, etiquetado, diseñador de planos, conversión de datos a otros formatos y sistemas de proyección, relaciones entre tablas, estadísticas, </a:t>
+            </a:r>
+            <a:r>
+              <a:rPr lang="es-EC" dirty="0" smtClean="0"/>
+              <a:t>normalización</a:t>
+            </a:r>
+            <a:r>
+              <a:rPr lang="es-EC" dirty="0"/>
+              <a:t>.</a:t>
+            </a:r>
+          </a:p>
+        </p:txBody>
+      </p:sp>
+      <p:pic>
+        <p:nvPicPr>
+          <p:cNvPr id="1026" name="Picture 2" descr="gvSIG Desktop_vectorial_01_mini"/>
+          <p:cNvPicPr>
+            <a:picLocks noChangeAspect="1" noChangeArrowheads="1"/>
+          </p:cNvPicPr>
+          <p:nvPr/>
+        </p:nvPicPr>
+        <p:blipFill>
+          <a:blip r:embed="rId2">
+            <a:extLst>
+              <a:ext uri="{28A0092B-C50C-407E-A947-70E740481C1C}">
+                <a14:useLocalDpi xmlns:a14="http://schemas.microsoft.com/office/drawing/2010/main" val="0"/>
+              </a:ext>
+            </a:extLst>
+          </a:blip>
+          <a:srcRect/>
+          <a:stretch>
+            <a:fillRect/>
+          </a:stretch>
+        </p:blipFill>
+        <p:spPr bwMode="auto">
+          <a:xfrm>
+            <a:off x="783046" y="2522520"/>
+            <a:ext cx="4353062" cy="2643916"/>
+          </a:xfrm>
+          <a:prstGeom prst="rect">
+            <a:avLst/>
+          </a:prstGeom>
+          <a:noFill/>
+          <a:extLst>
+            <a:ext uri="{909E8E84-426E-40DD-AFC4-6F175D3DCCD1}">
+              <a14:hiddenFill xmlns:a14="http://schemas.microsoft.com/office/drawing/2010/main">
+                <a:solidFill>
+                  <a:srgbClr val="FFFFFF"/>
+                </a:solidFill>
+              </a14:hiddenFill>
+            </a:ext>
+          </a:extLst>
+        </p:spPr>
+      </p:pic>
+      <p:sp>
+        <p:nvSpPr>
+          <p:cNvPr id="9" name="Rectángulo redondeado 8"/>
+          <p:cNvSpPr/>
+          <p:nvPr/>
+        </p:nvSpPr>
+        <p:spPr>
+          <a:xfrm>
+            <a:off x="-204717" y="477672"/>
+            <a:ext cx="5418161" cy="805218"/>
+          </a:xfrm>
+          <a:prstGeom prst="roundRect">
+            <a:avLst/>
+          </a:prstGeom>
+        </p:spPr>
+        <p:style>
+          <a:lnRef idx="2">
+            <a:schemeClr val="accent1">
+              <a:shade val="50000"/>
+            </a:schemeClr>
+          </a:lnRef>
+          <a:fillRef idx="1">
+            <a:schemeClr val="accent1"/>
+          </a:fillRef>
+          <a:effectRef idx="0">
+            <a:schemeClr val="accent1"/>
+          </a:effectRef>
+          <a:fontRef idx="minor">
+            <a:schemeClr val="lt1"/>
+          </a:fontRef>
+        </p:style>
+        <p:txBody>
+          <a:bodyPr rtlCol="0" anchor="ctr"/>
+          <a:lstStyle/>
+          <a:p>
+            <a:pPr algn="ctr"/>
+            <a:r>
+              <a:rPr lang="es-EC" sz="2800" dirty="0" smtClean="0"/>
+              <a:t>FUNCIONALIDADES</a:t>
+            </a:r>
+            <a:endParaRPr lang="es-EC" sz="2800" dirty="0"/>
+          </a:p>
+        </p:txBody>
+      </p:sp>
+    </p:spTree>
+    <p:extLst>
+      <p:ext uri="{BB962C8B-B14F-4D97-AF65-F5344CB8AC3E}">
+        <p14:creationId xmlns:p14="http://schemas.microsoft.com/office/powerpoint/2010/main" val="2618602413"/>
+      </p:ext>
+    </p:extLst>
+  </p:cSld>
+  <p:clrMapOvr>
+    <a:masterClrMapping/>
+  </p:clrMapOvr>
+  <p:timing>
+    <p:tnLst>
+      <p:par>
+        <p:cTn id="1" dur="indefinite" restart="never" nodeType="tmRoot"/>
+      </p:par>
+    </p:tnLst>
+  </p:timing>
+</p:sld>
+</file>
+
+<file path=ppt/slides/slide9.xml><?xml version="1.0" encoding="utf-8"?>
+<p:sld xmlns:a="http://schemas.openxmlformats.org/drawingml/2006/main" xmlns:r="http://schemas.openxmlformats.org/officeDocument/2006/relationships" xmlns:p="http://schemas.openxmlformats.org/presentationml/2006/main">
+  <p:cSld>
+    <p:spTree>
+      <p:nvGrpSpPr>
+        <p:cNvPr id="1" name=""/>
+        <p:cNvGrpSpPr/>
+        <p:nvPr/>
+      </p:nvGrpSpPr>
+      <p:grpSpPr>
+        <a:xfrm>
+          <a:off x="0" y="0"/>
+          <a:ext cx="0" cy="0"/>
+          <a:chOff x="0" y="0"/>
+          <a:chExt cx="0" cy="0"/>
+        </a:xfrm>
+      </p:grpSpPr>
+      <p:sp>
+        <p:nvSpPr>
+          <p:cNvPr id="3" name="Rectángulo 2"/>
+          <p:cNvSpPr/>
+          <p:nvPr/>
+        </p:nvSpPr>
+        <p:spPr>
+          <a:xfrm>
+            <a:off x="5186149" y="2023113"/>
+            <a:ext cx="6537278" cy="2893100"/>
+          </a:xfrm>
+          <a:prstGeom prst="rect">
+            <a:avLst/>
+          </a:prstGeom>
+        </p:spPr>
+        <p:txBody>
+          <a:bodyPr wrap="square">
+            <a:spAutoFit/>
+          </a:bodyPr>
+          <a:lstStyle/>
+          <a:p>
+            <a:pPr algn="just"/>
+            <a:r>
+              <a:rPr lang="es-EC" sz="2000" b="1" dirty="0" err="1"/>
+              <a:t>Ráster</a:t>
+            </a:r>
+            <a:r>
+              <a:rPr lang="es-EC" sz="2000" b="1" dirty="0"/>
+              <a:t> y teledetección: </a:t>
+            </a:r>
+            <a:r>
+              <a:rPr lang="es-EC" dirty="0"/>
+              <a:t>acceso a formatos </a:t>
+            </a:r>
+            <a:r>
+              <a:rPr lang="es-EC" dirty="0" err="1"/>
+              <a:t>raster</a:t>
+            </a:r>
+            <a:r>
+              <a:rPr lang="es-EC" dirty="0"/>
+              <a:t>, tabla de color y gradientes, recorte de datos y bandas, exportación de capas, procesamiento por píxel, tratamiento de interpretación de color, generación de pirámides, realces radiométricos, histogramas, geolocalización, </a:t>
+            </a:r>
+            <a:r>
+              <a:rPr lang="es-EC" dirty="0" err="1"/>
+              <a:t>reproyección</a:t>
+            </a:r>
+            <a:r>
+              <a:rPr lang="es-EC" dirty="0"/>
+              <a:t> de </a:t>
+            </a:r>
+            <a:r>
+              <a:rPr lang="es-EC" dirty="0" err="1"/>
+              <a:t>raster</a:t>
+            </a:r>
+            <a:r>
+              <a:rPr lang="es-EC" dirty="0"/>
+              <a:t>, georreferenciación, </a:t>
+            </a:r>
+            <a:r>
+              <a:rPr lang="es-EC" dirty="0" err="1"/>
+              <a:t>vectorización</a:t>
+            </a:r>
+            <a:r>
+              <a:rPr lang="es-EC" dirty="0"/>
+              <a:t> automática, álgebra de bandas, definición de áreas de interés, clasificación supervisada y no supervisada, árboles de decisión, fusión de imágenes, mosaicos, diagramas de </a:t>
+            </a:r>
+            <a:r>
+              <a:rPr lang="es-EC" dirty="0" smtClean="0"/>
+              <a:t>dispersión</a:t>
+            </a:r>
+            <a:r>
+              <a:rPr lang="es-EC" dirty="0"/>
+              <a:t>.</a:t>
+            </a:r>
+          </a:p>
+        </p:txBody>
+      </p:sp>
+      <p:pic>
+        <p:nvPicPr>
+          <p:cNvPr id="2050" name="Picture 2" descr="gvSIG Desktop_raster 01_mini"/>
+          <p:cNvPicPr>
+            <a:picLocks noChangeAspect="1" noChangeArrowheads="1"/>
+          </p:cNvPicPr>
+          <p:nvPr/>
+        </p:nvPicPr>
+        <p:blipFill>
+          <a:blip r:embed="rId2">
+            <a:extLst>
+              <a:ext uri="{28A0092B-C50C-407E-A947-70E740481C1C}">
+                <a14:useLocalDpi xmlns:a14="http://schemas.microsoft.com/office/drawing/2010/main" val="0"/>
+              </a:ext>
+            </a:extLst>
+          </a:blip>
+          <a:srcRect/>
+          <a:stretch>
+            <a:fillRect/>
+          </a:stretch>
+        </p:blipFill>
+        <p:spPr bwMode="auto">
+          <a:xfrm>
+            <a:off x="851612" y="2167924"/>
+            <a:ext cx="4034288" cy="2603478"/>
+          </a:xfrm>
+          <a:prstGeom prst="rect">
+            <a:avLst/>
+          </a:prstGeom>
+          <a:noFill/>
+          <a:extLst>
+            <a:ext uri="{909E8E84-426E-40DD-AFC4-6F175D3DCCD1}">
+              <a14:hiddenFill xmlns:a14="http://schemas.microsoft.com/office/drawing/2010/main">
+                <a:solidFill>
+                  <a:srgbClr val="FFFFFF"/>
+                </a:solidFill>
+              </a14:hiddenFill>
+            </a:ext>
+          </a:extLst>
+        </p:spPr>
+      </p:pic>
+    </p:spTree>
+    <p:extLst>
+      <p:ext uri="{BB962C8B-B14F-4D97-AF65-F5344CB8AC3E}">
+        <p14:creationId xmlns:p14="http://schemas.microsoft.com/office/powerpoint/2010/main" val="1856970225"/>
       </p:ext>
     </p:extLst>
   </p:cSld>

--- a/Expo-gvSIG.pptx
+++ b/Expo-gvSIG.pptx
@@ -377,6 +377,18 @@
   <p:clrMapOvr>
     <a:masterClrMapping/>
   </p:clrMapOvr>
+  <mc:AlternateContent xmlns:mc="http://schemas.openxmlformats.org/markup-compatibility/2006">
+    <mc:Choice xmlns:p14="http://schemas.microsoft.com/office/powerpoint/2010/main" Requires="p14">
+      <p:transition spd="med" p14:dur="700">
+        <p:fade/>
+      </p:transition>
+    </mc:Choice>
+    <mc:Fallback>
+      <p:transition spd="med">
+        <p:fade/>
+      </p:transition>
+    </mc:Fallback>
+  </mc:AlternateContent>
 </p:sldLayout>
 </file>
 
@@ -652,6 +664,18 @@
   <p:clrMapOvr>
     <a:masterClrMapping/>
   </p:clrMapOvr>
+  <mc:AlternateContent xmlns:mc="http://schemas.openxmlformats.org/markup-compatibility/2006">
+    <mc:Choice xmlns:p14="http://schemas.microsoft.com/office/powerpoint/2010/main" Requires="p14">
+      <p:transition spd="med" p14:dur="700">
+        <p:fade/>
+      </p:transition>
+    </mc:Choice>
+    <mc:Fallback>
+      <p:transition spd="med">
+        <p:fade/>
+      </p:transition>
+    </mc:Fallback>
+  </mc:AlternateContent>
 </p:sldLayout>
 </file>
 
@@ -846,6 +870,18 @@
   <p:clrMapOvr>
     <a:masterClrMapping/>
   </p:clrMapOvr>
+  <mc:AlternateContent xmlns:mc="http://schemas.openxmlformats.org/markup-compatibility/2006">
+    <mc:Choice xmlns:p14="http://schemas.microsoft.com/office/powerpoint/2010/main" Requires="p14">
+      <p:transition spd="med" p14:dur="700">
+        <p:fade/>
+      </p:transition>
+    </mc:Choice>
+    <mc:Fallback>
+      <p:transition spd="med">
+        <p:fade/>
+      </p:transition>
+    </mc:Fallback>
+  </mc:AlternateContent>
 </p:sldLayout>
 </file>
 
@@ -1213,6 +1249,18 @@
   <p:clrMapOvr>
     <a:masterClrMapping/>
   </p:clrMapOvr>
+  <mc:AlternateContent xmlns:mc="http://schemas.openxmlformats.org/markup-compatibility/2006">
+    <mc:Choice xmlns:p14="http://schemas.microsoft.com/office/powerpoint/2010/main" Requires="p14">
+      <p:transition spd="med" p14:dur="700">
+        <p:fade/>
+      </p:transition>
+    </mc:Choice>
+    <mc:Fallback>
+      <p:transition spd="med">
+        <p:fade/>
+      </p:transition>
+    </mc:Fallback>
+  </mc:AlternateContent>
 </p:sldLayout>
 </file>
 
@@ -1460,6 +1508,18 @@
   <p:clrMapOvr>
     <a:masterClrMapping/>
   </p:clrMapOvr>
+  <mc:AlternateContent xmlns:mc="http://schemas.openxmlformats.org/markup-compatibility/2006">
+    <mc:Choice xmlns:p14="http://schemas.microsoft.com/office/powerpoint/2010/main" Requires="p14">
+      <p:transition spd="med" p14:dur="700">
+        <p:fade/>
+      </p:transition>
+    </mc:Choice>
+    <mc:Fallback>
+      <p:transition spd="med">
+        <p:fade/>
+      </p:transition>
+    </mc:Fallback>
+  </mc:AlternateContent>
 </p:sldLayout>
 </file>
 
@@ -2083,6 +2143,18 @@
   <p:clrMapOvr>
     <a:masterClrMapping/>
   </p:clrMapOvr>
+  <mc:AlternateContent xmlns:mc="http://schemas.openxmlformats.org/markup-compatibility/2006">
+    <mc:Choice xmlns:p14="http://schemas.microsoft.com/office/powerpoint/2010/main" Requires="p14">
+      <p:transition spd="med" p14:dur="700">
+        <p:fade/>
+      </p:transition>
+    </mc:Choice>
+    <mc:Fallback>
+      <p:transition spd="med">
+        <p:fade/>
+      </p:transition>
+    </mc:Fallback>
+  </mc:AlternateContent>
 </p:sldLayout>
 </file>
 
@@ -2943,6 +3015,18 @@
   <p:clrMapOvr>
     <a:masterClrMapping/>
   </p:clrMapOvr>
+  <mc:AlternateContent xmlns:mc="http://schemas.openxmlformats.org/markup-compatibility/2006">
+    <mc:Choice xmlns:p14="http://schemas.microsoft.com/office/powerpoint/2010/main" Requires="p14">
+      <p:transition spd="med" p14:dur="700">
+        <p:fade/>
+      </p:transition>
+    </mc:Choice>
+    <mc:Fallback>
+      <p:transition spd="med">
+        <p:fade/>
+      </p:transition>
+    </mc:Fallback>
+  </mc:AlternateContent>
 </p:sldLayout>
 </file>
 
@@ -3113,6 +3197,18 @@
   <p:clrMapOvr>
     <a:masterClrMapping/>
   </p:clrMapOvr>
+  <mc:AlternateContent xmlns:mc="http://schemas.openxmlformats.org/markup-compatibility/2006">
+    <mc:Choice xmlns:p14="http://schemas.microsoft.com/office/powerpoint/2010/main" Requires="p14">
+      <p:transition spd="med" p14:dur="700">
+        <p:fade/>
+      </p:transition>
+    </mc:Choice>
+    <mc:Fallback>
+      <p:transition spd="med">
+        <p:fade/>
+      </p:transition>
+    </mc:Fallback>
+  </mc:AlternateContent>
 </p:sldLayout>
 </file>
 
@@ -3293,6 +3389,18 @@
   <p:clrMapOvr>
     <a:masterClrMapping/>
   </p:clrMapOvr>
+  <mc:AlternateContent xmlns:mc="http://schemas.openxmlformats.org/markup-compatibility/2006">
+    <mc:Choice xmlns:p14="http://schemas.microsoft.com/office/powerpoint/2010/main" Requires="p14">
+      <p:transition spd="med" p14:dur="700">
+        <p:fade/>
+      </p:transition>
+    </mc:Choice>
+    <mc:Fallback>
+      <p:transition spd="med">
+        <p:fade/>
+      </p:transition>
+    </mc:Fallback>
+  </mc:AlternateContent>
 </p:sldLayout>
 </file>
 
@@ -3463,6 +3571,18 @@
   <p:clrMapOvr>
     <a:masterClrMapping/>
   </p:clrMapOvr>
+  <mc:AlternateContent xmlns:mc="http://schemas.openxmlformats.org/markup-compatibility/2006">
+    <mc:Choice xmlns:p14="http://schemas.microsoft.com/office/powerpoint/2010/main" Requires="p14">
+      <p:transition spd="med" p14:dur="700">
+        <p:fade/>
+      </p:transition>
+    </mc:Choice>
+    <mc:Fallback>
+      <p:transition spd="med">
+        <p:fade/>
+      </p:transition>
+    </mc:Fallback>
+  </mc:AlternateContent>
 </p:sldLayout>
 </file>
 
@@ -3710,6 +3830,18 @@
   <p:clrMapOvr>
     <a:masterClrMapping/>
   </p:clrMapOvr>
+  <mc:AlternateContent xmlns:mc="http://schemas.openxmlformats.org/markup-compatibility/2006">
+    <mc:Choice xmlns:p14="http://schemas.microsoft.com/office/powerpoint/2010/main" Requires="p14">
+      <p:transition spd="med" p14:dur="700">
+        <p:fade/>
+      </p:transition>
+    </mc:Choice>
+    <mc:Fallback>
+      <p:transition spd="med">
+        <p:fade/>
+      </p:transition>
+    </mc:Fallback>
+  </mc:AlternateContent>
 </p:sldLayout>
 </file>
 
@@ -4002,6 +4134,18 @@
   <p:clrMapOvr>
     <a:masterClrMapping/>
   </p:clrMapOvr>
+  <mc:AlternateContent xmlns:mc="http://schemas.openxmlformats.org/markup-compatibility/2006">
+    <mc:Choice xmlns:p14="http://schemas.microsoft.com/office/powerpoint/2010/main" Requires="p14">
+      <p:transition spd="med" p14:dur="700">
+        <p:fade/>
+      </p:transition>
+    </mc:Choice>
+    <mc:Fallback>
+      <p:transition spd="med">
+        <p:fade/>
+      </p:transition>
+    </mc:Fallback>
+  </mc:AlternateContent>
 </p:sldLayout>
 </file>
 
@@ -4446,6 +4590,18 @@
   <p:clrMapOvr>
     <a:masterClrMapping/>
   </p:clrMapOvr>
+  <mc:AlternateContent xmlns:mc="http://schemas.openxmlformats.org/markup-compatibility/2006">
+    <mc:Choice xmlns:p14="http://schemas.microsoft.com/office/powerpoint/2010/main" Requires="p14">
+      <p:transition spd="med" p14:dur="700">
+        <p:fade/>
+      </p:transition>
+    </mc:Choice>
+    <mc:Fallback>
+      <p:transition spd="med">
+        <p:fade/>
+      </p:transition>
+    </mc:Fallback>
+  </mc:AlternateContent>
 </p:sldLayout>
 </file>
 
@@ -4564,6 +4720,18 @@
   <p:clrMapOvr>
     <a:masterClrMapping/>
   </p:clrMapOvr>
+  <mc:AlternateContent xmlns:mc="http://schemas.openxmlformats.org/markup-compatibility/2006">
+    <mc:Choice xmlns:p14="http://schemas.microsoft.com/office/powerpoint/2010/main" Requires="p14">
+      <p:transition spd="med" p14:dur="700">
+        <p:fade/>
+      </p:transition>
+    </mc:Choice>
+    <mc:Fallback>
+      <p:transition spd="med">
+        <p:fade/>
+      </p:transition>
+    </mc:Fallback>
+  </mc:AlternateContent>
 </p:sldLayout>
 </file>
 
@@ -4659,6 +4827,18 @@
   <p:clrMapOvr>
     <a:masterClrMapping/>
   </p:clrMapOvr>
+  <mc:AlternateContent xmlns:mc="http://schemas.openxmlformats.org/markup-compatibility/2006">
+    <mc:Choice xmlns:p14="http://schemas.microsoft.com/office/powerpoint/2010/main" Requires="p14">
+      <p:transition spd="med" p14:dur="700">
+        <p:fade/>
+      </p:transition>
+    </mc:Choice>
+    <mc:Fallback>
+      <p:transition spd="med">
+        <p:fade/>
+      </p:transition>
+    </mc:Fallback>
+  </mc:AlternateContent>
 </p:sldLayout>
 </file>
 
@@ -4938,6 +5118,18 @@
   <p:clrMapOvr>
     <a:masterClrMapping/>
   </p:clrMapOvr>
+  <mc:AlternateContent xmlns:mc="http://schemas.openxmlformats.org/markup-compatibility/2006">
+    <mc:Choice xmlns:p14="http://schemas.microsoft.com/office/powerpoint/2010/main" Requires="p14">
+      <p:transition spd="med" p14:dur="700">
+        <p:fade/>
+      </p:transition>
+    </mc:Choice>
+    <mc:Fallback>
+      <p:transition spd="med">
+        <p:fade/>
+      </p:transition>
+    </mc:Fallback>
+  </mc:AlternateContent>
 </p:sldLayout>
 </file>
 
@@ -5213,6 +5405,18 @@
   <p:clrMapOvr>
     <a:masterClrMapping/>
   </p:clrMapOvr>
+  <mc:AlternateContent xmlns:mc="http://schemas.openxmlformats.org/markup-compatibility/2006">
+    <mc:Choice xmlns:p14="http://schemas.microsoft.com/office/powerpoint/2010/main" Requires="p14">
+      <p:transition spd="med" p14:dur="700">
+        <p:fade/>
+      </p:transition>
+    </mc:Choice>
+    <mc:Fallback>
+      <p:transition spd="med">
+        <p:fade/>
+      </p:transition>
+    </mc:Fallback>
+  </mc:AlternateContent>
 </p:sldLayout>
 </file>
 
@@ -5696,6 +5900,18 @@
     <p:sldLayoutId id="2147483712" r:id="rId16"/>
     <p:sldLayoutId id="2147483713" r:id="rId17"/>
   </p:sldLayoutIdLst>
+  <mc:AlternateContent xmlns:mc="http://schemas.openxmlformats.org/markup-compatibility/2006">
+    <mc:Choice xmlns:p14="http://schemas.microsoft.com/office/powerpoint/2010/main" Requires="p14">
+      <p:transition spd="med" p14:dur="700">
+        <p:fade/>
+      </p:transition>
+    </mc:Choice>
+    <mc:Fallback>
+      <p:transition spd="med">
+        <p:fade/>
+      </p:transition>
+    </mc:Fallback>
+  </mc:AlternateContent>
   <p:txStyles>
     <p:titleStyle>
       <a:lvl1pPr algn="l" defTabSz="457200" rtl="0" eaLnBrk="1" latinLnBrk="0" hangingPunct="1">
@@ -6304,6 +6520,18 @@
   <p:clrMapOvr>
     <a:masterClrMapping/>
   </p:clrMapOvr>
+  <mc:AlternateContent xmlns:mc="http://schemas.openxmlformats.org/markup-compatibility/2006">
+    <mc:Choice xmlns:p14="http://schemas.microsoft.com/office/powerpoint/2010/main" Requires="p14">
+      <p:transition spd="med" p14:dur="700">
+        <p:fade/>
+      </p:transition>
+    </mc:Choice>
+    <mc:Fallback>
+      <p:transition spd="med">
+        <p:fade/>
+      </p:transition>
+    </mc:Fallback>
+  </mc:AlternateContent>
   <p:timing>
     <p:tnLst>
       <p:par>
@@ -6484,15 +6712,7 @@
             </a:r>
             <a:r>
               <a:rPr lang="es-EC" dirty="0"/>
-              <a:t>acceso a servicios remotos mediante estándares OGC (WMS, WFS, WFS-T, WCS), acceso mediante servicios no estándar (</a:t>
-            </a:r>
-            <a:r>
-              <a:rPr lang="es-EC" dirty="0" err="1"/>
-              <a:t>ArcIMS</a:t>
-            </a:r>
-            <a:r>
-              <a:rPr lang="es-EC" dirty="0"/>
-              <a:t>, </a:t>
+              <a:t>acceso a servicios remotos mediante estándares OGC (WMS, WFS, WFS-T, WCS), acceso mediante servicios no estándar (ArcIMS, </a:t>
             </a:r>
             <a:r>
               <a:rPr lang="es-EC" dirty="0" err="1"/>
@@ -6638,6 +6858,18 @@
   <p:clrMapOvr>
     <a:masterClrMapping/>
   </p:clrMapOvr>
+  <mc:AlternateContent xmlns:mc="http://schemas.openxmlformats.org/markup-compatibility/2006">
+    <mc:Choice xmlns:p14="http://schemas.microsoft.com/office/powerpoint/2010/main" Requires="p14">
+      <p:transition spd="med" p14:dur="700">
+        <p:fade/>
+      </p:transition>
+    </mc:Choice>
+    <mc:Fallback>
+      <p:transition spd="med">
+        <p:fade/>
+      </p:transition>
+    </mc:Fallback>
+  </mc:AlternateContent>
   <p:timing>
     <p:tnLst>
       <p:par>
@@ -6802,6 +7034,18 @@
   <p:clrMapOvr>
     <a:masterClrMapping/>
   </p:clrMapOvr>
+  <mc:AlternateContent xmlns:mc="http://schemas.openxmlformats.org/markup-compatibility/2006">
+    <mc:Choice xmlns:p14="http://schemas.microsoft.com/office/powerpoint/2010/main" Requires="p14">
+      <p:transition spd="med" p14:dur="700">
+        <p:fade/>
+      </p:transition>
+    </mc:Choice>
+    <mc:Fallback>
+      <p:transition spd="med">
+        <p:fade/>
+      </p:transition>
+    </mc:Fallback>
+  </mc:AlternateContent>
   <p:timing>
     <p:tnLst>
       <p:par>
@@ -6882,7 +7126,7 @@
         <p:spPr>
           <a:xfrm>
             <a:off x="1392071" y="2159591"/>
-            <a:ext cx="9512489" cy="2585323"/>
+            <a:ext cx="9512489" cy="2677656"/>
           </a:xfrm>
           <a:prstGeom prst="rect">
             <a:avLst/>
@@ -6895,14 +7139,14 @@
           <a:lstStyle/>
           <a:p>
             <a:r>
-              <a:rPr lang="es-EC" dirty="0"/>
+              <a:rPr lang="es-EC" sz="2400" b="1" dirty="0"/>
               <a:t>Cliente </a:t>
             </a:r>
             <a:r>
-              <a:rPr lang="es-EC" dirty="0" err="1" smtClean="0"/>
+              <a:rPr lang="es-EC" sz="2400" b="1" dirty="0" err="1" smtClean="0"/>
               <a:t>ArcIms</a:t>
             </a:r>
-            <a:endParaRPr lang="es-EC" dirty="0" smtClean="0"/>
+            <a:endParaRPr lang="es-EC" sz="2400" b="1" dirty="0" smtClean="0"/>
           </a:p>
           <a:p>
             <a:endParaRPr lang="es-EC" dirty="0"/>
@@ -6914,36 +7158,20 @@
               <a:t>La </a:t>
             </a:r>
             <a:r>
-              <a:rPr lang="es-EC" dirty="0" err="1"/>
-              <a:t>extension</a:t>
+              <a:rPr lang="es-EC" dirty="0" smtClean="0"/>
+              <a:t>extensión </a:t>
             </a:r>
             <a:r>
               <a:rPr lang="es-EC" dirty="0"/>
-              <a:t> del cliente </a:t>
-            </a:r>
-            <a:r>
-              <a:rPr lang="es-EC" dirty="0" err="1"/>
-              <a:t>ArcIMS</a:t>
+              <a:t>del cliente ArcIMS de GvSig permite al usuario </a:t>
+            </a:r>
+            <a:r>
+              <a:rPr lang="es-EC" dirty="0" smtClean="0"/>
+              <a:t>añadir </a:t>
             </a:r>
             <a:r>
               <a:rPr lang="es-EC" dirty="0"/>
-              <a:t> de </a:t>
-            </a:r>
-            <a:r>
-              <a:rPr lang="es-EC" dirty="0" err="1"/>
-              <a:t>GvSig</a:t>
-            </a:r>
-            <a:r>
-              <a:rPr lang="es-EC" dirty="0"/>
-              <a:t> permite al usuario </a:t>
-            </a:r>
-            <a:r>
-              <a:rPr lang="es-EC" dirty="0" err="1"/>
-              <a:t>anadir</a:t>
-            </a:r>
-            <a:r>
-              <a:rPr lang="es-EC" dirty="0"/>
-              <a:t> de forma sencilla</a:t>
+              <a:t>de forma sencilla</a:t>
             </a:r>
           </a:p>
           <a:p>
@@ -6953,36 +7181,20 @@
               <a:t>servicios tanto de </a:t>
             </a:r>
             <a:r>
-              <a:rPr lang="es-EC" dirty="0" err="1"/>
-              <a:t>imagenes</a:t>
+              <a:rPr lang="es-EC" dirty="0" smtClean="0"/>
+              <a:t>imágenes </a:t>
             </a:r>
             <a:r>
               <a:rPr lang="es-EC" dirty="0"/>
-              <a:t> (</a:t>
-            </a:r>
-            <a:r>
-              <a:rPr lang="es-EC" dirty="0" err="1"/>
-              <a:t>ImageServer</a:t>
+              <a:t>(ImageServer) como de </a:t>
+            </a:r>
+            <a:r>
+              <a:rPr lang="es-EC" dirty="0" smtClean="0"/>
+              <a:t>geometrías </a:t>
             </a:r>
             <a:r>
               <a:rPr lang="es-EC" dirty="0"/>
-              <a:t>) como de </a:t>
-            </a:r>
-            <a:r>
-              <a:rPr lang="es-EC" dirty="0" err="1"/>
-              <a:t>geometrias</a:t>
-            </a:r>
-            <a:r>
-              <a:rPr lang="es-EC" dirty="0"/>
-              <a:t> (</a:t>
-            </a:r>
-            <a:r>
-              <a:rPr lang="es-EC" dirty="0" err="1"/>
-              <a:t>FeatureServer</a:t>
-            </a:r>
-            <a:r>
-              <a:rPr lang="es-EC" dirty="0"/>
-              <a:t>) en </a:t>
+              <a:t>(FeatureServer) en </a:t>
             </a:r>
             <a:r>
               <a:rPr lang="es-EC" dirty="0" smtClean="0"/>
@@ -6990,72 +7202,45 @@
             </a:r>
             <a:r>
               <a:rPr lang="es-EC" dirty="0"/>
-              <a:t>similar al resto de servicios remotos de </a:t>
-            </a:r>
-            <a:r>
-              <a:rPr lang="es-EC" dirty="0" err="1"/>
-              <a:t>GvSig</a:t>
-            </a:r>
-            <a:r>
-              <a:rPr lang="es-EC" dirty="0"/>
-              <a:t>. El servicio de </a:t>
-            </a:r>
-            <a:r>
-              <a:rPr lang="es-EC" dirty="0" err="1"/>
-              <a:t>imagenes</a:t>
-            </a:r>
-            <a:r>
-              <a:rPr lang="es-EC" dirty="0"/>
-              <a:t> </a:t>
+              <a:t>similar al resto de servicios remotos de GvSig. El servicio de </a:t>
+            </a:r>
+            <a:r>
+              <a:rPr lang="es-EC" dirty="0" smtClean="0"/>
+              <a:t>imágenes </a:t>
             </a:r>
             <a:r>
               <a:rPr lang="es-EC" dirty="0" smtClean="0"/>
               <a:t>permite </a:t>
             </a:r>
             <a:r>
-              <a:rPr lang="es-EC" dirty="0" err="1" smtClean="0"/>
-              <a:t>anadir</a:t>
-            </a:r>
-            <a:r>
               <a:rPr lang="es-EC" dirty="0" smtClean="0"/>
-              <a:t> </a:t>
+              <a:t>añadir </a:t>
             </a:r>
             <a:r>
               <a:rPr lang="es-EC" dirty="0"/>
               <a:t>a la vista un conjunto personalizado de capas. El servicio de </a:t>
             </a:r>
             <a:r>
-              <a:rPr lang="es-EC" dirty="0" err="1"/>
-              <a:t>geometrias</a:t>
-            </a:r>
-            <a:r>
-              <a:rPr lang="es-EC" dirty="0"/>
-              <a:t> </a:t>
+              <a:rPr lang="es-EC" dirty="0" smtClean="0"/>
+              <a:t>geometrías </a:t>
             </a:r>
             <a:r>
               <a:rPr lang="es-EC" dirty="0" smtClean="0"/>
               <a:t>permite </a:t>
             </a:r>
             <a:r>
-              <a:rPr lang="es-EC" dirty="0" err="1" smtClean="0"/>
-              <a:t>anadir</a:t>
-            </a:r>
-            <a:r>
               <a:rPr lang="es-EC" dirty="0" smtClean="0"/>
-              <a:t> </a:t>
+              <a:t>añadir </a:t>
             </a:r>
             <a:r>
               <a:rPr lang="es-EC" dirty="0"/>
               <a:t>capas vectoriales remotas publicadas en un servicio de </a:t>
             </a:r>
             <a:r>
-              <a:rPr lang="es-EC" dirty="0" err="1"/>
-              <a:t>geometrias</a:t>
-            </a:r>
-            <a:r>
-              <a:rPr lang="es-EC" dirty="0"/>
-              <a:t>.</a:t>
-            </a:r>
+              <a:rPr lang="es-EC" dirty="0" smtClean="0"/>
+              <a:t>geometrías.</a:t>
+            </a:r>
+            <a:endParaRPr lang="es-EC" dirty="0"/>
           </a:p>
           <a:p>
             <a:endParaRPr lang="es-EC" dirty="0"/>
@@ -7072,6 +7257,25 @@
   <p:clrMapOvr>
     <a:masterClrMapping/>
   </p:clrMapOvr>
+  <mc:AlternateContent xmlns:mc="http://schemas.openxmlformats.org/markup-compatibility/2006">
+    <mc:Choice xmlns:p14="http://schemas.microsoft.com/office/powerpoint/2010/main" Requires="p14">
+      <p:transition spd="med" p14:dur="700">
+        <p:fade/>
+      </p:transition>
+    </mc:Choice>
+    <mc:Fallback>
+      <p:transition spd="med">
+        <p:fade/>
+      </p:transition>
+    </mc:Fallback>
+  </mc:AlternateContent>
+  <p:timing>
+    <p:tnLst>
+      <p:par>
+        <p:cTn id="1" dur="indefinite" restart="never" nodeType="tmRoot"/>
+      </p:par>
+    </p:tnLst>
+  </p:timing>
 </p:sld>
 </file>
 
@@ -7145,7 +7349,7 @@
         <p:spPr>
           <a:xfrm>
             <a:off x="1392071" y="2159591"/>
-            <a:ext cx="9512489" cy="2031325"/>
+            <a:ext cx="9512489" cy="2277547"/>
           </a:xfrm>
           <a:prstGeom prst="rect">
             <a:avLst/>
@@ -7158,14 +7362,14 @@
           <a:lstStyle/>
           <a:p>
             <a:r>
-              <a:rPr lang="es-EC" dirty="0"/>
+              <a:rPr lang="es-EC" sz="2400" b="1" dirty="0"/>
               <a:t>Piloto </a:t>
             </a:r>
             <a:r>
-              <a:rPr lang="es-EC" dirty="0" err="1" smtClean="0"/>
+              <a:rPr lang="es-EC" sz="2400" b="1" dirty="0" err="1" smtClean="0"/>
               <a:t>ráster</a:t>
             </a:r>
-            <a:endParaRPr lang="es-EC" dirty="0" smtClean="0"/>
+            <a:endParaRPr lang="es-EC" sz="2400" b="1" dirty="0" smtClean="0"/>
           </a:p>
           <a:p>
             <a:endParaRPr lang="es-EC" dirty="0"/>
@@ -7173,63 +7377,56 @@
           <a:p>
             <a:pPr algn="just"/>
             <a:r>
-              <a:rPr lang="es-EC" dirty="0"/>
+              <a:rPr lang="es-EC" sz="2000" dirty="0"/>
               <a:t>Aplicación 'piloto' ganadora del concurso de </a:t>
             </a:r>
             <a:r>
-              <a:rPr lang="es-EC" dirty="0" err="1"/>
+              <a:rPr lang="es-EC" sz="2000" dirty="0" err="1"/>
               <a:t>ráster</a:t>
             </a:r>
             <a:r>
-              <a:rPr lang="es-EC" dirty="0"/>
+              <a:rPr lang="es-EC" sz="2000" dirty="0"/>
               <a:t> ofertado por la </a:t>
             </a:r>
             <a:r>
-              <a:rPr lang="es-EC" dirty="0" err="1"/>
+              <a:rPr lang="es-EC" sz="2000" dirty="0" err="1"/>
               <a:t>Conselleria</a:t>
             </a:r>
             <a:r>
-              <a:rPr lang="es-EC" dirty="0"/>
-              <a:t> de</a:t>
-            </a:r>
-          </a:p>
-          <a:p>
-            <a:pPr algn="just"/>
-            <a:r>
-              <a:rPr lang="es-EC" dirty="0"/>
-              <a:t>Infraestructuras y Transporte. Permite abrir nuevos formatos de imagen y la </a:t>
-            </a:r>
-            <a:r>
-              <a:rPr lang="es-EC" dirty="0" smtClean="0"/>
+              <a:rPr lang="es-EC" sz="2000" dirty="0"/>
+              <a:t> </a:t>
+            </a:r>
+            <a:r>
+              <a:rPr lang="es-EC" sz="2000" dirty="0" smtClean="0"/>
+              <a:t>de Infraestructuras </a:t>
+            </a:r>
+            <a:r>
+              <a:rPr lang="es-EC" sz="2000" dirty="0"/>
+              <a:t>y Transporte. Permite abrir nuevos formatos de imagen y la </a:t>
+            </a:r>
+            <a:r>
+              <a:rPr lang="es-EC" sz="2000" dirty="0" smtClean="0"/>
               <a:t>aplicación de </a:t>
             </a:r>
             <a:r>
-              <a:rPr lang="es-EC" dirty="0"/>
+              <a:rPr lang="es-EC" sz="2000" dirty="0"/>
               <a:t>paletas de color a un MDT, histograma, recorte de capas </a:t>
             </a:r>
             <a:r>
-              <a:rPr lang="es-EC" dirty="0" err="1"/>
+              <a:rPr lang="es-EC" sz="2000" dirty="0" err="1"/>
               <a:t>ráster</a:t>
             </a:r>
             <a:r>
-              <a:rPr lang="es-EC" dirty="0"/>
+              <a:rPr lang="es-EC" sz="2000" dirty="0"/>
               <a:t> y algunos filtros </a:t>
             </a:r>
             <a:r>
-              <a:rPr lang="es-EC" dirty="0" smtClean="0"/>
+              <a:rPr lang="es-EC" sz="2000" dirty="0" smtClean="0"/>
               <a:t>de visualización </a:t>
             </a:r>
             <a:r>
-              <a:rPr lang="es-EC" dirty="0"/>
-              <a:t>nuevos. Se instala como una extensión sobre la versión actual de </a:t>
-            </a:r>
-            <a:r>
-              <a:rPr lang="es-EC" dirty="0" err="1"/>
-              <a:t>GvSig</a:t>
-            </a:r>
-            <a:r>
-              <a:rPr lang="es-EC" dirty="0"/>
-              <a:t>.</a:t>
+              <a:rPr lang="es-EC" sz="2000" dirty="0"/>
+              <a:t>nuevos. Se instala como una extensión sobre la versión actual de GvSig.</a:t>
             </a:r>
           </a:p>
         </p:txBody>
@@ -7244,6 +7441,25 @@
   <p:clrMapOvr>
     <a:masterClrMapping/>
   </p:clrMapOvr>
+  <mc:AlternateContent xmlns:mc="http://schemas.openxmlformats.org/markup-compatibility/2006">
+    <mc:Choice xmlns:p14="http://schemas.microsoft.com/office/powerpoint/2010/main" Requires="p14">
+      <p:transition spd="med" p14:dur="700">
+        <p:fade/>
+      </p:transition>
+    </mc:Choice>
+    <mc:Fallback>
+      <p:transition spd="med">
+        <p:fade/>
+      </p:transition>
+    </mc:Fallback>
+  </mc:AlternateContent>
+  <p:timing>
+    <p:tnLst>
+      <p:par>
+        <p:cTn id="1" dur="indefinite" restart="never" nodeType="tmRoot"/>
+      </p:par>
+    </p:tnLst>
+  </p:timing>
 </p:sld>
 </file>
 
@@ -7316,8 +7532,8 @@
         </p:nvSpPr>
         <p:spPr>
           <a:xfrm>
-            <a:off x="1446662" y="1709215"/>
-            <a:ext cx="9512489" cy="3970318"/>
+            <a:off x="1446662" y="1459833"/>
+            <a:ext cx="9512489" cy="5016758"/>
           </a:xfrm>
           <a:prstGeom prst="rect">
             <a:avLst/>
@@ -7330,167 +7546,175 @@
           <a:lstStyle/>
           <a:p>
             <a:r>
-              <a:rPr lang="es-EC" dirty="0" err="1" smtClean="0"/>
+              <a:rPr lang="es-EC" sz="2400" b="1" dirty="0" err="1" smtClean="0"/>
               <a:t>GeoBD</a:t>
             </a:r>
-            <a:endParaRPr lang="es-EC" dirty="0" smtClean="0"/>
+            <a:endParaRPr lang="es-EC" sz="2400" b="1" dirty="0" smtClean="0"/>
           </a:p>
           <a:p>
             <a:endParaRPr lang="es-EC" dirty="0"/>
           </a:p>
           <a:p>
-            <a:r>
-              <a:rPr lang="es-EC" dirty="0"/>
+            <a:pPr algn="just"/>
+            <a:r>
+              <a:rPr lang="es-EC" sz="2000" dirty="0"/>
               <a:t>La extensión </a:t>
             </a:r>
             <a:r>
-              <a:rPr lang="es-EC" dirty="0" err="1"/>
+              <a:rPr lang="es-EC" sz="2000" dirty="0" err="1"/>
               <a:t>geoBD</a:t>
             </a:r>
             <a:r>
-              <a:rPr lang="es-EC" dirty="0"/>
+              <a:rPr lang="es-EC" sz="2000" dirty="0"/>
               <a:t> permite el acceso a bases de datos geoespaciales, modificando </a:t>
             </a:r>
             <a:r>
-              <a:rPr lang="es-EC" dirty="0" smtClean="0"/>
+              <a:rPr lang="es-EC" sz="2000" dirty="0" smtClean="0"/>
               <a:t>el antiguo </a:t>
             </a:r>
             <a:r>
-              <a:rPr lang="es-EC" dirty="0"/>
+              <a:rPr lang="es-EC" sz="2000" dirty="0"/>
               <a:t>interfaz de acceso a las mismas y añadiendo el conector de Oracle </a:t>
             </a:r>
             <a:r>
-              <a:rPr lang="es-EC" dirty="0" err="1"/>
+              <a:rPr lang="es-EC" sz="2000" dirty="0" err="1"/>
               <a:t>Locator</a:t>
             </a:r>
             <a:r>
-              <a:rPr lang="es-EC" dirty="0"/>
+              <a:rPr lang="es-EC" sz="2000" dirty="0"/>
               <a:t> </a:t>
             </a:r>
             <a:r>
-              <a:rPr lang="es-EC" dirty="0" smtClean="0"/>
+              <a:rPr lang="es-EC" sz="2000" dirty="0" smtClean="0"/>
               <a:t>a los </a:t>
             </a:r>
             <a:r>
-              <a:rPr lang="es-EC" dirty="0"/>
+              <a:rPr lang="es-EC" sz="2000" dirty="0"/>
               <a:t>ya existentes de </a:t>
             </a:r>
             <a:r>
-              <a:rPr lang="es-EC" dirty="0" err="1"/>
+              <a:rPr lang="es-EC" sz="2000" dirty="0" err="1"/>
               <a:t>PostGis</a:t>
             </a:r>
             <a:r>
-              <a:rPr lang="es-EC" dirty="0"/>
+              <a:rPr lang="es-EC" sz="2000" dirty="0"/>
               <a:t> (lectura/escritura), y </a:t>
             </a:r>
             <a:r>
-              <a:rPr lang="es-EC" dirty="0" err="1"/>
+              <a:rPr lang="es-EC" sz="2000" dirty="0" err="1"/>
               <a:t>MySQL</a:t>
             </a:r>
             <a:r>
-              <a:rPr lang="es-EC" dirty="0"/>
+              <a:rPr lang="es-EC" sz="2000" dirty="0"/>
               <a:t> y HSQLDB (sólo lectura</a:t>
             </a:r>
             <a:r>
-              <a:rPr lang="es-EC" dirty="0" smtClean="0"/>
+              <a:rPr lang="es-EC" sz="2000" dirty="0" smtClean="0"/>
               <a:t>).</a:t>
             </a:r>
           </a:p>
           <a:p>
-            <a:endParaRPr lang="es-EC" dirty="0"/>
-          </a:p>
-          <a:p>
-            <a:r>
-              <a:rPr lang="es-EC" dirty="0"/>
+            <a:pPr algn="just"/>
+            <a:endParaRPr lang="es-EC" sz="2000" dirty="0"/>
+          </a:p>
+          <a:p>
+            <a:pPr algn="just"/>
+            <a:r>
+              <a:rPr lang="es-EC" sz="2000" dirty="0"/>
               <a:t>Esta </a:t>
             </a:r>
             <a:r>
-              <a:rPr lang="es-EC" dirty="0" err="1"/>
-              <a:t>extension</a:t>
-            </a:r>
-            <a:r>
-              <a:rPr lang="es-EC" dirty="0"/>
-              <a:t> permite al usuario acceder a bases de datos </a:t>
-            </a:r>
-            <a:r>
-              <a:rPr lang="es-EC" dirty="0" err="1"/>
+              <a:rPr lang="es-EC" sz="2000" dirty="0" smtClean="0"/>
+              <a:t>extensión </a:t>
+            </a:r>
+            <a:r>
+              <a:rPr lang="es-EC" sz="2000" dirty="0"/>
+              <a:t>permite al usuario acceder a bases de datos </a:t>
+            </a:r>
+            <a:r>
+              <a:rPr lang="es-EC" sz="2000" dirty="0" err="1"/>
               <a:t>geograficas</a:t>
             </a:r>
             <a:r>
-              <a:rPr lang="es-EC" dirty="0"/>
+              <a:rPr lang="es-EC" sz="2000" dirty="0"/>
               <a:t> de forma</a:t>
             </a:r>
           </a:p>
           <a:p>
-            <a:r>
-              <a:rPr lang="es-EC" dirty="0"/>
+            <a:pPr algn="just"/>
+            <a:r>
+              <a:rPr lang="es-EC" sz="2000" dirty="0"/>
               <a:t>sencilla y unificada para distintos proveedores. En la actualidad </a:t>
             </a:r>
             <a:r>
-              <a:rPr lang="es-EC" dirty="0" err="1"/>
+              <a:rPr lang="es-EC" sz="2000" dirty="0" err="1"/>
               <a:t>gvSIG</a:t>
             </a:r>
             <a:r>
-              <a:rPr lang="es-EC" dirty="0"/>
+              <a:rPr lang="es-EC" sz="2000" dirty="0"/>
               <a:t> soporta los</a:t>
             </a:r>
           </a:p>
           <a:p>
-            <a:r>
-              <a:rPr lang="es-EC" dirty="0"/>
+            <a:pPr algn="just"/>
+            <a:r>
+              <a:rPr lang="es-EC" sz="2000" dirty="0"/>
               <a:t>siguientes sistemas gestores de bases de datos:</a:t>
             </a:r>
           </a:p>
           <a:p>
-            <a:r>
-              <a:rPr lang="es-EC" dirty="0"/>
+            <a:pPr algn="just"/>
+            <a:r>
+              <a:rPr lang="es-EC" sz="2000" dirty="0"/>
               <a:t>• </a:t>
             </a:r>
             <a:r>
-              <a:rPr lang="es-EC" dirty="0" err="1"/>
+              <a:rPr lang="es-EC" sz="2000" dirty="0" err="1"/>
               <a:t>PostGIS</a:t>
             </a:r>
-            <a:endParaRPr lang="es-EC" dirty="0"/>
-          </a:p>
-          <a:p>
-            <a:r>
-              <a:rPr lang="es-EC" dirty="0"/>
+            <a:endParaRPr lang="es-EC" sz="2000" dirty="0"/>
+          </a:p>
+          <a:p>
+            <a:pPr algn="just"/>
+            <a:r>
+              <a:rPr lang="es-EC" sz="2000" dirty="0"/>
               <a:t>• </a:t>
             </a:r>
             <a:r>
-              <a:rPr lang="es-EC" dirty="0" err="1"/>
+              <a:rPr lang="es-EC" sz="2000" dirty="0" err="1"/>
               <a:t>MySQL</a:t>
             </a:r>
-            <a:endParaRPr lang="es-EC" dirty="0"/>
-          </a:p>
-          <a:p>
-            <a:r>
-              <a:rPr lang="es-EC" dirty="0"/>
+            <a:endParaRPr lang="es-EC" sz="2000" dirty="0"/>
+          </a:p>
+          <a:p>
+            <a:pPr algn="just"/>
+            <a:r>
+              <a:rPr lang="es-EC" sz="2000" dirty="0"/>
               <a:t>• HSQLDB</a:t>
             </a:r>
           </a:p>
           <a:p>
-            <a:r>
-              <a:rPr lang="es-EC" dirty="0"/>
+            <a:pPr algn="just"/>
+            <a:r>
+              <a:rPr lang="es-EC" sz="2000" dirty="0"/>
               <a:t>• Oracle </a:t>
             </a:r>
             <a:r>
-              <a:rPr lang="es-EC" dirty="0" err="1"/>
+              <a:rPr lang="es-EC" sz="2000" dirty="0" err="1"/>
               <a:t>Spatial</a:t>
             </a:r>
             <a:r>
-              <a:rPr lang="es-EC" dirty="0"/>
+              <a:rPr lang="es-EC" sz="2000" dirty="0"/>
               <a:t> (SDO </a:t>
             </a:r>
             <a:r>
-              <a:rPr lang="es-EC" dirty="0" err="1"/>
+              <a:rPr lang="es-EC" sz="2000" dirty="0" err="1"/>
               <a:t>Geometry</a:t>
             </a:r>
             <a:r>
-              <a:rPr lang="es-EC" dirty="0"/>
+              <a:rPr lang="es-EC" sz="2000" dirty="0"/>
               <a:t>)</a:t>
             </a:r>
-            <a:endParaRPr lang="es-EC" dirty="0"/>
           </a:p>
         </p:txBody>
       </p:sp>
@@ -7504,6 +7728,25 @@
   <p:clrMapOvr>
     <a:masterClrMapping/>
   </p:clrMapOvr>
+  <mc:AlternateContent xmlns:mc="http://schemas.openxmlformats.org/markup-compatibility/2006">
+    <mc:Choice xmlns:p14="http://schemas.microsoft.com/office/powerpoint/2010/main" Requires="p14">
+      <p:transition spd="med" p14:dur="700">
+        <p:fade/>
+      </p:transition>
+    </mc:Choice>
+    <mc:Fallback>
+      <p:transition spd="med">
+        <p:fade/>
+      </p:transition>
+    </mc:Fallback>
+  </mc:AlternateContent>
+  <p:timing>
+    <p:tnLst>
+      <p:par>
+        <p:cTn id="1" dur="indefinite" restart="never" nodeType="tmRoot"/>
+      </p:par>
+    </p:tnLst>
+  </p:timing>
 </p:sld>
 </file>
 
@@ -7577,7 +7820,7 @@
         <p:spPr>
           <a:xfrm>
             <a:off x="1460310" y="2036761"/>
-            <a:ext cx="9512489" cy="3139321"/>
+            <a:ext cx="9512489" cy="3816429"/>
           </a:xfrm>
           <a:prstGeom prst="rect">
             <a:avLst/>
@@ -7591,11 +7834,11 @@
           <a:p>
             <a:pPr algn="just"/>
             <a:r>
-              <a:rPr lang="es-EC" b="1" dirty="0"/>
+              <a:rPr lang="es-EC" sz="2400" b="1" dirty="0"/>
               <a:t>Piloto de </a:t>
             </a:r>
             <a:r>
-              <a:rPr lang="es-EC" b="1" dirty="0" smtClean="0"/>
+              <a:rPr lang="es-EC" sz="2400" b="1" dirty="0" smtClean="0"/>
               <a:t>Redes</a:t>
             </a:r>
           </a:p>
@@ -7606,102 +7849,79 @@
           <a:p>
             <a:pPr algn="just"/>
             <a:r>
-              <a:rPr lang="es-EC" dirty="0"/>
-              <a:t>Implementa funcionalidades basadas en la arquitectura actual de </a:t>
-            </a:r>
-            <a:r>
-              <a:rPr lang="es-EC" dirty="0" err="1"/>
-              <a:t>GvSig</a:t>
-            </a:r>
-            <a:r>
-              <a:rPr lang="es-EC" dirty="0"/>
-              <a:t>, </a:t>
-            </a:r>
-            <a:r>
-              <a:rPr lang="es-EC" dirty="0" err="1"/>
-              <a:t>asi</a:t>
-            </a:r>
-            <a:r>
-              <a:rPr lang="es-EC" dirty="0"/>
-              <a:t> como</a:t>
+              <a:rPr lang="es-EC" sz="2000" dirty="0"/>
+              <a:t>Implementa funcionalidades basadas en la arquitectura actual de GvSig, </a:t>
+            </a:r>
+            <a:r>
+              <a:rPr lang="es-EC" sz="2000" dirty="0" smtClean="0"/>
+              <a:t>así como ampliaciones </a:t>
+            </a:r>
+            <a:r>
+              <a:rPr lang="es-EC" sz="2000" dirty="0"/>
+              <a:t>de dicha arquitectura. La funcionalidad resulta </a:t>
+            </a:r>
+            <a:r>
+              <a:rPr lang="es-EC" sz="2000" dirty="0" smtClean="0"/>
+              <a:t>bastante </a:t>
+            </a:r>
+            <a:r>
+              <a:rPr lang="es-EC" sz="2000" dirty="0" smtClean="0"/>
+              <a:t>heterogénea, </a:t>
+            </a:r>
+            <a:r>
+              <a:rPr lang="es-EC" sz="2000" dirty="0" smtClean="0"/>
+              <a:t>abarcando </a:t>
+            </a:r>
+            <a:r>
+              <a:rPr lang="es-EC" sz="2000" dirty="0"/>
+              <a:t>aspectos muy distintos dentro de las herramientas de redes. A pesar de </a:t>
+            </a:r>
+            <a:r>
+              <a:rPr lang="es-EC" sz="2000" dirty="0" smtClean="0"/>
+              <a:t>ello se </a:t>
+            </a:r>
+            <a:r>
+              <a:rPr lang="es-EC" sz="2000" dirty="0"/>
+              <a:t>esta dotada de la mayor coherencia posible en la interface de usuario.</a:t>
             </a:r>
           </a:p>
           <a:p>
             <a:pPr algn="just"/>
-            <a:r>
-              <a:rPr lang="es-EC" dirty="0"/>
-              <a:t>ampliaciones de dicha arquitectura. La funcionalidad resulta </a:t>
-            </a:r>
-            <a:r>
-              <a:rPr lang="es-EC" dirty="0" smtClean="0"/>
-              <a:t>bastante </a:t>
-            </a:r>
-            <a:r>
-              <a:rPr lang="es-EC" dirty="0" err="1" smtClean="0"/>
-              <a:t>heterogenea</a:t>
-            </a:r>
-            <a:r>
-              <a:rPr lang="es-EC" dirty="0" smtClean="0"/>
-              <a:t>, abarcando </a:t>
-            </a:r>
-            <a:r>
-              <a:rPr lang="es-EC" dirty="0"/>
-              <a:t>aspectos muy distintos dentro de las herramientas de redes. A pesar de </a:t>
-            </a:r>
-            <a:r>
-              <a:rPr lang="es-EC" dirty="0" smtClean="0"/>
-              <a:t>ello se </a:t>
-            </a:r>
-            <a:r>
-              <a:rPr lang="es-EC" dirty="0"/>
-              <a:t>esta dotada de la mayor coherencia posible en la interface de usuario.</a:t>
-            </a:r>
+            <a:endParaRPr lang="es-EC" sz="2000" dirty="0" smtClean="0"/>
           </a:p>
           <a:p>
             <a:pPr algn="just"/>
-            <a:endParaRPr lang="es-EC" dirty="0" smtClean="0"/>
+            <a:r>
+              <a:rPr lang="es-EC" sz="2000" dirty="0" smtClean="0"/>
+              <a:t>Las </a:t>
+            </a:r>
+            <a:r>
+              <a:rPr lang="es-EC" sz="2000" dirty="0"/>
+              <a:t>herramientas presentadas son, aplicables a la variedad de fuentes de </a:t>
+            </a:r>
+            <a:r>
+              <a:rPr lang="es-EC" sz="2000" dirty="0" smtClean="0"/>
+              <a:t>datos soportados </a:t>
+            </a:r>
+            <a:r>
+              <a:rPr lang="es-EC" sz="2000" dirty="0"/>
+              <a:t>por </a:t>
+            </a:r>
+            <a:r>
+              <a:rPr lang="es-EC" sz="2000" dirty="0" err="1"/>
+              <a:t>gvSIG</a:t>
+            </a:r>
+            <a:r>
+              <a:rPr lang="es-EC" sz="2000" dirty="0"/>
+              <a:t>, usando los servicios que ofrece GvSig o ampliando los ya</a:t>
+            </a:r>
           </a:p>
           <a:p>
             <a:pPr algn="just"/>
             <a:r>
-              <a:rPr lang="es-EC" dirty="0" smtClean="0"/>
-              <a:t>Las </a:t>
-            </a:r>
-            <a:r>
-              <a:rPr lang="es-EC" dirty="0"/>
-              <a:t>herramientas presentadas son, aplicables a la variedad de fuentes de datos</a:t>
-            </a:r>
-          </a:p>
-          <a:p>
-            <a:pPr algn="just"/>
-            <a:r>
-              <a:rPr lang="es-EC" dirty="0"/>
-              <a:t>soportados por </a:t>
-            </a:r>
-            <a:r>
-              <a:rPr lang="es-EC" dirty="0" err="1"/>
-              <a:t>gvSIG</a:t>
-            </a:r>
-            <a:r>
-              <a:rPr lang="es-EC" dirty="0"/>
-              <a:t>, usando los servicios que ofrece </a:t>
-            </a:r>
-            <a:r>
-              <a:rPr lang="es-EC" dirty="0" err="1"/>
-              <a:t>GvSig</a:t>
-            </a:r>
-            <a:r>
-              <a:rPr lang="es-EC" dirty="0"/>
-              <a:t> o ampliando los ya</a:t>
-            </a:r>
-          </a:p>
-          <a:p>
-            <a:pPr algn="just"/>
-            <a:r>
-              <a:rPr lang="es-EC" dirty="0"/>
+              <a:rPr lang="es-EC" sz="2000" dirty="0"/>
               <a:t>existentes.</a:t>
             </a:r>
-            <a:endParaRPr lang="es-EC" dirty="0"/>
           </a:p>
         </p:txBody>
       </p:sp>
@@ -7715,6 +7935,25 @@
   <p:clrMapOvr>
     <a:masterClrMapping/>
   </p:clrMapOvr>
+  <mc:AlternateContent xmlns:mc="http://schemas.openxmlformats.org/markup-compatibility/2006">
+    <mc:Choice xmlns:p14="http://schemas.microsoft.com/office/powerpoint/2010/main" Requires="p14">
+      <p:transition spd="med" p14:dur="700">
+        <p:fade/>
+      </p:transition>
+    </mc:Choice>
+    <mc:Fallback>
+      <p:transition spd="med">
+        <p:fade/>
+      </p:transition>
+    </mc:Fallback>
+  </mc:AlternateContent>
+  <p:timing>
+    <p:tnLst>
+      <p:par>
+        <p:cTn id="1" dur="indefinite" restart="never" nodeType="tmRoot"/>
+      </p:par>
+    </p:tnLst>
+  </p:timing>
 </p:sld>
 </file>
 
@@ -7787,8 +8026,8 @@
         </p:nvSpPr>
         <p:spPr>
           <a:xfrm>
-            <a:off x="1460310" y="2036761"/>
-            <a:ext cx="9512489" cy="2308324"/>
+            <a:off x="1515728" y="1759670"/>
+            <a:ext cx="9512489" cy="2400657"/>
           </a:xfrm>
           <a:prstGeom prst="rect">
             <a:avLst/>
@@ -7802,7 +8041,7 @@
           <a:p>
             <a:pPr algn="just"/>
             <a:r>
-              <a:rPr lang="es-EC" b="1" dirty="0" smtClean="0"/>
+              <a:rPr lang="es-EC" sz="2400" b="1" dirty="0" smtClean="0"/>
               <a:t>Sextante</a:t>
             </a:r>
           </a:p>
@@ -7857,15 +8096,7 @@
             </a:r>
             <a:r>
               <a:rPr lang="es-EC" dirty="0" smtClean="0"/>
-              <a:t>imágenes </a:t>
-            </a:r>
-            <a:r>
-              <a:rPr lang="es-EC" dirty="0" err="1" smtClean="0"/>
-              <a:t>raster</a:t>
-            </a:r>
-            <a:r>
-              <a:rPr lang="es-EC" dirty="0" smtClean="0"/>
-              <a:t>, aunque </a:t>
+              <a:t>imágenes raster, aunque </a:t>
             </a:r>
             <a:r>
               <a:rPr lang="es-EC" dirty="0"/>
@@ -7916,14 +8147,9 @@
               <a:t>análisis geográfico tanto </a:t>
             </a:r>
             <a:r>
-              <a:rPr lang="es-EC" dirty="0" err="1"/>
-              <a:t>raster</a:t>
-            </a:r>
-            <a:r>
               <a:rPr lang="es-EC" dirty="0"/>
-              <a:t> como vectorial.</a:t>
-            </a:r>
-            <a:endParaRPr lang="es-EC" dirty="0"/>
+              <a:t>raster como vectorial.</a:t>
+            </a:r>
           </a:p>
         </p:txBody>
       </p:sp>
@@ -7960,6 +8186,25 @@
   <p:clrMapOvr>
     <a:masterClrMapping/>
   </p:clrMapOvr>
+  <mc:AlternateContent xmlns:mc="http://schemas.openxmlformats.org/markup-compatibility/2006">
+    <mc:Choice xmlns:p14="http://schemas.microsoft.com/office/powerpoint/2010/main" Requires="p14">
+      <p:transition spd="med" p14:dur="700">
+        <p:fade/>
+      </p:transition>
+    </mc:Choice>
+    <mc:Fallback>
+      <p:transition spd="med">
+        <p:fade/>
+      </p:transition>
+    </mc:Fallback>
+  </mc:AlternateContent>
+  <p:timing>
+    <p:tnLst>
+      <p:par>
+        <p:cTn id="1" dur="indefinite" restart="never" nodeType="tmRoot"/>
+      </p:par>
+    </p:tnLst>
+  </p:timing>
 </p:sld>
 </file>
 
@@ -8032,8 +8277,8 @@
         </p:nvSpPr>
         <p:spPr>
           <a:xfrm>
-            <a:off x="1460310" y="2036761"/>
-            <a:ext cx="9512489" cy="2308324"/>
+            <a:off x="1460310" y="1704252"/>
+            <a:ext cx="9512489" cy="2339102"/>
           </a:xfrm>
           <a:prstGeom prst="rect">
             <a:avLst/>
@@ -8047,7 +8292,7 @@
           <a:p>
             <a:pPr algn="just"/>
             <a:r>
-              <a:rPr lang="es-EC" b="1" dirty="0" smtClean="0"/>
+              <a:rPr lang="es-EC" sz="2000" b="1" dirty="0" smtClean="0"/>
               <a:t>SIG 3D</a:t>
             </a:r>
           </a:p>
@@ -8059,15 +8304,7 @@
             <a:pPr algn="just"/>
             <a:r>
               <a:rPr lang="es-EC" dirty="0"/>
-              <a:t>Para conseguir este objetivo se esta extendiendo </a:t>
-            </a:r>
-            <a:r>
-              <a:rPr lang="es-EC" dirty="0" err="1"/>
-              <a:t>GvSig</a:t>
-            </a:r>
-            <a:r>
-              <a:rPr lang="es-EC" dirty="0"/>
-              <a:t> para que sea capaz de </a:t>
+              <a:t>Para conseguir este objetivo se esta extendiendo GvSig para que sea capaz de </a:t>
             </a:r>
             <a:r>
               <a:rPr lang="es-EC" dirty="0" smtClean="0"/>
@@ -8075,15 +8312,7 @@
             </a:r>
             <a:r>
               <a:rPr lang="es-EC" dirty="0"/>
-              <a:t>tres dimensiones con datos masivos de tipo </a:t>
-            </a:r>
-            <a:r>
-              <a:rPr lang="es-EC" dirty="0" err="1"/>
-              <a:t>raster</a:t>
-            </a:r>
-            <a:r>
-              <a:rPr lang="es-EC" dirty="0"/>
-              <a:t> o vectorial, incluyendo </a:t>
+              <a:t>tres dimensiones con datos masivos de tipo raster o vectorial, incluyendo </a:t>
             </a:r>
             <a:r>
               <a:rPr lang="es-EC" dirty="0" smtClean="0"/>
@@ -8094,20 +8323,16 @@
               <a:t>y formatos comunes para objetos 3D, y </a:t>
             </a:r>
             <a:r>
-              <a:rPr lang="es-EC" dirty="0" err="1"/>
-              <a:t>tambien</a:t>
+              <a:rPr lang="es-EC" dirty="0" smtClean="0"/>
+              <a:t>también </a:t>
             </a:r>
             <a:r>
               <a:rPr lang="es-EC" dirty="0"/>
-              <a:t> trabajar con </a:t>
-            </a:r>
-            <a:r>
-              <a:rPr lang="es-EC" dirty="0" err="1"/>
-              <a:t>imagenes</a:t>
-            </a:r>
-            <a:r>
-              <a:rPr lang="es-EC" dirty="0"/>
-              <a:t> </a:t>
+              <a:t>trabajar con </a:t>
+            </a:r>
+            <a:r>
+              <a:rPr lang="es-EC" dirty="0" smtClean="0"/>
+              <a:t>imágenes </a:t>
             </a:r>
             <a:r>
               <a:rPr lang="es-EC" dirty="0" smtClean="0"/>
@@ -8126,24 +8351,20 @@
               <a:t>temporal, que requieren de una </a:t>
             </a:r>
             <a:r>
-              <a:rPr lang="es-EC" dirty="0" err="1"/>
-              <a:t>presentacion</a:t>
+              <a:rPr lang="es-EC" dirty="0" smtClean="0"/>
+              <a:t>presentación </a:t>
             </a:r>
             <a:r>
               <a:rPr lang="es-EC" dirty="0"/>
-              <a:t> animada para su </a:t>
+              <a:t>animada para su </a:t>
             </a:r>
             <a:r>
               <a:rPr lang="es-EC" dirty="0" smtClean="0"/>
               <a:t>mejor </a:t>
             </a:r>
             <a:r>
-              <a:rPr lang="es-EC" dirty="0" err="1" smtClean="0"/>
-              <a:t>comprension</a:t>
-            </a:r>
-            <a:r>
-              <a:rPr lang="es-EC" dirty="0"/>
-              <a:t>.</a:t>
+              <a:rPr lang="es-EC" dirty="0" smtClean="0"/>
+              <a:t>comprensión.</a:t>
             </a:r>
             <a:endParaRPr lang="es-EC" dirty="0"/>
           </a:p>
@@ -8182,6 +8403,25 @@
   <p:clrMapOvr>
     <a:masterClrMapping/>
   </p:clrMapOvr>
+  <mc:AlternateContent xmlns:mc="http://schemas.openxmlformats.org/markup-compatibility/2006">
+    <mc:Choice xmlns:p14="http://schemas.microsoft.com/office/powerpoint/2010/main" Requires="p14">
+      <p:transition spd="med" p14:dur="700">
+        <p:fade/>
+      </p:transition>
+    </mc:Choice>
+    <mc:Fallback>
+      <p:transition spd="med">
+        <p:fade/>
+      </p:transition>
+    </mc:Fallback>
+  </mc:AlternateContent>
+  <p:timing>
+    <p:tnLst>
+      <p:par>
+        <p:cTn id="1" dur="indefinite" restart="never" nodeType="tmRoot"/>
+      </p:par>
+    </p:tnLst>
+  </p:timing>
 </p:sld>
 </file>
 
@@ -8255,7 +8495,7 @@
         <p:spPr>
           <a:xfrm>
             <a:off x="1501253" y="1817850"/>
-            <a:ext cx="9512489" cy="3416320"/>
+            <a:ext cx="9512489" cy="4339650"/>
           </a:xfrm>
           <a:prstGeom prst="rect">
             <a:avLst/>
@@ -8268,161 +8508,145 @@
           <a:lstStyle/>
           <a:p>
             <a:r>
-              <a:rPr lang="es-EC" b="1" dirty="0"/>
-              <a:t>Extensión de Publicación</a:t>
-            </a:r>
-          </a:p>
-          <a:p>
-            <a:r>
-              <a:rPr lang="es-EC" dirty="0"/>
+              <a:rPr lang="es-EC" sz="2400" b="1" dirty="0"/>
+              <a:t>Extensión de </a:t>
+            </a:r>
+            <a:r>
+              <a:rPr lang="es-EC" sz="2400" b="1" dirty="0" smtClean="0"/>
+              <a:t>Publicación</a:t>
+            </a:r>
+          </a:p>
+          <a:p>
+            <a:endParaRPr lang="es-EC" b="1" dirty="0"/>
+          </a:p>
+          <a:p>
+            <a:pPr algn="just"/>
+            <a:r>
+              <a:rPr lang="es-EC" sz="2000" dirty="0"/>
               <a:t>El objetivo de la </a:t>
             </a:r>
             <a:r>
-              <a:rPr lang="es-EC" dirty="0" err="1"/>
-              <a:t>extension</a:t>
-            </a:r>
-            <a:r>
-              <a:rPr lang="es-EC" dirty="0"/>
-              <a:t> de </a:t>
-            </a:r>
-            <a:r>
-              <a:rPr lang="es-EC" dirty="0" err="1"/>
-              <a:t>publicacion</a:t>
-            </a:r>
-            <a:r>
-              <a:rPr lang="es-EC" dirty="0"/>
-              <a:t> es darle al usuario la capacidad de </a:t>
-            </a:r>
-            <a:r>
-              <a:rPr lang="es-EC" dirty="0" smtClean="0"/>
+              <a:rPr lang="es-EC" sz="2000" dirty="0" smtClean="0"/>
+              <a:t>extensión </a:t>
+            </a:r>
+            <a:r>
+              <a:rPr lang="es-EC" sz="2000" dirty="0"/>
+              <a:t>de </a:t>
+            </a:r>
+            <a:r>
+              <a:rPr lang="es-EC" sz="2000" dirty="0" smtClean="0"/>
+              <a:t>publicación </a:t>
+            </a:r>
+            <a:r>
+              <a:rPr lang="es-EC" sz="2000" dirty="0"/>
+              <a:t>es darle al usuario la capacidad de </a:t>
+            </a:r>
+            <a:r>
+              <a:rPr lang="es-EC" sz="2000" dirty="0" smtClean="0"/>
               <a:t>publicar </a:t>
             </a:r>
             <a:r>
-              <a:rPr lang="es-EC" dirty="0" err="1" smtClean="0"/>
-              <a:t>informacion</a:t>
-            </a:r>
-            <a:r>
-              <a:rPr lang="es-EC" dirty="0" smtClean="0"/>
-              <a:t> </a:t>
-            </a:r>
-            <a:r>
-              <a:rPr lang="es-EC" dirty="0"/>
+              <a:rPr lang="es-EC" sz="2000" dirty="0" smtClean="0"/>
+              <a:t>información </a:t>
+            </a:r>
+            <a:r>
+              <a:rPr lang="es-EC" sz="2000" dirty="0"/>
               <a:t>geoespacial y metadatos a </a:t>
             </a:r>
             <a:r>
-              <a:rPr lang="es-EC" dirty="0" err="1"/>
-              <a:t>traves</a:t>
-            </a:r>
-            <a:r>
-              <a:rPr lang="es-EC" dirty="0"/>
-              <a:t> de servicios web </a:t>
-            </a:r>
-            <a:r>
-              <a:rPr lang="es-EC" dirty="0" err="1"/>
-              <a:t>estandares</a:t>
-            </a:r>
-            <a:r>
-              <a:rPr lang="es-EC" dirty="0"/>
-              <a:t> OGC, </a:t>
-            </a:r>
-            <a:r>
-              <a:rPr lang="es-EC" dirty="0" smtClean="0"/>
+              <a:rPr lang="es-EC" sz="2000" dirty="0" smtClean="0"/>
+              <a:t>través </a:t>
+            </a:r>
+            <a:r>
+              <a:rPr lang="es-EC" sz="2000" dirty="0"/>
+              <a:t>de servicios web </a:t>
+            </a:r>
+            <a:r>
+              <a:rPr lang="es-EC" sz="2000" dirty="0" smtClean="0"/>
+              <a:t>estándares </a:t>
+            </a:r>
+            <a:r>
+              <a:rPr lang="es-EC" sz="2000" dirty="0"/>
+              <a:t>OGC, </a:t>
+            </a:r>
+            <a:r>
+              <a:rPr lang="es-EC" sz="2000" dirty="0" smtClean="0"/>
               <a:t>desde la </a:t>
             </a:r>
             <a:r>
-              <a:rPr lang="es-EC" dirty="0"/>
-              <a:t>propia interfaz de </a:t>
-            </a:r>
-            <a:r>
-              <a:rPr lang="es-EC" dirty="0" err="1"/>
-              <a:t>GvSig</a:t>
-            </a:r>
-            <a:r>
-              <a:rPr lang="es-EC" dirty="0"/>
-              <a:t> y sin necesidad de hacerlo directamente sobre el </a:t>
-            </a:r>
-            <a:r>
-              <a:rPr lang="es-EC" dirty="0" smtClean="0"/>
+              <a:rPr lang="es-EC" sz="2000" dirty="0"/>
+              <a:t>propia interfaz de GvSig y sin necesidad de hacerlo directamente sobre el </a:t>
+            </a:r>
+            <a:r>
+              <a:rPr lang="es-EC" sz="2000" dirty="0" smtClean="0"/>
               <a:t>software del </a:t>
             </a:r>
             <a:r>
-              <a:rPr lang="es-EC" dirty="0"/>
+              <a:rPr lang="es-EC" sz="2000" dirty="0"/>
               <a:t>servidor correspondiente. De esta forma, sin un conocimiento especifico de </a:t>
             </a:r>
             <a:r>
-              <a:rPr lang="es-EC" dirty="0" smtClean="0"/>
+              <a:rPr lang="es-EC" sz="2000" dirty="0" smtClean="0"/>
               <a:t>estas aplicaciones</a:t>
             </a:r>
             <a:r>
-              <a:rPr lang="es-EC" dirty="0"/>
-              <a:t>, el usuario de </a:t>
-            </a:r>
-            <a:r>
-              <a:rPr lang="es-EC" dirty="0" err="1"/>
-              <a:t>GvSig</a:t>
-            </a:r>
-            <a:r>
-              <a:rPr lang="es-EC" dirty="0"/>
-              <a:t> </a:t>
-            </a:r>
-            <a:r>
-              <a:rPr lang="es-EC" dirty="0" err="1"/>
-              <a:t>sera</a:t>
-            </a:r>
-            <a:r>
-              <a:rPr lang="es-EC" dirty="0"/>
-              <a:t> capaz de publicar en internet, con </a:t>
-            </a:r>
-            <a:r>
-              <a:rPr lang="es-EC" dirty="0" smtClean="0"/>
+              <a:rPr lang="es-EC" sz="2000" dirty="0"/>
+              <a:t>, el usuario de GvSig </a:t>
+            </a:r>
+            <a:r>
+              <a:rPr lang="es-EC" sz="2000" dirty="0" smtClean="0"/>
+              <a:t>será </a:t>
+            </a:r>
+            <a:r>
+              <a:rPr lang="es-EC" sz="2000" dirty="0"/>
+              <a:t>capaz de publicar en internet, con </a:t>
+            </a:r>
+            <a:r>
+              <a:rPr lang="es-EC" sz="2000" dirty="0" smtClean="0"/>
               <a:t>extrema sencillez</a:t>
             </a:r>
             <a:r>
-              <a:rPr lang="es-EC" dirty="0"/>
+              <a:rPr lang="es-EC" sz="2000" dirty="0"/>
               <a:t>, la </a:t>
             </a:r>
             <a:r>
-              <a:rPr lang="es-EC" dirty="0" err="1"/>
-              <a:t>cartografia</a:t>
-            </a:r>
-            <a:r>
-              <a:rPr lang="es-EC" dirty="0"/>
-              <a:t> y los metadatos que genera. Esta primera </a:t>
-            </a:r>
-            <a:r>
-              <a:rPr lang="es-EC" dirty="0" err="1"/>
-              <a:t>version</a:t>
-            </a:r>
-            <a:r>
-              <a:rPr lang="es-EC" dirty="0"/>
-              <a:t> </a:t>
-            </a:r>
-            <a:r>
-              <a:rPr lang="es-EC" dirty="0" smtClean="0"/>
+              <a:rPr lang="es-EC" sz="2000" dirty="0" smtClean="0"/>
+              <a:t>cartografía </a:t>
+            </a:r>
+            <a:r>
+              <a:rPr lang="es-EC" sz="2000" dirty="0"/>
+              <a:t>y los metadatos que genera. Esta primera </a:t>
+            </a:r>
+            <a:r>
+              <a:rPr lang="es-EC" sz="2000" dirty="0" smtClean="0"/>
+              <a:t>versión </a:t>
+            </a:r>
+            <a:r>
+              <a:rPr lang="es-EC" sz="2000" dirty="0" smtClean="0"/>
               <a:t>permite concretamente </a:t>
             </a:r>
             <a:r>
-              <a:rPr lang="es-EC" dirty="0"/>
+              <a:rPr lang="es-EC" sz="2000" dirty="0"/>
               <a:t>publicar </a:t>
             </a:r>
             <a:r>
-              <a:rPr lang="es-EC" dirty="0" err="1"/>
-              <a:t>informacion</a:t>
-            </a:r>
-            <a:r>
-              <a:rPr lang="es-EC" dirty="0"/>
-              <a:t> geoespacial en los siguientes servidores y a </a:t>
-            </a:r>
-            <a:r>
-              <a:rPr lang="es-EC" dirty="0" smtClean="0"/>
+              <a:rPr lang="es-EC" sz="2000" dirty="0" smtClean="0"/>
+              <a:t>información </a:t>
+            </a:r>
+            <a:r>
+              <a:rPr lang="es-EC" sz="2000" dirty="0"/>
+              <a:t>geoespacial en los siguientes servidores y a </a:t>
+            </a:r>
+            <a:r>
+              <a:rPr lang="es-EC" sz="2000" dirty="0" smtClean="0"/>
               <a:t>través de </a:t>
             </a:r>
             <a:r>
-              <a:rPr lang="es-EC" dirty="0"/>
+              <a:rPr lang="es-EC" sz="2000" dirty="0"/>
               <a:t>los siguientes servicios</a:t>
             </a:r>
             <a:r>
-              <a:rPr lang="es-EC" dirty="0" smtClean="0"/>
+              <a:rPr lang="es-EC" sz="2000" dirty="0" smtClean="0"/>
               <a:t>:</a:t>
             </a:r>
           </a:p>
@@ -8456,7 +8680,6 @@
               <a:rPr lang="es-EC" dirty="0"/>
               <a:t>: WFS</a:t>
             </a:r>
-            <a:endParaRPr lang="es-EC" dirty="0"/>
           </a:p>
         </p:txBody>
       </p:sp>
@@ -8470,6 +8693,25 @@
   <p:clrMapOvr>
     <a:masterClrMapping/>
   </p:clrMapOvr>
+  <mc:AlternateContent xmlns:mc="http://schemas.openxmlformats.org/markup-compatibility/2006">
+    <mc:Choice xmlns:p14="http://schemas.microsoft.com/office/powerpoint/2010/main" Requires="p14">
+      <p:transition spd="med" p14:dur="700">
+        <p:fade/>
+      </p:transition>
+    </mc:Choice>
+    <mc:Fallback>
+      <p:transition spd="med">
+        <p:fade/>
+      </p:transition>
+    </mc:Fallback>
+  </mc:AlternateContent>
+  <p:timing>
+    <p:tnLst>
+      <p:par>
+        <p:cTn id="1" dur="indefinite" restart="never" nodeType="tmRoot"/>
+      </p:par>
+    </p:tnLst>
+  </p:timing>
 </p:sld>
 </file>
 
@@ -8543,7 +8785,7 @@
         <p:spPr>
           <a:xfrm>
             <a:off x="1269243" y="1538870"/>
-            <a:ext cx="9744500" cy="1754326"/>
+            <a:ext cx="9744500" cy="2215991"/>
           </a:xfrm>
           <a:prstGeom prst="rect">
             <a:avLst/>
@@ -8557,11 +8799,11 @@
           <a:p>
             <a:pPr algn="just"/>
             <a:r>
-              <a:rPr lang="es-EC" dirty="0" err="1"/>
+              <a:rPr lang="es-EC" sz="2000" dirty="0" err="1"/>
               <a:t>gvSIG</a:t>
             </a:r>
             <a:r>
-              <a:rPr lang="es-EC" dirty="0"/>
+              <a:rPr lang="es-EC" sz="2000" dirty="0"/>
               <a:t> Mobile es un Sistema de Información Geográfica (SIG) orientado a dispositivos móviles, ideal para proyectos de captura y actualización de datos en campo. Se caracteriza por disponer de una interfaz amigable, siendo capaz de acceder a los formatos más comunes y cuenta con un amplio número de herramientas SIG y GPS ideales para trabajar con información de naturaleza geográfica.</a:t>
             </a:r>
           </a:p>
@@ -8594,8 +8836,8 @@
         </p:blipFill>
         <p:spPr bwMode="auto">
           <a:xfrm>
-            <a:off x="3903260" y="3293195"/>
-            <a:ext cx="4517410" cy="3359661"/>
+            <a:off x="4073237" y="3595100"/>
+            <a:ext cx="3925180" cy="2919211"/>
           </a:xfrm>
           <a:prstGeom prst="rect">
             <a:avLst/>
@@ -8622,6 +8864,18 @@
   <p:clrMapOvr>
     <a:masterClrMapping/>
   </p:clrMapOvr>
+  <mc:AlternateContent xmlns:mc="http://schemas.openxmlformats.org/markup-compatibility/2006">
+    <mc:Choice xmlns:p14="http://schemas.microsoft.com/office/powerpoint/2010/main" Requires="p14">
+      <p:transition spd="med" p14:dur="700">
+        <p:fade/>
+      </p:transition>
+    </mc:Choice>
+    <mc:Fallback>
+      <p:transition spd="med">
+        <p:fade/>
+      </p:transition>
+    </mc:Fallback>
+  </mc:AlternateContent>
   <p:timing>
     <p:tnLst>
       <p:par>
@@ -8832,6 +9086,18 @@
   <p:clrMapOvr>
     <a:masterClrMapping/>
   </p:clrMapOvr>
+  <mc:AlternateContent xmlns:mc="http://schemas.openxmlformats.org/markup-compatibility/2006">
+    <mc:Choice xmlns:p14="http://schemas.microsoft.com/office/powerpoint/2010/main" Requires="p14">
+      <p:transition spd="med" p14:dur="700">
+        <p:fade/>
+      </p:transition>
+    </mc:Choice>
+    <mc:Fallback>
+      <p:transition spd="med">
+        <p:fade/>
+      </p:transition>
+    </mc:Fallback>
+  </mc:AlternateContent>
   <p:timing>
     <p:tnLst>
       <p:par>
@@ -9130,6 +9396,18 @@
   <p:clrMapOvr>
     <a:masterClrMapping/>
   </p:clrMapOvr>
+  <mc:AlternateContent xmlns:mc="http://schemas.openxmlformats.org/markup-compatibility/2006">
+    <mc:Choice xmlns:p14="http://schemas.microsoft.com/office/powerpoint/2010/main" Requires="p14">
+      <p:transition spd="med" p14:dur="700">
+        <p:fade/>
+      </p:transition>
+    </mc:Choice>
+    <mc:Fallback>
+      <p:transition spd="med">
+        <p:fade/>
+      </p:transition>
+    </mc:Fallback>
+  </mc:AlternateContent>
   <p:timing>
     <p:tnLst>
       <p:par>
@@ -9324,6 +9602,18 @@
   <p:clrMapOvr>
     <a:masterClrMapping/>
   </p:clrMapOvr>
+  <mc:AlternateContent xmlns:mc="http://schemas.openxmlformats.org/markup-compatibility/2006">
+    <mc:Choice xmlns:p14="http://schemas.microsoft.com/office/powerpoint/2010/main" Requires="p14">
+      <p:transition spd="med" p14:dur="700">
+        <p:fade/>
+      </p:transition>
+    </mc:Choice>
+    <mc:Fallback>
+      <p:transition spd="med">
+        <p:fade/>
+      </p:transition>
+    </mc:Fallback>
+  </mc:AlternateContent>
   <p:timing>
     <p:tnLst>
       <p:par>
@@ -9404,7 +9694,7 @@
         <p:spPr>
           <a:xfrm>
             <a:off x="2174543" y="1676359"/>
-            <a:ext cx="7938448" cy="2031325"/>
+            <a:ext cx="7938448" cy="2246769"/>
           </a:xfrm>
           <a:prstGeom prst="rect">
             <a:avLst/>
@@ -9417,12 +9707,12 @@
           <a:lstStyle/>
           <a:p>
             <a:r>
-              <a:rPr lang="es-EC" dirty="0" smtClean="0"/>
+              <a:rPr lang="es-EC" sz="2000" dirty="0" smtClean="0"/>
               <a:t>Ventajas</a:t>
             </a:r>
           </a:p>
           <a:p>
-            <a:endParaRPr lang="es-EC" dirty="0"/>
+            <a:endParaRPr lang="es-EC" sz="2000" dirty="0"/>
           </a:p>
           <a:p>
             <a:pPr marL="285750" indent="-285750">
@@ -9430,11 +9720,11 @@
               <a:buChar char="Ø"/>
             </a:pPr>
             <a:r>
-              <a:rPr lang="es-EC" dirty="0" smtClean="0"/>
+              <a:rPr lang="es-EC" sz="2000" dirty="0" smtClean="0"/>
               <a:t>Software </a:t>
             </a:r>
             <a:r>
-              <a:rPr lang="es-EC" dirty="0"/>
+              <a:rPr lang="es-EC" sz="2000" dirty="0"/>
               <a:t>de distribución libre.</a:t>
             </a:r>
           </a:p>
@@ -9444,11 +9734,11 @@
               <a:buChar char="Ø"/>
             </a:pPr>
             <a:r>
-              <a:rPr lang="es-EC" dirty="0" smtClean="0"/>
+              <a:rPr lang="es-EC" sz="2000" dirty="0" smtClean="0"/>
               <a:t>Herramienta </a:t>
             </a:r>
             <a:r>
-              <a:rPr lang="es-EC" dirty="0"/>
+              <a:rPr lang="es-EC" sz="2000" dirty="0"/>
               <a:t>portable a los principales sistemas operativos.</a:t>
             </a:r>
           </a:p>
@@ -9458,11 +9748,11 @@
               <a:buChar char="Ø"/>
             </a:pPr>
             <a:r>
-              <a:rPr lang="es-EC" dirty="0" smtClean="0"/>
+              <a:rPr lang="es-EC" sz="2000" dirty="0" smtClean="0"/>
               <a:t>Interfaz </a:t>
             </a:r>
             <a:r>
-              <a:rPr lang="es-EC" dirty="0"/>
+              <a:rPr lang="es-EC" sz="2000" dirty="0"/>
               <a:t>intuitiva y de fácil manejo.</a:t>
             </a:r>
           </a:p>
@@ -9472,11 +9762,11 @@
               <a:buChar char="Ø"/>
             </a:pPr>
             <a:r>
-              <a:rPr lang="es-EC" dirty="0" smtClean="0"/>
+              <a:rPr lang="es-EC" sz="2000" dirty="0" smtClean="0"/>
               <a:t>Amplio </a:t>
             </a:r>
             <a:r>
-              <a:rPr lang="es-EC" dirty="0"/>
+              <a:rPr lang="es-EC" sz="2000" dirty="0"/>
               <a:t>número de formatos soportados para ingreso y salida de información.</a:t>
             </a:r>
           </a:p>
@@ -9491,7 +9781,7 @@
         <p:spPr>
           <a:xfrm>
             <a:off x="2324669" y="4101153"/>
-            <a:ext cx="6096000" cy="2031325"/>
+            <a:ext cx="6096000" cy="2215991"/>
           </a:xfrm>
           <a:prstGeom prst="rect">
             <a:avLst/>
@@ -9504,12 +9794,12 @@
           <a:lstStyle/>
           <a:p>
             <a:r>
-              <a:rPr lang="es-EC" dirty="0"/>
+              <a:rPr lang="es-EC" sz="2000" dirty="0"/>
               <a:t>Desventajas</a:t>
             </a:r>
           </a:p>
           <a:p>
-            <a:endParaRPr lang="es-EC" dirty="0"/>
+            <a:endParaRPr lang="es-EC" sz="2000" dirty="0"/>
           </a:p>
           <a:p>
             <a:pPr marL="285750" indent="-285750">
@@ -9517,11 +9807,11 @@
               <a:buChar char="Ø"/>
             </a:pPr>
             <a:r>
-              <a:rPr lang="es-EC" dirty="0" smtClean="0"/>
+              <a:rPr lang="es-EC" sz="2000" dirty="0" smtClean="0"/>
               <a:t>Documentación </a:t>
             </a:r>
             <a:r>
-              <a:rPr lang="es-EC" dirty="0"/>
+              <a:rPr lang="es-EC" sz="2000" dirty="0"/>
               <a:t>dispersa y poco profunda.</a:t>
             </a:r>
           </a:p>
@@ -9531,11 +9821,11 @@
               <a:buChar char="Ø"/>
             </a:pPr>
             <a:r>
-              <a:rPr lang="es-EC" dirty="0" smtClean="0"/>
+              <a:rPr lang="es-EC" sz="2000" dirty="0" smtClean="0"/>
               <a:t>Conexión </a:t>
             </a:r>
             <a:r>
-              <a:rPr lang="es-EC" dirty="0"/>
+              <a:rPr lang="es-EC" sz="2000" dirty="0"/>
               <a:t>a bases de datos limitada.</a:t>
             </a:r>
           </a:p>
@@ -9545,11 +9835,11 @@
               <a:buChar char="Ø"/>
             </a:pPr>
             <a:r>
-              <a:rPr lang="es-EC" dirty="0" smtClean="0"/>
+              <a:rPr lang="es-EC" sz="2000" dirty="0" smtClean="0"/>
               <a:t>Dependencia </a:t>
             </a:r>
             <a:r>
-              <a:rPr lang="es-EC" dirty="0"/>
+              <a:rPr lang="es-EC" sz="2000" dirty="0"/>
               <a:t>de las extensiones para ciertas funcionalidades.</a:t>
             </a:r>
           </a:p>
@@ -9568,6 +9858,18 @@
   <p:clrMapOvr>
     <a:masterClrMapping/>
   </p:clrMapOvr>
+  <mc:AlternateContent xmlns:mc="http://schemas.openxmlformats.org/markup-compatibility/2006">
+    <mc:Choice xmlns:p14="http://schemas.microsoft.com/office/powerpoint/2010/main" Requires="p14">
+      <p:transition spd="med" p14:dur="700">
+        <p:fade/>
+      </p:transition>
+    </mc:Choice>
+    <mc:Fallback>
+      <p:transition spd="med">
+        <p:fade/>
+      </p:transition>
+    </mc:Fallback>
+  </mc:AlternateContent>
   <p:timing>
     <p:tnLst>
       <p:par>
@@ -9702,6 +10004,18 @@
   <p:clrMapOvr>
     <a:masterClrMapping/>
   </p:clrMapOvr>
+  <mc:AlternateContent xmlns:mc="http://schemas.openxmlformats.org/markup-compatibility/2006">
+    <mc:Choice xmlns:p14="http://schemas.microsoft.com/office/powerpoint/2010/main" Requires="p14">
+      <p:transition spd="med" p14:dur="700">
+        <p:fade/>
+      </p:transition>
+    </mc:Choice>
+    <mc:Fallback>
+      <p:transition spd="med">
+        <p:fade/>
+      </p:transition>
+    </mc:Fallback>
+  </mc:AlternateContent>
   <p:timing>
     <p:tnLst>
       <p:par>
@@ -9756,15 +10070,7 @@
             </a:r>
             <a:r>
               <a:rPr lang="es-EC" dirty="0"/>
-              <a:t> Desktop es un potente Sistema de Información Geográfica (SIG) libre diseñado para dar solución a todas las necesidades relacionadas con el manejo de información geográfica. Se caracteriza por ser una solución completa, fácil de usar y que se adapta a las necesidades de cualquier usuario de SIG. Es capaz de acceder a los formatos más comunes, tanto vectoriales como </a:t>
-            </a:r>
-            <a:r>
-              <a:rPr lang="es-EC" dirty="0" err="1"/>
-              <a:t>raster</a:t>
-            </a:r>
-            <a:r>
-              <a:rPr lang="es-EC" dirty="0"/>
-              <a:t>, tanto locales como remotos, integra estándares OGC, y cuenta con un amplio número de herramientas para trabajar con información de naturaleza geográfica (consulta, creación de mapas, </a:t>
+              <a:t> Desktop es un potente Sistema de Información Geográfica (SIG) libre diseñado para dar solución a todas las necesidades relacionadas con el manejo de información geográfica. Se caracteriza por ser una solución completa, fácil de usar y que se adapta a las necesidades de cualquier usuario de SIG. Es capaz de acceder a los formatos más comunes, tanto vectoriales como raster, tanto locales como remotos, integra estándares OGC, y cuenta con un amplio número de herramientas para trabajar con información de naturaleza geográfica (consulta, creación de mapas, </a:t>
             </a:r>
             <a:r>
               <a:rPr lang="es-EC" dirty="0" err="1"/>
@@ -9885,6 +10191,18 @@
   <p:clrMapOvr>
     <a:masterClrMapping/>
   </p:clrMapOvr>
+  <mc:AlternateContent xmlns:mc="http://schemas.openxmlformats.org/markup-compatibility/2006">
+    <mc:Choice xmlns:p14="http://schemas.microsoft.com/office/powerpoint/2010/main" Requires="p14">
+      <p:transition spd="med" p14:dur="700">
+        <p:fade/>
+      </p:transition>
+    </mc:Choice>
+    <mc:Fallback>
+      <p:transition spd="med">
+        <p:fade/>
+      </p:transition>
+    </mc:Fallback>
+  </mc:AlternateContent>
   <p:timing>
     <p:tnLst>
       <p:par>
@@ -9921,7 +10239,7 @@
         <p:spPr>
           <a:xfrm>
             <a:off x="900751" y="1191610"/>
-            <a:ext cx="10208525" cy="5355312"/>
+            <a:ext cx="10208525" cy="5539978"/>
           </a:xfrm>
           <a:prstGeom prst="rect">
             <a:avLst/>
@@ -9938,8 +10256,12 @@
               <a:buChar char="Ø"/>
             </a:pPr>
             <a:r>
+              <a:rPr lang="es-EC" sz="2000" b="1" dirty="0"/>
+              <a:t>Portable: </a:t>
+            </a:r>
+            <a:r>
               <a:rPr lang="es-EC" dirty="0"/>
-              <a:t>Portable: funciona en distintas plataformas hardware / software, Linux, Windows y Mac OS. El lenguaje de programación es Java.</a:t>
+              <a:t>funciona en distintas plataformas hardware / software, Linux, Windows y Mac OS. El lenguaje de programación es Java.</a:t>
             </a:r>
           </a:p>
           <a:p>
@@ -9955,8 +10277,12 @@
               <a:buChar char="Ø"/>
             </a:pPr>
             <a:r>
+              <a:rPr lang="es-EC" sz="2000" b="1" dirty="0"/>
+              <a:t>Modular: </a:t>
+            </a:r>
+            <a:r>
               <a:rPr lang="es-EC" dirty="0"/>
-              <a:t>Modular: es ampliable con nuevas funcionalidades mediante el desarrollo de extensiones, permitiendo una mejora continua de la aplicación, así como el desarrollo de soluciones a medida.</a:t>
+              <a:t>es ampliable con nuevas funcionalidades mediante el desarrollo de extensiones, permitiendo una mejora continua de la aplicación, así como el desarrollo de soluciones a medida.</a:t>
             </a:r>
           </a:p>
           <a:p>
@@ -9972,8 +10298,12 @@
               <a:buChar char="Ø"/>
             </a:pPr>
             <a:r>
+              <a:rPr lang="es-EC" sz="2000" b="1" dirty="0"/>
+              <a:t>De código abierto: </a:t>
+            </a:r>
+            <a:r>
               <a:rPr lang="es-EC" dirty="0"/>
-              <a:t>De código abierto: licencia GNU/GPL, lo que permite su libre uso, distribución, estudio y mejora.</a:t>
+              <a:t>licencia GNU/GPL, lo que permite su libre uso, distribución, estudio y mejora.</a:t>
             </a:r>
           </a:p>
           <a:p>
@@ -9989,8 +10319,12 @@
               <a:buChar char="Ø"/>
             </a:pPr>
             <a:r>
+              <a:rPr lang="es-EC" sz="2000" b="1" dirty="0"/>
+              <a:t>Interoperable con las soluciones ya implantadas: </a:t>
+            </a:r>
+            <a:r>
               <a:rPr lang="es-EC" dirty="0"/>
-              <a:t>Interoperable con las soluciones ya implantadas: es capaz de acceder a los datos de otros programas privativos, como </a:t>
+              <a:t>es capaz de acceder a los datos de otros programas privativos, como </a:t>
             </a:r>
             <a:r>
               <a:rPr lang="es-EC" dirty="0" err="1"/>
@@ -10022,12 +10356,20 @@
               <a:buChar char="Ø"/>
             </a:pPr>
             <a:r>
-              <a:rPr lang="es-EC" dirty="0" err="1"/>
+              <a:rPr lang="es-EC" sz="2000" b="1" dirty="0" err="1" smtClean="0"/>
               <a:t>Internacionalizable</a:t>
             </a:r>
             <a:r>
+              <a:rPr lang="es-EC" sz="2000" b="1" dirty="0" smtClean="0"/>
+              <a:t>: </a:t>
+            </a:r>
+            <a:r>
+              <a:rPr lang="es-EC" dirty="0" smtClean="0"/>
+              <a:t>está </a:t>
+            </a:r>
+            <a:r>
               <a:rPr lang="es-EC" dirty="0"/>
-              <a:t> :está disponible en más de una veintena de idiomas (castellano, inglés, alemán, italiano,...) y permite la incorporación de nuevos idiomas con facilidad.</a:t>
+              <a:t>disponible en más de una veintena de idiomas (castellano, inglés, alemán, italiano,...) y permite la incorporación de nuevos idiomas con facilidad.</a:t>
             </a:r>
           </a:p>
           <a:p>
@@ -10043,8 +10385,12 @@
               <a:buChar char="Ø"/>
             </a:pPr>
             <a:r>
+              <a:rPr lang="es-EC" sz="2000" b="1" dirty="0"/>
+              <a:t>Sujeto a estándares: </a:t>
+            </a:r>
+            <a:r>
               <a:rPr lang="es-EC" dirty="0"/>
-              <a:t>Sujeto a estándares: sigue las directrices marcadas por el Open </a:t>
+              <a:t>sigue las directrices marcadas por el Open </a:t>
             </a:r>
             <a:r>
               <a:rPr lang="es-EC" dirty="0" err="1"/>
@@ -10119,6 +10465,18 @@
   <p:clrMapOvr>
     <a:masterClrMapping/>
   </p:clrMapOvr>
+  <mc:AlternateContent xmlns:mc="http://schemas.openxmlformats.org/markup-compatibility/2006">
+    <mc:Choice xmlns:p14="http://schemas.microsoft.com/office/powerpoint/2010/main" Requires="p14">
+      <p:transition spd="med" p14:dur="700">
+        <p:fade/>
+      </p:transition>
+    </mc:Choice>
+    <mc:Fallback>
+      <p:transition spd="med">
+        <p:fade/>
+      </p:transition>
+    </mc:Fallback>
+  </mc:AlternateContent>
   <p:timing>
     <p:tnLst>
       <p:par>
@@ -10155,7 +10513,7 @@
         <p:spPr>
           <a:xfrm>
             <a:off x="627797" y="1166843"/>
-            <a:ext cx="10167582" cy="3416320"/>
+            <a:ext cx="10167582" cy="4708981"/>
           </a:xfrm>
           <a:prstGeom prst="rect">
             <a:avLst/>
@@ -10167,77 +10525,128 @@
           </a:bodyPr>
           <a:lstStyle/>
           <a:p>
-            <a:r>
-              <a:rPr lang="es-EC" dirty="0" err="1"/>
+            <a:pPr algn="just"/>
+            <a:r>
+              <a:rPr lang="es-EC" sz="2000" dirty="0" err="1"/>
               <a:t>GvSIG</a:t>
             </a:r>
             <a:r>
-              <a:rPr lang="es-EC" dirty="0"/>
+              <a:rPr lang="es-EC" sz="2000" dirty="0"/>
               <a:t> es, en primer lugar, un proyecto de desarrollo en software libre, con la licencia</a:t>
             </a:r>
           </a:p>
           <a:p>
-            <a:r>
-              <a:rPr lang="es-EC" dirty="0"/>
+            <a:pPr algn="just"/>
+            <a:r>
+              <a:rPr lang="es-EC" sz="2000" dirty="0"/>
               <a:t>más abierta de las posibles, la denominada GNU / GPL. El hecho de ser software libre</a:t>
             </a:r>
           </a:p>
           <a:p>
-            <a:r>
-              <a:rPr lang="es-EC" dirty="0"/>
+            <a:pPr algn="just"/>
+            <a:r>
+              <a:rPr lang="es-EC" sz="2000" dirty="0"/>
               <a:t>asegura al usuario estas cuatro libertades</a:t>
             </a:r>
             <a:r>
-              <a:rPr lang="es-EC" dirty="0" smtClean="0"/>
+              <a:rPr lang="es-EC" sz="2000" dirty="0" smtClean="0"/>
               <a:t>:</a:t>
             </a:r>
           </a:p>
           <a:p>
-            <a:endParaRPr lang="es-EC" dirty="0"/>
-          </a:p>
-          <a:p>
-            <a:endParaRPr lang="es-EC" dirty="0"/>
-          </a:p>
-          <a:p>
-            <a:r>
-              <a:rPr lang="es-EC" dirty="0"/>
-              <a:t>· Ejecutar el programa con cualquier propósito (privado, educativo, público,</a:t>
-            </a:r>
-          </a:p>
-          <a:p>
-            <a:r>
-              <a:rPr lang="es-EC" dirty="0"/>
-              <a:t>comercial, etc.)</a:t>
-            </a:r>
-          </a:p>
-          <a:p>
-            <a:r>
-              <a:rPr lang="es-EC" dirty="0"/>
-              <a:t>· Estudiar y modificar el programa (para lo cual es necesario tener acceso al código</a:t>
-            </a:r>
-          </a:p>
-          <a:p>
-            <a:r>
-              <a:rPr lang="es-EC" dirty="0"/>
-              <a:t>fuente)</a:t>
-            </a:r>
-          </a:p>
-          <a:p>
-            <a:r>
-              <a:rPr lang="es-EC" dirty="0"/>
-              <a:t>· Copiar el programa de manera que se pueda ayudar al vecino o a cualquiera</a:t>
-            </a:r>
-          </a:p>
-          <a:p>
-            <a:r>
-              <a:rPr lang="es-EC" dirty="0"/>
-              <a:t>· Mejorar el programa, y hacer públicas las mejoras, de forma que se beneficie a</a:t>
-            </a:r>
-          </a:p>
-          <a:p>
-            <a:r>
-              <a:rPr lang="es-EC" dirty="0"/>
-              <a:t>toda la comunidad.</a:t>
+            <a:pPr algn="just"/>
+            <a:endParaRPr lang="es-EC" sz="2000" dirty="0"/>
+          </a:p>
+          <a:p>
+            <a:pPr algn="just"/>
+            <a:endParaRPr lang="es-EC" sz="2000" dirty="0"/>
+          </a:p>
+          <a:p>
+            <a:pPr marL="342900" indent="-342900" algn="just">
+              <a:buFont typeface="Wingdings" panose="05000000000000000000" pitchFamily="2" charset="2"/>
+              <a:buChar char="Ø"/>
+            </a:pPr>
+            <a:r>
+              <a:rPr lang="es-EC" sz="2000" dirty="0" smtClean="0"/>
+              <a:t>Ejecutar </a:t>
+            </a:r>
+            <a:r>
+              <a:rPr lang="es-EC" sz="2000" dirty="0"/>
+              <a:t>el programa con cualquier propósito (privado, educativo, </a:t>
+            </a:r>
+            <a:r>
+              <a:rPr lang="es-EC" sz="2000" dirty="0" smtClean="0"/>
+              <a:t>público, comercial</a:t>
+            </a:r>
+            <a:r>
+              <a:rPr lang="es-EC" sz="2000" dirty="0"/>
+              <a:t>, etc.)</a:t>
+            </a:r>
+          </a:p>
+          <a:p>
+            <a:pPr marL="342900" indent="-342900" algn="just">
+              <a:buFont typeface="Wingdings" panose="05000000000000000000" pitchFamily="2" charset="2"/>
+              <a:buChar char="Ø"/>
+            </a:pPr>
+            <a:r>
+              <a:rPr lang="es-EC" sz="2000" dirty="0" smtClean="0"/>
+              <a:t>Estudiar </a:t>
+            </a:r>
+            <a:r>
+              <a:rPr lang="es-EC" sz="2000" dirty="0"/>
+              <a:t>y modificar el programa (para lo cual es necesario tener acceso </a:t>
+            </a:r>
+            <a:r>
+              <a:rPr lang="es-EC" sz="2000" dirty="0" smtClean="0"/>
+              <a:t>al código</a:t>
+            </a:r>
+            <a:r>
+              <a:rPr lang="es-EC" sz="2000" dirty="0"/>
+              <a:t> </a:t>
+            </a:r>
+            <a:r>
+              <a:rPr lang="es-EC" sz="2000" dirty="0" smtClean="0"/>
+              <a:t>fuente</a:t>
+            </a:r>
+            <a:r>
+              <a:rPr lang="es-EC" sz="2000" dirty="0"/>
+              <a:t>)</a:t>
+            </a:r>
+          </a:p>
+          <a:p>
+            <a:pPr marL="342900" indent="-342900" algn="just">
+              <a:buFont typeface="Wingdings" panose="05000000000000000000" pitchFamily="2" charset="2"/>
+              <a:buChar char="Ø"/>
+            </a:pPr>
+            <a:r>
+              <a:rPr lang="es-EC" sz="2000" dirty="0" smtClean="0"/>
+              <a:t>Copiar </a:t>
+            </a:r>
+            <a:r>
+              <a:rPr lang="es-EC" sz="2000" dirty="0"/>
+              <a:t>el programa de manera que se pueda ayudar al vecino o a cualquiera</a:t>
+            </a:r>
+          </a:p>
+          <a:p>
+            <a:pPr marL="342900" indent="-342900" algn="just">
+              <a:buFont typeface="Wingdings" panose="05000000000000000000" pitchFamily="2" charset="2"/>
+              <a:buChar char="Ø"/>
+            </a:pPr>
+            <a:r>
+              <a:rPr lang="es-EC" sz="2000" dirty="0" smtClean="0"/>
+              <a:t>Mejorar </a:t>
+            </a:r>
+            <a:r>
+              <a:rPr lang="es-EC" sz="2000" dirty="0"/>
+              <a:t>el programa, y hacer públicas las mejoras, de forma que se beneficie </a:t>
+            </a:r>
+            <a:r>
+              <a:rPr lang="es-EC" sz="2000" dirty="0" smtClean="0"/>
+              <a:t>a toda </a:t>
+            </a:r>
+            <a:r>
+              <a:rPr lang="es-EC" sz="2000" dirty="0"/>
+              <a:t>la comunidad.</a:t>
             </a:r>
           </a:p>
         </p:txBody>
@@ -10252,6 +10661,25 @@
   <p:clrMapOvr>
     <a:masterClrMapping/>
   </p:clrMapOvr>
+  <mc:AlternateContent xmlns:mc="http://schemas.openxmlformats.org/markup-compatibility/2006">
+    <mc:Choice xmlns:p14="http://schemas.microsoft.com/office/powerpoint/2010/main" Requires="p14">
+      <p:transition spd="med" p14:dur="700">
+        <p:fade/>
+      </p:transition>
+    </mc:Choice>
+    <mc:Fallback>
+      <p:transition spd="med">
+        <p:fade/>
+      </p:transition>
+    </mc:Fallback>
+  </mc:AlternateContent>
+  <p:timing>
+    <p:tnLst>
+      <p:par>
+        <p:cTn id="1" dur="indefinite" restart="never" nodeType="tmRoot"/>
+      </p:par>
+    </p:tnLst>
+  </p:timing>
 </p:sld>
 </file>
 
@@ -10438,12 +10866,8 @@
                     <a:lstStyle/>
                     <a:p>
                       <a:r>
-                        <a:rPr lang="es-EC" sz="1800" u="none" strike="noStrike" kern="1200" baseline="0" dirty="0" err="1" smtClean="0"/>
-                        <a:t>Raster</a:t>
-                      </a:r>
-                      <a:r>
                         <a:rPr lang="es-EC" sz="1800" u="none" strike="noStrike" kern="1200" baseline="0" dirty="0" smtClean="0"/>
-                        <a:t> (</a:t>
+                        <a:t>Raster (</a:t>
                       </a:r>
                       <a:r>
                         <a:rPr lang="es-EC" sz="1800" u="none" strike="noStrike" kern="1200" baseline="0" dirty="0" err="1" smtClean="0"/>
@@ -11022,6 +11446,25 @@
   <p:clrMapOvr>
     <a:masterClrMapping/>
   </p:clrMapOvr>
+  <mc:AlternateContent xmlns:mc="http://schemas.openxmlformats.org/markup-compatibility/2006">
+    <mc:Choice xmlns:p14="http://schemas.microsoft.com/office/powerpoint/2010/main" Requires="p14">
+      <p:transition spd="med" p14:dur="700">
+        <p:fade/>
+      </p:transition>
+    </mc:Choice>
+    <mc:Fallback>
+      <p:transition spd="med">
+        <p:fade/>
+      </p:transition>
+    </mc:Fallback>
+  </mc:AlternateContent>
+  <p:timing>
+    <p:tnLst>
+      <p:par>
+        <p:cTn id="1" dur="indefinite" restart="never" nodeType="tmRoot"/>
+      </p:par>
+    </p:tnLst>
+  </p:timing>
 </p:sld>
 </file>
 
@@ -11089,15 +11532,15 @@
           <a:lstStyle/>
           <a:p>
             <a:r>
-              <a:rPr lang="es-EC" dirty="0"/>
+              <a:rPr lang="es-EC" b="1" dirty="0"/>
               <a:t>En </a:t>
             </a:r>
             <a:r>
-              <a:rPr lang="es-EC" dirty="0" err="1"/>
+              <a:rPr lang="es-EC" b="1" dirty="0" err="1"/>
               <a:t>gvSIG</a:t>
             </a:r>
             <a:r>
-              <a:rPr lang="es-EC" dirty="0"/>
+              <a:rPr lang="es-EC" b="1" dirty="0"/>
               <a:t> Desktop podemos encontrar un amplio abanico de funcionalidades, integrando las más diversas áreas de aplicación de los SIG:</a:t>
             </a:r>
           </a:p>
@@ -11247,6 +11690,18 @@
   <p:clrMapOvr>
     <a:masterClrMapping/>
   </p:clrMapOvr>
+  <mc:AlternateContent xmlns:mc="http://schemas.openxmlformats.org/markup-compatibility/2006">
+    <mc:Choice xmlns:p14="http://schemas.microsoft.com/office/powerpoint/2010/main" Requires="p14">
+      <p:transition spd="med" p14:dur="700">
+        <p:fade/>
+      </p:transition>
+    </mc:Choice>
+    <mc:Fallback>
+      <p:transition spd="med">
+        <p:fade/>
+      </p:transition>
+    </mc:Fallback>
+  </mc:AlternateContent>
   <p:timing>
     <p:tnLst>
       <p:par>
@@ -11306,15 +11761,7 @@
             </a:r>
             <a:r>
               <a:rPr lang="es-EC" dirty="0"/>
-              <a:t>acceso a formatos </a:t>
-            </a:r>
-            <a:r>
-              <a:rPr lang="es-EC" dirty="0" err="1"/>
-              <a:t>raster</a:t>
-            </a:r>
-            <a:r>
-              <a:rPr lang="es-EC" dirty="0"/>
-              <a:t>, tabla de color y gradientes, recorte de datos y bandas, exportación de capas, procesamiento por píxel, tratamiento de interpretación de color, generación de pirámides, realces radiométricos, histogramas, geolocalización, </a:t>
+              <a:t>acceso a formatos raster, tabla de color y gradientes, recorte de datos y bandas, exportación de capas, procesamiento por píxel, tratamiento de interpretación de color, generación de pirámides, realces radiométricos, histogramas, geolocalización, </a:t>
             </a:r>
             <a:r>
               <a:rPr lang="es-EC" dirty="0" err="1"/>
@@ -11322,15 +11769,7 @@
             </a:r>
             <a:r>
               <a:rPr lang="es-EC" dirty="0"/>
-              <a:t> de </a:t>
-            </a:r>
-            <a:r>
-              <a:rPr lang="es-EC" dirty="0" err="1"/>
-              <a:t>raster</a:t>
-            </a:r>
-            <a:r>
-              <a:rPr lang="es-EC" dirty="0"/>
-              <a:t>, georreferenciación, </a:t>
+              <a:t> de raster, georreferenciación, </a:t>
             </a:r>
             <a:r>
               <a:rPr lang="es-EC" dirty="0" err="1"/>
@@ -11402,6 +11841,18 @@
   <p:clrMapOvr>
     <a:masterClrMapping/>
   </p:clrMapOvr>
+  <mc:AlternateContent xmlns:mc="http://schemas.openxmlformats.org/markup-compatibility/2006">
+    <mc:Choice xmlns:p14="http://schemas.microsoft.com/office/powerpoint/2010/main" Requires="p14">
+      <p:transition spd="med" p14:dur="700">
+        <p:fade/>
+      </p:transition>
+    </mc:Choice>
+    <mc:Fallback>
+      <p:transition spd="med">
+        <p:fade/>
+      </p:transition>
+    </mc:Fallback>
+  </mc:AlternateContent>
   <p:timing>
     <p:tnLst>
       <p:par>

--- a/Expo-gvSIG.pptx
+++ b/Expo-gvSIG.pptx
@@ -321,7 +321,7 @@
           <a:p>
             <a:fld id="{75FE89A0-BF76-4052-9819-E3FC0D227D7C}" type="datetimeFigureOut">
               <a:rPr lang="es-EC" smtClean="0"/>
-              <a:t>20/01/2015</a:t>
+              <a:t>21/01/2015</a:t>
             </a:fld>
             <a:endParaRPr lang="es-EC"/>
           </a:p>
@@ -608,7 +608,7 @@
           <a:p>
             <a:fld id="{75FE89A0-BF76-4052-9819-E3FC0D227D7C}" type="datetimeFigureOut">
               <a:rPr lang="es-EC" smtClean="0"/>
-              <a:t>20/01/2015</a:t>
+              <a:t>21/01/2015</a:t>
             </a:fld>
             <a:endParaRPr lang="es-EC"/>
           </a:p>
@@ -814,7 +814,7 @@
           <a:p>
             <a:fld id="{75FE89A0-BF76-4052-9819-E3FC0D227D7C}" type="datetimeFigureOut">
               <a:rPr lang="es-EC" smtClean="0"/>
-              <a:t>20/01/2015</a:t>
+              <a:t>21/01/2015</a:t>
             </a:fld>
             <a:endParaRPr lang="es-EC"/>
           </a:p>
@@ -1099,7 +1099,7 @@
           <a:p>
             <a:fld id="{75FE89A0-BF76-4052-9819-E3FC0D227D7C}" type="datetimeFigureOut">
               <a:rPr lang="es-EC" smtClean="0"/>
-              <a:t>20/01/2015</a:t>
+              <a:t>21/01/2015</a:t>
             </a:fld>
             <a:endParaRPr lang="es-EC"/>
           </a:p>
@@ -1452,7 +1452,7 @@
           <a:p>
             <a:fld id="{75FE89A0-BF76-4052-9819-E3FC0D227D7C}" type="datetimeFigureOut">
               <a:rPr lang="es-EC" smtClean="0"/>
-              <a:t>20/01/2015</a:t>
+              <a:t>21/01/2015</a:t>
             </a:fld>
             <a:endParaRPr lang="es-EC"/>
           </a:p>
@@ -2087,7 +2087,7 @@
           <a:p>
             <a:fld id="{75FE89A0-BF76-4052-9819-E3FC0D227D7C}" type="datetimeFigureOut">
               <a:rPr lang="es-EC" smtClean="0"/>
-              <a:t>20/01/2015</a:t>
+              <a:t>21/01/2015</a:t>
             </a:fld>
             <a:endParaRPr lang="es-EC"/>
           </a:p>
@@ -2959,7 +2959,7 @@
           <a:p>
             <a:fld id="{75FE89A0-BF76-4052-9819-E3FC0D227D7C}" type="datetimeFigureOut">
               <a:rPr lang="es-EC" smtClean="0"/>
-              <a:t>20/01/2015</a:t>
+              <a:t>21/01/2015</a:t>
             </a:fld>
             <a:endParaRPr lang="es-EC"/>
           </a:p>
@@ -3141,7 +3141,7 @@
           <a:p>
             <a:fld id="{75FE89A0-BF76-4052-9819-E3FC0D227D7C}" type="datetimeFigureOut">
               <a:rPr lang="es-EC" smtClean="0"/>
-              <a:t>20/01/2015</a:t>
+              <a:t>21/01/2015</a:t>
             </a:fld>
             <a:endParaRPr lang="es-EC"/>
           </a:p>
@@ -3333,7 +3333,7 @@
           <a:p>
             <a:fld id="{75FE89A0-BF76-4052-9819-E3FC0D227D7C}" type="datetimeFigureOut">
               <a:rPr lang="es-EC" smtClean="0"/>
-              <a:t>20/01/2015</a:t>
+              <a:t>21/01/2015</a:t>
             </a:fld>
             <a:endParaRPr lang="es-EC"/>
           </a:p>
@@ -3515,7 +3515,7 @@
           <a:p>
             <a:fld id="{75FE89A0-BF76-4052-9819-E3FC0D227D7C}" type="datetimeFigureOut">
               <a:rPr lang="es-EC" smtClean="0"/>
-              <a:t>20/01/2015</a:t>
+              <a:t>21/01/2015</a:t>
             </a:fld>
             <a:endParaRPr lang="es-EC"/>
           </a:p>
@@ -3774,7 +3774,7 @@
           <a:p>
             <a:fld id="{75FE89A0-BF76-4052-9819-E3FC0D227D7C}" type="datetimeFigureOut">
               <a:rPr lang="es-EC" smtClean="0"/>
-              <a:t>20/01/2015</a:t>
+              <a:t>21/01/2015</a:t>
             </a:fld>
             <a:endParaRPr lang="es-EC"/>
           </a:p>
@@ -4078,7 +4078,7 @@
           <a:p>
             <a:fld id="{75FE89A0-BF76-4052-9819-E3FC0D227D7C}" type="datetimeFigureOut">
               <a:rPr lang="es-EC" smtClean="0"/>
-              <a:t>20/01/2015</a:t>
+              <a:t>21/01/2015</a:t>
             </a:fld>
             <a:endParaRPr lang="es-EC"/>
           </a:p>
@@ -4534,7 +4534,7 @@
           <a:p>
             <a:fld id="{75FE89A0-BF76-4052-9819-E3FC0D227D7C}" type="datetimeFigureOut">
               <a:rPr lang="es-EC" smtClean="0"/>
-              <a:t>20/01/2015</a:t>
+              <a:t>21/01/2015</a:t>
             </a:fld>
             <a:endParaRPr lang="es-EC"/>
           </a:p>
@@ -4664,7 +4664,7 @@
           <a:p>
             <a:fld id="{75FE89A0-BF76-4052-9819-E3FC0D227D7C}" type="datetimeFigureOut">
               <a:rPr lang="es-EC" smtClean="0"/>
-              <a:t>20/01/2015</a:t>
+              <a:t>21/01/2015</a:t>
             </a:fld>
             <a:endParaRPr lang="es-EC"/>
           </a:p>
@@ -4771,7 +4771,7 @@
           <a:p>
             <a:fld id="{75FE89A0-BF76-4052-9819-E3FC0D227D7C}" type="datetimeFigureOut">
               <a:rPr lang="es-EC" smtClean="0"/>
-              <a:t>20/01/2015</a:t>
+              <a:t>21/01/2015</a:t>
             </a:fld>
             <a:endParaRPr lang="es-EC"/>
           </a:p>
@@ -5062,7 +5062,7 @@
           <a:p>
             <a:fld id="{75FE89A0-BF76-4052-9819-E3FC0D227D7C}" type="datetimeFigureOut">
               <a:rPr lang="es-EC" smtClean="0"/>
-              <a:t>20/01/2015</a:t>
+              <a:t>21/01/2015</a:t>
             </a:fld>
             <a:endParaRPr lang="es-EC"/>
           </a:p>
@@ -5349,7 +5349,7 @@
           <a:p>
             <a:fld id="{75FE89A0-BF76-4052-9819-E3FC0D227D7C}" type="datetimeFigureOut">
               <a:rPr lang="es-EC" smtClean="0"/>
-              <a:t>20/01/2015</a:t>
+              <a:t>21/01/2015</a:t>
             </a:fld>
             <a:endParaRPr lang="es-EC"/>
           </a:p>
@@ -5790,7 +5790,7 @@
           <a:p>
             <a:fld id="{75FE89A0-BF76-4052-9819-E3FC0D227D7C}" type="datetimeFigureOut">
               <a:rPr lang="es-EC" smtClean="0"/>
-              <a:t>20/01/2015</a:t>
+              <a:t>21/01/2015</a:t>
             </a:fld>
             <a:endParaRPr lang="es-EC"/>
           </a:p>
@@ -7519,7 +7519,7 @@
         <p:spPr>
           <a:xfrm>
             <a:off x="1446662" y="1459833"/>
-            <a:ext cx="9512489" cy="5016758"/>
+            <a:ext cx="9512489" cy="4431983"/>
           </a:xfrm>
           <a:prstGeom prst="rect">
             <a:avLst/>
@@ -7623,14 +7623,15 @@
             </a:r>
             <a:r>
               <a:rPr lang="es-EC" sz="2000" dirty="0"/>
-              <a:t> de forma</a:t>
-            </a:r>
-          </a:p>
-          <a:p>
-            <a:pPr algn="just"/>
+              <a:t> de </a:t>
+            </a:r>
+            <a:r>
+              <a:rPr lang="es-EC" sz="2000" dirty="0" smtClean="0"/>
+              <a:t>forma sencilla </a:t>
+            </a:r>
             <a:r>
               <a:rPr lang="es-EC" sz="2000" dirty="0"/>
-              <a:t>sencilla y unificada para distintos proveedores. En la actualidad </a:t>
+              <a:t>y unificada para distintos proveedores. En la actualidad </a:t>
             </a:r>
             <a:r>
               <a:rPr lang="es-EC" sz="2000" dirty="0" err="1"/>
@@ -7638,14 +7639,15 @@
             </a:r>
             <a:r>
               <a:rPr lang="es-EC" sz="2000" dirty="0"/>
-              <a:t> soporta los</a:t>
-            </a:r>
-          </a:p>
-          <a:p>
-            <a:pPr algn="just"/>
+              <a:t> soporta </a:t>
+            </a:r>
+            <a:r>
+              <a:rPr lang="es-EC" sz="2000" dirty="0" smtClean="0"/>
+              <a:t>los siguientes </a:t>
+            </a:r>
             <a:r>
               <a:rPr lang="es-EC" sz="2000" dirty="0"/>
-              <a:t>siguientes sistemas gestores de bases de datos:</a:t>
+              <a:t>sistemas gestores de bases de datos:</a:t>
             </a:r>
           </a:p>
           <a:p>
@@ -9901,15 +9903,7 @@
             <a:pPr algn="ctr"/>
             <a:r>
               <a:rPr lang="es-EC" sz="2800" dirty="0" smtClean="0"/>
-              <a:t>¿QUÉ ES GVSIG </a:t>
-            </a:r>
-            <a:r>
-              <a:rPr lang="es-EC" sz="2800" dirty="0" smtClean="0"/>
-              <a:t>MNI MAPS</a:t>
-            </a:r>
-            <a:r>
-              <a:rPr lang="es-EC" sz="2800" dirty="0" smtClean="0"/>
-              <a:t>?</a:t>
+              <a:t>¿QUÉ ES GVSIG MNI MAPS?</a:t>
             </a:r>
             <a:endParaRPr lang="es-EC" sz="2800" dirty="0"/>
           </a:p>
@@ -10339,7 +10333,6 @@
               <a:rPr lang="es-EC" sz="2800" dirty="0"/>
               <a:t>Soporte de capas WMS y WMS-C</a:t>
             </a:r>
-            <a:endParaRPr lang="es-EC" sz="2800" dirty="0"/>
           </a:p>
         </p:txBody>
       </p:sp>
@@ -11008,7 +11001,7 @@
         <p:spPr>
           <a:xfrm>
             <a:off x="627797" y="1166843"/>
-            <a:ext cx="10167582" cy="4708981"/>
+            <a:ext cx="10167582" cy="4093428"/>
           </a:xfrm>
           <a:prstGeom prst="rect">
             <a:avLst/>
@@ -11027,21 +11020,23 @@
             </a:r>
             <a:r>
               <a:rPr lang="es-EC" sz="2000" dirty="0"/>
-              <a:t> es, en primer lugar, un proyecto de desarrollo en software libre, con la licencia</a:t>
-            </a:r>
-          </a:p>
-          <a:p>
-            <a:pPr algn="just"/>
+              <a:t> es, en primer lugar, un proyecto de desarrollo en software libre, con la </a:t>
+            </a:r>
+            <a:r>
+              <a:rPr lang="es-EC" sz="2000" dirty="0" smtClean="0"/>
+              <a:t>licencia más </a:t>
+            </a:r>
             <a:r>
               <a:rPr lang="es-EC" sz="2000" dirty="0"/>
-              <a:t>más abierta de las posibles, la denominada GNU / GPL. El hecho de ser software libre</a:t>
-            </a:r>
-          </a:p>
-          <a:p>
-            <a:pPr algn="just"/>
+              <a:t>abierta de las posibles, la denominada GNU / GPL. El hecho de ser software </a:t>
+            </a:r>
+            <a:r>
+              <a:rPr lang="es-EC" sz="2000" dirty="0" smtClean="0"/>
+              <a:t>libre asegura </a:t>
+            </a:r>
             <a:r>
               <a:rPr lang="es-EC" sz="2000" dirty="0"/>
-              <a:t>asegura al usuario estas cuatro libertades</a:t>
+              <a:t>al usuario estas cuatro libertades</a:t>
             </a:r>
             <a:r>
               <a:rPr lang="es-EC" sz="2000" dirty="0" smtClean="0"/>
